--- a/presentation/presentation.pptx
+++ b/presentation/presentation.pptx
@@ -5,14 +5,17 @@
     <p:sldMasterId id="2147483648" r:id="rId1"/>
   </p:sldMasterIdLst>
   <p:notesMasterIdLst>
-    <p:notesMasterId r:id="rId4"/>
+    <p:notesMasterId r:id="rId7"/>
   </p:notesMasterIdLst>
   <p:handoutMasterIdLst>
-    <p:handoutMasterId r:id="rId5"/>
+    <p:handoutMasterId r:id="rId8"/>
   </p:handoutMasterIdLst>
   <p:sldIdLst>
     <p:sldId id="256" r:id="rId2"/>
-    <p:sldId id="257" r:id="rId3"/>
+    <p:sldId id="258" r:id="rId3"/>
+    <p:sldId id="257" r:id="rId4"/>
+    <p:sldId id="259" r:id="rId5"/>
+    <p:sldId id="260" r:id="rId6"/>
   </p:sldIdLst>
   <p:sldSz cx="9144000" cy="6858000" type="screen4x3"/>
   <p:notesSz cx="6858000" cy="9144000"/>
@@ -196,7 +199,7 @@
           <a:p>
             <a:fld id="{79A57324-CFFD-9E40-8C3B-390D028943AC}" type="datetimeFigureOut">
               <a:rPr lang="en-US" smtClean="0"/>
-              <a:t>4/22/16</a:t>
+              <a:t>4/26/16</a:t>
             </a:fld>
             <a:endParaRPr lang="en-US"/>
           </a:p>
@@ -362,7 +365,7 @@
           <a:p>
             <a:fld id="{C2E09A59-6BEC-5447-ACE7-43110F78B9D5}" type="datetimeFigureOut">
               <a:rPr lang="en-US" smtClean="0"/>
-              <a:t>4/22/16</a:t>
+              <a:t>4/26/16</a:t>
             </a:fld>
             <a:endParaRPr lang="en-US"/>
           </a:p>
@@ -894,9 +897,9 @@
           <a:bodyPr/>
           <a:lstStyle/>
           <a:p>
-            <a:fld id="{C763C9CD-7354-F840-A7B8-8EDFC6ED1D03}" type="datetime1">
-              <a:rPr lang="en-US" smtClean="0"/>
-              <a:t>4/22/16</a:t>
+            <a:fld id="{FB501018-9FF2-9148-B5C3-B3E8A6997B04}" type="datetime1">
+              <a:rPr lang="en-US" smtClean="0"/>
+              <a:t>4/26/16</a:t>
             </a:fld>
             <a:endParaRPr lang="en-US"/>
           </a:p>
@@ -1064,9 +1067,9 @@
           <a:bodyPr/>
           <a:lstStyle/>
           <a:p>
-            <a:fld id="{197D5C06-DE7C-7941-8D71-855854026A59}" type="datetime1">
-              <a:rPr lang="en-US" smtClean="0"/>
-              <a:t>4/22/16</a:t>
+            <a:fld id="{3395D596-0EE7-CB48-91ED-137BFC3C3D0A}" type="datetime1">
+              <a:rPr lang="en-US" smtClean="0"/>
+              <a:t>4/26/16</a:t>
             </a:fld>
             <a:endParaRPr lang="en-US"/>
           </a:p>
@@ -1244,9 +1247,9 @@
           <a:bodyPr/>
           <a:lstStyle/>
           <a:p>
-            <a:fld id="{9C3FB715-E29D-FE4C-9FDC-BDB177C3F4B2}" type="datetime1">
-              <a:rPr lang="en-US" smtClean="0"/>
-              <a:t>4/22/16</a:t>
+            <a:fld id="{2AAD91EA-B91A-974B-B02E-11C6BFE223F1}" type="datetime1">
+              <a:rPr lang="en-US" smtClean="0"/>
+              <a:t>4/26/16</a:t>
             </a:fld>
             <a:endParaRPr lang="en-US"/>
           </a:p>
@@ -1414,9 +1417,9 @@
           <a:bodyPr/>
           <a:lstStyle/>
           <a:p>
-            <a:fld id="{AB8C2258-5CA4-6E47-9A2E-7F456C703874}" type="datetime1">
-              <a:rPr lang="en-US" smtClean="0"/>
-              <a:t>4/22/16</a:t>
+            <a:fld id="{A28FA02A-4C34-4740-A780-9C675F330F99}" type="datetime1">
+              <a:rPr lang="en-US" smtClean="0"/>
+              <a:t>4/26/16</a:t>
             </a:fld>
             <a:endParaRPr lang="en-US"/>
           </a:p>
@@ -1660,9 +1663,9 @@
           <a:bodyPr/>
           <a:lstStyle/>
           <a:p>
-            <a:fld id="{1CF5C466-BAE6-264F-BA0F-9DBCDC5FBBF6}" type="datetime1">
-              <a:rPr lang="en-US" smtClean="0"/>
-              <a:t>4/22/16</a:t>
+            <a:fld id="{EFE54A8F-22C6-A846-AB94-796985C14CD6}" type="datetime1">
+              <a:rPr lang="en-US" smtClean="0"/>
+              <a:t>4/26/16</a:t>
             </a:fld>
             <a:endParaRPr lang="en-US"/>
           </a:p>
@@ -1948,9 +1951,9 @@
           <a:bodyPr/>
           <a:lstStyle/>
           <a:p>
-            <a:fld id="{B53ABBC6-4ED7-AE45-939F-893A44F67F67}" type="datetime1">
-              <a:rPr lang="en-US" smtClean="0"/>
-              <a:t>4/22/16</a:t>
+            <a:fld id="{B8996FFA-2B03-3641-9B11-A475983ABC6E}" type="datetime1">
+              <a:rPr lang="en-US" smtClean="0"/>
+              <a:t>4/26/16</a:t>
             </a:fld>
             <a:endParaRPr lang="en-US"/>
           </a:p>
@@ -2370,9 +2373,9 @@
           <a:bodyPr/>
           <a:lstStyle/>
           <a:p>
-            <a:fld id="{E8030D81-BD1A-8847-AC87-D3D2C12E9AC6}" type="datetime1">
-              <a:rPr lang="en-US" smtClean="0"/>
-              <a:t>4/22/16</a:t>
+            <a:fld id="{14E9E958-28EF-1C45-AC65-BCA15E105D6B}" type="datetime1">
+              <a:rPr lang="en-US" smtClean="0"/>
+              <a:t>4/26/16</a:t>
             </a:fld>
             <a:endParaRPr lang="en-US"/>
           </a:p>
@@ -2488,9 +2491,9 @@
           <a:bodyPr/>
           <a:lstStyle/>
           <a:p>
-            <a:fld id="{8637CE93-9193-4D4E-A227-832FE2BA60DE}" type="datetime1">
-              <a:rPr lang="en-US" smtClean="0"/>
-              <a:t>4/22/16</a:t>
+            <a:fld id="{7FADFE53-BD08-B146-BE65-0F1F1A272720}" type="datetime1">
+              <a:rPr lang="en-US" smtClean="0"/>
+              <a:t>4/26/16</a:t>
             </a:fld>
             <a:endParaRPr lang="en-US"/>
           </a:p>
@@ -2583,9 +2586,9 @@
           <a:bodyPr/>
           <a:lstStyle/>
           <a:p>
-            <a:fld id="{3BCB6606-2558-AF45-932D-29D7394DCDC9}" type="datetime1">
-              <a:rPr lang="en-US" smtClean="0"/>
-              <a:t>4/22/16</a:t>
+            <a:fld id="{EFF5714E-CAE9-CB4E-A8AE-5B6B95366052}" type="datetime1">
+              <a:rPr lang="en-US" smtClean="0"/>
+              <a:t>4/26/16</a:t>
             </a:fld>
             <a:endParaRPr lang="en-US"/>
           </a:p>
@@ -2860,9 +2863,9 @@
           <a:bodyPr/>
           <a:lstStyle/>
           <a:p>
-            <a:fld id="{11E994D9-4E14-1749-94E1-E50CB12F2C10}" type="datetime1">
-              <a:rPr lang="en-US" smtClean="0"/>
-              <a:t>4/22/16</a:t>
+            <a:fld id="{AEAEEDD5-7292-1E45-8CDB-5927E5506F44}" type="datetime1">
+              <a:rPr lang="en-US" smtClean="0"/>
+              <a:t>4/26/16</a:t>
             </a:fld>
             <a:endParaRPr lang="en-US"/>
           </a:p>
@@ -3113,9 +3116,9 @@
           <a:bodyPr/>
           <a:lstStyle/>
           <a:p>
-            <a:fld id="{2578BB87-D9AB-E547-AA35-8523085E71E8}" type="datetime1">
-              <a:rPr lang="en-US" smtClean="0"/>
-              <a:t>4/22/16</a:t>
+            <a:fld id="{BBCC523B-1C4F-D744-9F12-C0AAD73D1AD6}" type="datetime1">
+              <a:rPr lang="en-US" smtClean="0"/>
+              <a:t>4/26/16</a:t>
             </a:fld>
             <a:endParaRPr lang="en-US"/>
           </a:p>
@@ -3326,9 +3329,9 @@
             </a:lvl1pPr>
           </a:lstStyle>
           <a:p>
-            <a:fld id="{967780D0-242B-9E41-8C37-F6D4BC617431}" type="datetime1">
-              <a:rPr lang="en-US" smtClean="0"/>
-              <a:t>4/22/16</a:t>
+            <a:fld id="{F8A7624F-586D-C642-A187-F76EDE341DEF}" type="datetime1">
+              <a:rPr lang="en-US" smtClean="0"/>
+              <a:t>4/26/16</a:t>
             </a:fld>
             <a:endParaRPr lang="en-US"/>
           </a:p>
@@ -3433,7 +3436,7 @@
     <p:sldLayoutId id="2147483658" r:id="rId10"/>
     <p:sldLayoutId id="2147483659" r:id="rId11"/>
   </p:sldLayoutIdLst>
-  <p:hf hdr="0" ftr="0" dt="0"/>
+  <p:hf sldNum="0" hdr="0" ftr="0" dt="0"/>
   <p:txStyles>
     <p:titleStyle>
       <a:lvl1pPr algn="ctr" defTabSz="457200" rtl="0" eaLnBrk="1" latinLnBrk="0" hangingPunct="1">
@@ -3727,10 +3730,8 @@
           <a:lstStyle/>
           <a:p>
             <a:r>
-              <a:rPr lang="en-US" sz="2400" b="1" dirty="0">
-                <a:solidFill>
-                  <a:srgbClr val="000000"/>
-                </a:solidFill>
+              <a:rPr lang="en-US" sz="2400" dirty="0">
+                <a:latin typeface="Calibri"/>
                 <a:cs typeface="Calibri"/>
               </a:rPr>
               <a:t>PhD Proposal Defense</a:t>
@@ -3987,18 +3988,11 @@
           </a:lstStyle>
           <a:p>
             <a:r>
-              <a:rPr lang="en-US" sz="2400" dirty="0" smtClean="0">
+              <a:rPr lang="en-US" sz="2400" dirty="0">
                 <a:latin typeface="Calibri"/>
                 <a:cs typeface="Calibri"/>
               </a:rPr>
-              <a:t>May 5, </a:t>
-            </a:r>
-            <a:r>
-              <a:rPr lang="en-US" sz="2400" dirty="0" smtClean="0">
-                <a:latin typeface="Calibri"/>
-                <a:cs typeface="Calibri"/>
-              </a:rPr>
-              <a:t>2016</a:t>
+              <a:t>May 5, 2016</a:t>
             </a:r>
             <a:endParaRPr lang="en-US" sz="2400" dirty="0">
               <a:latin typeface="Calibri"/>
@@ -4056,16 +4050,54 @@
         </p:nvSpPr>
         <p:spPr/>
         <p:txBody>
-          <a:bodyPr/>
+          <a:bodyPr>
+            <a:normAutofit/>
+          </a:bodyPr>
           <a:lstStyle/>
           <a:p>
-            <a:endParaRPr lang="en-US"/>
-          </a:p>
-        </p:txBody>
-      </p:sp>
-      <p:sp>
-        <p:nvSpPr>
-          <p:cNvPr id="3" name="Content Placeholder 2"/>
+            <a:pPr algn="l"/>
+            <a:r>
+              <a:rPr lang="en-US" dirty="0" smtClean="0"/>
+              <a:t>Motivation</a:t>
+            </a:r>
+            <a:br>
+              <a:rPr lang="en-US" dirty="0" smtClean="0"/>
+            </a:br>
+            <a:r>
+              <a:rPr lang="en-US" sz="2400" dirty="0">
+                <a:latin typeface="Corbel"/>
+                <a:cs typeface="Corbel"/>
+              </a:rPr>
+              <a:t>Architectural trends make HPC debugging </a:t>
+            </a:r>
+            <a:r>
+              <a:rPr lang="en-US" sz="2400" dirty="0" smtClean="0">
+                <a:latin typeface="Corbel"/>
+                <a:cs typeface="Corbel"/>
+              </a:rPr>
+              <a:t>a </a:t>
+            </a:r>
+            <a:r>
+              <a:rPr lang="en-US" sz="2400" dirty="0">
+                <a:latin typeface="Corbel"/>
+                <a:cs typeface="Corbel"/>
+              </a:rPr>
+              <a:t>greater </a:t>
+            </a:r>
+            <a:r>
+              <a:rPr lang="en-US" sz="2400" dirty="0" smtClean="0">
+                <a:latin typeface="Corbel"/>
+                <a:cs typeface="Corbel"/>
+              </a:rPr>
+              <a:t>challenge</a:t>
+            </a:r>
+            <a:endParaRPr lang="en-US" dirty="0"/>
+          </a:p>
+        </p:txBody>
+      </p:sp>
+      <p:sp>
+        <p:nvSpPr>
+          <p:cNvPr id="11" name="Content Placeholder 15"/>
           <p:cNvSpPr>
             <a:spLocks noGrp="1"/>
           </p:cNvSpPr>
@@ -4073,38 +4105,333 @@
             <p:ph idx="1"/>
           </p:nvPr>
         </p:nvSpPr>
+        <p:spPr>
+          <a:xfrm>
+            <a:off x="457200" y="2013450"/>
+            <a:ext cx="8229600" cy="3809348"/>
+          </a:xfrm>
+        </p:spPr>
+        <p:txBody>
+          <a:bodyPr>
+            <a:noAutofit/>
+          </a:bodyPr>
+          <a:lstStyle/>
+          <a:p>
+            <a:r>
+              <a:rPr lang="en-US" sz="2400" dirty="0">
+                <a:latin typeface="Corbel" panose="020B0503020204020204" pitchFamily="34" charset="0"/>
+              </a:rPr>
+              <a:t>Amounts of concurrency grow exponentially</a:t>
+            </a:r>
+          </a:p>
+          <a:p>
+            <a:pPr lvl="1"/>
+            <a:r>
+              <a:rPr lang="en-US" sz="2000" dirty="0">
+                <a:latin typeface="Corbel" panose="020B0503020204020204" pitchFamily="34" charset="0"/>
+              </a:rPr>
+              <a:t>Make </a:t>
+            </a:r>
+            <a:r>
+              <a:rPr lang="en-US" sz="2000" i="1" dirty="0">
+                <a:latin typeface="Corbel" panose="020B0503020204020204" pitchFamily="34" charset="0"/>
+              </a:rPr>
+              <a:t>at-scale </a:t>
+            </a:r>
+            <a:r>
+              <a:rPr lang="en-US" sz="2000" dirty="0">
+                <a:latin typeface="Corbel" panose="020B0503020204020204" pitchFamily="34" charset="0"/>
+              </a:rPr>
+              <a:t>bugs commonplace</a:t>
+            </a:r>
+          </a:p>
+          <a:p>
+            <a:r>
+              <a:rPr lang="en-US" sz="2400" dirty="0">
+                <a:latin typeface="Corbel" panose="020B0503020204020204" pitchFamily="34" charset="0"/>
+              </a:rPr>
+              <a:t>Explosion of on-node parallelism options</a:t>
+            </a:r>
+          </a:p>
+          <a:p>
+            <a:pPr lvl="1"/>
+            <a:r>
+              <a:rPr lang="en-US" sz="2000" dirty="0">
+                <a:latin typeface="Corbel" panose="020B0503020204020204" pitchFamily="34" charset="0"/>
+              </a:rPr>
+              <a:t>More cores, wider SMT and SIMD units, accelerators (GPUs) …</a:t>
+            </a:r>
+          </a:p>
+          <a:p>
+            <a:pPr lvl="1"/>
+            <a:r>
+              <a:rPr lang="en-US" sz="2000" dirty="0">
+                <a:latin typeface="Corbel" panose="020B0503020204020204" pitchFamily="34" charset="0"/>
+              </a:rPr>
+              <a:t>Bring applications to a crossroad for hybrid parallelism: MPI + X</a:t>
+            </a:r>
+          </a:p>
+          <a:p>
+            <a:pPr lvl="1"/>
+            <a:r>
+              <a:rPr lang="en-US" sz="2000" dirty="0">
+                <a:latin typeface="Corbel" panose="020B0503020204020204" pitchFamily="34" charset="0"/>
+              </a:rPr>
+              <a:t>More sources of non-determinism: </a:t>
+            </a:r>
+            <a:r>
+              <a:rPr lang="en-US" sz="2000" dirty="0" smtClean="0">
+                <a:latin typeface="Corbel" panose="020B0503020204020204" pitchFamily="34" charset="0"/>
+              </a:rPr>
+              <a:t>OpenMP </a:t>
+            </a:r>
+            <a:r>
+              <a:rPr lang="en-US" sz="2000" dirty="0">
+                <a:latin typeface="Corbel" panose="020B0503020204020204" pitchFamily="34" charset="0"/>
+              </a:rPr>
+              <a:t>data races</a:t>
+            </a:r>
+          </a:p>
+          <a:p>
+            <a:r>
+              <a:rPr lang="en-US" sz="2400" dirty="0">
+                <a:latin typeface="Corbel"/>
+                <a:cs typeface="Corbel"/>
+              </a:rPr>
+              <a:t>Need more capable and scalable tools</a:t>
+            </a:r>
+          </a:p>
+          <a:p>
+            <a:pPr lvl="1"/>
+            <a:r>
+              <a:rPr lang="en-US" sz="2000" dirty="0">
+                <a:latin typeface="Corbel"/>
+                <a:cs typeface="Corbel"/>
+              </a:rPr>
+              <a:t>General strategy – bring best capabilities and compose them </a:t>
+            </a:r>
+          </a:p>
+        </p:txBody>
+      </p:sp>
+    </p:spTree>
+    <p:extLst>
+      <p:ext uri="{BB962C8B-B14F-4D97-AF65-F5344CB8AC3E}">
+        <p14:creationId xmlns:p14="http://schemas.microsoft.com/office/powerpoint/2010/main" val="1984526690"/>
+      </p:ext>
+    </p:extLst>
+  </p:cSld>
+  <p:clrMapOvr>
+    <a:masterClrMapping/>
+  </p:clrMapOvr>
+</p:sld>
+</file>
+
+<file path=ppt/slides/slide3.xml><?xml version="1.0" encoding="utf-8"?>
+<p:sld xmlns:a="http://schemas.openxmlformats.org/drawingml/2006/main" xmlns:r="http://schemas.openxmlformats.org/officeDocument/2006/relationships" xmlns:p="http://schemas.openxmlformats.org/presentationml/2006/main">
+  <p:cSld>
+    <p:spTree>
+      <p:nvGrpSpPr>
+        <p:cNvPr id="1" name=""/>
+        <p:cNvGrpSpPr/>
+        <p:nvPr/>
+      </p:nvGrpSpPr>
+      <p:grpSpPr>
+        <a:xfrm>
+          <a:off x="0" y="0"/>
+          <a:ext cx="0" cy="0"/>
+          <a:chOff x="0" y="0"/>
+          <a:chExt cx="0" cy="0"/>
+        </a:xfrm>
+      </p:grpSpPr>
+      <p:sp>
+        <p:nvSpPr>
+          <p:cNvPr id="2" name="Title 1"/>
+          <p:cNvSpPr>
+            <a:spLocks noGrp="1"/>
+          </p:cNvSpPr>
+          <p:nvPr>
+            <p:ph type="title"/>
+          </p:nvPr>
+        </p:nvSpPr>
         <p:spPr/>
         <p:txBody>
-          <a:bodyPr/>
+          <a:bodyPr>
+            <a:normAutofit fontScale="90000"/>
+          </a:bodyPr>
           <a:lstStyle/>
           <a:p>
-            <a:endParaRPr lang="en-US"/>
-          </a:p>
-        </p:txBody>
-      </p:sp>
-      <p:sp>
-        <p:nvSpPr>
-          <p:cNvPr id="4" name="Slide Number Placeholder 3"/>
-          <p:cNvSpPr>
-            <a:spLocks noGrp="1"/>
-          </p:cNvSpPr>
-          <p:nvPr>
-            <p:ph type="sldNum" sz="quarter" idx="12"/>
-          </p:nvPr>
-        </p:nvSpPr>
-        <p:spPr/>
-        <p:txBody>
-          <a:bodyPr/>
+            <a:pPr algn="l"/>
+            <a:r>
+              <a:rPr lang="en-US" sz="4900" dirty="0" smtClean="0"/>
+              <a:t>Motivation</a:t>
+            </a:r>
+            <a:r>
+              <a:rPr lang="en-US" dirty="0" smtClean="0"/>
+              <a:t/>
+            </a:r>
+            <a:br>
+              <a:rPr lang="en-US" dirty="0" smtClean="0"/>
+            </a:br>
+            <a:r>
+              <a:rPr lang="en-US" sz="2700" dirty="0" smtClean="0"/>
+              <a:t>OpenMP is widely used in HPC applications</a:t>
+            </a:r>
+            <a:endParaRPr lang="en-US" dirty="0"/>
+          </a:p>
+        </p:txBody>
+      </p:sp>
+      <p:sp>
+        <p:nvSpPr>
+          <p:cNvPr id="11" name="Content Placeholder 15"/>
+          <p:cNvSpPr>
+            <a:spLocks noGrp="1"/>
+          </p:cNvSpPr>
+          <p:nvPr>
+            <p:ph idx="1"/>
+          </p:nvPr>
+        </p:nvSpPr>
+        <p:spPr>
+          <a:xfrm>
+            <a:off x="457200" y="2013450"/>
+            <a:ext cx="4596152" cy="3809348"/>
+          </a:xfrm>
+        </p:spPr>
+        <p:txBody>
+          <a:bodyPr>
+            <a:noAutofit/>
+          </a:bodyPr>
           <a:lstStyle/>
           <a:p>
-            <a:fld id="{EA878592-B26F-C546-A6EA-1068590DD14F}" type="slidenum">
-              <a:rPr lang="en-US" smtClean="0"/>
-              <a:t>2</a:t>
-            </a:fld>
-            <a:endParaRPr lang="en-US"/>
-          </a:p>
-        </p:txBody>
-      </p:sp>
+            <a:r>
+              <a:rPr lang="en-US" sz="2200" dirty="0">
+                <a:latin typeface="Corbel"/>
+                <a:cs typeface="Corbel"/>
+              </a:rPr>
+              <a:t>HYDRA </a:t>
+            </a:r>
+            <a:r>
+              <a:rPr lang="en-US" sz="2200" dirty="0" smtClean="0">
+                <a:latin typeface="Corbel"/>
+                <a:cs typeface="Corbel"/>
+              </a:rPr>
+              <a:t>– large </a:t>
+            </a:r>
+            <a:r>
+              <a:rPr lang="en-US" sz="2200" dirty="0" err="1" smtClean="0">
+                <a:latin typeface="Corbel"/>
+                <a:cs typeface="Corbel"/>
+              </a:rPr>
+              <a:t>multiphysics</a:t>
+            </a:r>
+            <a:r>
+              <a:rPr lang="en-US" sz="2200" dirty="0" smtClean="0">
+                <a:latin typeface="Corbel"/>
+                <a:cs typeface="Corbel"/>
+              </a:rPr>
+              <a:t> MPI/OpenMP application</a:t>
+            </a:r>
+          </a:p>
+          <a:p>
+            <a:r>
+              <a:rPr lang="en-US" sz="2200" dirty="0" smtClean="0">
+                <a:latin typeface="Corbel"/>
+                <a:cs typeface="Corbel"/>
+              </a:rPr>
+              <a:t>Non-deterministic crashes on a threaded version of </a:t>
+            </a:r>
+            <a:r>
+              <a:rPr lang="en-US" sz="2200" dirty="0" err="1" smtClean="0">
+                <a:latin typeface="Corbel"/>
+                <a:cs typeface="Corbel"/>
+              </a:rPr>
+              <a:t>Hypre</a:t>
+            </a:r>
+            <a:r>
+              <a:rPr lang="en-US" sz="2200" dirty="0" smtClean="0">
+                <a:latin typeface="Corbel"/>
+                <a:cs typeface="Corbel"/>
+              </a:rPr>
+              <a:t> library</a:t>
+            </a:r>
+            <a:endParaRPr lang="en-US" sz="2200" dirty="0">
+              <a:latin typeface="Corbel"/>
+              <a:cs typeface="Corbel"/>
+            </a:endParaRPr>
+          </a:p>
+          <a:p>
+            <a:r>
+              <a:rPr lang="en-US" sz="2200" dirty="0">
+                <a:latin typeface="Corbel"/>
+                <a:cs typeface="Corbel"/>
+              </a:rPr>
+              <a:t>Above certain optimization levels and certain scales (8K MPI processes</a:t>
+            </a:r>
+            <a:r>
+              <a:rPr lang="en-US" sz="2200" dirty="0" smtClean="0">
+                <a:latin typeface="Corbel"/>
+                <a:cs typeface="Corbel"/>
+              </a:rPr>
+              <a:t>)</a:t>
+            </a:r>
+          </a:p>
+          <a:p>
+            <a:r>
+              <a:rPr lang="en-US" sz="2200" dirty="0" smtClean="0">
+                <a:latin typeface="Corbel"/>
+                <a:cs typeface="Corbel"/>
+              </a:rPr>
+              <a:t>Suspected data race</a:t>
+            </a:r>
+            <a:endParaRPr lang="en-US" sz="2200" dirty="0" smtClean="0">
+              <a:latin typeface="Corbel"/>
+              <a:cs typeface="Corbel"/>
+            </a:endParaRPr>
+          </a:p>
+          <a:p>
+            <a:r>
+              <a:rPr lang="en-US" sz="2200" b="1" dirty="0" smtClean="0">
+                <a:solidFill>
+                  <a:srgbClr val="FF0000"/>
+                </a:solidFill>
+                <a:latin typeface="Corbel"/>
+                <a:cs typeface="Corbel"/>
+              </a:rPr>
+              <a:t>Cost scientists months …</a:t>
+            </a:r>
+            <a:endParaRPr lang="en-US" sz="2200" b="1" dirty="0">
+              <a:solidFill>
+                <a:srgbClr val="FF0000"/>
+              </a:solidFill>
+              <a:latin typeface="Corbel"/>
+              <a:cs typeface="Corbel"/>
+            </a:endParaRPr>
+          </a:p>
+        </p:txBody>
+      </p:sp>
+      <p:pic>
+        <p:nvPicPr>
+          <p:cNvPr id="12" name="Picture 11"/>
+          <p:cNvPicPr>
+            <a:picLocks noChangeAspect="1"/>
+          </p:cNvPicPr>
+          <p:nvPr/>
+        </p:nvPicPr>
+        <p:blipFill>
+          <a:blip r:embed="rId2"/>
+          <a:stretch>
+            <a:fillRect/>
+          </a:stretch>
+        </p:blipFill>
+        <p:spPr>
+          <a:xfrm>
+            <a:off x="5498569" y="2632383"/>
+            <a:ext cx="3188231" cy="2582466"/>
+          </a:xfrm>
+          <a:prstGeom prst="rect">
+            <a:avLst/>
+          </a:prstGeom>
+        </p:spPr>
+      </p:pic>
     </p:spTree>
     <p:extLst>
       <p:ext uri="{BB962C8B-B14F-4D97-AF65-F5344CB8AC3E}">
@@ -4115,6 +4442,342 @@
   <p:clrMapOvr>
     <a:masterClrMapping/>
   </p:clrMapOvr>
+  <p:timing>
+    <p:tnLst>
+      <p:par>
+        <p:cTn xmlns:p14="http://schemas.microsoft.com/office/powerpoint/2010/main" id="1" dur="indefinite" restart="never" nodeType="tmRoot"/>
+      </p:par>
+    </p:tnLst>
+  </p:timing>
+</p:sld>
+</file>
+
+<file path=ppt/slides/slide4.xml><?xml version="1.0" encoding="utf-8"?>
+<p:sld xmlns:a="http://schemas.openxmlformats.org/drawingml/2006/main" xmlns:r="http://schemas.openxmlformats.org/officeDocument/2006/relationships" xmlns:p="http://schemas.openxmlformats.org/presentationml/2006/main">
+  <p:cSld>
+    <p:spTree>
+      <p:nvGrpSpPr>
+        <p:cNvPr id="1" name=""/>
+        <p:cNvGrpSpPr/>
+        <p:nvPr/>
+      </p:nvGrpSpPr>
+      <p:grpSpPr>
+        <a:xfrm>
+          <a:off x="0" y="0"/>
+          <a:ext cx="0" cy="0"/>
+          <a:chOff x="0" y="0"/>
+          <a:chExt cx="0" cy="0"/>
+        </a:xfrm>
+      </p:grpSpPr>
+      <p:sp>
+        <p:nvSpPr>
+          <p:cNvPr id="2" name="Title 1"/>
+          <p:cNvSpPr>
+            <a:spLocks noGrp="1"/>
+          </p:cNvSpPr>
+          <p:nvPr>
+            <p:ph type="title"/>
+          </p:nvPr>
+        </p:nvSpPr>
+        <p:spPr/>
+        <p:txBody>
+          <a:bodyPr>
+            <a:normAutofit fontScale="90000"/>
+          </a:bodyPr>
+          <a:lstStyle/>
+          <a:p>
+            <a:pPr algn="l"/>
+            <a:r>
+              <a:rPr lang="en-US" sz="4900" dirty="0" smtClean="0"/>
+              <a:t>Motivation</a:t>
+            </a:r>
+            <a:r>
+              <a:rPr lang="en-US" dirty="0" smtClean="0"/>
+              <a:t/>
+            </a:r>
+            <a:br>
+              <a:rPr lang="en-US" dirty="0" smtClean="0"/>
+            </a:br>
+            <a:r>
+              <a:rPr lang="en-US" sz="2700" dirty="0"/>
+              <a:t>Gap in High-End computing environment </a:t>
+            </a:r>
+          </a:p>
+        </p:txBody>
+      </p:sp>
+      <p:sp>
+        <p:nvSpPr>
+          <p:cNvPr id="11" name="Content Placeholder 15"/>
+          <p:cNvSpPr>
+            <a:spLocks noGrp="1"/>
+          </p:cNvSpPr>
+          <p:nvPr>
+            <p:ph idx="1"/>
+          </p:nvPr>
+        </p:nvSpPr>
+        <p:spPr>
+          <a:xfrm>
+            <a:off x="457200" y="2013450"/>
+            <a:ext cx="8229600" cy="1499143"/>
+          </a:xfrm>
+        </p:spPr>
+        <p:txBody>
+          <a:bodyPr>
+            <a:noAutofit/>
+          </a:bodyPr>
+          <a:lstStyle/>
+          <a:p>
+            <a:r>
+              <a:rPr lang="en-US" sz="2600" dirty="0"/>
+              <a:t>Data race bugs in multi-threaded environment</a:t>
+            </a:r>
+            <a:r>
+              <a:rPr lang="en-US" sz="2600" dirty="0" smtClean="0"/>
+              <a:t>:</a:t>
+            </a:r>
+          </a:p>
+          <a:p>
+            <a:pPr lvl="1"/>
+            <a:r>
+              <a:rPr lang="en-US" sz="2200" dirty="0" smtClean="0"/>
+              <a:t>One </a:t>
+            </a:r>
+            <a:r>
+              <a:rPr lang="en-US" sz="2200" dirty="0"/>
+              <a:t>of the most notorious sources of unsafe non-</a:t>
+            </a:r>
+            <a:r>
+              <a:rPr lang="en-US" sz="2200" dirty="0" smtClean="0"/>
+              <a:t>determinism</a:t>
+            </a:r>
+            <a:endParaRPr lang="en-US" sz="2200" dirty="0"/>
+          </a:p>
+          <a:p>
+            <a:pPr lvl="1"/>
+            <a:r>
+              <a:rPr lang="en-US" sz="2200" dirty="0"/>
+              <a:t>Identifying them in large OpenMP applications is highly </a:t>
+            </a:r>
+            <a:r>
+              <a:rPr lang="en-US" sz="2200" dirty="0" smtClean="0"/>
+              <a:t>challenging</a:t>
+            </a:r>
+            <a:endParaRPr lang="en-US" sz="2200" dirty="0">
+              <a:effectLst/>
+            </a:endParaRPr>
+          </a:p>
+        </p:txBody>
+      </p:sp>
+      <p:pic>
+        <p:nvPicPr>
+          <p:cNvPr id="3" name="Picture 2" descr="table.pdf"/>
+          <p:cNvPicPr>
+            <a:picLocks noChangeAspect="1"/>
+          </p:cNvPicPr>
+          <p:nvPr/>
+        </p:nvPicPr>
+        <p:blipFill>
+          <a:blip r:embed="rId2">
+            <a:extLst>
+              <a:ext uri="{28A0092B-C50C-407E-A947-70E740481C1C}">
+                <a14:useLocalDpi xmlns:a14="http://schemas.microsoft.com/office/drawing/2010/main" val="0"/>
+              </a:ext>
+            </a:extLst>
+          </a:blip>
+          <a:stretch>
+            <a:fillRect/>
+          </a:stretch>
+        </p:blipFill>
+        <p:spPr>
+          <a:xfrm>
+            <a:off x="457200" y="4039482"/>
+            <a:ext cx="8229600" cy="1864376"/>
+          </a:xfrm>
+          <a:prstGeom prst="rect">
+            <a:avLst/>
+          </a:prstGeom>
+        </p:spPr>
+      </p:pic>
+    </p:spTree>
+    <p:extLst>
+      <p:ext uri="{BB962C8B-B14F-4D97-AF65-F5344CB8AC3E}">
+        <p14:creationId xmlns:p14="http://schemas.microsoft.com/office/powerpoint/2010/main" val="2678766466"/>
+      </p:ext>
+    </p:extLst>
+  </p:cSld>
+  <p:clrMapOvr>
+    <a:masterClrMapping/>
+  </p:clrMapOvr>
+  <p:timing>
+    <p:tnLst>
+      <p:par>
+        <p:cTn xmlns:p14="http://schemas.microsoft.com/office/powerpoint/2010/main" id="1" dur="indefinite" restart="never" nodeType="tmRoot"/>
+      </p:par>
+    </p:tnLst>
+  </p:timing>
+</p:sld>
+</file>
+
+<file path=ppt/slides/slide5.xml><?xml version="1.0" encoding="utf-8"?>
+<p:sld xmlns:a="http://schemas.openxmlformats.org/drawingml/2006/main" xmlns:r="http://schemas.openxmlformats.org/officeDocument/2006/relationships" xmlns:p="http://schemas.openxmlformats.org/presentationml/2006/main">
+  <p:cSld>
+    <p:spTree>
+      <p:nvGrpSpPr>
+        <p:cNvPr id="1" name=""/>
+        <p:cNvGrpSpPr/>
+        <p:nvPr/>
+      </p:nvGrpSpPr>
+      <p:grpSpPr>
+        <a:xfrm>
+          <a:off x="0" y="0"/>
+          <a:ext cx="0" cy="0"/>
+          <a:chOff x="0" y="0"/>
+          <a:chExt cx="0" cy="0"/>
+        </a:xfrm>
+      </p:grpSpPr>
+      <p:sp>
+        <p:nvSpPr>
+          <p:cNvPr id="2" name="Title 1"/>
+          <p:cNvSpPr>
+            <a:spLocks noGrp="1"/>
+          </p:cNvSpPr>
+          <p:nvPr>
+            <p:ph type="title"/>
+          </p:nvPr>
+        </p:nvSpPr>
+        <p:spPr/>
+        <p:txBody>
+          <a:bodyPr>
+            <a:normAutofit fontScale="90000"/>
+          </a:bodyPr>
+          <a:lstStyle/>
+          <a:p>
+            <a:pPr algn="l"/>
+            <a:r>
+              <a:rPr lang="en-US" dirty="0" smtClean="0"/>
+              <a:t>Static Analysis</a:t>
+            </a:r>
+            <a:br>
+              <a:rPr lang="en-US" dirty="0" smtClean="0"/>
+            </a:br>
+            <a:r>
+              <a:rPr lang="en-US" sz="2700" dirty="0" smtClean="0"/>
+              <a:t>Blacklisting Sequential Code</a:t>
+            </a:r>
+            <a:endParaRPr lang="en-US" sz="2700" dirty="0"/>
+          </a:p>
+        </p:txBody>
+      </p:sp>
+      <p:sp>
+        <p:nvSpPr>
+          <p:cNvPr id="11" name="Content Placeholder 15"/>
+          <p:cNvSpPr>
+            <a:spLocks noGrp="1"/>
+          </p:cNvSpPr>
+          <p:nvPr>
+            <p:ph idx="1"/>
+          </p:nvPr>
+        </p:nvSpPr>
+        <p:spPr>
+          <a:xfrm>
+            <a:off x="457200" y="2013450"/>
+            <a:ext cx="8229600" cy="1499143"/>
+          </a:xfrm>
+        </p:spPr>
+        <p:txBody>
+          <a:bodyPr>
+            <a:noAutofit/>
+          </a:bodyPr>
+          <a:lstStyle/>
+          <a:p>
+            <a:r>
+              <a:rPr lang="en-US" sz="2600" dirty="0"/>
+              <a:t>Data race bugs in multi-threaded environment</a:t>
+            </a:r>
+            <a:r>
+              <a:rPr lang="en-US" sz="2600" dirty="0" smtClean="0"/>
+              <a:t>:</a:t>
+            </a:r>
+          </a:p>
+          <a:p>
+            <a:pPr lvl="1"/>
+            <a:r>
+              <a:rPr lang="en-US" sz="2200" dirty="0" smtClean="0"/>
+              <a:t>One </a:t>
+            </a:r>
+            <a:r>
+              <a:rPr lang="en-US" sz="2200" dirty="0"/>
+              <a:t>of the most notorious sources of unsafe non-</a:t>
+            </a:r>
+            <a:r>
+              <a:rPr lang="en-US" sz="2200" dirty="0" smtClean="0"/>
+              <a:t>determinism</a:t>
+            </a:r>
+            <a:endParaRPr lang="en-US" sz="2200" dirty="0"/>
+          </a:p>
+          <a:p>
+            <a:pPr lvl="1"/>
+            <a:r>
+              <a:rPr lang="en-US" sz="2200" dirty="0"/>
+              <a:t>Identifying them in large OpenMP applications is highly </a:t>
+            </a:r>
+            <a:r>
+              <a:rPr lang="en-US" sz="2200" dirty="0" smtClean="0"/>
+              <a:t>challenging</a:t>
+            </a:r>
+            <a:endParaRPr lang="en-US" sz="2200" dirty="0">
+              <a:effectLst/>
+            </a:endParaRPr>
+          </a:p>
+        </p:txBody>
+      </p:sp>
+      <p:pic>
+        <p:nvPicPr>
+          <p:cNvPr id="5" name="Picture 4" descr="nested_parallelism.pdf"/>
+          <p:cNvPicPr>
+            <a:picLocks noChangeAspect="1"/>
+          </p:cNvPicPr>
+          <p:nvPr/>
+        </p:nvPicPr>
+        <p:blipFill>
+          <a:blip r:embed="rId2">
+            <a:extLst>
+              <a:ext uri="{28A0092B-C50C-407E-A947-70E740481C1C}">
+                <a14:useLocalDpi xmlns:a14="http://schemas.microsoft.com/office/drawing/2010/main" val="0"/>
+              </a:ext>
+            </a:extLst>
+          </a:blip>
+          <a:stretch>
+            <a:fillRect/>
+          </a:stretch>
+        </p:blipFill>
+        <p:spPr>
+          <a:xfrm>
+            <a:off x="457200" y="4091391"/>
+            <a:ext cx="8229600" cy="2233225"/>
+          </a:xfrm>
+          <a:prstGeom prst="rect">
+            <a:avLst/>
+          </a:prstGeom>
+        </p:spPr>
+      </p:pic>
+    </p:spTree>
+    <p:extLst>
+      <p:ext uri="{BB962C8B-B14F-4D97-AF65-F5344CB8AC3E}">
+        <p14:creationId xmlns:p14="http://schemas.microsoft.com/office/powerpoint/2010/main" val="3550153920"/>
+      </p:ext>
+    </p:extLst>
+  </p:cSld>
+  <p:clrMapOvr>
+    <a:masterClrMapping/>
+  </p:clrMapOvr>
+  <p:timing>
+    <p:tnLst>
+      <p:par>
+        <p:cTn xmlns:p14="http://schemas.microsoft.com/office/powerpoint/2010/main" id="1" dur="indefinite" restart="never" nodeType="tmRoot"/>
+      </p:par>
+    </p:tnLst>
+  </p:timing>
 </p:sld>
 </file>
 

--- a/presentation/presentation.pptx
+++ b/presentation/presentation.pptx
@@ -5,17 +5,19 @@
     <p:sldMasterId id="2147483648" r:id="rId1"/>
   </p:sldMasterIdLst>
   <p:notesMasterIdLst>
-    <p:notesMasterId r:id="rId7"/>
+    <p:notesMasterId r:id="rId9"/>
   </p:notesMasterIdLst>
   <p:handoutMasterIdLst>
-    <p:handoutMasterId r:id="rId8"/>
+    <p:handoutMasterId r:id="rId10"/>
   </p:handoutMasterIdLst>
   <p:sldIdLst>
     <p:sldId id="256" r:id="rId2"/>
     <p:sldId id="258" r:id="rId3"/>
     <p:sldId id="257" r:id="rId4"/>
     <p:sldId id="259" r:id="rId5"/>
-    <p:sldId id="260" r:id="rId6"/>
+    <p:sldId id="261" r:id="rId6"/>
+    <p:sldId id="260" r:id="rId7"/>
+    <p:sldId id="262" r:id="rId8"/>
   </p:sldIdLst>
   <p:sldSz cx="9144000" cy="6858000" type="screen4x3"/>
   <p:notesSz cx="6858000" cy="9144000"/>
@@ -4635,6 +4637,36 @@
           <a:chExt cx="0" cy="0"/>
         </a:xfrm>
       </p:grpSpPr>
+      <p:pic>
+        <p:nvPicPr>
+          <p:cNvPr id="5" name="Picture 4"/>
+          <p:cNvPicPr>
+            <a:picLocks noChangeAspect="1"/>
+          </p:cNvPicPr>
+          <p:nvPr/>
+        </p:nvPicPr>
+        <p:blipFill>
+          <a:blip r:embed="rId2">
+            <a:extLst>
+              <a:ext uri="{28A0092B-C50C-407E-A947-70E740481C1C}">
+                <a14:useLocalDpi xmlns:a14="http://schemas.microsoft.com/office/drawing/2010/main" val="0"/>
+              </a:ext>
+            </a:extLst>
+          </a:blip>
+          <a:stretch>
+            <a:fillRect/>
+          </a:stretch>
+        </p:blipFill>
+        <p:spPr>
+          <a:xfrm>
+            <a:off x="1735134" y="3931402"/>
+            <a:ext cx="5666554" cy="2645905"/>
+          </a:xfrm>
+          <a:prstGeom prst="rect">
+            <a:avLst/>
+          </a:prstGeom>
+        </p:spPr>
+      </p:pic>
       <p:sp>
         <p:nvSpPr>
           <p:cNvPr id="2" name="Title 1"/>
@@ -4680,8 +4712,8 @@
         </p:nvSpPr>
         <p:spPr>
           <a:xfrm>
-            <a:off x="457200" y="2013450"/>
-            <a:ext cx="8229600" cy="1499143"/>
+            <a:off x="457200" y="1608151"/>
+            <a:ext cx="8229600" cy="2552921"/>
           </a:xfrm>
         </p:spPr>
         <p:txBody>
@@ -4691,41 +4723,187 @@
           <a:lstStyle/>
           <a:p>
             <a:r>
-              <a:rPr lang="en-US" sz="2600" dirty="0"/>
-              <a:t>Data race bugs in multi-threaded environment</a:t>
-            </a:r>
-            <a:r>
-              <a:rPr lang="en-US" sz="2600" dirty="0" smtClean="0"/>
-              <a:t>:</a:t>
+              <a:rPr lang="en-US" sz="2800" dirty="0" err="1" smtClean="0"/>
+              <a:t>Pthreads</a:t>
+            </a:r>
+            <a:r>
+              <a:rPr lang="en-US" sz="2800" dirty="0" smtClean="0"/>
+              <a:t> fork-join parallelism</a:t>
             </a:r>
           </a:p>
           <a:p>
             <a:pPr lvl="1"/>
             <a:r>
-              <a:rPr lang="en-US" sz="2200" dirty="0" smtClean="0"/>
-              <a:t>One </a:t>
-            </a:r>
-            <a:r>
-              <a:rPr lang="en-US" sz="2200" dirty="0"/>
-              <a:t>of the most notorious sources of unsafe non-</a:t>
-            </a:r>
-            <a:r>
-              <a:rPr lang="en-US" sz="2200" dirty="0" smtClean="0"/>
-              <a:t>determinism</a:t>
-            </a:r>
-            <a:endParaRPr lang="en-US" sz="2200" dirty="0"/>
+              <a:rPr lang="en-US" sz="2400" dirty="0" smtClean="0"/>
+              <a:t>Master thread keeps doing its own work while it spawns new threads</a:t>
+            </a:r>
           </a:p>
           <a:p>
             <a:pPr lvl="1"/>
             <a:r>
-              <a:rPr lang="en-US" sz="2200" dirty="0"/>
-              <a:t>Identifying them in large OpenMP applications is highly </a:t>
-            </a:r>
-            <a:r>
-              <a:rPr lang="en-US" sz="2200" dirty="0" smtClean="0"/>
-              <a:t>challenging</a:t>
-            </a:r>
-            <a:endParaRPr lang="en-US" sz="2200" dirty="0">
+              <a:rPr lang="en-US" sz="2400" dirty="0" smtClean="0"/>
+              <a:t>Hard </a:t>
+            </a:r>
+            <a:r>
+              <a:rPr lang="en-US" sz="2400" dirty="0"/>
+              <a:t>to distinguish sequential from parallel </a:t>
+            </a:r>
+            <a:r>
+              <a:rPr lang="en-US" sz="2400" dirty="0" smtClean="0"/>
+              <a:t>instructions</a:t>
+            </a:r>
+          </a:p>
+          <a:p>
+            <a:pPr lvl="2"/>
+            <a:r>
+              <a:rPr lang="en-US" sz="2000" dirty="0" smtClean="0"/>
+              <a:t>Master thread may </a:t>
+            </a:r>
+            <a:r>
+              <a:rPr lang="en-US" sz="2000" dirty="0"/>
+              <a:t>access shared </a:t>
+            </a:r>
+            <a:r>
+              <a:rPr lang="en-US" sz="2000" dirty="0" smtClean="0"/>
+              <a:t>variables between other threads</a:t>
+            </a:r>
+          </a:p>
+          <a:p>
+            <a:pPr lvl="2"/>
+            <a:r>
+              <a:rPr lang="en-US" sz="2000" dirty="0" smtClean="0"/>
+              <a:t>Some threads may join later</a:t>
+            </a:r>
+            <a:endParaRPr lang="en-US" dirty="0"/>
+          </a:p>
+        </p:txBody>
+      </p:sp>
+    </p:spTree>
+    <p:extLst>
+      <p:ext uri="{BB962C8B-B14F-4D97-AF65-F5344CB8AC3E}">
+        <p14:creationId xmlns:p14="http://schemas.microsoft.com/office/powerpoint/2010/main" val="3259647918"/>
+      </p:ext>
+    </p:extLst>
+  </p:cSld>
+  <p:clrMapOvr>
+    <a:masterClrMapping/>
+  </p:clrMapOvr>
+  <p:timing>
+    <p:tnLst>
+      <p:par>
+        <p:cTn xmlns:p14="http://schemas.microsoft.com/office/powerpoint/2010/main" id="1" dur="indefinite" restart="never" nodeType="tmRoot"/>
+      </p:par>
+    </p:tnLst>
+  </p:timing>
+</p:sld>
+</file>
+
+<file path=ppt/slides/slide6.xml><?xml version="1.0" encoding="utf-8"?>
+<p:sld xmlns:a="http://schemas.openxmlformats.org/drawingml/2006/main" xmlns:r="http://schemas.openxmlformats.org/officeDocument/2006/relationships" xmlns:p="http://schemas.openxmlformats.org/presentationml/2006/main">
+  <p:cSld>
+    <p:spTree>
+      <p:nvGrpSpPr>
+        <p:cNvPr id="1" name=""/>
+        <p:cNvGrpSpPr/>
+        <p:nvPr/>
+      </p:nvGrpSpPr>
+      <p:grpSpPr>
+        <a:xfrm>
+          <a:off x="0" y="0"/>
+          <a:ext cx="0" cy="0"/>
+          <a:chOff x="0" y="0"/>
+          <a:chExt cx="0" cy="0"/>
+        </a:xfrm>
+      </p:grpSpPr>
+      <p:sp>
+        <p:nvSpPr>
+          <p:cNvPr id="2" name="Title 1"/>
+          <p:cNvSpPr>
+            <a:spLocks noGrp="1"/>
+          </p:cNvSpPr>
+          <p:nvPr>
+            <p:ph type="title"/>
+          </p:nvPr>
+        </p:nvSpPr>
+        <p:spPr/>
+        <p:txBody>
+          <a:bodyPr>
+            <a:normAutofit fontScale="90000"/>
+          </a:bodyPr>
+          <a:lstStyle/>
+          <a:p>
+            <a:pPr algn="l"/>
+            <a:r>
+              <a:rPr lang="en-US" dirty="0" smtClean="0"/>
+              <a:t>Static Analysis</a:t>
+            </a:r>
+            <a:br>
+              <a:rPr lang="en-US" dirty="0" smtClean="0"/>
+            </a:br>
+            <a:r>
+              <a:rPr lang="en-US" sz="2700" dirty="0" smtClean="0"/>
+              <a:t>Blacklisting Sequential Code</a:t>
+            </a:r>
+            <a:endParaRPr lang="en-US" sz="2700" dirty="0"/>
+          </a:p>
+        </p:txBody>
+      </p:sp>
+      <p:sp>
+        <p:nvSpPr>
+          <p:cNvPr id="11" name="Content Placeholder 15"/>
+          <p:cNvSpPr>
+            <a:spLocks noGrp="1"/>
+          </p:cNvSpPr>
+          <p:nvPr>
+            <p:ph idx="1"/>
+          </p:nvPr>
+        </p:nvSpPr>
+        <p:spPr>
+          <a:xfrm>
+            <a:off x="457200" y="1608151"/>
+            <a:ext cx="8229600" cy="2579941"/>
+          </a:xfrm>
+        </p:spPr>
+        <p:txBody>
+          <a:bodyPr>
+            <a:noAutofit/>
+          </a:bodyPr>
+          <a:lstStyle/>
+          <a:p>
+            <a:r>
+              <a:rPr lang="en-US" sz="2800" dirty="0" err="1" smtClean="0"/>
+              <a:t>OpenMP’s</a:t>
+            </a:r>
+            <a:r>
+              <a:rPr lang="en-US" sz="2800" dirty="0" smtClean="0"/>
+              <a:t> structured fork-join parallelism</a:t>
+            </a:r>
+          </a:p>
+          <a:p>
+            <a:pPr lvl="1"/>
+            <a:r>
+              <a:rPr lang="en-US" sz="2400" dirty="0" smtClean="0">
+                <a:effectLst/>
+              </a:rPr>
+              <a:t>Guarantee finding sequential instructions</a:t>
+            </a:r>
+          </a:p>
+          <a:p>
+            <a:pPr lvl="1"/>
+            <a:r>
+              <a:rPr lang="en-US" sz="2400" dirty="0" smtClean="0">
+                <a:effectLst/>
+              </a:rPr>
+              <a:t>Every instruction outside a OpenMP construct is executed by the master thread</a:t>
+            </a:r>
+          </a:p>
+          <a:p>
+            <a:pPr lvl="1"/>
+            <a:r>
+              <a:rPr lang="en-US" sz="2400" dirty="0" smtClean="0"/>
+              <a:t>Master thread take part of the parallel team</a:t>
+            </a:r>
+            <a:endParaRPr lang="en-US" sz="2400" dirty="0">
               <a:effectLst/>
             </a:endParaRPr>
           </a:p>
@@ -4753,7 +4931,7 @@
         </p:blipFill>
         <p:spPr>
           <a:xfrm>
-            <a:off x="457200" y="4091391"/>
+            <a:off x="457200" y="4280531"/>
             <a:ext cx="8229600" cy="2233225"/>
           </a:xfrm>
           <a:prstGeom prst="rect">
@@ -4765,6 +4943,503 @@
     <p:extLst>
       <p:ext uri="{BB962C8B-B14F-4D97-AF65-F5344CB8AC3E}">
         <p14:creationId xmlns:p14="http://schemas.microsoft.com/office/powerpoint/2010/main" val="3550153920"/>
+      </p:ext>
+    </p:extLst>
+  </p:cSld>
+  <p:clrMapOvr>
+    <a:masterClrMapping/>
+  </p:clrMapOvr>
+  <p:timing>
+    <p:tnLst>
+      <p:par>
+        <p:cTn xmlns:p14="http://schemas.microsoft.com/office/powerpoint/2010/main" id="1" dur="indefinite" restart="never" nodeType="tmRoot"/>
+      </p:par>
+    </p:tnLst>
+  </p:timing>
+</p:sld>
+</file>
+
+<file path=ppt/slides/slide7.xml><?xml version="1.0" encoding="utf-8"?>
+<p:sld xmlns:a="http://schemas.openxmlformats.org/drawingml/2006/main" xmlns:r="http://schemas.openxmlformats.org/officeDocument/2006/relationships" xmlns:p="http://schemas.openxmlformats.org/presentationml/2006/main">
+  <p:cSld>
+    <p:spTree>
+      <p:nvGrpSpPr>
+        <p:cNvPr id="1" name=""/>
+        <p:cNvGrpSpPr/>
+        <p:nvPr/>
+      </p:nvGrpSpPr>
+      <p:grpSpPr>
+        <a:xfrm>
+          <a:off x="0" y="0"/>
+          <a:ext cx="0" cy="0"/>
+          <a:chOff x="0" y="0"/>
+          <a:chExt cx="0" cy="0"/>
+        </a:xfrm>
+      </p:grpSpPr>
+      <p:sp>
+        <p:nvSpPr>
+          <p:cNvPr id="2" name="Title 1"/>
+          <p:cNvSpPr>
+            <a:spLocks noGrp="1"/>
+          </p:cNvSpPr>
+          <p:nvPr>
+            <p:ph type="title"/>
+          </p:nvPr>
+        </p:nvSpPr>
+        <p:spPr/>
+        <p:txBody>
+          <a:bodyPr>
+            <a:normAutofit fontScale="90000"/>
+          </a:bodyPr>
+          <a:lstStyle/>
+          <a:p>
+            <a:pPr algn="l"/>
+            <a:r>
+              <a:rPr lang="en-US" dirty="0" smtClean="0"/>
+              <a:t>Static Analysis</a:t>
+            </a:r>
+            <a:br>
+              <a:rPr lang="en-US" dirty="0" smtClean="0"/>
+            </a:br>
+            <a:r>
+              <a:rPr lang="en-US" sz="2700" dirty="0" smtClean="0"/>
+              <a:t>Data Dependency Analysis</a:t>
+            </a:r>
+            <a:endParaRPr lang="en-US" sz="2700" dirty="0"/>
+          </a:p>
+        </p:txBody>
+      </p:sp>
+      <p:sp>
+        <p:nvSpPr>
+          <p:cNvPr id="11" name="Content Placeholder 15"/>
+          <p:cNvSpPr>
+            <a:spLocks noGrp="1"/>
+          </p:cNvSpPr>
+          <p:nvPr>
+            <p:ph idx="1"/>
+          </p:nvPr>
+        </p:nvSpPr>
+        <p:spPr>
+          <a:xfrm>
+            <a:off x="457200" y="1608151"/>
+            <a:ext cx="8229600" cy="1539673"/>
+          </a:xfrm>
+        </p:spPr>
+        <p:txBody>
+          <a:bodyPr>
+            <a:noAutofit/>
+          </a:bodyPr>
+          <a:lstStyle/>
+          <a:p>
+            <a:r>
+              <a:rPr lang="en-US" sz="2800" dirty="0"/>
+              <a:t>Loop-carried data dependency </a:t>
+            </a:r>
+            <a:r>
+              <a:rPr lang="en-US" sz="2800" dirty="0" smtClean="0"/>
+              <a:t>analysis:</a:t>
+            </a:r>
+          </a:p>
+          <a:p>
+            <a:pPr lvl="1"/>
+            <a:r>
+              <a:rPr lang="en-US" sz="2400" dirty="0" smtClean="0"/>
+              <a:t>Parallel </a:t>
+            </a:r>
+            <a:r>
+              <a:rPr lang="en-US" sz="2400" dirty="0"/>
+              <a:t>for-loops with no dependencies are race </a:t>
+            </a:r>
+            <a:r>
+              <a:rPr lang="en-US" sz="2400" dirty="0" smtClean="0"/>
+              <a:t>free</a:t>
+            </a:r>
+          </a:p>
+          <a:p>
+            <a:pPr lvl="1"/>
+            <a:r>
+              <a:rPr lang="en-US" sz="2400" dirty="0" smtClean="0"/>
+              <a:t>Blacklisting </a:t>
+            </a:r>
+            <a:r>
+              <a:rPr lang="en-US" sz="2400" dirty="0"/>
+              <a:t>these regions from runtime </a:t>
+            </a:r>
+            <a:r>
+              <a:rPr lang="en-US" sz="2400" dirty="0" smtClean="0"/>
+              <a:t>analysis</a:t>
+            </a:r>
+            <a:endParaRPr lang="en-US" sz="2400" dirty="0">
+              <a:effectLst/>
+            </a:endParaRPr>
+          </a:p>
+        </p:txBody>
+      </p:sp>
+      <p:sp>
+        <p:nvSpPr>
+          <p:cNvPr id="3" name="Rectangle 2"/>
+          <p:cNvSpPr/>
+          <p:nvPr/>
+        </p:nvSpPr>
+        <p:spPr>
+          <a:xfrm>
+            <a:off x="4479667" y="3290501"/>
+            <a:ext cx="184666" cy="276999"/>
+          </a:xfrm>
+          <a:prstGeom prst="rect">
+            <a:avLst/>
+          </a:prstGeom>
+        </p:spPr>
+        <p:txBody>
+          <a:bodyPr wrap="none">
+            <a:spAutoFit/>
+          </a:bodyPr>
+          <a:lstStyle/>
+          <a:p>
+            <a:r>
+              <a:rPr lang="en-US" baseline="30000" dirty="0"/>
+              <a:t> </a:t>
+            </a:r>
+            <a:endParaRPr lang="en-US" dirty="0"/>
+          </a:p>
+        </p:txBody>
+      </p:sp>
+      <p:sp>
+        <p:nvSpPr>
+          <p:cNvPr id="4" name="TextBox 3"/>
+          <p:cNvSpPr txBox="1"/>
+          <p:nvPr/>
+        </p:nvSpPr>
+        <p:spPr>
+          <a:xfrm>
+            <a:off x="576846" y="3790576"/>
+            <a:ext cx="4063282" cy="1200329"/>
+          </a:xfrm>
+          <a:prstGeom prst="rect">
+            <a:avLst/>
+          </a:prstGeom>
+          <a:noFill/>
+        </p:spPr>
+        <p:txBody>
+          <a:bodyPr wrap="none" rtlCol="0">
+            <a:spAutoFit/>
+          </a:bodyPr>
+          <a:lstStyle/>
+          <a:p>
+            <a:r>
+              <a:rPr lang="en-US" dirty="0" smtClean="0">
+                <a:latin typeface="Courier New"/>
+                <a:cs typeface="Courier New"/>
+              </a:rPr>
+              <a:t>#pragma </a:t>
+            </a:r>
+            <a:r>
+              <a:rPr lang="en-US" dirty="0" err="1" smtClean="0">
+                <a:latin typeface="Courier New"/>
+                <a:cs typeface="Courier New"/>
+              </a:rPr>
+              <a:t>omp</a:t>
+            </a:r>
+            <a:r>
+              <a:rPr lang="en-US" dirty="0" smtClean="0">
+                <a:latin typeface="Courier New"/>
+                <a:cs typeface="Courier New"/>
+              </a:rPr>
+              <a:t> parallel for</a:t>
+            </a:r>
+          </a:p>
+          <a:p>
+            <a:r>
+              <a:rPr lang="en-US" dirty="0" smtClean="0">
+                <a:latin typeface="Courier New"/>
+                <a:cs typeface="Courier New"/>
+              </a:rPr>
+              <a:t>for(</a:t>
+            </a:r>
+            <a:r>
+              <a:rPr lang="en-US" dirty="0" err="1" smtClean="0">
+                <a:latin typeface="Courier New"/>
+                <a:cs typeface="Courier New"/>
+              </a:rPr>
+              <a:t>int</a:t>
+            </a:r>
+            <a:r>
+              <a:rPr lang="en-US" dirty="0" smtClean="0">
+                <a:latin typeface="Courier New"/>
+                <a:cs typeface="Courier New"/>
+              </a:rPr>
+              <a:t> </a:t>
+            </a:r>
+            <a:r>
+              <a:rPr lang="en-US" dirty="0" err="1" smtClean="0">
+                <a:latin typeface="Courier New"/>
+                <a:cs typeface="Courier New"/>
+              </a:rPr>
+              <a:t>i</a:t>
+            </a:r>
+            <a:r>
+              <a:rPr lang="en-US" dirty="0" smtClean="0">
+                <a:latin typeface="Courier New"/>
+                <a:cs typeface="Courier New"/>
+              </a:rPr>
+              <a:t> = 0; </a:t>
+            </a:r>
+            <a:r>
+              <a:rPr lang="en-US" dirty="0" err="1" smtClean="0">
+                <a:latin typeface="Courier New"/>
+                <a:cs typeface="Courier New"/>
+              </a:rPr>
+              <a:t>i</a:t>
+            </a:r>
+            <a:r>
+              <a:rPr lang="en-US" dirty="0" smtClean="0">
+                <a:latin typeface="Courier New"/>
+                <a:cs typeface="Courier New"/>
+              </a:rPr>
+              <a:t> &lt; N; </a:t>
+            </a:r>
+            <a:r>
+              <a:rPr lang="en-US" dirty="0" err="1" smtClean="0">
+                <a:latin typeface="Courier New"/>
+                <a:cs typeface="Courier New"/>
+              </a:rPr>
+              <a:t>i</a:t>
+            </a:r>
+            <a:r>
+              <a:rPr lang="en-US" dirty="0" smtClean="0">
+                <a:latin typeface="Courier New"/>
+                <a:cs typeface="Courier New"/>
+              </a:rPr>
+              <a:t>++) {</a:t>
+            </a:r>
+          </a:p>
+          <a:p>
+            <a:r>
+              <a:rPr lang="en-US" dirty="0">
+                <a:latin typeface="Courier New"/>
+                <a:cs typeface="Courier New"/>
+              </a:rPr>
+              <a:t> </a:t>
+            </a:r>
+            <a:r>
+              <a:rPr lang="en-US" dirty="0" smtClean="0">
+                <a:latin typeface="Courier New"/>
+                <a:cs typeface="Courier New"/>
+              </a:rPr>
+              <a:t>  a[</a:t>
+            </a:r>
+            <a:r>
+              <a:rPr lang="en-US" dirty="0" err="1" smtClean="0">
+                <a:latin typeface="Courier New"/>
+                <a:cs typeface="Courier New"/>
+              </a:rPr>
+              <a:t>i</a:t>
+            </a:r>
+            <a:r>
+              <a:rPr lang="en-US" dirty="0" smtClean="0">
+                <a:latin typeface="Courier New"/>
+                <a:cs typeface="Courier New"/>
+              </a:rPr>
+              <a:t>] = a[</a:t>
+            </a:r>
+            <a:r>
+              <a:rPr lang="en-US" dirty="0" err="1" smtClean="0">
+                <a:latin typeface="Courier New"/>
+                <a:cs typeface="Courier New"/>
+              </a:rPr>
+              <a:t>i</a:t>
+            </a:r>
+            <a:r>
+              <a:rPr lang="en-US" dirty="0" smtClean="0">
+                <a:latin typeface="Courier New"/>
+                <a:cs typeface="Courier New"/>
+              </a:rPr>
+              <a:t>] + 1;</a:t>
+            </a:r>
+          </a:p>
+          <a:p>
+            <a:r>
+              <a:rPr lang="en-US" dirty="0">
+                <a:latin typeface="Courier New"/>
+                <a:cs typeface="Courier New"/>
+              </a:rPr>
+              <a:t>}</a:t>
+            </a:r>
+          </a:p>
+        </p:txBody>
+      </p:sp>
+      <p:sp>
+        <p:nvSpPr>
+          <p:cNvPr id="7" name="TextBox 6"/>
+          <p:cNvSpPr txBox="1"/>
+          <p:nvPr/>
+        </p:nvSpPr>
+        <p:spPr>
+          <a:xfrm>
+            <a:off x="4792528" y="3938981"/>
+            <a:ext cx="4063282" cy="1200329"/>
+          </a:xfrm>
+          <a:prstGeom prst="rect">
+            <a:avLst/>
+          </a:prstGeom>
+          <a:noFill/>
+        </p:spPr>
+        <p:txBody>
+          <a:bodyPr wrap="none" rtlCol="0">
+            <a:spAutoFit/>
+          </a:bodyPr>
+          <a:lstStyle/>
+          <a:p>
+            <a:r>
+              <a:rPr lang="en-US" dirty="0" smtClean="0">
+                <a:latin typeface="Courier New"/>
+                <a:cs typeface="Courier New"/>
+              </a:rPr>
+              <a:t>#pragma </a:t>
+            </a:r>
+            <a:r>
+              <a:rPr lang="en-US" dirty="0" err="1" smtClean="0">
+                <a:latin typeface="Courier New"/>
+                <a:cs typeface="Courier New"/>
+              </a:rPr>
+              <a:t>omp</a:t>
+            </a:r>
+            <a:r>
+              <a:rPr lang="en-US" dirty="0" smtClean="0">
+                <a:latin typeface="Courier New"/>
+                <a:cs typeface="Courier New"/>
+              </a:rPr>
+              <a:t> parallel for</a:t>
+            </a:r>
+          </a:p>
+          <a:p>
+            <a:r>
+              <a:rPr lang="en-US" dirty="0" smtClean="0">
+                <a:latin typeface="Courier New"/>
+                <a:cs typeface="Courier New"/>
+              </a:rPr>
+              <a:t>for(</a:t>
+            </a:r>
+            <a:r>
+              <a:rPr lang="en-US" dirty="0" err="1" smtClean="0">
+                <a:latin typeface="Courier New"/>
+                <a:cs typeface="Courier New"/>
+              </a:rPr>
+              <a:t>int</a:t>
+            </a:r>
+            <a:r>
+              <a:rPr lang="en-US" dirty="0" smtClean="0">
+                <a:latin typeface="Courier New"/>
+                <a:cs typeface="Courier New"/>
+              </a:rPr>
+              <a:t> </a:t>
+            </a:r>
+            <a:r>
+              <a:rPr lang="en-US" dirty="0" err="1" smtClean="0">
+                <a:latin typeface="Courier New"/>
+                <a:cs typeface="Courier New"/>
+              </a:rPr>
+              <a:t>i</a:t>
+            </a:r>
+            <a:r>
+              <a:rPr lang="en-US" dirty="0" smtClean="0">
+                <a:latin typeface="Courier New"/>
+                <a:cs typeface="Courier New"/>
+              </a:rPr>
+              <a:t> = 0; </a:t>
+            </a:r>
+            <a:r>
+              <a:rPr lang="en-US" dirty="0" err="1" smtClean="0">
+                <a:latin typeface="Courier New"/>
+                <a:cs typeface="Courier New"/>
+              </a:rPr>
+              <a:t>i</a:t>
+            </a:r>
+            <a:r>
+              <a:rPr lang="en-US" dirty="0" smtClean="0">
+                <a:latin typeface="Courier New"/>
+                <a:cs typeface="Courier New"/>
+              </a:rPr>
+              <a:t> &lt; N; </a:t>
+            </a:r>
+            <a:r>
+              <a:rPr lang="en-US" dirty="0" err="1" smtClean="0">
+                <a:latin typeface="Courier New"/>
+                <a:cs typeface="Courier New"/>
+              </a:rPr>
+              <a:t>i</a:t>
+            </a:r>
+            <a:r>
+              <a:rPr lang="en-US" dirty="0" smtClean="0">
+                <a:latin typeface="Courier New"/>
+                <a:cs typeface="Courier New"/>
+              </a:rPr>
+              <a:t>++) {</a:t>
+            </a:r>
+          </a:p>
+          <a:p>
+            <a:r>
+              <a:rPr lang="en-US" dirty="0">
+                <a:latin typeface="Courier New"/>
+                <a:cs typeface="Courier New"/>
+              </a:rPr>
+              <a:t> </a:t>
+            </a:r>
+            <a:r>
+              <a:rPr lang="en-US" dirty="0" smtClean="0">
+                <a:latin typeface="Courier New"/>
+                <a:cs typeface="Courier New"/>
+              </a:rPr>
+              <a:t>  a[</a:t>
+            </a:r>
+            <a:r>
+              <a:rPr lang="en-US" dirty="0" err="1" smtClean="0">
+                <a:latin typeface="Courier New"/>
+                <a:cs typeface="Courier New"/>
+              </a:rPr>
+              <a:t>i</a:t>
+            </a:r>
+            <a:r>
+              <a:rPr lang="en-US" dirty="0" smtClean="0">
+                <a:latin typeface="Courier New"/>
+                <a:cs typeface="Courier New"/>
+              </a:rPr>
+              <a:t>] = a[</a:t>
+            </a:r>
+            <a:r>
+              <a:rPr lang="en-US" dirty="0" err="1" smtClean="0">
+                <a:latin typeface="Courier New"/>
+                <a:cs typeface="Courier New"/>
+              </a:rPr>
+              <a:t>i</a:t>
+            </a:r>
+            <a:r>
+              <a:rPr lang="en-US" smtClean="0">
+                <a:latin typeface="Courier New"/>
+                <a:cs typeface="Courier New"/>
+              </a:rPr>
+              <a:t> - 1];</a:t>
+            </a:r>
+            <a:endParaRPr lang="en-US" dirty="0" smtClean="0">
+              <a:latin typeface="Courier New"/>
+              <a:cs typeface="Courier New"/>
+            </a:endParaRPr>
+          </a:p>
+          <a:p>
+            <a:r>
+              <a:rPr lang="en-US" dirty="0">
+                <a:latin typeface="Courier New"/>
+                <a:cs typeface="Courier New"/>
+              </a:rPr>
+              <a:t>}</a:t>
+            </a:r>
+          </a:p>
+        </p:txBody>
+      </p:sp>
+    </p:spTree>
+    <p:extLst>
+      <p:ext uri="{BB962C8B-B14F-4D97-AF65-F5344CB8AC3E}">
+        <p14:creationId xmlns:p14="http://schemas.microsoft.com/office/powerpoint/2010/main" val="1249774231"/>
       </p:ext>
     </p:extLst>
   </p:cSld>

--- a/presentation/presentation.pptx
+++ b/presentation/presentation.pptx
@@ -5,10 +5,10 @@
     <p:sldMasterId id="2147483648" r:id="rId1"/>
   </p:sldMasterIdLst>
   <p:notesMasterIdLst>
-    <p:notesMasterId r:id="rId9"/>
+    <p:notesMasterId r:id="rId10"/>
   </p:notesMasterIdLst>
   <p:handoutMasterIdLst>
-    <p:handoutMasterId r:id="rId10"/>
+    <p:handoutMasterId r:id="rId11"/>
   </p:handoutMasterIdLst>
   <p:sldIdLst>
     <p:sldId id="256" r:id="rId2"/>
@@ -18,6 +18,7 @@
     <p:sldId id="261" r:id="rId6"/>
     <p:sldId id="260" r:id="rId7"/>
     <p:sldId id="262" r:id="rId8"/>
+    <p:sldId id="263" r:id="rId9"/>
   </p:sldIdLst>
   <p:sldSz cx="9144000" cy="6858000" type="screen4x3"/>
   <p:notesSz cx="6858000" cy="9144000"/>
@@ -711,6 +712,174 @@
     <p:extLst>
       <p:ext uri="{BB962C8B-B14F-4D97-AF65-F5344CB8AC3E}">
         <p14:creationId xmlns:p14="http://schemas.microsoft.com/office/powerpoint/2010/main" val="156281782"/>
+      </p:ext>
+    </p:extLst>
+  </p:cSld>
+  <p:clrMapOvr>
+    <a:masterClrMapping/>
+  </p:clrMapOvr>
+</p:notes>
+</file>
+
+<file path=ppt/notesSlides/notesSlide2.xml><?xml version="1.0" encoding="utf-8"?>
+<p:notes xmlns:a="http://schemas.openxmlformats.org/drawingml/2006/main" xmlns:r="http://schemas.openxmlformats.org/officeDocument/2006/relationships" xmlns:p="http://schemas.openxmlformats.org/presentationml/2006/main">
+  <p:cSld>
+    <p:spTree>
+      <p:nvGrpSpPr>
+        <p:cNvPr id="1" name=""/>
+        <p:cNvGrpSpPr/>
+        <p:nvPr/>
+      </p:nvGrpSpPr>
+      <p:grpSpPr>
+        <a:xfrm>
+          <a:off x="0" y="0"/>
+          <a:ext cx="0" cy="0"/>
+          <a:chOff x="0" y="0"/>
+          <a:chExt cx="0" cy="0"/>
+        </a:xfrm>
+      </p:grpSpPr>
+      <p:sp>
+        <p:nvSpPr>
+          <p:cNvPr id="2" name="Slide Image Placeholder 1"/>
+          <p:cNvSpPr>
+            <a:spLocks noGrp="1" noRot="1" noChangeAspect="1"/>
+          </p:cNvSpPr>
+          <p:nvPr>
+            <p:ph type="sldImg"/>
+          </p:nvPr>
+        </p:nvSpPr>
+        <p:spPr/>
+      </p:sp>
+      <p:sp>
+        <p:nvSpPr>
+          <p:cNvPr id="3" name="Notes Placeholder 2"/>
+          <p:cNvSpPr>
+            <a:spLocks noGrp="1"/>
+          </p:cNvSpPr>
+          <p:nvPr>
+            <p:ph type="body" idx="1"/>
+          </p:nvPr>
+        </p:nvSpPr>
+        <p:spPr/>
+        <p:txBody>
+          <a:bodyPr/>
+          <a:lstStyle/>
+          <a:p>
+            <a:endParaRPr lang="en-US" dirty="0"/>
+          </a:p>
+        </p:txBody>
+      </p:sp>
+      <p:sp>
+        <p:nvSpPr>
+          <p:cNvPr id="4" name="Slide Number Placeholder 3"/>
+          <p:cNvSpPr>
+            <a:spLocks noGrp="1"/>
+          </p:cNvSpPr>
+          <p:nvPr>
+            <p:ph type="sldNum" sz="quarter" idx="10"/>
+          </p:nvPr>
+        </p:nvSpPr>
+        <p:spPr/>
+        <p:txBody>
+          <a:bodyPr/>
+          <a:lstStyle/>
+          <a:p>
+            <a:fld id="{A1129A4B-D84D-454A-A538-E27153618149}" type="slidenum">
+              <a:rPr lang="en-US" smtClean="0"/>
+              <a:t>7</a:t>
+            </a:fld>
+            <a:endParaRPr lang="en-US"/>
+          </a:p>
+        </p:txBody>
+      </p:sp>
+    </p:spTree>
+    <p:extLst>
+      <p:ext uri="{BB962C8B-B14F-4D97-AF65-F5344CB8AC3E}">
+        <p14:creationId xmlns:p14="http://schemas.microsoft.com/office/powerpoint/2010/main" val="2140486430"/>
+      </p:ext>
+    </p:extLst>
+  </p:cSld>
+  <p:clrMapOvr>
+    <a:masterClrMapping/>
+  </p:clrMapOvr>
+</p:notes>
+</file>
+
+<file path=ppt/notesSlides/notesSlide3.xml><?xml version="1.0" encoding="utf-8"?>
+<p:notes xmlns:a="http://schemas.openxmlformats.org/drawingml/2006/main" xmlns:r="http://schemas.openxmlformats.org/officeDocument/2006/relationships" xmlns:p="http://schemas.openxmlformats.org/presentationml/2006/main">
+  <p:cSld>
+    <p:spTree>
+      <p:nvGrpSpPr>
+        <p:cNvPr id="1" name=""/>
+        <p:cNvGrpSpPr/>
+        <p:nvPr/>
+      </p:nvGrpSpPr>
+      <p:grpSpPr>
+        <a:xfrm>
+          <a:off x="0" y="0"/>
+          <a:ext cx="0" cy="0"/>
+          <a:chOff x="0" y="0"/>
+          <a:chExt cx="0" cy="0"/>
+        </a:xfrm>
+      </p:grpSpPr>
+      <p:sp>
+        <p:nvSpPr>
+          <p:cNvPr id="2" name="Slide Image Placeholder 1"/>
+          <p:cNvSpPr>
+            <a:spLocks noGrp="1" noRot="1" noChangeAspect="1"/>
+          </p:cNvSpPr>
+          <p:nvPr>
+            <p:ph type="sldImg"/>
+          </p:nvPr>
+        </p:nvSpPr>
+        <p:spPr/>
+      </p:sp>
+      <p:sp>
+        <p:nvSpPr>
+          <p:cNvPr id="3" name="Notes Placeholder 2"/>
+          <p:cNvSpPr>
+            <a:spLocks noGrp="1"/>
+          </p:cNvSpPr>
+          <p:nvPr>
+            <p:ph type="body" idx="1"/>
+          </p:nvPr>
+        </p:nvSpPr>
+        <p:spPr/>
+        <p:txBody>
+          <a:bodyPr/>
+          <a:lstStyle/>
+          <a:p>
+            <a:endParaRPr lang="en-US" dirty="0"/>
+          </a:p>
+        </p:txBody>
+      </p:sp>
+      <p:sp>
+        <p:nvSpPr>
+          <p:cNvPr id="4" name="Slide Number Placeholder 3"/>
+          <p:cNvSpPr>
+            <a:spLocks noGrp="1"/>
+          </p:cNvSpPr>
+          <p:nvPr>
+            <p:ph type="sldNum" sz="quarter" idx="10"/>
+          </p:nvPr>
+        </p:nvSpPr>
+        <p:spPr/>
+        <p:txBody>
+          <a:bodyPr/>
+          <a:lstStyle/>
+          <a:p>
+            <a:fld id="{A1129A4B-D84D-454A-A538-E27153618149}" type="slidenum">
+              <a:rPr lang="en-US" smtClean="0"/>
+              <a:t>8</a:t>
+            </a:fld>
+            <a:endParaRPr lang="en-US"/>
+          </a:p>
+        </p:txBody>
+      </p:sp>
+    </p:spTree>
+    <p:extLst>
+      <p:ext uri="{BB962C8B-B14F-4D97-AF65-F5344CB8AC3E}">
+        <p14:creationId xmlns:p14="http://schemas.microsoft.com/office/powerpoint/2010/main" val="2140486430"/>
       </p:ext>
     </p:extLst>
   </p:cSld>
@@ -4978,6 +5147,449 @@
       </p:grpSpPr>
       <p:sp>
         <p:nvSpPr>
+          <p:cNvPr id="10" name="Rectangle 9"/>
+          <p:cNvSpPr/>
+          <p:nvPr/>
+        </p:nvSpPr>
+        <p:spPr>
+          <a:xfrm>
+            <a:off x="457200" y="3419669"/>
+            <a:ext cx="4022467" cy="1200329"/>
+          </a:xfrm>
+          <a:prstGeom prst="rect">
+            <a:avLst/>
+          </a:prstGeom>
+          <a:solidFill>
+            <a:srgbClr val="00FF00">
+              <a:alpha val="40000"/>
+            </a:srgbClr>
+          </a:solidFill>
+          <a:ln>
+            <a:noFill/>
+          </a:ln>
+          <a:effectLst/>
+        </p:spPr>
+        <p:style>
+          <a:lnRef idx="1">
+            <a:schemeClr val="accent1"/>
+          </a:lnRef>
+          <a:fillRef idx="3">
+            <a:schemeClr val="accent1"/>
+          </a:fillRef>
+          <a:effectRef idx="2">
+            <a:schemeClr val="accent1"/>
+          </a:effectRef>
+          <a:fontRef idx="minor">
+            <a:schemeClr val="lt1"/>
+          </a:fontRef>
+        </p:style>
+        <p:txBody>
+          <a:bodyPr rtlCol="0" anchor="ctr"/>
+          <a:lstStyle/>
+          <a:p>
+            <a:pPr algn="ctr"/>
+            <a:endParaRPr lang="en-US"/>
+          </a:p>
+        </p:txBody>
+      </p:sp>
+      <p:sp>
+        <p:nvSpPr>
+          <p:cNvPr id="4" name="TextBox 3"/>
+          <p:cNvSpPr txBox="1"/>
+          <p:nvPr/>
+        </p:nvSpPr>
+        <p:spPr>
+          <a:xfrm>
+            <a:off x="457200" y="3419669"/>
+            <a:ext cx="4063282" cy="1200329"/>
+          </a:xfrm>
+          <a:prstGeom prst="rect">
+            <a:avLst/>
+          </a:prstGeom>
+          <a:noFill/>
+          <a:ln>
+            <a:noFill/>
+          </a:ln>
+        </p:spPr>
+        <p:txBody>
+          <a:bodyPr wrap="none" rtlCol="0">
+            <a:spAutoFit/>
+          </a:bodyPr>
+          <a:lstStyle/>
+          <a:p>
+            <a:r>
+              <a:rPr lang="en-US" b="1" dirty="0" smtClean="0">
+                <a:solidFill>
+                  <a:srgbClr val="0000FF"/>
+                </a:solidFill>
+                <a:latin typeface="Andale Mono"/>
+                <a:cs typeface="Andale Mono"/>
+              </a:rPr>
+              <a:t>#pragma </a:t>
+            </a:r>
+            <a:r>
+              <a:rPr lang="en-US" b="1" dirty="0" err="1" smtClean="0">
+                <a:solidFill>
+                  <a:srgbClr val="0000FF"/>
+                </a:solidFill>
+                <a:latin typeface="Andale Mono"/>
+                <a:cs typeface="Andale Mono"/>
+              </a:rPr>
+              <a:t>omp</a:t>
+            </a:r>
+            <a:r>
+              <a:rPr lang="en-US" b="1" dirty="0" smtClean="0">
+                <a:solidFill>
+                  <a:srgbClr val="0000FF"/>
+                </a:solidFill>
+                <a:latin typeface="Andale Mono"/>
+                <a:cs typeface="Andale Mono"/>
+              </a:rPr>
+              <a:t> parallel for</a:t>
+            </a:r>
+          </a:p>
+          <a:p>
+            <a:r>
+              <a:rPr lang="en-US" dirty="0" smtClean="0">
+                <a:latin typeface="Andale Mono"/>
+                <a:cs typeface="Andale Mono"/>
+              </a:rPr>
+              <a:t>for(</a:t>
+            </a:r>
+            <a:r>
+              <a:rPr lang="en-US" dirty="0" err="1" smtClean="0">
+                <a:latin typeface="Andale Mono"/>
+                <a:cs typeface="Andale Mono"/>
+              </a:rPr>
+              <a:t>int</a:t>
+            </a:r>
+            <a:r>
+              <a:rPr lang="en-US" dirty="0" smtClean="0">
+                <a:latin typeface="Andale Mono"/>
+                <a:cs typeface="Andale Mono"/>
+              </a:rPr>
+              <a:t> </a:t>
+            </a:r>
+            <a:r>
+              <a:rPr lang="en-US" dirty="0" err="1" smtClean="0">
+                <a:latin typeface="Andale Mono"/>
+                <a:cs typeface="Andale Mono"/>
+              </a:rPr>
+              <a:t>i</a:t>
+            </a:r>
+            <a:r>
+              <a:rPr lang="en-US" dirty="0" smtClean="0">
+                <a:latin typeface="Andale Mono"/>
+                <a:cs typeface="Andale Mono"/>
+              </a:rPr>
+              <a:t> = 0; </a:t>
+            </a:r>
+            <a:r>
+              <a:rPr lang="en-US" dirty="0" err="1" smtClean="0">
+                <a:latin typeface="Andale Mono"/>
+                <a:cs typeface="Andale Mono"/>
+              </a:rPr>
+              <a:t>i</a:t>
+            </a:r>
+            <a:r>
+              <a:rPr lang="en-US" dirty="0" smtClean="0">
+                <a:latin typeface="Andale Mono"/>
+                <a:cs typeface="Andale Mono"/>
+              </a:rPr>
+              <a:t> &lt; N; </a:t>
+            </a:r>
+            <a:r>
+              <a:rPr lang="en-US" dirty="0" err="1" smtClean="0">
+                <a:latin typeface="Andale Mono"/>
+                <a:cs typeface="Andale Mono"/>
+              </a:rPr>
+              <a:t>i</a:t>
+            </a:r>
+            <a:r>
+              <a:rPr lang="en-US" dirty="0" smtClean="0">
+                <a:latin typeface="Andale Mono"/>
+                <a:cs typeface="Andale Mono"/>
+              </a:rPr>
+              <a:t>++) {</a:t>
+            </a:r>
+          </a:p>
+          <a:p>
+            <a:r>
+              <a:rPr lang="en-US" dirty="0">
+                <a:latin typeface="Andale Mono"/>
+                <a:cs typeface="Andale Mono"/>
+              </a:rPr>
+              <a:t> </a:t>
+            </a:r>
+            <a:r>
+              <a:rPr lang="en-US" dirty="0" smtClean="0">
+                <a:latin typeface="Andale Mono"/>
+                <a:cs typeface="Andale Mono"/>
+              </a:rPr>
+              <a:t>  a[</a:t>
+            </a:r>
+            <a:r>
+              <a:rPr lang="en-US" dirty="0" err="1" smtClean="0">
+                <a:latin typeface="Andale Mono"/>
+                <a:cs typeface="Andale Mono"/>
+              </a:rPr>
+              <a:t>i</a:t>
+            </a:r>
+            <a:r>
+              <a:rPr lang="en-US" dirty="0" smtClean="0">
+                <a:latin typeface="Andale Mono"/>
+                <a:cs typeface="Andale Mono"/>
+              </a:rPr>
+              <a:t>] = a[</a:t>
+            </a:r>
+            <a:r>
+              <a:rPr lang="en-US" dirty="0" err="1" smtClean="0">
+                <a:latin typeface="Andale Mono"/>
+                <a:cs typeface="Andale Mono"/>
+              </a:rPr>
+              <a:t>i</a:t>
+            </a:r>
+            <a:r>
+              <a:rPr lang="en-US" dirty="0" smtClean="0">
+                <a:latin typeface="Andale Mono"/>
+                <a:cs typeface="Andale Mono"/>
+              </a:rPr>
+              <a:t>] + 1;</a:t>
+            </a:r>
+          </a:p>
+          <a:p>
+            <a:r>
+              <a:rPr lang="en-US" dirty="0">
+                <a:latin typeface="Andale Mono"/>
+                <a:cs typeface="Andale Mono"/>
+              </a:rPr>
+              <a:t>}</a:t>
+            </a:r>
+          </a:p>
+        </p:txBody>
+      </p:sp>
+      <p:sp>
+        <p:nvSpPr>
+          <p:cNvPr id="13" name="Rectangle 12"/>
+          <p:cNvSpPr/>
+          <p:nvPr/>
+        </p:nvSpPr>
+        <p:spPr>
+          <a:xfrm>
+            <a:off x="457200" y="4936660"/>
+            <a:ext cx="4022467" cy="1200329"/>
+          </a:xfrm>
+          <a:prstGeom prst="rect">
+            <a:avLst/>
+          </a:prstGeom>
+          <a:solidFill>
+            <a:srgbClr val="FF0000">
+              <a:alpha val="40000"/>
+            </a:srgbClr>
+          </a:solidFill>
+          <a:ln>
+            <a:noFill/>
+          </a:ln>
+          <a:effectLst/>
+        </p:spPr>
+        <p:style>
+          <a:lnRef idx="1">
+            <a:schemeClr val="accent1"/>
+          </a:lnRef>
+          <a:fillRef idx="3">
+            <a:schemeClr val="accent1"/>
+          </a:fillRef>
+          <a:effectRef idx="2">
+            <a:schemeClr val="accent1"/>
+          </a:effectRef>
+          <a:fontRef idx="minor">
+            <a:schemeClr val="lt1"/>
+          </a:fontRef>
+        </p:style>
+        <p:txBody>
+          <a:bodyPr rtlCol="0" anchor="ctr"/>
+          <a:lstStyle/>
+          <a:p>
+            <a:pPr algn="ctr"/>
+            <a:endParaRPr lang="en-US"/>
+          </a:p>
+        </p:txBody>
+      </p:sp>
+      <p:sp>
+        <p:nvSpPr>
+          <p:cNvPr id="7" name="TextBox 6"/>
+          <p:cNvSpPr txBox="1"/>
+          <p:nvPr/>
+        </p:nvSpPr>
+        <p:spPr>
+          <a:xfrm>
+            <a:off x="457200" y="4936660"/>
+            <a:ext cx="4022467" cy="1200329"/>
+          </a:xfrm>
+          <a:prstGeom prst="rect">
+            <a:avLst/>
+          </a:prstGeom>
+          <a:noFill/>
+        </p:spPr>
+        <p:txBody>
+          <a:bodyPr wrap="square" rtlCol="0">
+            <a:spAutoFit/>
+          </a:bodyPr>
+          <a:lstStyle/>
+          <a:p>
+            <a:r>
+              <a:rPr lang="en-US" b="1" dirty="0" smtClean="0">
+                <a:solidFill>
+                  <a:srgbClr val="0000FF"/>
+                </a:solidFill>
+                <a:latin typeface="Andale Mono"/>
+                <a:cs typeface="Andale Mono"/>
+              </a:rPr>
+              <a:t>#pragma </a:t>
+            </a:r>
+            <a:r>
+              <a:rPr lang="en-US" b="1" dirty="0" err="1" smtClean="0">
+                <a:solidFill>
+                  <a:srgbClr val="0000FF"/>
+                </a:solidFill>
+                <a:latin typeface="Andale Mono"/>
+                <a:cs typeface="Andale Mono"/>
+              </a:rPr>
+              <a:t>omp</a:t>
+            </a:r>
+            <a:r>
+              <a:rPr lang="en-US" b="1" dirty="0" smtClean="0">
+                <a:solidFill>
+                  <a:srgbClr val="0000FF"/>
+                </a:solidFill>
+                <a:latin typeface="Andale Mono"/>
+                <a:cs typeface="Andale Mono"/>
+              </a:rPr>
+              <a:t> parallel for</a:t>
+            </a:r>
+          </a:p>
+          <a:p>
+            <a:r>
+              <a:rPr lang="en-US" dirty="0" smtClean="0">
+                <a:latin typeface="Andale Mono"/>
+                <a:cs typeface="Andale Mono"/>
+              </a:rPr>
+              <a:t>for(</a:t>
+            </a:r>
+            <a:r>
+              <a:rPr lang="en-US" dirty="0" err="1" smtClean="0">
+                <a:latin typeface="Andale Mono"/>
+                <a:cs typeface="Andale Mono"/>
+              </a:rPr>
+              <a:t>int</a:t>
+            </a:r>
+            <a:r>
+              <a:rPr lang="en-US" dirty="0" smtClean="0">
+                <a:latin typeface="Andale Mono"/>
+                <a:cs typeface="Andale Mono"/>
+              </a:rPr>
+              <a:t> </a:t>
+            </a:r>
+            <a:r>
+              <a:rPr lang="en-US" dirty="0" err="1" smtClean="0">
+                <a:latin typeface="Andale Mono"/>
+                <a:cs typeface="Andale Mono"/>
+              </a:rPr>
+              <a:t>i</a:t>
+            </a:r>
+            <a:r>
+              <a:rPr lang="en-US" dirty="0" smtClean="0">
+                <a:latin typeface="Andale Mono"/>
+                <a:cs typeface="Andale Mono"/>
+              </a:rPr>
+              <a:t> = 1; </a:t>
+            </a:r>
+            <a:r>
+              <a:rPr lang="en-US" dirty="0" err="1" smtClean="0">
+                <a:latin typeface="Andale Mono"/>
+                <a:cs typeface="Andale Mono"/>
+              </a:rPr>
+              <a:t>i</a:t>
+            </a:r>
+            <a:r>
+              <a:rPr lang="en-US" dirty="0" smtClean="0">
+                <a:latin typeface="Andale Mono"/>
+                <a:cs typeface="Andale Mono"/>
+              </a:rPr>
+              <a:t> &lt; N; </a:t>
+            </a:r>
+            <a:r>
+              <a:rPr lang="en-US" dirty="0" err="1" smtClean="0">
+                <a:latin typeface="Andale Mono"/>
+                <a:cs typeface="Andale Mono"/>
+              </a:rPr>
+              <a:t>i</a:t>
+            </a:r>
+            <a:r>
+              <a:rPr lang="en-US" dirty="0" smtClean="0">
+                <a:latin typeface="Andale Mono"/>
+                <a:cs typeface="Andale Mono"/>
+              </a:rPr>
+              <a:t>++) {</a:t>
+            </a:r>
+          </a:p>
+          <a:p>
+            <a:r>
+              <a:rPr lang="en-US" dirty="0">
+                <a:latin typeface="Andale Mono"/>
+                <a:cs typeface="Andale Mono"/>
+              </a:rPr>
+              <a:t> </a:t>
+            </a:r>
+            <a:r>
+              <a:rPr lang="en-US" dirty="0" smtClean="0">
+                <a:latin typeface="Andale Mono"/>
+                <a:cs typeface="Andale Mono"/>
+              </a:rPr>
+              <a:t>  a[</a:t>
+            </a:r>
+            <a:r>
+              <a:rPr lang="en-US" dirty="0" err="1" smtClean="0">
+                <a:latin typeface="Andale Mono"/>
+                <a:cs typeface="Andale Mono"/>
+              </a:rPr>
+              <a:t>i</a:t>
+            </a:r>
+            <a:r>
+              <a:rPr lang="en-US" dirty="0" smtClean="0">
+                <a:latin typeface="Andale Mono"/>
+                <a:cs typeface="Andale Mono"/>
+              </a:rPr>
+              <a:t>] = a[</a:t>
+            </a:r>
+            <a:r>
+              <a:rPr lang="en-US" dirty="0" err="1" smtClean="0">
+                <a:latin typeface="Andale Mono"/>
+                <a:cs typeface="Andale Mono"/>
+              </a:rPr>
+              <a:t>i</a:t>
+            </a:r>
+            <a:r>
+              <a:rPr lang="en-US" dirty="0" smtClean="0">
+                <a:latin typeface="Andale Mono"/>
+                <a:cs typeface="Andale Mono"/>
+              </a:rPr>
+              <a:t> - 1];</a:t>
+            </a:r>
+          </a:p>
+          <a:p>
+            <a:r>
+              <a:rPr lang="en-US" dirty="0">
+                <a:latin typeface="Andale Mono"/>
+                <a:cs typeface="Andale Mono"/>
+              </a:rPr>
+              <a:t>}</a:t>
+            </a:r>
+          </a:p>
+        </p:txBody>
+      </p:sp>
+      <p:sp>
+        <p:nvSpPr>
           <p:cNvPr id="2" name="Title 1"/>
           <p:cNvSpPr>
             <a:spLocks noGrp="1"/>
@@ -5059,15 +5671,7 @@
             <a:pPr lvl="1"/>
             <a:r>
               <a:rPr lang="en-US" sz="2400" dirty="0" smtClean="0"/>
-              <a:t>Blacklisting </a:t>
-            </a:r>
-            <a:r>
-              <a:rPr lang="en-US" sz="2400" dirty="0"/>
-              <a:t>these regions from runtime </a:t>
-            </a:r>
-            <a:r>
-              <a:rPr lang="en-US" sz="2400" dirty="0" smtClean="0"/>
-              <a:t>analysis</a:t>
+              <a:t>Blacklisting these regions from runtime analysis</a:t>
             </a:r>
             <a:endParaRPr lang="en-US" sz="2400" dirty="0">
               <a:effectLst/>
@@ -5106,14 +5710,102 @@
       </p:sp>
       <p:sp>
         <p:nvSpPr>
-          <p:cNvPr id="4" name="TextBox 3"/>
+          <p:cNvPr id="6" name="Right Brace 5"/>
+          <p:cNvSpPr/>
+          <p:nvPr/>
+        </p:nvSpPr>
+        <p:spPr>
+          <a:xfrm>
+            <a:off x="4563835" y="3419669"/>
+            <a:ext cx="256721" cy="1200329"/>
+          </a:xfrm>
+          <a:prstGeom prst="rightBrace">
+            <a:avLst/>
+          </a:prstGeom>
+          <a:ln>
+            <a:solidFill>
+              <a:schemeClr val="tx1"/>
+            </a:solidFill>
+          </a:ln>
+          <a:effectLst/>
+        </p:spPr>
+        <p:style>
+          <a:lnRef idx="2">
+            <a:schemeClr val="accent1"/>
+          </a:lnRef>
+          <a:fillRef idx="0">
+            <a:schemeClr val="accent1"/>
+          </a:fillRef>
+          <a:effectRef idx="1">
+            <a:schemeClr val="accent1"/>
+          </a:effectRef>
+          <a:fontRef idx="minor">
+            <a:schemeClr val="tx1"/>
+          </a:fontRef>
+        </p:style>
+        <p:txBody>
+          <a:bodyPr rtlCol="0" anchor="ctr"/>
+          <a:lstStyle/>
+          <a:p>
+            <a:pPr algn="ctr"/>
+            <a:endParaRPr lang="en-US"/>
+          </a:p>
+        </p:txBody>
+      </p:sp>
+      <p:sp>
+        <p:nvSpPr>
+          <p:cNvPr id="9" name="Right Brace 8"/>
+          <p:cNvSpPr/>
+          <p:nvPr/>
+        </p:nvSpPr>
+        <p:spPr>
+          <a:xfrm>
+            <a:off x="4563835" y="4936660"/>
+            <a:ext cx="256721" cy="1200329"/>
+          </a:xfrm>
+          <a:prstGeom prst="rightBrace">
+            <a:avLst/>
+          </a:prstGeom>
+          <a:ln>
+            <a:solidFill>
+              <a:schemeClr val="tx1"/>
+            </a:solidFill>
+          </a:ln>
+          <a:effectLst/>
+        </p:spPr>
+        <p:style>
+          <a:lnRef idx="2">
+            <a:schemeClr val="accent1"/>
+          </a:lnRef>
+          <a:fillRef idx="0">
+            <a:schemeClr val="accent1"/>
+          </a:fillRef>
+          <a:effectRef idx="1">
+            <a:schemeClr val="accent1"/>
+          </a:effectRef>
+          <a:fontRef idx="minor">
+            <a:schemeClr val="tx1"/>
+          </a:fontRef>
+        </p:style>
+        <p:txBody>
+          <a:bodyPr rtlCol="0" anchor="ctr"/>
+          <a:lstStyle/>
+          <a:p>
+            <a:pPr algn="ctr"/>
+            <a:endParaRPr lang="en-US"/>
+          </a:p>
+        </p:txBody>
+      </p:sp>
+      <p:sp>
+        <p:nvSpPr>
+          <p:cNvPr id="8" name="TextBox 7"/>
           <p:cNvSpPr txBox="1"/>
           <p:nvPr/>
         </p:nvSpPr>
         <p:spPr>
           <a:xfrm>
-            <a:off x="576846" y="3790576"/>
-            <a:ext cx="4063282" cy="1200329"/>
+            <a:off x="5201980" y="3689089"/>
+            <a:ext cx="3484820" cy="646331"/>
           </a:xfrm>
           <a:prstGeom prst="rect">
             <a:avLst/>
@@ -5121,163 +5813,29 @@
           <a:noFill/>
         </p:spPr>
         <p:txBody>
-          <a:bodyPr wrap="none" rtlCol="0">
+          <a:bodyPr wrap="square" rtlCol="0">
             <a:spAutoFit/>
           </a:bodyPr>
           <a:lstStyle/>
           <a:p>
             <a:r>
-              <a:rPr lang="en-US" dirty="0" smtClean="0">
-                <a:latin typeface="Courier New"/>
-                <a:cs typeface="Courier New"/>
-              </a:rPr>
-              <a:t>#pragma </a:t>
-            </a:r>
-            <a:r>
-              <a:rPr lang="en-US" dirty="0" err="1" smtClean="0">
-                <a:latin typeface="Courier New"/>
-                <a:cs typeface="Courier New"/>
-              </a:rPr>
-              <a:t>omp</a:t>
-            </a:r>
-            <a:r>
-              <a:rPr lang="en-US" dirty="0" smtClean="0">
-                <a:latin typeface="Courier New"/>
-                <a:cs typeface="Courier New"/>
-              </a:rPr>
-              <a:t> parallel for</a:t>
-            </a:r>
-          </a:p>
-          <a:p>
-            <a:r>
-              <a:rPr lang="en-US" dirty="0" smtClean="0">
-                <a:latin typeface="Courier New"/>
-                <a:cs typeface="Courier New"/>
-              </a:rPr>
-              <a:t>for(</a:t>
-            </a:r>
-            <a:r>
-              <a:rPr lang="en-US" dirty="0" err="1" smtClean="0">
-                <a:latin typeface="Courier New"/>
-                <a:cs typeface="Courier New"/>
-              </a:rPr>
-              <a:t>int</a:t>
-            </a:r>
-            <a:r>
-              <a:rPr lang="en-US" dirty="0" smtClean="0">
-                <a:latin typeface="Courier New"/>
-                <a:cs typeface="Courier New"/>
-              </a:rPr>
-              <a:t> </a:t>
-            </a:r>
-            <a:r>
-              <a:rPr lang="en-US" dirty="0" err="1" smtClean="0">
-                <a:latin typeface="Courier New"/>
-                <a:cs typeface="Courier New"/>
-              </a:rPr>
-              <a:t>i</a:t>
-            </a:r>
-            <a:r>
-              <a:rPr lang="en-US" dirty="0" smtClean="0">
-                <a:latin typeface="Courier New"/>
-                <a:cs typeface="Courier New"/>
-              </a:rPr>
-              <a:t> = 0; </a:t>
-            </a:r>
-            <a:r>
-              <a:rPr lang="en-US" dirty="0" err="1" smtClean="0">
-                <a:latin typeface="Courier New"/>
-                <a:cs typeface="Courier New"/>
-              </a:rPr>
-              <a:t>i</a:t>
-            </a:r>
-            <a:r>
-              <a:rPr lang="en-US" dirty="0" smtClean="0">
-                <a:latin typeface="Courier New"/>
-                <a:cs typeface="Courier New"/>
-              </a:rPr>
-              <a:t> &lt; N; </a:t>
-            </a:r>
-            <a:r>
-              <a:rPr lang="en-US" dirty="0" err="1" smtClean="0">
-                <a:latin typeface="Courier New"/>
-                <a:cs typeface="Courier New"/>
-              </a:rPr>
-              <a:t>i</a:t>
-            </a:r>
-            <a:r>
-              <a:rPr lang="en-US" dirty="0" smtClean="0">
-                <a:latin typeface="Courier New"/>
-                <a:cs typeface="Courier New"/>
-              </a:rPr>
-              <a:t>++) {</a:t>
-            </a:r>
-          </a:p>
-          <a:p>
-            <a:r>
-              <a:rPr lang="en-US" dirty="0">
-                <a:latin typeface="Courier New"/>
-                <a:cs typeface="Courier New"/>
-              </a:rPr>
-              <a:t> </a:t>
-            </a:r>
-            <a:r>
-              <a:rPr lang="en-US" dirty="0" smtClean="0">
-                <a:latin typeface="Courier New"/>
-                <a:cs typeface="Courier New"/>
-              </a:rPr>
-              <a:t>  a[</a:t>
-            </a:r>
-            <a:r>
-              <a:rPr lang="en-US" dirty="0" err="1" smtClean="0">
-                <a:latin typeface="Courier New"/>
-                <a:cs typeface="Courier New"/>
-              </a:rPr>
-              <a:t>i</a:t>
-            </a:r>
-            <a:r>
-              <a:rPr lang="en-US" dirty="0" smtClean="0">
-                <a:latin typeface="Courier New"/>
-                <a:cs typeface="Courier New"/>
-              </a:rPr>
-              <a:t>] = a[</a:t>
-            </a:r>
-            <a:r>
-              <a:rPr lang="en-US" dirty="0" err="1" smtClean="0">
-                <a:latin typeface="Courier New"/>
-                <a:cs typeface="Courier New"/>
-              </a:rPr>
-              <a:t>i</a:t>
-            </a:r>
-            <a:r>
-              <a:rPr lang="en-US" dirty="0" smtClean="0">
-                <a:latin typeface="Courier New"/>
-                <a:cs typeface="Courier New"/>
-              </a:rPr>
-              <a:t>] + 1;</a:t>
-            </a:r>
-          </a:p>
-          <a:p>
-            <a:r>
-              <a:rPr lang="en-US" dirty="0">
-                <a:latin typeface="Courier New"/>
-                <a:cs typeface="Courier New"/>
-              </a:rPr>
-              <a:t>}</a:t>
-            </a:r>
-          </a:p>
-        </p:txBody>
-      </p:sp>
-      <p:sp>
-        <p:nvSpPr>
-          <p:cNvPr id="7" name="TextBox 6"/>
+              <a:rPr lang="en-US" dirty="0" smtClean="0"/>
+              <a:t>No data dependency, code can be excluded from runtime analysis</a:t>
+            </a:r>
+            <a:endParaRPr lang="en-US" dirty="0"/>
+          </a:p>
+        </p:txBody>
+      </p:sp>
+      <p:sp>
+        <p:nvSpPr>
+          <p:cNvPr id="12" name="TextBox 11"/>
           <p:cNvSpPr txBox="1"/>
           <p:nvPr/>
         </p:nvSpPr>
         <p:spPr>
           <a:xfrm>
-            <a:off x="4792528" y="3938981"/>
-            <a:ext cx="4063282" cy="1200329"/>
+            <a:off x="5201980" y="5070897"/>
+            <a:ext cx="3484820" cy="923330"/>
           </a:xfrm>
           <a:prstGeom prst="rect">
             <a:avLst/>
@@ -5285,154 +5843,16 @@
           <a:noFill/>
         </p:spPr>
         <p:txBody>
-          <a:bodyPr wrap="none" rtlCol="0">
+          <a:bodyPr wrap="square" rtlCol="0">
             <a:spAutoFit/>
           </a:bodyPr>
           <a:lstStyle/>
           <a:p>
             <a:r>
-              <a:rPr lang="en-US" dirty="0" smtClean="0">
-                <a:latin typeface="Courier New"/>
-                <a:cs typeface="Courier New"/>
-              </a:rPr>
-              <a:t>#pragma </a:t>
-            </a:r>
-            <a:r>
-              <a:rPr lang="en-US" dirty="0" err="1" smtClean="0">
-                <a:latin typeface="Courier New"/>
-                <a:cs typeface="Courier New"/>
-              </a:rPr>
-              <a:t>omp</a:t>
-            </a:r>
-            <a:r>
-              <a:rPr lang="en-US" dirty="0" smtClean="0">
-                <a:latin typeface="Courier New"/>
-                <a:cs typeface="Courier New"/>
-              </a:rPr>
-              <a:t> parallel for</a:t>
-            </a:r>
-          </a:p>
-          <a:p>
-            <a:r>
-              <a:rPr lang="en-US" dirty="0" smtClean="0">
-                <a:latin typeface="Courier New"/>
-                <a:cs typeface="Courier New"/>
-              </a:rPr>
-              <a:t>for(</a:t>
-            </a:r>
-            <a:r>
-              <a:rPr lang="en-US" dirty="0" err="1" smtClean="0">
-                <a:latin typeface="Courier New"/>
-                <a:cs typeface="Courier New"/>
-              </a:rPr>
-              <a:t>int</a:t>
-            </a:r>
-            <a:r>
-              <a:rPr lang="en-US" dirty="0" smtClean="0">
-                <a:latin typeface="Courier New"/>
-                <a:cs typeface="Courier New"/>
-              </a:rPr>
-              <a:t> </a:t>
-            </a:r>
-            <a:r>
-              <a:rPr lang="en-US" dirty="0" err="1" smtClean="0">
-                <a:latin typeface="Courier New"/>
-                <a:cs typeface="Courier New"/>
-              </a:rPr>
-              <a:t>i</a:t>
-            </a:r>
-            <a:r>
-              <a:rPr lang="en-US" dirty="0" smtClean="0">
-                <a:latin typeface="Courier New"/>
-                <a:cs typeface="Courier New"/>
-              </a:rPr>
-              <a:t> = 0; </a:t>
-            </a:r>
-            <a:r>
-              <a:rPr lang="en-US" dirty="0" err="1" smtClean="0">
-                <a:latin typeface="Courier New"/>
-                <a:cs typeface="Courier New"/>
-              </a:rPr>
-              <a:t>i</a:t>
-            </a:r>
-            <a:r>
-              <a:rPr lang="en-US" dirty="0" smtClean="0">
-                <a:latin typeface="Courier New"/>
-                <a:cs typeface="Courier New"/>
-              </a:rPr>
-              <a:t> &lt; N; </a:t>
-            </a:r>
-            <a:r>
-              <a:rPr lang="en-US" dirty="0" err="1" smtClean="0">
-                <a:latin typeface="Courier New"/>
-                <a:cs typeface="Courier New"/>
-              </a:rPr>
-              <a:t>i</a:t>
-            </a:r>
-            <a:r>
-              <a:rPr lang="en-US" dirty="0" smtClean="0">
-                <a:latin typeface="Courier New"/>
-                <a:cs typeface="Courier New"/>
-              </a:rPr>
-              <a:t>++) {</a:t>
-            </a:r>
-          </a:p>
-          <a:p>
-            <a:r>
-              <a:rPr lang="en-US" dirty="0">
-                <a:latin typeface="Courier New"/>
-                <a:cs typeface="Courier New"/>
-              </a:rPr>
-              <a:t> </a:t>
-            </a:r>
-            <a:r>
-              <a:rPr lang="en-US" dirty="0" smtClean="0">
-                <a:latin typeface="Courier New"/>
-                <a:cs typeface="Courier New"/>
-              </a:rPr>
-              <a:t>  a[</a:t>
-            </a:r>
-            <a:r>
-              <a:rPr lang="en-US" dirty="0" err="1" smtClean="0">
-                <a:latin typeface="Courier New"/>
-                <a:cs typeface="Courier New"/>
-              </a:rPr>
-              <a:t>i</a:t>
-            </a:r>
-            <a:r>
-              <a:rPr lang="en-US" dirty="0" smtClean="0">
-                <a:latin typeface="Courier New"/>
-                <a:cs typeface="Courier New"/>
-              </a:rPr>
-              <a:t>] = a[</a:t>
-            </a:r>
-            <a:r>
-              <a:rPr lang="en-US" dirty="0" err="1" smtClean="0">
-                <a:latin typeface="Courier New"/>
-                <a:cs typeface="Courier New"/>
-              </a:rPr>
-              <a:t>i</a:t>
-            </a:r>
-            <a:r>
-              <a:rPr lang="en-US" smtClean="0">
-                <a:latin typeface="Courier New"/>
-                <a:cs typeface="Courier New"/>
-              </a:rPr>
-              <a:t> - 1];</a:t>
-            </a:r>
-            <a:endParaRPr lang="en-US" dirty="0" smtClean="0">
-              <a:latin typeface="Courier New"/>
-              <a:cs typeface="Courier New"/>
-            </a:endParaRPr>
-          </a:p>
-          <a:p>
-            <a:r>
-              <a:rPr lang="en-US" dirty="0">
-                <a:latin typeface="Courier New"/>
-                <a:cs typeface="Courier New"/>
-              </a:rPr>
-              <a:t>}</a:t>
-            </a:r>
+              <a:rPr lang="en-US" dirty="0" smtClean="0"/>
+              <a:t>Data dependency on array access, potentially race therefore checked at runtime</a:t>
+            </a:r>
+            <a:endParaRPr lang="en-US" dirty="0"/>
           </a:p>
         </p:txBody>
       </p:sp>
@@ -5440,6 +5860,200 @@
     <p:extLst>
       <p:ext uri="{BB962C8B-B14F-4D97-AF65-F5344CB8AC3E}">
         <p14:creationId xmlns:p14="http://schemas.microsoft.com/office/powerpoint/2010/main" val="1249774231"/>
+      </p:ext>
+    </p:extLst>
+  </p:cSld>
+  <p:clrMapOvr>
+    <a:masterClrMapping/>
+  </p:clrMapOvr>
+  <p:timing>
+    <p:tnLst>
+      <p:par>
+        <p:cTn xmlns:p14="http://schemas.microsoft.com/office/powerpoint/2010/main" id="1" dur="indefinite" restart="never" nodeType="tmRoot"/>
+      </p:par>
+    </p:tnLst>
+  </p:timing>
+</p:sld>
+</file>
+
+<file path=ppt/slides/slide8.xml><?xml version="1.0" encoding="utf-8"?>
+<p:sld xmlns:a="http://schemas.openxmlformats.org/drawingml/2006/main" xmlns:r="http://schemas.openxmlformats.org/officeDocument/2006/relationships" xmlns:p="http://schemas.openxmlformats.org/presentationml/2006/main">
+  <p:cSld>
+    <p:spTree>
+      <p:nvGrpSpPr>
+        <p:cNvPr id="1" name=""/>
+        <p:cNvGrpSpPr/>
+        <p:nvPr/>
+      </p:nvGrpSpPr>
+      <p:grpSpPr>
+        <a:xfrm>
+          <a:off x="0" y="0"/>
+          <a:ext cx="0" cy="0"/>
+          <a:chOff x="0" y="0"/>
+          <a:chExt cx="0" cy="0"/>
+        </a:xfrm>
+      </p:grpSpPr>
+      <p:sp>
+        <p:nvSpPr>
+          <p:cNvPr id="2" name="Title 1"/>
+          <p:cNvSpPr>
+            <a:spLocks noGrp="1"/>
+          </p:cNvSpPr>
+          <p:nvPr>
+            <p:ph type="title"/>
+          </p:nvPr>
+        </p:nvSpPr>
+        <p:spPr/>
+        <p:txBody>
+          <a:bodyPr>
+            <a:normAutofit fontScale="90000"/>
+          </a:bodyPr>
+          <a:lstStyle/>
+          <a:p>
+            <a:pPr algn="l"/>
+            <a:r>
+              <a:rPr lang="en-US" dirty="0" smtClean="0"/>
+              <a:t>Archer v1</a:t>
+            </a:r>
+            <a:br>
+              <a:rPr lang="en-US" dirty="0" smtClean="0"/>
+            </a:br>
+            <a:r>
+              <a:rPr lang="en-US" sz="2700" dirty="0" smtClean="0"/>
+              <a:t>Combining Static and Dynamic Analysis</a:t>
+            </a:r>
+            <a:endParaRPr lang="en-US" sz="2700" dirty="0"/>
+          </a:p>
+        </p:txBody>
+      </p:sp>
+      <p:pic>
+        <p:nvPicPr>
+          <p:cNvPr id="17" name="Picture 16" descr="archerdiagram.pdf"/>
+          <p:cNvPicPr>
+            <a:picLocks noChangeAspect="1"/>
+          </p:cNvPicPr>
+          <p:nvPr/>
+        </p:nvPicPr>
+        <p:blipFill>
+          <a:blip r:embed="rId3">
+            <a:extLst>
+              <a:ext uri="{28A0092B-C50C-407E-A947-70E740481C1C}">
+                <a14:useLocalDpi xmlns:a14="http://schemas.microsoft.com/office/drawing/2010/main" val="0"/>
+              </a:ext>
+            </a:extLst>
+          </a:blip>
+          <a:stretch>
+            <a:fillRect/>
+          </a:stretch>
+        </p:blipFill>
+        <p:spPr>
+          <a:xfrm>
+            <a:off x="457200" y="1611310"/>
+            <a:ext cx="8229600" cy="2307885"/>
+          </a:xfrm>
+          <a:prstGeom prst="rect">
+            <a:avLst/>
+          </a:prstGeom>
+        </p:spPr>
+      </p:pic>
+      <p:sp>
+        <p:nvSpPr>
+          <p:cNvPr id="19" name="Content Placeholder 15"/>
+          <p:cNvSpPr>
+            <a:spLocks noGrp="1"/>
+          </p:cNvSpPr>
+          <p:nvPr>
+            <p:ph idx="1"/>
+          </p:nvPr>
+        </p:nvSpPr>
+        <p:spPr>
+          <a:xfrm>
+            <a:off x="457200" y="3919195"/>
+            <a:ext cx="8229600" cy="2579102"/>
+          </a:xfrm>
+        </p:spPr>
+        <p:txBody>
+          <a:bodyPr>
+            <a:noAutofit/>
+          </a:bodyPr>
+          <a:lstStyle/>
+          <a:p>
+            <a:r>
+              <a:rPr lang="en-US" sz="2400" dirty="0" smtClean="0">
+                <a:effectLst/>
+              </a:rPr>
+              <a:t>LLVM/Clang based tool</a:t>
+            </a:r>
+          </a:p>
+          <a:p>
+            <a:r>
+              <a:rPr lang="en-US" sz="2400" dirty="0" err="1" smtClean="0"/>
+              <a:t>TSan</a:t>
+            </a:r>
+            <a:r>
+              <a:rPr lang="en-US" sz="2400" dirty="0" smtClean="0"/>
+              <a:t> data race runtime analysis</a:t>
+            </a:r>
+          </a:p>
+          <a:p>
+            <a:r>
+              <a:rPr lang="en-US" sz="2400" dirty="0" smtClean="0"/>
+              <a:t>Instrumented OpenMP runtime</a:t>
+            </a:r>
+          </a:p>
+          <a:p>
+            <a:pPr lvl="1"/>
+            <a:r>
+              <a:rPr lang="en-US" sz="2000" dirty="0" smtClean="0">
+                <a:effectLst/>
+              </a:rPr>
+              <a:t>Annotations mechanism to communicate </a:t>
+            </a:r>
+            <a:r>
+              <a:rPr lang="en-US" sz="2000" dirty="0" err="1" smtClean="0">
+                <a:effectLst/>
+              </a:rPr>
+              <a:t>TSan</a:t>
+            </a:r>
+            <a:r>
+              <a:rPr lang="en-US" sz="2000" dirty="0" smtClean="0">
+                <a:effectLst/>
+              </a:rPr>
+              <a:t> runtime about happens-before relations between threads</a:t>
+            </a:r>
+          </a:p>
+          <a:p>
+            <a:pPr lvl="1"/>
+            <a:r>
+              <a:rPr lang="en-US" sz="2000" dirty="0" smtClean="0"/>
+              <a:t>Unknown synchronization mechanism (i.e. barriers, </a:t>
+            </a:r>
+            <a:r>
+              <a:rPr lang="en-US" sz="2000" dirty="0" err="1" smtClean="0"/>
+              <a:t>criticals</a:t>
+            </a:r>
+            <a:r>
+              <a:rPr lang="en-US" sz="2000" dirty="0" smtClean="0"/>
+              <a:t>, etc</a:t>
+            </a:r>
+            <a:r>
+              <a:rPr lang="en-US" sz="2000" dirty="0"/>
+              <a:t>.</a:t>
+            </a:r>
+            <a:r>
+              <a:rPr lang="en-US" sz="2000" dirty="0" smtClean="0"/>
+              <a:t>)</a:t>
+            </a:r>
+            <a:endParaRPr lang="en-US" sz="2000" dirty="0">
+              <a:effectLst/>
+            </a:endParaRPr>
+          </a:p>
+        </p:txBody>
+      </p:sp>
+    </p:spTree>
+    <p:extLst>
+      <p:ext uri="{BB962C8B-B14F-4D97-AF65-F5344CB8AC3E}">
+        <p14:creationId xmlns:p14="http://schemas.microsoft.com/office/powerpoint/2010/main" val="3598220810"/>
       </p:ext>
     </p:extLst>
   </p:cSld>

--- a/presentation/presentation.pptx
+++ b/presentation/presentation.pptx
@@ -5100,7 +5100,7 @@
         </p:blipFill>
         <p:spPr>
           <a:xfrm>
-            <a:off x="457200" y="4280531"/>
+            <a:off x="457200" y="4145431"/>
             <a:ext cx="8229600" cy="2233225"/>
           </a:xfrm>
           <a:prstGeom prst="rect">

--- a/presentation/presentation.pptx
+++ b/presentation/presentation.pptx
@@ -5,20 +5,28 @@
     <p:sldMasterId id="2147483648" r:id="rId1"/>
   </p:sldMasterIdLst>
   <p:notesMasterIdLst>
-    <p:notesMasterId r:id="rId10"/>
+    <p:notesMasterId r:id="rId18"/>
   </p:notesMasterIdLst>
   <p:handoutMasterIdLst>
-    <p:handoutMasterId r:id="rId11"/>
+    <p:handoutMasterId r:id="rId19"/>
   </p:handoutMasterIdLst>
   <p:sldIdLst>
     <p:sldId id="256" r:id="rId2"/>
-    <p:sldId id="258" r:id="rId3"/>
-    <p:sldId id="257" r:id="rId4"/>
-    <p:sldId id="259" r:id="rId5"/>
-    <p:sldId id="261" r:id="rId6"/>
-    <p:sldId id="260" r:id="rId7"/>
-    <p:sldId id="262" r:id="rId8"/>
-    <p:sldId id="263" r:id="rId9"/>
+    <p:sldId id="270" r:id="rId3"/>
+    <p:sldId id="271" r:id="rId4"/>
+    <p:sldId id="257" r:id="rId5"/>
+    <p:sldId id="259" r:id="rId6"/>
+    <p:sldId id="264" r:id="rId7"/>
+    <p:sldId id="265" r:id="rId8"/>
+    <p:sldId id="266" r:id="rId9"/>
+    <p:sldId id="267" r:id="rId10"/>
+    <p:sldId id="272" r:id="rId11"/>
+    <p:sldId id="261" r:id="rId12"/>
+    <p:sldId id="260" r:id="rId13"/>
+    <p:sldId id="262" r:id="rId14"/>
+    <p:sldId id="263" r:id="rId15"/>
+    <p:sldId id="268" r:id="rId16"/>
+    <p:sldId id="269" r:id="rId17"/>
   </p:sldIdLst>
   <p:sldSz cx="9144000" cy="6858000" type="screen4x3"/>
   <p:notesSz cx="6858000" cy="9144000"/>
@@ -202,7 +210,7 @@
           <a:p>
             <a:fld id="{79A57324-CFFD-9E40-8C3B-390D028943AC}" type="datetimeFigureOut">
               <a:rPr lang="en-US" smtClean="0"/>
-              <a:t>4/26/16</a:t>
+              <a:t>4/27/16</a:t>
             </a:fld>
             <a:endParaRPr lang="en-US"/>
           </a:p>
@@ -368,7 +376,7 @@
           <a:p>
             <a:fld id="{C2E09A59-6BEC-5447-ACE7-43110F78B9D5}" type="datetimeFigureOut">
               <a:rPr lang="en-US" smtClean="0"/>
-              <a:t>4/26/16</a:t>
+              <a:t>4/27/16</a:t>
             </a:fld>
             <a:endParaRPr lang="en-US"/>
           </a:p>
@@ -786,7 +794,7 @@
           <a:p>
             <a:fld id="{A1129A4B-D84D-454A-A538-E27153618149}" type="slidenum">
               <a:rPr lang="en-US" smtClean="0"/>
-              <a:t>7</a:t>
+              <a:t>11</a:t>
             </a:fld>
             <a:endParaRPr lang="en-US"/>
           </a:p>
@@ -795,7 +803,7 @@
     </p:spTree>
     <p:extLst>
       <p:ext uri="{BB962C8B-B14F-4D97-AF65-F5344CB8AC3E}">
-        <p14:creationId xmlns:p14="http://schemas.microsoft.com/office/powerpoint/2010/main" val="2140486430"/>
+        <p14:creationId xmlns:p14="http://schemas.microsoft.com/office/powerpoint/2010/main" val="2269412645"/>
       </p:ext>
     </p:extLst>
   </p:cSld>
@@ -870,7 +878,91 @@
           <a:p>
             <a:fld id="{A1129A4B-D84D-454A-A538-E27153618149}" type="slidenum">
               <a:rPr lang="en-US" smtClean="0"/>
-              <a:t>8</a:t>
+              <a:t>13</a:t>
+            </a:fld>
+            <a:endParaRPr lang="en-US"/>
+          </a:p>
+        </p:txBody>
+      </p:sp>
+    </p:spTree>
+    <p:extLst>
+      <p:ext uri="{BB962C8B-B14F-4D97-AF65-F5344CB8AC3E}">
+        <p14:creationId xmlns:p14="http://schemas.microsoft.com/office/powerpoint/2010/main" val="2140486430"/>
+      </p:ext>
+    </p:extLst>
+  </p:cSld>
+  <p:clrMapOvr>
+    <a:masterClrMapping/>
+  </p:clrMapOvr>
+</p:notes>
+</file>
+
+<file path=ppt/notesSlides/notesSlide4.xml><?xml version="1.0" encoding="utf-8"?>
+<p:notes xmlns:a="http://schemas.openxmlformats.org/drawingml/2006/main" xmlns:r="http://schemas.openxmlformats.org/officeDocument/2006/relationships" xmlns:p="http://schemas.openxmlformats.org/presentationml/2006/main">
+  <p:cSld>
+    <p:spTree>
+      <p:nvGrpSpPr>
+        <p:cNvPr id="1" name=""/>
+        <p:cNvGrpSpPr/>
+        <p:nvPr/>
+      </p:nvGrpSpPr>
+      <p:grpSpPr>
+        <a:xfrm>
+          <a:off x="0" y="0"/>
+          <a:ext cx="0" cy="0"/>
+          <a:chOff x="0" y="0"/>
+          <a:chExt cx="0" cy="0"/>
+        </a:xfrm>
+      </p:grpSpPr>
+      <p:sp>
+        <p:nvSpPr>
+          <p:cNvPr id="2" name="Slide Image Placeholder 1"/>
+          <p:cNvSpPr>
+            <a:spLocks noGrp="1" noRot="1" noChangeAspect="1"/>
+          </p:cNvSpPr>
+          <p:nvPr>
+            <p:ph type="sldImg"/>
+          </p:nvPr>
+        </p:nvSpPr>
+        <p:spPr/>
+      </p:sp>
+      <p:sp>
+        <p:nvSpPr>
+          <p:cNvPr id="3" name="Notes Placeholder 2"/>
+          <p:cNvSpPr>
+            <a:spLocks noGrp="1"/>
+          </p:cNvSpPr>
+          <p:nvPr>
+            <p:ph type="body" idx="1"/>
+          </p:nvPr>
+        </p:nvSpPr>
+        <p:spPr/>
+        <p:txBody>
+          <a:bodyPr/>
+          <a:lstStyle/>
+          <a:p>
+            <a:endParaRPr lang="en-US" dirty="0"/>
+          </a:p>
+        </p:txBody>
+      </p:sp>
+      <p:sp>
+        <p:nvSpPr>
+          <p:cNvPr id="4" name="Slide Number Placeholder 3"/>
+          <p:cNvSpPr>
+            <a:spLocks noGrp="1"/>
+          </p:cNvSpPr>
+          <p:nvPr>
+            <p:ph type="sldNum" sz="quarter" idx="10"/>
+          </p:nvPr>
+        </p:nvSpPr>
+        <p:spPr/>
+        <p:txBody>
+          <a:bodyPr/>
+          <a:lstStyle/>
+          <a:p>
+            <a:fld id="{A1129A4B-D84D-454A-A538-E27153618149}" type="slidenum">
+              <a:rPr lang="en-US" smtClean="0"/>
+              <a:t>14</a:t>
             </a:fld>
             <a:endParaRPr lang="en-US"/>
           </a:p>
@@ -1070,7 +1162,7 @@
           <a:p>
             <a:fld id="{FB501018-9FF2-9148-B5C3-B3E8A6997B04}" type="datetime1">
               <a:rPr lang="en-US" smtClean="0"/>
-              <a:t>4/26/16</a:t>
+              <a:t>4/27/16</a:t>
             </a:fld>
             <a:endParaRPr lang="en-US"/>
           </a:p>
@@ -1240,7 +1332,7 @@
           <a:p>
             <a:fld id="{3395D596-0EE7-CB48-91ED-137BFC3C3D0A}" type="datetime1">
               <a:rPr lang="en-US" smtClean="0"/>
-              <a:t>4/26/16</a:t>
+              <a:t>4/27/16</a:t>
             </a:fld>
             <a:endParaRPr lang="en-US"/>
           </a:p>
@@ -1420,7 +1512,7 @@
           <a:p>
             <a:fld id="{2AAD91EA-B91A-974B-B02E-11C6BFE223F1}" type="datetime1">
               <a:rPr lang="en-US" smtClean="0"/>
-              <a:t>4/26/16</a:t>
+              <a:t>4/27/16</a:t>
             </a:fld>
             <a:endParaRPr lang="en-US"/>
           </a:p>
@@ -1590,7 +1682,7 @@
           <a:p>
             <a:fld id="{A28FA02A-4C34-4740-A780-9C675F330F99}" type="datetime1">
               <a:rPr lang="en-US" smtClean="0"/>
-              <a:t>4/26/16</a:t>
+              <a:t>4/27/16</a:t>
             </a:fld>
             <a:endParaRPr lang="en-US"/>
           </a:p>
@@ -1836,7 +1928,7 @@
           <a:p>
             <a:fld id="{EFE54A8F-22C6-A846-AB94-796985C14CD6}" type="datetime1">
               <a:rPr lang="en-US" smtClean="0"/>
-              <a:t>4/26/16</a:t>
+              <a:t>4/27/16</a:t>
             </a:fld>
             <a:endParaRPr lang="en-US"/>
           </a:p>
@@ -2124,7 +2216,7 @@
           <a:p>
             <a:fld id="{B8996FFA-2B03-3641-9B11-A475983ABC6E}" type="datetime1">
               <a:rPr lang="en-US" smtClean="0"/>
-              <a:t>4/26/16</a:t>
+              <a:t>4/27/16</a:t>
             </a:fld>
             <a:endParaRPr lang="en-US"/>
           </a:p>
@@ -2546,7 +2638,7 @@
           <a:p>
             <a:fld id="{14E9E958-28EF-1C45-AC65-BCA15E105D6B}" type="datetime1">
               <a:rPr lang="en-US" smtClean="0"/>
-              <a:t>4/26/16</a:t>
+              <a:t>4/27/16</a:t>
             </a:fld>
             <a:endParaRPr lang="en-US"/>
           </a:p>
@@ -2664,7 +2756,7 @@
           <a:p>
             <a:fld id="{7FADFE53-BD08-B146-BE65-0F1F1A272720}" type="datetime1">
               <a:rPr lang="en-US" smtClean="0"/>
-              <a:t>4/26/16</a:t>
+              <a:t>4/27/16</a:t>
             </a:fld>
             <a:endParaRPr lang="en-US"/>
           </a:p>
@@ -2759,7 +2851,7 @@
           <a:p>
             <a:fld id="{EFF5714E-CAE9-CB4E-A8AE-5B6B95366052}" type="datetime1">
               <a:rPr lang="en-US" smtClean="0"/>
-              <a:t>4/26/16</a:t>
+              <a:t>4/27/16</a:t>
             </a:fld>
             <a:endParaRPr lang="en-US"/>
           </a:p>
@@ -3036,7 +3128,7 @@
           <a:p>
             <a:fld id="{AEAEEDD5-7292-1E45-8CDB-5927E5506F44}" type="datetime1">
               <a:rPr lang="en-US" smtClean="0"/>
-              <a:t>4/26/16</a:t>
+              <a:t>4/27/16</a:t>
             </a:fld>
             <a:endParaRPr lang="en-US"/>
           </a:p>
@@ -3289,7 +3381,7 @@
           <a:p>
             <a:fld id="{BBCC523B-1C4F-D744-9F12-C0AAD73D1AD6}" type="datetime1">
               <a:rPr lang="en-US" smtClean="0"/>
-              <a:t>4/26/16</a:t>
+              <a:t>4/27/16</a:t>
             </a:fld>
             <a:endParaRPr lang="en-US"/>
           </a:p>
@@ -3502,7 +3594,7 @@
           <a:p>
             <a:fld id="{F8A7624F-586D-C642-A187-F76EDE341DEF}" type="datetime1">
               <a:rPr lang="en-US" smtClean="0"/>
-              <a:t>4/26/16</a:t>
+              <a:t>4/27/16</a:t>
             </a:fld>
             <a:endParaRPr lang="en-US"/>
           </a:p>
@@ -4165,10 +4257,6 @@
               </a:rPr>
               <a:t>May 5, 2016</a:t>
             </a:r>
-            <a:endParaRPr lang="en-US" sz="2400" dirty="0">
-              <a:latin typeface="Calibri"/>
-              <a:cs typeface="Calibri"/>
-            </a:endParaRPr>
           </a:p>
         </p:txBody>
       </p:sp>
@@ -4176,6 +4264,1664 @@
     <p:extLst>
       <p:ext uri="{BB962C8B-B14F-4D97-AF65-F5344CB8AC3E}">
         <p14:creationId xmlns:p14="http://schemas.microsoft.com/office/powerpoint/2010/main" val="3062983809"/>
+      </p:ext>
+    </p:extLst>
+  </p:cSld>
+  <p:clrMapOvr>
+    <a:masterClrMapping/>
+  </p:clrMapOvr>
+  <p:timing>
+    <p:tnLst>
+      <p:par>
+        <p:cTn xmlns:p14="http://schemas.microsoft.com/office/powerpoint/2010/main" id="1" dur="indefinite" restart="never" nodeType="tmRoot"/>
+      </p:par>
+    </p:tnLst>
+  </p:timing>
+</p:sld>
+</file>
+
+<file path=ppt/slides/slide10.xml><?xml version="1.0" encoding="utf-8"?>
+<p:sld xmlns:a="http://schemas.openxmlformats.org/drawingml/2006/main" xmlns:r="http://schemas.openxmlformats.org/officeDocument/2006/relationships" xmlns:p="http://schemas.openxmlformats.org/presentationml/2006/main">
+  <p:cSld>
+    <p:spTree>
+      <p:nvGrpSpPr>
+        <p:cNvPr id="1" name=""/>
+        <p:cNvGrpSpPr/>
+        <p:nvPr/>
+      </p:nvGrpSpPr>
+      <p:grpSpPr>
+        <a:xfrm>
+          <a:off x="0" y="0"/>
+          <a:ext cx="0" cy="0"/>
+          <a:chOff x="0" y="0"/>
+          <a:chExt cx="0" cy="0"/>
+        </a:xfrm>
+      </p:grpSpPr>
+      <p:sp>
+        <p:nvSpPr>
+          <p:cNvPr id="2" name="Title 1"/>
+          <p:cNvSpPr>
+            <a:spLocks noGrp="1"/>
+          </p:cNvSpPr>
+          <p:nvPr>
+            <p:ph type="title"/>
+          </p:nvPr>
+        </p:nvSpPr>
+        <p:spPr/>
+        <p:txBody>
+          <a:bodyPr>
+            <a:normAutofit fontScale="90000"/>
+          </a:bodyPr>
+          <a:lstStyle/>
+          <a:p>
+            <a:pPr algn="l"/>
+            <a:r>
+              <a:rPr lang="en-US" sz="4900" dirty="0" smtClean="0"/>
+              <a:t>Overall Research Plan</a:t>
+            </a:r>
+            <a:r>
+              <a:rPr lang="en-US" dirty="0" smtClean="0"/>
+              <a:t/>
+            </a:r>
+            <a:br>
+              <a:rPr lang="en-US" dirty="0" smtClean="0"/>
+            </a:br>
+            <a:r>
+              <a:rPr lang="en-US" sz="2800" dirty="0" smtClean="0"/>
+              <a:t>Low overhead data race detection for OpenMP</a:t>
+            </a:r>
+            <a:endParaRPr lang="en-US" sz="2700" dirty="0"/>
+          </a:p>
+        </p:txBody>
+      </p:sp>
+      <p:sp>
+        <p:nvSpPr>
+          <p:cNvPr id="5" name="Content Placeholder 4"/>
+          <p:cNvSpPr>
+            <a:spLocks noGrp="1"/>
+          </p:cNvSpPr>
+          <p:nvPr>
+            <p:ph idx="1"/>
+          </p:nvPr>
+        </p:nvSpPr>
+        <p:spPr/>
+        <p:txBody>
+          <a:bodyPr/>
+          <a:lstStyle/>
+          <a:p>
+            <a:endParaRPr lang="en-US"/>
+          </a:p>
+        </p:txBody>
+      </p:sp>
+    </p:spTree>
+    <p:extLst>
+      <p:ext uri="{BB962C8B-B14F-4D97-AF65-F5344CB8AC3E}">
+        <p14:creationId xmlns:p14="http://schemas.microsoft.com/office/powerpoint/2010/main" val="285783419"/>
+      </p:ext>
+    </p:extLst>
+  </p:cSld>
+  <p:clrMapOvr>
+    <a:masterClrMapping/>
+  </p:clrMapOvr>
+  <p:timing>
+    <p:tnLst>
+      <p:par>
+        <p:cTn xmlns:p14="http://schemas.microsoft.com/office/powerpoint/2010/main" id="1" dur="indefinite" restart="never" nodeType="tmRoot"/>
+      </p:par>
+    </p:tnLst>
+  </p:timing>
+</p:sld>
+</file>
+
+<file path=ppt/slides/slide11.xml><?xml version="1.0" encoding="utf-8"?>
+<p:sld xmlns:a="http://schemas.openxmlformats.org/drawingml/2006/main" xmlns:r="http://schemas.openxmlformats.org/officeDocument/2006/relationships" xmlns:p="http://schemas.openxmlformats.org/presentationml/2006/main">
+  <p:cSld>
+    <p:spTree>
+      <p:nvGrpSpPr>
+        <p:cNvPr id="1" name=""/>
+        <p:cNvGrpSpPr/>
+        <p:nvPr/>
+      </p:nvGrpSpPr>
+      <p:grpSpPr>
+        <a:xfrm>
+          <a:off x="0" y="0"/>
+          <a:ext cx="0" cy="0"/>
+          <a:chOff x="0" y="0"/>
+          <a:chExt cx="0" cy="0"/>
+        </a:xfrm>
+      </p:grpSpPr>
+      <p:pic>
+        <p:nvPicPr>
+          <p:cNvPr id="5" name="Picture 4"/>
+          <p:cNvPicPr>
+            <a:picLocks noChangeAspect="1"/>
+          </p:cNvPicPr>
+          <p:nvPr/>
+        </p:nvPicPr>
+        <p:blipFill>
+          <a:blip r:embed="rId3">
+            <a:extLst>
+              <a:ext uri="{28A0092B-C50C-407E-A947-70E740481C1C}">
+                <a14:useLocalDpi xmlns:a14="http://schemas.microsoft.com/office/drawing/2010/main" val="0"/>
+              </a:ext>
+            </a:extLst>
+          </a:blip>
+          <a:stretch>
+            <a:fillRect/>
+          </a:stretch>
+        </p:blipFill>
+        <p:spPr>
+          <a:xfrm>
+            <a:off x="1735134" y="3931402"/>
+            <a:ext cx="5666554" cy="2645905"/>
+          </a:xfrm>
+          <a:prstGeom prst="rect">
+            <a:avLst/>
+          </a:prstGeom>
+        </p:spPr>
+      </p:pic>
+      <p:sp>
+        <p:nvSpPr>
+          <p:cNvPr id="2" name="Title 1"/>
+          <p:cNvSpPr>
+            <a:spLocks noGrp="1"/>
+          </p:cNvSpPr>
+          <p:nvPr>
+            <p:ph type="title"/>
+          </p:nvPr>
+        </p:nvSpPr>
+        <p:spPr/>
+        <p:txBody>
+          <a:bodyPr>
+            <a:normAutofit fontScale="90000"/>
+          </a:bodyPr>
+          <a:lstStyle/>
+          <a:p>
+            <a:pPr algn="l"/>
+            <a:r>
+              <a:rPr lang="en-US" dirty="0" smtClean="0"/>
+              <a:t>Static Analysis</a:t>
+            </a:r>
+            <a:br>
+              <a:rPr lang="en-US" dirty="0" smtClean="0"/>
+            </a:br>
+            <a:r>
+              <a:rPr lang="en-US" sz="2700" dirty="0" smtClean="0"/>
+              <a:t>Blacklisting Sequential Code</a:t>
+            </a:r>
+            <a:endParaRPr lang="en-US" sz="2700" dirty="0"/>
+          </a:p>
+        </p:txBody>
+      </p:sp>
+      <p:sp>
+        <p:nvSpPr>
+          <p:cNvPr id="11" name="Content Placeholder 15"/>
+          <p:cNvSpPr>
+            <a:spLocks noGrp="1"/>
+          </p:cNvSpPr>
+          <p:nvPr>
+            <p:ph idx="1"/>
+          </p:nvPr>
+        </p:nvSpPr>
+        <p:spPr>
+          <a:xfrm>
+            <a:off x="457200" y="1608151"/>
+            <a:ext cx="8229600" cy="2552921"/>
+          </a:xfrm>
+        </p:spPr>
+        <p:txBody>
+          <a:bodyPr>
+            <a:noAutofit/>
+          </a:bodyPr>
+          <a:lstStyle/>
+          <a:p>
+            <a:r>
+              <a:rPr lang="en-US" sz="2800" dirty="0" err="1" smtClean="0"/>
+              <a:t>Pthreads</a:t>
+            </a:r>
+            <a:r>
+              <a:rPr lang="en-US" sz="2800" dirty="0" smtClean="0"/>
+              <a:t> fork-join parallelism</a:t>
+            </a:r>
+          </a:p>
+          <a:p>
+            <a:pPr lvl="1"/>
+            <a:r>
+              <a:rPr lang="en-US" sz="2400" dirty="0" smtClean="0"/>
+              <a:t>Master thread keeps doing its own work while it spawns new threads</a:t>
+            </a:r>
+          </a:p>
+          <a:p>
+            <a:pPr lvl="1"/>
+            <a:r>
+              <a:rPr lang="en-US" sz="2400" dirty="0" smtClean="0"/>
+              <a:t>Hard </a:t>
+            </a:r>
+            <a:r>
+              <a:rPr lang="en-US" sz="2400" dirty="0"/>
+              <a:t>to distinguish sequential from parallel </a:t>
+            </a:r>
+            <a:r>
+              <a:rPr lang="en-US" sz="2400" dirty="0" smtClean="0"/>
+              <a:t>instructions</a:t>
+            </a:r>
+          </a:p>
+          <a:p>
+            <a:pPr lvl="2"/>
+            <a:r>
+              <a:rPr lang="en-US" sz="2000" dirty="0" smtClean="0"/>
+              <a:t>Master thread may </a:t>
+            </a:r>
+            <a:r>
+              <a:rPr lang="en-US" sz="2000" dirty="0"/>
+              <a:t>access shared </a:t>
+            </a:r>
+            <a:r>
+              <a:rPr lang="en-US" sz="2000" dirty="0" smtClean="0"/>
+              <a:t>variables between other threads</a:t>
+            </a:r>
+          </a:p>
+          <a:p>
+            <a:pPr lvl="2"/>
+            <a:r>
+              <a:rPr lang="en-US" sz="2000" dirty="0" smtClean="0"/>
+              <a:t>Some threads may join later</a:t>
+            </a:r>
+            <a:endParaRPr lang="en-US" dirty="0"/>
+          </a:p>
+        </p:txBody>
+      </p:sp>
+    </p:spTree>
+    <p:extLst>
+      <p:ext uri="{BB962C8B-B14F-4D97-AF65-F5344CB8AC3E}">
+        <p14:creationId xmlns:p14="http://schemas.microsoft.com/office/powerpoint/2010/main" val="3259647918"/>
+      </p:ext>
+    </p:extLst>
+  </p:cSld>
+  <p:clrMapOvr>
+    <a:masterClrMapping/>
+  </p:clrMapOvr>
+  <p:timing>
+    <p:tnLst>
+      <p:par>
+        <p:cTn xmlns:p14="http://schemas.microsoft.com/office/powerpoint/2010/main" id="1" dur="indefinite" restart="never" nodeType="tmRoot"/>
+      </p:par>
+    </p:tnLst>
+  </p:timing>
+</p:sld>
+</file>
+
+<file path=ppt/slides/slide12.xml><?xml version="1.0" encoding="utf-8"?>
+<p:sld xmlns:a="http://schemas.openxmlformats.org/drawingml/2006/main" xmlns:r="http://schemas.openxmlformats.org/officeDocument/2006/relationships" xmlns:p="http://schemas.openxmlformats.org/presentationml/2006/main">
+  <p:cSld>
+    <p:spTree>
+      <p:nvGrpSpPr>
+        <p:cNvPr id="1" name=""/>
+        <p:cNvGrpSpPr/>
+        <p:nvPr/>
+      </p:nvGrpSpPr>
+      <p:grpSpPr>
+        <a:xfrm>
+          <a:off x="0" y="0"/>
+          <a:ext cx="0" cy="0"/>
+          <a:chOff x="0" y="0"/>
+          <a:chExt cx="0" cy="0"/>
+        </a:xfrm>
+      </p:grpSpPr>
+      <p:sp>
+        <p:nvSpPr>
+          <p:cNvPr id="2" name="Title 1"/>
+          <p:cNvSpPr>
+            <a:spLocks noGrp="1"/>
+          </p:cNvSpPr>
+          <p:nvPr>
+            <p:ph type="title"/>
+          </p:nvPr>
+        </p:nvSpPr>
+        <p:spPr/>
+        <p:txBody>
+          <a:bodyPr>
+            <a:normAutofit fontScale="90000"/>
+          </a:bodyPr>
+          <a:lstStyle/>
+          <a:p>
+            <a:pPr algn="l"/>
+            <a:r>
+              <a:rPr lang="en-US" dirty="0" smtClean="0"/>
+              <a:t>Static Analysis</a:t>
+            </a:r>
+            <a:br>
+              <a:rPr lang="en-US" dirty="0" smtClean="0"/>
+            </a:br>
+            <a:r>
+              <a:rPr lang="en-US" sz="2700" dirty="0" smtClean="0"/>
+              <a:t>Blacklisting Sequential Code</a:t>
+            </a:r>
+            <a:endParaRPr lang="en-US" sz="2700" dirty="0"/>
+          </a:p>
+        </p:txBody>
+      </p:sp>
+      <p:sp>
+        <p:nvSpPr>
+          <p:cNvPr id="11" name="Content Placeholder 15"/>
+          <p:cNvSpPr>
+            <a:spLocks noGrp="1"/>
+          </p:cNvSpPr>
+          <p:nvPr>
+            <p:ph idx="1"/>
+          </p:nvPr>
+        </p:nvSpPr>
+        <p:spPr>
+          <a:xfrm>
+            <a:off x="457200" y="1608151"/>
+            <a:ext cx="8229600" cy="2579941"/>
+          </a:xfrm>
+        </p:spPr>
+        <p:txBody>
+          <a:bodyPr>
+            <a:noAutofit/>
+          </a:bodyPr>
+          <a:lstStyle/>
+          <a:p>
+            <a:r>
+              <a:rPr lang="en-US" sz="2800" dirty="0" err="1" smtClean="0"/>
+              <a:t>OpenMP’s</a:t>
+            </a:r>
+            <a:r>
+              <a:rPr lang="en-US" sz="2800" dirty="0" smtClean="0"/>
+              <a:t> structured fork-join parallelism</a:t>
+            </a:r>
+          </a:p>
+          <a:p>
+            <a:pPr lvl="1"/>
+            <a:r>
+              <a:rPr lang="en-US" sz="2400" dirty="0" smtClean="0">
+                <a:effectLst/>
+              </a:rPr>
+              <a:t>Guarantee finding sequential instructions</a:t>
+            </a:r>
+          </a:p>
+          <a:p>
+            <a:pPr lvl="1"/>
+            <a:r>
+              <a:rPr lang="en-US" sz="2400" dirty="0" smtClean="0">
+                <a:effectLst/>
+              </a:rPr>
+              <a:t>Every instruction outside a OpenMP construct is executed by the master thread</a:t>
+            </a:r>
+          </a:p>
+          <a:p>
+            <a:pPr lvl="1"/>
+            <a:r>
+              <a:rPr lang="en-US" sz="2400" dirty="0" smtClean="0"/>
+              <a:t>Master thread take part of the parallel team</a:t>
+            </a:r>
+            <a:endParaRPr lang="en-US" sz="2400" dirty="0">
+              <a:effectLst/>
+            </a:endParaRPr>
+          </a:p>
+        </p:txBody>
+      </p:sp>
+      <p:pic>
+        <p:nvPicPr>
+          <p:cNvPr id="5" name="Picture 4" descr="nested_parallelism.pdf"/>
+          <p:cNvPicPr>
+            <a:picLocks noChangeAspect="1"/>
+          </p:cNvPicPr>
+          <p:nvPr/>
+        </p:nvPicPr>
+        <p:blipFill>
+          <a:blip r:embed="rId2">
+            <a:extLst>
+              <a:ext uri="{28A0092B-C50C-407E-A947-70E740481C1C}">
+                <a14:useLocalDpi xmlns:a14="http://schemas.microsoft.com/office/drawing/2010/main" val="0"/>
+              </a:ext>
+            </a:extLst>
+          </a:blip>
+          <a:stretch>
+            <a:fillRect/>
+          </a:stretch>
+        </p:blipFill>
+        <p:spPr>
+          <a:xfrm>
+            <a:off x="457200" y="4145431"/>
+            <a:ext cx="8229600" cy="2233225"/>
+          </a:xfrm>
+          <a:prstGeom prst="rect">
+            <a:avLst/>
+          </a:prstGeom>
+        </p:spPr>
+      </p:pic>
+    </p:spTree>
+    <p:extLst>
+      <p:ext uri="{BB962C8B-B14F-4D97-AF65-F5344CB8AC3E}">
+        <p14:creationId xmlns:p14="http://schemas.microsoft.com/office/powerpoint/2010/main" val="3550153920"/>
+      </p:ext>
+    </p:extLst>
+  </p:cSld>
+  <p:clrMapOvr>
+    <a:masterClrMapping/>
+  </p:clrMapOvr>
+  <p:timing>
+    <p:tnLst>
+      <p:par>
+        <p:cTn xmlns:p14="http://schemas.microsoft.com/office/powerpoint/2010/main" id="1" dur="indefinite" restart="never" nodeType="tmRoot"/>
+      </p:par>
+    </p:tnLst>
+  </p:timing>
+</p:sld>
+</file>
+
+<file path=ppt/slides/slide13.xml><?xml version="1.0" encoding="utf-8"?>
+<p:sld xmlns:a="http://schemas.openxmlformats.org/drawingml/2006/main" xmlns:r="http://schemas.openxmlformats.org/officeDocument/2006/relationships" xmlns:p="http://schemas.openxmlformats.org/presentationml/2006/main">
+  <p:cSld>
+    <p:spTree>
+      <p:nvGrpSpPr>
+        <p:cNvPr id="1" name=""/>
+        <p:cNvGrpSpPr/>
+        <p:nvPr/>
+      </p:nvGrpSpPr>
+      <p:grpSpPr>
+        <a:xfrm>
+          <a:off x="0" y="0"/>
+          <a:ext cx="0" cy="0"/>
+          <a:chOff x="0" y="0"/>
+          <a:chExt cx="0" cy="0"/>
+        </a:xfrm>
+      </p:grpSpPr>
+      <p:sp>
+        <p:nvSpPr>
+          <p:cNvPr id="10" name="Rectangle 9"/>
+          <p:cNvSpPr/>
+          <p:nvPr/>
+        </p:nvSpPr>
+        <p:spPr>
+          <a:xfrm>
+            <a:off x="457200" y="3419669"/>
+            <a:ext cx="4022467" cy="1200329"/>
+          </a:xfrm>
+          <a:prstGeom prst="rect">
+            <a:avLst/>
+          </a:prstGeom>
+          <a:solidFill>
+            <a:srgbClr val="00FF00">
+              <a:alpha val="40000"/>
+            </a:srgbClr>
+          </a:solidFill>
+          <a:ln>
+            <a:noFill/>
+          </a:ln>
+          <a:effectLst/>
+        </p:spPr>
+        <p:style>
+          <a:lnRef idx="1">
+            <a:schemeClr val="accent1"/>
+          </a:lnRef>
+          <a:fillRef idx="3">
+            <a:schemeClr val="accent1"/>
+          </a:fillRef>
+          <a:effectRef idx="2">
+            <a:schemeClr val="accent1"/>
+          </a:effectRef>
+          <a:fontRef idx="minor">
+            <a:schemeClr val="lt1"/>
+          </a:fontRef>
+        </p:style>
+        <p:txBody>
+          <a:bodyPr rtlCol="0" anchor="ctr"/>
+          <a:lstStyle/>
+          <a:p>
+            <a:pPr algn="ctr"/>
+            <a:endParaRPr lang="en-US"/>
+          </a:p>
+        </p:txBody>
+      </p:sp>
+      <p:sp>
+        <p:nvSpPr>
+          <p:cNvPr id="4" name="TextBox 3"/>
+          <p:cNvSpPr txBox="1"/>
+          <p:nvPr/>
+        </p:nvSpPr>
+        <p:spPr>
+          <a:xfrm>
+            <a:off x="457200" y="3419669"/>
+            <a:ext cx="4063282" cy="1200329"/>
+          </a:xfrm>
+          <a:prstGeom prst="rect">
+            <a:avLst/>
+          </a:prstGeom>
+          <a:noFill/>
+          <a:ln>
+            <a:noFill/>
+          </a:ln>
+        </p:spPr>
+        <p:txBody>
+          <a:bodyPr wrap="none" rtlCol="0">
+            <a:spAutoFit/>
+          </a:bodyPr>
+          <a:lstStyle/>
+          <a:p>
+            <a:r>
+              <a:rPr lang="en-US" b="1" dirty="0" smtClean="0">
+                <a:solidFill>
+                  <a:srgbClr val="0000FF"/>
+                </a:solidFill>
+                <a:latin typeface="Andale Mono"/>
+                <a:cs typeface="Andale Mono"/>
+              </a:rPr>
+              <a:t>#pragma </a:t>
+            </a:r>
+            <a:r>
+              <a:rPr lang="en-US" b="1" dirty="0" err="1" smtClean="0">
+                <a:solidFill>
+                  <a:srgbClr val="0000FF"/>
+                </a:solidFill>
+                <a:latin typeface="Andale Mono"/>
+                <a:cs typeface="Andale Mono"/>
+              </a:rPr>
+              <a:t>omp</a:t>
+            </a:r>
+            <a:r>
+              <a:rPr lang="en-US" b="1" dirty="0" smtClean="0">
+                <a:solidFill>
+                  <a:srgbClr val="0000FF"/>
+                </a:solidFill>
+                <a:latin typeface="Andale Mono"/>
+                <a:cs typeface="Andale Mono"/>
+              </a:rPr>
+              <a:t> parallel for</a:t>
+            </a:r>
+          </a:p>
+          <a:p>
+            <a:r>
+              <a:rPr lang="en-US" dirty="0" smtClean="0">
+                <a:latin typeface="Andale Mono"/>
+                <a:cs typeface="Andale Mono"/>
+              </a:rPr>
+              <a:t>for(</a:t>
+            </a:r>
+            <a:r>
+              <a:rPr lang="en-US" dirty="0" err="1" smtClean="0">
+                <a:latin typeface="Andale Mono"/>
+                <a:cs typeface="Andale Mono"/>
+              </a:rPr>
+              <a:t>int</a:t>
+            </a:r>
+            <a:r>
+              <a:rPr lang="en-US" dirty="0" smtClean="0">
+                <a:latin typeface="Andale Mono"/>
+                <a:cs typeface="Andale Mono"/>
+              </a:rPr>
+              <a:t> </a:t>
+            </a:r>
+            <a:r>
+              <a:rPr lang="en-US" dirty="0" err="1" smtClean="0">
+                <a:latin typeface="Andale Mono"/>
+                <a:cs typeface="Andale Mono"/>
+              </a:rPr>
+              <a:t>i</a:t>
+            </a:r>
+            <a:r>
+              <a:rPr lang="en-US" dirty="0" smtClean="0">
+                <a:latin typeface="Andale Mono"/>
+                <a:cs typeface="Andale Mono"/>
+              </a:rPr>
+              <a:t> = 0; </a:t>
+            </a:r>
+            <a:r>
+              <a:rPr lang="en-US" dirty="0" err="1" smtClean="0">
+                <a:latin typeface="Andale Mono"/>
+                <a:cs typeface="Andale Mono"/>
+              </a:rPr>
+              <a:t>i</a:t>
+            </a:r>
+            <a:r>
+              <a:rPr lang="en-US" dirty="0" smtClean="0">
+                <a:latin typeface="Andale Mono"/>
+                <a:cs typeface="Andale Mono"/>
+              </a:rPr>
+              <a:t> &lt; N; </a:t>
+            </a:r>
+            <a:r>
+              <a:rPr lang="en-US" dirty="0" err="1" smtClean="0">
+                <a:latin typeface="Andale Mono"/>
+                <a:cs typeface="Andale Mono"/>
+              </a:rPr>
+              <a:t>i</a:t>
+            </a:r>
+            <a:r>
+              <a:rPr lang="en-US" dirty="0" smtClean="0">
+                <a:latin typeface="Andale Mono"/>
+                <a:cs typeface="Andale Mono"/>
+              </a:rPr>
+              <a:t>++) {</a:t>
+            </a:r>
+          </a:p>
+          <a:p>
+            <a:r>
+              <a:rPr lang="en-US" dirty="0">
+                <a:latin typeface="Andale Mono"/>
+                <a:cs typeface="Andale Mono"/>
+              </a:rPr>
+              <a:t> </a:t>
+            </a:r>
+            <a:r>
+              <a:rPr lang="en-US" dirty="0" smtClean="0">
+                <a:latin typeface="Andale Mono"/>
+                <a:cs typeface="Andale Mono"/>
+              </a:rPr>
+              <a:t>  a[</a:t>
+            </a:r>
+            <a:r>
+              <a:rPr lang="en-US" dirty="0" err="1" smtClean="0">
+                <a:latin typeface="Andale Mono"/>
+                <a:cs typeface="Andale Mono"/>
+              </a:rPr>
+              <a:t>i</a:t>
+            </a:r>
+            <a:r>
+              <a:rPr lang="en-US" dirty="0" smtClean="0">
+                <a:latin typeface="Andale Mono"/>
+                <a:cs typeface="Andale Mono"/>
+              </a:rPr>
+              <a:t>] = a[</a:t>
+            </a:r>
+            <a:r>
+              <a:rPr lang="en-US" dirty="0" err="1" smtClean="0">
+                <a:latin typeface="Andale Mono"/>
+                <a:cs typeface="Andale Mono"/>
+              </a:rPr>
+              <a:t>i</a:t>
+            </a:r>
+            <a:r>
+              <a:rPr lang="en-US" dirty="0" smtClean="0">
+                <a:latin typeface="Andale Mono"/>
+                <a:cs typeface="Andale Mono"/>
+              </a:rPr>
+              <a:t>] + 1;</a:t>
+            </a:r>
+          </a:p>
+          <a:p>
+            <a:r>
+              <a:rPr lang="en-US" dirty="0">
+                <a:latin typeface="Andale Mono"/>
+                <a:cs typeface="Andale Mono"/>
+              </a:rPr>
+              <a:t>}</a:t>
+            </a:r>
+          </a:p>
+        </p:txBody>
+      </p:sp>
+      <p:sp>
+        <p:nvSpPr>
+          <p:cNvPr id="13" name="Rectangle 12"/>
+          <p:cNvSpPr/>
+          <p:nvPr/>
+        </p:nvSpPr>
+        <p:spPr>
+          <a:xfrm>
+            <a:off x="457200" y="4936660"/>
+            <a:ext cx="4022467" cy="1200329"/>
+          </a:xfrm>
+          <a:prstGeom prst="rect">
+            <a:avLst/>
+          </a:prstGeom>
+          <a:solidFill>
+            <a:srgbClr val="FF0000">
+              <a:alpha val="40000"/>
+            </a:srgbClr>
+          </a:solidFill>
+          <a:ln>
+            <a:noFill/>
+          </a:ln>
+          <a:effectLst/>
+        </p:spPr>
+        <p:style>
+          <a:lnRef idx="1">
+            <a:schemeClr val="accent1"/>
+          </a:lnRef>
+          <a:fillRef idx="3">
+            <a:schemeClr val="accent1"/>
+          </a:fillRef>
+          <a:effectRef idx="2">
+            <a:schemeClr val="accent1"/>
+          </a:effectRef>
+          <a:fontRef idx="minor">
+            <a:schemeClr val="lt1"/>
+          </a:fontRef>
+        </p:style>
+        <p:txBody>
+          <a:bodyPr rtlCol="0" anchor="ctr"/>
+          <a:lstStyle/>
+          <a:p>
+            <a:pPr algn="ctr"/>
+            <a:endParaRPr lang="en-US"/>
+          </a:p>
+        </p:txBody>
+      </p:sp>
+      <p:sp>
+        <p:nvSpPr>
+          <p:cNvPr id="7" name="TextBox 6"/>
+          <p:cNvSpPr txBox="1"/>
+          <p:nvPr/>
+        </p:nvSpPr>
+        <p:spPr>
+          <a:xfrm>
+            <a:off x="457200" y="4936660"/>
+            <a:ext cx="4022467" cy="1200329"/>
+          </a:xfrm>
+          <a:prstGeom prst="rect">
+            <a:avLst/>
+          </a:prstGeom>
+          <a:noFill/>
+        </p:spPr>
+        <p:txBody>
+          <a:bodyPr wrap="square" rtlCol="0">
+            <a:spAutoFit/>
+          </a:bodyPr>
+          <a:lstStyle/>
+          <a:p>
+            <a:r>
+              <a:rPr lang="en-US" b="1" dirty="0" smtClean="0">
+                <a:solidFill>
+                  <a:srgbClr val="0000FF"/>
+                </a:solidFill>
+                <a:latin typeface="Andale Mono"/>
+                <a:cs typeface="Andale Mono"/>
+              </a:rPr>
+              <a:t>#pragma </a:t>
+            </a:r>
+            <a:r>
+              <a:rPr lang="en-US" b="1" dirty="0" err="1" smtClean="0">
+                <a:solidFill>
+                  <a:srgbClr val="0000FF"/>
+                </a:solidFill>
+                <a:latin typeface="Andale Mono"/>
+                <a:cs typeface="Andale Mono"/>
+              </a:rPr>
+              <a:t>omp</a:t>
+            </a:r>
+            <a:r>
+              <a:rPr lang="en-US" b="1" dirty="0" smtClean="0">
+                <a:solidFill>
+                  <a:srgbClr val="0000FF"/>
+                </a:solidFill>
+                <a:latin typeface="Andale Mono"/>
+                <a:cs typeface="Andale Mono"/>
+              </a:rPr>
+              <a:t> parallel for</a:t>
+            </a:r>
+          </a:p>
+          <a:p>
+            <a:r>
+              <a:rPr lang="en-US" dirty="0" smtClean="0">
+                <a:latin typeface="Andale Mono"/>
+                <a:cs typeface="Andale Mono"/>
+              </a:rPr>
+              <a:t>for(</a:t>
+            </a:r>
+            <a:r>
+              <a:rPr lang="en-US" dirty="0" err="1" smtClean="0">
+                <a:latin typeface="Andale Mono"/>
+                <a:cs typeface="Andale Mono"/>
+              </a:rPr>
+              <a:t>int</a:t>
+            </a:r>
+            <a:r>
+              <a:rPr lang="en-US" dirty="0" smtClean="0">
+                <a:latin typeface="Andale Mono"/>
+                <a:cs typeface="Andale Mono"/>
+              </a:rPr>
+              <a:t> </a:t>
+            </a:r>
+            <a:r>
+              <a:rPr lang="en-US" dirty="0" err="1" smtClean="0">
+                <a:latin typeface="Andale Mono"/>
+                <a:cs typeface="Andale Mono"/>
+              </a:rPr>
+              <a:t>i</a:t>
+            </a:r>
+            <a:r>
+              <a:rPr lang="en-US" dirty="0" smtClean="0">
+                <a:latin typeface="Andale Mono"/>
+                <a:cs typeface="Andale Mono"/>
+              </a:rPr>
+              <a:t> = 1; </a:t>
+            </a:r>
+            <a:r>
+              <a:rPr lang="en-US" dirty="0" err="1" smtClean="0">
+                <a:latin typeface="Andale Mono"/>
+                <a:cs typeface="Andale Mono"/>
+              </a:rPr>
+              <a:t>i</a:t>
+            </a:r>
+            <a:r>
+              <a:rPr lang="en-US" dirty="0" smtClean="0">
+                <a:latin typeface="Andale Mono"/>
+                <a:cs typeface="Andale Mono"/>
+              </a:rPr>
+              <a:t> &lt; N; </a:t>
+            </a:r>
+            <a:r>
+              <a:rPr lang="en-US" dirty="0" err="1" smtClean="0">
+                <a:latin typeface="Andale Mono"/>
+                <a:cs typeface="Andale Mono"/>
+              </a:rPr>
+              <a:t>i</a:t>
+            </a:r>
+            <a:r>
+              <a:rPr lang="en-US" dirty="0" smtClean="0">
+                <a:latin typeface="Andale Mono"/>
+                <a:cs typeface="Andale Mono"/>
+              </a:rPr>
+              <a:t>++) {</a:t>
+            </a:r>
+          </a:p>
+          <a:p>
+            <a:r>
+              <a:rPr lang="en-US" dirty="0">
+                <a:latin typeface="Andale Mono"/>
+                <a:cs typeface="Andale Mono"/>
+              </a:rPr>
+              <a:t> </a:t>
+            </a:r>
+            <a:r>
+              <a:rPr lang="en-US" dirty="0" smtClean="0">
+                <a:latin typeface="Andale Mono"/>
+                <a:cs typeface="Andale Mono"/>
+              </a:rPr>
+              <a:t>  a[</a:t>
+            </a:r>
+            <a:r>
+              <a:rPr lang="en-US" dirty="0" err="1" smtClean="0">
+                <a:latin typeface="Andale Mono"/>
+                <a:cs typeface="Andale Mono"/>
+              </a:rPr>
+              <a:t>i</a:t>
+            </a:r>
+            <a:r>
+              <a:rPr lang="en-US" dirty="0" smtClean="0">
+                <a:latin typeface="Andale Mono"/>
+                <a:cs typeface="Andale Mono"/>
+              </a:rPr>
+              <a:t>] = a[</a:t>
+            </a:r>
+            <a:r>
+              <a:rPr lang="en-US" dirty="0" err="1" smtClean="0">
+                <a:latin typeface="Andale Mono"/>
+                <a:cs typeface="Andale Mono"/>
+              </a:rPr>
+              <a:t>i</a:t>
+            </a:r>
+            <a:r>
+              <a:rPr lang="en-US" dirty="0" smtClean="0">
+                <a:latin typeface="Andale Mono"/>
+                <a:cs typeface="Andale Mono"/>
+              </a:rPr>
+              <a:t> - 1];</a:t>
+            </a:r>
+          </a:p>
+          <a:p>
+            <a:r>
+              <a:rPr lang="en-US" dirty="0">
+                <a:latin typeface="Andale Mono"/>
+                <a:cs typeface="Andale Mono"/>
+              </a:rPr>
+              <a:t>}</a:t>
+            </a:r>
+          </a:p>
+        </p:txBody>
+      </p:sp>
+      <p:sp>
+        <p:nvSpPr>
+          <p:cNvPr id="2" name="Title 1"/>
+          <p:cNvSpPr>
+            <a:spLocks noGrp="1"/>
+          </p:cNvSpPr>
+          <p:nvPr>
+            <p:ph type="title"/>
+          </p:nvPr>
+        </p:nvSpPr>
+        <p:spPr/>
+        <p:txBody>
+          <a:bodyPr>
+            <a:normAutofit fontScale="90000"/>
+          </a:bodyPr>
+          <a:lstStyle/>
+          <a:p>
+            <a:pPr algn="l"/>
+            <a:r>
+              <a:rPr lang="en-US" dirty="0" smtClean="0"/>
+              <a:t>Static Analysis</a:t>
+            </a:r>
+            <a:br>
+              <a:rPr lang="en-US" dirty="0" smtClean="0"/>
+            </a:br>
+            <a:r>
+              <a:rPr lang="en-US" sz="2700" dirty="0" smtClean="0"/>
+              <a:t>Data Dependency Analysis</a:t>
+            </a:r>
+            <a:endParaRPr lang="en-US" sz="2700" dirty="0"/>
+          </a:p>
+        </p:txBody>
+      </p:sp>
+      <p:sp>
+        <p:nvSpPr>
+          <p:cNvPr id="11" name="Content Placeholder 15"/>
+          <p:cNvSpPr>
+            <a:spLocks noGrp="1"/>
+          </p:cNvSpPr>
+          <p:nvPr>
+            <p:ph idx="1"/>
+          </p:nvPr>
+        </p:nvSpPr>
+        <p:spPr>
+          <a:xfrm>
+            <a:off x="457200" y="1608151"/>
+            <a:ext cx="8229600" cy="1539673"/>
+          </a:xfrm>
+        </p:spPr>
+        <p:txBody>
+          <a:bodyPr>
+            <a:noAutofit/>
+          </a:bodyPr>
+          <a:lstStyle/>
+          <a:p>
+            <a:r>
+              <a:rPr lang="en-US" sz="2800" dirty="0"/>
+              <a:t>Loop-carried data dependency </a:t>
+            </a:r>
+            <a:r>
+              <a:rPr lang="en-US" sz="2800" dirty="0" smtClean="0"/>
+              <a:t>analysis:</a:t>
+            </a:r>
+          </a:p>
+          <a:p>
+            <a:pPr lvl="1"/>
+            <a:r>
+              <a:rPr lang="en-US" sz="2400" dirty="0" smtClean="0"/>
+              <a:t>Parallel </a:t>
+            </a:r>
+            <a:r>
+              <a:rPr lang="en-US" sz="2400" dirty="0"/>
+              <a:t>for-loops with no dependencies are race </a:t>
+            </a:r>
+            <a:r>
+              <a:rPr lang="en-US" sz="2400" dirty="0" smtClean="0"/>
+              <a:t>free</a:t>
+            </a:r>
+          </a:p>
+          <a:p>
+            <a:pPr lvl="1"/>
+            <a:r>
+              <a:rPr lang="en-US" sz="2400" dirty="0" smtClean="0"/>
+              <a:t>Blacklisting these regions from runtime analysis</a:t>
+            </a:r>
+            <a:endParaRPr lang="en-US" sz="2400" dirty="0">
+              <a:effectLst/>
+            </a:endParaRPr>
+          </a:p>
+        </p:txBody>
+      </p:sp>
+      <p:sp>
+        <p:nvSpPr>
+          <p:cNvPr id="3" name="Rectangle 2"/>
+          <p:cNvSpPr/>
+          <p:nvPr/>
+        </p:nvSpPr>
+        <p:spPr>
+          <a:xfrm>
+            <a:off x="4479667" y="3290501"/>
+            <a:ext cx="184666" cy="276999"/>
+          </a:xfrm>
+          <a:prstGeom prst="rect">
+            <a:avLst/>
+          </a:prstGeom>
+        </p:spPr>
+        <p:txBody>
+          <a:bodyPr wrap="none">
+            <a:spAutoFit/>
+          </a:bodyPr>
+          <a:lstStyle/>
+          <a:p>
+            <a:r>
+              <a:rPr lang="en-US" baseline="30000" dirty="0"/>
+              <a:t> </a:t>
+            </a:r>
+            <a:endParaRPr lang="en-US" dirty="0"/>
+          </a:p>
+        </p:txBody>
+      </p:sp>
+      <p:sp>
+        <p:nvSpPr>
+          <p:cNvPr id="6" name="Right Brace 5"/>
+          <p:cNvSpPr/>
+          <p:nvPr/>
+        </p:nvSpPr>
+        <p:spPr>
+          <a:xfrm>
+            <a:off x="4563835" y="3419669"/>
+            <a:ext cx="256721" cy="1200329"/>
+          </a:xfrm>
+          <a:prstGeom prst="rightBrace">
+            <a:avLst/>
+          </a:prstGeom>
+          <a:ln>
+            <a:solidFill>
+              <a:schemeClr val="tx1"/>
+            </a:solidFill>
+          </a:ln>
+          <a:effectLst/>
+        </p:spPr>
+        <p:style>
+          <a:lnRef idx="2">
+            <a:schemeClr val="accent1"/>
+          </a:lnRef>
+          <a:fillRef idx="0">
+            <a:schemeClr val="accent1"/>
+          </a:fillRef>
+          <a:effectRef idx="1">
+            <a:schemeClr val="accent1"/>
+          </a:effectRef>
+          <a:fontRef idx="minor">
+            <a:schemeClr val="tx1"/>
+          </a:fontRef>
+        </p:style>
+        <p:txBody>
+          <a:bodyPr rtlCol="0" anchor="ctr"/>
+          <a:lstStyle/>
+          <a:p>
+            <a:pPr algn="ctr"/>
+            <a:endParaRPr lang="en-US"/>
+          </a:p>
+        </p:txBody>
+      </p:sp>
+      <p:sp>
+        <p:nvSpPr>
+          <p:cNvPr id="9" name="Right Brace 8"/>
+          <p:cNvSpPr/>
+          <p:nvPr/>
+        </p:nvSpPr>
+        <p:spPr>
+          <a:xfrm>
+            <a:off x="4563835" y="4936660"/>
+            <a:ext cx="256721" cy="1200329"/>
+          </a:xfrm>
+          <a:prstGeom prst="rightBrace">
+            <a:avLst/>
+          </a:prstGeom>
+          <a:ln>
+            <a:solidFill>
+              <a:schemeClr val="tx1"/>
+            </a:solidFill>
+          </a:ln>
+          <a:effectLst/>
+        </p:spPr>
+        <p:style>
+          <a:lnRef idx="2">
+            <a:schemeClr val="accent1"/>
+          </a:lnRef>
+          <a:fillRef idx="0">
+            <a:schemeClr val="accent1"/>
+          </a:fillRef>
+          <a:effectRef idx="1">
+            <a:schemeClr val="accent1"/>
+          </a:effectRef>
+          <a:fontRef idx="minor">
+            <a:schemeClr val="tx1"/>
+          </a:fontRef>
+        </p:style>
+        <p:txBody>
+          <a:bodyPr rtlCol="0" anchor="ctr"/>
+          <a:lstStyle/>
+          <a:p>
+            <a:pPr algn="ctr"/>
+            <a:endParaRPr lang="en-US"/>
+          </a:p>
+        </p:txBody>
+      </p:sp>
+      <p:sp>
+        <p:nvSpPr>
+          <p:cNvPr id="8" name="TextBox 7"/>
+          <p:cNvSpPr txBox="1"/>
+          <p:nvPr/>
+        </p:nvSpPr>
+        <p:spPr>
+          <a:xfrm>
+            <a:off x="5201980" y="3689089"/>
+            <a:ext cx="3484820" cy="646331"/>
+          </a:xfrm>
+          <a:prstGeom prst="rect">
+            <a:avLst/>
+          </a:prstGeom>
+          <a:noFill/>
+        </p:spPr>
+        <p:txBody>
+          <a:bodyPr wrap="square" rtlCol="0">
+            <a:spAutoFit/>
+          </a:bodyPr>
+          <a:lstStyle/>
+          <a:p>
+            <a:r>
+              <a:rPr lang="en-US" dirty="0" smtClean="0"/>
+              <a:t>No data dependency, code can be excluded from runtime analysis</a:t>
+            </a:r>
+            <a:endParaRPr lang="en-US" dirty="0"/>
+          </a:p>
+        </p:txBody>
+      </p:sp>
+      <p:sp>
+        <p:nvSpPr>
+          <p:cNvPr id="12" name="TextBox 11"/>
+          <p:cNvSpPr txBox="1"/>
+          <p:nvPr/>
+        </p:nvSpPr>
+        <p:spPr>
+          <a:xfrm>
+            <a:off x="5201980" y="5070897"/>
+            <a:ext cx="3484820" cy="923330"/>
+          </a:xfrm>
+          <a:prstGeom prst="rect">
+            <a:avLst/>
+          </a:prstGeom>
+          <a:noFill/>
+        </p:spPr>
+        <p:txBody>
+          <a:bodyPr wrap="square" rtlCol="0">
+            <a:spAutoFit/>
+          </a:bodyPr>
+          <a:lstStyle/>
+          <a:p>
+            <a:r>
+              <a:rPr lang="en-US" dirty="0" smtClean="0"/>
+              <a:t>Data dependency on array access, potentially race therefore checked at runtime</a:t>
+            </a:r>
+            <a:endParaRPr lang="en-US" dirty="0"/>
+          </a:p>
+        </p:txBody>
+      </p:sp>
+    </p:spTree>
+    <p:extLst>
+      <p:ext uri="{BB962C8B-B14F-4D97-AF65-F5344CB8AC3E}">
+        <p14:creationId xmlns:p14="http://schemas.microsoft.com/office/powerpoint/2010/main" val="1249774231"/>
+      </p:ext>
+    </p:extLst>
+  </p:cSld>
+  <p:clrMapOvr>
+    <a:masterClrMapping/>
+  </p:clrMapOvr>
+  <p:timing>
+    <p:tnLst>
+      <p:par>
+        <p:cTn xmlns:p14="http://schemas.microsoft.com/office/powerpoint/2010/main" id="1" dur="indefinite" restart="never" nodeType="tmRoot"/>
+      </p:par>
+    </p:tnLst>
+  </p:timing>
+</p:sld>
+</file>
+
+<file path=ppt/slides/slide14.xml><?xml version="1.0" encoding="utf-8"?>
+<p:sld xmlns:a="http://schemas.openxmlformats.org/drawingml/2006/main" xmlns:r="http://schemas.openxmlformats.org/officeDocument/2006/relationships" xmlns:p="http://schemas.openxmlformats.org/presentationml/2006/main">
+  <p:cSld>
+    <p:spTree>
+      <p:nvGrpSpPr>
+        <p:cNvPr id="1" name=""/>
+        <p:cNvGrpSpPr/>
+        <p:nvPr/>
+      </p:nvGrpSpPr>
+      <p:grpSpPr>
+        <a:xfrm>
+          <a:off x="0" y="0"/>
+          <a:ext cx="0" cy="0"/>
+          <a:chOff x="0" y="0"/>
+          <a:chExt cx="0" cy="0"/>
+        </a:xfrm>
+      </p:grpSpPr>
+      <p:sp>
+        <p:nvSpPr>
+          <p:cNvPr id="2" name="Title 1"/>
+          <p:cNvSpPr>
+            <a:spLocks noGrp="1"/>
+          </p:cNvSpPr>
+          <p:nvPr>
+            <p:ph type="title"/>
+          </p:nvPr>
+        </p:nvSpPr>
+        <p:spPr/>
+        <p:txBody>
+          <a:bodyPr>
+            <a:normAutofit fontScale="90000"/>
+          </a:bodyPr>
+          <a:lstStyle/>
+          <a:p>
+            <a:pPr algn="l"/>
+            <a:r>
+              <a:rPr lang="en-US" dirty="0" smtClean="0"/>
+              <a:t>Archer v1</a:t>
+            </a:r>
+            <a:br>
+              <a:rPr lang="en-US" dirty="0" smtClean="0"/>
+            </a:br>
+            <a:r>
+              <a:rPr lang="en-US" sz="2700" dirty="0" smtClean="0"/>
+              <a:t>Combining Static and Dynamic Analysis</a:t>
+            </a:r>
+            <a:endParaRPr lang="en-US" sz="2700" dirty="0"/>
+          </a:p>
+        </p:txBody>
+      </p:sp>
+      <p:pic>
+        <p:nvPicPr>
+          <p:cNvPr id="17" name="Picture 16" descr="archerdiagram.pdf"/>
+          <p:cNvPicPr>
+            <a:picLocks noChangeAspect="1"/>
+          </p:cNvPicPr>
+          <p:nvPr/>
+        </p:nvPicPr>
+        <p:blipFill>
+          <a:blip r:embed="rId3">
+            <a:extLst>
+              <a:ext uri="{28A0092B-C50C-407E-A947-70E740481C1C}">
+                <a14:useLocalDpi xmlns:a14="http://schemas.microsoft.com/office/drawing/2010/main" val="0"/>
+              </a:ext>
+            </a:extLst>
+          </a:blip>
+          <a:stretch>
+            <a:fillRect/>
+          </a:stretch>
+        </p:blipFill>
+        <p:spPr>
+          <a:xfrm>
+            <a:off x="457200" y="1611310"/>
+            <a:ext cx="8229600" cy="2307885"/>
+          </a:xfrm>
+          <a:prstGeom prst="rect">
+            <a:avLst/>
+          </a:prstGeom>
+        </p:spPr>
+      </p:pic>
+      <p:sp>
+        <p:nvSpPr>
+          <p:cNvPr id="19" name="Content Placeholder 15"/>
+          <p:cNvSpPr>
+            <a:spLocks noGrp="1"/>
+          </p:cNvSpPr>
+          <p:nvPr>
+            <p:ph idx="1"/>
+          </p:nvPr>
+        </p:nvSpPr>
+        <p:spPr>
+          <a:xfrm>
+            <a:off x="457200" y="3919195"/>
+            <a:ext cx="8229600" cy="2579102"/>
+          </a:xfrm>
+        </p:spPr>
+        <p:txBody>
+          <a:bodyPr>
+            <a:noAutofit/>
+          </a:bodyPr>
+          <a:lstStyle/>
+          <a:p>
+            <a:r>
+              <a:rPr lang="en-US" sz="2400" dirty="0" smtClean="0">
+                <a:effectLst/>
+              </a:rPr>
+              <a:t>LLVM/Clang based tool</a:t>
+            </a:r>
+          </a:p>
+          <a:p>
+            <a:r>
+              <a:rPr lang="en-US" sz="2400" dirty="0" err="1" smtClean="0"/>
+              <a:t>TSan</a:t>
+            </a:r>
+            <a:r>
+              <a:rPr lang="en-US" sz="2400" dirty="0" smtClean="0"/>
+              <a:t> data race runtime analysis</a:t>
+            </a:r>
+          </a:p>
+          <a:p>
+            <a:r>
+              <a:rPr lang="en-US" sz="2400" dirty="0" smtClean="0"/>
+              <a:t>Instrumented OpenMP runtime</a:t>
+            </a:r>
+          </a:p>
+          <a:p>
+            <a:pPr lvl="1"/>
+            <a:r>
+              <a:rPr lang="en-US" sz="2000" dirty="0" smtClean="0">
+                <a:effectLst/>
+              </a:rPr>
+              <a:t>Annotations mechanism to communicate </a:t>
+            </a:r>
+            <a:r>
+              <a:rPr lang="en-US" sz="2000" dirty="0" err="1" smtClean="0">
+                <a:effectLst/>
+              </a:rPr>
+              <a:t>TSan</a:t>
+            </a:r>
+            <a:r>
+              <a:rPr lang="en-US" sz="2000" dirty="0" smtClean="0">
+                <a:effectLst/>
+              </a:rPr>
+              <a:t> runtime about happens-before relations between threads</a:t>
+            </a:r>
+          </a:p>
+          <a:p>
+            <a:pPr lvl="1"/>
+            <a:r>
+              <a:rPr lang="en-US" sz="2000" dirty="0" smtClean="0"/>
+              <a:t>Unknown synchronization mechanism (i.e. barriers, </a:t>
+            </a:r>
+            <a:r>
+              <a:rPr lang="en-US" sz="2000" dirty="0" err="1" smtClean="0"/>
+              <a:t>criticals</a:t>
+            </a:r>
+            <a:r>
+              <a:rPr lang="en-US" sz="2000" dirty="0" smtClean="0"/>
+              <a:t>, etc</a:t>
+            </a:r>
+            <a:r>
+              <a:rPr lang="en-US" sz="2000" dirty="0"/>
+              <a:t>.</a:t>
+            </a:r>
+            <a:r>
+              <a:rPr lang="en-US" sz="2000" dirty="0" smtClean="0"/>
+              <a:t>)</a:t>
+            </a:r>
+            <a:endParaRPr lang="en-US" sz="2000" dirty="0">
+              <a:effectLst/>
+            </a:endParaRPr>
+          </a:p>
+        </p:txBody>
+      </p:sp>
+    </p:spTree>
+    <p:extLst>
+      <p:ext uri="{BB962C8B-B14F-4D97-AF65-F5344CB8AC3E}">
+        <p14:creationId xmlns:p14="http://schemas.microsoft.com/office/powerpoint/2010/main" val="3598220810"/>
+      </p:ext>
+    </p:extLst>
+  </p:cSld>
+  <p:clrMapOvr>
+    <a:masterClrMapping/>
+  </p:clrMapOvr>
+  <p:timing>
+    <p:tnLst>
+      <p:par>
+        <p:cTn xmlns:p14="http://schemas.microsoft.com/office/powerpoint/2010/main" id="1" dur="indefinite" restart="never" nodeType="tmRoot"/>
+      </p:par>
+    </p:tnLst>
+  </p:timing>
+</p:sld>
+</file>
+
+<file path=ppt/slides/slide15.xml><?xml version="1.0" encoding="utf-8"?>
+<p:sld xmlns:a="http://schemas.openxmlformats.org/drawingml/2006/main" xmlns:r="http://schemas.openxmlformats.org/officeDocument/2006/relationships" xmlns:p="http://schemas.openxmlformats.org/presentationml/2006/main">
+  <p:cSld>
+    <p:spTree>
+      <p:nvGrpSpPr>
+        <p:cNvPr id="1" name=""/>
+        <p:cNvGrpSpPr/>
+        <p:nvPr/>
+      </p:nvGrpSpPr>
+      <p:grpSpPr>
+        <a:xfrm>
+          <a:off x="0" y="0"/>
+          <a:ext cx="0" cy="0"/>
+          <a:chOff x="0" y="0"/>
+          <a:chExt cx="0" cy="0"/>
+        </a:xfrm>
+      </p:grpSpPr>
+      <p:sp>
+        <p:nvSpPr>
+          <p:cNvPr id="2" name="Title 1"/>
+          <p:cNvSpPr>
+            <a:spLocks noGrp="1"/>
+          </p:cNvSpPr>
+          <p:nvPr>
+            <p:ph type="title"/>
+          </p:nvPr>
+        </p:nvSpPr>
+        <p:spPr/>
+        <p:txBody>
+          <a:bodyPr>
+            <a:normAutofit fontScale="90000"/>
+          </a:bodyPr>
+          <a:lstStyle/>
+          <a:p>
+            <a:pPr algn="l"/>
+            <a:r>
+              <a:rPr lang="en-US" dirty="0" smtClean="0">
+                <a:solidFill>
+                  <a:prstClr val="black"/>
+                </a:solidFill>
+              </a:rPr>
+              <a:t>Timeline</a:t>
+            </a:r>
+            <a:br>
+              <a:rPr lang="en-US" dirty="0" smtClean="0">
+                <a:solidFill>
+                  <a:prstClr val="black"/>
+                </a:solidFill>
+              </a:rPr>
+            </a:br>
+            <a:r>
+              <a:rPr lang="en-US" sz="2700" dirty="0" smtClean="0">
+                <a:solidFill>
+                  <a:prstClr val="black"/>
+                </a:solidFill>
+              </a:rPr>
+              <a:t>Past and future publications</a:t>
+            </a:r>
+            <a:endParaRPr lang="en-US" dirty="0"/>
+          </a:p>
+        </p:txBody>
+      </p:sp>
+      <p:sp>
+        <p:nvSpPr>
+          <p:cNvPr id="3" name="Content Placeholder 2"/>
+          <p:cNvSpPr>
+            <a:spLocks noGrp="1"/>
+          </p:cNvSpPr>
+          <p:nvPr>
+            <p:ph idx="1"/>
+          </p:nvPr>
+        </p:nvSpPr>
+        <p:spPr/>
+        <p:txBody>
+          <a:bodyPr>
+            <a:normAutofit/>
+          </a:bodyPr>
+          <a:lstStyle/>
+          <a:p>
+            <a:r>
+              <a:rPr lang="en-US" sz="3000" dirty="0" smtClean="0"/>
+              <a:t>Feasibility of combining static and dynamic analysis for OpenMP data race detection    [LLVM-HPC WS/SC’14]</a:t>
+            </a:r>
+          </a:p>
+          <a:p>
+            <a:r>
+              <a:rPr lang="en-US" sz="3000" dirty="0" smtClean="0"/>
+              <a:t>Archer v1 – static analysis and </a:t>
+            </a:r>
+            <a:r>
+              <a:rPr lang="en-US" sz="3000" dirty="0" err="1" smtClean="0"/>
+              <a:t>TSan</a:t>
+            </a:r>
+            <a:r>
+              <a:rPr lang="en-US" sz="3000" dirty="0" smtClean="0"/>
+              <a:t> runtime [IPDPS’16]</a:t>
+            </a:r>
+          </a:p>
+          <a:p>
+            <a:r>
+              <a:rPr lang="en-US" sz="3000" dirty="0" smtClean="0"/>
+              <a:t>Clock-less runtime algorithm [POPL’17, PPoPP’17]</a:t>
+            </a:r>
+          </a:p>
+          <a:p>
+            <a:r>
+              <a:rPr lang="en-US" sz="3000" dirty="0" smtClean="0"/>
+              <a:t>Archer v2 – static </a:t>
+            </a:r>
+            <a:r>
+              <a:rPr lang="en-US" sz="3000" dirty="0"/>
+              <a:t>analysis and clock-less runtime algorithm [PLDI’17, IPDPS’17]</a:t>
+            </a:r>
+          </a:p>
+          <a:p>
+            <a:endParaRPr lang="en-US" sz="3000" dirty="0"/>
+          </a:p>
+        </p:txBody>
+      </p:sp>
+    </p:spTree>
+    <p:extLst>
+      <p:ext uri="{BB962C8B-B14F-4D97-AF65-F5344CB8AC3E}">
+        <p14:creationId xmlns:p14="http://schemas.microsoft.com/office/powerpoint/2010/main" val="2982352226"/>
+      </p:ext>
+    </p:extLst>
+  </p:cSld>
+  <p:clrMapOvr>
+    <a:masterClrMapping/>
+  </p:clrMapOvr>
+  <p:timing>
+    <p:tnLst>
+      <p:par>
+        <p:cTn xmlns:p14="http://schemas.microsoft.com/office/powerpoint/2010/main" id="1" dur="indefinite" restart="never" nodeType="tmRoot"/>
+      </p:par>
+    </p:tnLst>
+  </p:timing>
+</p:sld>
+</file>
+
+<file path=ppt/slides/slide16.xml><?xml version="1.0" encoding="utf-8"?>
+<p:sld xmlns:a="http://schemas.openxmlformats.org/drawingml/2006/main" xmlns:r="http://schemas.openxmlformats.org/officeDocument/2006/relationships" xmlns:p="http://schemas.openxmlformats.org/presentationml/2006/main">
+  <p:cSld>
+    <p:spTree>
+      <p:nvGrpSpPr>
+        <p:cNvPr id="1" name=""/>
+        <p:cNvGrpSpPr/>
+        <p:nvPr/>
+      </p:nvGrpSpPr>
+      <p:grpSpPr>
+        <a:xfrm>
+          <a:off x="0" y="0"/>
+          <a:ext cx="0" cy="0"/>
+          <a:chOff x="0" y="0"/>
+          <a:chExt cx="0" cy="0"/>
+        </a:xfrm>
+      </p:grpSpPr>
+      <p:sp>
+        <p:nvSpPr>
+          <p:cNvPr id="2" name="Title 1"/>
+          <p:cNvSpPr>
+            <a:spLocks noGrp="1"/>
+          </p:cNvSpPr>
+          <p:nvPr>
+            <p:ph type="title"/>
+          </p:nvPr>
+        </p:nvSpPr>
+        <p:spPr/>
+        <p:txBody>
+          <a:bodyPr>
+            <a:normAutofit/>
+          </a:bodyPr>
+          <a:lstStyle/>
+          <a:p>
+            <a:pPr algn="l"/>
+            <a:endParaRPr lang="en-US" dirty="0"/>
+          </a:p>
+        </p:txBody>
+      </p:sp>
+      <p:sp>
+        <p:nvSpPr>
+          <p:cNvPr id="3" name="Content Placeholder 2"/>
+          <p:cNvSpPr>
+            <a:spLocks noGrp="1"/>
+          </p:cNvSpPr>
+          <p:nvPr>
+            <p:ph idx="1"/>
+          </p:nvPr>
+        </p:nvSpPr>
+        <p:spPr/>
+        <p:txBody>
+          <a:bodyPr>
+            <a:normAutofit/>
+          </a:bodyPr>
+          <a:lstStyle/>
+          <a:p>
+            <a:pPr marL="0" indent="0" algn="ctr">
+              <a:buNone/>
+            </a:pPr>
+            <a:endParaRPr lang="en-US" sz="4400" dirty="0" smtClean="0">
+              <a:solidFill>
+                <a:prstClr val="black"/>
+              </a:solidFill>
+            </a:endParaRPr>
+          </a:p>
+          <a:p>
+            <a:pPr marL="0" indent="0" algn="ctr">
+              <a:buNone/>
+            </a:pPr>
+            <a:endParaRPr lang="en-US" sz="4400" dirty="0" smtClean="0">
+              <a:solidFill>
+                <a:prstClr val="black"/>
+              </a:solidFill>
+            </a:endParaRPr>
+          </a:p>
+          <a:p>
+            <a:pPr marL="0" indent="0" algn="ctr">
+              <a:buNone/>
+            </a:pPr>
+            <a:r>
+              <a:rPr lang="en-US" sz="4400" dirty="0" smtClean="0">
+                <a:solidFill>
+                  <a:prstClr val="black"/>
+                </a:solidFill>
+              </a:rPr>
+              <a:t>Questions</a:t>
+            </a:r>
+            <a:r>
+              <a:rPr lang="en-US" sz="4400" dirty="0">
+                <a:solidFill>
+                  <a:prstClr val="black"/>
+                </a:solidFill>
+              </a:rPr>
+              <a:t>?</a:t>
+            </a:r>
+            <a:endParaRPr lang="en-US" sz="4400" dirty="0"/>
+          </a:p>
+        </p:txBody>
+      </p:sp>
+      <p:sp>
+        <p:nvSpPr>
+          <p:cNvPr id="4" name="TextBox 3"/>
+          <p:cNvSpPr txBox="1"/>
+          <p:nvPr/>
+        </p:nvSpPr>
+        <p:spPr>
+          <a:xfrm>
+            <a:off x="2837444" y="2593915"/>
+            <a:ext cx="184666" cy="369332"/>
+          </a:xfrm>
+          <a:prstGeom prst="rect">
+            <a:avLst/>
+          </a:prstGeom>
+          <a:noFill/>
+        </p:spPr>
+        <p:txBody>
+          <a:bodyPr wrap="none" rtlCol="0">
+            <a:spAutoFit/>
+          </a:bodyPr>
+          <a:lstStyle/>
+          <a:p>
+            <a:endParaRPr lang="en-US" dirty="0"/>
+          </a:p>
+        </p:txBody>
+      </p:sp>
+    </p:spTree>
+    <p:extLst>
+      <p:ext uri="{BB962C8B-B14F-4D97-AF65-F5344CB8AC3E}">
+        <p14:creationId xmlns:p14="http://schemas.microsoft.com/office/powerpoint/2010/main" val="2048434548"/>
       </p:ext>
     </p:extLst>
   </p:cSld>
@@ -4231,163 +5977,199 @@
               <a:rPr lang="en-US" dirty="0" smtClean="0"/>
               <a:t>Motivation</a:t>
             </a:r>
+            <a:r>
+              <a:rPr lang="en-US" dirty="0" smtClean="0"/>
+              <a:t/>
+            </a:r>
             <a:br>
               <a:rPr lang="en-US" dirty="0" smtClean="0"/>
             </a:br>
             <a:r>
-              <a:rPr lang="en-US" sz="2400" dirty="0">
-                <a:latin typeface="Corbel"/>
-                <a:cs typeface="Corbel"/>
-              </a:rPr>
-              <a:t>Architectural trends make HPC debugging </a:t>
-            </a:r>
-            <a:r>
               <a:rPr lang="en-US" sz="2400" dirty="0" smtClean="0">
                 <a:latin typeface="Corbel"/>
                 <a:cs typeface="Corbel"/>
               </a:rPr>
-              <a:t>a </a:t>
-            </a:r>
-            <a:r>
-              <a:rPr lang="en-US" sz="2400" dirty="0">
-                <a:latin typeface="Corbel"/>
-                <a:cs typeface="Corbel"/>
-              </a:rPr>
-              <a:t>greater </a:t>
-            </a:r>
-            <a:r>
-              <a:rPr lang="en-US" sz="2400" dirty="0" smtClean="0">
-                <a:latin typeface="Corbel"/>
-                <a:cs typeface="Corbel"/>
-              </a:rPr>
-              <a:t>challenge</a:t>
+              <a:t>Increased adoption of on-node parallelism in HPC</a:t>
             </a:r>
             <a:endParaRPr lang="en-US" dirty="0"/>
           </a:p>
         </p:txBody>
       </p:sp>
-      <p:sp>
-        <p:nvSpPr>
-          <p:cNvPr id="11" name="Content Placeholder 15"/>
-          <p:cNvSpPr>
-            <a:spLocks noGrp="1"/>
-          </p:cNvSpPr>
-          <p:nvPr>
-            <p:ph idx="1"/>
-          </p:nvPr>
-        </p:nvSpPr>
+      <p:pic>
+        <p:nvPicPr>
+          <p:cNvPr id="5" name="Picture 4" descr="sequoia.jpg"/>
+          <p:cNvPicPr>
+            <a:picLocks noChangeAspect="1"/>
+          </p:cNvPicPr>
+          <p:nvPr/>
+        </p:nvPicPr>
+        <p:blipFill>
+          <a:blip r:embed="rId2">
+            <a:extLst>
+              <a:ext uri="{28A0092B-C50C-407E-A947-70E740481C1C}">
+                <a14:useLocalDpi xmlns:a14="http://schemas.microsoft.com/office/drawing/2010/main" val="0"/>
+              </a:ext>
+            </a:extLst>
+          </a:blip>
+          <a:stretch>
+            <a:fillRect/>
+          </a:stretch>
+        </p:blipFill>
         <p:spPr>
           <a:xfrm>
-            <a:off x="457200" y="2013450"/>
-            <a:ext cx="8229600" cy="3809348"/>
+            <a:off x="457200" y="4472981"/>
+            <a:ext cx="2980898" cy="2101533"/>
           </a:xfrm>
+          <a:prstGeom prst="rect">
+            <a:avLst/>
+          </a:prstGeom>
         </p:spPr>
-        <p:txBody>
-          <a:bodyPr>
-            <a:noAutofit/>
+      </p:pic>
+      <p:pic>
+        <p:nvPicPr>
+          <p:cNvPr id="6" name="Picture 5"/>
+          <p:cNvPicPr>
+            <a:picLocks noChangeAspect="1"/>
+          </p:cNvPicPr>
+          <p:nvPr/>
+        </p:nvPicPr>
+        <p:blipFill>
+          <a:blip r:embed="rId3">
+            <a:extLst>
+              <a:ext uri="{28A0092B-C50C-407E-A947-70E740481C1C}">
+                <a14:useLocalDpi xmlns:a14="http://schemas.microsoft.com/office/drawing/2010/main" val="0"/>
+              </a:ext>
+            </a:extLst>
+          </a:blip>
+          <a:stretch>
+            <a:fillRect/>
+          </a:stretch>
+        </p:blipFill>
+        <p:spPr>
+          <a:xfrm>
+            <a:off x="5079720" y="1541125"/>
+            <a:ext cx="3607080" cy="2095690"/>
+          </a:xfrm>
+          <a:prstGeom prst="rect">
+            <a:avLst/>
+          </a:prstGeom>
+        </p:spPr>
+      </p:pic>
+      <p:sp>
+        <p:nvSpPr>
+          <p:cNvPr id="7" name="TextBox 6"/>
+          <p:cNvSpPr txBox="1"/>
+          <p:nvPr/>
+        </p:nvSpPr>
+        <p:spPr>
+          <a:xfrm>
+            <a:off x="3438098" y="5166867"/>
+            <a:ext cx="5248702" cy="830997"/>
+          </a:xfrm>
+          <a:prstGeom prst="rect">
+            <a:avLst/>
+          </a:prstGeom>
+          <a:noFill/>
+        </p:spPr>
+        <p:txBody>
+          <a:bodyPr wrap="square" rtlCol="0">
+            <a:spAutoFit/>
           </a:bodyPr>
           <a:lstStyle/>
           <a:p>
-            <a:r>
-              <a:rPr lang="en-US" sz="2400" dirty="0">
-                <a:latin typeface="Corbel" panose="020B0503020204020204" pitchFamily="34" charset="0"/>
-              </a:rPr>
-              <a:t>Amounts of concurrency grow exponentially</a:t>
-            </a:r>
-          </a:p>
-          <a:p>
-            <a:pPr lvl="1"/>
-            <a:r>
-              <a:rPr lang="en-US" sz="2000" dirty="0">
-                <a:latin typeface="Corbel" panose="020B0503020204020204" pitchFamily="34" charset="0"/>
-              </a:rPr>
-              <a:t>Make </a:t>
-            </a:r>
-            <a:r>
-              <a:rPr lang="en-US" sz="2000" i="1" dirty="0">
-                <a:latin typeface="Corbel" panose="020B0503020204020204" pitchFamily="34" charset="0"/>
-              </a:rPr>
-              <a:t>at-scale </a:t>
-            </a:r>
-            <a:r>
-              <a:rPr lang="en-US" sz="2000" dirty="0">
-                <a:latin typeface="Corbel" panose="020B0503020204020204" pitchFamily="34" charset="0"/>
-              </a:rPr>
-              <a:t>bugs commonplace</a:t>
-            </a:r>
-          </a:p>
-          <a:p>
-            <a:r>
-              <a:rPr lang="en-US" sz="2400" dirty="0">
-                <a:latin typeface="Corbel" panose="020B0503020204020204" pitchFamily="34" charset="0"/>
-              </a:rPr>
-              <a:t>Explosion of on-node parallelism options</a:t>
-            </a:r>
-          </a:p>
-          <a:p>
-            <a:pPr lvl="1"/>
-            <a:r>
-              <a:rPr lang="en-US" sz="2000" dirty="0">
-                <a:latin typeface="Corbel" panose="020B0503020204020204" pitchFamily="34" charset="0"/>
-              </a:rPr>
-              <a:t>More cores, wider SMT and SIMD units, accelerators (GPUs) …</a:t>
-            </a:r>
-          </a:p>
-          <a:p>
-            <a:pPr lvl="1"/>
-            <a:r>
-              <a:rPr lang="en-US" sz="2000" dirty="0">
-                <a:latin typeface="Corbel" panose="020B0503020204020204" pitchFamily="34" charset="0"/>
-              </a:rPr>
-              <a:t>Bring applications to a crossroad for hybrid parallelism: MPI + X</a:t>
-            </a:r>
-          </a:p>
-          <a:p>
-            <a:pPr lvl="1"/>
-            <a:r>
-              <a:rPr lang="en-US" sz="2000" dirty="0">
-                <a:latin typeface="Corbel" panose="020B0503020204020204" pitchFamily="34" charset="0"/>
-              </a:rPr>
-              <a:t>More sources of non-determinism: </a:t>
-            </a:r>
-            <a:r>
-              <a:rPr lang="en-US" sz="2000" dirty="0" smtClean="0">
-                <a:latin typeface="Corbel" panose="020B0503020204020204" pitchFamily="34" charset="0"/>
-              </a:rPr>
-              <a:t>OpenMP </a:t>
-            </a:r>
-            <a:r>
-              <a:rPr lang="en-US" sz="2000" dirty="0">
-                <a:latin typeface="Corbel" panose="020B0503020204020204" pitchFamily="34" charset="0"/>
-              </a:rPr>
-              <a:t>data races</a:t>
-            </a:r>
-          </a:p>
-          <a:p>
-            <a:r>
-              <a:rPr lang="en-US" sz="2400" dirty="0">
-                <a:latin typeface="Corbel"/>
-                <a:cs typeface="Corbel"/>
-              </a:rPr>
-              <a:t>Need more capable and scalable tools</a:t>
-            </a:r>
-          </a:p>
-          <a:p>
-            <a:pPr lvl="1"/>
-            <a:r>
-              <a:rPr lang="en-US" sz="2000" dirty="0">
-                <a:latin typeface="Corbel"/>
-                <a:cs typeface="Corbel"/>
-              </a:rPr>
-              <a:t>General strategy – bring best capabilities and compose them </a:t>
-            </a:r>
+            <a:pPr algn="ctr"/>
+            <a:r>
+              <a:rPr lang="en-US" sz="2400" b="1" dirty="0" smtClean="0"/>
+              <a:t>Sequoia</a:t>
+            </a:r>
+          </a:p>
+          <a:p>
+            <a:pPr algn="ctr"/>
+            <a:r>
+              <a:rPr lang="en-US" sz="2400" b="1" dirty="0" smtClean="0"/>
+              <a:t>17 PFLOPS</a:t>
+            </a:r>
+            <a:endParaRPr lang="en-US" sz="2400" b="1" dirty="0"/>
+          </a:p>
+        </p:txBody>
+      </p:sp>
+      <p:sp>
+        <p:nvSpPr>
+          <p:cNvPr id="8" name="TextBox 7"/>
+          <p:cNvSpPr txBox="1"/>
+          <p:nvPr/>
+        </p:nvSpPr>
+        <p:spPr>
+          <a:xfrm>
+            <a:off x="457200" y="2176405"/>
+            <a:ext cx="4622520" cy="830997"/>
+          </a:xfrm>
+          <a:prstGeom prst="rect">
+            <a:avLst/>
+          </a:prstGeom>
+          <a:noFill/>
+        </p:spPr>
+        <p:txBody>
+          <a:bodyPr wrap="square" rtlCol="0">
+            <a:spAutoFit/>
+          </a:bodyPr>
+          <a:lstStyle/>
+          <a:p>
+            <a:pPr algn="ctr"/>
+            <a:r>
+              <a:rPr lang="en-US" sz="2400" b="1" dirty="0" smtClean="0"/>
+              <a:t>Tianhe-2</a:t>
+            </a:r>
+          </a:p>
+          <a:p>
+            <a:pPr algn="ctr"/>
+            <a:r>
+              <a:rPr lang="en-US" sz="2400" b="1" dirty="0" smtClean="0"/>
+              <a:t>33 PFLOPS</a:t>
+            </a:r>
+            <a:endParaRPr lang="en-US" sz="2400" b="1" dirty="0"/>
+          </a:p>
+        </p:txBody>
+      </p:sp>
+      <p:sp>
+        <p:nvSpPr>
+          <p:cNvPr id="9" name="TextBox 8"/>
+          <p:cNvSpPr txBox="1"/>
+          <p:nvPr/>
+        </p:nvSpPr>
+        <p:spPr>
+          <a:xfrm>
+            <a:off x="457200" y="3636815"/>
+            <a:ext cx="8229600" cy="707886"/>
+          </a:xfrm>
+          <a:prstGeom prst="rect">
+            <a:avLst/>
+          </a:prstGeom>
+          <a:noFill/>
+        </p:spPr>
+        <p:txBody>
+          <a:bodyPr wrap="square" rtlCol="0">
+            <a:spAutoFit/>
+          </a:bodyPr>
+          <a:lstStyle/>
+          <a:p>
+            <a:pPr algn="ctr"/>
+            <a:r>
+              <a:rPr lang="en-US" sz="4000" b="1" dirty="0" err="1" smtClean="0"/>
+              <a:t>Peta</a:t>
+            </a:r>
+            <a:r>
+              <a:rPr lang="en-US" sz="4000" b="1" dirty="0" smtClean="0"/>
+              <a:t>-Scale Machines</a:t>
+            </a:r>
+            <a:endParaRPr lang="en-US" sz="4000" b="1" dirty="0"/>
           </a:p>
         </p:txBody>
       </p:sp>
     </p:spTree>
     <p:extLst>
       <p:ext uri="{BB962C8B-B14F-4D97-AF65-F5344CB8AC3E}">
-        <p14:creationId xmlns:p14="http://schemas.microsoft.com/office/powerpoint/2010/main" val="1984526690"/>
+        <p14:creationId xmlns:p14="http://schemas.microsoft.com/office/powerpoint/2010/main" val="3743296242"/>
       </p:ext>
     </p:extLst>
   </p:cSld>
@@ -4427,6 +6209,270 @@
         <p:spPr/>
         <p:txBody>
           <a:bodyPr>
+            <a:normAutofit/>
+          </a:bodyPr>
+          <a:lstStyle/>
+          <a:p>
+            <a:pPr algn="l"/>
+            <a:r>
+              <a:rPr lang="en-US" dirty="0" smtClean="0"/>
+              <a:t>Motivation</a:t>
+            </a:r>
+            <a:br>
+              <a:rPr lang="en-US" dirty="0" smtClean="0"/>
+            </a:br>
+            <a:r>
+              <a:rPr lang="en-US" sz="2400" dirty="0">
+                <a:latin typeface="Corbel"/>
+                <a:cs typeface="Corbel"/>
+              </a:rPr>
+              <a:t>Architectural trends make HPC debugging </a:t>
+            </a:r>
+            <a:r>
+              <a:rPr lang="en-US" sz="2400" dirty="0" smtClean="0">
+                <a:latin typeface="Corbel"/>
+                <a:cs typeface="Corbel"/>
+              </a:rPr>
+              <a:t>a </a:t>
+            </a:r>
+            <a:r>
+              <a:rPr lang="en-US" sz="2400" dirty="0">
+                <a:latin typeface="Corbel"/>
+                <a:cs typeface="Corbel"/>
+              </a:rPr>
+              <a:t>greater </a:t>
+            </a:r>
+            <a:r>
+              <a:rPr lang="en-US" sz="2400" dirty="0" smtClean="0">
+                <a:latin typeface="Corbel"/>
+                <a:cs typeface="Corbel"/>
+              </a:rPr>
+              <a:t>challenge</a:t>
+            </a:r>
+            <a:endParaRPr lang="en-US" dirty="0"/>
+          </a:p>
+        </p:txBody>
+      </p:sp>
+      <p:sp>
+        <p:nvSpPr>
+          <p:cNvPr id="11" name="Content Placeholder 15"/>
+          <p:cNvSpPr>
+            <a:spLocks noGrp="1"/>
+          </p:cNvSpPr>
+          <p:nvPr>
+            <p:ph idx="1"/>
+          </p:nvPr>
+        </p:nvSpPr>
+        <p:spPr>
+          <a:xfrm>
+            <a:off x="457200" y="2013450"/>
+            <a:ext cx="8229600" cy="3809348"/>
+          </a:xfrm>
+        </p:spPr>
+        <p:txBody>
+          <a:bodyPr>
+            <a:noAutofit/>
+          </a:bodyPr>
+          <a:lstStyle/>
+          <a:p>
+            <a:r>
+              <a:rPr lang="en-US" sz="2800" dirty="0">
+                <a:latin typeface="Corbel" panose="020B0503020204020204" pitchFamily="34" charset="0"/>
+              </a:rPr>
+              <a:t>Amounts of concurrency grow exponentially</a:t>
+            </a:r>
+          </a:p>
+          <a:p>
+            <a:r>
+              <a:rPr lang="en-US" sz="2800" dirty="0" smtClean="0">
+                <a:latin typeface="Corbel" panose="020B0503020204020204" pitchFamily="34" charset="0"/>
+              </a:rPr>
+              <a:t>Explosion </a:t>
+            </a:r>
+            <a:r>
+              <a:rPr lang="en-US" sz="2800" dirty="0">
+                <a:latin typeface="Corbel" panose="020B0503020204020204" pitchFamily="34" charset="0"/>
+              </a:rPr>
+              <a:t>of on-node parallelism options</a:t>
+            </a:r>
+          </a:p>
+          <a:p>
+            <a:pPr lvl="1"/>
+            <a:r>
+              <a:rPr lang="en-US" sz="2400" dirty="0">
+                <a:latin typeface="Corbel" panose="020B0503020204020204" pitchFamily="34" charset="0"/>
+              </a:rPr>
+              <a:t>More cores, </a:t>
+            </a:r>
+            <a:r>
+              <a:rPr lang="en-US" sz="2400" dirty="0" smtClean="0">
+                <a:latin typeface="Corbel" panose="020B0503020204020204" pitchFamily="34" charset="0"/>
+              </a:rPr>
+              <a:t>SIMD </a:t>
+            </a:r>
+            <a:r>
+              <a:rPr lang="en-US" sz="2400" dirty="0">
+                <a:latin typeface="Corbel" panose="020B0503020204020204" pitchFamily="34" charset="0"/>
+              </a:rPr>
+              <a:t>units, accelerators (GPUs</a:t>
+            </a:r>
+            <a:r>
+              <a:rPr lang="en-US" sz="2400" dirty="0" smtClean="0">
+                <a:latin typeface="Corbel" panose="020B0503020204020204" pitchFamily="34" charset="0"/>
+              </a:rPr>
+              <a:t>), etc.</a:t>
+            </a:r>
+            <a:endParaRPr lang="en-US" sz="2400" dirty="0">
+              <a:latin typeface="Corbel" panose="020B0503020204020204" pitchFamily="34" charset="0"/>
+            </a:endParaRPr>
+          </a:p>
+          <a:p>
+            <a:pPr lvl="1"/>
+            <a:r>
+              <a:rPr lang="en-US" sz="2400" dirty="0">
+                <a:latin typeface="Corbel" panose="020B0503020204020204" pitchFamily="34" charset="0"/>
+              </a:rPr>
+              <a:t>Bring applications to a crossroad for hybrid </a:t>
+            </a:r>
+            <a:r>
+              <a:rPr lang="en-US" sz="2400" dirty="0" smtClean="0">
+                <a:latin typeface="Corbel" panose="020B0503020204020204" pitchFamily="34" charset="0"/>
+              </a:rPr>
+              <a:t>parallelism</a:t>
+            </a:r>
+            <a:endParaRPr lang="en-US" sz="2400" dirty="0">
+              <a:latin typeface="Corbel" panose="020B0503020204020204" pitchFamily="34" charset="0"/>
+            </a:endParaRPr>
+          </a:p>
+          <a:p>
+            <a:pPr lvl="2"/>
+            <a:r>
+              <a:rPr lang="en-US" sz="2000" dirty="0" smtClean="0">
+                <a:latin typeface="Corbel" panose="020B0503020204020204" pitchFamily="34" charset="0"/>
+              </a:rPr>
+              <a:t>i.e.</a:t>
+            </a:r>
+            <a:r>
+              <a:rPr lang="en-US" sz="2000" dirty="0" smtClean="0">
+                <a:latin typeface="Corbel" panose="020B0503020204020204" pitchFamily="34" charset="0"/>
+              </a:rPr>
+              <a:t> </a:t>
+            </a:r>
+            <a:r>
+              <a:rPr lang="en-US" sz="2000" dirty="0">
+                <a:latin typeface="Corbel" panose="020B0503020204020204" pitchFamily="34" charset="0"/>
+              </a:rPr>
+              <a:t>MPI + </a:t>
+            </a:r>
+            <a:r>
+              <a:rPr lang="en-US" sz="2000" dirty="0" smtClean="0">
+                <a:latin typeface="Corbel" panose="020B0503020204020204" pitchFamily="34" charset="0"/>
+              </a:rPr>
+              <a:t>OpenMP</a:t>
+            </a:r>
+            <a:endParaRPr lang="en-US" sz="2000" dirty="0">
+              <a:latin typeface="Corbel" panose="020B0503020204020204" pitchFamily="34" charset="0"/>
+            </a:endParaRPr>
+          </a:p>
+          <a:p>
+            <a:pPr lvl="1"/>
+            <a:r>
+              <a:rPr lang="en-US" sz="2400" dirty="0">
+                <a:latin typeface="Corbel" panose="020B0503020204020204" pitchFamily="34" charset="0"/>
+              </a:rPr>
+              <a:t>More sources of non-determinism: </a:t>
+            </a:r>
+            <a:r>
+              <a:rPr lang="en-US" sz="2400" dirty="0" smtClean="0">
+                <a:latin typeface="Corbel" panose="020B0503020204020204" pitchFamily="34" charset="0"/>
+              </a:rPr>
+              <a:t>OpenMP </a:t>
+            </a:r>
+            <a:r>
+              <a:rPr lang="en-US" sz="2400" dirty="0">
+                <a:latin typeface="Corbel" panose="020B0503020204020204" pitchFamily="34" charset="0"/>
+              </a:rPr>
+              <a:t>data races</a:t>
+            </a:r>
+          </a:p>
+          <a:p>
+            <a:r>
+              <a:rPr lang="en-US" sz="2800" dirty="0">
+                <a:latin typeface="Corbel"/>
+                <a:cs typeface="Corbel"/>
+              </a:rPr>
+              <a:t>Need more capable and scalable tools</a:t>
+            </a:r>
+          </a:p>
+          <a:p>
+            <a:pPr lvl="1"/>
+            <a:r>
+              <a:rPr lang="en-US" sz="2400" dirty="0">
+                <a:latin typeface="Corbel"/>
+                <a:cs typeface="Corbel"/>
+              </a:rPr>
+              <a:t>General </a:t>
+            </a:r>
+            <a:r>
+              <a:rPr lang="en-US" sz="2400" dirty="0" smtClean="0">
+                <a:latin typeface="Corbel"/>
+                <a:cs typeface="Corbel"/>
+              </a:rPr>
+              <a:t>strategy – bring </a:t>
+            </a:r>
+            <a:r>
+              <a:rPr lang="en-US" sz="2400" dirty="0">
+                <a:latin typeface="Corbel"/>
+                <a:cs typeface="Corbel"/>
+              </a:rPr>
+              <a:t>best capabilities and compose them </a:t>
+            </a:r>
+          </a:p>
+        </p:txBody>
+      </p:sp>
+    </p:spTree>
+    <p:extLst>
+      <p:ext uri="{BB962C8B-B14F-4D97-AF65-F5344CB8AC3E}">
+        <p14:creationId xmlns:p14="http://schemas.microsoft.com/office/powerpoint/2010/main" val="672089550"/>
+      </p:ext>
+    </p:extLst>
+  </p:cSld>
+  <p:clrMapOvr>
+    <a:masterClrMapping/>
+  </p:clrMapOvr>
+</p:sld>
+</file>
+
+<file path=ppt/slides/slide4.xml><?xml version="1.0" encoding="utf-8"?>
+<p:sld xmlns:a="http://schemas.openxmlformats.org/drawingml/2006/main" xmlns:r="http://schemas.openxmlformats.org/officeDocument/2006/relationships" xmlns:p="http://schemas.openxmlformats.org/presentationml/2006/main">
+  <p:cSld>
+    <p:spTree>
+      <p:nvGrpSpPr>
+        <p:cNvPr id="1" name=""/>
+        <p:cNvGrpSpPr/>
+        <p:nvPr/>
+      </p:nvGrpSpPr>
+      <p:grpSpPr>
+        <a:xfrm>
+          <a:off x="0" y="0"/>
+          <a:ext cx="0" cy="0"/>
+          <a:chOff x="0" y="0"/>
+          <a:chExt cx="0" cy="0"/>
+        </a:xfrm>
+      </p:grpSpPr>
+      <p:sp>
+        <p:nvSpPr>
+          <p:cNvPr id="2" name="Title 1"/>
+          <p:cNvSpPr>
+            <a:spLocks noGrp="1"/>
+          </p:cNvSpPr>
+          <p:nvPr>
+            <p:ph type="title"/>
+          </p:nvPr>
+        </p:nvSpPr>
+        <p:spPr/>
+        <p:txBody>
+          <a:bodyPr>
             <a:normAutofit fontScale="90000"/>
           </a:bodyPr>
           <a:lstStyle/>
@@ -4553,10 +6599,6 @@
               </a:rPr>
               <a:t>Suspected data race</a:t>
             </a:r>
-            <a:endParaRPr lang="en-US" sz="2200" dirty="0" smtClean="0">
-              <a:latin typeface="Corbel"/>
-              <a:cs typeface="Corbel"/>
-            </a:endParaRPr>
           </a:p>
           <a:p>
             <a:r>
@@ -4623,7 +6665,7 @@
 </p:sld>
 </file>
 
-<file path=ppt/slides/slide4.xml><?xml version="1.0" encoding="utf-8"?>
+<file path=ppt/slides/slide5.xml><?xml version="1.0" encoding="utf-8"?>
 <p:sld xmlns:a="http://schemas.openxmlformats.org/drawingml/2006/main" xmlns:r="http://schemas.openxmlformats.org/officeDocument/2006/relationships" xmlns:p="http://schemas.openxmlformats.org/presentationml/2006/main">
   <p:cSld>
     <p:spTree>
@@ -4789,184 +6831,6 @@
 </p:sld>
 </file>
 
-<file path=ppt/slides/slide5.xml><?xml version="1.0" encoding="utf-8"?>
-<p:sld xmlns:a="http://schemas.openxmlformats.org/drawingml/2006/main" xmlns:r="http://schemas.openxmlformats.org/officeDocument/2006/relationships" xmlns:p="http://schemas.openxmlformats.org/presentationml/2006/main">
-  <p:cSld>
-    <p:spTree>
-      <p:nvGrpSpPr>
-        <p:cNvPr id="1" name=""/>
-        <p:cNvGrpSpPr/>
-        <p:nvPr/>
-      </p:nvGrpSpPr>
-      <p:grpSpPr>
-        <a:xfrm>
-          <a:off x="0" y="0"/>
-          <a:ext cx="0" cy="0"/>
-          <a:chOff x="0" y="0"/>
-          <a:chExt cx="0" cy="0"/>
-        </a:xfrm>
-      </p:grpSpPr>
-      <p:pic>
-        <p:nvPicPr>
-          <p:cNvPr id="5" name="Picture 4"/>
-          <p:cNvPicPr>
-            <a:picLocks noChangeAspect="1"/>
-          </p:cNvPicPr>
-          <p:nvPr/>
-        </p:nvPicPr>
-        <p:blipFill>
-          <a:blip r:embed="rId2">
-            <a:extLst>
-              <a:ext uri="{28A0092B-C50C-407E-A947-70E740481C1C}">
-                <a14:useLocalDpi xmlns:a14="http://schemas.microsoft.com/office/drawing/2010/main" val="0"/>
-              </a:ext>
-            </a:extLst>
-          </a:blip>
-          <a:stretch>
-            <a:fillRect/>
-          </a:stretch>
-        </p:blipFill>
-        <p:spPr>
-          <a:xfrm>
-            <a:off x="1735134" y="3931402"/>
-            <a:ext cx="5666554" cy="2645905"/>
-          </a:xfrm>
-          <a:prstGeom prst="rect">
-            <a:avLst/>
-          </a:prstGeom>
-        </p:spPr>
-      </p:pic>
-      <p:sp>
-        <p:nvSpPr>
-          <p:cNvPr id="2" name="Title 1"/>
-          <p:cNvSpPr>
-            <a:spLocks noGrp="1"/>
-          </p:cNvSpPr>
-          <p:nvPr>
-            <p:ph type="title"/>
-          </p:nvPr>
-        </p:nvSpPr>
-        <p:spPr/>
-        <p:txBody>
-          <a:bodyPr>
-            <a:normAutofit fontScale="90000"/>
-          </a:bodyPr>
-          <a:lstStyle/>
-          <a:p>
-            <a:pPr algn="l"/>
-            <a:r>
-              <a:rPr lang="en-US" dirty="0" smtClean="0"/>
-              <a:t>Static Analysis</a:t>
-            </a:r>
-            <a:br>
-              <a:rPr lang="en-US" dirty="0" smtClean="0"/>
-            </a:br>
-            <a:r>
-              <a:rPr lang="en-US" sz="2700" dirty="0" smtClean="0"/>
-              <a:t>Blacklisting Sequential Code</a:t>
-            </a:r>
-            <a:endParaRPr lang="en-US" sz="2700" dirty="0"/>
-          </a:p>
-        </p:txBody>
-      </p:sp>
-      <p:sp>
-        <p:nvSpPr>
-          <p:cNvPr id="11" name="Content Placeholder 15"/>
-          <p:cNvSpPr>
-            <a:spLocks noGrp="1"/>
-          </p:cNvSpPr>
-          <p:nvPr>
-            <p:ph idx="1"/>
-          </p:nvPr>
-        </p:nvSpPr>
-        <p:spPr>
-          <a:xfrm>
-            <a:off x="457200" y="1608151"/>
-            <a:ext cx="8229600" cy="2552921"/>
-          </a:xfrm>
-        </p:spPr>
-        <p:txBody>
-          <a:bodyPr>
-            <a:noAutofit/>
-          </a:bodyPr>
-          <a:lstStyle/>
-          <a:p>
-            <a:r>
-              <a:rPr lang="en-US" sz="2800" dirty="0" err="1" smtClean="0"/>
-              <a:t>Pthreads</a:t>
-            </a:r>
-            <a:r>
-              <a:rPr lang="en-US" sz="2800" dirty="0" smtClean="0"/>
-              <a:t> fork-join parallelism</a:t>
-            </a:r>
-          </a:p>
-          <a:p>
-            <a:pPr lvl="1"/>
-            <a:r>
-              <a:rPr lang="en-US" sz="2400" dirty="0" smtClean="0"/>
-              <a:t>Master thread keeps doing its own work while it spawns new threads</a:t>
-            </a:r>
-          </a:p>
-          <a:p>
-            <a:pPr lvl="1"/>
-            <a:r>
-              <a:rPr lang="en-US" sz="2400" dirty="0" smtClean="0"/>
-              <a:t>Hard </a:t>
-            </a:r>
-            <a:r>
-              <a:rPr lang="en-US" sz="2400" dirty="0"/>
-              <a:t>to distinguish sequential from parallel </a:t>
-            </a:r>
-            <a:r>
-              <a:rPr lang="en-US" sz="2400" dirty="0" smtClean="0"/>
-              <a:t>instructions</a:t>
-            </a:r>
-          </a:p>
-          <a:p>
-            <a:pPr lvl="2"/>
-            <a:r>
-              <a:rPr lang="en-US" sz="2000" dirty="0" smtClean="0"/>
-              <a:t>Master thread may </a:t>
-            </a:r>
-            <a:r>
-              <a:rPr lang="en-US" sz="2000" dirty="0"/>
-              <a:t>access shared </a:t>
-            </a:r>
-            <a:r>
-              <a:rPr lang="en-US" sz="2000" dirty="0" smtClean="0"/>
-              <a:t>variables between other threads</a:t>
-            </a:r>
-          </a:p>
-          <a:p>
-            <a:pPr lvl="2"/>
-            <a:r>
-              <a:rPr lang="en-US" sz="2000" dirty="0" smtClean="0"/>
-              <a:t>Some threads may join later</a:t>
-            </a:r>
-            <a:endParaRPr lang="en-US" dirty="0"/>
-          </a:p>
-        </p:txBody>
-      </p:sp>
-    </p:spTree>
-    <p:extLst>
-      <p:ext uri="{BB962C8B-B14F-4D97-AF65-F5344CB8AC3E}">
-        <p14:creationId xmlns:p14="http://schemas.microsoft.com/office/powerpoint/2010/main" val="3259647918"/>
-      </p:ext>
-    </p:extLst>
-  </p:cSld>
-  <p:clrMapOvr>
-    <a:masterClrMapping/>
-  </p:clrMapOvr>
-  <p:timing>
-    <p:tnLst>
-      <p:par>
-        <p:cTn xmlns:p14="http://schemas.microsoft.com/office/powerpoint/2010/main" id="1" dur="indefinite" restart="never" nodeType="tmRoot"/>
-      </p:par>
-    </p:tnLst>
-  </p:timing>
-</p:sld>
-</file>
-
 <file path=ppt/slides/slide6.xml><?xml version="1.0" encoding="utf-8"?>
 <p:sld xmlns:a="http://schemas.openxmlformats.org/drawingml/2006/main" xmlns:r="http://schemas.openxmlformats.org/officeDocument/2006/relationships" xmlns:p="http://schemas.openxmlformats.org/presentationml/2006/main">
   <p:cSld>
@@ -5003,15 +6867,19 @@
           <a:p>
             <a:pPr algn="l"/>
             <a:r>
+              <a:rPr lang="en-US" sz="4900" dirty="0" smtClean="0"/>
+              <a:t>State of the art</a:t>
+            </a:r>
+            <a:r>
               <a:rPr lang="en-US" dirty="0" smtClean="0"/>
-              <a:t>Static Analysis</a:t>
+              <a:t/>
             </a:r>
             <a:br>
               <a:rPr lang="en-US" dirty="0" smtClean="0"/>
             </a:br>
             <a:r>
               <a:rPr lang="en-US" sz="2700" dirty="0" smtClean="0"/>
-              <a:t>Blacklisting Sequential Code</a:t>
+              <a:t>Overview of Data Race Detection Techniques</a:t>
             </a:r>
             <a:endParaRPr lang="en-US" sz="2700" dirty="0"/>
           </a:p>
@@ -5019,7 +6887,7 @@
       </p:sp>
       <p:sp>
         <p:nvSpPr>
-          <p:cNvPr id="11" name="Content Placeholder 15"/>
+          <p:cNvPr id="4" name="Content Placeholder 3"/>
           <p:cNvSpPr>
             <a:spLocks noGrp="1"/>
           </p:cNvSpPr>
@@ -5027,91 +6895,32 @@
             <p:ph idx="1"/>
           </p:nvPr>
         </p:nvSpPr>
-        <p:spPr>
-          <a:xfrm>
-            <a:off x="457200" y="1608151"/>
-            <a:ext cx="8229600" cy="2579941"/>
-          </a:xfrm>
-        </p:spPr>
-        <p:txBody>
-          <a:bodyPr>
-            <a:noAutofit/>
-          </a:bodyPr>
-          <a:lstStyle/>
-          <a:p>
-            <a:r>
-              <a:rPr lang="en-US" sz="2800" dirty="0" err="1" smtClean="0"/>
-              <a:t>OpenMP’s</a:t>
-            </a:r>
-            <a:r>
-              <a:rPr lang="en-US" sz="2800" dirty="0" smtClean="0"/>
-              <a:t> structured fork-join parallelism</a:t>
-            </a:r>
-          </a:p>
-          <a:p>
-            <a:pPr lvl="1"/>
-            <a:r>
-              <a:rPr lang="en-US" sz="2400" dirty="0" smtClean="0">
-                <a:effectLst/>
-              </a:rPr>
-              <a:t>Guarantee finding sequential instructions</a:t>
-            </a:r>
-          </a:p>
-          <a:p>
-            <a:pPr lvl="1"/>
-            <a:r>
-              <a:rPr lang="en-US" sz="2400" dirty="0" smtClean="0">
-                <a:effectLst/>
-              </a:rPr>
-              <a:t>Every instruction outside a OpenMP construct is executed by the master thread</a:t>
-            </a:r>
-          </a:p>
-          <a:p>
-            <a:pPr lvl="1"/>
-            <a:r>
-              <a:rPr lang="en-US" sz="2400" dirty="0" smtClean="0"/>
-              <a:t>Master thread take part of the parallel team</a:t>
-            </a:r>
-            <a:endParaRPr lang="en-US" sz="2400" dirty="0">
-              <a:effectLst/>
-            </a:endParaRPr>
-          </a:p>
-        </p:txBody>
-      </p:sp>
-      <p:pic>
-        <p:nvPicPr>
-          <p:cNvPr id="5" name="Picture 4" descr="nested_parallelism.pdf"/>
-          <p:cNvPicPr>
-            <a:picLocks noChangeAspect="1"/>
-          </p:cNvPicPr>
-          <p:nvPr/>
-        </p:nvPicPr>
-        <p:blipFill>
-          <a:blip r:embed="rId2">
-            <a:extLst>
-              <a:ext uri="{28A0092B-C50C-407E-A947-70E740481C1C}">
-                <a14:useLocalDpi xmlns:a14="http://schemas.microsoft.com/office/drawing/2010/main" val="0"/>
-              </a:ext>
-            </a:extLst>
-          </a:blip>
-          <a:stretch>
-            <a:fillRect/>
-          </a:stretch>
-        </p:blipFill>
-        <p:spPr>
-          <a:xfrm>
-            <a:off x="457200" y="4145431"/>
-            <a:ext cx="8229600" cy="2233225"/>
-          </a:xfrm>
-          <a:prstGeom prst="rect">
-            <a:avLst/>
-          </a:prstGeom>
-        </p:spPr>
-      </p:pic>
+        <p:spPr/>
+        <p:txBody>
+          <a:bodyPr/>
+          <a:lstStyle/>
+          <a:p>
+            <a:endParaRPr lang="en-US" dirty="0" smtClean="0"/>
+          </a:p>
+          <a:p>
+            <a:r>
+              <a:rPr lang="en-US" dirty="0" smtClean="0"/>
+              <a:t>Static analyses</a:t>
+            </a:r>
+          </a:p>
+          <a:p>
+            <a:r>
+              <a:rPr lang="en-US" dirty="0" smtClean="0"/>
+              <a:t>Dynamic analyses</a:t>
+            </a:r>
+            <a:endParaRPr lang="en-US" dirty="0"/>
+          </a:p>
+        </p:txBody>
+      </p:sp>
     </p:spTree>
     <p:extLst>
       <p:ext uri="{BB962C8B-B14F-4D97-AF65-F5344CB8AC3E}">
-        <p14:creationId xmlns:p14="http://schemas.microsoft.com/office/powerpoint/2010/main" val="3550153920"/>
+        <p14:creationId xmlns:p14="http://schemas.microsoft.com/office/powerpoint/2010/main" val="2543987610"/>
       </p:ext>
     </p:extLst>
   </p:cSld>
@@ -5147,449 +6956,6 @@
       </p:grpSpPr>
       <p:sp>
         <p:nvSpPr>
-          <p:cNvPr id="10" name="Rectangle 9"/>
-          <p:cNvSpPr/>
-          <p:nvPr/>
-        </p:nvSpPr>
-        <p:spPr>
-          <a:xfrm>
-            <a:off x="457200" y="3419669"/>
-            <a:ext cx="4022467" cy="1200329"/>
-          </a:xfrm>
-          <a:prstGeom prst="rect">
-            <a:avLst/>
-          </a:prstGeom>
-          <a:solidFill>
-            <a:srgbClr val="00FF00">
-              <a:alpha val="40000"/>
-            </a:srgbClr>
-          </a:solidFill>
-          <a:ln>
-            <a:noFill/>
-          </a:ln>
-          <a:effectLst/>
-        </p:spPr>
-        <p:style>
-          <a:lnRef idx="1">
-            <a:schemeClr val="accent1"/>
-          </a:lnRef>
-          <a:fillRef idx="3">
-            <a:schemeClr val="accent1"/>
-          </a:fillRef>
-          <a:effectRef idx="2">
-            <a:schemeClr val="accent1"/>
-          </a:effectRef>
-          <a:fontRef idx="minor">
-            <a:schemeClr val="lt1"/>
-          </a:fontRef>
-        </p:style>
-        <p:txBody>
-          <a:bodyPr rtlCol="0" anchor="ctr"/>
-          <a:lstStyle/>
-          <a:p>
-            <a:pPr algn="ctr"/>
-            <a:endParaRPr lang="en-US"/>
-          </a:p>
-        </p:txBody>
-      </p:sp>
-      <p:sp>
-        <p:nvSpPr>
-          <p:cNvPr id="4" name="TextBox 3"/>
-          <p:cNvSpPr txBox="1"/>
-          <p:nvPr/>
-        </p:nvSpPr>
-        <p:spPr>
-          <a:xfrm>
-            <a:off x="457200" y="3419669"/>
-            <a:ext cx="4063282" cy="1200329"/>
-          </a:xfrm>
-          <a:prstGeom prst="rect">
-            <a:avLst/>
-          </a:prstGeom>
-          <a:noFill/>
-          <a:ln>
-            <a:noFill/>
-          </a:ln>
-        </p:spPr>
-        <p:txBody>
-          <a:bodyPr wrap="none" rtlCol="0">
-            <a:spAutoFit/>
-          </a:bodyPr>
-          <a:lstStyle/>
-          <a:p>
-            <a:r>
-              <a:rPr lang="en-US" b="1" dirty="0" smtClean="0">
-                <a:solidFill>
-                  <a:srgbClr val="0000FF"/>
-                </a:solidFill>
-                <a:latin typeface="Andale Mono"/>
-                <a:cs typeface="Andale Mono"/>
-              </a:rPr>
-              <a:t>#pragma </a:t>
-            </a:r>
-            <a:r>
-              <a:rPr lang="en-US" b="1" dirty="0" err="1" smtClean="0">
-                <a:solidFill>
-                  <a:srgbClr val="0000FF"/>
-                </a:solidFill>
-                <a:latin typeface="Andale Mono"/>
-                <a:cs typeface="Andale Mono"/>
-              </a:rPr>
-              <a:t>omp</a:t>
-            </a:r>
-            <a:r>
-              <a:rPr lang="en-US" b="1" dirty="0" smtClean="0">
-                <a:solidFill>
-                  <a:srgbClr val="0000FF"/>
-                </a:solidFill>
-                <a:latin typeface="Andale Mono"/>
-                <a:cs typeface="Andale Mono"/>
-              </a:rPr>
-              <a:t> parallel for</a:t>
-            </a:r>
-          </a:p>
-          <a:p>
-            <a:r>
-              <a:rPr lang="en-US" dirty="0" smtClean="0">
-                <a:latin typeface="Andale Mono"/>
-                <a:cs typeface="Andale Mono"/>
-              </a:rPr>
-              <a:t>for(</a:t>
-            </a:r>
-            <a:r>
-              <a:rPr lang="en-US" dirty="0" err="1" smtClean="0">
-                <a:latin typeface="Andale Mono"/>
-                <a:cs typeface="Andale Mono"/>
-              </a:rPr>
-              <a:t>int</a:t>
-            </a:r>
-            <a:r>
-              <a:rPr lang="en-US" dirty="0" smtClean="0">
-                <a:latin typeface="Andale Mono"/>
-                <a:cs typeface="Andale Mono"/>
-              </a:rPr>
-              <a:t> </a:t>
-            </a:r>
-            <a:r>
-              <a:rPr lang="en-US" dirty="0" err="1" smtClean="0">
-                <a:latin typeface="Andale Mono"/>
-                <a:cs typeface="Andale Mono"/>
-              </a:rPr>
-              <a:t>i</a:t>
-            </a:r>
-            <a:r>
-              <a:rPr lang="en-US" dirty="0" smtClean="0">
-                <a:latin typeface="Andale Mono"/>
-                <a:cs typeface="Andale Mono"/>
-              </a:rPr>
-              <a:t> = 0; </a:t>
-            </a:r>
-            <a:r>
-              <a:rPr lang="en-US" dirty="0" err="1" smtClean="0">
-                <a:latin typeface="Andale Mono"/>
-                <a:cs typeface="Andale Mono"/>
-              </a:rPr>
-              <a:t>i</a:t>
-            </a:r>
-            <a:r>
-              <a:rPr lang="en-US" dirty="0" smtClean="0">
-                <a:latin typeface="Andale Mono"/>
-                <a:cs typeface="Andale Mono"/>
-              </a:rPr>
-              <a:t> &lt; N; </a:t>
-            </a:r>
-            <a:r>
-              <a:rPr lang="en-US" dirty="0" err="1" smtClean="0">
-                <a:latin typeface="Andale Mono"/>
-                <a:cs typeface="Andale Mono"/>
-              </a:rPr>
-              <a:t>i</a:t>
-            </a:r>
-            <a:r>
-              <a:rPr lang="en-US" dirty="0" smtClean="0">
-                <a:latin typeface="Andale Mono"/>
-                <a:cs typeface="Andale Mono"/>
-              </a:rPr>
-              <a:t>++) {</a:t>
-            </a:r>
-          </a:p>
-          <a:p>
-            <a:r>
-              <a:rPr lang="en-US" dirty="0">
-                <a:latin typeface="Andale Mono"/>
-                <a:cs typeface="Andale Mono"/>
-              </a:rPr>
-              <a:t> </a:t>
-            </a:r>
-            <a:r>
-              <a:rPr lang="en-US" dirty="0" smtClean="0">
-                <a:latin typeface="Andale Mono"/>
-                <a:cs typeface="Andale Mono"/>
-              </a:rPr>
-              <a:t>  a[</a:t>
-            </a:r>
-            <a:r>
-              <a:rPr lang="en-US" dirty="0" err="1" smtClean="0">
-                <a:latin typeface="Andale Mono"/>
-                <a:cs typeface="Andale Mono"/>
-              </a:rPr>
-              <a:t>i</a:t>
-            </a:r>
-            <a:r>
-              <a:rPr lang="en-US" dirty="0" smtClean="0">
-                <a:latin typeface="Andale Mono"/>
-                <a:cs typeface="Andale Mono"/>
-              </a:rPr>
-              <a:t>] = a[</a:t>
-            </a:r>
-            <a:r>
-              <a:rPr lang="en-US" dirty="0" err="1" smtClean="0">
-                <a:latin typeface="Andale Mono"/>
-                <a:cs typeface="Andale Mono"/>
-              </a:rPr>
-              <a:t>i</a:t>
-            </a:r>
-            <a:r>
-              <a:rPr lang="en-US" dirty="0" smtClean="0">
-                <a:latin typeface="Andale Mono"/>
-                <a:cs typeface="Andale Mono"/>
-              </a:rPr>
-              <a:t>] + 1;</a:t>
-            </a:r>
-          </a:p>
-          <a:p>
-            <a:r>
-              <a:rPr lang="en-US" dirty="0">
-                <a:latin typeface="Andale Mono"/>
-                <a:cs typeface="Andale Mono"/>
-              </a:rPr>
-              <a:t>}</a:t>
-            </a:r>
-          </a:p>
-        </p:txBody>
-      </p:sp>
-      <p:sp>
-        <p:nvSpPr>
-          <p:cNvPr id="13" name="Rectangle 12"/>
-          <p:cNvSpPr/>
-          <p:nvPr/>
-        </p:nvSpPr>
-        <p:spPr>
-          <a:xfrm>
-            <a:off x="457200" y="4936660"/>
-            <a:ext cx="4022467" cy="1200329"/>
-          </a:xfrm>
-          <a:prstGeom prst="rect">
-            <a:avLst/>
-          </a:prstGeom>
-          <a:solidFill>
-            <a:srgbClr val="FF0000">
-              <a:alpha val="40000"/>
-            </a:srgbClr>
-          </a:solidFill>
-          <a:ln>
-            <a:noFill/>
-          </a:ln>
-          <a:effectLst/>
-        </p:spPr>
-        <p:style>
-          <a:lnRef idx="1">
-            <a:schemeClr val="accent1"/>
-          </a:lnRef>
-          <a:fillRef idx="3">
-            <a:schemeClr val="accent1"/>
-          </a:fillRef>
-          <a:effectRef idx="2">
-            <a:schemeClr val="accent1"/>
-          </a:effectRef>
-          <a:fontRef idx="minor">
-            <a:schemeClr val="lt1"/>
-          </a:fontRef>
-        </p:style>
-        <p:txBody>
-          <a:bodyPr rtlCol="0" anchor="ctr"/>
-          <a:lstStyle/>
-          <a:p>
-            <a:pPr algn="ctr"/>
-            <a:endParaRPr lang="en-US"/>
-          </a:p>
-        </p:txBody>
-      </p:sp>
-      <p:sp>
-        <p:nvSpPr>
-          <p:cNvPr id="7" name="TextBox 6"/>
-          <p:cNvSpPr txBox="1"/>
-          <p:nvPr/>
-        </p:nvSpPr>
-        <p:spPr>
-          <a:xfrm>
-            <a:off x="457200" y="4936660"/>
-            <a:ext cx="4022467" cy="1200329"/>
-          </a:xfrm>
-          <a:prstGeom prst="rect">
-            <a:avLst/>
-          </a:prstGeom>
-          <a:noFill/>
-        </p:spPr>
-        <p:txBody>
-          <a:bodyPr wrap="square" rtlCol="0">
-            <a:spAutoFit/>
-          </a:bodyPr>
-          <a:lstStyle/>
-          <a:p>
-            <a:r>
-              <a:rPr lang="en-US" b="1" dirty="0" smtClean="0">
-                <a:solidFill>
-                  <a:srgbClr val="0000FF"/>
-                </a:solidFill>
-                <a:latin typeface="Andale Mono"/>
-                <a:cs typeface="Andale Mono"/>
-              </a:rPr>
-              <a:t>#pragma </a:t>
-            </a:r>
-            <a:r>
-              <a:rPr lang="en-US" b="1" dirty="0" err="1" smtClean="0">
-                <a:solidFill>
-                  <a:srgbClr val="0000FF"/>
-                </a:solidFill>
-                <a:latin typeface="Andale Mono"/>
-                <a:cs typeface="Andale Mono"/>
-              </a:rPr>
-              <a:t>omp</a:t>
-            </a:r>
-            <a:r>
-              <a:rPr lang="en-US" b="1" dirty="0" smtClean="0">
-                <a:solidFill>
-                  <a:srgbClr val="0000FF"/>
-                </a:solidFill>
-                <a:latin typeface="Andale Mono"/>
-                <a:cs typeface="Andale Mono"/>
-              </a:rPr>
-              <a:t> parallel for</a:t>
-            </a:r>
-          </a:p>
-          <a:p>
-            <a:r>
-              <a:rPr lang="en-US" dirty="0" smtClean="0">
-                <a:latin typeface="Andale Mono"/>
-                <a:cs typeface="Andale Mono"/>
-              </a:rPr>
-              <a:t>for(</a:t>
-            </a:r>
-            <a:r>
-              <a:rPr lang="en-US" dirty="0" err="1" smtClean="0">
-                <a:latin typeface="Andale Mono"/>
-                <a:cs typeface="Andale Mono"/>
-              </a:rPr>
-              <a:t>int</a:t>
-            </a:r>
-            <a:r>
-              <a:rPr lang="en-US" dirty="0" smtClean="0">
-                <a:latin typeface="Andale Mono"/>
-                <a:cs typeface="Andale Mono"/>
-              </a:rPr>
-              <a:t> </a:t>
-            </a:r>
-            <a:r>
-              <a:rPr lang="en-US" dirty="0" err="1" smtClean="0">
-                <a:latin typeface="Andale Mono"/>
-                <a:cs typeface="Andale Mono"/>
-              </a:rPr>
-              <a:t>i</a:t>
-            </a:r>
-            <a:r>
-              <a:rPr lang="en-US" dirty="0" smtClean="0">
-                <a:latin typeface="Andale Mono"/>
-                <a:cs typeface="Andale Mono"/>
-              </a:rPr>
-              <a:t> = 1; </a:t>
-            </a:r>
-            <a:r>
-              <a:rPr lang="en-US" dirty="0" err="1" smtClean="0">
-                <a:latin typeface="Andale Mono"/>
-                <a:cs typeface="Andale Mono"/>
-              </a:rPr>
-              <a:t>i</a:t>
-            </a:r>
-            <a:r>
-              <a:rPr lang="en-US" dirty="0" smtClean="0">
-                <a:latin typeface="Andale Mono"/>
-                <a:cs typeface="Andale Mono"/>
-              </a:rPr>
-              <a:t> &lt; N; </a:t>
-            </a:r>
-            <a:r>
-              <a:rPr lang="en-US" dirty="0" err="1" smtClean="0">
-                <a:latin typeface="Andale Mono"/>
-                <a:cs typeface="Andale Mono"/>
-              </a:rPr>
-              <a:t>i</a:t>
-            </a:r>
-            <a:r>
-              <a:rPr lang="en-US" dirty="0" smtClean="0">
-                <a:latin typeface="Andale Mono"/>
-                <a:cs typeface="Andale Mono"/>
-              </a:rPr>
-              <a:t>++) {</a:t>
-            </a:r>
-          </a:p>
-          <a:p>
-            <a:r>
-              <a:rPr lang="en-US" dirty="0">
-                <a:latin typeface="Andale Mono"/>
-                <a:cs typeface="Andale Mono"/>
-              </a:rPr>
-              <a:t> </a:t>
-            </a:r>
-            <a:r>
-              <a:rPr lang="en-US" dirty="0" smtClean="0">
-                <a:latin typeface="Andale Mono"/>
-                <a:cs typeface="Andale Mono"/>
-              </a:rPr>
-              <a:t>  a[</a:t>
-            </a:r>
-            <a:r>
-              <a:rPr lang="en-US" dirty="0" err="1" smtClean="0">
-                <a:latin typeface="Andale Mono"/>
-                <a:cs typeface="Andale Mono"/>
-              </a:rPr>
-              <a:t>i</a:t>
-            </a:r>
-            <a:r>
-              <a:rPr lang="en-US" dirty="0" smtClean="0">
-                <a:latin typeface="Andale Mono"/>
-                <a:cs typeface="Andale Mono"/>
-              </a:rPr>
-              <a:t>] = a[</a:t>
-            </a:r>
-            <a:r>
-              <a:rPr lang="en-US" dirty="0" err="1" smtClean="0">
-                <a:latin typeface="Andale Mono"/>
-                <a:cs typeface="Andale Mono"/>
-              </a:rPr>
-              <a:t>i</a:t>
-            </a:r>
-            <a:r>
-              <a:rPr lang="en-US" dirty="0" smtClean="0">
-                <a:latin typeface="Andale Mono"/>
-                <a:cs typeface="Andale Mono"/>
-              </a:rPr>
-              <a:t> - 1];</a:t>
-            </a:r>
-          </a:p>
-          <a:p>
-            <a:r>
-              <a:rPr lang="en-US" dirty="0">
-                <a:latin typeface="Andale Mono"/>
-                <a:cs typeface="Andale Mono"/>
-              </a:rPr>
-              <a:t>}</a:t>
-            </a:r>
-          </a:p>
-        </p:txBody>
-      </p:sp>
-      <p:sp>
-        <p:nvSpPr>
           <p:cNvPr id="2" name="Title 1"/>
           <p:cNvSpPr>
             <a:spLocks noGrp="1"/>
@@ -5607,15 +6973,23 @@
           <a:p>
             <a:pPr algn="l"/>
             <a:r>
+              <a:rPr lang="en-US" sz="4900" dirty="0" smtClean="0"/>
+              <a:t>State of the art</a:t>
+            </a:r>
+            <a:r>
               <a:rPr lang="en-US" dirty="0" smtClean="0"/>
-              <a:t>Static Analysis</a:t>
+              <a:t/>
             </a:r>
             <a:br>
               <a:rPr lang="en-US" dirty="0" smtClean="0"/>
             </a:br>
             <a:r>
-              <a:rPr lang="en-US" sz="2700" dirty="0" smtClean="0"/>
-              <a:t>Data Dependency Analysis</a:t>
+              <a:rPr lang="en-US" sz="2800" dirty="0"/>
+              <a:t>Static Data Race </a:t>
+            </a:r>
+            <a:r>
+              <a:rPr lang="en-US" sz="2800" dirty="0" smtClean="0"/>
+              <a:t>Detection Techniques</a:t>
             </a:r>
             <a:endParaRPr lang="en-US" sz="2700" dirty="0"/>
           </a:p>
@@ -5623,7 +6997,7 @@
       </p:sp>
       <p:sp>
         <p:nvSpPr>
-          <p:cNvPr id="11" name="Content Placeholder 15"/>
+          <p:cNvPr id="4" name="Content Placeholder 3"/>
           <p:cNvSpPr>
             <a:spLocks noGrp="1"/>
           </p:cNvSpPr>
@@ -5631,226 +7005,92 @@
             <p:ph idx="1"/>
           </p:nvPr>
         </p:nvSpPr>
-        <p:spPr>
-          <a:xfrm>
-            <a:off x="457200" y="1608151"/>
-            <a:ext cx="8229600" cy="1539673"/>
-          </a:xfrm>
-        </p:spPr>
+        <p:spPr/>
         <p:txBody>
           <a:bodyPr>
-            <a:noAutofit/>
+            <a:normAutofit fontScale="92500" lnSpcReduction="20000"/>
           </a:bodyPr>
           <a:lstStyle/>
           <a:p>
-            <a:r>
-              <a:rPr lang="en-US" sz="2800" dirty="0"/>
-              <a:t>Loop-carried data dependency </a:t>
-            </a:r>
-            <a:r>
-              <a:rPr lang="en-US" sz="2800" dirty="0" smtClean="0"/>
-              <a:t>analysis:</a:t>
-            </a:r>
+            <a:pPr>
+              <a:lnSpc>
+                <a:spcPct val="150000"/>
+              </a:lnSpc>
+            </a:pPr>
+            <a:r>
+              <a:rPr lang="en-US" dirty="0"/>
+              <a:t>Static Analysis</a:t>
+            </a:r>
+          </a:p>
+          <a:p>
+            <a:pPr lvl="1">
+              <a:lnSpc>
+                <a:spcPct val="150000"/>
+              </a:lnSpc>
+            </a:pPr>
+            <a:r>
+              <a:rPr lang="en-US" dirty="0"/>
+              <a:t>Reason about all inputs/</a:t>
+            </a:r>
+            <a:r>
+              <a:rPr lang="en-US" dirty="0" err="1"/>
+              <a:t>interleavings</a:t>
+            </a:r>
+            <a:endParaRPr lang="en-US" dirty="0"/>
           </a:p>
           <a:p>
             <a:pPr lvl="1"/>
             <a:r>
-              <a:rPr lang="en-US" sz="2400" dirty="0" smtClean="0"/>
-              <a:t>Parallel </a:t>
-            </a:r>
-            <a:r>
-              <a:rPr lang="en-US" sz="2400" dirty="0"/>
-              <a:t>for-loops with no dependencies are race </a:t>
-            </a:r>
-            <a:r>
-              <a:rPr lang="en-US" sz="2400" dirty="0" smtClean="0"/>
-              <a:t>free</a:t>
-            </a:r>
-          </a:p>
-          <a:p>
-            <a:pPr lvl="1"/>
-            <a:r>
-              <a:rPr lang="en-US" sz="2400" dirty="0" smtClean="0"/>
-              <a:t>Blacklisting these regions from runtime analysis</a:t>
-            </a:r>
-            <a:endParaRPr lang="en-US" sz="2400" dirty="0">
-              <a:effectLst/>
-            </a:endParaRPr>
-          </a:p>
-        </p:txBody>
-      </p:sp>
-      <p:sp>
-        <p:nvSpPr>
-          <p:cNvPr id="3" name="Rectangle 2"/>
-          <p:cNvSpPr/>
-          <p:nvPr/>
-        </p:nvSpPr>
-        <p:spPr>
-          <a:xfrm>
-            <a:off x="4479667" y="3290501"/>
-            <a:ext cx="184666" cy="276999"/>
-          </a:xfrm>
-          <a:prstGeom prst="rect">
-            <a:avLst/>
-          </a:prstGeom>
-        </p:spPr>
-        <p:txBody>
-          <a:bodyPr wrap="none">
-            <a:spAutoFit/>
-          </a:bodyPr>
-          <a:lstStyle/>
-          <a:p>
-            <a:r>
-              <a:rPr lang="en-US" baseline="30000" dirty="0"/>
-              <a:t> </a:t>
-            </a:r>
-            <a:endParaRPr lang="en-US" dirty="0"/>
-          </a:p>
-        </p:txBody>
-      </p:sp>
-      <p:sp>
-        <p:nvSpPr>
-          <p:cNvPr id="6" name="Right Brace 5"/>
-          <p:cNvSpPr/>
-          <p:nvPr/>
-        </p:nvSpPr>
-        <p:spPr>
-          <a:xfrm>
-            <a:off x="4563835" y="3419669"/>
-            <a:ext cx="256721" cy="1200329"/>
-          </a:xfrm>
-          <a:prstGeom prst="rightBrace">
-            <a:avLst/>
-          </a:prstGeom>
-          <a:ln>
-            <a:solidFill>
-              <a:schemeClr val="tx1"/>
-            </a:solidFill>
-          </a:ln>
-          <a:effectLst/>
-        </p:spPr>
-        <p:style>
-          <a:lnRef idx="2">
-            <a:schemeClr val="accent1"/>
-          </a:lnRef>
-          <a:fillRef idx="0">
-            <a:schemeClr val="accent1"/>
-          </a:fillRef>
-          <a:effectRef idx="1">
-            <a:schemeClr val="accent1"/>
-          </a:effectRef>
-          <a:fontRef idx="minor">
-            <a:schemeClr val="tx1"/>
-          </a:fontRef>
-        </p:style>
-        <p:txBody>
-          <a:bodyPr rtlCol="0" anchor="ctr"/>
-          <a:lstStyle/>
-          <a:p>
-            <a:pPr algn="ctr"/>
-            <a:endParaRPr lang="en-US"/>
-          </a:p>
-        </p:txBody>
-      </p:sp>
-      <p:sp>
-        <p:nvSpPr>
-          <p:cNvPr id="9" name="Right Brace 8"/>
-          <p:cNvSpPr/>
-          <p:nvPr/>
-        </p:nvSpPr>
-        <p:spPr>
-          <a:xfrm>
-            <a:off x="4563835" y="4936660"/>
-            <a:ext cx="256721" cy="1200329"/>
-          </a:xfrm>
-          <a:prstGeom prst="rightBrace">
-            <a:avLst/>
-          </a:prstGeom>
-          <a:ln>
-            <a:solidFill>
-              <a:schemeClr val="tx1"/>
-            </a:solidFill>
-          </a:ln>
-          <a:effectLst/>
-        </p:spPr>
-        <p:style>
-          <a:lnRef idx="2">
-            <a:schemeClr val="accent1"/>
-          </a:lnRef>
-          <a:fillRef idx="0">
-            <a:schemeClr val="accent1"/>
-          </a:fillRef>
-          <a:effectRef idx="1">
-            <a:schemeClr val="accent1"/>
-          </a:effectRef>
-          <a:fontRef idx="minor">
-            <a:schemeClr val="tx1"/>
-          </a:fontRef>
-        </p:style>
-        <p:txBody>
-          <a:bodyPr rtlCol="0" anchor="ctr"/>
-          <a:lstStyle/>
-          <a:p>
-            <a:pPr algn="ctr"/>
-            <a:endParaRPr lang="en-US"/>
-          </a:p>
-        </p:txBody>
-      </p:sp>
-      <p:sp>
-        <p:nvSpPr>
-          <p:cNvPr id="8" name="TextBox 7"/>
-          <p:cNvSpPr txBox="1"/>
-          <p:nvPr/>
-        </p:nvSpPr>
-        <p:spPr>
-          <a:xfrm>
-            <a:off x="5201980" y="3689089"/>
-            <a:ext cx="3484820" cy="646331"/>
-          </a:xfrm>
-          <a:prstGeom prst="rect">
-            <a:avLst/>
-          </a:prstGeom>
-          <a:noFill/>
-        </p:spPr>
-        <p:txBody>
-          <a:bodyPr wrap="square" rtlCol="0">
-            <a:spAutoFit/>
-          </a:bodyPr>
-          <a:lstStyle/>
-          <a:p>
+              <a:rPr lang="en-US" dirty="0"/>
+              <a:t>Very imprecise, many “false positives” and “false negatives” (miss races)</a:t>
+            </a:r>
+          </a:p>
+          <a:p>
+            <a:pPr lvl="1">
+              <a:lnSpc>
+                <a:spcPct val="150000"/>
+              </a:lnSpc>
+            </a:pPr>
+            <a:r>
+              <a:rPr lang="en-US" dirty="0"/>
+              <a:t>Very scalable and fast (i.e. no runtime overhead)</a:t>
+            </a:r>
+          </a:p>
+          <a:p>
+            <a:pPr>
+              <a:lnSpc>
+                <a:spcPct val="150000"/>
+              </a:lnSpc>
+            </a:pPr>
+            <a:r>
+              <a:rPr lang="en-US" dirty="0"/>
+              <a:t>Example Tools:</a:t>
+            </a:r>
+          </a:p>
+          <a:p>
+            <a:pPr lvl="1">
+              <a:lnSpc>
+                <a:spcPct val="150000"/>
+              </a:lnSpc>
+            </a:pPr>
+            <a:r>
+              <a:rPr lang="en-US" dirty="0"/>
+              <a:t>Intel Static Security Analysis</a:t>
+            </a:r>
+          </a:p>
+          <a:p>
+            <a:pPr lvl="2">
+              <a:lnSpc>
+                <a:spcPct val="150000"/>
+              </a:lnSpc>
+            </a:pPr>
+            <a:r>
+              <a:rPr lang="en-US" dirty="0"/>
+              <a:t>Support C/C++ and </a:t>
+            </a:r>
             <a:r>
               <a:rPr lang="en-US" dirty="0" smtClean="0"/>
-              <a:t>No data dependency, code can be excluded from runtime analysis</a:t>
-            </a:r>
-            <a:endParaRPr lang="en-US" dirty="0"/>
-          </a:p>
-        </p:txBody>
-      </p:sp>
-      <p:sp>
-        <p:nvSpPr>
-          <p:cNvPr id="12" name="TextBox 11"/>
-          <p:cNvSpPr txBox="1"/>
-          <p:nvPr/>
-        </p:nvSpPr>
-        <p:spPr>
-          <a:xfrm>
-            <a:off x="5201980" y="5070897"/>
-            <a:ext cx="3484820" cy="923330"/>
-          </a:xfrm>
-          <a:prstGeom prst="rect">
-            <a:avLst/>
-          </a:prstGeom>
-          <a:noFill/>
-        </p:spPr>
-        <p:txBody>
-          <a:bodyPr wrap="square" rtlCol="0">
-            <a:spAutoFit/>
-          </a:bodyPr>
-          <a:lstStyle/>
-          <a:p>
-            <a:r>
-              <a:rPr lang="en-US" dirty="0" smtClean="0"/>
-              <a:t>Data dependency on array access, potentially race therefore checked at runtime</a:t>
+              <a:t>Fortran</a:t>
             </a:r>
             <a:endParaRPr lang="en-US" dirty="0"/>
           </a:p>
@@ -5859,7 +7099,7 @@
     </p:spTree>
     <p:extLst>
       <p:ext uri="{BB962C8B-B14F-4D97-AF65-F5344CB8AC3E}">
-        <p14:creationId xmlns:p14="http://schemas.microsoft.com/office/powerpoint/2010/main" val="1249774231"/>
+        <p14:creationId xmlns:p14="http://schemas.microsoft.com/office/powerpoint/2010/main" val="1398622825"/>
       </p:ext>
     </p:extLst>
   </p:cSld>
@@ -5912,140 +7152,433 @@
           <a:p>
             <a:pPr algn="l"/>
             <a:r>
+              <a:rPr lang="en-US" sz="4900" dirty="0" smtClean="0"/>
+              <a:t>State of the art</a:t>
+            </a:r>
+            <a:r>
               <a:rPr lang="en-US" dirty="0" smtClean="0"/>
-              <a:t>Archer v1</a:t>
+              <a:t/>
             </a:r>
             <a:br>
               <a:rPr lang="en-US" dirty="0" smtClean="0"/>
             </a:br>
             <a:r>
-              <a:rPr lang="en-US" sz="2700" dirty="0" smtClean="0"/>
-              <a:t>Combining Static and Dynamic Analysis</a:t>
+              <a:rPr lang="en-US" sz="2800" dirty="0" smtClean="0"/>
+              <a:t>Dynamic Data </a:t>
+            </a:r>
+            <a:r>
+              <a:rPr lang="en-US" sz="2800" dirty="0"/>
+              <a:t>Race </a:t>
+            </a:r>
+            <a:r>
+              <a:rPr lang="en-US" sz="2800" dirty="0" smtClean="0"/>
+              <a:t>Detection Techniques</a:t>
             </a:r>
             <a:endParaRPr lang="en-US" sz="2700" dirty="0"/>
           </a:p>
         </p:txBody>
       </p:sp>
-      <p:pic>
-        <p:nvPicPr>
-          <p:cNvPr id="17" name="Picture 16" descr="archerdiagram.pdf"/>
-          <p:cNvPicPr>
-            <a:picLocks noChangeAspect="1"/>
-          </p:cNvPicPr>
-          <p:nvPr/>
-        </p:nvPicPr>
-        <p:blipFill>
-          <a:blip r:embed="rId3">
-            <a:extLst>
-              <a:ext uri="{28A0092B-C50C-407E-A947-70E740481C1C}">
-                <a14:useLocalDpi xmlns:a14="http://schemas.microsoft.com/office/drawing/2010/main" val="0"/>
-              </a:ext>
-            </a:extLst>
-          </a:blip>
-          <a:stretch>
-            <a:fillRect/>
-          </a:stretch>
-        </p:blipFill>
+      <p:sp>
+        <p:nvSpPr>
+          <p:cNvPr id="4" name="Content Placeholder 3"/>
+          <p:cNvSpPr>
+            <a:spLocks noGrp="1"/>
+          </p:cNvSpPr>
+          <p:nvPr>
+            <p:ph idx="1"/>
+          </p:nvPr>
+        </p:nvSpPr>
+        <p:spPr/>
+        <p:txBody>
+          <a:bodyPr>
+            <a:normAutofit fontScale="70000" lnSpcReduction="20000"/>
+          </a:bodyPr>
+          <a:lstStyle/>
+          <a:p>
+            <a:pPr>
+              <a:lnSpc>
+                <a:spcPct val="150000"/>
+              </a:lnSpc>
+            </a:pPr>
+            <a:r>
+              <a:rPr lang="en-US" dirty="0"/>
+              <a:t>Dynamic Analysis</a:t>
+            </a:r>
+          </a:p>
+          <a:p>
+            <a:pPr lvl="1">
+              <a:lnSpc>
+                <a:spcPct val="150000"/>
+              </a:lnSpc>
+            </a:pPr>
+            <a:r>
+              <a:rPr lang="en-US" dirty="0"/>
+              <a:t>Very precise, no false positives</a:t>
+            </a:r>
+          </a:p>
+          <a:p>
+            <a:pPr lvl="1"/>
+            <a:r>
+              <a:rPr lang="en-US" dirty="0"/>
+              <a:t>Reports races only in branches of the programs that are actually executed</a:t>
+            </a:r>
+          </a:p>
+          <a:p>
+            <a:pPr lvl="1"/>
+            <a:r>
+              <a:rPr lang="en-US" dirty="0"/>
+              <a:t>Very high runtime and memory overhead (5-20x for best tools)</a:t>
+            </a:r>
+          </a:p>
+          <a:p>
+            <a:pPr>
+              <a:lnSpc>
+                <a:spcPct val="150000"/>
+              </a:lnSpc>
+            </a:pPr>
+            <a:r>
+              <a:rPr lang="en-US" dirty="0"/>
+              <a:t>Example Techniques:</a:t>
+            </a:r>
+          </a:p>
+          <a:p>
+            <a:pPr lvl="1">
+              <a:lnSpc>
+                <a:spcPct val="150000"/>
+              </a:lnSpc>
+            </a:pPr>
+            <a:r>
+              <a:rPr lang="en-US" dirty="0"/>
+              <a:t>Lockset Algorithm</a:t>
+            </a:r>
+          </a:p>
+          <a:p>
+            <a:pPr lvl="1">
+              <a:lnSpc>
+                <a:spcPct val="150000"/>
+              </a:lnSpc>
+            </a:pPr>
+            <a:r>
+              <a:rPr lang="en-US" dirty="0"/>
+              <a:t>Happens-Before Relation</a:t>
+            </a:r>
+          </a:p>
+          <a:p>
+            <a:pPr lvl="1">
+              <a:lnSpc>
+                <a:spcPct val="150000"/>
+              </a:lnSpc>
+            </a:pPr>
+            <a:r>
+              <a:rPr lang="en-US" dirty="0"/>
+              <a:t>Hybrid data race detection </a:t>
+            </a:r>
+          </a:p>
+          <a:p>
+            <a:pPr lvl="2">
+              <a:lnSpc>
+                <a:spcPct val="150000"/>
+              </a:lnSpc>
+            </a:pPr>
+            <a:r>
+              <a:rPr lang="en-US" dirty="0"/>
+              <a:t>combination of lockset and happens-before relation</a:t>
+            </a:r>
+            <a:endParaRPr lang="en-US" dirty="0"/>
+          </a:p>
+        </p:txBody>
+      </p:sp>
+    </p:spTree>
+    <p:extLst>
+      <p:ext uri="{BB962C8B-B14F-4D97-AF65-F5344CB8AC3E}">
+        <p14:creationId xmlns:p14="http://schemas.microsoft.com/office/powerpoint/2010/main" val="1338262420"/>
+      </p:ext>
+    </p:extLst>
+  </p:cSld>
+  <p:clrMapOvr>
+    <a:masterClrMapping/>
+  </p:clrMapOvr>
+  <p:timing>
+    <p:tnLst>
+      <p:par>
+        <p:cTn xmlns:p14="http://schemas.microsoft.com/office/powerpoint/2010/main" id="1" dur="indefinite" restart="never" nodeType="tmRoot"/>
+      </p:par>
+    </p:tnLst>
+  </p:timing>
+</p:sld>
+</file>
+
+<file path=ppt/slides/slide9.xml><?xml version="1.0" encoding="utf-8"?>
+<p:sld xmlns:a="http://schemas.openxmlformats.org/drawingml/2006/main" xmlns:r="http://schemas.openxmlformats.org/officeDocument/2006/relationships" xmlns:p="http://schemas.openxmlformats.org/presentationml/2006/main">
+  <p:cSld>
+    <p:spTree>
+      <p:nvGrpSpPr>
+        <p:cNvPr id="1" name=""/>
+        <p:cNvGrpSpPr/>
+        <p:nvPr/>
+      </p:nvGrpSpPr>
+      <p:grpSpPr>
+        <a:xfrm>
+          <a:off x="0" y="0"/>
+          <a:ext cx="0" cy="0"/>
+          <a:chOff x="0" y="0"/>
+          <a:chExt cx="0" cy="0"/>
+        </a:xfrm>
+      </p:grpSpPr>
+      <p:sp>
+        <p:nvSpPr>
+          <p:cNvPr id="2" name="Title 1"/>
+          <p:cNvSpPr>
+            <a:spLocks noGrp="1"/>
+          </p:cNvSpPr>
+          <p:nvPr>
+            <p:ph type="title"/>
+          </p:nvPr>
+        </p:nvSpPr>
+        <p:spPr/>
+        <p:txBody>
+          <a:bodyPr>
+            <a:normAutofit fontScale="90000"/>
+          </a:bodyPr>
+          <a:lstStyle/>
+          <a:p>
+            <a:pPr algn="l"/>
+            <a:r>
+              <a:rPr lang="en-US" sz="4900" dirty="0" smtClean="0"/>
+              <a:t>State of the art</a:t>
+            </a:r>
+            <a:r>
+              <a:rPr lang="en-US" dirty="0" smtClean="0"/>
+              <a:t/>
+            </a:r>
+            <a:br>
+              <a:rPr lang="en-US" dirty="0" smtClean="0"/>
+            </a:br>
+            <a:r>
+              <a:rPr lang="en-US" sz="2800" dirty="0" smtClean="0"/>
+              <a:t>Dynamic Data </a:t>
+            </a:r>
+            <a:r>
+              <a:rPr lang="en-US" sz="2800" dirty="0"/>
+              <a:t>Race </a:t>
+            </a:r>
+            <a:r>
+              <a:rPr lang="en-US" sz="2800" dirty="0" smtClean="0"/>
+              <a:t>Detection Tools</a:t>
+            </a:r>
+            <a:endParaRPr lang="en-US" sz="2700" dirty="0"/>
+          </a:p>
+        </p:txBody>
+      </p:sp>
+      <p:sp>
+        <p:nvSpPr>
+          <p:cNvPr id="4" name="Content Placeholder 3"/>
+          <p:cNvSpPr>
+            <a:spLocks noGrp="1"/>
+          </p:cNvSpPr>
+          <p:nvPr>
+            <p:ph idx="1"/>
+          </p:nvPr>
+        </p:nvSpPr>
         <p:spPr>
           <a:xfrm>
-            <a:off x="457200" y="1611310"/>
-            <a:ext cx="8229600" cy="2307885"/>
+            <a:off x="457200" y="1600200"/>
+            <a:ext cx="8229600" cy="4114519"/>
+          </a:xfrm>
+        </p:spPr>
+        <p:txBody>
+          <a:bodyPr>
+            <a:normAutofit/>
+          </a:bodyPr>
+          <a:lstStyle/>
+          <a:p>
+            <a:pPr>
+              <a:lnSpc>
+                <a:spcPct val="150000"/>
+              </a:lnSpc>
+            </a:pPr>
+            <a:r>
+              <a:rPr lang="en-US" sz="2400" dirty="0"/>
+              <a:t>Not </a:t>
+            </a:r>
+            <a:r>
+              <a:rPr lang="en-US" sz="2400" dirty="0" smtClean="0"/>
+              <a:t>many (OpenMP) </a:t>
+            </a:r>
+            <a:r>
+              <a:rPr lang="en-US" sz="2400" dirty="0"/>
+              <a:t>data race detectors out there!</a:t>
+            </a:r>
+          </a:p>
+          <a:p>
+            <a:pPr>
+              <a:lnSpc>
+                <a:spcPct val="150000"/>
+              </a:lnSpc>
+            </a:pPr>
+            <a:r>
+              <a:rPr lang="en-US" sz="2400" dirty="0"/>
+              <a:t>Commercial tools:</a:t>
+            </a:r>
+          </a:p>
+          <a:p>
+            <a:pPr lvl="1">
+              <a:lnSpc>
+                <a:spcPct val="150000"/>
+              </a:lnSpc>
+            </a:pPr>
+            <a:r>
+              <a:rPr lang="en-US" sz="2000" dirty="0"/>
+              <a:t>Intel Inspector XE: </a:t>
+            </a:r>
+            <a:r>
+              <a:rPr lang="en-US" sz="2000" dirty="0" err="1"/>
+              <a:t>Pthread</a:t>
+            </a:r>
+            <a:r>
+              <a:rPr lang="en-US" sz="2000" dirty="0"/>
+              <a:t> and OpenMP C/C++ and Fortran</a:t>
+            </a:r>
+            <a:endParaRPr lang="en-US" sz="1200" dirty="0"/>
+          </a:p>
+          <a:p>
+            <a:pPr lvl="1">
+              <a:lnSpc>
+                <a:spcPct val="150000"/>
+              </a:lnSpc>
+            </a:pPr>
+            <a:r>
+              <a:rPr lang="en-US" sz="2000" dirty="0"/>
+              <a:t>Sun Studio Data-Race Detection Tool: </a:t>
+            </a:r>
+            <a:r>
+              <a:rPr lang="en-US" sz="2000" dirty="0" err="1"/>
+              <a:t>Pthread</a:t>
+            </a:r>
+            <a:r>
+              <a:rPr lang="en-US" sz="2000" dirty="0"/>
+              <a:t> and OpenMP C/C+</a:t>
+            </a:r>
+            <a:r>
+              <a:rPr lang="en-US" sz="2000" dirty="0" smtClean="0"/>
+              <a:t>+</a:t>
+            </a:r>
+            <a:endParaRPr lang="en-US" sz="1600" dirty="0"/>
+          </a:p>
+          <a:p>
+            <a:pPr>
+              <a:lnSpc>
+                <a:spcPct val="150000"/>
+              </a:lnSpc>
+            </a:pPr>
+            <a:r>
+              <a:rPr lang="en-US" sz="2400" dirty="0"/>
+              <a:t>Open-source tools:</a:t>
+            </a:r>
+          </a:p>
+          <a:p>
+            <a:pPr lvl="1">
+              <a:lnSpc>
+                <a:spcPct val="150000"/>
+              </a:lnSpc>
+            </a:pPr>
+            <a:r>
+              <a:rPr lang="en-US" sz="2000" dirty="0" err="1"/>
+              <a:t>Helgrind</a:t>
+            </a:r>
+            <a:r>
+              <a:rPr lang="en-US" sz="2000" dirty="0"/>
+              <a:t> (based on </a:t>
+            </a:r>
+            <a:r>
+              <a:rPr lang="en-US" sz="2000" dirty="0" err="1"/>
+              <a:t>Valgrind</a:t>
+            </a:r>
+            <a:r>
+              <a:rPr lang="en-US" sz="2000" dirty="0"/>
+              <a:t>): </a:t>
+            </a:r>
+            <a:r>
+              <a:rPr lang="en-US" sz="2000" dirty="0" err="1"/>
+              <a:t>Pthread</a:t>
+            </a:r>
+            <a:r>
+              <a:rPr lang="en-US" sz="2000" dirty="0"/>
+              <a:t> C/C++ and Fortran</a:t>
+            </a:r>
+          </a:p>
+          <a:p>
+            <a:pPr lvl="1">
+              <a:lnSpc>
+                <a:spcPct val="150000"/>
+              </a:lnSpc>
+            </a:pPr>
+            <a:r>
+              <a:rPr lang="en-US" sz="2000" dirty="0"/>
+              <a:t>Thread Sanitizer: </a:t>
+            </a:r>
+            <a:r>
+              <a:rPr lang="en-US" sz="2000" dirty="0" err="1"/>
+              <a:t>Pthread</a:t>
+            </a:r>
+            <a:r>
+              <a:rPr lang="en-US" sz="2000" dirty="0"/>
+              <a:t> C/C++ and </a:t>
+            </a:r>
+            <a:r>
+              <a:rPr lang="en-US" sz="2000" dirty="0" smtClean="0"/>
+              <a:t>Go</a:t>
+            </a:r>
+            <a:endParaRPr lang="en-US" sz="2000" dirty="0"/>
+          </a:p>
+        </p:txBody>
+      </p:sp>
+      <p:sp>
+        <p:nvSpPr>
+          <p:cNvPr id="3" name="TextBox 2"/>
+          <p:cNvSpPr txBox="1"/>
+          <p:nvPr/>
+        </p:nvSpPr>
+        <p:spPr>
+          <a:xfrm>
+            <a:off x="457200" y="5591231"/>
+            <a:ext cx="8229599" cy="1077218"/>
           </a:xfrm>
           <a:prstGeom prst="rect">
             <a:avLst/>
           </a:prstGeom>
+          <a:noFill/>
         </p:spPr>
-      </p:pic>
-      <p:sp>
-        <p:nvSpPr>
-          <p:cNvPr id="19" name="Content Placeholder 15"/>
-          <p:cNvSpPr>
-            <a:spLocks noGrp="1"/>
-          </p:cNvSpPr>
-          <p:nvPr>
-            <p:ph idx="1"/>
-          </p:nvPr>
-        </p:nvSpPr>
-        <p:spPr>
-          <a:xfrm>
-            <a:off x="457200" y="3919195"/>
-            <a:ext cx="8229600" cy="2579102"/>
-          </a:xfrm>
-        </p:spPr>
-        <p:txBody>
-          <a:bodyPr>
-            <a:noAutofit/>
+        <p:txBody>
+          <a:bodyPr wrap="square" rtlCol="0">
+            <a:spAutoFit/>
           </a:bodyPr>
           <a:lstStyle/>
           <a:p>
-            <a:r>
-              <a:rPr lang="en-US" sz="2400" dirty="0" smtClean="0">
-                <a:effectLst/>
-              </a:rPr>
-              <a:t>LLVM/Clang based tool</a:t>
-            </a:r>
-          </a:p>
-          <a:p>
-            <a:r>
-              <a:rPr lang="en-US" sz="2400" dirty="0" err="1" smtClean="0"/>
-              <a:t>TSan</a:t>
-            </a:r>
-            <a:r>
-              <a:rPr lang="en-US" sz="2400" dirty="0" smtClean="0"/>
-              <a:t> data race runtime analysis</a:t>
-            </a:r>
-          </a:p>
-          <a:p>
-            <a:r>
-              <a:rPr lang="en-US" sz="2400" dirty="0" smtClean="0"/>
-              <a:t>Instrumented OpenMP runtime</a:t>
-            </a:r>
-          </a:p>
-          <a:p>
-            <a:pPr lvl="1"/>
-            <a:r>
-              <a:rPr lang="en-US" sz="2000" dirty="0" smtClean="0">
-                <a:effectLst/>
-              </a:rPr>
-              <a:t>Annotations mechanism to communicate </a:t>
-            </a:r>
-            <a:r>
-              <a:rPr lang="en-US" sz="2000" dirty="0" err="1" smtClean="0">
-                <a:effectLst/>
-              </a:rPr>
-              <a:t>TSan</a:t>
-            </a:r>
-            <a:r>
-              <a:rPr lang="en-US" sz="2000" dirty="0" smtClean="0">
-                <a:effectLst/>
-              </a:rPr>
-              <a:t> runtime about happens-before relations between threads</a:t>
-            </a:r>
-          </a:p>
-          <a:p>
-            <a:pPr lvl="1"/>
-            <a:r>
-              <a:rPr lang="en-US" sz="2000" dirty="0" smtClean="0"/>
-              <a:t>Unknown synchronization mechanism (i.e. barriers, </a:t>
-            </a:r>
-            <a:r>
-              <a:rPr lang="en-US" sz="2000" dirty="0" err="1" smtClean="0"/>
-              <a:t>criticals</a:t>
-            </a:r>
-            <a:r>
-              <a:rPr lang="en-US" sz="2000" dirty="0" smtClean="0"/>
-              <a:t>, etc</a:t>
-            </a:r>
-            <a:r>
-              <a:rPr lang="en-US" sz="2000" dirty="0"/>
-              <a:t>.</a:t>
-            </a:r>
-            <a:r>
-              <a:rPr lang="en-US" sz="2000" dirty="0" smtClean="0"/>
-              <a:t>)</a:t>
-            </a:r>
-            <a:endParaRPr lang="en-US" sz="2000" dirty="0">
-              <a:effectLst/>
+            <a:pPr algn="ctr"/>
+            <a:r>
+              <a:rPr lang="en-US" sz="3200" b="1" dirty="0" smtClean="0">
+                <a:solidFill>
+                  <a:srgbClr val="FF0000"/>
+                </a:solidFill>
+              </a:rPr>
+              <a:t>High runtime and memory overhead!</a:t>
+            </a:r>
+          </a:p>
+          <a:p>
+            <a:pPr algn="ctr"/>
+            <a:r>
+              <a:rPr lang="en-US" sz="3200" b="1" dirty="0" smtClean="0">
+                <a:solidFill>
+                  <a:srgbClr val="FF0000"/>
+                </a:solidFill>
+              </a:rPr>
+              <a:t>100x slower on HPC application!</a:t>
+            </a:r>
+            <a:endParaRPr lang="en-US" sz="3200" b="1" dirty="0">
+              <a:solidFill>
+                <a:srgbClr val="FF0000"/>
+              </a:solidFill>
             </a:endParaRPr>
           </a:p>
         </p:txBody>
@@ -6053,7 +7586,7 @@
     </p:spTree>
     <p:extLst>
       <p:ext uri="{BB962C8B-B14F-4D97-AF65-F5344CB8AC3E}">
-        <p14:creationId xmlns:p14="http://schemas.microsoft.com/office/powerpoint/2010/main" val="3598220810"/>
+        <p14:creationId xmlns:p14="http://schemas.microsoft.com/office/powerpoint/2010/main" val="4078461308"/>
       </p:ext>
     </p:extLst>
   </p:cSld>

--- a/presentation/presentation.pptx
+++ b/presentation/presentation.pptx
@@ -5,10 +5,10 @@
     <p:sldMasterId id="2147483648" r:id="rId1"/>
   </p:sldMasterIdLst>
   <p:notesMasterIdLst>
-    <p:notesMasterId r:id="rId18"/>
+    <p:notesMasterId r:id="rId19"/>
   </p:notesMasterIdLst>
   <p:handoutMasterIdLst>
-    <p:handoutMasterId r:id="rId19"/>
+    <p:handoutMasterId r:id="rId20"/>
   </p:handoutMasterIdLst>
   <p:sldIdLst>
     <p:sldId id="256" r:id="rId2"/>
@@ -21,12 +21,13 @@
     <p:sldId id="266" r:id="rId9"/>
     <p:sldId id="267" r:id="rId10"/>
     <p:sldId id="272" r:id="rId11"/>
-    <p:sldId id="261" r:id="rId12"/>
-    <p:sldId id="260" r:id="rId13"/>
-    <p:sldId id="262" r:id="rId14"/>
-    <p:sldId id="263" r:id="rId15"/>
-    <p:sldId id="268" r:id="rId16"/>
-    <p:sldId id="269" r:id="rId17"/>
+    <p:sldId id="273" r:id="rId12"/>
+    <p:sldId id="261" r:id="rId13"/>
+    <p:sldId id="260" r:id="rId14"/>
+    <p:sldId id="262" r:id="rId15"/>
+    <p:sldId id="263" r:id="rId16"/>
+    <p:sldId id="268" r:id="rId17"/>
+    <p:sldId id="269" r:id="rId18"/>
   </p:sldIdLst>
   <p:sldSz cx="9144000" cy="6858000" type="screen4x3"/>
   <p:notesSz cx="6858000" cy="9144000"/>
@@ -794,7 +795,7 @@
           <a:p>
             <a:fld id="{A1129A4B-D84D-454A-A538-E27153618149}" type="slidenum">
               <a:rPr lang="en-US" smtClean="0"/>
-              <a:t>11</a:t>
+              <a:t>12</a:t>
             </a:fld>
             <a:endParaRPr lang="en-US"/>
           </a:p>
@@ -878,7 +879,7 @@
           <a:p>
             <a:fld id="{A1129A4B-D84D-454A-A538-E27153618149}" type="slidenum">
               <a:rPr lang="en-US" smtClean="0"/>
-              <a:t>13</a:t>
+              <a:t>14</a:t>
             </a:fld>
             <a:endParaRPr lang="en-US"/>
           </a:p>
@@ -962,7 +963,7 @@
           <a:p>
             <a:fld id="{A1129A4B-D84D-454A-A538-E27153618149}" type="slidenum">
               <a:rPr lang="en-US" smtClean="0"/>
-              <a:t>14</a:t>
+              <a:t>15</a:t>
             </a:fld>
             <a:endParaRPr lang="en-US"/>
           </a:p>
@@ -4344,15 +4345,386 @@
             <p:ph idx="1"/>
           </p:nvPr>
         </p:nvSpPr>
-        <p:spPr/>
-        <p:txBody>
-          <a:bodyPr/>
-          <a:lstStyle/>
-          <a:p>
-            <a:endParaRPr lang="en-US"/>
-          </a:p>
-        </p:txBody>
-      </p:sp>
+        <p:spPr>
+          <a:xfrm>
+            <a:off x="457200" y="1600200"/>
+            <a:ext cx="8229600" cy="3480453"/>
+          </a:xfrm>
+        </p:spPr>
+        <p:txBody>
+          <a:bodyPr>
+            <a:normAutofit/>
+          </a:bodyPr>
+          <a:lstStyle/>
+          <a:p>
+            <a:r>
+              <a:rPr lang="en-US" dirty="0" smtClean="0"/>
+              <a:t>Data </a:t>
+            </a:r>
+            <a:r>
+              <a:rPr lang="en-US" dirty="0"/>
+              <a:t>race detection </a:t>
+            </a:r>
+            <a:r>
+              <a:rPr lang="en-US" dirty="0" smtClean="0"/>
+              <a:t>technique for </a:t>
+            </a:r>
+            <a:r>
+              <a:rPr lang="en-US" dirty="0"/>
+              <a:t>large </a:t>
+            </a:r>
+            <a:r>
+              <a:rPr lang="en-US" dirty="0" smtClean="0"/>
+              <a:t>OpenMP applications</a:t>
+            </a:r>
+          </a:p>
+          <a:p>
+            <a:pPr lvl="1"/>
+            <a:r>
+              <a:rPr lang="en-US" dirty="0"/>
+              <a:t>C</a:t>
+            </a:r>
+            <a:r>
+              <a:rPr lang="en-US" dirty="0" smtClean="0"/>
+              <a:t>ombine </a:t>
+            </a:r>
+            <a:r>
+              <a:rPr lang="en-US" dirty="0"/>
+              <a:t>static and dynamic </a:t>
+            </a:r>
+            <a:r>
+              <a:rPr lang="en-US" dirty="0" smtClean="0"/>
+              <a:t>analysis</a:t>
+            </a:r>
+          </a:p>
+          <a:p>
+            <a:pPr lvl="2"/>
+            <a:r>
+              <a:rPr lang="en-US" dirty="0" smtClean="0"/>
+              <a:t>Reduce amount of code to analyze at runtime</a:t>
+            </a:r>
+          </a:p>
+          <a:p>
+            <a:pPr lvl="1"/>
+            <a:r>
+              <a:rPr lang="en-US" dirty="0" smtClean="0"/>
+              <a:t>Exploit concurrency </a:t>
+            </a:r>
+            <a:r>
+              <a:rPr lang="en-US" dirty="0"/>
+              <a:t>structure of </a:t>
+            </a:r>
+            <a:r>
+              <a:rPr lang="en-US" dirty="0" smtClean="0"/>
+              <a:t>OpenMP</a:t>
+            </a:r>
+          </a:p>
+          <a:p>
+            <a:pPr lvl="2"/>
+            <a:r>
+              <a:rPr lang="en-US" dirty="0" smtClean="0"/>
+              <a:t>More structured than </a:t>
+            </a:r>
+            <a:r>
+              <a:rPr lang="en-US" dirty="0" err="1" smtClean="0"/>
+              <a:t>Pthreads</a:t>
+            </a:r>
+            <a:r>
+              <a:rPr lang="en-US" dirty="0" smtClean="0"/>
+              <a:t> </a:t>
+            </a:r>
+            <a:r>
+              <a:rPr lang="en-US" dirty="0" err="1" smtClean="0"/>
+              <a:t>progams</a:t>
+            </a:r>
+            <a:endParaRPr lang="en-US" dirty="0" smtClean="0"/>
+          </a:p>
+          <a:p>
+            <a:pPr lvl="3"/>
+            <a:r>
+              <a:rPr lang="en-US" dirty="0" smtClean="0"/>
+              <a:t>i.e. join of team of threads at the same point</a:t>
+            </a:r>
+          </a:p>
+          <a:p>
+            <a:pPr lvl="1"/>
+            <a:endParaRPr lang="en-US" dirty="0"/>
+          </a:p>
+        </p:txBody>
+      </p:sp>
+      <p:sp>
+        <p:nvSpPr>
+          <p:cNvPr id="6" name="TextBox 5"/>
+          <p:cNvSpPr txBox="1"/>
+          <p:nvPr/>
+        </p:nvSpPr>
+        <p:spPr>
+          <a:xfrm>
+            <a:off x="457200" y="4926777"/>
+            <a:ext cx="8229600" cy="584776"/>
+          </a:xfrm>
+          <a:prstGeom prst="rect">
+            <a:avLst/>
+          </a:prstGeom>
+          <a:noFill/>
+        </p:spPr>
+        <p:txBody>
+          <a:bodyPr wrap="square" rtlCol="0">
+            <a:spAutoFit/>
+          </a:bodyPr>
+          <a:lstStyle/>
+          <a:p>
+            <a:pPr algn="ctr"/>
+            <a:r>
+              <a:rPr lang="en-US" sz="3200" b="1" dirty="0" smtClean="0"/>
+              <a:t>Data race checking of HPC applications </a:t>
+            </a:r>
+            <a:endParaRPr lang="en-US" sz="3200" b="1" dirty="0"/>
+          </a:p>
+        </p:txBody>
+      </p:sp>
+      <p:sp>
+        <p:nvSpPr>
+          <p:cNvPr id="7" name="TextBox 6"/>
+          <p:cNvSpPr txBox="1"/>
+          <p:nvPr/>
+        </p:nvSpPr>
+        <p:spPr>
+          <a:xfrm>
+            <a:off x="457200" y="6156763"/>
+            <a:ext cx="1282322" cy="461665"/>
+          </a:xfrm>
+          <a:prstGeom prst="rect">
+            <a:avLst/>
+          </a:prstGeom>
+          <a:noFill/>
+        </p:spPr>
+        <p:txBody>
+          <a:bodyPr wrap="none" rtlCol="0">
+            <a:spAutoFit/>
+          </a:bodyPr>
+          <a:lstStyle/>
+          <a:p>
+            <a:r>
+              <a:rPr lang="en-US" sz="2400" b="1" dirty="0">
+                <a:solidFill>
+                  <a:srgbClr val="FF0000"/>
+                </a:solidFill>
+              </a:rPr>
+              <a:t>a</a:t>
+            </a:r>
+            <a:r>
+              <a:rPr lang="en-US" sz="2400" b="1" dirty="0" smtClean="0">
+                <a:solidFill>
+                  <a:srgbClr val="FF0000"/>
+                </a:solidFill>
+              </a:rPr>
+              <a:t>ccurate</a:t>
+            </a:r>
+            <a:endParaRPr lang="en-US" sz="2400" b="1" dirty="0">
+              <a:solidFill>
+                <a:srgbClr val="FF0000"/>
+              </a:solidFill>
+            </a:endParaRPr>
+          </a:p>
+        </p:txBody>
+      </p:sp>
+      <p:sp>
+        <p:nvSpPr>
+          <p:cNvPr id="8" name="TextBox 7"/>
+          <p:cNvSpPr txBox="1"/>
+          <p:nvPr/>
+        </p:nvSpPr>
+        <p:spPr>
+          <a:xfrm>
+            <a:off x="4023863" y="6156763"/>
+            <a:ext cx="1096274" cy="461665"/>
+          </a:xfrm>
+          <a:prstGeom prst="rect">
+            <a:avLst/>
+          </a:prstGeom>
+          <a:noFill/>
+        </p:spPr>
+        <p:txBody>
+          <a:bodyPr wrap="none" rtlCol="0">
+            <a:spAutoFit/>
+          </a:bodyPr>
+          <a:lstStyle/>
+          <a:p>
+            <a:r>
+              <a:rPr lang="en-US" sz="2400" b="1" dirty="0" smtClean="0">
+                <a:solidFill>
+                  <a:srgbClr val="FF0000"/>
+                </a:solidFill>
+              </a:rPr>
+              <a:t>precise</a:t>
+            </a:r>
+            <a:endParaRPr lang="en-US" sz="2400" b="1" dirty="0">
+              <a:solidFill>
+                <a:srgbClr val="FF0000"/>
+              </a:solidFill>
+            </a:endParaRPr>
+          </a:p>
+        </p:txBody>
+      </p:sp>
+      <p:sp>
+        <p:nvSpPr>
+          <p:cNvPr id="9" name="TextBox 8"/>
+          <p:cNvSpPr txBox="1"/>
+          <p:nvPr/>
+        </p:nvSpPr>
+        <p:spPr>
+          <a:xfrm>
+            <a:off x="7410339" y="6156763"/>
+            <a:ext cx="1276461" cy="461665"/>
+          </a:xfrm>
+          <a:prstGeom prst="rect">
+            <a:avLst/>
+          </a:prstGeom>
+          <a:noFill/>
+        </p:spPr>
+        <p:txBody>
+          <a:bodyPr wrap="none" rtlCol="0">
+            <a:spAutoFit/>
+          </a:bodyPr>
+          <a:lstStyle/>
+          <a:p>
+            <a:r>
+              <a:rPr lang="en-US" sz="2400" b="1" dirty="0" smtClean="0">
+                <a:solidFill>
+                  <a:srgbClr val="FF0000"/>
+                </a:solidFill>
+              </a:rPr>
+              <a:t>practical</a:t>
+            </a:r>
+            <a:endParaRPr lang="en-US" sz="2400" b="1" dirty="0">
+              <a:solidFill>
+                <a:srgbClr val="FF0000"/>
+              </a:solidFill>
+            </a:endParaRPr>
+          </a:p>
+        </p:txBody>
+      </p:sp>
+      <p:cxnSp>
+        <p:nvCxnSpPr>
+          <p:cNvPr id="11" name="Straight Arrow Connector 10"/>
+          <p:cNvCxnSpPr>
+            <a:stCxn id="6" idx="2"/>
+            <a:endCxn id="7" idx="3"/>
+          </p:cNvCxnSpPr>
+          <p:nvPr/>
+        </p:nvCxnSpPr>
+        <p:spPr>
+          <a:xfrm flipH="1">
+            <a:off x="1739522" y="5511553"/>
+            <a:ext cx="2832478" cy="876043"/>
+          </a:xfrm>
+          <a:prstGeom prst="straightConnector1">
+            <a:avLst/>
+          </a:prstGeom>
+          <a:ln w="38100">
+            <a:solidFill>
+              <a:schemeClr val="tx1"/>
+            </a:solidFill>
+            <a:tailEnd type="arrow"/>
+          </a:ln>
+          <a:effectLst/>
+        </p:spPr>
+        <p:style>
+          <a:lnRef idx="2">
+            <a:schemeClr val="accent1"/>
+          </a:lnRef>
+          <a:fillRef idx="0">
+            <a:schemeClr val="accent1"/>
+          </a:fillRef>
+          <a:effectRef idx="1">
+            <a:schemeClr val="accent1"/>
+          </a:effectRef>
+          <a:fontRef idx="minor">
+            <a:schemeClr val="tx1"/>
+          </a:fontRef>
+        </p:style>
+      </p:cxnSp>
+      <p:cxnSp>
+        <p:nvCxnSpPr>
+          <p:cNvPr id="14" name="Straight Arrow Connector 13"/>
+          <p:cNvCxnSpPr>
+            <a:stCxn id="6" idx="2"/>
+            <a:endCxn id="8" idx="0"/>
+          </p:cNvCxnSpPr>
+          <p:nvPr/>
+        </p:nvCxnSpPr>
+        <p:spPr>
+          <a:xfrm>
+            <a:off x="4572000" y="5511553"/>
+            <a:ext cx="0" cy="645210"/>
+          </a:xfrm>
+          <a:prstGeom prst="straightConnector1">
+            <a:avLst/>
+          </a:prstGeom>
+          <a:ln w="38100">
+            <a:solidFill>
+              <a:schemeClr val="tx1"/>
+            </a:solidFill>
+            <a:tailEnd type="arrow"/>
+          </a:ln>
+          <a:effectLst/>
+        </p:spPr>
+        <p:style>
+          <a:lnRef idx="2">
+            <a:schemeClr val="accent1"/>
+          </a:lnRef>
+          <a:fillRef idx="0">
+            <a:schemeClr val="accent1"/>
+          </a:fillRef>
+          <a:effectRef idx="1">
+            <a:schemeClr val="accent1"/>
+          </a:effectRef>
+          <a:fontRef idx="minor">
+            <a:schemeClr val="tx1"/>
+          </a:fontRef>
+        </p:style>
+      </p:cxnSp>
+      <p:cxnSp>
+        <p:nvCxnSpPr>
+          <p:cNvPr id="18" name="Straight Arrow Connector 17"/>
+          <p:cNvCxnSpPr>
+            <a:stCxn id="6" idx="2"/>
+            <a:endCxn id="9" idx="1"/>
+          </p:cNvCxnSpPr>
+          <p:nvPr/>
+        </p:nvCxnSpPr>
+        <p:spPr>
+          <a:xfrm>
+            <a:off x="4572000" y="5511553"/>
+            <a:ext cx="2838339" cy="876043"/>
+          </a:xfrm>
+          <a:prstGeom prst="straightConnector1">
+            <a:avLst/>
+          </a:prstGeom>
+          <a:ln w="38100">
+            <a:solidFill>
+              <a:schemeClr val="tx1"/>
+            </a:solidFill>
+            <a:tailEnd type="arrow"/>
+          </a:ln>
+          <a:effectLst/>
+        </p:spPr>
+        <p:style>
+          <a:lnRef idx="2">
+            <a:schemeClr val="accent1"/>
+          </a:lnRef>
+          <a:fillRef idx="0">
+            <a:schemeClr val="accent1"/>
+          </a:fillRef>
+          <a:effectRef idx="1">
+            <a:schemeClr val="accent1"/>
+          </a:effectRef>
+          <a:fontRef idx="minor">
+            <a:schemeClr val="tx1"/>
+          </a:fontRef>
+        </p:style>
+      </p:cxnSp>
     </p:spTree>
     <p:extLst>
       <p:ext uri="{BB962C8B-B14F-4D97-AF65-F5344CB8AC3E}">
@@ -4374,6 +4746,157 @@
 </file>
 
 <file path=ppt/slides/slide11.xml><?xml version="1.0" encoding="utf-8"?>
+<p:sld xmlns:a="http://schemas.openxmlformats.org/drawingml/2006/main" xmlns:r="http://schemas.openxmlformats.org/officeDocument/2006/relationships" xmlns:p="http://schemas.openxmlformats.org/presentationml/2006/main">
+  <p:cSld>
+    <p:spTree>
+      <p:nvGrpSpPr>
+        <p:cNvPr id="1" name=""/>
+        <p:cNvGrpSpPr/>
+        <p:nvPr/>
+      </p:nvGrpSpPr>
+      <p:grpSpPr>
+        <a:xfrm>
+          <a:off x="0" y="0"/>
+          <a:ext cx="0" cy="0"/>
+          <a:chOff x="0" y="0"/>
+          <a:chExt cx="0" cy="0"/>
+        </a:xfrm>
+      </p:grpSpPr>
+      <p:sp>
+        <p:nvSpPr>
+          <p:cNvPr id="2" name="Title 1"/>
+          <p:cNvSpPr>
+            <a:spLocks noGrp="1"/>
+          </p:cNvSpPr>
+          <p:nvPr>
+            <p:ph type="title"/>
+          </p:nvPr>
+        </p:nvSpPr>
+        <p:spPr/>
+        <p:txBody>
+          <a:bodyPr>
+            <a:normAutofit fontScale="90000"/>
+          </a:bodyPr>
+          <a:lstStyle/>
+          <a:p>
+            <a:pPr algn="l"/>
+            <a:r>
+              <a:rPr lang="en-US" sz="4900" dirty="0" smtClean="0"/>
+              <a:t>Overall Research Plan</a:t>
+            </a:r>
+            <a:r>
+              <a:rPr lang="en-US" dirty="0" smtClean="0"/>
+              <a:t/>
+            </a:r>
+            <a:br>
+              <a:rPr lang="en-US" dirty="0" smtClean="0"/>
+            </a:br>
+            <a:r>
+              <a:rPr lang="en-US" sz="2400" dirty="0" smtClean="0"/>
+              <a:t>Step-by-step contributions for OpenMP data race checking</a:t>
+            </a:r>
+            <a:endParaRPr lang="en-US" sz="2700" dirty="0"/>
+          </a:p>
+        </p:txBody>
+      </p:sp>
+      <p:sp>
+        <p:nvSpPr>
+          <p:cNvPr id="5" name="Content Placeholder 4"/>
+          <p:cNvSpPr>
+            <a:spLocks noGrp="1"/>
+          </p:cNvSpPr>
+          <p:nvPr>
+            <p:ph idx="1"/>
+          </p:nvPr>
+        </p:nvSpPr>
+        <p:spPr/>
+        <p:txBody>
+          <a:bodyPr>
+            <a:normAutofit fontScale="92500" lnSpcReduction="20000"/>
+          </a:bodyPr>
+          <a:lstStyle/>
+          <a:p>
+            <a:r>
+              <a:rPr lang="en-US" b="1" dirty="0" smtClean="0"/>
+              <a:t>Sequential Blacklisting</a:t>
+            </a:r>
+          </a:p>
+          <a:p>
+            <a:pPr lvl="1"/>
+            <a:r>
+              <a:rPr lang="en-US" dirty="0" smtClean="0"/>
+              <a:t>Identify sequential code</a:t>
+            </a:r>
+          </a:p>
+          <a:p>
+            <a:r>
+              <a:rPr lang="en-US" b="1" dirty="0" smtClean="0"/>
+              <a:t>Data Dependency Analysis</a:t>
+            </a:r>
+          </a:p>
+          <a:p>
+            <a:pPr lvl="1"/>
+            <a:r>
+              <a:rPr lang="en-US" dirty="0" smtClean="0"/>
+              <a:t>Identify race free code</a:t>
+            </a:r>
+          </a:p>
+          <a:p>
+            <a:r>
+              <a:rPr lang="en-US" b="1" dirty="0" smtClean="0"/>
+              <a:t>Archer v1</a:t>
+            </a:r>
+          </a:p>
+          <a:p>
+            <a:pPr lvl="1"/>
+            <a:r>
+              <a:rPr lang="en-US" dirty="0" smtClean="0"/>
+              <a:t>Combine static techniques and existing dynamic analysis</a:t>
+            </a:r>
+          </a:p>
+          <a:p>
+            <a:r>
+              <a:rPr lang="en-US" b="1" dirty="0" smtClean="0"/>
+              <a:t>Clock-less runtime algorithm</a:t>
+            </a:r>
+          </a:p>
+          <a:p>
+            <a:pPr lvl="1"/>
+            <a:endParaRPr lang="en-US" b="1" dirty="0" smtClean="0"/>
+          </a:p>
+          <a:p>
+            <a:r>
+              <a:rPr lang="en-US" b="1" dirty="0" smtClean="0"/>
+              <a:t>Archer v2</a:t>
+            </a:r>
+          </a:p>
+          <a:p>
+            <a:pPr lvl="1"/>
+            <a:endParaRPr lang="en-US" b="1" dirty="0"/>
+          </a:p>
+        </p:txBody>
+      </p:sp>
+    </p:spTree>
+    <p:extLst>
+      <p:ext uri="{BB962C8B-B14F-4D97-AF65-F5344CB8AC3E}">
+        <p14:creationId xmlns:p14="http://schemas.microsoft.com/office/powerpoint/2010/main" val="2253334985"/>
+      </p:ext>
+    </p:extLst>
+  </p:cSld>
+  <p:clrMapOvr>
+    <a:masterClrMapping/>
+  </p:clrMapOvr>
+  <p:timing>
+    <p:tnLst>
+      <p:par>
+        <p:cTn xmlns:p14="http://schemas.microsoft.com/office/powerpoint/2010/main" id="1" dur="indefinite" restart="never" nodeType="tmRoot"/>
+      </p:par>
+    </p:tnLst>
+  </p:timing>
+</p:sld>
+</file>
+
+<file path=ppt/slides/slide12.xml><?xml version="1.0" encoding="utf-8"?>
 <p:sld xmlns:a="http://schemas.openxmlformats.org/drawingml/2006/main" xmlns:r="http://schemas.openxmlformats.org/officeDocument/2006/relationships" xmlns:p="http://schemas.openxmlformats.org/presentationml/2006/main">
   <p:cSld>
     <p:spTree>
@@ -4551,7 +5074,7 @@
 </p:sld>
 </file>
 
-<file path=ppt/slides/slide12.xml><?xml version="1.0" encoding="utf-8"?>
+<file path=ppt/slides/slide13.xml><?xml version="1.0" encoding="utf-8"?>
 <p:sld xmlns:a="http://schemas.openxmlformats.org/drawingml/2006/main" xmlns:r="http://schemas.openxmlformats.org/officeDocument/2006/relationships" xmlns:p="http://schemas.openxmlformats.org/presentationml/2006/main">
   <p:cSld>
     <p:spTree>
@@ -4712,7 +5235,7 @@
 </p:sld>
 </file>
 
-<file path=ppt/slides/slide13.xml><?xml version="1.0" encoding="utf-8"?>
+<file path=ppt/slides/slide14.xml><?xml version="1.0" encoding="utf-8"?>
 <p:sld xmlns:a="http://schemas.openxmlformats.org/drawingml/2006/main" xmlns:r="http://schemas.openxmlformats.org/officeDocument/2006/relationships" xmlns:p="http://schemas.openxmlformats.org/presentationml/2006/main">
   <p:cSld>
     <p:spTree>
@@ -5444,200 +5967,6 @@
     <p:extLst>
       <p:ext uri="{BB962C8B-B14F-4D97-AF65-F5344CB8AC3E}">
         <p14:creationId xmlns:p14="http://schemas.microsoft.com/office/powerpoint/2010/main" val="1249774231"/>
-      </p:ext>
-    </p:extLst>
-  </p:cSld>
-  <p:clrMapOvr>
-    <a:masterClrMapping/>
-  </p:clrMapOvr>
-  <p:timing>
-    <p:tnLst>
-      <p:par>
-        <p:cTn xmlns:p14="http://schemas.microsoft.com/office/powerpoint/2010/main" id="1" dur="indefinite" restart="never" nodeType="tmRoot"/>
-      </p:par>
-    </p:tnLst>
-  </p:timing>
-</p:sld>
-</file>
-
-<file path=ppt/slides/slide14.xml><?xml version="1.0" encoding="utf-8"?>
-<p:sld xmlns:a="http://schemas.openxmlformats.org/drawingml/2006/main" xmlns:r="http://schemas.openxmlformats.org/officeDocument/2006/relationships" xmlns:p="http://schemas.openxmlformats.org/presentationml/2006/main">
-  <p:cSld>
-    <p:spTree>
-      <p:nvGrpSpPr>
-        <p:cNvPr id="1" name=""/>
-        <p:cNvGrpSpPr/>
-        <p:nvPr/>
-      </p:nvGrpSpPr>
-      <p:grpSpPr>
-        <a:xfrm>
-          <a:off x="0" y="0"/>
-          <a:ext cx="0" cy="0"/>
-          <a:chOff x="0" y="0"/>
-          <a:chExt cx="0" cy="0"/>
-        </a:xfrm>
-      </p:grpSpPr>
-      <p:sp>
-        <p:nvSpPr>
-          <p:cNvPr id="2" name="Title 1"/>
-          <p:cNvSpPr>
-            <a:spLocks noGrp="1"/>
-          </p:cNvSpPr>
-          <p:nvPr>
-            <p:ph type="title"/>
-          </p:nvPr>
-        </p:nvSpPr>
-        <p:spPr/>
-        <p:txBody>
-          <a:bodyPr>
-            <a:normAutofit fontScale="90000"/>
-          </a:bodyPr>
-          <a:lstStyle/>
-          <a:p>
-            <a:pPr algn="l"/>
-            <a:r>
-              <a:rPr lang="en-US" dirty="0" smtClean="0"/>
-              <a:t>Archer v1</a:t>
-            </a:r>
-            <a:br>
-              <a:rPr lang="en-US" dirty="0" smtClean="0"/>
-            </a:br>
-            <a:r>
-              <a:rPr lang="en-US" sz="2700" dirty="0" smtClean="0"/>
-              <a:t>Combining Static and Dynamic Analysis</a:t>
-            </a:r>
-            <a:endParaRPr lang="en-US" sz="2700" dirty="0"/>
-          </a:p>
-        </p:txBody>
-      </p:sp>
-      <p:pic>
-        <p:nvPicPr>
-          <p:cNvPr id="17" name="Picture 16" descr="archerdiagram.pdf"/>
-          <p:cNvPicPr>
-            <a:picLocks noChangeAspect="1"/>
-          </p:cNvPicPr>
-          <p:nvPr/>
-        </p:nvPicPr>
-        <p:blipFill>
-          <a:blip r:embed="rId3">
-            <a:extLst>
-              <a:ext uri="{28A0092B-C50C-407E-A947-70E740481C1C}">
-                <a14:useLocalDpi xmlns:a14="http://schemas.microsoft.com/office/drawing/2010/main" val="0"/>
-              </a:ext>
-            </a:extLst>
-          </a:blip>
-          <a:stretch>
-            <a:fillRect/>
-          </a:stretch>
-        </p:blipFill>
-        <p:spPr>
-          <a:xfrm>
-            <a:off x="457200" y="1611310"/>
-            <a:ext cx="8229600" cy="2307885"/>
-          </a:xfrm>
-          <a:prstGeom prst="rect">
-            <a:avLst/>
-          </a:prstGeom>
-        </p:spPr>
-      </p:pic>
-      <p:sp>
-        <p:nvSpPr>
-          <p:cNvPr id="19" name="Content Placeholder 15"/>
-          <p:cNvSpPr>
-            <a:spLocks noGrp="1"/>
-          </p:cNvSpPr>
-          <p:nvPr>
-            <p:ph idx="1"/>
-          </p:nvPr>
-        </p:nvSpPr>
-        <p:spPr>
-          <a:xfrm>
-            <a:off x="457200" y="3919195"/>
-            <a:ext cx="8229600" cy="2579102"/>
-          </a:xfrm>
-        </p:spPr>
-        <p:txBody>
-          <a:bodyPr>
-            <a:noAutofit/>
-          </a:bodyPr>
-          <a:lstStyle/>
-          <a:p>
-            <a:r>
-              <a:rPr lang="en-US" sz="2400" dirty="0" smtClean="0">
-                <a:effectLst/>
-              </a:rPr>
-              <a:t>LLVM/Clang based tool</a:t>
-            </a:r>
-          </a:p>
-          <a:p>
-            <a:r>
-              <a:rPr lang="en-US" sz="2400" dirty="0" err="1" smtClean="0"/>
-              <a:t>TSan</a:t>
-            </a:r>
-            <a:r>
-              <a:rPr lang="en-US" sz="2400" dirty="0" smtClean="0"/>
-              <a:t> data race runtime analysis</a:t>
-            </a:r>
-          </a:p>
-          <a:p>
-            <a:r>
-              <a:rPr lang="en-US" sz="2400" dirty="0" smtClean="0"/>
-              <a:t>Instrumented OpenMP runtime</a:t>
-            </a:r>
-          </a:p>
-          <a:p>
-            <a:pPr lvl="1"/>
-            <a:r>
-              <a:rPr lang="en-US" sz="2000" dirty="0" smtClean="0">
-                <a:effectLst/>
-              </a:rPr>
-              <a:t>Annotations mechanism to communicate </a:t>
-            </a:r>
-            <a:r>
-              <a:rPr lang="en-US" sz="2000" dirty="0" err="1" smtClean="0">
-                <a:effectLst/>
-              </a:rPr>
-              <a:t>TSan</a:t>
-            </a:r>
-            <a:r>
-              <a:rPr lang="en-US" sz="2000" dirty="0" smtClean="0">
-                <a:effectLst/>
-              </a:rPr>
-              <a:t> runtime about happens-before relations between threads</a:t>
-            </a:r>
-          </a:p>
-          <a:p>
-            <a:pPr lvl="1"/>
-            <a:r>
-              <a:rPr lang="en-US" sz="2000" dirty="0" smtClean="0"/>
-              <a:t>Unknown synchronization mechanism (i.e. barriers, </a:t>
-            </a:r>
-            <a:r>
-              <a:rPr lang="en-US" sz="2000" dirty="0" err="1" smtClean="0"/>
-              <a:t>criticals</a:t>
-            </a:r>
-            <a:r>
-              <a:rPr lang="en-US" sz="2000" dirty="0" smtClean="0"/>
-              <a:t>, etc</a:t>
-            </a:r>
-            <a:r>
-              <a:rPr lang="en-US" sz="2000" dirty="0"/>
-              <a:t>.</a:t>
-            </a:r>
-            <a:r>
-              <a:rPr lang="en-US" sz="2000" dirty="0" smtClean="0"/>
-              <a:t>)</a:t>
-            </a:r>
-            <a:endParaRPr lang="en-US" sz="2000" dirty="0">
-              <a:effectLst/>
-            </a:endParaRPr>
-          </a:p>
-        </p:txBody>
-      </p:sp>
-    </p:spTree>
-    <p:extLst>
-      <p:ext uri="{BB962C8B-B14F-4D97-AF65-F5344CB8AC3E}">
-        <p14:creationId xmlns:p14="http://schemas.microsoft.com/office/powerpoint/2010/main" val="3598220810"/>
       </p:ext>
     </p:extLst>
   </p:cSld>
@@ -5690,6 +6019,200 @@
           <a:p>
             <a:pPr algn="l"/>
             <a:r>
+              <a:rPr lang="en-US" dirty="0" smtClean="0"/>
+              <a:t>Archer v1</a:t>
+            </a:r>
+            <a:br>
+              <a:rPr lang="en-US" dirty="0" smtClean="0"/>
+            </a:br>
+            <a:r>
+              <a:rPr lang="en-US" sz="2700" dirty="0" smtClean="0"/>
+              <a:t>Combining Static and Dynamic Analysis</a:t>
+            </a:r>
+            <a:endParaRPr lang="en-US" sz="2700" dirty="0"/>
+          </a:p>
+        </p:txBody>
+      </p:sp>
+      <p:pic>
+        <p:nvPicPr>
+          <p:cNvPr id="17" name="Picture 16" descr="archerdiagram.pdf"/>
+          <p:cNvPicPr>
+            <a:picLocks noChangeAspect="1"/>
+          </p:cNvPicPr>
+          <p:nvPr/>
+        </p:nvPicPr>
+        <p:blipFill>
+          <a:blip r:embed="rId3">
+            <a:extLst>
+              <a:ext uri="{28A0092B-C50C-407E-A947-70E740481C1C}">
+                <a14:useLocalDpi xmlns:a14="http://schemas.microsoft.com/office/drawing/2010/main" val="0"/>
+              </a:ext>
+            </a:extLst>
+          </a:blip>
+          <a:stretch>
+            <a:fillRect/>
+          </a:stretch>
+        </p:blipFill>
+        <p:spPr>
+          <a:xfrm>
+            <a:off x="457200" y="1611310"/>
+            <a:ext cx="8229600" cy="2307885"/>
+          </a:xfrm>
+          <a:prstGeom prst="rect">
+            <a:avLst/>
+          </a:prstGeom>
+        </p:spPr>
+      </p:pic>
+      <p:sp>
+        <p:nvSpPr>
+          <p:cNvPr id="19" name="Content Placeholder 15"/>
+          <p:cNvSpPr>
+            <a:spLocks noGrp="1"/>
+          </p:cNvSpPr>
+          <p:nvPr>
+            <p:ph idx="1"/>
+          </p:nvPr>
+        </p:nvSpPr>
+        <p:spPr>
+          <a:xfrm>
+            <a:off x="457200" y="3919195"/>
+            <a:ext cx="8229600" cy="2579102"/>
+          </a:xfrm>
+        </p:spPr>
+        <p:txBody>
+          <a:bodyPr>
+            <a:noAutofit/>
+          </a:bodyPr>
+          <a:lstStyle/>
+          <a:p>
+            <a:r>
+              <a:rPr lang="en-US" sz="2400" dirty="0" smtClean="0">
+                <a:effectLst/>
+              </a:rPr>
+              <a:t>LLVM/Clang based tool</a:t>
+            </a:r>
+          </a:p>
+          <a:p>
+            <a:r>
+              <a:rPr lang="en-US" sz="2400" dirty="0" err="1" smtClean="0"/>
+              <a:t>TSan</a:t>
+            </a:r>
+            <a:r>
+              <a:rPr lang="en-US" sz="2400" dirty="0" smtClean="0"/>
+              <a:t> data race runtime analysis</a:t>
+            </a:r>
+          </a:p>
+          <a:p>
+            <a:r>
+              <a:rPr lang="en-US" sz="2400" dirty="0" smtClean="0"/>
+              <a:t>Instrumented OpenMP runtime</a:t>
+            </a:r>
+          </a:p>
+          <a:p>
+            <a:pPr lvl="1"/>
+            <a:r>
+              <a:rPr lang="en-US" sz="2000" dirty="0" smtClean="0">
+                <a:effectLst/>
+              </a:rPr>
+              <a:t>Annotations mechanism to communicate </a:t>
+            </a:r>
+            <a:r>
+              <a:rPr lang="en-US" sz="2000" dirty="0" err="1" smtClean="0">
+                <a:effectLst/>
+              </a:rPr>
+              <a:t>TSan</a:t>
+            </a:r>
+            <a:r>
+              <a:rPr lang="en-US" sz="2000" dirty="0" smtClean="0">
+                <a:effectLst/>
+              </a:rPr>
+              <a:t> runtime about happens-before relations between threads</a:t>
+            </a:r>
+          </a:p>
+          <a:p>
+            <a:pPr lvl="1"/>
+            <a:r>
+              <a:rPr lang="en-US" sz="2000" dirty="0" smtClean="0"/>
+              <a:t>Unknown synchronization mechanism (i.e. barriers, </a:t>
+            </a:r>
+            <a:r>
+              <a:rPr lang="en-US" sz="2000" dirty="0" err="1" smtClean="0"/>
+              <a:t>criticals</a:t>
+            </a:r>
+            <a:r>
+              <a:rPr lang="en-US" sz="2000" dirty="0" smtClean="0"/>
+              <a:t>, etc</a:t>
+            </a:r>
+            <a:r>
+              <a:rPr lang="en-US" sz="2000" dirty="0"/>
+              <a:t>.</a:t>
+            </a:r>
+            <a:r>
+              <a:rPr lang="en-US" sz="2000" dirty="0" smtClean="0"/>
+              <a:t>)</a:t>
+            </a:r>
+            <a:endParaRPr lang="en-US" sz="2000" dirty="0">
+              <a:effectLst/>
+            </a:endParaRPr>
+          </a:p>
+        </p:txBody>
+      </p:sp>
+    </p:spTree>
+    <p:extLst>
+      <p:ext uri="{BB962C8B-B14F-4D97-AF65-F5344CB8AC3E}">
+        <p14:creationId xmlns:p14="http://schemas.microsoft.com/office/powerpoint/2010/main" val="3598220810"/>
+      </p:ext>
+    </p:extLst>
+  </p:cSld>
+  <p:clrMapOvr>
+    <a:masterClrMapping/>
+  </p:clrMapOvr>
+  <p:timing>
+    <p:tnLst>
+      <p:par>
+        <p:cTn xmlns:p14="http://schemas.microsoft.com/office/powerpoint/2010/main" id="1" dur="indefinite" restart="never" nodeType="tmRoot"/>
+      </p:par>
+    </p:tnLst>
+  </p:timing>
+</p:sld>
+</file>
+
+<file path=ppt/slides/slide16.xml><?xml version="1.0" encoding="utf-8"?>
+<p:sld xmlns:a="http://schemas.openxmlformats.org/drawingml/2006/main" xmlns:r="http://schemas.openxmlformats.org/officeDocument/2006/relationships" xmlns:p="http://schemas.openxmlformats.org/presentationml/2006/main">
+  <p:cSld>
+    <p:spTree>
+      <p:nvGrpSpPr>
+        <p:cNvPr id="1" name=""/>
+        <p:cNvGrpSpPr/>
+        <p:nvPr/>
+      </p:nvGrpSpPr>
+      <p:grpSpPr>
+        <a:xfrm>
+          <a:off x="0" y="0"/>
+          <a:ext cx="0" cy="0"/>
+          <a:chOff x="0" y="0"/>
+          <a:chExt cx="0" cy="0"/>
+        </a:xfrm>
+      </p:grpSpPr>
+      <p:sp>
+        <p:nvSpPr>
+          <p:cNvPr id="2" name="Title 1"/>
+          <p:cNvSpPr>
+            <a:spLocks noGrp="1"/>
+          </p:cNvSpPr>
+          <p:nvPr>
+            <p:ph type="title"/>
+          </p:nvPr>
+        </p:nvSpPr>
+        <p:spPr/>
+        <p:txBody>
+          <a:bodyPr>
+            <a:normAutofit fontScale="90000"/>
+          </a:bodyPr>
+          <a:lstStyle/>
+          <a:p>
+            <a:pPr algn="l"/>
+            <a:r>
               <a:rPr lang="en-US" dirty="0" smtClean="0">
                 <a:solidFill>
                   <a:prstClr val="black"/>
@@ -5793,7 +6316,7 @@
 </p:sld>
 </file>
 
-<file path=ppt/slides/slide16.xml><?xml version="1.0" encoding="utf-8"?>
+<file path=ppt/slides/slide17.xml><?xml version="1.0" encoding="utf-8"?>
 <p:sld xmlns:a="http://schemas.openxmlformats.org/drawingml/2006/main" xmlns:r="http://schemas.openxmlformats.org/officeDocument/2006/relationships" xmlns:p="http://schemas.openxmlformats.org/presentationml/2006/main">
   <p:cSld>
     <p:spTree>

--- a/presentation/presentation.pptx
+++ b/presentation/presentation.pptx
@@ -5,10 +5,10 @@
     <p:sldMasterId id="2147483648" r:id="rId1"/>
   </p:sldMasterIdLst>
   <p:notesMasterIdLst>
-    <p:notesMasterId r:id="rId19"/>
+    <p:notesMasterId r:id="rId21"/>
   </p:notesMasterIdLst>
   <p:handoutMasterIdLst>
-    <p:handoutMasterId r:id="rId20"/>
+    <p:handoutMasterId r:id="rId22"/>
   </p:handoutMasterIdLst>
   <p:sldIdLst>
     <p:sldId id="256" r:id="rId2"/>
@@ -25,9 +25,11 @@
     <p:sldId id="261" r:id="rId13"/>
     <p:sldId id="260" r:id="rId14"/>
     <p:sldId id="262" r:id="rId15"/>
-    <p:sldId id="263" r:id="rId16"/>
-    <p:sldId id="268" r:id="rId17"/>
-    <p:sldId id="269" r:id="rId18"/>
+    <p:sldId id="274" r:id="rId16"/>
+    <p:sldId id="263" r:id="rId17"/>
+    <p:sldId id="275" r:id="rId18"/>
+    <p:sldId id="268" r:id="rId19"/>
+    <p:sldId id="269" r:id="rId20"/>
   </p:sldIdLst>
   <p:sldSz cx="9144000" cy="6858000" type="screen4x3"/>
   <p:notesSz cx="6858000" cy="9144000"/>
@@ -964,6 +966,174 @@
             <a:fld id="{A1129A4B-D84D-454A-A538-E27153618149}" type="slidenum">
               <a:rPr lang="en-US" smtClean="0"/>
               <a:t>15</a:t>
+            </a:fld>
+            <a:endParaRPr lang="en-US"/>
+          </a:p>
+        </p:txBody>
+      </p:sp>
+    </p:spTree>
+    <p:extLst>
+      <p:ext uri="{BB962C8B-B14F-4D97-AF65-F5344CB8AC3E}">
+        <p14:creationId xmlns:p14="http://schemas.microsoft.com/office/powerpoint/2010/main" val="2140486430"/>
+      </p:ext>
+    </p:extLst>
+  </p:cSld>
+  <p:clrMapOvr>
+    <a:masterClrMapping/>
+  </p:clrMapOvr>
+</p:notes>
+</file>
+
+<file path=ppt/notesSlides/notesSlide5.xml><?xml version="1.0" encoding="utf-8"?>
+<p:notes xmlns:a="http://schemas.openxmlformats.org/drawingml/2006/main" xmlns:r="http://schemas.openxmlformats.org/officeDocument/2006/relationships" xmlns:p="http://schemas.openxmlformats.org/presentationml/2006/main">
+  <p:cSld>
+    <p:spTree>
+      <p:nvGrpSpPr>
+        <p:cNvPr id="1" name=""/>
+        <p:cNvGrpSpPr/>
+        <p:nvPr/>
+      </p:nvGrpSpPr>
+      <p:grpSpPr>
+        <a:xfrm>
+          <a:off x="0" y="0"/>
+          <a:ext cx="0" cy="0"/>
+          <a:chOff x="0" y="0"/>
+          <a:chExt cx="0" cy="0"/>
+        </a:xfrm>
+      </p:grpSpPr>
+      <p:sp>
+        <p:nvSpPr>
+          <p:cNvPr id="2" name="Slide Image Placeholder 1"/>
+          <p:cNvSpPr>
+            <a:spLocks noGrp="1" noRot="1" noChangeAspect="1"/>
+          </p:cNvSpPr>
+          <p:nvPr>
+            <p:ph type="sldImg"/>
+          </p:nvPr>
+        </p:nvSpPr>
+        <p:spPr/>
+      </p:sp>
+      <p:sp>
+        <p:nvSpPr>
+          <p:cNvPr id="3" name="Notes Placeholder 2"/>
+          <p:cNvSpPr>
+            <a:spLocks noGrp="1"/>
+          </p:cNvSpPr>
+          <p:nvPr>
+            <p:ph type="body" idx="1"/>
+          </p:nvPr>
+        </p:nvSpPr>
+        <p:spPr/>
+        <p:txBody>
+          <a:bodyPr/>
+          <a:lstStyle/>
+          <a:p>
+            <a:endParaRPr lang="en-US" dirty="0"/>
+          </a:p>
+        </p:txBody>
+      </p:sp>
+      <p:sp>
+        <p:nvSpPr>
+          <p:cNvPr id="4" name="Slide Number Placeholder 3"/>
+          <p:cNvSpPr>
+            <a:spLocks noGrp="1"/>
+          </p:cNvSpPr>
+          <p:nvPr>
+            <p:ph type="sldNum" sz="quarter" idx="10"/>
+          </p:nvPr>
+        </p:nvSpPr>
+        <p:spPr/>
+        <p:txBody>
+          <a:bodyPr/>
+          <a:lstStyle/>
+          <a:p>
+            <a:fld id="{A1129A4B-D84D-454A-A538-E27153618149}" type="slidenum">
+              <a:rPr lang="en-US" smtClean="0"/>
+              <a:t>16</a:t>
+            </a:fld>
+            <a:endParaRPr lang="en-US"/>
+          </a:p>
+        </p:txBody>
+      </p:sp>
+    </p:spTree>
+    <p:extLst>
+      <p:ext uri="{BB962C8B-B14F-4D97-AF65-F5344CB8AC3E}">
+        <p14:creationId xmlns:p14="http://schemas.microsoft.com/office/powerpoint/2010/main" val="2140486430"/>
+      </p:ext>
+    </p:extLst>
+  </p:cSld>
+  <p:clrMapOvr>
+    <a:masterClrMapping/>
+  </p:clrMapOvr>
+</p:notes>
+</file>
+
+<file path=ppt/notesSlides/notesSlide6.xml><?xml version="1.0" encoding="utf-8"?>
+<p:notes xmlns:a="http://schemas.openxmlformats.org/drawingml/2006/main" xmlns:r="http://schemas.openxmlformats.org/officeDocument/2006/relationships" xmlns:p="http://schemas.openxmlformats.org/presentationml/2006/main">
+  <p:cSld>
+    <p:spTree>
+      <p:nvGrpSpPr>
+        <p:cNvPr id="1" name=""/>
+        <p:cNvGrpSpPr/>
+        <p:nvPr/>
+      </p:nvGrpSpPr>
+      <p:grpSpPr>
+        <a:xfrm>
+          <a:off x="0" y="0"/>
+          <a:ext cx="0" cy="0"/>
+          <a:chOff x="0" y="0"/>
+          <a:chExt cx="0" cy="0"/>
+        </a:xfrm>
+      </p:grpSpPr>
+      <p:sp>
+        <p:nvSpPr>
+          <p:cNvPr id="2" name="Slide Image Placeholder 1"/>
+          <p:cNvSpPr>
+            <a:spLocks noGrp="1" noRot="1" noChangeAspect="1"/>
+          </p:cNvSpPr>
+          <p:nvPr>
+            <p:ph type="sldImg"/>
+          </p:nvPr>
+        </p:nvSpPr>
+        <p:spPr/>
+      </p:sp>
+      <p:sp>
+        <p:nvSpPr>
+          <p:cNvPr id="3" name="Notes Placeholder 2"/>
+          <p:cNvSpPr>
+            <a:spLocks noGrp="1"/>
+          </p:cNvSpPr>
+          <p:nvPr>
+            <p:ph type="body" idx="1"/>
+          </p:nvPr>
+        </p:nvSpPr>
+        <p:spPr/>
+        <p:txBody>
+          <a:bodyPr/>
+          <a:lstStyle/>
+          <a:p>
+            <a:endParaRPr lang="en-US" dirty="0"/>
+          </a:p>
+        </p:txBody>
+      </p:sp>
+      <p:sp>
+        <p:nvSpPr>
+          <p:cNvPr id="4" name="Slide Number Placeholder 3"/>
+          <p:cNvSpPr>
+            <a:spLocks noGrp="1"/>
+          </p:cNvSpPr>
+          <p:nvPr>
+            <p:ph type="sldNum" sz="quarter" idx="10"/>
+          </p:nvPr>
+        </p:nvSpPr>
+        <p:spPr/>
+        <p:txBody>
+          <a:bodyPr/>
+          <a:lstStyle/>
+          <a:p>
+            <a:fld id="{A1129A4B-D84D-454A-A538-E27153618149}" type="slidenum">
+              <a:rPr lang="en-US" smtClean="0"/>
+              <a:t>17</a:t>
             </a:fld>
             <a:endParaRPr lang="en-US"/>
           </a:p>
@@ -4812,7 +4982,7 @@
         <p:spPr/>
         <p:txBody>
           <a:bodyPr>
-            <a:normAutofit fontScale="92500" lnSpcReduction="20000"/>
+            <a:normAutofit fontScale="85000" lnSpcReduction="10000"/>
           </a:bodyPr>
           <a:lstStyle/>
           <a:p>
@@ -4862,7 +5032,10 @@
           </a:p>
           <a:p>
             <a:pPr lvl="1"/>
-            <a:endParaRPr lang="en-US" b="1" dirty="0" smtClean="0"/>
+            <a:r>
+              <a:rPr lang="en-US" dirty="0" smtClean="0"/>
+              <a:t>Exploit structured OpenMP parallelism</a:t>
+            </a:r>
           </a:p>
           <a:p>
             <a:r>
@@ -4872,7 +5045,11 @@
           </a:p>
           <a:p>
             <a:pPr lvl="1"/>
-            <a:endParaRPr lang="en-US" b="1" dirty="0"/>
+            <a:r>
+              <a:rPr lang="en-US" dirty="0" smtClean="0"/>
+              <a:t>Embed static techniques with new runtime algorithm</a:t>
+            </a:r>
+            <a:endParaRPr lang="en-US" dirty="0"/>
           </a:p>
         </p:txBody>
       </p:sp>
@@ -5118,7 +5295,11 @@
             </a:br>
             <a:r>
               <a:rPr lang="en-US" sz="2700" dirty="0" smtClean="0"/>
-              <a:t>Blacklisting Sequential Code</a:t>
+              <a:t>Blacklisting Sequential </a:t>
+            </a:r>
+            <a:r>
+              <a:rPr lang="en-US" sz="2700" dirty="0" smtClean="0"/>
+              <a:t>Code</a:t>
             </a:r>
             <a:endParaRPr lang="en-US" sz="2700" dirty="0"/>
           </a:p>
@@ -6086,81 +6267,71 @@
           <a:lstStyle/>
           <a:p>
             <a:r>
+              <a:rPr lang="en-US" sz="2400" dirty="0"/>
+              <a:t>LLVM/Clang based </a:t>
+            </a:r>
+            <a:r>
+              <a:rPr lang="en-US" sz="2400" dirty="0" smtClean="0"/>
+              <a:t>tool</a:t>
+            </a:r>
+            <a:endParaRPr lang="en-US" sz="2400" dirty="0" smtClean="0">
+              <a:effectLst/>
+            </a:endParaRPr>
+          </a:p>
+          <a:p>
+            <a:r>
               <a:rPr lang="en-US" sz="2400" dirty="0" smtClean="0">
                 <a:effectLst/>
               </a:rPr>
-              <a:t>LLVM/Clang based tool</a:t>
-            </a:r>
-          </a:p>
-          <a:p>
+              <a:t>LLVM Passes </a:t>
+            </a:r>
+            <a:endParaRPr lang="en-US" sz="2400" dirty="0" smtClean="0">
+              <a:effectLst/>
+            </a:endParaRPr>
+          </a:p>
+          <a:p>
+            <a:pPr lvl="1"/>
+            <a:r>
+              <a:rPr lang="en-US" sz="2000" dirty="0" smtClean="0"/>
+              <a:t>Sequential blacklisting</a:t>
+            </a:r>
+          </a:p>
+          <a:p>
+            <a:pPr lvl="1"/>
+            <a:r>
+              <a:rPr lang="en-US" sz="2000" dirty="0" smtClean="0"/>
+              <a:t>Polly + custom pass to identify OpenMP for-loops</a:t>
+            </a:r>
+            <a:endParaRPr lang="en-US" sz="2000" dirty="0" smtClean="0"/>
+          </a:p>
+          <a:p>
+            <a:r>
+              <a:rPr lang="en-US" sz="2400" dirty="0" smtClean="0"/>
+              <a:t>Custom </a:t>
+            </a:r>
             <a:r>
               <a:rPr lang="en-US" sz="2400" dirty="0" err="1" smtClean="0"/>
               <a:t>TSan</a:t>
             </a:r>
             <a:r>
               <a:rPr lang="en-US" sz="2400" dirty="0" smtClean="0"/>
-              <a:t> data race runtime analysis</a:t>
-            </a:r>
-          </a:p>
-          <a:p>
-            <a:r>
-              <a:rPr lang="en-US" sz="2400" dirty="0" smtClean="0"/>
-              <a:t>Instrumented OpenMP runtime</a:t>
+              <a:t> instrumentation process</a:t>
             </a:r>
           </a:p>
           <a:p>
             <a:pPr lvl="1"/>
             <a:r>
-              <a:rPr lang="en-US" sz="2000" dirty="0" smtClean="0">
-                <a:effectLst/>
-              </a:rPr>
-              <a:t>Annotations mechanism to communicate </a:t>
-            </a:r>
-            <a:r>
-              <a:rPr lang="en-US" sz="2000" dirty="0" err="1" smtClean="0">
-                <a:effectLst/>
-              </a:rPr>
-              <a:t>TSan</a:t>
-            </a:r>
-            <a:r>
-              <a:rPr lang="en-US" sz="2000" dirty="0" smtClean="0">
-                <a:effectLst/>
-              </a:rPr>
-              <a:t> runtime about happens-before relations between threads</a:t>
-            </a:r>
-          </a:p>
-          <a:p>
-            <a:pPr lvl="1"/>
-            <a:r>
               <a:rPr lang="en-US" sz="2000" dirty="0" smtClean="0"/>
-              <a:t>Unknown synchronization mechanism (i.e. barriers, </a:t>
-            </a:r>
-            <a:r>
-              <a:rPr lang="en-US" sz="2000" dirty="0" err="1" smtClean="0"/>
-              <a:t>criticals</a:t>
-            </a:r>
-            <a:r>
-              <a:rPr lang="en-US" sz="2000" dirty="0" smtClean="0"/>
-              <a:t>, etc</a:t>
-            </a:r>
-            <a:r>
-              <a:rPr lang="en-US" sz="2000" dirty="0"/>
-              <a:t>.</a:t>
-            </a:r>
-            <a:r>
-              <a:rPr lang="en-US" sz="2000" dirty="0" smtClean="0"/>
-              <a:t>)</a:t>
-            </a:r>
-            <a:endParaRPr lang="en-US" sz="2000" dirty="0">
-              <a:effectLst/>
-            </a:endParaRPr>
+              <a:t>Exploit static analysis result to exclude race free code from runtime analysis</a:t>
+            </a:r>
+            <a:endParaRPr lang="en-US" sz="2000" dirty="0" smtClean="0"/>
           </a:p>
         </p:txBody>
       </p:sp>
     </p:spTree>
     <p:extLst>
       <p:ext uri="{BB962C8B-B14F-4D97-AF65-F5344CB8AC3E}">
-        <p14:creationId xmlns:p14="http://schemas.microsoft.com/office/powerpoint/2010/main" val="3598220810"/>
+        <p14:creationId xmlns:p14="http://schemas.microsoft.com/office/powerpoint/2010/main" val="1252320385"/>
       </p:ext>
     </p:extLst>
   </p:cSld>
@@ -6213,6 +6384,384 @@
           <a:p>
             <a:pPr algn="l"/>
             <a:r>
+              <a:rPr lang="en-US" dirty="0" smtClean="0"/>
+              <a:t>Archer v1</a:t>
+            </a:r>
+            <a:br>
+              <a:rPr lang="en-US" dirty="0" smtClean="0"/>
+            </a:br>
+            <a:r>
+              <a:rPr lang="en-US" sz="2700" dirty="0" smtClean="0"/>
+              <a:t>Combining Static and Dynamic Analysis</a:t>
+            </a:r>
+            <a:endParaRPr lang="en-US" sz="2700" dirty="0"/>
+          </a:p>
+        </p:txBody>
+      </p:sp>
+      <p:pic>
+        <p:nvPicPr>
+          <p:cNvPr id="17" name="Picture 16" descr="archerdiagram.pdf"/>
+          <p:cNvPicPr>
+            <a:picLocks noChangeAspect="1"/>
+          </p:cNvPicPr>
+          <p:nvPr/>
+        </p:nvPicPr>
+        <p:blipFill>
+          <a:blip r:embed="rId3">
+            <a:extLst>
+              <a:ext uri="{28A0092B-C50C-407E-A947-70E740481C1C}">
+                <a14:useLocalDpi xmlns:a14="http://schemas.microsoft.com/office/drawing/2010/main" val="0"/>
+              </a:ext>
+            </a:extLst>
+          </a:blip>
+          <a:stretch>
+            <a:fillRect/>
+          </a:stretch>
+        </p:blipFill>
+        <p:spPr>
+          <a:xfrm>
+            <a:off x="457200" y="1611310"/>
+            <a:ext cx="8229600" cy="2307885"/>
+          </a:xfrm>
+          <a:prstGeom prst="rect">
+            <a:avLst/>
+          </a:prstGeom>
+        </p:spPr>
+      </p:pic>
+      <p:sp>
+        <p:nvSpPr>
+          <p:cNvPr id="19" name="Content Placeholder 15"/>
+          <p:cNvSpPr>
+            <a:spLocks noGrp="1"/>
+          </p:cNvSpPr>
+          <p:nvPr>
+            <p:ph idx="1"/>
+          </p:nvPr>
+        </p:nvSpPr>
+        <p:spPr>
+          <a:xfrm>
+            <a:off x="457200" y="3919195"/>
+            <a:ext cx="8229600" cy="2579102"/>
+          </a:xfrm>
+        </p:spPr>
+        <p:txBody>
+          <a:bodyPr>
+            <a:noAutofit/>
+          </a:bodyPr>
+          <a:lstStyle/>
+          <a:p>
+            <a:r>
+              <a:rPr lang="en-US" sz="2400" dirty="0" err="1" smtClean="0"/>
+              <a:t>TSan</a:t>
+            </a:r>
+            <a:r>
+              <a:rPr lang="en-US" sz="2400" dirty="0" smtClean="0"/>
+              <a:t> </a:t>
+            </a:r>
+            <a:r>
+              <a:rPr lang="en-US" sz="2400" dirty="0" smtClean="0"/>
+              <a:t>data race runtime analysis</a:t>
+            </a:r>
+          </a:p>
+          <a:p>
+            <a:r>
+              <a:rPr lang="en-US" sz="2400" dirty="0" smtClean="0"/>
+              <a:t>Instrumented OpenMP runtime</a:t>
+            </a:r>
+          </a:p>
+          <a:p>
+            <a:pPr lvl="1"/>
+            <a:r>
+              <a:rPr lang="en-US" sz="2000" dirty="0" smtClean="0">
+                <a:effectLst/>
+              </a:rPr>
+              <a:t>Annotations mechanism to communicate </a:t>
+            </a:r>
+            <a:r>
+              <a:rPr lang="en-US" sz="2000" dirty="0" err="1" smtClean="0">
+                <a:effectLst/>
+              </a:rPr>
+              <a:t>TSan</a:t>
+            </a:r>
+            <a:r>
+              <a:rPr lang="en-US" sz="2000" dirty="0" smtClean="0">
+                <a:effectLst/>
+              </a:rPr>
+              <a:t> runtime about happens-before relations between threads</a:t>
+            </a:r>
+          </a:p>
+          <a:p>
+            <a:pPr lvl="1"/>
+            <a:r>
+              <a:rPr lang="en-US" sz="2000" dirty="0" smtClean="0"/>
+              <a:t>Unknown synchronization mechanism (i.e. barriers, </a:t>
+            </a:r>
+            <a:r>
+              <a:rPr lang="en-US" sz="2000" dirty="0" err="1" smtClean="0"/>
+              <a:t>criticals</a:t>
+            </a:r>
+            <a:r>
+              <a:rPr lang="en-US" sz="2000" dirty="0" smtClean="0"/>
+              <a:t>, etc</a:t>
+            </a:r>
+            <a:r>
+              <a:rPr lang="en-US" sz="2000" dirty="0"/>
+              <a:t>.</a:t>
+            </a:r>
+            <a:r>
+              <a:rPr lang="en-US" sz="2000" dirty="0" smtClean="0"/>
+              <a:t>)</a:t>
+            </a:r>
+            <a:endParaRPr lang="en-US" sz="2000" dirty="0">
+              <a:effectLst/>
+            </a:endParaRPr>
+          </a:p>
+        </p:txBody>
+      </p:sp>
+    </p:spTree>
+    <p:extLst>
+      <p:ext uri="{BB962C8B-B14F-4D97-AF65-F5344CB8AC3E}">
+        <p14:creationId xmlns:p14="http://schemas.microsoft.com/office/powerpoint/2010/main" val="3598220810"/>
+      </p:ext>
+    </p:extLst>
+  </p:cSld>
+  <p:clrMapOvr>
+    <a:masterClrMapping/>
+  </p:clrMapOvr>
+  <p:timing>
+    <p:tnLst>
+      <p:par>
+        <p:cTn xmlns:p14="http://schemas.microsoft.com/office/powerpoint/2010/main" id="1" dur="indefinite" restart="never" nodeType="tmRoot"/>
+      </p:par>
+    </p:tnLst>
+  </p:timing>
+</p:sld>
+</file>
+
+<file path=ppt/slides/slide17.xml><?xml version="1.0" encoding="utf-8"?>
+<p:sld xmlns:a="http://schemas.openxmlformats.org/drawingml/2006/main" xmlns:r="http://schemas.openxmlformats.org/officeDocument/2006/relationships" xmlns:p="http://schemas.openxmlformats.org/presentationml/2006/main">
+  <p:cSld>
+    <p:spTree>
+      <p:nvGrpSpPr>
+        <p:cNvPr id="1" name=""/>
+        <p:cNvGrpSpPr/>
+        <p:nvPr/>
+      </p:nvGrpSpPr>
+      <p:grpSpPr>
+        <a:xfrm>
+          <a:off x="0" y="0"/>
+          <a:ext cx="0" cy="0"/>
+          <a:chOff x="0" y="0"/>
+          <a:chExt cx="0" cy="0"/>
+        </a:xfrm>
+      </p:grpSpPr>
+      <p:sp>
+        <p:nvSpPr>
+          <p:cNvPr id="2" name="Title 1"/>
+          <p:cNvSpPr>
+            <a:spLocks noGrp="1"/>
+          </p:cNvSpPr>
+          <p:nvPr>
+            <p:ph type="title"/>
+          </p:nvPr>
+        </p:nvSpPr>
+        <p:spPr/>
+        <p:txBody>
+          <a:bodyPr>
+            <a:normAutofit fontScale="90000"/>
+          </a:bodyPr>
+          <a:lstStyle/>
+          <a:p>
+            <a:pPr algn="l"/>
+            <a:r>
+              <a:rPr lang="en-US" dirty="0" smtClean="0"/>
+              <a:t>Archer v1</a:t>
+            </a:r>
+            <a:br>
+              <a:rPr lang="en-US" dirty="0" smtClean="0"/>
+            </a:br>
+            <a:r>
+              <a:rPr lang="en-US" sz="2700" dirty="0" smtClean="0"/>
+              <a:t>Accomplished Research</a:t>
+            </a:r>
+            <a:endParaRPr lang="en-US" sz="2700" dirty="0"/>
+          </a:p>
+        </p:txBody>
+      </p:sp>
+      <p:pic>
+        <p:nvPicPr>
+          <p:cNvPr id="17" name="Picture 16" descr="archerdiagram.pdf"/>
+          <p:cNvPicPr>
+            <a:picLocks noChangeAspect="1"/>
+          </p:cNvPicPr>
+          <p:nvPr/>
+        </p:nvPicPr>
+        <p:blipFill>
+          <a:blip r:embed="rId3">
+            <a:extLst>
+              <a:ext uri="{28A0092B-C50C-407E-A947-70E740481C1C}">
+                <a14:useLocalDpi xmlns:a14="http://schemas.microsoft.com/office/drawing/2010/main" val="0"/>
+              </a:ext>
+            </a:extLst>
+          </a:blip>
+          <a:stretch>
+            <a:fillRect/>
+          </a:stretch>
+        </p:blipFill>
+        <p:spPr>
+          <a:xfrm>
+            <a:off x="457200" y="1611310"/>
+            <a:ext cx="8229600" cy="2307885"/>
+          </a:xfrm>
+          <a:prstGeom prst="rect">
+            <a:avLst/>
+          </a:prstGeom>
+        </p:spPr>
+      </p:pic>
+      <p:sp>
+        <p:nvSpPr>
+          <p:cNvPr id="19" name="Content Placeholder 15"/>
+          <p:cNvSpPr>
+            <a:spLocks noGrp="1"/>
+          </p:cNvSpPr>
+          <p:nvPr>
+            <p:ph idx="1"/>
+          </p:nvPr>
+        </p:nvSpPr>
+        <p:spPr>
+          <a:xfrm>
+            <a:off x="457200" y="3919195"/>
+            <a:ext cx="8229600" cy="2579102"/>
+          </a:xfrm>
+        </p:spPr>
+        <p:txBody>
+          <a:bodyPr>
+            <a:noAutofit/>
+          </a:bodyPr>
+          <a:lstStyle/>
+          <a:p>
+            <a:r>
+              <a:rPr lang="en-US" sz="2400" dirty="0" smtClean="0">
+                <a:effectLst/>
+              </a:rPr>
+              <a:t>First open source OpenMP data race detector tool</a:t>
+            </a:r>
+          </a:p>
+          <a:p>
+            <a:r>
+              <a:rPr lang="en-US" sz="2400" dirty="0" smtClean="0">
+                <a:effectLst/>
+              </a:rPr>
+              <a:t>Experimental results show on average 25% reduction of runtime overhead</a:t>
+            </a:r>
+          </a:p>
+          <a:p>
+            <a:r>
+              <a:rPr lang="en-US" sz="2400" dirty="0" smtClean="0">
+                <a:effectLst/>
+              </a:rPr>
+              <a:t>First usage by HPC community</a:t>
+            </a:r>
+          </a:p>
+          <a:p>
+            <a:r>
+              <a:rPr lang="en-US" sz="2400" dirty="0" smtClean="0">
+                <a:effectLst/>
+              </a:rPr>
+              <a:t>Presentation at IPDPS’16</a:t>
+            </a:r>
+            <a:endParaRPr lang="en-US" sz="2400" dirty="0">
+              <a:effectLst/>
+            </a:endParaRPr>
+          </a:p>
+        </p:txBody>
+      </p:sp>
+      <p:pic>
+        <p:nvPicPr>
+          <p:cNvPr id="3" name="Picture 2" descr="archer_logo.pdf"/>
+          <p:cNvPicPr>
+            <a:picLocks noChangeAspect="1"/>
+          </p:cNvPicPr>
+          <p:nvPr/>
+        </p:nvPicPr>
+        <p:blipFill>
+          <a:blip r:embed="rId4">
+            <a:extLst>
+              <a:ext uri="{28A0092B-C50C-407E-A947-70E740481C1C}">
+                <a14:useLocalDpi xmlns:a14="http://schemas.microsoft.com/office/drawing/2010/main" val="0"/>
+              </a:ext>
+            </a:extLst>
+          </a:blip>
+          <a:stretch>
+            <a:fillRect/>
+          </a:stretch>
+        </p:blipFill>
+        <p:spPr>
+          <a:xfrm>
+            <a:off x="5582953" y="4957166"/>
+            <a:ext cx="3103848" cy="1541132"/>
+          </a:xfrm>
+          <a:prstGeom prst="rect">
+            <a:avLst/>
+          </a:prstGeom>
+        </p:spPr>
+      </p:pic>
+    </p:spTree>
+    <p:extLst>
+      <p:ext uri="{BB962C8B-B14F-4D97-AF65-F5344CB8AC3E}">
+        <p14:creationId xmlns:p14="http://schemas.microsoft.com/office/powerpoint/2010/main" val="2451981841"/>
+      </p:ext>
+    </p:extLst>
+  </p:cSld>
+  <p:clrMapOvr>
+    <a:masterClrMapping/>
+  </p:clrMapOvr>
+  <p:timing>
+    <p:tnLst>
+      <p:par>
+        <p:cTn xmlns:p14="http://schemas.microsoft.com/office/powerpoint/2010/main" id="1" dur="indefinite" restart="never" nodeType="tmRoot"/>
+      </p:par>
+    </p:tnLst>
+  </p:timing>
+</p:sld>
+</file>
+
+<file path=ppt/slides/slide18.xml><?xml version="1.0" encoding="utf-8"?>
+<p:sld xmlns:a="http://schemas.openxmlformats.org/drawingml/2006/main" xmlns:r="http://schemas.openxmlformats.org/officeDocument/2006/relationships" xmlns:p="http://schemas.openxmlformats.org/presentationml/2006/main">
+  <p:cSld>
+    <p:spTree>
+      <p:nvGrpSpPr>
+        <p:cNvPr id="1" name=""/>
+        <p:cNvGrpSpPr/>
+        <p:nvPr/>
+      </p:nvGrpSpPr>
+      <p:grpSpPr>
+        <a:xfrm>
+          <a:off x="0" y="0"/>
+          <a:ext cx="0" cy="0"/>
+          <a:chOff x="0" y="0"/>
+          <a:chExt cx="0" cy="0"/>
+        </a:xfrm>
+      </p:grpSpPr>
+      <p:sp>
+        <p:nvSpPr>
+          <p:cNvPr id="2" name="Title 1"/>
+          <p:cNvSpPr>
+            <a:spLocks noGrp="1"/>
+          </p:cNvSpPr>
+          <p:nvPr>
+            <p:ph type="title"/>
+          </p:nvPr>
+        </p:nvSpPr>
+        <p:spPr/>
+        <p:txBody>
+          <a:bodyPr>
+            <a:normAutofit fontScale="90000"/>
+          </a:bodyPr>
+          <a:lstStyle/>
+          <a:p>
+            <a:pPr algn="l"/>
+            <a:r>
               <a:rPr lang="en-US" dirty="0" smtClean="0">
                 <a:solidFill>
                   <a:prstClr val="black"/>
@@ -6316,7 +6865,7 @@
 </p:sld>
 </file>
 
-<file path=ppt/slides/slide17.xml><?xml version="1.0" encoding="utf-8"?>
+<file path=ppt/slides/slide19.xml><?xml version="1.0" encoding="utf-8"?>
 <p:sld xmlns:a="http://schemas.openxmlformats.org/drawingml/2006/main" xmlns:r="http://schemas.openxmlformats.org/officeDocument/2006/relationships" xmlns:p="http://schemas.openxmlformats.org/presentationml/2006/main">
   <p:cSld>
     <p:spTree>

--- a/presentation/presentation.pptx
+++ b/presentation/presentation.pptx
@@ -5,10 +5,10 @@
     <p:sldMasterId id="2147483648" r:id="rId1"/>
   </p:sldMasterIdLst>
   <p:notesMasterIdLst>
-    <p:notesMasterId r:id="rId21"/>
+    <p:notesMasterId r:id="rId25"/>
   </p:notesMasterIdLst>
   <p:handoutMasterIdLst>
-    <p:handoutMasterId r:id="rId22"/>
+    <p:handoutMasterId r:id="rId26"/>
   </p:handoutMasterIdLst>
   <p:sldIdLst>
     <p:sldId id="256" r:id="rId2"/>
@@ -28,8 +28,12 @@
     <p:sldId id="274" r:id="rId16"/>
     <p:sldId id="263" r:id="rId17"/>
     <p:sldId id="275" r:id="rId18"/>
-    <p:sldId id="268" r:id="rId19"/>
-    <p:sldId id="269" r:id="rId20"/>
+    <p:sldId id="278" r:id="rId19"/>
+    <p:sldId id="279" r:id="rId20"/>
+    <p:sldId id="276" r:id="rId21"/>
+    <p:sldId id="277" r:id="rId22"/>
+    <p:sldId id="268" r:id="rId23"/>
+    <p:sldId id="269" r:id="rId24"/>
   </p:sldIdLst>
   <p:sldSz cx="9144000" cy="6858000" type="screen4x3"/>
   <p:notesSz cx="6858000" cy="9144000"/>
@@ -732,6 +736,90 @@
 </p:notes>
 </file>
 
+<file path=ppt/notesSlides/notesSlide10.xml><?xml version="1.0" encoding="utf-8"?>
+<p:notes xmlns:a="http://schemas.openxmlformats.org/drawingml/2006/main" xmlns:r="http://schemas.openxmlformats.org/officeDocument/2006/relationships" xmlns:p="http://schemas.openxmlformats.org/presentationml/2006/main">
+  <p:cSld>
+    <p:spTree>
+      <p:nvGrpSpPr>
+        <p:cNvPr id="1" name=""/>
+        <p:cNvGrpSpPr/>
+        <p:nvPr/>
+      </p:nvGrpSpPr>
+      <p:grpSpPr>
+        <a:xfrm>
+          <a:off x="0" y="0"/>
+          <a:ext cx="0" cy="0"/>
+          <a:chOff x="0" y="0"/>
+          <a:chExt cx="0" cy="0"/>
+        </a:xfrm>
+      </p:grpSpPr>
+      <p:sp>
+        <p:nvSpPr>
+          <p:cNvPr id="2" name="Slide Image Placeholder 1"/>
+          <p:cNvSpPr>
+            <a:spLocks noGrp="1" noRot="1" noChangeAspect="1"/>
+          </p:cNvSpPr>
+          <p:nvPr>
+            <p:ph type="sldImg"/>
+          </p:nvPr>
+        </p:nvSpPr>
+        <p:spPr/>
+      </p:sp>
+      <p:sp>
+        <p:nvSpPr>
+          <p:cNvPr id="3" name="Notes Placeholder 2"/>
+          <p:cNvSpPr>
+            <a:spLocks noGrp="1"/>
+          </p:cNvSpPr>
+          <p:nvPr>
+            <p:ph type="body" idx="1"/>
+          </p:nvPr>
+        </p:nvSpPr>
+        <p:spPr/>
+        <p:txBody>
+          <a:bodyPr/>
+          <a:lstStyle/>
+          <a:p>
+            <a:endParaRPr lang="en-US" dirty="0"/>
+          </a:p>
+        </p:txBody>
+      </p:sp>
+      <p:sp>
+        <p:nvSpPr>
+          <p:cNvPr id="4" name="Slide Number Placeholder 3"/>
+          <p:cNvSpPr>
+            <a:spLocks noGrp="1"/>
+          </p:cNvSpPr>
+          <p:nvPr>
+            <p:ph type="sldNum" sz="quarter" idx="10"/>
+          </p:nvPr>
+        </p:nvSpPr>
+        <p:spPr/>
+        <p:txBody>
+          <a:bodyPr/>
+          <a:lstStyle/>
+          <a:p>
+            <a:fld id="{A1129A4B-D84D-454A-A538-E27153618149}" type="slidenum">
+              <a:rPr lang="en-US" smtClean="0"/>
+              <a:t>21</a:t>
+            </a:fld>
+            <a:endParaRPr lang="en-US"/>
+          </a:p>
+        </p:txBody>
+      </p:sp>
+    </p:spTree>
+    <p:extLst>
+      <p:ext uri="{BB962C8B-B14F-4D97-AF65-F5344CB8AC3E}">
+        <p14:creationId xmlns:p14="http://schemas.microsoft.com/office/powerpoint/2010/main" val="2140486430"/>
+      </p:ext>
+    </p:extLst>
+  </p:cSld>
+  <p:clrMapOvr>
+    <a:masterClrMapping/>
+  </p:clrMapOvr>
+</p:notes>
+</file>
+
 <file path=ppt/notesSlides/notesSlide2.xml><?xml version="1.0" encoding="utf-8"?>
 <p:notes xmlns:a="http://schemas.openxmlformats.org/drawingml/2006/main" xmlns:r="http://schemas.openxmlformats.org/officeDocument/2006/relationships" xmlns:p="http://schemas.openxmlformats.org/presentationml/2006/main">
   <p:cSld>
@@ -1134,6 +1222,258 @@
             <a:fld id="{A1129A4B-D84D-454A-A538-E27153618149}" type="slidenum">
               <a:rPr lang="en-US" smtClean="0"/>
               <a:t>17</a:t>
+            </a:fld>
+            <a:endParaRPr lang="en-US"/>
+          </a:p>
+        </p:txBody>
+      </p:sp>
+    </p:spTree>
+    <p:extLst>
+      <p:ext uri="{BB962C8B-B14F-4D97-AF65-F5344CB8AC3E}">
+        <p14:creationId xmlns:p14="http://schemas.microsoft.com/office/powerpoint/2010/main" val="2140486430"/>
+      </p:ext>
+    </p:extLst>
+  </p:cSld>
+  <p:clrMapOvr>
+    <a:masterClrMapping/>
+  </p:clrMapOvr>
+</p:notes>
+</file>
+
+<file path=ppt/notesSlides/notesSlide7.xml><?xml version="1.0" encoding="utf-8"?>
+<p:notes xmlns:a="http://schemas.openxmlformats.org/drawingml/2006/main" xmlns:r="http://schemas.openxmlformats.org/officeDocument/2006/relationships" xmlns:p="http://schemas.openxmlformats.org/presentationml/2006/main">
+  <p:cSld>
+    <p:spTree>
+      <p:nvGrpSpPr>
+        <p:cNvPr id="1" name=""/>
+        <p:cNvGrpSpPr/>
+        <p:nvPr/>
+      </p:nvGrpSpPr>
+      <p:grpSpPr>
+        <a:xfrm>
+          <a:off x="0" y="0"/>
+          <a:ext cx="0" cy="0"/>
+          <a:chOff x="0" y="0"/>
+          <a:chExt cx="0" cy="0"/>
+        </a:xfrm>
+      </p:grpSpPr>
+      <p:sp>
+        <p:nvSpPr>
+          <p:cNvPr id="2" name="Slide Image Placeholder 1"/>
+          <p:cNvSpPr>
+            <a:spLocks noGrp="1" noRot="1" noChangeAspect="1"/>
+          </p:cNvSpPr>
+          <p:nvPr>
+            <p:ph type="sldImg"/>
+          </p:nvPr>
+        </p:nvSpPr>
+        <p:spPr/>
+      </p:sp>
+      <p:sp>
+        <p:nvSpPr>
+          <p:cNvPr id="3" name="Notes Placeholder 2"/>
+          <p:cNvSpPr>
+            <a:spLocks noGrp="1"/>
+          </p:cNvSpPr>
+          <p:nvPr>
+            <p:ph type="body" idx="1"/>
+          </p:nvPr>
+        </p:nvSpPr>
+        <p:spPr/>
+        <p:txBody>
+          <a:bodyPr/>
+          <a:lstStyle/>
+          <a:p>
+            <a:endParaRPr lang="en-US" dirty="0"/>
+          </a:p>
+        </p:txBody>
+      </p:sp>
+      <p:sp>
+        <p:nvSpPr>
+          <p:cNvPr id="4" name="Slide Number Placeholder 3"/>
+          <p:cNvSpPr>
+            <a:spLocks noGrp="1"/>
+          </p:cNvSpPr>
+          <p:nvPr>
+            <p:ph type="sldNum" sz="quarter" idx="10"/>
+          </p:nvPr>
+        </p:nvSpPr>
+        <p:spPr/>
+        <p:txBody>
+          <a:bodyPr/>
+          <a:lstStyle/>
+          <a:p>
+            <a:fld id="{A1129A4B-D84D-454A-A538-E27153618149}" type="slidenum">
+              <a:rPr lang="en-US" smtClean="0"/>
+              <a:t>18</a:t>
+            </a:fld>
+            <a:endParaRPr lang="en-US"/>
+          </a:p>
+        </p:txBody>
+      </p:sp>
+    </p:spTree>
+    <p:extLst>
+      <p:ext uri="{BB962C8B-B14F-4D97-AF65-F5344CB8AC3E}">
+        <p14:creationId xmlns:p14="http://schemas.microsoft.com/office/powerpoint/2010/main" val="2140486430"/>
+      </p:ext>
+    </p:extLst>
+  </p:cSld>
+  <p:clrMapOvr>
+    <a:masterClrMapping/>
+  </p:clrMapOvr>
+</p:notes>
+</file>
+
+<file path=ppt/notesSlides/notesSlide8.xml><?xml version="1.0" encoding="utf-8"?>
+<p:notes xmlns:a="http://schemas.openxmlformats.org/drawingml/2006/main" xmlns:r="http://schemas.openxmlformats.org/officeDocument/2006/relationships" xmlns:p="http://schemas.openxmlformats.org/presentationml/2006/main">
+  <p:cSld>
+    <p:spTree>
+      <p:nvGrpSpPr>
+        <p:cNvPr id="1" name=""/>
+        <p:cNvGrpSpPr/>
+        <p:nvPr/>
+      </p:nvGrpSpPr>
+      <p:grpSpPr>
+        <a:xfrm>
+          <a:off x="0" y="0"/>
+          <a:ext cx="0" cy="0"/>
+          <a:chOff x="0" y="0"/>
+          <a:chExt cx="0" cy="0"/>
+        </a:xfrm>
+      </p:grpSpPr>
+      <p:sp>
+        <p:nvSpPr>
+          <p:cNvPr id="2" name="Slide Image Placeholder 1"/>
+          <p:cNvSpPr>
+            <a:spLocks noGrp="1" noRot="1" noChangeAspect="1"/>
+          </p:cNvSpPr>
+          <p:nvPr>
+            <p:ph type="sldImg"/>
+          </p:nvPr>
+        </p:nvSpPr>
+        <p:spPr/>
+      </p:sp>
+      <p:sp>
+        <p:nvSpPr>
+          <p:cNvPr id="3" name="Notes Placeholder 2"/>
+          <p:cNvSpPr>
+            <a:spLocks noGrp="1"/>
+          </p:cNvSpPr>
+          <p:nvPr>
+            <p:ph type="body" idx="1"/>
+          </p:nvPr>
+        </p:nvSpPr>
+        <p:spPr/>
+        <p:txBody>
+          <a:bodyPr/>
+          <a:lstStyle/>
+          <a:p>
+            <a:endParaRPr lang="en-US" dirty="0"/>
+          </a:p>
+        </p:txBody>
+      </p:sp>
+      <p:sp>
+        <p:nvSpPr>
+          <p:cNvPr id="4" name="Slide Number Placeholder 3"/>
+          <p:cNvSpPr>
+            <a:spLocks noGrp="1"/>
+          </p:cNvSpPr>
+          <p:nvPr>
+            <p:ph type="sldNum" sz="quarter" idx="10"/>
+          </p:nvPr>
+        </p:nvSpPr>
+        <p:spPr/>
+        <p:txBody>
+          <a:bodyPr/>
+          <a:lstStyle/>
+          <a:p>
+            <a:fld id="{A1129A4B-D84D-454A-A538-E27153618149}" type="slidenum">
+              <a:rPr lang="en-US" smtClean="0"/>
+              <a:t>19</a:t>
+            </a:fld>
+            <a:endParaRPr lang="en-US"/>
+          </a:p>
+        </p:txBody>
+      </p:sp>
+    </p:spTree>
+    <p:extLst>
+      <p:ext uri="{BB962C8B-B14F-4D97-AF65-F5344CB8AC3E}">
+        <p14:creationId xmlns:p14="http://schemas.microsoft.com/office/powerpoint/2010/main" val="2140486430"/>
+      </p:ext>
+    </p:extLst>
+  </p:cSld>
+  <p:clrMapOvr>
+    <a:masterClrMapping/>
+  </p:clrMapOvr>
+</p:notes>
+</file>
+
+<file path=ppt/notesSlides/notesSlide9.xml><?xml version="1.0" encoding="utf-8"?>
+<p:notes xmlns:a="http://schemas.openxmlformats.org/drawingml/2006/main" xmlns:r="http://schemas.openxmlformats.org/officeDocument/2006/relationships" xmlns:p="http://schemas.openxmlformats.org/presentationml/2006/main">
+  <p:cSld>
+    <p:spTree>
+      <p:nvGrpSpPr>
+        <p:cNvPr id="1" name=""/>
+        <p:cNvGrpSpPr/>
+        <p:nvPr/>
+      </p:nvGrpSpPr>
+      <p:grpSpPr>
+        <a:xfrm>
+          <a:off x="0" y="0"/>
+          <a:ext cx="0" cy="0"/>
+          <a:chOff x="0" y="0"/>
+          <a:chExt cx="0" cy="0"/>
+        </a:xfrm>
+      </p:grpSpPr>
+      <p:sp>
+        <p:nvSpPr>
+          <p:cNvPr id="2" name="Slide Image Placeholder 1"/>
+          <p:cNvSpPr>
+            <a:spLocks noGrp="1" noRot="1" noChangeAspect="1"/>
+          </p:cNvSpPr>
+          <p:nvPr>
+            <p:ph type="sldImg"/>
+          </p:nvPr>
+        </p:nvSpPr>
+        <p:spPr/>
+      </p:sp>
+      <p:sp>
+        <p:nvSpPr>
+          <p:cNvPr id="3" name="Notes Placeholder 2"/>
+          <p:cNvSpPr>
+            <a:spLocks noGrp="1"/>
+          </p:cNvSpPr>
+          <p:nvPr>
+            <p:ph type="body" idx="1"/>
+          </p:nvPr>
+        </p:nvSpPr>
+        <p:spPr/>
+        <p:txBody>
+          <a:bodyPr/>
+          <a:lstStyle/>
+          <a:p>
+            <a:endParaRPr lang="en-US" dirty="0"/>
+          </a:p>
+        </p:txBody>
+      </p:sp>
+      <p:sp>
+        <p:nvSpPr>
+          <p:cNvPr id="4" name="Slide Number Placeholder 3"/>
+          <p:cNvSpPr>
+            <a:spLocks noGrp="1"/>
+          </p:cNvSpPr>
+          <p:nvPr>
+            <p:ph type="sldNum" sz="quarter" idx="10"/>
+          </p:nvPr>
+        </p:nvSpPr>
+        <p:spPr/>
+        <p:txBody>
+          <a:bodyPr/>
+          <a:lstStyle/>
+          <a:p>
+            <a:fld id="{A1129A4B-D84D-454A-A538-E27153618149}" type="slidenum">
+              <a:rPr lang="en-US" smtClean="0"/>
+              <a:t>20</a:t>
             </a:fld>
             <a:endParaRPr lang="en-US"/>
           </a:p>
@@ -6762,93 +7102,58 @@
           <a:p>
             <a:pPr algn="l"/>
             <a:r>
-              <a:rPr lang="en-US" dirty="0" smtClean="0">
-                <a:solidFill>
-                  <a:prstClr val="black"/>
-                </a:solidFill>
-              </a:rPr>
-              <a:t>Timeline</a:t>
+              <a:rPr lang="en-US" dirty="0" smtClean="0"/>
+              <a:t>Example</a:t>
+            </a:r>
+            <a:r>
+              <a:rPr lang="en-US" dirty="0" smtClean="0"/>
+              <a:t/>
             </a:r>
             <a:br>
-              <a:rPr lang="en-US" dirty="0" smtClean="0">
-                <a:solidFill>
-                  <a:prstClr val="black"/>
-                </a:solidFill>
-              </a:rPr>
+              <a:rPr lang="en-US" dirty="0" smtClean="0"/>
             </a:br>
             <a:r>
-              <a:rPr lang="en-US" sz="2700" dirty="0" smtClean="0">
-                <a:solidFill>
-                  <a:prstClr val="black"/>
-                </a:solidFill>
-              </a:rPr>
-              <a:t>Past and future publications</a:t>
-            </a:r>
-            <a:endParaRPr lang="en-US" dirty="0"/>
-          </a:p>
-        </p:txBody>
-      </p:sp>
-      <p:sp>
-        <p:nvSpPr>
-          <p:cNvPr id="3" name="Content Placeholder 2"/>
-          <p:cNvSpPr>
-            <a:spLocks noGrp="1"/>
-          </p:cNvSpPr>
-          <p:nvPr>
-            <p:ph idx="1"/>
-          </p:nvPr>
-        </p:nvSpPr>
-        <p:spPr/>
-        <p:txBody>
-          <a:bodyPr>
-            <a:normAutofit/>
-          </a:bodyPr>
-          <a:lstStyle/>
-          <a:p>
-            <a:r>
-              <a:rPr lang="en-US" sz="3000" dirty="0" smtClean="0"/>
-              <a:t>Feasibility of combining static and dynamic analysis for OpenMP data race detection    [LLVM-HPC WS/SC’14]</a:t>
-            </a:r>
-          </a:p>
-          <a:p>
-            <a:r>
-              <a:rPr lang="en-US" sz="3000" dirty="0" smtClean="0"/>
-              <a:t>Archer v1 – static analysis and </a:t>
-            </a:r>
-            <a:r>
-              <a:rPr lang="en-US" sz="3000" dirty="0" err="1" smtClean="0"/>
-              <a:t>TSan</a:t>
-            </a:r>
-            <a:r>
-              <a:rPr lang="en-US" sz="3000" dirty="0" smtClean="0"/>
-              <a:t> runtime [IPDPS’16]</a:t>
-            </a:r>
-          </a:p>
-          <a:p>
-            <a:r>
-              <a:rPr lang="en-US" sz="3000" dirty="0" smtClean="0"/>
-              <a:t>Clock-less runtime algorithm [POPL’17, PPoPP’17]</a:t>
-            </a:r>
-          </a:p>
-          <a:p>
-            <a:r>
-              <a:rPr lang="en-US" sz="3000" dirty="0" smtClean="0"/>
-              <a:t>Archer v2 – static </a:t>
-            </a:r>
-            <a:r>
-              <a:rPr lang="en-US" sz="3000" dirty="0"/>
-              <a:t>analysis and clock-less runtime algorithm [PLDI’17, IPDPS’17]</a:t>
-            </a:r>
-          </a:p>
-          <a:p>
-            <a:endParaRPr lang="en-US" sz="3000" dirty="0"/>
-          </a:p>
-        </p:txBody>
-      </p:sp>
+              <a:rPr lang="en-US" sz="2700" dirty="0" smtClean="0"/>
+              <a:t>Archer Static Analysis at Work</a:t>
+            </a:r>
+            <a:endParaRPr lang="en-US" sz="2700" dirty="0"/>
+          </a:p>
+        </p:txBody>
+      </p:sp>
+      <p:pic>
+        <p:nvPicPr>
+          <p:cNvPr id="5" name="Picture 4" descr="archer_code_example.pdf"/>
+          <p:cNvPicPr>
+            <a:picLocks noChangeAspect="1"/>
+          </p:cNvPicPr>
+          <p:nvPr/>
+        </p:nvPicPr>
+        <p:blipFill>
+          <a:blip r:embed="rId3">
+            <a:extLst>
+              <a:ext uri="{28A0092B-C50C-407E-A947-70E740481C1C}">
+                <a14:useLocalDpi xmlns:a14="http://schemas.microsoft.com/office/drawing/2010/main" val="0"/>
+              </a:ext>
+            </a:extLst>
+          </a:blip>
+          <a:stretch>
+            <a:fillRect/>
+          </a:stretch>
+        </p:blipFill>
+        <p:spPr>
+          <a:xfrm>
+            <a:off x="545710" y="1600200"/>
+            <a:ext cx="5339059" cy="4962311"/>
+          </a:xfrm>
+          <a:prstGeom prst="rect">
+            <a:avLst/>
+          </a:prstGeom>
+        </p:spPr>
+      </p:pic>
     </p:spTree>
     <p:extLst>
       <p:ext uri="{BB962C8B-B14F-4D97-AF65-F5344CB8AC3E}">
-        <p14:creationId xmlns:p14="http://schemas.microsoft.com/office/powerpoint/2010/main" val="2982352226"/>
+        <p14:creationId xmlns:p14="http://schemas.microsoft.com/office/powerpoint/2010/main" val="2920074292"/>
       </p:ext>
     </p:extLst>
   </p:cSld>
@@ -6895,18 +7200,33 @@
         <p:spPr/>
         <p:txBody>
           <a:bodyPr>
-            <a:normAutofit/>
+            <a:normAutofit fontScale="90000"/>
           </a:bodyPr>
           <a:lstStyle/>
           <a:p>
             <a:pPr algn="l"/>
-            <a:endParaRPr lang="en-US" dirty="0"/>
-          </a:p>
-        </p:txBody>
-      </p:sp>
-      <p:sp>
-        <p:nvSpPr>
-          <p:cNvPr id="3" name="Content Placeholder 2"/>
+            <a:r>
+              <a:rPr lang="en-US" dirty="0" smtClean="0"/>
+              <a:t>Example</a:t>
+            </a:r>
+            <a:r>
+              <a:rPr lang="en-US" dirty="0" smtClean="0"/>
+              <a:t/>
+            </a:r>
+            <a:br>
+              <a:rPr lang="en-US" dirty="0" smtClean="0"/>
+            </a:br>
+            <a:r>
+              <a:rPr lang="en-US" sz="2700" dirty="0" smtClean="0"/>
+              <a:t>Archer Runtime with Annotated OpenMP Runtime</a:t>
+            </a:r>
+            <a:endParaRPr lang="en-US" sz="2700" dirty="0"/>
+          </a:p>
+        </p:txBody>
+      </p:sp>
+      <p:sp>
+        <p:nvSpPr>
+          <p:cNvPr id="11" name="Content Placeholder 2"/>
           <p:cNvSpPr>
             <a:spLocks noGrp="1"/>
           </p:cNvSpPr>
@@ -6914,86 +7234,1380 @@
             <p:ph idx="1"/>
           </p:nvPr>
         </p:nvSpPr>
-        <p:spPr/>
+        <p:spPr>
+          <a:xfrm>
+            <a:off x="323849" y="1491028"/>
+            <a:ext cx="3786428" cy="4629100"/>
+          </a:xfrm>
+        </p:spPr>
         <p:txBody>
           <a:bodyPr>
-            <a:normAutofit/>
+            <a:noAutofit/>
           </a:bodyPr>
           <a:lstStyle/>
           <a:p>
-            <a:pPr marL="0" indent="0" algn="ctr">
+            <a:pPr marL="0" indent="0">
               <a:buNone/>
             </a:pPr>
-            <a:endParaRPr lang="en-US" sz="4400" dirty="0" smtClean="0">
+            <a:r>
+              <a:rPr lang="de-DE" sz="2000" dirty="0" smtClean="0">
+                <a:cs typeface="Calibri"/>
+              </a:rPr>
+              <a:t>  6        </a:t>
+            </a:r>
+            <a:r>
+              <a:rPr lang="de-DE" sz="2000" dirty="0" smtClean="0">
+                <a:solidFill>
+                  <a:srgbClr val="0000FF"/>
+                </a:solidFill>
+                <a:cs typeface="Calibri"/>
+              </a:rPr>
+              <a:t>#</a:t>
+            </a:r>
+            <a:r>
+              <a:rPr lang="de-DE" sz="2000" dirty="0" err="1">
+                <a:solidFill>
+                  <a:srgbClr val="0000FF"/>
+                </a:solidFill>
+                <a:cs typeface="Calibri"/>
+              </a:rPr>
+              <a:t>pragma</a:t>
+            </a:r>
+            <a:r>
+              <a:rPr lang="de-DE" sz="2000" dirty="0">
+                <a:solidFill>
+                  <a:srgbClr val="0000FF"/>
+                </a:solidFill>
+                <a:cs typeface="Calibri"/>
+              </a:rPr>
+              <a:t> </a:t>
+            </a:r>
+            <a:r>
+              <a:rPr lang="de-DE" sz="2000" dirty="0" err="1">
+                <a:solidFill>
+                  <a:srgbClr val="0000FF"/>
+                </a:solidFill>
+                <a:cs typeface="Calibri"/>
+              </a:rPr>
+              <a:t>omp</a:t>
+            </a:r>
+            <a:r>
+              <a:rPr lang="de-DE" sz="2000" dirty="0">
+                <a:solidFill>
+                  <a:srgbClr val="0000FF"/>
+                </a:solidFill>
+                <a:cs typeface="Calibri"/>
+              </a:rPr>
+              <a:t> </a:t>
+            </a:r>
+            <a:r>
+              <a:rPr lang="de-DE" sz="2000" dirty="0" smtClean="0">
+                <a:solidFill>
+                  <a:srgbClr val="0000FF"/>
+                </a:solidFill>
+                <a:cs typeface="Calibri"/>
+              </a:rPr>
+              <a:t>parallel </a:t>
+            </a:r>
+            <a:r>
+              <a:rPr lang="de-DE" sz="2000" dirty="0" err="1" smtClean="0">
+                <a:solidFill>
+                  <a:srgbClr val="0000FF"/>
+                </a:solidFill>
+                <a:cs typeface="Calibri"/>
+              </a:rPr>
+              <a:t>for</a:t>
+            </a:r>
+            <a:endParaRPr lang="de-DE" sz="2000" dirty="0">
               <a:solidFill>
-                <a:prstClr val="black"/>
+                <a:srgbClr val="0000FF"/>
               </a:solidFill>
+              <a:cs typeface="Calibri"/>
             </a:endParaRPr>
           </a:p>
           <a:p>
-            <a:pPr marL="0" indent="0" algn="ctr">
+            <a:pPr marL="0" indent="0">
               <a:buNone/>
             </a:pPr>
-            <a:endParaRPr lang="en-US" sz="4400" dirty="0" smtClean="0">
-              <a:solidFill>
-                <a:prstClr val="black"/>
-              </a:solidFill>
-            </a:endParaRPr>
-          </a:p>
-          <a:p>
-            <a:pPr marL="0" indent="0" algn="ctr">
+            <a:r>
+              <a:rPr lang="de-DE" sz="2000" dirty="0" smtClean="0">
+                <a:latin typeface="Calibri"/>
+                <a:cs typeface="Calibri"/>
+              </a:rPr>
+              <a:t>  7        {</a:t>
+            </a:r>
+          </a:p>
+          <a:p>
+            <a:pPr marL="0" indent="0">
               <a:buNone/>
             </a:pPr>
             <a:r>
-              <a:rPr lang="en-US" sz="4400" dirty="0" smtClean="0">
+              <a:rPr lang="de-DE" sz="2000" dirty="0" smtClean="0">
+                <a:latin typeface="Calibri"/>
+                <a:cs typeface="Calibri"/>
+              </a:rPr>
+              <a:t>  8             </a:t>
+            </a:r>
+            <a:r>
+              <a:rPr lang="de-DE" sz="2000" dirty="0" err="1" smtClean="0">
+                <a:latin typeface="Calibri"/>
+                <a:cs typeface="Calibri"/>
+              </a:rPr>
+              <a:t>for</a:t>
+            </a:r>
+            <a:r>
+              <a:rPr lang="de-DE" sz="2000" dirty="0" smtClean="0">
+                <a:latin typeface="Calibri"/>
+                <a:cs typeface="Calibri"/>
+              </a:rPr>
+              <a:t>(</a:t>
+            </a:r>
+            <a:r>
+              <a:rPr lang="de-DE" sz="2000" dirty="0" err="1" smtClean="0">
+                <a:latin typeface="Calibri"/>
+                <a:cs typeface="Calibri"/>
+              </a:rPr>
+              <a:t>int</a:t>
+            </a:r>
+            <a:r>
+              <a:rPr lang="de-DE" sz="2000" dirty="0" smtClean="0">
+                <a:latin typeface="Calibri"/>
+                <a:cs typeface="Calibri"/>
+              </a:rPr>
+              <a:t> i = 0; i &lt; 100; i++)</a:t>
+            </a:r>
+          </a:p>
+          <a:p>
+            <a:pPr marL="0" indent="0">
+              <a:buNone/>
+            </a:pPr>
+            <a:r>
+              <a:rPr lang="de-DE" sz="2000" dirty="0" smtClean="0">
+                <a:latin typeface="Calibri"/>
+                <a:cs typeface="Calibri"/>
+              </a:rPr>
+              <a:t>  9</a:t>
+            </a:r>
+            <a:r>
+              <a:rPr lang="de-DE" sz="2000" dirty="0">
+                <a:latin typeface="Calibri"/>
+                <a:cs typeface="Calibri"/>
+              </a:rPr>
+              <a:t>	</a:t>
+            </a:r>
+            <a:r>
+              <a:rPr lang="de-DE" sz="2000" dirty="0" smtClean="0">
+                <a:latin typeface="Calibri"/>
+                <a:cs typeface="Calibri"/>
+              </a:rPr>
+              <a:t>	       </a:t>
+            </a:r>
+            <a:r>
+              <a:rPr lang="de-DE" sz="2000" dirty="0">
+                <a:latin typeface="Calibri"/>
+                <a:cs typeface="Calibri"/>
+              </a:rPr>
+              <a:t>v</a:t>
+            </a:r>
+            <a:r>
+              <a:rPr lang="de-DE" sz="2000" dirty="0" smtClean="0">
+                <a:latin typeface="Calibri"/>
+                <a:cs typeface="Calibri"/>
+              </a:rPr>
+              <a:t>[i] = </a:t>
+            </a:r>
+            <a:r>
+              <a:rPr lang="de-DE" sz="2000" dirty="0">
+                <a:latin typeface="Calibri"/>
+                <a:cs typeface="Calibri"/>
+              </a:rPr>
+              <a:t>v</a:t>
+            </a:r>
+            <a:r>
+              <a:rPr lang="de-DE" sz="2000" dirty="0" smtClean="0">
+                <a:latin typeface="Calibri"/>
+                <a:cs typeface="Calibri"/>
+              </a:rPr>
+              <a:t>[i] * </a:t>
+            </a:r>
+            <a:r>
+              <a:rPr lang="de-DE" sz="2000" dirty="0">
+                <a:latin typeface="Calibri"/>
+                <a:cs typeface="Calibri"/>
+              </a:rPr>
+              <a:t>v</a:t>
+            </a:r>
+            <a:r>
+              <a:rPr lang="de-DE" sz="2000" dirty="0" smtClean="0">
+                <a:latin typeface="Calibri"/>
+                <a:cs typeface="Calibri"/>
+              </a:rPr>
+              <a:t>[i];</a:t>
+            </a:r>
+          </a:p>
+          <a:p>
+            <a:pPr marL="457200" indent="-457200">
+              <a:buAutoNum type="arabicPlain" startAt="10"/>
+            </a:pPr>
+            <a:r>
+              <a:rPr lang="de-DE" sz="2000" dirty="0">
+                <a:latin typeface="Calibri"/>
+                <a:cs typeface="Calibri"/>
+              </a:rPr>
+              <a:t> </a:t>
+            </a:r>
+            <a:r>
+              <a:rPr lang="de-DE" sz="2000" dirty="0" smtClean="0">
+                <a:latin typeface="Calibri"/>
+                <a:cs typeface="Calibri"/>
+              </a:rPr>
+              <a:t>   }</a:t>
+            </a:r>
+          </a:p>
+          <a:p>
+            <a:pPr marL="0" indent="0">
+              <a:buNone/>
+            </a:pPr>
+            <a:r>
+              <a:rPr lang="de-DE" sz="2000" dirty="0" smtClean="0">
+                <a:latin typeface="Calibri"/>
+                <a:cs typeface="Calibri"/>
+              </a:rPr>
+              <a:t>11</a:t>
+            </a:r>
+          </a:p>
+          <a:p>
+            <a:pPr marL="0" indent="0">
+              <a:buNone/>
+            </a:pPr>
+            <a:r>
+              <a:rPr lang="de-DE" sz="2000" dirty="0" smtClean="0">
+                <a:latin typeface="Calibri"/>
+                <a:cs typeface="Calibri"/>
+              </a:rPr>
+              <a:t>12</a:t>
+            </a:r>
+            <a:r>
+              <a:rPr lang="de-DE" sz="2000" dirty="0" smtClean="0">
                 <a:solidFill>
-                  <a:prstClr val="black"/>
+                  <a:srgbClr val="0000FF"/>
                 </a:solidFill>
-              </a:rPr>
-              <a:t>Questions</a:t>
-            </a:r>
-            <a:r>
-              <a:rPr lang="en-US" sz="4400" dirty="0">
+                <a:latin typeface="Calibri"/>
+                <a:cs typeface="Calibri"/>
+              </a:rPr>
+              <a:t>        #</a:t>
+            </a:r>
+            <a:r>
+              <a:rPr lang="de-DE" sz="2000" dirty="0" err="1">
                 <a:solidFill>
-                  <a:prstClr val="black"/>
+                  <a:srgbClr val="0000FF"/>
                 </a:solidFill>
-              </a:rPr>
-              <a:t>?</a:t>
-            </a:r>
-            <a:endParaRPr lang="en-US" sz="4400" dirty="0"/>
-          </a:p>
-        </p:txBody>
-      </p:sp>
-      <p:sp>
-        <p:nvSpPr>
-          <p:cNvPr id="4" name="TextBox 3"/>
-          <p:cNvSpPr txBox="1"/>
+                <a:latin typeface="Calibri"/>
+                <a:cs typeface="Calibri"/>
+              </a:rPr>
+              <a:t>pragma</a:t>
+            </a:r>
+            <a:r>
+              <a:rPr lang="de-DE" sz="2000" dirty="0">
+                <a:solidFill>
+                  <a:srgbClr val="0000FF"/>
+                </a:solidFill>
+                <a:latin typeface="Calibri"/>
+                <a:cs typeface="Calibri"/>
+              </a:rPr>
+              <a:t> </a:t>
+            </a:r>
+            <a:r>
+              <a:rPr lang="de-DE" sz="2000" dirty="0" err="1">
+                <a:solidFill>
+                  <a:srgbClr val="0000FF"/>
+                </a:solidFill>
+                <a:latin typeface="Calibri"/>
+                <a:cs typeface="Calibri"/>
+              </a:rPr>
+              <a:t>omp</a:t>
+            </a:r>
+            <a:r>
+              <a:rPr lang="de-DE" sz="2000" dirty="0">
+                <a:solidFill>
+                  <a:srgbClr val="0000FF"/>
+                </a:solidFill>
+                <a:latin typeface="Calibri"/>
+                <a:cs typeface="Calibri"/>
+              </a:rPr>
+              <a:t> </a:t>
+            </a:r>
+            <a:r>
+              <a:rPr lang="de-DE" sz="2000" dirty="0" smtClean="0">
+                <a:solidFill>
+                  <a:srgbClr val="0000FF"/>
+                </a:solidFill>
+                <a:latin typeface="Calibri"/>
+                <a:cs typeface="Calibri"/>
+              </a:rPr>
+              <a:t>parallel</a:t>
+            </a:r>
+          </a:p>
+          <a:p>
+            <a:pPr marL="0" indent="0">
+              <a:buNone/>
+            </a:pPr>
+            <a:r>
+              <a:rPr lang="de-DE" sz="2000" dirty="0" smtClean="0">
+                <a:latin typeface="Calibri"/>
+                <a:cs typeface="Calibri"/>
+              </a:rPr>
+              <a:t>13        {</a:t>
+            </a:r>
+          </a:p>
+          <a:p>
+            <a:pPr marL="0" indent="0">
+              <a:buNone/>
+            </a:pPr>
+            <a:r>
+              <a:rPr lang="de-DE" sz="2000" dirty="0" smtClean="0">
+                <a:solidFill>
+                  <a:srgbClr val="000000"/>
+                </a:solidFill>
+                <a:latin typeface="Calibri"/>
+                <a:cs typeface="Calibri"/>
+              </a:rPr>
+              <a:t>14            </a:t>
+            </a:r>
+            <a:r>
+              <a:rPr lang="de-DE" sz="2000" dirty="0" err="1" smtClean="0">
+                <a:latin typeface="Calibri"/>
+                <a:cs typeface="Calibri"/>
+              </a:rPr>
+              <a:t>if</a:t>
+            </a:r>
+            <a:r>
+              <a:rPr lang="de-DE" sz="2000" dirty="0" smtClean="0">
+                <a:latin typeface="Calibri"/>
+                <a:cs typeface="Calibri"/>
+              </a:rPr>
+              <a:t> </a:t>
+            </a:r>
+            <a:r>
+              <a:rPr lang="de-DE" sz="2000" dirty="0">
+                <a:latin typeface="Calibri"/>
+                <a:cs typeface="Calibri"/>
+              </a:rPr>
+              <a:t>(</a:t>
+            </a:r>
+            <a:r>
+              <a:rPr lang="de-DE" sz="2000" dirty="0">
+                <a:solidFill>
+                  <a:srgbClr val="FF0000"/>
+                </a:solidFill>
+                <a:latin typeface="Calibri"/>
+                <a:cs typeface="Calibri"/>
+              </a:rPr>
+              <a:t>a &lt; 100</a:t>
+            </a:r>
+            <a:r>
+              <a:rPr lang="de-DE" sz="2000" dirty="0">
+                <a:latin typeface="Calibri"/>
+                <a:cs typeface="Calibri"/>
+              </a:rPr>
+              <a:t>) </a:t>
+            </a:r>
+            <a:r>
+              <a:rPr lang="de-DE" sz="2000" dirty="0" smtClean="0">
+                <a:latin typeface="Calibri"/>
+                <a:cs typeface="Calibri"/>
+              </a:rPr>
+              <a:t>{</a:t>
+            </a:r>
+          </a:p>
+          <a:p>
+            <a:pPr marL="0" indent="0">
+              <a:buNone/>
+            </a:pPr>
+            <a:r>
+              <a:rPr lang="ro-RO" sz="2000" dirty="0" smtClean="0">
+                <a:solidFill>
+                  <a:srgbClr val="000000"/>
+                </a:solidFill>
+                <a:latin typeface="Calibri"/>
+                <a:cs typeface="Calibri"/>
+              </a:rPr>
+              <a:t>15                  </a:t>
+            </a:r>
+            <a:r>
+              <a:rPr lang="ro-RO" sz="2000" dirty="0" smtClean="0">
+                <a:solidFill>
+                  <a:srgbClr val="0000FF"/>
+                </a:solidFill>
+                <a:latin typeface="Calibri"/>
+                <a:cs typeface="Calibri"/>
+              </a:rPr>
+              <a:t>#pragma omp critical</a:t>
+            </a:r>
+          </a:p>
+          <a:p>
+            <a:pPr marL="0" indent="0">
+              <a:buNone/>
+            </a:pPr>
+            <a:r>
+              <a:rPr lang="de-DE" sz="2000" dirty="0" smtClean="0">
+                <a:latin typeface="Calibri"/>
+                <a:cs typeface="Calibri"/>
+              </a:rPr>
+              <a:t>16</a:t>
+            </a:r>
+            <a:r>
+              <a:rPr lang="de-DE" sz="2000" dirty="0" smtClean="0">
+                <a:solidFill>
+                  <a:srgbClr val="FF0000"/>
+                </a:solidFill>
+                <a:latin typeface="Calibri"/>
+                <a:cs typeface="Calibri"/>
+              </a:rPr>
+              <a:t>                  a</a:t>
+            </a:r>
+            <a:r>
+              <a:rPr lang="de-DE" sz="2000" dirty="0">
+                <a:solidFill>
+                  <a:srgbClr val="FF0000"/>
+                </a:solidFill>
+                <a:latin typeface="Calibri"/>
+                <a:cs typeface="Calibri"/>
+              </a:rPr>
+              <a:t>++</a:t>
+            </a:r>
+            <a:r>
+              <a:rPr lang="de-DE" sz="2000" dirty="0" smtClean="0">
+                <a:latin typeface="Calibri"/>
+                <a:cs typeface="Calibri"/>
+              </a:rPr>
+              <a:t>;</a:t>
+            </a:r>
+          </a:p>
+          <a:p>
+            <a:pPr marL="0" indent="0">
+              <a:buNone/>
+            </a:pPr>
+            <a:r>
+              <a:rPr lang="de-DE" sz="2000" dirty="0" smtClean="0">
+                <a:latin typeface="Calibri"/>
+                <a:cs typeface="Calibri"/>
+              </a:rPr>
+              <a:t>17            }</a:t>
+            </a:r>
+          </a:p>
+          <a:p>
+            <a:pPr marL="0" indent="0">
+              <a:buNone/>
+            </a:pPr>
+            <a:r>
+              <a:rPr lang="de-DE" sz="2000" dirty="0" smtClean="0">
+                <a:latin typeface="Calibri"/>
+                <a:cs typeface="Calibri"/>
+              </a:rPr>
+              <a:t>18       }</a:t>
+            </a:r>
+            <a:endParaRPr lang="en-US" sz="2000" dirty="0">
+              <a:latin typeface="Calibri"/>
+              <a:cs typeface="Calibri"/>
+            </a:endParaRPr>
+          </a:p>
+        </p:txBody>
+      </p:sp>
+      <p:sp>
+        <p:nvSpPr>
+          <p:cNvPr id="12" name="Content Placeholder 2"/>
+          <p:cNvSpPr txBox="1">
+            <a:spLocks/>
+          </p:cNvSpPr>
           <p:nvPr/>
         </p:nvSpPr>
         <p:spPr>
           <a:xfrm>
-            <a:off x="2837444" y="2593915"/>
-            <a:ext cx="184666" cy="369332"/>
+            <a:off x="4219520" y="1491027"/>
+            <a:ext cx="4920298" cy="5147973"/>
           </a:xfrm>
           <a:prstGeom prst="rect">
             <a:avLst/>
           </a:prstGeom>
-          <a:noFill/>
         </p:spPr>
         <p:txBody>
-          <a:bodyPr wrap="none" rtlCol="0">
-            <a:spAutoFit/>
+          <a:bodyPr vert="horz" lIns="91440" tIns="45720" rIns="91440" bIns="45720" rtlCol="0">
+            <a:noAutofit/>
           </a:bodyPr>
-          <a:lstStyle/>
-          <a:p>
-            <a:endParaRPr lang="en-US" dirty="0"/>
-          </a:p>
-        </p:txBody>
-      </p:sp>
+          <a:lstStyle>
+            <a:lvl1pPr marL="342900" indent="-342900" algn="l" defTabSz="457200" rtl="0" eaLnBrk="1" latinLnBrk="0" hangingPunct="1">
+              <a:spcBef>
+                <a:spcPct val="20000"/>
+              </a:spcBef>
+              <a:buFont typeface="Arial"/>
+              <a:buChar char="•"/>
+              <a:defRPr sz="3200" kern="1200">
+                <a:solidFill>
+                  <a:schemeClr val="tx1"/>
+                </a:solidFill>
+                <a:latin typeface="+mn-lt"/>
+                <a:ea typeface="+mn-ea"/>
+                <a:cs typeface="+mn-cs"/>
+              </a:defRPr>
+            </a:lvl1pPr>
+            <a:lvl2pPr marL="742950" indent="-285750" algn="l" defTabSz="457200" rtl="0" eaLnBrk="1" latinLnBrk="0" hangingPunct="1">
+              <a:spcBef>
+                <a:spcPct val="20000"/>
+              </a:spcBef>
+              <a:buFont typeface="Arial"/>
+              <a:buChar char="–"/>
+              <a:defRPr sz="2800" kern="1200">
+                <a:solidFill>
+                  <a:schemeClr val="tx1"/>
+                </a:solidFill>
+                <a:latin typeface="+mn-lt"/>
+                <a:ea typeface="+mn-ea"/>
+                <a:cs typeface="+mn-cs"/>
+              </a:defRPr>
+            </a:lvl2pPr>
+            <a:lvl3pPr marL="1143000" indent="-228600" algn="l" defTabSz="457200" rtl="0" eaLnBrk="1" latinLnBrk="0" hangingPunct="1">
+              <a:spcBef>
+                <a:spcPct val="20000"/>
+              </a:spcBef>
+              <a:buFont typeface="Arial"/>
+              <a:buChar char="•"/>
+              <a:defRPr sz="2400" kern="1200">
+                <a:solidFill>
+                  <a:schemeClr val="tx1"/>
+                </a:solidFill>
+                <a:latin typeface="+mn-lt"/>
+                <a:ea typeface="+mn-ea"/>
+                <a:cs typeface="+mn-cs"/>
+              </a:defRPr>
+            </a:lvl3pPr>
+            <a:lvl4pPr marL="1600200" indent="-228600" algn="l" defTabSz="457200" rtl="0" eaLnBrk="1" latinLnBrk="0" hangingPunct="1">
+              <a:spcBef>
+                <a:spcPct val="20000"/>
+              </a:spcBef>
+              <a:buFont typeface="Arial"/>
+              <a:buChar char="–"/>
+              <a:defRPr sz="2400" kern="1200">
+                <a:solidFill>
+                  <a:schemeClr val="tx1"/>
+                </a:solidFill>
+                <a:latin typeface="+mn-lt"/>
+                <a:ea typeface="+mn-ea"/>
+                <a:cs typeface="+mn-cs"/>
+              </a:defRPr>
+            </a:lvl4pPr>
+            <a:lvl5pPr marL="2057400" indent="-228600" algn="l" defTabSz="457200" rtl="0" eaLnBrk="1" latinLnBrk="0" hangingPunct="1">
+              <a:spcBef>
+                <a:spcPct val="20000"/>
+              </a:spcBef>
+              <a:buFont typeface="Arial"/>
+              <a:buChar char="»"/>
+              <a:defRPr sz="2400" kern="1200">
+                <a:solidFill>
+                  <a:schemeClr val="tx1"/>
+                </a:solidFill>
+                <a:latin typeface="+mn-lt"/>
+                <a:ea typeface="+mn-ea"/>
+                <a:cs typeface="+mn-cs"/>
+              </a:defRPr>
+            </a:lvl5pPr>
+            <a:lvl6pPr marL="2514600" indent="-228600" algn="l" defTabSz="457200" rtl="0" eaLnBrk="1" latinLnBrk="0" hangingPunct="1">
+              <a:spcBef>
+                <a:spcPct val="20000"/>
+              </a:spcBef>
+              <a:buFont typeface="Arial"/>
+              <a:buChar char="•"/>
+              <a:defRPr sz="2000" kern="1200">
+                <a:solidFill>
+                  <a:schemeClr val="tx1"/>
+                </a:solidFill>
+                <a:latin typeface="+mn-lt"/>
+                <a:ea typeface="+mn-ea"/>
+                <a:cs typeface="+mn-cs"/>
+              </a:defRPr>
+            </a:lvl6pPr>
+            <a:lvl7pPr marL="2971800" indent="-228600" algn="l" defTabSz="457200" rtl="0" eaLnBrk="1" latinLnBrk="0" hangingPunct="1">
+              <a:spcBef>
+                <a:spcPct val="20000"/>
+              </a:spcBef>
+              <a:buFont typeface="Arial"/>
+              <a:buChar char="•"/>
+              <a:defRPr sz="2000" kern="1200">
+                <a:solidFill>
+                  <a:schemeClr val="tx1"/>
+                </a:solidFill>
+                <a:latin typeface="+mn-lt"/>
+                <a:ea typeface="+mn-ea"/>
+                <a:cs typeface="+mn-cs"/>
+              </a:defRPr>
+            </a:lvl7pPr>
+            <a:lvl8pPr marL="3429000" indent="-228600" algn="l" defTabSz="457200" rtl="0" eaLnBrk="1" latinLnBrk="0" hangingPunct="1">
+              <a:spcBef>
+                <a:spcPct val="20000"/>
+              </a:spcBef>
+              <a:buFont typeface="Arial"/>
+              <a:buChar char="•"/>
+              <a:defRPr sz="2000" kern="1200">
+                <a:solidFill>
+                  <a:schemeClr val="tx1"/>
+                </a:solidFill>
+                <a:latin typeface="+mn-lt"/>
+                <a:ea typeface="+mn-ea"/>
+                <a:cs typeface="+mn-cs"/>
+              </a:defRPr>
+            </a:lvl8pPr>
+            <a:lvl9pPr marL="3886200" indent="-228600" algn="l" defTabSz="457200" rtl="0" eaLnBrk="1" latinLnBrk="0" hangingPunct="1">
+              <a:spcBef>
+                <a:spcPct val="20000"/>
+              </a:spcBef>
+              <a:buFont typeface="Arial"/>
+              <a:buChar char="•"/>
+              <a:defRPr sz="2000" kern="1200">
+                <a:solidFill>
+                  <a:schemeClr val="tx1"/>
+                </a:solidFill>
+                <a:latin typeface="+mn-lt"/>
+                <a:ea typeface="+mn-ea"/>
+                <a:cs typeface="+mn-cs"/>
+              </a:defRPr>
+            </a:lvl9pPr>
+          </a:lstStyle>
+          <a:p>
+            <a:pPr marL="0" indent="0">
+              <a:buFont typeface="Arial"/>
+              <a:buNone/>
+            </a:pPr>
+            <a:r>
+              <a:rPr lang="en-US" sz="2000" dirty="0" smtClean="0">
+                <a:solidFill>
+                  <a:srgbClr val="000000"/>
+                </a:solidFill>
+                <a:latin typeface="Calibri"/>
+                <a:cs typeface="Calibri"/>
+              </a:rPr>
+              <a:t>Excluded from them runtime check because</a:t>
+            </a:r>
+          </a:p>
+          <a:p>
+            <a:pPr marL="0" indent="0">
+              <a:buFont typeface="Arial"/>
+              <a:buNone/>
+            </a:pPr>
+            <a:r>
+              <a:rPr lang="en-US" sz="2000" dirty="0" smtClean="0">
+                <a:solidFill>
+                  <a:srgbClr val="000000"/>
+                </a:solidFill>
+                <a:latin typeface="Calibri"/>
+                <a:cs typeface="Calibri"/>
+              </a:rPr>
+              <a:t>it is race free.</a:t>
+            </a:r>
+          </a:p>
+          <a:p>
+            <a:pPr marL="0" indent="0">
+              <a:buFont typeface="Arial"/>
+              <a:buNone/>
+            </a:pPr>
+            <a:endParaRPr lang="en-US" sz="2000" dirty="0" smtClean="0">
+              <a:solidFill>
+                <a:srgbClr val="FF0000"/>
+              </a:solidFill>
+              <a:latin typeface="Calibri"/>
+              <a:cs typeface="Calibri"/>
+            </a:endParaRPr>
+          </a:p>
+          <a:p>
+            <a:pPr marL="0" indent="0">
+              <a:buFont typeface="Arial"/>
+              <a:buNone/>
+            </a:pPr>
+            <a:r>
+              <a:rPr lang="en-US" sz="2000" dirty="0" smtClean="0">
+                <a:solidFill>
+                  <a:srgbClr val="FF0000"/>
+                </a:solidFill>
+                <a:latin typeface="Calibri"/>
+                <a:cs typeface="Calibri"/>
+              </a:rPr>
+              <a:t>WARNING: ThreadSanitizer: data race </a:t>
+            </a:r>
+          </a:p>
+          <a:p>
+            <a:pPr marL="0" indent="0">
+              <a:buFont typeface="Arial"/>
+              <a:buNone/>
+            </a:pPr>
+            <a:r>
+              <a:rPr lang="en-US" sz="2000" dirty="0" smtClean="0">
+                <a:solidFill>
+                  <a:srgbClr val="0000FF"/>
+                </a:solidFill>
+                <a:latin typeface="Calibri"/>
+                <a:cs typeface="Calibri"/>
+              </a:rPr>
+              <a:t>Read of size 4 at 0x7fffffffdcdc by thread T2:</a:t>
+            </a:r>
+          </a:p>
+          <a:p>
+            <a:pPr marL="0" indent="0">
+              <a:buFont typeface="Arial"/>
+              <a:buNone/>
+            </a:pPr>
+            <a:r>
+              <a:rPr lang="de-DE" sz="2000" dirty="0" smtClean="0">
+                <a:solidFill>
+                  <a:prstClr val="black"/>
+                </a:solidFill>
+                <a:latin typeface="Calibri"/>
+                <a:cs typeface="Calibri"/>
+              </a:rPr>
+              <a:t>    #0 .</a:t>
+            </a:r>
+            <a:r>
+              <a:rPr lang="de-DE" sz="2000" dirty="0" err="1" smtClean="0">
+                <a:solidFill>
+                  <a:prstClr val="black"/>
+                </a:solidFill>
+                <a:latin typeface="Calibri"/>
+                <a:cs typeface="Calibri"/>
+              </a:rPr>
+              <a:t>omp_outlined</a:t>
+            </a:r>
+            <a:r>
+              <a:rPr lang="de-DE" sz="2000" dirty="0" smtClean="0">
+                <a:solidFill>
+                  <a:prstClr val="black"/>
+                </a:solidFill>
+                <a:latin typeface="Calibri"/>
+                <a:cs typeface="Calibri"/>
+              </a:rPr>
+              <a:t>. race.c:14 (race+0x0000004a6dce)</a:t>
+            </a:r>
+          </a:p>
+          <a:p>
+            <a:pPr marL="0" indent="0">
+              <a:buFont typeface="Arial"/>
+              <a:buNone/>
+            </a:pPr>
+            <a:r>
+              <a:rPr lang="de-DE" sz="2000" dirty="0" smtClean="0">
+                <a:solidFill>
+                  <a:prstClr val="black"/>
+                </a:solidFill>
+                <a:latin typeface="Calibri"/>
+                <a:cs typeface="Calibri"/>
+              </a:rPr>
+              <a:t>    #1 __</a:t>
+            </a:r>
+            <a:r>
+              <a:rPr lang="de-DE" sz="2000" dirty="0" err="1" smtClean="0">
+                <a:solidFill>
+                  <a:prstClr val="black"/>
+                </a:solidFill>
+                <a:latin typeface="Calibri"/>
+                <a:cs typeface="Calibri"/>
+              </a:rPr>
+              <a:t>kmp_invoke_microtask</a:t>
+            </a:r>
+            <a:r>
+              <a:rPr lang="de-DE" sz="2000" dirty="0" smtClean="0">
+                <a:solidFill>
+                  <a:prstClr val="black"/>
+                </a:solidFill>
+                <a:latin typeface="Calibri"/>
+                <a:cs typeface="Calibri"/>
+              </a:rPr>
+              <a:t> &lt;null&gt; (</a:t>
+            </a:r>
+            <a:r>
+              <a:rPr lang="de-DE" sz="2000" dirty="0" err="1" smtClean="0">
+                <a:solidFill>
+                  <a:prstClr val="black"/>
+                </a:solidFill>
+                <a:latin typeface="Calibri"/>
+                <a:cs typeface="Calibri"/>
+              </a:rPr>
+              <a:t>libomp_tsan.so</a:t>
+            </a:r>
+            <a:r>
+              <a:rPr lang="de-DE" sz="2000" dirty="0" smtClean="0">
+                <a:solidFill>
+                  <a:prstClr val="black"/>
+                </a:solidFill>
+                <a:latin typeface="Calibri"/>
+                <a:cs typeface="Calibri"/>
+              </a:rPr>
+              <a:t>)</a:t>
+            </a:r>
+            <a:endParaRPr lang="de-DE" sz="400" dirty="0" smtClean="0">
+              <a:solidFill>
+                <a:prstClr val="black"/>
+              </a:solidFill>
+              <a:latin typeface="Calibri"/>
+              <a:cs typeface="Calibri"/>
+            </a:endParaRPr>
+          </a:p>
+          <a:p>
+            <a:pPr marL="0" indent="0">
+              <a:buFont typeface="Arial"/>
+              <a:buNone/>
+            </a:pPr>
+            <a:endParaRPr lang="de-DE" sz="400" dirty="0" smtClean="0">
+              <a:solidFill>
+                <a:srgbClr val="0000FF"/>
+              </a:solidFill>
+              <a:latin typeface="Calibri"/>
+              <a:cs typeface="Calibri"/>
+            </a:endParaRPr>
+          </a:p>
+          <a:p>
+            <a:pPr marL="0" indent="0">
+              <a:buFont typeface="Arial"/>
+              <a:buNone/>
+            </a:pPr>
+            <a:r>
+              <a:rPr lang="de-DE" sz="2000" dirty="0" err="1" smtClean="0">
+                <a:solidFill>
+                  <a:srgbClr val="0000FF"/>
+                </a:solidFill>
+                <a:latin typeface="Calibri"/>
+                <a:cs typeface="Calibri"/>
+              </a:rPr>
+              <a:t>Previous</a:t>
+            </a:r>
+            <a:r>
+              <a:rPr lang="de-DE" sz="2000" dirty="0" smtClean="0">
+                <a:solidFill>
+                  <a:srgbClr val="0000FF"/>
+                </a:solidFill>
+                <a:latin typeface="Calibri"/>
+                <a:cs typeface="Calibri"/>
+              </a:rPr>
+              <a:t> </a:t>
+            </a:r>
+            <a:r>
+              <a:rPr lang="de-DE" sz="2000" dirty="0" err="1" smtClean="0">
+                <a:solidFill>
+                  <a:srgbClr val="0000FF"/>
+                </a:solidFill>
+                <a:latin typeface="Calibri"/>
+                <a:cs typeface="Calibri"/>
+              </a:rPr>
+              <a:t>write</a:t>
+            </a:r>
+            <a:r>
+              <a:rPr lang="de-DE" sz="2000" dirty="0" smtClean="0">
+                <a:solidFill>
+                  <a:srgbClr val="0000FF"/>
+                </a:solidFill>
+                <a:latin typeface="Calibri"/>
+                <a:cs typeface="Calibri"/>
+              </a:rPr>
+              <a:t> </a:t>
+            </a:r>
+            <a:r>
+              <a:rPr lang="de-DE" sz="2000" dirty="0" err="1" smtClean="0">
+                <a:solidFill>
+                  <a:srgbClr val="0000FF"/>
+                </a:solidFill>
+                <a:latin typeface="Calibri"/>
+                <a:cs typeface="Calibri"/>
+              </a:rPr>
+              <a:t>of</a:t>
+            </a:r>
+            <a:r>
+              <a:rPr lang="de-DE" sz="2000" dirty="0" smtClean="0">
+                <a:solidFill>
+                  <a:srgbClr val="0000FF"/>
+                </a:solidFill>
+                <a:latin typeface="Calibri"/>
+                <a:cs typeface="Calibri"/>
+              </a:rPr>
+              <a:t> </a:t>
+            </a:r>
+            <a:r>
+              <a:rPr lang="de-DE" sz="2000" dirty="0" err="1" smtClean="0">
+                <a:solidFill>
+                  <a:srgbClr val="0000FF"/>
+                </a:solidFill>
+                <a:latin typeface="Calibri"/>
+                <a:cs typeface="Calibri"/>
+              </a:rPr>
+              <a:t>size</a:t>
+            </a:r>
+            <a:r>
+              <a:rPr lang="de-DE" sz="2000" dirty="0" smtClean="0">
+                <a:solidFill>
+                  <a:srgbClr val="0000FF"/>
+                </a:solidFill>
+                <a:latin typeface="Calibri"/>
+                <a:cs typeface="Calibri"/>
+              </a:rPr>
+              <a:t> 4 </a:t>
+            </a:r>
+            <a:r>
+              <a:rPr lang="de-DE" sz="2000" dirty="0" err="1" smtClean="0">
+                <a:solidFill>
+                  <a:srgbClr val="0000FF"/>
+                </a:solidFill>
+                <a:latin typeface="Calibri"/>
+                <a:cs typeface="Calibri"/>
+              </a:rPr>
+              <a:t>at</a:t>
+            </a:r>
+            <a:r>
+              <a:rPr lang="de-DE" sz="2000" dirty="0" smtClean="0">
+                <a:solidFill>
+                  <a:srgbClr val="0000FF"/>
+                </a:solidFill>
+                <a:latin typeface="Calibri"/>
+                <a:cs typeface="Calibri"/>
+              </a:rPr>
+              <a:t> 0x7fffffffdcdc </a:t>
+            </a:r>
+            <a:r>
+              <a:rPr lang="de-DE" sz="2000" dirty="0" err="1" smtClean="0">
+                <a:solidFill>
+                  <a:srgbClr val="0000FF"/>
+                </a:solidFill>
+                <a:latin typeface="Calibri"/>
+                <a:cs typeface="Calibri"/>
+              </a:rPr>
+              <a:t>by</a:t>
+            </a:r>
+            <a:r>
+              <a:rPr lang="de-DE" sz="2000" dirty="0" smtClean="0">
+                <a:solidFill>
+                  <a:srgbClr val="0000FF"/>
+                </a:solidFill>
+                <a:latin typeface="Calibri"/>
+                <a:cs typeface="Calibri"/>
+              </a:rPr>
+              <a:t> </a:t>
+            </a:r>
+            <a:r>
+              <a:rPr lang="de-DE" sz="2000" dirty="0" err="1" smtClean="0">
+                <a:solidFill>
+                  <a:srgbClr val="0000FF"/>
+                </a:solidFill>
+                <a:latin typeface="Calibri"/>
+                <a:cs typeface="Calibri"/>
+              </a:rPr>
+              <a:t>main</a:t>
+            </a:r>
+            <a:r>
+              <a:rPr lang="de-DE" sz="2000" dirty="0" smtClean="0">
+                <a:solidFill>
+                  <a:srgbClr val="0000FF"/>
+                </a:solidFill>
+                <a:latin typeface="Calibri"/>
+                <a:cs typeface="Calibri"/>
+              </a:rPr>
+              <a:t> </a:t>
+            </a:r>
+            <a:r>
+              <a:rPr lang="de-DE" sz="2000" dirty="0" err="1" smtClean="0">
+                <a:solidFill>
+                  <a:srgbClr val="0000FF"/>
+                </a:solidFill>
+                <a:latin typeface="Calibri"/>
+                <a:cs typeface="Calibri"/>
+              </a:rPr>
+              <a:t>thread</a:t>
+            </a:r>
+            <a:r>
+              <a:rPr lang="de-DE" sz="2000" dirty="0" smtClean="0">
+                <a:solidFill>
+                  <a:srgbClr val="0000FF"/>
+                </a:solidFill>
+                <a:latin typeface="Calibri"/>
+                <a:cs typeface="Calibri"/>
+              </a:rPr>
+              <a:t>:</a:t>
+            </a:r>
+          </a:p>
+          <a:p>
+            <a:pPr marL="0" indent="0">
+              <a:buFont typeface="Arial"/>
+              <a:buNone/>
+            </a:pPr>
+            <a:r>
+              <a:rPr lang="de-DE" sz="2000" dirty="0" smtClean="0">
+                <a:solidFill>
+                  <a:prstClr val="black"/>
+                </a:solidFill>
+                <a:latin typeface="Calibri"/>
+                <a:cs typeface="Calibri"/>
+              </a:rPr>
+              <a:t>    #0 .</a:t>
+            </a:r>
+            <a:r>
+              <a:rPr lang="de-DE" sz="2000" dirty="0" err="1" smtClean="0">
+                <a:solidFill>
+                  <a:prstClr val="black"/>
+                </a:solidFill>
+                <a:latin typeface="Calibri"/>
+                <a:cs typeface="Calibri"/>
+              </a:rPr>
+              <a:t>omp_outlined</a:t>
+            </a:r>
+            <a:r>
+              <a:rPr lang="de-DE" sz="2000" dirty="0" smtClean="0">
+                <a:solidFill>
+                  <a:prstClr val="black"/>
+                </a:solidFill>
+                <a:latin typeface="Calibri"/>
+                <a:cs typeface="Calibri"/>
+              </a:rPr>
+              <a:t>. race.c:16 (race+0x0000004a6e2c)</a:t>
+            </a:r>
+          </a:p>
+          <a:p>
+            <a:pPr marL="0" indent="0">
+              <a:buFont typeface="Arial"/>
+              <a:buNone/>
+            </a:pPr>
+            <a:r>
+              <a:rPr lang="de-DE" sz="2000" dirty="0" smtClean="0">
+                <a:solidFill>
+                  <a:prstClr val="black"/>
+                </a:solidFill>
+                <a:latin typeface="Calibri"/>
+                <a:cs typeface="Calibri"/>
+              </a:rPr>
+              <a:t>    #1 __</a:t>
+            </a:r>
+            <a:r>
+              <a:rPr lang="de-DE" sz="2000" dirty="0" err="1" smtClean="0">
+                <a:solidFill>
+                  <a:prstClr val="black"/>
+                </a:solidFill>
+                <a:latin typeface="Calibri"/>
+                <a:cs typeface="Calibri"/>
+              </a:rPr>
+              <a:t>kmp_invoke_microtask</a:t>
+            </a:r>
+            <a:r>
+              <a:rPr lang="de-DE" sz="2000" dirty="0" smtClean="0">
+                <a:solidFill>
+                  <a:prstClr val="black"/>
+                </a:solidFill>
+                <a:latin typeface="Calibri"/>
+                <a:cs typeface="Calibri"/>
+              </a:rPr>
+              <a:t> &lt;null&gt; (</a:t>
+            </a:r>
+            <a:r>
+              <a:rPr lang="de-DE" sz="2000" dirty="0" err="1" smtClean="0">
+                <a:solidFill>
+                  <a:prstClr val="black"/>
+                </a:solidFill>
+                <a:latin typeface="Calibri"/>
+                <a:cs typeface="Calibri"/>
+              </a:rPr>
+              <a:t>libomp_tsan.so</a:t>
+            </a:r>
+            <a:r>
+              <a:rPr lang="de-DE" sz="2000" dirty="0" smtClean="0">
+                <a:solidFill>
+                  <a:prstClr val="black"/>
+                </a:solidFill>
+                <a:latin typeface="Calibri"/>
+                <a:cs typeface="Calibri"/>
+              </a:rPr>
+              <a:t>)</a:t>
+            </a:r>
+            <a:endParaRPr lang="de-DE" sz="2000" dirty="0">
+              <a:solidFill>
+                <a:prstClr val="black"/>
+              </a:solidFill>
+              <a:latin typeface="Calibri"/>
+              <a:cs typeface="Calibri"/>
+            </a:endParaRPr>
+          </a:p>
+        </p:txBody>
+      </p:sp>
+      <p:cxnSp>
+        <p:nvCxnSpPr>
+          <p:cNvPr id="13" name="Straight Connector 12"/>
+          <p:cNvCxnSpPr/>
+          <p:nvPr/>
+        </p:nvCxnSpPr>
+        <p:spPr>
+          <a:xfrm>
+            <a:off x="4110277" y="1491027"/>
+            <a:ext cx="0" cy="5325483"/>
+          </a:xfrm>
+          <a:prstGeom prst="line">
+            <a:avLst/>
+          </a:prstGeom>
+          <a:ln>
+            <a:solidFill>
+              <a:schemeClr val="tx1"/>
+            </a:solidFill>
+          </a:ln>
+          <a:effectLst/>
+        </p:spPr>
+        <p:style>
+          <a:lnRef idx="2">
+            <a:schemeClr val="accent1"/>
+          </a:lnRef>
+          <a:fillRef idx="0">
+            <a:schemeClr val="accent1"/>
+          </a:fillRef>
+          <a:effectRef idx="1">
+            <a:schemeClr val="accent1"/>
+          </a:effectRef>
+          <a:fontRef idx="minor">
+            <a:schemeClr val="tx1"/>
+          </a:fontRef>
+        </p:style>
+      </p:cxnSp>
+      <p:cxnSp>
+        <p:nvCxnSpPr>
+          <p:cNvPr id="14" name="Straight Arrow Connector 5"/>
+          <p:cNvCxnSpPr/>
+          <p:nvPr/>
+        </p:nvCxnSpPr>
+        <p:spPr>
+          <a:xfrm rot="10800000" flipV="1">
+            <a:off x="2703776" y="3125715"/>
+            <a:ext cx="1515747" cy="1494884"/>
+          </a:xfrm>
+          <a:prstGeom prst="bentConnector3">
+            <a:avLst>
+              <a:gd name="adj1" fmla="val 81"/>
+            </a:avLst>
+          </a:prstGeom>
+          <a:ln>
+            <a:solidFill>
+              <a:srgbClr val="008000"/>
+            </a:solidFill>
+            <a:headEnd type="oval"/>
+            <a:tailEnd type="arrow"/>
+          </a:ln>
+          <a:effectLst/>
+        </p:spPr>
+        <p:style>
+          <a:lnRef idx="2">
+            <a:schemeClr val="accent1"/>
+          </a:lnRef>
+          <a:fillRef idx="0">
+            <a:schemeClr val="accent1"/>
+          </a:fillRef>
+          <a:effectRef idx="1">
+            <a:schemeClr val="accent1"/>
+          </a:effectRef>
+          <a:fontRef idx="minor">
+            <a:schemeClr val="tx1"/>
+          </a:fontRef>
+        </p:style>
+      </p:cxnSp>
+      <p:cxnSp>
+        <p:nvCxnSpPr>
+          <p:cNvPr id="15" name="Straight Arrow Connector 10"/>
+          <p:cNvCxnSpPr/>
+          <p:nvPr/>
+        </p:nvCxnSpPr>
+        <p:spPr>
+          <a:xfrm rot="10800000" flipV="1">
+            <a:off x="2239492" y="4895522"/>
+            <a:ext cx="1980032" cy="486358"/>
+          </a:xfrm>
+          <a:prstGeom prst="bentConnector3">
+            <a:avLst>
+              <a:gd name="adj1" fmla="val 185"/>
+            </a:avLst>
+          </a:prstGeom>
+          <a:ln>
+            <a:solidFill>
+              <a:srgbClr val="008000"/>
+            </a:solidFill>
+            <a:headEnd type="oval"/>
+            <a:tailEnd type="arrow"/>
+          </a:ln>
+          <a:effectLst/>
+        </p:spPr>
+        <p:style>
+          <a:lnRef idx="2">
+            <a:schemeClr val="accent1"/>
+          </a:lnRef>
+          <a:fillRef idx="0">
+            <a:schemeClr val="accent1"/>
+          </a:fillRef>
+          <a:effectRef idx="1">
+            <a:schemeClr val="accent1"/>
+          </a:effectRef>
+          <a:fontRef idx="minor">
+            <a:schemeClr val="tx1"/>
+          </a:fontRef>
+        </p:style>
+      </p:cxnSp>
+      <p:grpSp>
+        <p:nvGrpSpPr>
+          <p:cNvPr id="16" name="Group 15"/>
+          <p:cNvGrpSpPr/>
+          <p:nvPr/>
+        </p:nvGrpSpPr>
+        <p:grpSpPr>
+          <a:xfrm>
+            <a:off x="3698066" y="1611689"/>
+            <a:ext cx="261481" cy="1695390"/>
+            <a:chOff x="3698066" y="1417638"/>
+            <a:chExt cx="261481" cy="1695390"/>
+          </a:xfrm>
+        </p:grpSpPr>
+        <p:cxnSp>
+          <p:nvCxnSpPr>
+            <p:cNvPr id="17" name="Straight Connector 16"/>
+            <p:cNvCxnSpPr/>
+            <p:nvPr/>
+          </p:nvCxnSpPr>
+          <p:spPr>
+            <a:xfrm flipH="1">
+              <a:off x="3947095" y="1417638"/>
+              <a:ext cx="12452" cy="1695390"/>
+            </a:xfrm>
+            <a:prstGeom prst="line">
+              <a:avLst/>
+            </a:prstGeom>
+            <a:ln>
+              <a:solidFill>
+                <a:srgbClr val="008000"/>
+              </a:solidFill>
+            </a:ln>
+            <a:effectLst/>
+          </p:spPr>
+          <p:style>
+            <a:lnRef idx="2">
+              <a:schemeClr val="accent1"/>
+            </a:lnRef>
+            <a:fillRef idx="0">
+              <a:schemeClr val="accent1"/>
+            </a:fillRef>
+            <a:effectRef idx="1">
+              <a:schemeClr val="accent1"/>
+            </a:effectRef>
+            <a:fontRef idx="minor">
+              <a:schemeClr val="tx1"/>
+            </a:fontRef>
+          </p:style>
+        </p:cxnSp>
+        <p:cxnSp>
+          <p:nvCxnSpPr>
+            <p:cNvPr id="18" name="Straight Connector 17"/>
+            <p:cNvCxnSpPr/>
+            <p:nvPr/>
+          </p:nvCxnSpPr>
+          <p:spPr>
+            <a:xfrm flipH="1">
+              <a:off x="3710518" y="1417638"/>
+              <a:ext cx="249029" cy="0"/>
+            </a:xfrm>
+            <a:prstGeom prst="line">
+              <a:avLst/>
+            </a:prstGeom>
+            <a:ln>
+              <a:solidFill>
+                <a:srgbClr val="008000"/>
+              </a:solidFill>
+            </a:ln>
+            <a:effectLst/>
+          </p:spPr>
+          <p:style>
+            <a:lnRef idx="2">
+              <a:schemeClr val="accent1"/>
+            </a:lnRef>
+            <a:fillRef idx="0">
+              <a:schemeClr val="accent1"/>
+            </a:fillRef>
+            <a:effectRef idx="1">
+              <a:schemeClr val="accent1"/>
+            </a:effectRef>
+            <a:fontRef idx="minor">
+              <a:schemeClr val="tx1"/>
+            </a:fontRef>
+          </p:style>
+        </p:cxnSp>
+        <p:cxnSp>
+          <p:nvCxnSpPr>
+            <p:cNvPr id="19" name="Straight Connector 18"/>
+            <p:cNvCxnSpPr/>
+            <p:nvPr/>
+          </p:nvCxnSpPr>
+          <p:spPr>
+            <a:xfrm flipH="1">
+              <a:off x="3698066" y="3101648"/>
+              <a:ext cx="249029" cy="0"/>
+            </a:xfrm>
+            <a:prstGeom prst="line">
+              <a:avLst/>
+            </a:prstGeom>
+            <a:ln>
+              <a:solidFill>
+                <a:srgbClr val="008000"/>
+              </a:solidFill>
+            </a:ln>
+            <a:effectLst/>
+          </p:spPr>
+          <p:style>
+            <a:lnRef idx="2">
+              <a:schemeClr val="accent1"/>
+            </a:lnRef>
+            <a:fillRef idx="0">
+              <a:schemeClr val="accent1"/>
+            </a:fillRef>
+            <a:effectRef idx="1">
+              <a:schemeClr val="accent1"/>
+            </a:effectRef>
+            <a:fontRef idx="minor">
+              <a:schemeClr val="tx1"/>
+            </a:fontRef>
+          </p:style>
+        </p:cxnSp>
+      </p:grpSp>
+      <p:cxnSp>
+        <p:nvCxnSpPr>
+          <p:cNvPr id="20" name="Straight Connector 19"/>
+          <p:cNvCxnSpPr/>
+          <p:nvPr/>
+        </p:nvCxnSpPr>
+        <p:spPr>
+          <a:xfrm>
+            <a:off x="3959547" y="1716140"/>
+            <a:ext cx="259974" cy="0"/>
+          </a:xfrm>
+          <a:prstGeom prst="line">
+            <a:avLst/>
+          </a:prstGeom>
+          <a:ln>
+            <a:solidFill>
+              <a:srgbClr val="008000"/>
+            </a:solidFill>
+            <a:tailEnd type="oval"/>
+          </a:ln>
+          <a:effectLst/>
+        </p:spPr>
+        <p:style>
+          <a:lnRef idx="2">
+            <a:schemeClr val="accent1"/>
+          </a:lnRef>
+          <a:fillRef idx="0">
+            <a:schemeClr val="accent1"/>
+          </a:fillRef>
+          <a:effectRef idx="1">
+            <a:schemeClr val="accent1"/>
+          </a:effectRef>
+          <a:fontRef idx="minor">
+            <a:schemeClr val="tx1"/>
+          </a:fontRef>
+        </p:style>
+      </p:cxnSp>
     </p:spTree>
     <p:extLst>
       <p:ext uri="{BB962C8B-B14F-4D97-AF65-F5344CB8AC3E}">
-        <p14:creationId xmlns:p14="http://schemas.microsoft.com/office/powerpoint/2010/main" val="2048434548"/>
+        <p14:creationId xmlns:p14="http://schemas.microsoft.com/office/powerpoint/2010/main" val="810665694"/>
       </p:ext>
     </p:extLst>
   </p:cSld>
@@ -7248,6 +8862,480 @@
   <p:clrMapOvr>
     <a:masterClrMapping/>
   </p:clrMapOvr>
+</p:sld>
+</file>
+
+<file path=ppt/slides/slide20.xml><?xml version="1.0" encoding="utf-8"?>
+<p:sld xmlns:a="http://schemas.openxmlformats.org/drawingml/2006/main" xmlns:r="http://schemas.openxmlformats.org/officeDocument/2006/relationships" xmlns:p="http://schemas.openxmlformats.org/presentationml/2006/main">
+  <p:cSld>
+    <p:spTree>
+      <p:nvGrpSpPr>
+        <p:cNvPr id="1" name=""/>
+        <p:cNvGrpSpPr/>
+        <p:nvPr/>
+      </p:nvGrpSpPr>
+      <p:grpSpPr>
+        <a:xfrm>
+          <a:off x="0" y="0"/>
+          <a:ext cx="0" cy="0"/>
+          <a:chOff x="0" y="0"/>
+          <a:chExt cx="0" cy="0"/>
+        </a:xfrm>
+      </p:grpSpPr>
+      <p:sp>
+        <p:nvSpPr>
+          <p:cNvPr id="2" name="Title 1"/>
+          <p:cNvSpPr>
+            <a:spLocks noGrp="1"/>
+          </p:cNvSpPr>
+          <p:nvPr>
+            <p:ph type="title"/>
+          </p:nvPr>
+        </p:nvSpPr>
+        <p:spPr/>
+        <p:txBody>
+          <a:bodyPr>
+            <a:normAutofit fontScale="90000"/>
+          </a:bodyPr>
+          <a:lstStyle/>
+          <a:p>
+            <a:pPr algn="l"/>
+            <a:r>
+              <a:rPr lang="en-US" dirty="0" smtClean="0"/>
+              <a:t>C</a:t>
+            </a:r>
+            <a:r>
+              <a:rPr lang="en-US" dirty="0" smtClean="0"/>
+              <a:t>lock-less runtime algorithm</a:t>
+            </a:r>
+            <a:br>
+              <a:rPr lang="en-US" dirty="0" smtClean="0"/>
+            </a:br>
+            <a:r>
+              <a:rPr lang="en-US" sz="2700" dirty="0" smtClean="0"/>
+              <a:t>Exploit structured OpenMP parallelism</a:t>
+            </a:r>
+            <a:endParaRPr lang="en-US" sz="2700" dirty="0"/>
+          </a:p>
+        </p:txBody>
+      </p:sp>
+      <p:sp>
+        <p:nvSpPr>
+          <p:cNvPr id="4" name="Content Placeholder 3"/>
+          <p:cNvSpPr>
+            <a:spLocks noGrp="1"/>
+          </p:cNvSpPr>
+          <p:nvPr>
+            <p:ph idx="1"/>
+          </p:nvPr>
+        </p:nvSpPr>
+        <p:spPr/>
+        <p:txBody>
+          <a:bodyPr/>
+          <a:lstStyle/>
+          <a:p>
+            <a:endParaRPr lang="en-US"/>
+          </a:p>
+        </p:txBody>
+      </p:sp>
+    </p:spTree>
+    <p:extLst>
+      <p:ext uri="{BB962C8B-B14F-4D97-AF65-F5344CB8AC3E}">
+        <p14:creationId xmlns:p14="http://schemas.microsoft.com/office/powerpoint/2010/main" val="2799422406"/>
+      </p:ext>
+    </p:extLst>
+  </p:cSld>
+  <p:clrMapOvr>
+    <a:masterClrMapping/>
+  </p:clrMapOvr>
+  <p:timing>
+    <p:tnLst>
+      <p:par>
+        <p:cTn xmlns:p14="http://schemas.microsoft.com/office/powerpoint/2010/main" id="1" dur="indefinite" restart="never" nodeType="tmRoot"/>
+      </p:par>
+    </p:tnLst>
+  </p:timing>
+</p:sld>
+</file>
+
+<file path=ppt/slides/slide21.xml><?xml version="1.0" encoding="utf-8"?>
+<p:sld xmlns:a="http://schemas.openxmlformats.org/drawingml/2006/main" xmlns:r="http://schemas.openxmlformats.org/officeDocument/2006/relationships" xmlns:p="http://schemas.openxmlformats.org/presentationml/2006/main">
+  <p:cSld>
+    <p:spTree>
+      <p:nvGrpSpPr>
+        <p:cNvPr id="1" name=""/>
+        <p:cNvGrpSpPr/>
+        <p:nvPr/>
+      </p:nvGrpSpPr>
+      <p:grpSpPr>
+        <a:xfrm>
+          <a:off x="0" y="0"/>
+          <a:ext cx="0" cy="0"/>
+          <a:chOff x="0" y="0"/>
+          <a:chExt cx="0" cy="0"/>
+        </a:xfrm>
+      </p:grpSpPr>
+      <p:sp>
+        <p:nvSpPr>
+          <p:cNvPr id="2" name="Title 1"/>
+          <p:cNvSpPr>
+            <a:spLocks noGrp="1"/>
+          </p:cNvSpPr>
+          <p:nvPr>
+            <p:ph type="title"/>
+          </p:nvPr>
+        </p:nvSpPr>
+        <p:spPr/>
+        <p:txBody>
+          <a:bodyPr>
+            <a:normAutofit fontScale="90000"/>
+          </a:bodyPr>
+          <a:lstStyle/>
+          <a:p>
+            <a:pPr algn="l"/>
+            <a:r>
+              <a:rPr lang="en-US" dirty="0" smtClean="0"/>
+              <a:t>Archer </a:t>
+            </a:r>
+            <a:r>
+              <a:rPr lang="en-US" dirty="0" smtClean="0"/>
+              <a:t>v2</a:t>
+            </a:r>
+            <a:br>
+              <a:rPr lang="en-US" dirty="0" smtClean="0"/>
+            </a:br>
+            <a:r>
+              <a:rPr lang="en-US" sz="2700" dirty="0" err="1" smtClean="0"/>
+              <a:t>Embeding</a:t>
+            </a:r>
+            <a:r>
+              <a:rPr lang="en-US" sz="2700" dirty="0" smtClean="0"/>
+              <a:t> static analysis and clock-less algorithm</a:t>
+            </a:r>
+            <a:endParaRPr lang="en-US" sz="2700" dirty="0"/>
+          </a:p>
+        </p:txBody>
+      </p:sp>
+      <p:sp>
+        <p:nvSpPr>
+          <p:cNvPr id="4" name="Content Placeholder 3"/>
+          <p:cNvSpPr>
+            <a:spLocks noGrp="1"/>
+          </p:cNvSpPr>
+          <p:nvPr>
+            <p:ph idx="1"/>
+          </p:nvPr>
+        </p:nvSpPr>
+        <p:spPr/>
+        <p:txBody>
+          <a:bodyPr/>
+          <a:lstStyle/>
+          <a:p>
+            <a:endParaRPr lang="en-US"/>
+          </a:p>
+        </p:txBody>
+      </p:sp>
+    </p:spTree>
+    <p:extLst>
+      <p:ext uri="{BB962C8B-B14F-4D97-AF65-F5344CB8AC3E}">
+        <p14:creationId xmlns:p14="http://schemas.microsoft.com/office/powerpoint/2010/main" val="1851940281"/>
+      </p:ext>
+    </p:extLst>
+  </p:cSld>
+  <p:clrMapOvr>
+    <a:masterClrMapping/>
+  </p:clrMapOvr>
+  <p:timing>
+    <p:tnLst>
+      <p:par>
+        <p:cTn xmlns:p14="http://schemas.microsoft.com/office/powerpoint/2010/main" id="1" dur="indefinite" restart="never" nodeType="tmRoot"/>
+      </p:par>
+    </p:tnLst>
+  </p:timing>
+</p:sld>
+</file>
+
+<file path=ppt/slides/slide22.xml><?xml version="1.0" encoding="utf-8"?>
+<p:sld xmlns:a="http://schemas.openxmlformats.org/drawingml/2006/main" xmlns:r="http://schemas.openxmlformats.org/officeDocument/2006/relationships" xmlns:p="http://schemas.openxmlformats.org/presentationml/2006/main">
+  <p:cSld>
+    <p:spTree>
+      <p:nvGrpSpPr>
+        <p:cNvPr id="1" name=""/>
+        <p:cNvGrpSpPr/>
+        <p:nvPr/>
+      </p:nvGrpSpPr>
+      <p:grpSpPr>
+        <a:xfrm>
+          <a:off x="0" y="0"/>
+          <a:ext cx="0" cy="0"/>
+          <a:chOff x="0" y="0"/>
+          <a:chExt cx="0" cy="0"/>
+        </a:xfrm>
+      </p:grpSpPr>
+      <p:sp>
+        <p:nvSpPr>
+          <p:cNvPr id="2" name="Title 1"/>
+          <p:cNvSpPr>
+            <a:spLocks noGrp="1"/>
+          </p:cNvSpPr>
+          <p:nvPr>
+            <p:ph type="title"/>
+          </p:nvPr>
+        </p:nvSpPr>
+        <p:spPr/>
+        <p:txBody>
+          <a:bodyPr>
+            <a:normAutofit fontScale="90000"/>
+          </a:bodyPr>
+          <a:lstStyle/>
+          <a:p>
+            <a:pPr algn="l"/>
+            <a:r>
+              <a:rPr lang="en-US" dirty="0" smtClean="0">
+                <a:solidFill>
+                  <a:prstClr val="black"/>
+                </a:solidFill>
+              </a:rPr>
+              <a:t>Timeline</a:t>
+            </a:r>
+            <a:br>
+              <a:rPr lang="en-US" dirty="0" smtClean="0">
+                <a:solidFill>
+                  <a:prstClr val="black"/>
+                </a:solidFill>
+              </a:rPr>
+            </a:br>
+            <a:r>
+              <a:rPr lang="en-US" sz="2700" dirty="0" smtClean="0">
+                <a:solidFill>
+                  <a:prstClr val="black"/>
+                </a:solidFill>
+              </a:rPr>
+              <a:t>Past and future publications</a:t>
+            </a:r>
+            <a:endParaRPr lang="en-US" dirty="0"/>
+          </a:p>
+        </p:txBody>
+      </p:sp>
+      <p:sp>
+        <p:nvSpPr>
+          <p:cNvPr id="3" name="Content Placeholder 2"/>
+          <p:cNvSpPr>
+            <a:spLocks noGrp="1"/>
+          </p:cNvSpPr>
+          <p:nvPr>
+            <p:ph idx="1"/>
+          </p:nvPr>
+        </p:nvSpPr>
+        <p:spPr/>
+        <p:txBody>
+          <a:bodyPr>
+            <a:normAutofit/>
+          </a:bodyPr>
+          <a:lstStyle/>
+          <a:p>
+            <a:r>
+              <a:rPr lang="en-US" sz="3000" dirty="0" smtClean="0"/>
+              <a:t>Feasibility of combining static and dynamic analysis for OpenMP data race detection    [LLVM-HPC WS/SC’14]</a:t>
+            </a:r>
+          </a:p>
+          <a:p>
+            <a:r>
+              <a:rPr lang="en-US" sz="3000" dirty="0" smtClean="0"/>
+              <a:t>Archer v1 – static analysis and </a:t>
+            </a:r>
+            <a:r>
+              <a:rPr lang="en-US" sz="3000" dirty="0" err="1" smtClean="0"/>
+              <a:t>TSan</a:t>
+            </a:r>
+            <a:r>
+              <a:rPr lang="en-US" sz="3000" dirty="0" smtClean="0"/>
+              <a:t> runtime [IPDPS’16]</a:t>
+            </a:r>
+          </a:p>
+          <a:p>
+            <a:r>
+              <a:rPr lang="en-US" sz="3000" dirty="0" smtClean="0"/>
+              <a:t>Clock-less runtime algorithm [POPL’17, PPoPP’17]</a:t>
+            </a:r>
+          </a:p>
+          <a:p>
+            <a:r>
+              <a:rPr lang="en-US" sz="3000" dirty="0" smtClean="0"/>
+              <a:t>Archer v2 – static </a:t>
+            </a:r>
+            <a:r>
+              <a:rPr lang="en-US" sz="3000" dirty="0"/>
+              <a:t>analysis and clock-less runtime algorithm [PLDI’17, IPDPS’17]</a:t>
+            </a:r>
+          </a:p>
+          <a:p>
+            <a:endParaRPr lang="en-US" sz="3000" dirty="0"/>
+          </a:p>
+        </p:txBody>
+      </p:sp>
+    </p:spTree>
+    <p:extLst>
+      <p:ext uri="{BB962C8B-B14F-4D97-AF65-F5344CB8AC3E}">
+        <p14:creationId xmlns:p14="http://schemas.microsoft.com/office/powerpoint/2010/main" val="2982352226"/>
+      </p:ext>
+    </p:extLst>
+  </p:cSld>
+  <p:clrMapOvr>
+    <a:masterClrMapping/>
+  </p:clrMapOvr>
+  <p:timing>
+    <p:tnLst>
+      <p:par>
+        <p:cTn xmlns:p14="http://schemas.microsoft.com/office/powerpoint/2010/main" id="1" dur="indefinite" restart="never" nodeType="tmRoot"/>
+      </p:par>
+    </p:tnLst>
+  </p:timing>
+</p:sld>
+</file>
+
+<file path=ppt/slides/slide23.xml><?xml version="1.0" encoding="utf-8"?>
+<p:sld xmlns:a="http://schemas.openxmlformats.org/drawingml/2006/main" xmlns:r="http://schemas.openxmlformats.org/officeDocument/2006/relationships" xmlns:p="http://schemas.openxmlformats.org/presentationml/2006/main">
+  <p:cSld>
+    <p:spTree>
+      <p:nvGrpSpPr>
+        <p:cNvPr id="1" name=""/>
+        <p:cNvGrpSpPr/>
+        <p:nvPr/>
+      </p:nvGrpSpPr>
+      <p:grpSpPr>
+        <a:xfrm>
+          <a:off x="0" y="0"/>
+          <a:ext cx="0" cy="0"/>
+          <a:chOff x="0" y="0"/>
+          <a:chExt cx="0" cy="0"/>
+        </a:xfrm>
+      </p:grpSpPr>
+      <p:sp>
+        <p:nvSpPr>
+          <p:cNvPr id="2" name="Title 1"/>
+          <p:cNvSpPr>
+            <a:spLocks noGrp="1"/>
+          </p:cNvSpPr>
+          <p:nvPr>
+            <p:ph type="title"/>
+          </p:nvPr>
+        </p:nvSpPr>
+        <p:spPr/>
+        <p:txBody>
+          <a:bodyPr>
+            <a:normAutofit/>
+          </a:bodyPr>
+          <a:lstStyle/>
+          <a:p>
+            <a:pPr algn="l"/>
+            <a:endParaRPr lang="en-US" dirty="0"/>
+          </a:p>
+        </p:txBody>
+      </p:sp>
+      <p:sp>
+        <p:nvSpPr>
+          <p:cNvPr id="3" name="Content Placeholder 2"/>
+          <p:cNvSpPr>
+            <a:spLocks noGrp="1"/>
+          </p:cNvSpPr>
+          <p:nvPr>
+            <p:ph idx="1"/>
+          </p:nvPr>
+        </p:nvSpPr>
+        <p:spPr/>
+        <p:txBody>
+          <a:bodyPr>
+            <a:normAutofit/>
+          </a:bodyPr>
+          <a:lstStyle/>
+          <a:p>
+            <a:pPr marL="0" indent="0" algn="ctr">
+              <a:buNone/>
+            </a:pPr>
+            <a:endParaRPr lang="en-US" sz="4400" dirty="0" smtClean="0">
+              <a:solidFill>
+                <a:prstClr val="black"/>
+              </a:solidFill>
+            </a:endParaRPr>
+          </a:p>
+          <a:p>
+            <a:pPr marL="0" indent="0" algn="ctr">
+              <a:buNone/>
+            </a:pPr>
+            <a:endParaRPr lang="en-US" sz="4400" dirty="0" smtClean="0">
+              <a:solidFill>
+                <a:prstClr val="black"/>
+              </a:solidFill>
+            </a:endParaRPr>
+          </a:p>
+          <a:p>
+            <a:pPr marL="0" indent="0" algn="ctr">
+              <a:buNone/>
+            </a:pPr>
+            <a:r>
+              <a:rPr lang="en-US" sz="4400" dirty="0" smtClean="0">
+                <a:solidFill>
+                  <a:prstClr val="black"/>
+                </a:solidFill>
+              </a:rPr>
+              <a:t>Questions</a:t>
+            </a:r>
+            <a:r>
+              <a:rPr lang="en-US" sz="4400" dirty="0">
+                <a:solidFill>
+                  <a:prstClr val="black"/>
+                </a:solidFill>
+              </a:rPr>
+              <a:t>?</a:t>
+            </a:r>
+            <a:endParaRPr lang="en-US" sz="4400" dirty="0"/>
+          </a:p>
+        </p:txBody>
+      </p:sp>
+      <p:sp>
+        <p:nvSpPr>
+          <p:cNvPr id="4" name="TextBox 3"/>
+          <p:cNvSpPr txBox="1"/>
+          <p:nvPr/>
+        </p:nvSpPr>
+        <p:spPr>
+          <a:xfrm>
+            <a:off x="2837444" y="2593915"/>
+            <a:ext cx="184666" cy="369332"/>
+          </a:xfrm>
+          <a:prstGeom prst="rect">
+            <a:avLst/>
+          </a:prstGeom>
+          <a:noFill/>
+        </p:spPr>
+        <p:txBody>
+          <a:bodyPr wrap="none" rtlCol="0">
+            <a:spAutoFit/>
+          </a:bodyPr>
+          <a:lstStyle/>
+          <a:p>
+            <a:endParaRPr lang="en-US" dirty="0"/>
+          </a:p>
+        </p:txBody>
+      </p:sp>
+    </p:spTree>
+    <p:extLst>
+      <p:ext uri="{BB962C8B-B14F-4D97-AF65-F5344CB8AC3E}">
+        <p14:creationId xmlns:p14="http://schemas.microsoft.com/office/powerpoint/2010/main" val="2048434548"/>
+      </p:ext>
+    </p:extLst>
+  </p:cSld>
+  <p:clrMapOvr>
+    <a:masterClrMapping/>
+  </p:clrMapOvr>
+  <p:timing>
+    <p:tnLst>
+      <p:par>
+        <p:cTn xmlns:p14="http://schemas.microsoft.com/office/powerpoint/2010/main" id="1" dur="indefinite" restart="never" nodeType="tmRoot"/>
+      </p:par>
+    </p:tnLst>
+  </p:timing>
 </p:sld>
 </file>
 

--- a/presentation/presentation.pptx
+++ b/presentation/presentation.pptx
@@ -5,10 +5,10 @@
     <p:sldMasterId id="2147483648" r:id="rId1"/>
   </p:sldMasterIdLst>
   <p:notesMasterIdLst>
-    <p:notesMasterId r:id="rId25"/>
+    <p:notesMasterId r:id="rId27"/>
   </p:notesMasterIdLst>
   <p:handoutMasterIdLst>
-    <p:handoutMasterId r:id="rId26"/>
+    <p:handoutMasterId r:id="rId28"/>
   </p:handoutMasterIdLst>
   <p:sldIdLst>
     <p:sldId id="256" r:id="rId2"/>
@@ -20,20 +20,22 @@
     <p:sldId id="265" r:id="rId8"/>
     <p:sldId id="266" r:id="rId9"/>
     <p:sldId id="267" r:id="rId10"/>
-    <p:sldId id="272" r:id="rId11"/>
+    <p:sldId id="280" r:id="rId11"/>
     <p:sldId id="273" r:id="rId12"/>
     <p:sldId id="261" r:id="rId13"/>
     <p:sldId id="260" r:id="rId14"/>
     <p:sldId id="262" r:id="rId15"/>
     <p:sldId id="274" r:id="rId16"/>
     <p:sldId id="263" r:id="rId17"/>
-    <p:sldId id="275" r:id="rId18"/>
-    <p:sldId id="278" r:id="rId19"/>
-    <p:sldId id="279" r:id="rId20"/>
+    <p:sldId id="278" r:id="rId18"/>
+    <p:sldId id="279" r:id="rId19"/>
+    <p:sldId id="275" r:id="rId20"/>
     <p:sldId id="276" r:id="rId21"/>
-    <p:sldId id="277" r:id="rId22"/>
-    <p:sldId id="268" r:id="rId23"/>
-    <p:sldId id="269" r:id="rId24"/>
+    <p:sldId id="281" r:id="rId22"/>
+    <p:sldId id="282" r:id="rId23"/>
+    <p:sldId id="277" r:id="rId24"/>
+    <p:sldId id="268" r:id="rId25"/>
+    <p:sldId id="269" r:id="rId26"/>
   </p:sldIdLst>
   <p:sldSz cx="9144000" cy="6858000" type="screen4x3"/>
   <p:notesSz cx="6858000" cy="9144000"/>
@@ -802,6 +804,174 @@
             <a:fld id="{A1129A4B-D84D-454A-A538-E27153618149}" type="slidenum">
               <a:rPr lang="en-US" smtClean="0"/>
               <a:t>21</a:t>
+            </a:fld>
+            <a:endParaRPr lang="en-US"/>
+          </a:p>
+        </p:txBody>
+      </p:sp>
+    </p:spTree>
+    <p:extLst>
+      <p:ext uri="{BB962C8B-B14F-4D97-AF65-F5344CB8AC3E}">
+        <p14:creationId xmlns:p14="http://schemas.microsoft.com/office/powerpoint/2010/main" val="2140486430"/>
+      </p:ext>
+    </p:extLst>
+  </p:cSld>
+  <p:clrMapOvr>
+    <a:masterClrMapping/>
+  </p:clrMapOvr>
+</p:notes>
+</file>
+
+<file path=ppt/notesSlides/notesSlide11.xml><?xml version="1.0" encoding="utf-8"?>
+<p:notes xmlns:a="http://schemas.openxmlformats.org/drawingml/2006/main" xmlns:r="http://schemas.openxmlformats.org/officeDocument/2006/relationships" xmlns:p="http://schemas.openxmlformats.org/presentationml/2006/main">
+  <p:cSld>
+    <p:spTree>
+      <p:nvGrpSpPr>
+        <p:cNvPr id="1" name=""/>
+        <p:cNvGrpSpPr/>
+        <p:nvPr/>
+      </p:nvGrpSpPr>
+      <p:grpSpPr>
+        <a:xfrm>
+          <a:off x="0" y="0"/>
+          <a:ext cx="0" cy="0"/>
+          <a:chOff x="0" y="0"/>
+          <a:chExt cx="0" cy="0"/>
+        </a:xfrm>
+      </p:grpSpPr>
+      <p:sp>
+        <p:nvSpPr>
+          <p:cNvPr id="2" name="Slide Image Placeholder 1"/>
+          <p:cNvSpPr>
+            <a:spLocks noGrp="1" noRot="1" noChangeAspect="1"/>
+          </p:cNvSpPr>
+          <p:nvPr>
+            <p:ph type="sldImg"/>
+          </p:nvPr>
+        </p:nvSpPr>
+        <p:spPr/>
+      </p:sp>
+      <p:sp>
+        <p:nvSpPr>
+          <p:cNvPr id="3" name="Notes Placeholder 2"/>
+          <p:cNvSpPr>
+            <a:spLocks noGrp="1"/>
+          </p:cNvSpPr>
+          <p:nvPr>
+            <p:ph type="body" idx="1"/>
+          </p:nvPr>
+        </p:nvSpPr>
+        <p:spPr/>
+        <p:txBody>
+          <a:bodyPr/>
+          <a:lstStyle/>
+          <a:p>
+            <a:endParaRPr lang="en-US" dirty="0"/>
+          </a:p>
+        </p:txBody>
+      </p:sp>
+      <p:sp>
+        <p:nvSpPr>
+          <p:cNvPr id="4" name="Slide Number Placeholder 3"/>
+          <p:cNvSpPr>
+            <a:spLocks noGrp="1"/>
+          </p:cNvSpPr>
+          <p:nvPr>
+            <p:ph type="sldNum" sz="quarter" idx="10"/>
+          </p:nvPr>
+        </p:nvSpPr>
+        <p:spPr/>
+        <p:txBody>
+          <a:bodyPr/>
+          <a:lstStyle/>
+          <a:p>
+            <a:fld id="{A1129A4B-D84D-454A-A538-E27153618149}" type="slidenum">
+              <a:rPr lang="en-US" smtClean="0"/>
+              <a:t>22</a:t>
+            </a:fld>
+            <a:endParaRPr lang="en-US"/>
+          </a:p>
+        </p:txBody>
+      </p:sp>
+    </p:spTree>
+    <p:extLst>
+      <p:ext uri="{BB962C8B-B14F-4D97-AF65-F5344CB8AC3E}">
+        <p14:creationId xmlns:p14="http://schemas.microsoft.com/office/powerpoint/2010/main" val="2140486430"/>
+      </p:ext>
+    </p:extLst>
+  </p:cSld>
+  <p:clrMapOvr>
+    <a:masterClrMapping/>
+  </p:clrMapOvr>
+</p:notes>
+</file>
+
+<file path=ppt/notesSlides/notesSlide12.xml><?xml version="1.0" encoding="utf-8"?>
+<p:notes xmlns:a="http://schemas.openxmlformats.org/drawingml/2006/main" xmlns:r="http://schemas.openxmlformats.org/officeDocument/2006/relationships" xmlns:p="http://schemas.openxmlformats.org/presentationml/2006/main">
+  <p:cSld>
+    <p:spTree>
+      <p:nvGrpSpPr>
+        <p:cNvPr id="1" name=""/>
+        <p:cNvGrpSpPr/>
+        <p:nvPr/>
+      </p:nvGrpSpPr>
+      <p:grpSpPr>
+        <a:xfrm>
+          <a:off x="0" y="0"/>
+          <a:ext cx="0" cy="0"/>
+          <a:chOff x="0" y="0"/>
+          <a:chExt cx="0" cy="0"/>
+        </a:xfrm>
+      </p:grpSpPr>
+      <p:sp>
+        <p:nvSpPr>
+          <p:cNvPr id="2" name="Slide Image Placeholder 1"/>
+          <p:cNvSpPr>
+            <a:spLocks noGrp="1" noRot="1" noChangeAspect="1"/>
+          </p:cNvSpPr>
+          <p:nvPr>
+            <p:ph type="sldImg"/>
+          </p:nvPr>
+        </p:nvSpPr>
+        <p:spPr/>
+      </p:sp>
+      <p:sp>
+        <p:nvSpPr>
+          <p:cNvPr id="3" name="Notes Placeholder 2"/>
+          <p:cNvSpPr>
+            <a:spLocks noGrp="1"/>
+          </p:cNvSpPr>
+          <p:nvPr>
+            <p:ph type="body" idx="1"/>
+          </p:nvPr>
+        </p:nvSpPr>
+        <p:spPr/>
+        <p:txBody>
+          <a:bodyPr/>
+          <a:lstStyle/>
+          <a:p>
+            <a:endParaRPr lang="en-US" dirty="0"/>
+          </a:p>
+        </p:txBody>
+      </p:sp>
+      <p:sp>
+        <p:nvSpPr>
+          <p:cNvPr id="4" name="Slide Number Placeholder 3"/>
+          <p:cNvSpPr>
+            <a:spLocks noGrp="1"/>
+          </p:cNvSpPr>
+          <p:nvPr>
+            <p:ph type="sldNum" sz="quarter" idx="10"/>
+          </p:nvPr>
+        </p:nvSpPr>
+        <p:spPr/>
+        <p:txBody>
+          <a:bodyPr/>
+          <a:lstStyle/>
+          <a:p>
+            <a:fld id="{A1129A4B-D84D-454A-A538-E27153618149}" type="slidenum">
+              <a:rPr lang="en-US" smtClean="0"/>
+              <a:t>23</a:t>
             </a:fld>
             <a:endParaRPr lang="en-US"/>
           </a:p>
@@ -4863,102 +5033,81 @@
         </p:spPr>
         <p:txBody>
           <a:bodyPr>
-            <a:normAutofit/>
+            <a:normAutofit fontScale="85000" lnSpcReduction="20000"/>
           </a:bodyPr>
           <a:lstStyle/>
           <a:p>
             <a:r>
-              <a:rPr lang="en-US" dirty="0" smtClean="0"/>
-              <a:t>Data </a:t>
-            </a:r>
-            <a:r>
-              <a:rPr lang="en-US" dirty="0"/>
-              <a:t>race detection </a:t>
-            </a:r>
-            <a:r>
-              <a:rPr lang="en-US" dirty="0" smtClean="0"/>
-              <a:t>technique for </a:t>
-            </a:r>
-            <a:r>
-              <a:rPr lang="en-US" dirty="0"/>
-              <a:t>large </a:t>
-            </a:r>
-            <a:r>
-              <a:rPr lang="en-US" dirty="0" smtClean="0"/>
-              <a:t>OpenMP applications</a:t>
+              <a:rPr lang="en-US" sz="3600" dirty="0"/>
+              <a:t>Data race detection technique for large OpenMP applications</a:t>
             </a:r>
           </a:p>
           <a:p>
             <a:pPr lvl="1"/>
             <a:r>
-              <a:rPr lang="en-US" dirty="0"/>
-              <a:t>C</a:t>
-            </a:r>
-            <a:r>
-              <a:rPr lang="en-US" dirty="0" smtClean="0"/>
-              <a:t>ombine </a:t>
-            </a:r>
-            <a:r>
-              <a:rPr lang="en-US" dirty="0"/>
-              <a:t>static and dynamic </a:t>
-            </a:r>
-            <a:r>
-              <a:rPr lang="en-US" dirty="0" smtClean="0"/>
-              <a:t>analysis</a:t>
+              <a:rPr lang="en-US" sz="3200" dirty="0"/>
+              <a:t>Combine static and dynamic analysis</a:t>
             </a:r>
           </a:p>
           <a:p>
             <a:pPr lvl="2"/>
             <a:r>
-              <a:rPr lang="en-US" dirty="0" smtClean="0"/>
+              <a:rPr lang="en-US" sz="2800" dirty="0"/>
               <a:t>Reduce amount of code to analyze at runtime</a:t>
             </a:r>
           </a:p>
           <a:p>
             <a:pPr lvl="1"/>
             <a:r>
-              <a:rPr lang="en-US" dirty="0" smtClean="0"/>
-              <a:t>Exploit concurrency </a:t>
-            </a:r>
-            <a:r>
-              <a:rPr lang="en-US" dirty="0"/>
-              <a:t>structure of </a:t>
-            </a:r>
-            <a:r>
-              <a:rPr lang="en-US" dirty="0" smtClean="0"/>
-              <a:t>OpenMP</a:t>
+              <a:rPr lang="en-US" sz="3200" dirty="0"/>
+              <a:t>Exploit concurrency structure of OpenMP</a:t>
             </a:r>
           </a:p>
           <a:p>
             <a:pPr lvl="2"/>
             <a:r>
-              <a:rPr lang="en-US" dirty="0" smtClean="0"/>
+              <a:rPr lang="en-US" sz="2800" dirty="0"/>
               <a:t>More structured than </a:t>
             </a:r>
             <a:r>
-              <a:rPr lang="en-US" dirty="0" err="1" smtClean="0"/>
+              <a:rPr lang="en-US" sz="2800" dirty="0" err="1"/>
               <a:t>Pthreads</a:t>
             </a:r>
             <a:r>
-              <a:rPr lang="en-US" dirty="0" smtClean="0"/>
+              <a:rPr lang="en-US" sz="2800" dirty="0"/>
               <a:t> </a:t>
             </a:r>
             <a:r>
-              <a:rPr lang="en-US" dirty="0" err="1" smtClean="0"/>
+              <a:rPr lang="en-US" sz="2800" dirty="0" err="1"/>
               <a:t>progams</a:t>
             </a:r>
-            <a:endParaRPr lang="en-US" dirty="0" smtClean="0"/>
+            <a:endParaRPr lang="en-US" sz="2800" dirty="0"/>
           </a:p>
           <a:p>
             <a:pPr lvl="3"/>
             <a:r>
-              <a:rPr lang="en-US" dirty="0" smtClean="0"/>
+              <a:rPr lang="en-US" sz="2400" dirty="0"/>
               <a:t>i.e. join of team of threads at the same point</a:t>
             </a:r>
           </a:p>
           <a:p>
-            <a:pPr lvl="1"/>
-            <a:endParaRPr lang="en-US" dirty="0"/>
+            <a:pPr lvl="2"/>
+            <a:r>
+              <a:rPr lang="en-US" sz="2800" dirty="0"/>
+              <a:t>Avoid pure happens-before relation</a:t>
+            </a:r>
+          </a:p>
+          <a:p>
+            <a:pPr lvl="3"/>
+            <a:r>
+              <a:rPr lang="en-US" sz="2400" dirty="0"/>
+              <a:t>Vector clocks are </a:t>
+            </a:r>
+            <a:r>
+              <a:rPr lang="en-US" sz="2400" dirty="0" smtClean="0"/>
+              <a:t>expensive</a:t>
+            </a:r>
+            <a:endParaRPr lang="en-US" sz="3200" dirty="0"/>
           </a:p>
         </p:txBody>
       </p:sp>
@@ -5238,7 +5387,7 @@
     </p:spTree>
     <p:extLst>
       <p:ext uri="{BB962C8B-B14F-4D97-AF65-F5344CB8AC3E}">
-        <p14:creationId xmlns:p14="http://schemas.microsoft.com/office/powerpoint/2010/main" val="285783419"/>
+        <p14:creationId xmlns:p14="http://schemas.microsoft.com/office/powerpoint/2010/main" val="474592310"/>
       </p:ext>
     </p:extLst>
   </p:cSld>
@@ -6915,194 +7064,6 @@
             <a:pPr algn="l"/>
             <a:r>
               <a:rPr lang="en-US" dirty="0" smtClean="0"/>
-              <a:t>Archer v1</a:t>
-            </a:r>
-            <a:br>
-              <a:rPr lang="en-US" dirty="0" smtClean="0"/>
-            </a:br>
-            <a:r>
-              <a:rPr lang="en-US" sz="2700" dirty="0" smtClean="0"/>
-              <a:t>Accomplished Research</a:t>
-            </a:r>
-            <a:endParaRPr lang="en-US" sz="2700" dirty="0"/>
-          </a:p>
-        </p:txBody>
-      </p:sp>
-      <p:pic>
-        <p:nvPicPr>
-          <p:cNvPr id="17" name="Picture 16" descr="archerdiagram.pdf"/>
-          <p:cNvPicPr>
-            <a:picLocks noChangeAspect="1"/>
-          </p:cNvPicPr>
-          <p:nvPr/>
-        </p:nvPicPr>
-        <p:blipFill>
-          <a:blip r:embed="rId3">
-            <a:extLst>
-              <a:ext uri="{28A0092B-C50C-407E-A947-70E740481C1C}">
-                <a14:useLocalDpi xmlns:a14="http://schemas.microsoft.com/office/drawing/2010/main" val="0"/>
-              </a:ext>
-            </a:extLst>
-          </a:blip>
-          <a:stretch>
-            <a:fillRect/>
-          </a:stretch>
-        </p:blipFill>
-        <p:spPr>
-          <a:xfrm>
-            <a:off x="457200" y="1611310"/>
-            <a:ext cx="8229600" cy="2307885"/>
-          </a:xfrm>
-          <a:prstGeom prst="rect">
-            <a:avLst/>
-          </a:prstGeom>
-        </p:spPr>
-      </p:pic>
-      <p:sp>
-        <p:nvSpPr>
-          <p:cNvPr id="19" name="Content Placeholder 15"/>
-          <p:cNvSpPr>
-            <a:spLocks noGrp="1"/>
-          </p:cNvSpPr>
-          <p:nvPr>
-            <p:ph idx="1"/>
-          </p:nvPr>
-        </p:nvSpPr>
-        <p:spPr>
-          <a:xfrm>
-            <a:off x="457200" y="3919195"/>
-            <a:ext cx="8229600" cy="2579102"/>
-          </a:xfrm>
-        </p:spPr>
-        <p:txBody>
-          <a:bodyPr>
-            <a:noAutofit/>
-          </a:bodyPr>
-          <a:lstStyle/>
-          <a:p>
-            <a:r>
-              <a:rPr lang="en-US" sz="2400" dirty="0" smtClean="0">
-                <a:effectLst/>
-              </a:rPr>
-              <a:t>First open source OpenMP data race detector tool</a:t>
-            </a:r>
-          </a:p>
-          <a:p>
-            <a:r>
-              <a:rPr lang="en-US" sz="2400" dirty="0" smtClean="0">
-                <a:effectLst/>
-              </a:rPr>
-              <a:t>Experimental results show on average 25% reduction of runtime overhead</a:t>
-            </a:r>
-          </a:p>
-          <a:p>
-            <a:r>
-              <a:rPr lang="en-US" sz="2400" dirty="0" smtClean="0">
-                <a:effectLst/>
-              </a:rPr>
-              <a:t>First usage by HPC community</a:t>
-            </a:r>
-          </a:p>
-          <a:p>
-            <a:r>
-              <a:rPr lang="en-US" sz="2400" dirty="0" smtClean="0">
-                <a:effectLst/>
-              </a:rPr>
-              <a:t>Presentation at IPDPS’16</a:t>
-            </a:r>
-            <a:endParaRPr lang="en-US" sz="2400" dirty="0">
-              <a:effectLst/>
-            </a:endParaRPr>
-          </a:p>
-        </p:txBody>
-      </p:sp>
-      <p:pic>
-        <p:nvPicPr>
-          <p:cNvPr id="3" name="Picture 2" descr="archer_logo.pdf"/>
-          <p:cNvPicPr>
-            <a:picLocks noChangeAspect="1"/>
-          </p:cNvPicPr>
-          <p:nvPr/>
-        </p:nvPicPr>
-        <p:blipFill>
-          <a:blip r:embed="rId4">
-            <a:extLst>
-              <a:ext uri="{28A0092B-C50C-407E-A947-70E740481C1C}">
-                <a14:useLocalDpi xmlns:a14="http://schemas.microsoft.com/office/drawing/2010/main" val="0"/>
-              </a:ext>
-            </a:extLst>
-          </a:blip>
-          <a:stretch>
-            <a:fillRect/>
-          </a:stretch>
-        </p:blipFill>
-        <p:spPr>
-          <a:xfrm>
-            <a:off x="5582953" y="4957166"/>
-            <a:ext cx="3103848" cy="1541132"/>
-          </a:xfrm>
-          <a:prstGeom prst="rect">
-            <a:avLst/>
-          </a:prstGeom>
-        </p:spPr>
-      </p:pic>
-    </p:spTree>
-    <p:extLst>
-      <p:ext uri="{BB962C8B-B14F-4D97-AF65-F5344CB8AC3E}">
-        <p14:creationId xmlns:p14="http://schemas.microsoft.com/office/powerpoint/2010/main" val="2451981841"/>
-      </p:ext>
-    </p:extLst>
-  </p:cSld>
-  <p:clrMapOvr>
-    <a:masterClrMapping/>
-  </p:clrMapOvr>
-  <p:timing>
-    <p:tnLst>
-      <p:par>
-        <p:cTn xmlns:p14="http://schemas.microsoft.com/office/powerpoint/2010/main" id="1" dur="indefinite" restart="never" nodeType="tmRoot"/>
-      </p:par>
-    </p:tnLst>
-  </p:timing>
-</p:sld>
-</file>
-
-<file path=ppt/slides/slide18.xml><?xml version="1.0" encoding="utf-8"?>
-<p:sld xmlns:a="http://schemas.openxmlformats.org/drawingml/2006/main" xmlns:r="http://schemas.openxmlformats.org/officeDocument/2006/relationships" xmlns:p="http://schemas.openxmlformats.org/presentationml/2006/main">
-  <p:cSld>
-    <p:spTree>
-      <p:nvGrpSpPr>
-        <p:cNvPr id="1" name=""/>
-        <p:cNvGrpSpPr/>
-        <p:nvPr/>
-      </p:nvGrpSpPr>
-      <p:grpSpPr>
-        <a:xfrm>
-          <a:off x="0" y="0"/>
-          <a:ext cx="0" cy="0"/>
-          <a:chOff x="0" y="0"/>
-          <a:chExt cx="0" cy="0"/>
-        </a:xfrm>
-      </p:grpSpPr>
-      <p:sp>
-        <p:nvSpPr>
-          <p:cNvPr id="2" name="Title 1"/>
-          <p:cNvSpPr>
-            <a:spLocks noGrp="1"/>
-          </p:cNvSpPr>
-          <p:nvPr>
-            <p:ph type="title"/>
-          </p:nvPr>
-        </p:nvSpPr>
-        <p:spPr/>
-        <p:txBody>
-          <a:bodyPr>
-            <a:normAutofit fontScale="90000"/>
-          </a:bodyPr>
-          <a:lstStyle/>
-          <a:p>
-            <a:pPr algn="l"/>
-            <a:r>
-              <a:rPr lang="en-US" dirty="0" smtClean="0"/>
               <a:t>Example</a:t>
             </a:r>
             <a:r>
@@ -7170,7 +7131,7 @@
 </p:sld>
 </file>
 
-<file path=ppt/slides/slide19.xml><?xml version="1.0" encoding="utf-8"?>
+<file path=ppt/slides/slide18.xml><?xml version="1.0" encoding="utf-8"?>
 <p:sld xmlns:a="http://schemas.openxmlformats.org/drawingml/2006/main" xmlns:r="http://schemas.openxmlformats.org/officeDocument/2006/relationships" xmlns:p="http://schemas.openxmlformats.org/presentationml/2006/main">
   <p:cSld>
     <p:spTree>
@@ -8624,6 +8585,194 @@
 </p:sld>
 </file>
 
+<file path=ppt/slides/slide19.xml><?xml version="1.0" encoding="utf-8"?>
+<p:sld xmlns:a="http://schemas.openxmlformats.org/drawingml/2006/main" xmlns:r="http://schemas.openxmlformats.org/officeDocument/2006/relationships" xmlns:p="http://schemas.openxmlformats.org/presentationml/2006/main">
+  <p:cSld>
+    <p:spTree>
+      <p:nvGrpSpPr>
+        <p:cNvPr id="1" name=""/>
+        <p:cNvGrpSpPr/>
+        <p:nvPr/>
+      </p:nvGrpSpPr>
+      <p:grpSpPr>
+        <a:xfrm>
+          <a:off x="0" y="0"/>
+          <a:ext cx="0" cy="0"/>
+          <a:chOff x="0" y="0"/>
+          <a:chExt cx="0" cy="0"/>
+        </a:xfrm>
+      </p:grpSpPr>
+      <p:sp>
+        <p:nvSpPr>
+          <p:cNvPr id="2" name="Title 1"/>
+          <p:cNvSpPr>
+            <a:spLocks noGrp="1"/>
+          </p:cNvSpPr>
+          <p:nvPr>
+            <p:ph type="title"/>
+          </p:nvPr>
+        </p:nvSpPr>
+        <p:spPr/>
+        <p:txBody>
+          <a:bodyPr>
+            <a:normAutofit fontScale="90000"/>
+          </a:bodyPr>
+          <a:lstStyle/>
+          <a:p>
+            <a:pPr algn="l"/>
+            <a:r>
+              <a:rPr lang="en-US" dirty="0" smtClean="0"/>
+              <a:t>Archer v1</a:t>
+            </a:r>
+            <a:br>
+              <a:rPr lang="en-US" dirty="0" smtClean="0"/>
+            </a:br>
+            <a:r>
+              <a:rPr lang="en-US" sz="2700" dirty="0" smtClean="0"/>
+              <a:t>Accomplished Research</a:t>
+            </a:r>
+            <a:endParaRPr lang="en-US" sz="2700" dirty="0"/>
+          </a:p>
+        </p:txBody>
+      </p:sp>
+      <p:pic>
+        <p:nvPicPr>
+          <p:cNvPr id="17" name="Picture 16" descr="archerdiagram.pdf"/>
+          <p:cNvPicPr>
+            <a:picLocks noChangeAspect="1"/>
+          </p:cNvPicPr>
+          <p:nvPr/>
+        </p:nvPicPr>
+        <p:blipFill>
+          <a:blip r:embed="rId3">
+            <a:extLst>
+              <a:ext uri="{28A0092B-C50C-407E-A947-70E740481C1C}">
+                <a14:useLocalDpi xmlns:a14="http://schemas.microsoft.com/office/drawing/2010/main" val="0"/>
+              </a:ext>
+            </a:extLst>
+          </a:blip>
+          <a:stretch>
+            <a:fillRect/>
+          </a:stretch>
+        </p:blipFill>
+        <p:spPr>
+          <a:xfrm>
+            <a:off x="457200" y="1611310"/>
+            <a:ext cx="8229600" cy="2307885"/>
+          </a:xfrm>
+          <a:prstGeom prst="rect">
+            <a:avLst/>
+          </a:prstGeom>
+        </p:spPr>
+      </p:pic>
+      <p:sp>
+        <p:nvSpPr>
+          <p:cNvPr id="19" name="Content Placeholder 15"/>
+          <p:cNvSpPr>
+            <a:spLocks noGrp="1"/>
+          </p:cNvSpPr>
+          <p:nvPr>
+            <p:ph idx="1"/>
+          </p:nvPr>
+        </p:nvSpPr>
+        <p:spPr>
+          <a:xfrm>
+            <a:off x="457200" y="3919195"/>
+            <a:ext cx="8229600" cy="2579102"/>
+          </a:xfrm>
+        </p:spPr>
+        <p:txBody>
+          <a:bodyPr>
+            <a:noAutofit/>
+          </a:bodyPr>
+          <a:lstStyle/>
+          <a:p>
+            <a:r>
+              <a:rPr lang="en-US" sz="2400" dirty="0" smtClean="0">
+                <a:effectLst/>
+              </a:rPr>
+              <a:t>First open source OpenMP data race detector tool</a:t>
+            </a:r>
+          </a:p>
+          <a:p>
+            <a:r>
+              <a:rPr lang="en-US" sz="2400" dirty="0" smtClean="0">
+                <a:effectLst/>
+              </a:rPr>
+              <a:t>Experimental results show on average 25% reduction of runtime overhead</a:t>
+            </a:r>
+          </a:p>
+          <a:p>
+            <a:r>
+              <a:rPr lang="en-US" sz="2400" dirty="0" smtClean="0">
+                <a:effectLst/>
+              </a:rPr>
+              <a:t>First usage by HPC community</a:t>
+            </a:r>
+          </a:p>
+          <a:p>
+            <a:r>
+              <a:rPr lang="en-US" sz="2400" dirty="0" smtClean="0">
+                <a:effectLst/>
+              </a:rPr>
+              <a:t>Presentation at IPDPS’16</a:t>
+            </a:r>
+            <a:endParaRPr lang="en-US" sz="2400" dirty="0">
+              <a:effectLst/>
+            </a:endParaRPr>
+          </a:p>
+        </p:txBody>
+      </p:sp>
+      <p:pic>
+        <p:nvPicPr>
+          <p:cNvPr id="3" name="Picture 2" descr="archer_logo.pdf"/>
+          <p:cNvPicPr>
+            <a:picLocks noChangeAspect="1"/>
+          </p:cNvPicPr>
+          <p:nvPr/>
+        </p:nvPicPr>
+        <p:blipFill>
+          <a:blip r:embed="rId4">
+            <a:extLst>
+              <a:ext uri="{28A0092B-C50C-407E-A947-70E740481C1C}">
+                <a14:useLocalDpi xmlns:a14="http://schemas.microsoft.com/office/drawing/2010/main" val="0"/>
+              </a:ext>
+            </a:extLst>
+          </a:blip>
+          <a:stretch>
+            <a:fillRect/>
+          </a:stretch>
+        </p:blipFill>
+        <p:spPr>
+          <a:xfrm>
+            <a:off x="5582953" y="4957166"/>
+            <a:ext cx="3103848" cy="1541132"/>
+          </a:xfrm>
+          <a:prstGeom prst="rect">
+            <a:avLst/>
+          </a:prstGeom>
+        </p:spPr>
+      </p:pic>
+    </p:spTree>
+    <p:extLst>
+      <p:ext uri="{BB962C8B-B14F-4D97-AF65-F5344CB8AC3E}">
+        <p14:creationId xmlns:p14="http://schemas.microsoft.com/office/powerpoint/2010/main" val="2451981841"/>
+      </p:ext>
+    </p:extLst>
+  </p:cSld>
+  <p:clrMapOvr>
+    <a:masterClrMapping/>
+  </p:clrMapOvr>
+  <p:timing>
+    <p:tnLst>
+      <p:par>
+        <p:cTn xmlns:p14="http://schemas.microsoft.com/office/powerpoint/2010/main" id="1" dur="indefinite" restart="never" nodeType="tmRoot"/>
+      </p:par>
+    </p:tnLst>
+  </p:timing>
+</p:sld>
+</file>
+
 <file path=ppt/slides/slide2.xml><?xml version="1.0" encoding="utf-8"?>
 <p:sld xmlns:a="http://schemas.openxmlformats.org/drawingml/2006/main" xmlns:r="http://schemas.openxmlformats.org/officeDocument/2006/relationships" xmlns:p="http://schemas.openxmlformats.org/presentationml/2006/main">
   <p:cSld>
@@ -8882,6 +9031,36 @@
           <a:chExt cx="0" cy="0"/>
         </a:xfrm>
       </p:grpSpPr>
+      <p:pic>
+        <p:nvPicPr>
+          <p:cNvPr id="6" name="Picture 5" descr="example01.pdf"/>
+          <p:cNvPicPr>
+            <a:picLocks noChangeAspect="1"/>
+          </p:cNvPicPr>
+          <p:nvPr/>
+        </p:nvPicPr>
+        <p:blipFill>
+          <a:blip r:embed="rId3">
+            <a:extLst>
+              <a:ext uri="{28A0092B-C50C-407E-A947-70E740481C1C}">
+                <a14:useLocalDpi xmlns:a14="http://schemas.microsoft.com/office/drawing/2010/main" val="0"/>
+              </a:ext>
+            </a:extLst>
+          </a:blip>
+          <a:stretch>
+            <a:fillRect/>
+          </a:stretch>
+        </p:blipFill>
+        <p:spPr>
+          <a:xfrm>
+            <a:off x="5619218" y="1417638"/>
+            <a:ext cx="3524782" cy="5257800"/>
+          </a:xfrm>
+          <a:prstGeom prst="rect">
+            <a:avLst/>
+          </a:prstGeom>
+        </p:spPr>
+      </p:pic>
       <p:sp>
         <p:nvSpPr>
           <p:cNvPr id="2" name="Title 1"/>
@@ -8929,12 +9108,56 @@
             <p:ph idx="1"/>
           </p:nvPr>
         </p:nvSpPr>
-        <p:spPr/>
-        <p:txBody>
-          <a:bodyPr/>
-          <a:lstStyle/>
-          <a:p>
-            <a:endParaRPr lang="en-US"/>
+        <p:spPr>
+          <a:xfrm>
+            <a:off x="457201" y="1600200"/>
+            <a:ext cx="5363914" cy="4525963"/>
+          </a:xfrm>
+        </p:spPr>
+        <p:txBody>
+          <a:bodyPr>
+            <a:normAutofit fontScale="92500" lnSpcReduction="20000"/>
+          </a:bodyPr>
+          <a:lstStyle/>
+          <a:p>
+            <a:r>
+              <a:rPr lang="en-US" dirty="0" smtClean="0"/>
+              <a:t>OpenMP concurrency model</a:t>
+            </a:r>
+          </a:p>
+          <a:p>
+            <a:pPr lvl="1"/>
+            <a:r>
+              <a:rPr lang="en-US" dirty="0" smtClean="0"/>
+              <a:t>Race within parallel region    (e.g. 3 and 4)</a:t>
+            </a:r>
+          </a:p>
+          <a:p>
+            <a:pPr lvl="1"/>
+            <a:r>
+              <a:rPr lang="en-US" dirty="0" smtClean="0"/>
+              <a:t>Race across parallel regions   (e.g. 8 and 5)</a:t>
+            </a:r>
+          </a:p>
+          <a:p>
+            <a:pPr lvl="1"/>
+            <a:r>
+              <a:rPr lang="en-US" dirty="0" smtClean="0"/>
+              <a:t>No race between threads that belong to consequent parallel regions (e.g. 3 and 9)</a:t>
+            </a:r>
+          </a:p>
+          <a:p>
+            <a:r>
+              <a:rPr lang="en-US" dirty="0" smtClean="0"/>
+              <a:t>Labeling approach</a:t>
+            </a:r>
+          </a:p>
+          <a:p>
+            <a:r>
+              <a:rPr lang="en-US" dirty="0" smtClean="0"/>
+              <a:t>Limit data race checking only to concurrent threads</a:t>
+            </a:r>
+            <a:endParaRPr lang="en-US" dirty="0"/>
           </a:p>
         </p:txBody>
       </p:sp>
@@ -8995,22 +9218,18 @@
             <a:pPr algn="l"/>
             <a:r>
               <a:rPr lang="en-US" dirty="0" smtClean="0"/>
-              <a:t>Archer </a:t>
+              <a:t>C</a:t>
             </a:r>
             <a:r>
               <a:rPr lang="en-US" dirty="0" smtClean="0"/>
-              <a:t>v2</a:t>
+              <a:t>lock-less runtime algorithm</a:t>
             </a:r>
             <a:br>
               <a:rPr lang="en-US" dirty="0" smtClean="0"/>
             </a:br>
             <a:r>
-              <a:rPr lang="en-US" sz="2700" dirty="0" err="1" smtClean="0"/>
-              <a:t>Embeding</a:t>
-            </a:r>
-            <a:r>
               <a:rPr lang="en-US" sz="2700" dirty="0" smtClean="0"/>
-              <a:t> static analysis and clock-less algorithm</a:t>
+              <a:t>OpenMP Formal Concurrency Model</a:t>
             </a:r>
             <a:endParaRPr lang="en-US" sz="2700" dirty="0"/>
           </a:p>
@@ -9028,17 +9247,52 @@
         </p:nvSpPr>
         <p:spPr/>
         <p:txBody>
-          <a:bodyPr/>
-          <a:lstStyle/>
-          <a:p>
-            <a:endParaRPr lang="en-US"/>
+          <a:bodyPr>
+            <a:normAutofit/>
+          </a:bodyPr>
+          <a:lstStyle/>
+          <a:p>
+            <a:r>
+              <a:rPr lang="en-US" sz="3600" dirty="0" smtClean="0"/>
+              <a:t>Definition of OpenMP concurrency structure</a:t>
+            </a:r>
+          </a:p>
+          <a:p>
+            <a:pPr lvl="1"/>
+            <a:r>
+              <a:rPr lang="en-US" sz="3200" dirty="0" smtClean="0"/>
+              <a:t>State machine and a set of transition rules</a:t>
+            </a:r>
+          </a:p>
+          <a:p>
+            <a:pPr lvl="1"/>
+            <a:r>
+              <a:rPr lang="en-US" sz="3200" dirty="0" smtClean="0"/>
+              <a:t>Rules model the behavior of the OpenMP constructs (e.g. parallel begin and end, barriers, critical sections, loads/stores, etc.)</a:t>
+            </a:r>
+          </a:p>
+          <a:p>
+            <a:pPr lvl="1"/>
+            <a:r>
+              <a:rPr lang="en-US" sz="3200" dirty="0" smtClean="0"/>
+              <a:t>“</a:t>
+            </a:r>
+            <a:r>
+              <a:rPr lang="en-US" sz="3200" dirty="0" err="1" smtClean="0"/>
+              <a:t>RaceCheck</a:t>
+            </a:r>
+            <a:r>
+              <a:rPr lang="en-US" sz="3200" dirty="0" smtClean="0"/>
+              <a:t>” rule can fire anytime during the state machine execution</a:t>
+            </a:r>
+            <a:endParaRPr lang="en-US" sz="3600" dirty="0"/>
           </a:p>
         </p:txBody>
       </p:sp>
     </p:spTree>
     <p:extLst>
       <p:ext uri="{BB962C8B-B14F-4D97-AF65-F5344CB8AC3E}">
-        <p14:creationId xmlns:p14="http://schemas.microsoft.com/office/powerpoint/2010/main" val="1851940281"/>
+        <p14:creationId xmlns:p14="http://schemas.microsoft.com/office/powerpoint/2010/main" val="4066550527"/>
       </p:ext>
     </p:extLst>
   </p:cSld>
@@ -9091,6 +9345,196 @@
           <a:p>
             <a:pPr algn="l"/>
             <a:r>
+              <a:rPr lang="en-US" dirty="0" smtClean="0"/>
+              <a:t>C</a:t>
+            </a:r>
+            <a:r>
+              <a:rPr lang="en-US" dirty="0" smtClean="0"/>
+              <a:t>lock-less runtime algorithm</a:t>
+            </a:r>
+            <a:br>
+              <a:rPr lang="en-US" dirty="0" smtClean="0"/>
+            </a:br>
+            <a:r>
+              <a:rPr lang="en-US" sz="2700" dirty="0" smtClean="0"/>
+              <a:t>Implementation as Approximation of the State Machine</a:t>
+            </a:r>
+            <a:endParaRPr lang="en-US" sz="2700" dirty="0"/>
+          </a:p>
+        </p:txBody>
+      </p:sp>
+      <p:sp>
+        <p:nvSpPr>
+          <p:cNvPr id="4" name="Content Placeholder 3"/>
+          <p:cNvSpPr>
+            <a:spLocks noGrp="1"/>
+          </p:cNvSpPr>
+          <p:nvPr>
+            <p:ph idx="1"/>
+          </p:nvPr>
+        </p:nvSpPr>
+        <p:spPr/>
+        <p:txBody>
+          <a:bodyPr/>
+          <a:lstStyle/>
+          <a:p>
+            <a:endParaRPr lang="en-US" dirty="0"/>
+          </a:p>
+        </p:txBody>
+      </p:sp>
+    </p:spTree>
+    <p:extLst>
+      <p:ext uri="{BB962C8B-B14F-4D97-AF65-F5344CB8AC3E}">
+        <p14:creationId xmlns:p14="http://schemas.microsoft.com/office/powerpoint/2010/main" val="4066550527"/>
+      </p:ext>
+    </p:extLst>
+  </p:cSld>
+  <p:clrMapOvr>
+    <a:masterClrMapping/>
+  </p:clrMapOvr>
+  <p:timing>
+    <p:tnLst>
+      <p:par>
+        <p:cTn xmlns:p14="http://schemas.microsoft.com/office/powerpoint/2010/main" id="1" dur="indefinite" restart="never" nodeType="tmRoot"/>
+      </p:par>
+    </p:tnLst>
+  </p:timing>
+</p:sld>
+</file>
+
+<file path=ppt/slides/slide23.xml><?xml version="1.0" encoding="utf-8"?>
+<p:sld xmlns:a="http://schemas.openxmlformats.org/drawingml/2006/main" xmlns:r="http://schemas.openxmlformats.org/officeDocument/2006/relationships" xmlns:p="http://schemas.openxmlformats.org/presentationml/2006/main">
+  <p:cSld>
+    <p:spTree>
+      <p:nvGrpSpPr>
+        <p:cNvPr id="1" name=""/>
+        <p:cNvGrpSpPr/>
+        <p:nvPr/>
+      </p:nvGrpSpPr>
+      <p:grpSpPr>
+        <a:xfrm>
+          <a:off x="0" y="0"/>
+          <a:ext cx="0" cy="0"/>
+          <a:chOff x="0" y="0"/>
+          <a:chExt cx="0" cy="0"/>
+        </a:xfrm>
+      </p:grpSpPr>
+      <p:sp>
+        <p:nvSpPr>
+          <p:cNvPr id="2" name="Title 1"/>
+          <p:cNvSpPr>
+            <a:spLocks noGrp="1"/>
+          </p:cNvSpPr>
+          <p:nvPr>
+            <p:ph type="title"/>
+          </p:nvPr>
+        </p:nvSpPr>
+        <p:spPr/>
+        <p:txBody>
+          <a:bodyPr>
+            <a:normAutofit fontScale="90000"/>
+          </a:bodyPr>
+          <a:lstStyle/>
+          <a:p>
+            <a:pPr algn="l"/>
+            <a:r>
+              <a:rPr lang="en-US" dirty="0" smtClean="0"/>
+              <a:t>Archer </a:t>
+            </a:r>
+            <a:r>
+              <a:rPr lang="en-US" dirty="0" smtClean="0"/>
+              <a:t>v2</a:t>
+            </a:r>
+            <a:br>
+              <a:rPr lang="en-US" dirty="0" smtClean="0"/>
+            </a:br>
+            <a:r>
+              <a:rPr lang="en-US" sz="2700" dirty="0" err="1" smtClean="0"/>
+              <a:t>Embeding</a:t>
+            </a:r>
+            <a:r>
+              <a:rPr lang="en-US" sz="2700" dirty="0" smtClean="0"/>
+              <a:t> static analysis and clock-less algorithm</a:t>
+            </a:r>
+            <a:endParaRPr lang="en-US" sz="2700" dirty="0"/>
+          </a:p>
+        </p:txBody>
+      </p:sp>
+      <p:sp>
+        <p:nvSpPr>
+          <p:cNvPr id="4" name="Content Placeholder 3"/>
+          <p:cNvSpPr>
+            <a:spLocks noGrp="1"/>
+          </p:cNvSpPr>
+          <p:nvPr>
+            <p:ph idx="1"/>
+          </p:nvPr>
+        </p:nvSpPr>
+        <p:spPr/>
+        <p:txBody>
+          <a:bodyPr/>
+          <a:lstStyle/>
+          <a:p>
+            <a:endParaRPr lang="en-US" dirty="0"/>
+          </a:p>
+        </p:txBody>
+      </p:sp>
+    </p:spTree>
+    <p:extLst>
+      <p:ext uri="{BB962C8B-B14F-4D97-AF65-F5344CB8AC3E}">
+        <p14:creationId xmlns:p14="http://schemas.microsoft.com/office/powerpoint/2010/main" val="1851940281"/>
+      </p:ext>
+    </p:extLst>
+  </p:cSld>
+  <p:clrMapOvr>
+    <a:masterClrMapping/>
+  </p:clrMapOvr>
+  <p:timing>
+    <p:tnLst>
+      <p:par>
+        <p:cTn xmlns:p14="http://schemas.microsoft.com/office/powerpoint/2010/main" id="1" dur="indefinite" restart="never" nodeType="tmRoot"/>
+      </p:par>
+    </p:tnLst>
+  </p:timing>
+</p:sld>
+</file>
+
+<file path=ppt/slides/slide24.xml><?xml version="1.0" encoding="utf-8"?>
+<p:sld xmlns:a="http://schemas.openxmlformats.org/drawingml/2006/main" xmlns:r="http://schemas.openxmlformats.org/officeDocument/2006/relationships" xmlns:p="http://schemas.openxmlformats.org/presentationml/2006/main">
+  <p:cSld>
+    <p:spTree>
+      <p:nvGrpSpPr>
+        <p:cNvPr id="1" name=""/>
+        <p:cNvGrpSpPr/>
+        <p:nvPr/>
+      </p:nvGrpSpPr>
+      <p:grpSpPr>
+        <a:xfrm>
+          <a:off x="0" y="0"/>
+          <a:ext cx="0" cy="0"/>
+          <a:chOff x="0" y="0"/>
+          <a:chExt cx="0" cy="0"/>
+        </a:xfrm>
+      </p:grpSpPr>
+      <p:sp>
+        <p:nvSpPr>
+          <p:cNvPr id="2" name="Title 1"/>
+          <p:cNvSpPr>
+            <a:spLocks noGrp="1"/>
+          </p:cNvSpPr>
+          <p:nvPr>
+            <p:ph type="title"/>
+          </p:nvPr>
+        </p:nvSpPr>
+        <p:spPr/>
+        <p:txBody>
+          <a:bodyPr>
+            <a:normAutofit fontScale="90000"/>
+          </a:bodyPr>
+          <a:lstStyle/>
+          <a:p>
+            <a:pPr algn="l"/>
+            <a:r>
               <a:rPr lang="en-US" dirty="0" smtClean="0">
                 <a:solidFill>
                   <a:prstClr val="black"/>
@@ -9194,7 +9638,7 @@
 </p:sld>
 </file>
 
-<file path=ppt/slides/slide23.xml><?xml version="1.0" encoding="utf-8"?>
+<file path=ppt/slides/slide25.xml><?xml version="1.0" encoding="utf-8"?>
 <p:sld xmlns:a="http://schemas.openxmlformats.org/drawingml/2006/main" xmlns:r="http://schemas.openxmlformats.org/officeDocument/2006/relationships" xmlns:p="http://schemas.openxmlformats.org/presentationml/2006/main">
   <p:cSld>
     <p:spTree>

--- a/presentation/presentation.pptx
+++ b/presentation/presentation.pptx
@@ -9378,6 +9378,34 @@
           <a:bodyPr/>
           <a:lstStyle/>
           <a:p>
+            <a:r>
+              <a:rPr lang="en-US" dirty="0" smtClean="0"/>
+              <a:t>Corner cases in OpenMP data race checking</a:t>
+            </a:r>
+          </a:p>
+          <a:p>
+            <a:r>
+              <a:rPr lang="en-US" dirty="0" smtClean="0"/>
+              <a:t>Lock-free data structure to model the concurrency structure of a parallel region</a:t>
+            </a:r>
+          </a:p>
+          <a:p>
+            <a:r>
+              <a:rPr lang="en-US" dirty="0" smtClean="0"/>
+              <a:t>Store a representative set of memory accesses (e.g. sampling, etc.)</a:t>
+            </a:r>
+          </a:p>
+          <a:p>
+            <a:r>
+              <a:rPr lang="en-US" dirty="0" smtClean="0"/>
+              <a:t>Perform race checking at barrier checkpoints</a:t>
+            </a:r>
+          </a:p>
+          <a:p>
+            <a:r>
+              <a:rPr lang="en-US" dirty="0" smtClean="0"/>
+              <a:t>Implementation based on OpenMP Tools API (OMPT)</a:t>
+            </a:r>
             <a:endParaRPr lang="en-US" dirty="0"/>
           </a:p>
         </p:txBody>

--- a/presentation/presentation.pptx
+++ b/presentation/presentation.pptx
@@ -5,10 +5,10 @@
     <p:sldMasterId id="2147483648" r:id="rId1"/>
   </p:sldMasterIdLst>
   <p:notesMasterIdLst>
-    <p:notesMasterId r:id="rId27"/>
+    <p:notesMasterId r:id="rId26"/>
   </p:notesMasterIdLst>
   <p:handoutMasterIdLst>
-    <p:handoutMasterId r:id="rId28"/>
+    <p:handoutMasterId r:id="rId27"/>
   </p:handoutMasterIdLst>
   <p:sldIdLst>
     <p:sldId id="256" r:id="rId2"/>
@@ -33,9 +33,8 @@
     <p:sldId id="276" r:id="rId21"/>
     <p:sldId id="281" r:id="rId22"/>
     <p:sldId id="282" r:id="rId23"/>
-    <p:sldId id="277" r:id="rId24"/>
-    <p:sldId id="268" r:id="rId25"/>
-    <p:sldId id="269" r:id="rId26"/>
+    <p:sldId id="268" r:id="rId24"/>
+    <p:sldId id="269" r:id="rId25"/>
   </p:sldIdLst>
   <p:sldSz cx="9144000" cy="6858000" type="screen4x3"/>
   <p:notesSz cx="6858000" cy="9144000"/>
@@ -888,90 +887,6 @@
             <a:fld id="{A1129A4B-D84D-454A-A538-E27153618149}" type="slidenum">
               <a:rPr lang="en-US" smtClean="0"/>
               <a:t>22</a:t>
-            </a:fld>
-            <a:endParaRPr lang="en-US"/>
-          </a:p>
-        </p:txBody>
-      </p:sp>
-    </p:spTree>
-    <p:extLst>
-      <p:ext uri="{BB962C8B-B14F-4D97-AF65-F5344CB8AC3E}">
-        <p14:creationId xmlns:p14="http://schemas.microsoft.com/office/powerpoint/2010/main" val="2140486430"/>
-      </p:ext>
-    </p:extLst>
-  </p:cSld>
-  <p:clrMapOvr>
-    <a:masterClrMapping/>
-  </p:clrMapOvr>
-</p:notes>
-</file>
-
-<file path=ppt/notesSlides/notesSlide12.xml><?xml version="1.0" encoding="utf-8"?>
-<p:notes xmlns:a="http://schemas.openxmlformats.org/drawingml/2006/main" xmlns:r="http://schemas.openxmlformats.org/officeDocument/2006/relationships" xmlns:p="http://schemas.openxmlformats.org/presentationml/2006/main">
-  <p:cSld>
-    <p:spTree>
-      <p:nvGrpSpPr>
-        <p:cNvPr id="1" name=""/>
-        <p:cNvGrpSpPr/>
-        <p:nvPr/>
-      </p:nvGrpSpPr>
-      <p:grpSpPr>
-        <a:xfrm>
-          <a:off x="0" y="0"/>
-          <a:ext cx="0" cy="0"/>
-          <a:chOff x="0" y="0"/>
-          <a:chExt cx="0" cy="0"/>
-        </a:xfrm>
-      </p:grpSpPr>
-      <p:sp>
-        <p:nvSpPr>
-          <p:cNvPr id="2" name="Slide Image Placeholder 1"/>
-          <p:cNvSpPr>
-            <a:spLocks noGrp="1" noRot="1" noChangeAspect="1"/>
-          </p:cNvSpPr>
-          <p:nvPr>
-            <p:ph type="sldImg"/>
-          </p:nvPr>
-        </p:nvSpPr>
-        <p:spPr/>
-      </p:sp>
-      <p:sp>
-        <p:nvSpPr>
-          <p:cNvPr id="3" name="Notes Placeholder 2"/>
-          <p:cNvSpPr>
-            <a:spLocks noGrp="1"/>
-          </p:cNvSpPr>
-          <p:nvPr>
-            <p:ph type="body" idx="1"/>
-          </p:nvPr>
-        </p:nvSpPr>
-        <p:spPr/>
-        <p:txBody>
-          <a:bodyPr/>
-          <a:lstStyle/>
-          <a:p>
-            <a:endParaRPr lang="en-US" dirty="0"/>
-          </a:p>
-        </p:txBody>
-      </p:sp>
-      <p:sp>
-        <p:nvSpPr>
-          <p:cNvPr id="4" name="Slide Number Placeholder 3"/>
-          <p:cNvSpPr>
-            <a:spLocks noGrp="1"/>
-          </p:cNvSpPr>
-          <p:nvPr>
-            <p:ph type="sldNum" sz="quarter" idx="10"/>
-          </p:nvPr>
-        </p:nvSpPr>
-        <p:spPr/>
-        <p:txBody>
-          <a:bodyPr/>
-          <a:lstStyle/>
-          <a:p>
-            <a:fld id="{A1129A4B-D84D-454A-A538-E27153618149}" type="slidenum">
-              <a:rPr lang="en-US" smtClean="0"/>
-              <a:t>23</a:t>
             </a:fld>
             <a:endParaRPr lang="en-US"/>
           </a:p>
@@ -9466,103 +9381,6 @@
           <a:p>
             <a:pPr algn="l"/>
             <a:r>
-              <a:rPr lang="en-US" dirty="0" smtClean="0"/>
-              <a:t>Archer </a:t>
-            </a:r>
-            <a:r>
-              <a:rPr lang="en-US" dirty="0" smtClean="0"/>
-              <a:t>v2</a:t>
-            </a:r>
-            <a:br>
-              <a:rPr lang="en-US" dirty="0" smtClean="0"/>
-            </a:br>
-            <a:r>
-              <a:rPr lang="en-US" sz="2700" dirty="0" err="1" smtClean="0"/>
-              <a:t>Embeding</a:t>
-            </a:r>
-            <a:r>
-              <a:rPr lang="en-US" sz="2700" dirty="0" smtClean="0"/>
-              <a:t> static analysis and clock-less algorithm</a:t>
-            </a:r>
-            <a:endParaRPr lang="en-US" sz="2700" dirty="0"/>
-          </a:p>
-        </p:txBody>
-      </p:sp>
-      <p:sp>
-        <p:nvSpPr>
-          <p:cNvPr id="4" name="Content Placeholder 3"/>
-          <p:cNvSpPr>
-            <a:spLocks noGrp="1"/>
-          </p:cNvSpPr>
-          <p:nvPr>
-            <p:ph idx="1"/>
-          </p:nvPr>
-        </p:nvSpPr>
-        <p:spPr/>
-        <p:txBody>
-          <a:bodyPr/>
-          <a:lstStyle/>
-          <a:p>
-            <a:endParaRPr lang="en-US" dirty="0"/>
-          </a:p>
-        </p:txBody>
-      </p:sp>
-    </p:spTree>
-    <p:extLst>
-      <p:ext uri="{BB962C8B-B14F-4D97-AF65-F5344CB8AC3E}">
-        <p14:creationId xmlns:p14="http://schemas.microsoft.com/office/powerpoint/2010/main" val="1851940281"/>
-      </p:ext>
-    </p:extLst>
-  </p:cSld>
-  <p:clrMapOvr>
-    <a:masterClrMapping/>
-  </p:clrMapOvr>
-  <p:timing>
-    <p:tnLst>
-      <p:par>
-        <p:cTn xmlns:p14="http://schemas.microsoft.com/office/powerpoint/2010/main" id="1" dur="indefinite" restart="never" nodeType="tmRoot"/>
-      </p:par>
-    </p:tnLst>
-  </p:timing>
-</p:sld>
-</file>
-
-<file path=ppt/slides/slide24.xml><?xml version="1.0" encoding="utf-8"?>
-<p:sld xmlns:a="http://schemas.openxmlformats.org/drawingml/2006/main" xmlns:r="http://schemas.openxmlformats.org/officeDocument/2006/relationships" xmlns:p="http://schemas.openxmlformats.org/presentationml/2006/main">
-  <p:cSld>
-    <p:spTree>
-      <p:nvGrpSpPr>
-        <p:cNvPr id="1" name=""/>
-        <p:cNvGrpSpPr/>
-        <p:nvPr/>
-      </p:nvGrpSpPr>
-      <p:grpSpPr>
-        <a:xfrm>
-          <a:off x="0" y="0"/>
-          <a:ext cx="0" cy="0"/>
-          <a:chOff x="0" y="0"/>
-          <a:chExt cx="0" cy="0"/>
-        </a:xfrm>
-      </p:grpSpPr>
-      <p:sp>
-        <p:nvSpPr>
-          <p:cNvPr id="2" name="Title 1"/>
-          <p:cNvSpPr>
-            <a:spLocks noGrp="1"/>
-          </p:cNvSpPr>
-          <p:nvPr>
-            <p:ph type="title"/>
-          </p:nvPr>
-        </p:nvSpPr>
-        <p:spPr/>
-        <p:txBody>
-          <a:bodyPr>
-            <a:normAutofit fontScale="90000"/>
-          </a:bodyPr>
-          <a:lstStyle/>
-          <a:p>
-            <a:pPr algn="l"/>
-            <a:r>
               <a:rPr lang="en-US" dirty="0" smtClean="0">
                 <a:solidFill>
                   <a:prstClr val="black"/>
@@ -9666,7 +9484,7 @@
 </p:sld>
 </file>
 
-<file path=ppt/slides/slide25.xml><?xml version="1.0" encoding="utf-8"?>
+<file path=ppt/slides/slide24.xml><?xml version="1.0" encoding="utf-8"?>
 <p:sld xmlns:a="http://schemas.openxmlformats.org/drawingml/2006/main" xmlns:r="http://schemas.openxmlformats.org/officeDocument/2006/relationships" xmlns:p="http://schemas.openxmlformats.org/presentationml/2006/main">
   <p:cSld>
     <p:spTree>

--- a/presentation/presentation.pptx
+++ b/presentation/presentation.pptx
@@ -5,36 +5,38 @@
     <p:sldMasterId id="2147483648" r:id="rId1"/>
   </p:sldMasterIdLst>
   <p:notesMasterIdLst>
-    <p:notesMasterId r:id="rId26"/>
+    <p:notesMasterId r:id="rId28"/>
   </p:notesMasterIdLst>
   <p:handoutMasterIdLst>
-    <p:handoutMasterId r:id="rId27"/>
+    <p:handoutMasterId r:id="rId29"/>
   </p:handoutMasterIdLst>
   <p:sldIdLst>
     <p:sldId id="256" r:id="rId2"/>
-    <p:sldId id="270" r:id="rId3"/>
-    <p:sldId id="271" r:id="rId4"/>
-    <p:sldId id="257" r:id="rId5"/>
-    <p:sldId id="259" r:id="rId6"/>
-    <p:sldId id="264" r:id="rId7"/>
-    <p:sldId id="265" r:id="rId8"/>
-    <p:sldId id="266" r:id="rId9"/>
-    <p:sldId id="267" r:id="rId10"/>
-    <p:sldId id="280" r:id="rId11"/>
-    <p:sldId id="273" r:id="rId12"/>
-    <p:sldId id="261" r:id="rId13"/>
-    <p:sldId id="260" r:id="rId14"/>
-    <p:sldId id="262" r:id="rId15"/>
-    <p:sldId id="274" r:id="rId16"/>
-    <p:sldId id="263" r:id="rId17"/>
-    <p:sldId id="278" r:id="rId18"/>
-    <p:sldId id="279" r:id="rId19"/>
-    <p:sldId id="275" r:id="rId20"/>
-    <p:sldId id="276" r:id="rId21"/>
-    <p:sldId id="281" r:id="rId22"/>
-    <p:sldId id="282" r:id="rId23"/>
-    <p:sldId id="268" r:id="rId24"/>
-    <p:sldId id="269" r:id="rId25"/>
+    <p:sldId id="283" r:id="rId3"/>
+    <p:sldId id="270" r:id="rId4"/>
+    <p:sldId id="284" r:id="rId5"/>
+    <p:sldId id="271" r:id="rId6"/>
+    <p:sldId id="257" r:id="rId7"/>
+    <p:sldId id="259" r:id="rId8"/>
+    <p:sldId id="264" r:id="rId9"/>
+    <p:sldId id="265" r:id="rId10"/>
+    <p:sldId id="266" r:id="rId11"/>
+    <p:sldId id="267" r:id="rId12"/>
+    <p:sldId id="280" r:id="rId13"/>
+    <p:sldId id="273" r:id="rId14"/>
+    <p:sldId id="261" r:id="rId15"/>
+    <p:sldId id="260" r:id="rId16"/>
+    <p:sldId id="262" r:id="rId17"/>
+    <p:sldId id="274" r:id="rId18"/>
+    <p:sldId id="263" r:id="rId19"/>
+    <p:sldId id="278" r:id="rId20"/>
+    <p:sldId id="279" r:id="rId21"/>
+    <p:sldId id="275" r:id="rId22"/>
+    <p:sldId id="276" r:id="rId23"/>
+    <p:sldId id="281" r:id="rId24"/>
+    <p:sldId id="282" r:id="rId25"/>
+    <p:sldId id="268" r:id="rId26"/>
+    <p:sldId id="269" r:id="rId27"/>
   </p:sldIdLst>
   <p:sldSz cx="9144000" cy="6858000" type="screen4x3"/>
   <p:notesSz cx="6858000" cy="9144000"/>
@@ -218,7 +220,7 @@
           <a:p>
             <a:fld id="{79A57324-CFFD-9E40-8C3B-390D028943AC}" type="datetimeFigureOut">
               <a:rPr lang="en-US" smtClean="0"/>
-              <a:t>4/27/16</a:t>
+              <a:t>4/28/16</a:t>
             </a:fld>
             <a:endParaRPr lang="en-US"/>
           </a:p>
@@ -384,7 +386,7 @@
           <a:p>
             <a:fld id="{C2E09A59-6BEC-5447-ACE7-43110F78B9D5}" type="datetimeFigureOut">
               <a:rPr lang="en-US" smtClean="0"/>
-              <a:t>4/27/16</a:t>
+              <a:t>4/28/16</a:t>
             </a:fld>
             <a:endParaRPr lang="en-US"/>
           </a:p>
@@ -802,7 +804,7 @@
           <a:p>
             <a:fld id="{A1129A4B-D84D-454A-A538-E27153618149}" type="slidenum">
               <a:rPr lang="en-US" smtClean="0"/>
-              <a:t>21</a:t>
+              <a:t>23</a:t>
             </a:fld>
             <a:endParaRPr lang="en-US"/>
           </a:p>
@@ -886,7 +888,7 @@
           <a:p>
             <a:fld id="{A1129A4B-D84D-454A-A538-E27153618149}" type="slidenum">
               <a:rPr lang="en-US" smtClean="0"/>
-              <a:t>22</a:t>
+              <a:t>24</a:t>
             </a:fld>
             <a:endParaRPr lang="en-US"/>
           </a:p>
@@ -970,7 +972,7 @@
           <a:p>
             <a:fld id="{A1129A4B-D84D-454A-A538-E27153618149}" type="slidenum">
               <a:rPr lang="en-US" smtClean="0"/>
-              <a:t>12</a:t>
+              <a:t>14</a:t>
             </a:fld>
             <a:endParaRPr lang="en-US"/>
           </a:p>
@@ -1054,7 +1056,7 @@
           <a:p>
             <a:fld id="{A1129A4B-D84D-454A-A538-E27153618149}" type="slidenum">
               <a:rPr lang="en-US" smtClean="0"/>
-              <a:t>14</a:t>
+              <a:t>16</a:t>
             </a:fld>
             <a:endParaRPr lang="en-US"/>
           </a:p>
@@ -1138,7 +1140,7 @@
           <a:p>
             <a:fld id="{A1129A4B-D84D-454A-A538-E27153618149}" type="slidenum">
               <a:rPr lang="en-US" smtClean="0"/>
-              <a:t>15</a:t>
+              <a:t>17</a:t>
             </a:fld>
             <a:endParaRPr lang="en-US"/>
           </a:p>
@@ -1222,7 +1224,7 @@
           <a:p>
             <a:fld id="{A1129A4B-D84D-454A-A538-E27153618149}" type="slidenum">
               <a:rPr lang="en-US" smtClean="0"/>
-              <a:t>16</a:t>
+              <a:t>18</a:t>
             </a:fld>
             <a:endParaRPr lang="en-US"/>
           </a:p>
@@ -1306,7 +1308,7 @@
           <a:p>
             <a:fld id="{A1129A4B-D84D-454A-A538-E27153618149}" type="slidenum">
               <a:rPr lang="en-US" smtClean="0"/>
-              <a:t>17</a:t>
+              <a:t>19</a:t>
             </a:fld>
             <a:endParaRPr lang="en-US"/>
           </a:p>
@@ -1390,7 +1392,7 @@
           <a:p>
             <a:fld id="{A1129A4B-D84D-454A-A538-E27153618149}" type="slidenum">
               <a:rPr lang="en-US" smtClean="0"/>
-              <a:t>18</a:t>
+              <a:t>20</a:t>
             </a:fld>
             <a:endParaRPr lang="en-US"/>
           </a:p>
@@ -1474,7 +1476,7 @@
           <a:p>
             <a:fld id="{A1129A4B-D84D-454A-A538-E27153618149}" type="slidenum">
               <a:rPr lang="en-US" smtClean="0"/>
-              <a:t>19</a:t>
+              <a:t>21</a:t>
             </a:fld>
             <a:endParaRPr lang="en-US"/>
           </a:p>
@@ -1558,7 +1560,7 @@
           <a:p>
             <a:fld id="{A1129A4B-D84D-454A-A538-E27153618149}" type="slidenum">
               <a:rPr lang="en-US" smtClean="0"/>
-              <a:t>20</a:t>
+              <a:t>22</a:t>
             </a:fld>
             <a:endParaRPr lang="en-US"/>
           </a:p>
@@ -1756,9 +1758,9 @@
           <a:bodyPr/>
           <a:lstStyle/>
           <a:p>
-            <a:fld id="{FB501018-9FF2-9148-B5C3-B3E8A6997B04}" type="datetime1">
+            <a:fld id="{F2039A21-8CCE-2041-94FB-A4A5DAAE1C02}" type="datetime1">
               <a:rPr lang="en-US" smtClean="0"/>
-              <a:t>4/27/16</a:t>
+              <a:t>4/28/16</a:t>
             </a:fld>
             <a:endParaRPr lang="en-US"/>
           </a:p>
@@ -1926,9 +1928,9 @@
           <a:bodyPr/>
           <a:lstStyle/>
           <a:p>
-            <a:fld id="{3395D596-0EE7-CB48-91ED-137BFC3C3D0A}" type="datetime1">
+            <a:fld id="{3EBA1980-8BC9-4848-BCC8-D6244E27304C}" type="datetime1">
               <a:rPr lang="en-US" smtClean="0"/>
-              <a:t>4/27/16</a:t>
+              <a:t>4/28/16</a:t>
             </a:fld>
             <a:endParaRPr lang="en-US"/>
           </a:p>
@@ -2106,9 +2108,9 @@
           <a:bodyPr/>
           <a:lstStyle/>
           <a:p>
-            <a:fld id="{2AAD91EA-B91A-974B-B02E-11C6BFE223F1}" type="datetime1">
+            <a:fld id="{789CF9B8-6AF1-E54B-BB62-D988A7F881B0}" type="datetime1">
               <a:rPr lang="en-US" smtClean="0"/>
-              <a:t>4/27/16</a:t>
+              <a:t>4/28/16</a:t>
             </a:fld>
             <a:endParaRPr lang="en-US"/>
           </a:p>
@@ -2276,9 +2278,9 @@
           <a:bodyPr/>
           <a:lstStyle/>
           <a:p>
-            <a:fld id="{A28FA02A-4C34-4740-A780-9C675F330F99}" type="datetime1">
+            <a:fld id="{CEA8A449-E4F3-834C-9CEC-F1121A3589F7}" type="datetime1">
               <a:rPr lang="en-US" smtClean="0"/>
-              <a:t>4/27/16</a:t>
+              <a:t>4/28/16</a:t>
             </a:fld>
             <a:endParaRPr lang="en-US"/>
           </a:p>
@@ -2522,9 +2524,9 @@
           <a:bodyPr/>
           <a:lstStyle/>
           <a:p>
-            <a:fld id="{EFE54A8F-22C6-A846-AB94-796985C14CD6}" type="datetime1">
+            <a:fld id="{00AEAC59-E3B5-3340-9257-32031505A650}" type="datetime1">
               <a:rPr lang="en-US" smtClean="0"/>
-              <a:t>4/27/16</a:t>
+              <a:t>4/28/16</a:t>
             </a:fld>
             <a:endParaRPr lang="en-US"/>
           </a:p>
@@ -2810,9 +2812,9 @@
           <a:bodyPr/>
           <a:lstStyle/>
           <a:p>
-            <a:fld id="{B8996FFA-2B03-3641-9B11-A475983ABC6E}" type="datetime1">
+            <a:fld id="{248BBD95-59EE-2848-B5DE-F999286BDB38}" type="datetime1">
               <a:rPr lang="en-US" smtClean="0"/>
-              <a:t>4/27/16</a:t>
+              <a:t>4/28/16</a:t>
             </a:fld>
             <a:endParaRPr lang="en-US"/>
           </a:p>
@@ -3232,9 +3234,9 @@
           <a:bodyPr/>
           <a:lstStyle/>
           <a:p>
-            <a:fld id="{14E9E958-28EF-1C45-AC65-BCA15E105D6B}" type="datetime1">
+            <a:fld id="{5E2C2EF4-3CF9-9244-8CEB-F784DB9298F0}" type="datetime1">
               <a:rPr lang="en-US" smtClean="0"/>
-              <a:t>4/27/16</a:t>
+              <a:t>4/28/16</a:t>
             </a:fld>
             <a:endParaRPr lang="en-US"/>
           </a:p>
@@ -3350,9 +3352,9 @@
           <a:bodyPr/>
           <a:lstStyle/>
           <a:p>
-            <a:fld id="{7FADFE53-BD08-B146-BE65-0F1F1A272720}" type="datetime1">
+            <a:fld id="{0149E1FB-E21C-B64D-A835-03039D6E0D42}" type="datetime1">
               <a:rPr lang="en-US" smtClean="0"/>
-              <a:t>4/27/16</a:t>
+              <a:t>4/28/16</a:t>
             </a:fld>
             <a:endParaRPr lang="en-US"/>
           </a:p>
@@ -3445,9 +3447,9 @@
           <a:bodyPr/>
           <a:lstStyle/>
           <a:p>
-            <a:fld id="{EFF5714E-CAE9-CB4E-A8AE-5B6B95366052}" type="datetime1">
+            <a:fld id="{2E215A7B-6552-1348-B395-DACD417744DA}" type="datetime1">
               <a:rPr lang="en-US" smtClean="0"/>
-              <a:t>4/27/16</a:t>
+              <a:t>4/28/16</a:t>
             </a:fld>
             <a:endParaRPr lang="en-US"/>
           </a:p>
@@ -3722,9 +3724,9 @@
           <a:bodyPr/>
           <a:lstStyle/>
           <a:p>
-            <a:fld id="{AEAEEDD5-7292-1E45-8CDB-5927E5506F44}" type="datetime1">
+            <a:fld id="{1356CE33-B7B9-2945-A6D5-F14B4D0EED2E}" type="datetime1">
               <a:rPr lang="en-US" smtClean="0"/>
-              <a:t>4/27/16</a:t>
+              <a:t>4/28/16</a:t>
             </a:fld>
             <a:endParaRPr lang="en-US"/>
           </a:p>
@@ -3975,9 +3977,9 @@
           <a:bodyPr/>
           <a:lstStyle/>
           <a:p>
-            <a:fld id="{BBCC523B-1C4F-D744-9F12-C0AAD73D1AD6}" type="datetime1">
+            <a:fld id="{91A662B5-3A5A-CA4E-A0EA-D4245F59DFB5}" type="datetime1">
               <a:rPr lang="en-US" smtClean="0"/>
-              <a:t>4/27/16</a:t>
+              <a:t>4/28/16</a:t>
             </a:fld>
             <a:endParaRPr lang="en-US"/>
           </a:p>
@@ -4188,9 +4190,9 @@
             </a:lvl1pPr>
           </a:lstStyle>
           <a:p>
-            <a:fld id="{F8A7624F-586D-C642-A187-F76EDE341DEF}" type="datetime1">
+            <a:fld id="{9B6EBE80-A9A9-0A43-B96E-051204920757}" type="datetime1">
               <a:rPr lang="en-US" smtClean="0"/>
-              <a:t>4/27/16</a:t>
+              <a:t>4/28/16</a:t>
             </a:fld>
             <a:endParaRPr lang="en-US"/>
           </a:p>
@@ -4295,7 +4297,7 @@
     <p:sldLayoutId id="2147483658" r:id="rId10"/>
     <p:sldLayoutId id="2147483659" r:id="rId11"/>
   </p:sldLayoutIdLst>
-  <p:hf sldNum="0" hdr="0" ftr="0" dt="0"/>
+  <p:hf hdr="0" ftr="0" dt="0"/>
   <p:txStyles>
     <p:titleStyle>
       <a:lvl1pPr algn="ctr" defTabSz="457200" rtl="0" eaLnBrk="1" latinLnBrk="0" hangingPunct="1">
@@ -4913,6 +4915,538 @@
             <a:pPr algn="l"/>
             <a:r>
               <a:rPr lang="en-US" sz="4900" dirty="0" smtClean="0"/>
+              <a:t>State of the art</a:t>
+            </a:r>
+            <a:r>
+              <a:rPr lang="en-US" dirty="0" smtClean="0"/>
+              <a:t/>
+            </a:r>
+            <a:br>
+              <a:rPr lang="en-US" dirty="0" smtClean="0"/>
+            </a:br>
+            <a:r>
+              <a:rPr lang="en-US" sz="2800" dirty="0" smtClean="0"/>
+              <a:t>Dynamic Data </a:t>
+            </a:r>
+            <a:r>
+              <a:rPr lang="en-US" sz="2800" dirty="0"/>
+              <a:t>Race </a:t>
+            </a:r>
+            <a:r>
+              <a:rPr lang="en-US" sz="2800" dirty="0" smtClean="0"/>
+              <a:t>Detection Techniques</a:t>
+            </a:r>
+            <a:endParaRPr lang="en-US" sz="2700" dirty="0"/>
+          </a:p>
+        </p:txBody>
+      </p:sp>
+      <p:sp>
+        <p:nvSpPr>
+          <p:cNvPr id="4" name="Content Placeholder 3"/>
+          <p:cNvSpPr>
+            <a:spLocks noGrp="1"/>
+          </p:cNvSpPr>
+          <p:nvPr>
+            <p:ph idx="1"/>
+          </p:nvPr>
+        </p:nvSpPr>
+        <p:spPr/>
+        <p:txBody>
+          <a:bodyPr>
+            <a:normAutofit fontScale="70000" lnSpcReduction="20000"/>
+          </a:bodyPr>
+          <a:lstStyle/>
+          <a:p>
+            <a:pPr>
+              <a:lnSpc>
+                <a:spcPct val="150000"/>
+              </a:lnSpc>
+            </a:pPr>
+            <a:r>
+              <a:rPr lang="en-US" dirty="0"/>
+              <a:t>Dynamic Analysis</a:t>
+            </a:r>
+          </a:p>
+          <a:p>
+            <a:pPr lvl="1">
+              <a:lnSpc>
+                <a:spcPct val="150000"/>
+              </a:lnSpc>
+            </a:pPr>
+            <a:r>
+              <a:rPr lang="en-US" dirty="0"/>
+              <a:t>Very precise, no false positives</a:t>
+            </a:r>
+          </a:p>
+          <a:p>
+            <a:pPr lvl="1"/>
+            <a:r>
+              <a:rPr lang="en-US" dirty="0"/>
+              <a:t>Reports races only in branches of the programs that are actually executed</a:t>
+            </a:r>
+          </a:p>
+          <a:p>
+            <a:pPr lvl="1"/>
+            <a:r>
+              <a:rPr lang="en-US" dirty="0"/>
+              <a:t>Very high runtime and memory overhead (5-20x for best tools)</a:t>
+            </a:r>
+          </a:p>
+          <a:p>
+            <a:pPr>
+              <a:lnSpc>
+                <a:spcPct val="150000"/>
+              </a:lnSpc>
+            </a:pPr>
+            <a:r>
+              <a:rPr lang="en-US" dirty="0"/>
+              <a:t>Example Techniques:</a:t>
+            </a:r>
+          </a:p>
+          <a:p>
+            <a:pPr lvl="1">
+              <a:lnSpc>
+                <a:spcPct val="150000"/>
+              </a:lnSpc>
+            </a:pPr>
+            <a:r>
+              <a:rPr lang="en-US" dirty="0"/>
+              <a:t>Lockset Algorithm</a:t>
+            </a:r>
+          </a:p>
+          <a:p>
+            <a:pPr lvl="1">
+              <a:lnSpc>
+                <a:spcPct val="150000"/>
+              </a:lnSpc>
+            </a:pPr>
+            <a:r>
+              <a:rPr lang="en-US" dirty="0"/>
+              <a:t>Happens-Before Relation</a:t>
+            </a:r>
+          </a:p>
+          <a:p>
+            <a:pPr lvl="1">
+              <a:lnSpc>
+                <a:spcPct val="150000"/>
+              </a:lnSpc>
+            </a:pPr>
+            <a:r>
+              <a:rPr lang="en-US" dirty="0"/>
+              <a:t>Hybrid data race detection </a:t>
+            </a:r>
+          </a:p>
+          <a:p>
+            <a:pPr lvl="2">
+              <a:lnSpc>
+                <a:spcPct val="150000"/>
+              </a:lnSpc>
+            </a:pPr>
+            <a:r>
+              <a:rPr lang="en-US" dirty="0"/>
+              <a:t>combination of lockset and happens-before relation</a:t>
+            </a:r>
+          </a:p>
+        </p:txBody>
+      </p:sp>
+      <p:sp>
+        <p:nvSpPr>
+          <p:cNvPr id="3" name="Slide Number Placeholder 2"/>
+          <p:cNvSpPr>
+            <a:spLocks noGrp="1"/>
+          </p:cNvSpPr>
+          <p:nvPr>
+            <p:ph type="sldNum" sz="quarter" idx="12"/>
+          </p:nvPr>
+        </p:nvSpPr>
+        <p:spPr/>
+        <p:txBody>
+          <a:bodyPr/>
+          <a:lstStyle/>
+          <a:p>
+            <a:fld id="{EA878592-B26F-C546-A6EA-1068590DD14F}" type="slidenum">
+              <a:rPr lang="en-US" smtClean="0"/>
+              <a:t>10</a:t>
+            </a:fld>
+            <a:endParaRPr lang="en-US"/>
+          </a:p>
+        </p:txBody>
+      </p:sp>
+    </p:spTree>
+    <p:extLst>
+      <p:ext uri="{BB962C8B-B14F-4D97-AF65-F5344CB8AC3E}">
+        <p14:creationId xmlns:p14="http://schemas.microsoft.com/office/powerpoint/2010/main" val="1338262420"/>
+      </p:ext>
+    </p:extLst>
+  </p:cSld>
+  <p:clrMapOvr>
+    <a:masterClrMapping/>
+  </p:clrMapOvr>
+  <p:timing>
+    <p:tnLst>
+      <p:par>
+        <p:cTn xmlns:p14="http://schemas.microsoft.com/office/powerpoint/2010/main" id="1" dur="indefinite" restart="never" nodeType="tmRoot"/>
+      </p:par>
+    </p:tnLst>
+  </p:timing>
+</p:sld>
+</file>
+
+<file path=ppt/slides/slide11.xml><?xml version="1.0" encoding="utf-8"?>
+<p:sld xmlns:a="http://schemas.openxmlformats.org/drawingml/2006/main" xmlns:r="http://schemas.openxmlformats.org/officeDocument/2006/relationships" xmlns:p="http://schemas.openxmlformats.org/presentationml/2006/main">
+  <p:cSld>
+    <p:spTree>
+      <p:nvGrpSpPr>
+        <p:cNvPr id="1" name=""/>
+        <p:cNvGrpSpPr/>
+        <p:nvPr/>
+      </p:nvGrpSpPr>
+      <p:grpSpPr>
+        <a:xfrm>
+          <a:off x="0" y="0"/>
+          <a:ext cx="0" cy="0"/>
+          <a:chOff x="0" y="0"/>
+          <a:chExt cx="0" cy="0"/>
+        </a:xfrm>
+      </p:grpSpPr>
+      <p:sp>
+        <p:nvSpPr>
+          <p:cNvPr id="2" name="Title 1"/>
+          <p:cNvSpPr>
+            <a:spLocks noGrp="1"/>
+          </p:cNvSpPr>
+          <p:nvPr>
+            <p:ph type="title"/>
+          </p:nvPr>
+        </p:nvSpPr>
+        <p:spPr/>
+        <p:txBody>
+          <a:bodyPr>
+            <a:normAutofit fontScale="90000"/>
+          </a:bodyPr>
+          <a:lstStyle/>
+          <a:p>
+            <a:pPr algn="l"/>
+            <a:r>
+              <a:rPr lang="en-US" sz="4900" dirty="0" smtClean="0"/>
+              <a:t>State of the art</a:t>
+            </a:r>
+            <a:r>
+              <a:rPr lang="en-US" dirty="0" smtClean="0"/>
+              <a:t/>
+            </a:r>
+            <a:br>
+              <a:rPr lang="en-US" dirty="0" smtClean="0"/>
+            </a:br>
+            <a:r>
+              <a:rPr lang="en-US" sz="2800" dirty="0" smtClean="0"/>
+              <a:t>Dynamic Data </a:t>
+            </a:r>
+            <a:r>
+              <a:rPr lang="en-US" sz="2800" dirty="0"/>
+              <a:t>Race </a:t>
+            </a:r>
+            <a:r>
+              <a:rPr lang="en-US" sz="2800" dirty="0" smtClean="0"/>
+              <a:t>Detection Tools</a:t>
+            </a:r>
+            <a:endParaRPr lang="en-US" sz="2700" dirty="0"/>
+          </a:p>
+        </p:txBody>
+      </p:sp>
+      <p:sp>
+        <p:nvSpPr>
+          <p:cNvPr id="4" name="Content Placeholder 3"/>
+          <p:cNvSpPr>
+            <a:spLocks noGrp="1"/>
+          </p:cNvSpPr>
+          <p:nvPr>
+            <p:ph idx="1"/>
+          </p:nvPr>
+        </p:nvSpPr>
+        <p:spPr>
+          <a:xfrm>
+            <a:off x="457200" y="1600200"/>
+            <a:ext cx="8229600" cy="4114519"/>
+          </a:xfrm>
+        </p:spPr>
+        <p:txBody>
+          <a:bodyPr>
+            <a:normAutofit/>
+          </a:bodyPr>
+          <a:lstStyle/>
+          <a:p>
+            <a:pPr>
+              <a:lnSpc>
+                <a:spcPct val="150000"/>
+              </a:lnSpc>
+            </a:pPr>
+            <a:r>
+              <a:rPr lang="en-US" sz="2400" dirty="0"/>
+              <a:t>Not </a:t>
+            </a:r>
+            <a:r>
+              <a:rPr lang="en-US" sz="2400" dirty="0" smtClean="0"/>
+              <a:t>many (OpenMP) </a:t>
+            </a:r>
+            <a:r>
+              <a:rPr lang="en-US" sz="2400" dirty="0"/>
+              <a:t>data race detectors out there!</a:t>
+            </a:r>
+          </a:p>
+          <a:p>
+            <a:pPr>
+              <a:lnSpc>
+                <a:spcPct val="150000"/>
+              </a:lnSpc>
+            </a:pPr>
+            <a:r>
+              <a:rPr lang="en-US" sz="2400" dirty="0"/>
+              <a:t>Commercial tools:</a:t>
+            </a:r>
+          </a:p>
+          <a:p>
+            <a:pPr lvl="1">
+              <a:lnSpc>
+                <a:spcPct val="150000"/>
+              </a:lnSpc>
+            </a:pPr>
+            <a:r>
+              <a:rPr lang="en-US" sz="2000" dirty="0"/>
+              <a:t>Intel Inspector XE: </a:t>
+            </a:r>
+            <a:r>
+              <a:rPr lang="en-US" sz="2000" dirty="0" err="1"/>
+              <a:t>Pthread</a:t>
+            </a:r>
+            <a:r>
+              <a:rPr lang="en-US" sz="2000" dirty="0"/>
+              <a:t> and OpenMP C/C++ and Fortran</a:t>
+            </a:r>
+            <a:endParaRPr lang="en-US" sz="1200" dirty="0"/>
+          </a:p>
+          <a:p>
+            <a:pPr lvl="1">
+              <a:lnSpc>
+                <a:spcPct val="150000"/>
+              </a:lnSpc>
+            </a:pPr>
+            <a:r>
+              <a:rPr lang="en-US" sz="2000" dirty="0"/>
+              <a:t>Sun Studio Data-Race Detection Tool: </a:t>
+            </a:r>
+            <a:r>
+              <a:rPr lang="en-US" sz="2000" dirty="0" err="1"/>
+              <a:t>Pthread</a:t>
+            </a:r>
+            <a:r>
+              <a:rPr lang="en-US" sz="2000" dirty="0"/>
+              <a:t> and OpenMP C/C+</a:t>
+            </a:r>
+            <a:r>
+              <a:rPr lang="en-US" sz="2000" dirty="0" smtClean="0"/>
+              <a:t>+</a:t>
+            </a:r>
+            <a:endParaRPr lang="en-US" sz="1600" dirty="0"/>
+          </a:p>
+          <a:p>
+            <a:pPr>
+              <a:lnSpc>
+                <a:spcPct val="150000"/>
+              </a:lnSpc>
+            </a:pPr>
+            <a:r>
+              <a:rPr lang="en-US" sz="2400" dirty="0"/>
+              <a:t>Open-source tools:</a:t>
+            </a:r>
+          </a:p>
+          <a:p>
+            <a:pPr lvl="1">
+              <a:lnSpc>
+                <a:spcPct val="150000"/>
+              </a:lnSpc>
+            </a:pPr>
+            <a:r>
+              <a:rPr lang="en-US" sz="2000" dirty="0" err="1"/>
+              <a:t>Helgrind</a:t>
+            </a:r>
+            <a:r>
+              <a:rPr lang="en-US" sz="2000" dirty="0"/>
+              <a:t> (based on </a:t>
+            </a:r>
+            <a:r>
+              <a:rPr lang="en-US" sz="2000" dirty="0" err="1"/>
+              <a:t>Valgrind</a:t>
+            </a:r>
+            <a:r>
+              <a:rPr lang="en-US" sz="2000" dirty="0"/>
+              <a:t>): </a:t>
+            </a:r>
+            <a:r>
+              <a:rPr lang="en-US" sz="2000" dirty="0" err="1"/>
+              <a:t>Pthread</a:t>
+            </a:r>
+            <a:r>
+              <a:rPr lang="en-US" sz="2000" dirty="0"/>
+              <a:t> C/C++ and Fortran</a:t>
+            </a:r>
+          </a:p>
+          <a:p>
+            <a:pPr lvl="1">
+              <a:lnSpc>
+                <a:spcPct val="150000"/>
+              </a:lnSpc>
+            </a:pPr>
+            <a:r>
+              <a:rPr lang="en-US" sz="2000" dirty="0"/>
+              <a:t>Thread Sanitizer: </a:t>
+            </a:r>
+            <a:r>
+              <a:rPr lang="en-US" sz="2000" dirty="0" err="1"/>
+              <a:t>Pthread</a:t>
+            </a:r>
+            <a:r>
+              <a:rPr lang="en-US" sz="2000" dirty="0"/>
+              <a:t> C/C++ and </a:t>
+            </a:r>
+            <a:r>
+              <a:rPr lang="en-US" sz="2000" dirty="0" smtClean="0"/>
+              <a:t>Go</a:t>
+            </a:r>
+            <a:endParaRPr lang="en-US" sz="2000" dirty="0"/>
+          </a:p>
+        </p:txBody>
+      </p:sp>
+      <p:sp>
+        <p:nvSpPr>
+          <p:cNvPr id="3" name="TextBox 2"/>
+          <p:cNvSpPr txBox="1"/>
+          <p:nvPr/>
+        </p:nvSpPr>
+        <p:spPr>
+          <a:xfrm>
+            <a:off x="457200" y="5591231"/>
+            <a:ext cx="8229599" cy="1077218"/>
+          </a:xfrm>
+          <a:prstGeom prst="rect">
+            <a:avLst/>
+          </a:prstGeom>
+          <a:noFill/>
+        </p:spPr>
+        <p:txBody>
+          <a:bodyPr wrap="square" rtlCol="0">
+            <a:spAutoFit/>
+          </a:bodyPr>
+          <a:lstStyle/>
+          <a:p>
+            <a:pPr algn="ctr"/>
+            <a:r>
+              <a:rPr lang="en-US" sz="3200" b="1" dirty="0" smtClean="0">
+                <a:solidFill>
+                  <a:srgbClr val="FF0000"/>
+                </a:solidFill>
+              </a:rPr>
+              <a:t>High runtime and memory overhead!</a:t>
+            </a:r>
+          </a:p>
+          <a:p>
+            <a:pPr algn="ctr"/>
+            <a:r>
+              <a:rPr lang="en-US" sz="3200" b="1" dirty="0" smtClean="0">
+                <a:solidFill>
+                  <a:srgbClr val="FF0000"/>
+                </a:solidFill>
+              </a:rPr>
+              <a:t>100x slower on HPC application!</a:t>
+            </a:r>
+            <a:endParaRPr lang="en-US" sz="3200" b="1" dirty="0">
+              <a:solidFill>
+                <a:srgbClr val="FF0000"/>
+              </a:solidFill>
+            </a:endParaRPr>
+          </a:p>
+        </p:txBody>
+      </p:sp>
+      <p:sp>
+        <p:nvSpPr>
+          <p:cNvPr id="5" name="Slide Number Placeholder 4"/>
+          <p:cNvSpPr>
+            <a:spLocks noGrp="1"/>
+          </p:cNvSpPr>
+          <p:nvPr>
+            <p:ph type="sldNum" sz="quarter" idx="12"/>
+          </p:nvPr>
+        </p:nvSpPr>
+        <p:spPr/>
+        <p:txBody>
+          <a:bodyPr/>
+          <a:lstStyle/>
+          <a:p>
+            <a:fld id="{EA878592-B26F-C546-A6EA-1068590DD14F}" type="slidenum">
+              <a:rPr lang="en-US" smtClean="0"/>
+              <a:t>11</a:t>
+            </a:fld>
+            <a:endParaRPr lang="en-US"/>
+          </a:p>
+        </p:txBody>
+      </p:sp>
+    </p:spTree>
+    <p:extLst>
+      <p:ext uri="{BB962C8B-B14F-4D97-AF65-F5344CB8AC3E}">
+        <p14:creationId xmlns:p14="http://schemas.microsoft.com/office/powerpoint/2010/main" val="4078461308"/>
+      </p:ext>
+    </p:extLst>
+  </p:cSld>
+  <p:clrMapOvr>
+    <a:masterClrMapping/>
+  </p:clrMapOvr>
+  <p:timing>
+    <p:tnLst>
+      <p:par>
+        <p:cTn xmlns:p14="http://schemas.microsoft.com/office/powerpoint/2010/main" id="1" dur="indefinite" restart="never" nodeType="tmRoot"/>
+      </p:par>
+    </p:tnLst>
+  </p:timing>
+</p:sld>
+</file>
+
+<file path=ppt/slides/slide12.xml><?xml version="1.0" encoding="utf-8"?>
+<p:sld xmlns:a="http://schemas.openxmlformats.org/drawingml/2006/main" xmlns:r="http://schemas.openxmlformats.org/officeDocument/2006/relationships" xmlns:p="http://schemas.openxmlformats.org/presentationml/2006/main">
+  <p:cSld>
+    <p:spTree>
+      <p:nvGrpSpPr>
+        <p:cNvPr id="1" name=""/>
+        <p:cNvGrpSpPr/>
+        <p:nvPr/>
+      </p:nvGrpSpPr>
+      <p:grpSpPr>
+        <a:xfrm>
+          <a:off x="0" y="0"/>
+          <a:ext cx="0" cy="0"/>
+          <a:chOff x="0" y="0"/>
+          <a:chExt cx="0" cy="0"/>
+        </a:xfrm>
+      </p:grpSpPr>
+      <p:sp>
+        <p:nvSpPr>
+          <p:cNvPr id="2" name="Title 1"/>
+          <p:cNvSpPr>
+            <a:spLocks noGrp="1"/>
+          </p:cNvSpPr>
+          <p:nvPr>
+            <p:ph type="title"/>
+          </p:nvPr>
+        </p:nvSpPr>
+        <p:spPr/>
+        <p:txBody>
+          <a:bodyPr>
+            <a:normAutofit fontScale="90000"/>
+          </a:bodyPr>
+          <a:lstStyle/>
+          <a:p>
+            <a:pPr algn="l"/>
+            <a:r>
+              <a:rPr lang="en-US" sz="4900" dirty="0" smtClean="0"/>
               <a:t>Overall Research Plan</a:t>
             </a:r>
             <a:r>
@@ -5065,7 +5599,7 @@
         </p:nvSpPr>
         <p:spPr>
           <a:xfrm>
-            <a:off x="457200" y="6156763"/>
+            <a:off x="898200" y="6156763"/>
             <a:ext cx="1282322" cy="461665"/>
           </a:xfrm>
           <a:prstGeom prst="rect">
@@ -5149,7 +5683,7 @@
         </p:nvSpPr>
         <p:spPr>
           <a:xfrm>
-            <a:off x="7410339" y="6156763"/>
+            <a:off x="6969339" y="6156763"/>
             <a:ext cx="1276461" cy="461665"/>
           </a:xfrm>
           <a:prstGeom prst="rect">
@@ -5190,8 +5724,8 @@
         </p:nvCxnSpPr>
         <p:spPr>
           <a:xfrm flipH="1">
-            <a:off x="1739522" y="5511553"/>
-            <a:ext cx="2832478" cy="876043"/>
+            <a:off x="2180522" y="5511553"/>
+            <a:ext cx="2391478" cy="876043"/>
           </a:xfrm>
           <a:prstGeom prst="straightConnector1">
             <a:avLst/>
@@ -5271,7 +5805,7 @@
         <p:spPr>
           <a:xfrm>
             <a:off x="4572000" y="5511553"/>
-            <a:ext cx="2838339" cy="876043"/>
+            <a:ext cx="2397339" cy="876043"/>
           </a:xfrm>
           <a:prstGeom prst="straightConnector1">
             <a:avLst/>
@@ -5299,6 +5833,29 @@
           </a:fontRef>
         </p:style>
       </p:cxnSp>
+      <p:sp>
+        <p:nvSpPr>
+          <p:cNvPr id="3" name="Slide Number Placeholder 2"/>
+          <p:cNvSpPr>
+            <a:spLocks noGrp="1"/>
+          </p:cNvSpPr>
+          <p:nvPr>
+            <p:ph type="sldNum" sz="quarter" idx="12"/>
+          </p:nvPr>
+        </p:nvSpPr>
+        <p:spPr/>
+        <p:txBody>
+          <a:bodyPr/>
+          <a:lstStyle/>
+          <a:p>
+            <a:fld id="{EA878592-B26F-C546-A6EA-1068590DD14F}" type="slidenum">
+              <a:rPr lang="en-US" smtClean="0"/>
+              <a:t>12</a:t>
+            </a:fld>
+            <a:endParaRPr lang="en-US"/>
+          </a:p>
+        </p:txBody>
+      </p:sp>
     </p:spTree>
     <p:extLst>
       <p:ext uri="{BB962C8B-B14F-4D97-AF65-F5344CB8AC3E}">
@@ -5319,7 +5876,7 @@
 </p:sld>
 </file>
 
-<file path=ppt/slides/slide11.xml><?xml version="1.0" encoding="utf-8"?>
+<file path=ppt/slides/slide13.xml><?xml version="1.0" encoding="utf-8"?>
 <p:sld xmlns:a="http://schemas.openxmlformats.org/drawingml/2006/main" xmlns:r="http://schemas.openxmlformats.org/officeDocument/2006/relationships" xmlns:p="http://schemas.openxmlformats.org/presentationml/2006/main">
   <p:cSld>
     <p:spTree>
@@ -5454,6 +6011,29 @@
               <a:t>Embed static techniques with new runtime algorithm</a:t>
             </a:r>
             <a:endParaRPr lang="en-US" dirty="0"/>
+          </a:p>
+        </p:txBody>
+      </p:sp>
+      <p:sp>
+        <p:nvSpPr>
+          <p:cNvPr id="3" name="Slide Number Placeholder 2"/>
+          <p:cNvSpPr>
+            <a:spLocks noGrp="1"/>
+          </p:cNvSpPr>
+          <p:nvPr>
+            <p:ph type="sldNum" sz="quarter" idx="12"/>
+          </p:nvPr>
+        </p:nvSpPr>
+        <p:spPr/>
+        <p:txBody>
+          <a:bodyPr/>
+          <a:lstStyle/>
+          <a:p>
+            <a:fld id="{EA878592-B26F-C546-A6EA-1068590DD14F}" type="slidenum">
+              <a:rPr lang="en-US" smtClean="0"/>
+              <a:t>13</a:t>
+            </a:fld>
+            <a:endParaRPr lang="en-US"/>
           </a:p>
         </p:txBody>
       </p:sp>
@@ -5477,7 +6057,7 @@
 </p:sld>
 </file>
 
-<file path=ppt/slides/slide12.xml><?xml version="1.0" encoding="utf-8"?>
+<file path=ppt/slides/slide14.xml><?xml version="1.0" encoding="utf-8"?>
 <p:sld xmlns:a="http://schemas.openxmlformats.org/drawingml/2006/main" xmlns:r="http://schemas.openxmlformats.org/officeDocument/2006/relationships" xmlns:p="http://schemas.openxmlformats.org/presentationml/2006/main">
   <p:cSld>
     <p:spTree>
@@ -5635,923 +6215,33 @@
           </a:p>
         </p:txBody>
       </p:sp>
+      <p:sp>
+        <p:nvSpPr>
+          <p:cNvPr id="3" name="Slide Number Placeholder 2"/>
+          <p:cNvSpPr>
+            <a:spLocks noGrp="1"/>
+          </p:cNvSpPr>
+          <p:nvPr>
+            <p:ph type="sldNum" sz="quarter" idx="12"/>
+          </p:nvPr>
+        </p:nvSpPr>
+        <p:spPr/>
+        <p:txBody>
+          <a:bodyPr/>
+          <a:lstStyle/>
+          <a:p>
+            <a:fld id="{EA878592-B26F-C546-A6EA-1068590DD14F}" type="slidenum">
+              <a:rPr lang="en-US" smtClean="0"/>
+              <a:t>14</a:t>
+            </a:fld>
+            <a:endParaRPr lang="en-US"/>
+          </a:p>
+        </p:txBody>
+      </p:sp>
     </p:spTree>
     <p:extLst>
       <p:ext uri="{BB962C8B-B14F-4D97-AF65-F5344CB8AC3E}">
         <p14:creationId xmlns:p14="http://schemas.microsoft.com/office/powerpoint/2010/main" val="3259647918"/>
-      </p:ext>
-    </p:extLst>
-  </p:cSld>
-  <p:clrMapOvr>
-    <a:masterClrMapping/>
-  </p:clrMapOvr>
-  <p:timing>
-    <p:tnLst>
-      <p:par>
-        <p:cTn xmlns:p14="http://schemas.microsoft.com/office/powerpoint/2010/main" id="1" dur="indefinite" restart="never" nodeType="tmRoot"/>
-      </p:par>
-    </p:tnLst>
-  </p:timing>
-</p:sld>
-</file>
-
-<file path=ppt/slides/slide13.xml><?xml version="1.0" encoding="utf-8"?>
-<p:sld xmlns:a="http://schemas.openxmlformats.org/drawingml/2006/main" xmlns:r="http://schemas.openxmlformats.org/officeDocument/2006/relationships" xmlns:p="http://schemas.openxmlformats.org/presentationml/2006/main">
-  <p:cSld>
-    <p:spTree>
-      <p:nvGrpSpPr>
-        <p:cNvPr id="1" name=""/>
-        <p:cNvGrpSpPr/>
-        <p:nvPr/>
-      </p:nvGrpSpPr>
-      <p:grpSpPr>
-        <a:xfrm>
-          <a:off x="0" y="0"/>
-          <a:ext cx="0" cy="0"/>
-          <a:chOff x="0" y="0"/>
-          <a:chExt cx="0" cy="0"/>
-        </a:xfrm>
-      </p:grpSpPr>
-      <p:sp>
-        <p:nvSpPr>
-          <p:cNvPr id="2" name="Title 1"/>
-          <p:cNvSpPr>
-            <a:spLocks noGrp="1"/>
-          </p:cNvSpPr>
-          <p:nvPr>
-            <p:ph type="title"/>
-          </p:nvPr>
-        </p:nvSpPr>
-        <p:spPr/>
-        <p:txBody>
-          <a:bodyPr>
-            <a:normAutofit fontScale="90000"/>
-          </a:bodyPr>
-          <a:lstStyle/>
-          <a:p>
-            <a:pPr algn="l"/>
-            <a:r>
-              <a:rPr lang="en-US" dirty="0" smtClean="0"/>
-              <a:t>Static Analysis</a:t>
-            </a:r>
-            <a:br>
-              <a:rPr lang="en-US" dirty="0" smtClean="0"/>
-            </a:br>
-            <a:r>
-              <a:rPr lang="en-US" sz="2700" dirty="0" smtClean="0"/>
-              <a:t>Blacklisting Sequential </a:t>
-            </a:r>
-            <a:r>
-              <a:rPr lang="en-US" sz="2700" dirty="0" smtClean="0"/>
-              <a:t>Code</a:t>
-            </a:r>
-            <a:endParaRPr lang="en-US" sz="2700" dirty="0"/>
-          </a:p>
-        </p:txBody>
-      </p:sp>
-      <p:sp>
-        <p:nvSpPr>
-          <p:cNvPr id="11" name="Content Placeholder 15"/>
-          <p:cNvSpPr>
-            <a:spLocks noGrp="1"/>
-          </p:cNvSpPr>
-          <p:nvPr>
-            <p:ph idx="1"/>
-          </p:nvPr>
-        </p:nvSpPr>
-        <p:spPr>
-          <a:xfrm>
-            <a:off x="457200" y="1608151"/>
-            <a:ext cx="8229600" cy="2579941"/>
-          </a:xfrm>
-        </p:spPr>
-        <p:txBody>
-          <a:bodyPr>
-            <a:noAutofit/>
-          </a:bodyPr>
-          <a:lstStyle/>
-          <a:p>
-            <a:r>
-              <a:rPr lang="en-US" sz="2800" dirty="0" err="1" smtClean="0"/>
-              <a:t>OpenMP’s</a:t>
-            </a:r>
-            <a:r>
-              <a:rPr lang="en-US" sz="2800" dirty="0" smtClean="0"/>
-              <a:t> structured fork-join parallelism</a:t>
-            </a:r>
-          </a:p>
-          <a:p>
-            <a:pPr lvl="1"/>
-            <a:r>
-              <a:rPr lang="en-US" sz="2400" dirty="0" smtClean="0">
-                <a:effectLst/>
-              </a:rPr>
-              <a:t>Guarantee finding sequential instructions</a:t>
-            </a:r>
-          </a:p>
-          <a:p>
-            <a:pPr lvl="1"/>
-            <a:r>
-              <a:rPr lang="en-US" sz="2400" dirty="0" smtClean="0">
-                <a:effectLst/>
-              </a:rPr>
-              <a:t>Every instruction outside a OpenMP construct is executed by the master thread</a:t>
-            </a:r>
-          </a:p>
-          <a:p>
-            <a:pPr lvl="1"/>
-            <a:r>
-              <a:rPr lang="en-US" sz="2400" dirty="0" smtClean="0"/>
-              <a:t>Master thread take part of the parallel team</a:t>
-            </a:r>
-            <a:endParaRPr lang="en-US" sz="2400" dirty="0">
-              <a:effectLst/>
-            </a:endParaRPr>
-          </a:p>
-        </p:txBody>
-      </p:sp>
-      <p:pic>
-        <p:nvPicPr>
-          <p:cNvPr id="5" name="Picture 4" descr="nested_parallelism.pdf"/>
-          <p:cNvPicPr>
-            <a:picLocks noChangeAspect="1"/>
-          </p:cNvPicPr>
-          <p:nvPr/>
-        </p:nvPicPr>
-        <p:blipFill>
-          <a:blip r:embed="rId2">
-            <a:extLst>
-              <a:ext uri="{28A0092B-C50C-407E-A947-70E740481C1C}">
-                <a14:useLocalDpi xmlns:a14="http://schemas.microsoft.com/office/drawing/2010/main" val="0"/>
-              </a:ext>
-            </a:extLst>
-          </a:blip>
-          <a:stretch>
-            <a:fillRect/>
-          </a:stretch>
-        </p:blipFill>
-        <p:spPr>
-          <a:xfrm>
-            <a:off x="457200" y="4145431"/>
-            <a:ext cx="8229600" cy="2233225"/>
-          </a:xfrm>
-          <a:prstGeom prst="rect">
-            <a:avLst/>
-          </a:prstGeom>
-        </p:spPr>
-      </p:pic>
-    </p:spTree>
-    <p:extLst>
-      <p:ext uri="{BB962C8B-B14F-4D97-AF65-F5344CB8AC3E}">
-        <p14:creationId xmlns:p14="http://schemas.microsoft.com/office/powerpoint/2010/main" val="3550153920"/>
-      </p:ext>
-    </p:extLst>
-  </p:cSld>
-  <p:clrMapOvr>
-    <a:masterClrMapping/>
-  </p:clrMapOvr>
-  <p:timing>
-    <p:tnLst>
-      <p:par>
-        <p:cTn xmlns:p14="http://schemas.microsoft.com/office/powerpoint/2010/main" id="1" dur="indefinite" restart="never" nodeType="tmRoot"/>
-      </p:par>
-    </p:tnLst>
-  </p:timing>
-</p:sld>
-</file>
-
-<file path=ppt/slides/slide14.xml><?xml version="1.0" encoding="utf-8"?>
-<p:sld xmlns:a="http://schemas.openxmlformats.org/drawingml/2006/main" xmlns:r="http://schemas.openxmlformats.org/officeDocument/2006/relationships" xmlns:p="http://schemas.openxmlformats.org/presentationml/2006/main">
-  <p:cSld>
-    <p:spTree>
-      <p:nvGrpSpPr>
-        <p:cNvPr id="1" name=""/>
-        <p:cNvGrpSpPr/>
-        <p:nvPr/>
-      </p:nvGrpSpPr>
-      <p:grpSpPr>
-        <a:xfrm>
-          <a:off x="0" y="0"/>
-          <a:ext cx="0" cy="0"/>
-          <a:chOff x="0" y="0"/>
-          <a:chExt cx="0" cy="0"/>
-        </a:xfrm>
-      </p:grpSpPr>
-      <p:sp>
-        <p:nvSpPr>
-          <p:cNvPr id="10" name="Rectangle 9"/>
-          <p:cNvSpPr/>
-          <p:nvPr/>
-        </p:nvSpPr>
-        <p:spPr>
-          <a:xfrm>
-            <a:off x="457200" y="3419669"/>
-            <a:ext cx="4022467" cy="1200329"/>
-          </a:xfrm>
-          <a:prstGeom prst="rect">
-            <a:avLst/>
-          </a:prstGeom>
-          <a:solidFill>
-            <a:srgbClr val="00FF00">
-              <a:alpha val="40000"/>
-            </a:srgbClr>
-          </a:solidFill>
-          <a:ln>
-            <a:noFill/>
-          </a:ln>
-          <a:effectLst/>
-        </p:spPr>
-        <p:style>
-          <a:lnRef idx="1">
-            <a:schemeClr val="accent1"/>
-          </a:lnRef>
-          <a:fillRef idx="3">
-            <a:schemeClr val="accent1"/>
-          </a:fillRef>
-          <a:effectRef idx="2">
-            <a:schemeClr val="accent1"/>
-          </a:effectRef>
-          <a:fontRef idx="minor">
-            <a:schemeClr val="lt1"/>
-          </a:fontRef>
-        </p:style>
-        <p:txBody>
-          <a:bodyPr rtlCol="0" anchor="ctr"/>
-          <a:lstStyle/>
-          <a:p>
-            <a:pPr algn="ctr"/>
-            <a:endParaRPr lang="en-US"/>
-          </a:p>
-        </p:txBody>
-      </p:sp>
-      <p:sp>
-        <p:nvSpPr>
-          <p:cNvPr id="4" name="TextBox 3"/>
-          <p:cNvSpPr txBox="1"/>
-          <p:nvPr/>
-        </p:nvSpPr>
-        <p:spPr>
-          <a:xfrm>
-            <a:off x="457200" y="3419669"/>
-            <a:ext cx="4063282" cy="1200329"/>
-          </a:xfrm>
-          <a:prstGeom prst="rect">
-            <a:avLst/>
-          </a:prstGeom>
-          <a:noFill/>
-          <a:ln>
-            <a:noFill/>
-          </a:ln>
-        </p:spPr>
-        <p:txBody>
-          <a:bodyPr wrap="none" rtlCol="0">
-            <a:spAutoFit/>
-          </a:bodyPr>
-          <a:lstStyle/>
-          <a:p>
-            <a:r>
-              <a:rPr lang="en-US" b="1" dirty="0" smtClean="0">
-                <a:solidFill>
-                  <a:srgbClr val="0000FF"/>
-                </a:solidFill>
-                <a:latin typeface="Andale Mono"/>
-                <a:cs typeface="Andale Mono"/>
-              </a:rPr>
-              <a:t>#pragma </a:t>
-            </a:r>
-            <a:r>
-              <a:rPr lang="en-US" b="1" dirty="0" err="1" smtClean="0">
-                <a:solidFill>
-                  <a:srgbClr val="0000FF"/>
-                </a:solidFill>
-                <a:latin typeface="Andale Mono"/>
-                <a:cs typeface="Andale Mono"/>
-              </a:rPr>
-              <a:t>omp</a:t>
-            </a:r>
-            <a:r>
-              <a:rPr lang="en-US" b="1" dirty="0" smtClean="0">
-                <a:solidFill>
-                  <a:srgbClr val="0000FF"/>
-                </a:solidFill>
-                <a:latin typeface="Andale Mono"/>
-                <a:cs typeface="Andale Mono"/>
-              </a:rPr>
-              <a:t> parallel for</a:t>
-            </a:r>
-          </a:p>
-          <a:p>
-            <a:r>
-              <a:rPr lang="en-US" dirty="0" smtClean="0">
-                <a:latin typeface="Andale Mono"/>
-                <a:cs typeface="Andale Mono"/>
-              </a:rPr>
-              <a:t>for(</a:t>
-            </a:r>
-            <a:r>
-              <a:rPr lang="en-US" dirty="0" err="1" smtClean="0">
-                <a:latin typeface="Andale Mono"/>
-                <a:cs typeface="Andale Mono"/>
-              </a:rPr>
-              <a:t>int</a:t>
-            </a:r>
-            <a:r>
-              <a:rPr lang="en-US" dirty="0" smtClean="0">
-                <a:latin typeface="Andale Mono"/>
-                <a:cs typeface="Andale Mono"/>
-              </a:rPr>
-              <a:t> </a:t>
-            </a:r>
-            <a:r>
-              <a:rPr lang="en-US" dirty="0" err="1" smtClean="0">
-                <a:latin typeface="Andale Mono"/>
-                <a:cs typeface="Andale Mono"/>
-              </a:rPr>
-              <a:t>i</a:t>
-            </a:r>
-            <a:r>
-              <a:rPr lang="en-US" dirty="0" smtClean="0">
-                <a:latin typeface="Andale Mono"/>
-                <a:cs typeface="Andale Mono"/>
-              </a:rPr>
-              <a:t> = 0; </a:t>
-            </a:r>
-            <a:r>
-              <a:rPr lang="en-US" dirty="0" err="1" smtClean="0">
-                <a:latin typeface="Andale Mono"/>
-                <a:cs typeface="Andale Mono"/>
-              </a:rPr>
-              <a:t>i</a:t>
-            </a:r>
-            <a:r>
-              <a:rPr lang="en-US" dirty="0" smtClean="0">
-                <a:latin typeface="Andale Mono"/>
-                <a:cs typeface="Andale Mono"/>
-              </a:rPr>
-              <a:t> &lt; N; </a:t>
-            </a:r>
-            <a:r>
-              <a:rPr lang="en-US" dirty="0" err="1" smtClean="0">
-                <a:latin typeface="Andale Mono"/>
-                <a:cs typeface="Andale Mono"/>
-              </a:rPr>
-              <a:t>i</a:t>
-            </a:r>
-            <a:r>
-              <a:rPr lang="en-US" dirty="0" smtClean="0">
-                <a:latin typeface="Andale Mono"/>
-                <a:cs typeface="Andale Mono"/>
-              </a:rPr>
-              <a:t>++) {</a:t>
-            </a:r>
-          </a:p>
-          <a:p>
-            <a:r>
-              <a:rPr lang="en-US" dirty="0">
-                <a:latin typeface="Andale Mono"/>
-                <a:cs typeface="Andale Mono"/>
-              </a:rPr>
-              <a:t> </a:t>
-            </a:r>
-            <a:r>
-              <a:rPr lang="en-US" dirty="0" smtClean="0">
-                <a:latin typeface="Andale Mono"/>
-                <a:cs typeface="Andale Mono"/>
-              </a:rPr>
-              <a:t>  a[</a:t>
-            </a:r>
-            <a:r>
-              <a:rPr lang="en-US" dirty="0" err="1" smtClean="0">
-                <a:latin typeface="Andale Mono"/>
-                <a:cs typeface="Andale Mono"/>
-              </a:rPr>
-              <a:t>i</a:t>
-            </a:r>
-            <a:r>
-              <a:rPr lang="en-US" dirty="0" smtClean="0">
-                <a:latin typeface="Andale Mono"/>
-                <a:cs typeface="Andale Mono"/>
-              </a:rPr>
-              <a:t>] = a[</a:t>
-            </a:r>
-            <a:r>
-              <a:rPr lang="en-US" dirty="0" err="1" smtClean="0">
-                <a:latin typeface="Andale Mono"/>
-                <a:cs typeface="Andale Mono"/>
-              </a:rPr>
-              <a:t>i</a:t>
-            </a:r>
-            <a:r>
-              <a:rPr lang="en-US" dirty="0" smtClean="0">
-                <a:latin typeface="Andale Mono"/>
-                <a:cs typeface="Andale Mono"/>
-              </a:rPr>
-              <a:t>] + 1;</a:t>
-            </a:r>
-          </a:p>
-          <a:p>
-            <a:r>
-              <a:rPr lang="en-US" dirty="0">
-                <a:latin typeface="Andale Mono"/>
-                <a:cs typeface="Andale Mono"/>
-              </a:rPr>
-              <a:t>}</a:t>
-            </a:r>
-          </a:p>
-        </p:txBody>
-      </p:sp>
-      <p:sp>
-        <p:nvSpPr>
-          <p:cNvPr id="13" name="Rectangle 12"/>
-          <p:cNvSpPr/>
-          <p:nvPr/>
-        </p:nvSpPr>
-        <p:spPr>
-          <a:xfrm>
-            <a:off x="457200" y="4936660"/>
-            <a:ext cx="4022467" cy="1200329"/>
-          </a:xfrm>
-          <a:prstGeom prst="rect">
-            <a:avLst/>
-          </a:prstGeom>
-          <a:solidFill>
-            <a:srgbClr val="FF0000">
-              <a:alpha val="40000"/>
-            </a:srgbClr>
-          </a:solidFill>
-          <a:ln>
-            <a:noFill/>
-          </a:ln>
-          <a:effectLst/>
-        </p:spPr>
-        <p:style>
-          <a:lnRef idx="1">
-            <a:schemeClr val="accent1"/>
-          </a:lnRef>
-          <a:fillRef idx="3">
-            <a:schemeClr val="accent1"/>
-          </a:fillRef>
-          <a:effectRef idx="2">
-            <a:schemeClr val="accent1"/>
-          </a:effectRef>
-          <a:fontRef idx="minor">
-            <a:schemeClr val="lt1"/>
-          </a:fontRef>
-        </p:style>
-        <p:txBody>
-          <a:bodyPr rtlCol="0" anchor="ctr"/>
-          <a:lstStyle/>
-          <a:p>
-            <a:pPr algn="ctr"/>
-            <a:endParaRPr lang="en-US"/>
-          </a:p>
-        </p:txBody>
-      </p:sp>
-      <p:sp>
-        <p:nvSpPr>
-          <p:cNvPr id="7" name="TextBox 6"/>
-          <p:cNvSpPr txBox="1"/>
-          <p:nvPr/>
-        </p:nvSpPr>
-        <p:spPr>
-          <a:xfrm>
-            <a:off x="457200" y="4936660"/>
-            <a:ext cx="4022467" cy="1200329"/>
-          </a:xfrm>
-          <a:prstGeom prst="rect">
-            <a:avLst/>
-          </a:prstGeom>
-          <a:noFill/>
-        </p:spPr>
-        <p:txBody>
-          <a:bodyPr wrap="square" rtlCol="0">
-            <a:spAutoFit/>
-          </a:bodyPr>
-          <a:lstStyle/>
-          <a:p>
-            <a:r>
-              <a:rPr lang="en-US" b="1" dirty="0" smtClean="0">
-                <a:solidFill>
-                  <a:srgbClr val="0000FF"/>
-                </a:solidFill>
-                <a:latin typeface="Andale Mono"/>
-                <a:cs typeface="Andale Mono"/>
-              </a:rPr>
-              <a:t>#pragma </a:t>
-            </a:r>
-            <a:r>
-              <a:rPr lang="en-US" b="1" dirty="0" err="1" smtClean="0">
-                <a:solidFill>
-                  <a:srgbClr val="0000FF"/>
-                </a:solidFill>
-                <a:latin typeface="Andale Mono"/>
-                <a:cs typeface="Andale Mono"/>
-              </a:rPr>
-              <a:t>omp</a:t>
-            </a:r>
-            <a:r>
-              <a:rPr lang="en-US" b="1" dirty="0" smtClean="0">
-                <a:solidFill>
-                  <a:srgbClr val="0000FF"/>
-                </a:solidFill>
-                <a:latin typeface="Andale Mono"/>
-                <a:cs typeface="Andale Mono"/>
-              </a:rPr>
-              <a:t> parallel for</a:t>
-            </a:r>
-          </a:p>
-          <a:p>
-            <a:r>
-              <a:rPr lang="en-US" dirty="0" smtClean="0">
-                <a:latin typeface="Andale Mono"/>
-                <a:cs typeface="Andale Mono"/>
-              </a:rPr>
-              <a:t>for(</a:t>
-            </a:r>
-            <a:r>
-              <a:rPr lang="en-US" dirty="0" err="1" smtClean="0">
-                <a:latin typeface="Andale Mono"/>
-                <a:cs typeface="Andale Mono"/>
-              </a:rPr>
-              <a:t>int</a:t>
-            </a:r>
-            <a:r>
-              <a:rPr lang="en-US" dirty="0" smtClean="0">
-                <a:latin typeface="Andale Mono"/>
-                <a:cs typeface="Andale Mono"/>
-              </a:rPr>
-              <a:t> </a:t>
-            </a:r>
-            <a:r>
-              <a:rPr lang="en-US" dirty="0" err="1" smtClean="0">
-                <a:latin typeface="Andale Mono"/>
-                <a:cs typeface="Andale Mono"/>
-              </a:rPr>
-              <a:t>i</a:t>
-            </a:r>
-            <a:r>
-              <a:rPr lang="en-US" dirty="0" smtClean="0">
-                <a:latin typeface="Andale Mono"/>
-                <a:cs typeface="Andale Mono"/>
-              </a:rPr>
-              <a:t> = 1; </a:t>
-            </a:r>
-            <a:r>
-              <a:rPr lang="en-US" dirty="0" err="1" smtClean="0">
-                <a:latin typeface="Andale Mono"/>
-                <a:cs typeface="Andale Mono"/>
-              </a:rPr>
-              <a:t>i</a:t>
-            </a:r>
-            <a:r>
-              <a:rPr lang="en-US" dirty="0" smtClean="0">
-                <a:latin typeface="Andale Mono"/>
-                <a:cs typeface="Andale Mono"/>
-              </a:rPr>
-              <a:t> &lt; N; </a:t>
-            </a:r>
-            <a:r>
-              <a:rPr lang="en-US" dirty="0" err="1" smtClean="0">
-                <a:latin typeface="Andale Mono"/>
-                <a:cs typeface="Andale Mono"/>
-              </a:rPr>
-              <a:t>i</a:t>
-            </a:r>
-            <a:r>
-              <a:rPr lang="en-US" dirty="0" smtClean="0">
-                <a:latin typeface="Andale Mono"/>
-                <a:cs typeface="Andale Mono"/>
-              </a:rPr>
-              <a:t>++) {</a:t>
-            </a:r>
-          </a:p>
-          <a:p>
-            <a:r>
-              <a:rPr lang="en-US" dirty="0">
-                <a:latin typeface="Andale Mono"/>
-                <a:cs typeface="Andale Mono"/>
-              </a:rPr>
-              <a:t> </a:t>
-            </a:r>
-            <a:r>
-              <a:rPr lang="en-US" dirty="0" smtClean="0">
-                <a:latin typeface="Andale Mono"/>
-                <a:cs typeface="Andale Mono"/>
-              </a:rPr>
-              <a:t>  a[</a:t>
-            </a:r>
-            <a:r>
-              <a:rPr lang="en-US" dirty="0" err="1" smtClean="0">
-                <a:latin typeface="Andale Mono"/>
-                <a:cs typeface="Andale Mono"/>
-              </a:rPr>
-              <a:t>i</a:t>
-            </a:r>
-            <a:r>
-              <a:rPr lang="en-US" dirty="0" smtClean="0">
-                <a:latin typeface="Andale Mono"/>
-                <a:cs typeface="Andale Mono"/>
-              </a:rPr>
-              <a:t>] = a[</a:t>
-            </a:r>
-            <a:r>
-              <a:rPr lang="en-US" dirty="0" err="1" smtClean="0">
-                <a:latin typeface="Andale Mono"/>
-                <a:cs typeface="Andale Mono"/>
-              </a:rPr>
-              <a:t>i</a:t>
-            </a:r>
-            <a:r>
-              <a:rPr lang="en-US" dirty="0" smtClean="0">
-                <a:latin typeface="Andale Mono"/>
-                <a:cs typeface="Andale Mono"/>
-              </a:rPr>
-              <a:t> - 1];</a:t>
-            </a:r>
-          </a:p>
-          <a:p>
-            <a:r>
-              <a:rPr lang="en-US" dirty="0">
-                <a:latin typeface="Andale Mono"/>
-                <a:cs typeface="Andale Mono"/>
-              </a:rPr>
-              <a:t>}</a:t>
-            </a:r>
-          </a:p>
-        </p:txBody>
-      </p:sp>
-      <p:sp>
-        <p:nvSpPr>
-          <p:cNvPr id="2" name="Title 1"/>
-          <p:cNvSpPr>
-            <a:spLocks noGrp="1"/>
-          </p:cNvSpPr>
-          <p:nvPr>
-            <p:ph type="title"/>
-          </p:nvPr>
-        </p:nvSpPr>
-        <p:spPr/>
-        <p:txBody>
-          <a:bodyPr>
-            <a:normAutofit fontScale="90000"/>
-          </a:bodyPr>
-          <a:lstStyle/>
-          <a:p>
-            <a:pPr algn="l"/>
-            <a:r>
-              <a:rPr lang="en-US" dirty="0" smtClean="0"/>
-              <a:t>Static Analysis</a:t>
-            </a:r>
-            <a:br>
-              <a:rPr lang="en-US" dirty="0" smtClean="0"/>
-            </a:br>
-            <a:r>
-              <a:rPr lang="en-US" sz="2700" dirty="0" smtClean="0"/>
-              <a:t>Data Dependency Analysis</a:t>
-            </a:r>
-            <a:endParaRPr lang="en-US" sz="2700" dirty="0"/>
-          </a:p>
-        </p:txBody>
-      </p:sp>
-      <p:sp>
-        <p:nvSpPr>
-          <p:cNvPr id="11" name="Content Placeholder 15"/>
-          <p:cNvSpPr>
-            <a:spLocks noGrp="1"/>
-          </p:cNvSpPr>
-          <p:nvPr>
-            <p:ph idx="1"/>
-          </p:nvPr>
-        </p:nvSpPr>
-        <p:spPr>
-          <a:xfrm>
-            <a:off x="457200" y="1608151"/>
-            <a:ext cx="8229600" cy="1539673"/>
-          </a:xfrm>
-        </p:spPr>
-        <p:txBody>
-          <a:bodyPr>
-            <a:noAutofit/>
-          </a:bodyPr>
-          <a:lstStyle/>
-          <a:p>
-            <a:r>
-              <a:rPr lang="en-US" sz="2800" dirty="0"/>
-              <a:t>Loop-carried data dependency </a:t>
-            </a:r>
-            <a:r>
-              <a:rPr lang="en-US" sz="2800" dirty="0" smtClean="0"/>
-              <a:t>analysis:</a:t>
-            </a:r>
-          </a:p>
-          <a:p>
-            <a:pPr lvl="1"/>
-            <a:r>
-              <a:rPr lang="en-US" sz="2400" dirty="0" smtClean="0"/>
-              <a:t>Parallel </a:t>
-            </a:r>
-            <a:r>
-              <a:rPr lang="en-US" sz="2400" dirty="0"/>
-              <a:t>for-loops with no dependencies are race </a:t>
-            </a:r>
-            <a:r>
-              <a:rPr lang="en-US" sz="2400" dirty="0" smtClean="0"/>
-              <a:t>free</a:t>
-            </a:r>
-          </a:p>
-          <a:p>
-            <a:pPr lvl="1"/>
-            <a:r>
-              <a:rPr lang="en-US" sz="2400" dirty="0" smtClean="0"/>
-              <a:t>Blacklisting these regions from runtime analysis</a:t>
-            </a:r>
-            <a:endParaRPr lang="en-US" sz="2400" dirty="0">
-              <a:effectLst/>
-            </a:endParaRPr>
-          </a:p>
-        </p:txBody>
-      </p:sp>
-      <p:sp>
-        <p:nvSpPr>
-          <p:cNvPr id="3" name="Rectangle 2"/>
-          <p:cNvSpPr/>
-          <p:nvPr/>
-        </p:nvSpPr>
-        <p:spPr>
-          <a:xfrm>
-            <a:off x="4479667" y="3290501"/>
-            <a:ext cx="184666" cy="276999"/>
-          </a:xfrm>
-          <a:prstGeom prst="rect">
-            <a:avLst/>
-          </a:prstGeom>
-        </p:spPr>
-        <p:txBody>
-          <a:bodyPr wrap="none">
-            <a:spAutoFit/>
-          </a:bodyPr>
-          <a:lstStyle/>
-          <a:p>
-            <a:r>
-              <a:rPr lang="en-US" baseline="30000" dirty="0"/>
-              <a:t> </a:t>
-            </a:r>
-            <a:endParaRPr lang="en-US" dirty="0"/>
-          </a:p>
-        </p:txBody>
-      </p:sp>
-      <p:sp>
-        <p:nvSpPr>
-          <p:cNvPr id="6" name="Right Brace 5"/>
-          <p:cNvSpPr/>
-          <p:nvPr/>
-        </p:nvSpPr>
-        <p:spPr>
-          <a:xfrm>
-            <a:off x="4563835" y="3419669"/>
-            <a:ext cx="256721" cy="1200329"/>
-          </a:xfrm>
-          <a:prstGeom prst="rightBrace">
-            <a:avLst/>
-          </a:prstGeom>
-          <a:ln>
-            <a:solidFill>
-              <a:schemeClr val="tx1"/>
-            </a:solidFill>
-          </a:ln>
-          <a:effectLst/>
-        </p:spPr>
-        <p:style>
-          <a:lnRef idx="2">
-            <a:schemeClr val="accent1"/>
-          </a:lnRef>
-          <a:fillRef idx="0">
-            <a:schemeClr val="accent1"/>
-          </a:fillRef>
-          <a:effectRef idx="1">
-            <a:schemeClr val="accent1"/>
-          </a:effectRef>
-          <a:fontRef idx="minor">
-            <a:schemeClr val="tx1"/>
-          </a:fontRef>
-        </p:style>
-        <p:txBody>
-          <a:bodyPr rtlCol="0" anchor="ctr"/>
-          <a:lstStyle/>
-          <a:p>
-            <a:pPr algn="ctr"/>
-            <a:endParaRPr lang="en-US"/>
-          </a:p>
-        </p:txBody>
-      </p:sp>
-      <p:sp>
-        <p:nvSpPr>
-          <p:cNvPr id="9" name="Right Brace 8"/>
-          <p:cNvSpPr/>
-          <p:nvPr/>
-        </p:nvSpPr>
-        <p:spPr>
-          <a:xfrm>
-            <a:off x="4563835" y="4936660"/>
-            <a:ext cx="256721" cy="1200329"/>
-          </a:xfrm>
-          <a:prstGeom prst="rightBrace">
-            <a:avLst/>
-          </a:prstGeom>
-          <a:ln>
-            <a:solidFill>
-              <a:schemeClr val="tx1"/>
-            </a:solidFill>
-          </a:ln>
-          <a:effectLst/>
-        </p:spPr>
-        <p:style>
-          <a:lnRef idx="2">
-            <a:schemeClr val="accent1"/>
-          </a:lnRef>
-          <a:fillRef idx="0">
-            <a:schemeClr val="accent1"/>
-          </a:fillRef>
-          <a:effectRef idx="1">
-            <a:schemeClr val="accent1"/>
-          </a:effectRef>
-          <a:fontRef idx="minor">
-            <a:schemeClr val="tx1"/>
-          </a:fontRef>
-        </p:style>
-        <p:txBody>
-          <a:bodyPr rtlCol="0" anchor="ctr"/>
-          <a:lstStyle/>
-          <a:p>
-            <a:pPr algn="ctr"/>
-            <a:endParaRPr lang="en-US"/>
-          </a:p>
-        </p:txBody>
-      </p:sp>
-      <p:sp>
-        <p:nvSpPr>
-          <p:cNvPr id="8" name="TextBox 7"/>
-          <p:cNvSpPr txBox="1"/>
-          <p:nvPr/>
-        </p:nvSpPr>
-        <p:spPr>
-          <a:xfrm>
-            <a:off x="5201980" y="3689089"/>
-            <a:ext cx="3484820" cy="646331"/>
-          </a:xfrm>
-          <a:prstGeom prst="rect">
-            <a:avLst/>
-          </a:prstGeom>
-          <a:noFill/>
-        </p:spPr>
-        <p:txBody>
-          <a:bodyPr wrap="square" rtlCol="0">
-            <a:spAutoFit/>
-          </a:bodyPr>
-          <a:lstStyle/>
-          <a:p>
-            <a:r>
-              <a:rPr lang="en-US" dirty="0" smtClean="0"/>
-              <a:t>No data dependency, code can be excluded from runtime analysis</a:t>
-            </a:r>
-            <a:endParaRPr lang="en-US" dirty="0"/>
-          </a:p>
-        </p:txBody>
-      </p:sp>
-      <p:sp>
-        <p:nvSpPr>
-          <p:cNvPr id="12" name="TextBox 11"/>
-          <p:cNvSpPr txBox="1"/>
-          <p:nvPr/>
-        </p:nvSpPr>
-        <p:spPr>
-          <a:xfrm>
-            <a:off x="5201980" y="5070897"/>
-            <a:ext cx="3484820" cy="923330"/>
-          </a:xfrm>
-          <a:prstGeom prst="rect">
-            <a:avLst/>
-          </a:prstGeom>
-          <a:noFill/>
-        </p:spPr>
-        <p:txBody>
-          <a:bodyPr wrap="square" rtlCol="0">
-            <a:spAutoFit/>
-          </a:bodyPr>
-          <a:lstStyle/>
-          <a:p>
-            <a:r>
-              <a:rPr lang="en-US" dirty="0" smtClean="0"/>
-              <a:t>Data dependency on array access, potentially race therefore checked at runtime</a:t>
-            </a:r>
-            <a:endParaRPr lang="en-US" dirty="0"/>
-          </a:p>
-        </p:txBody>
-      </p:sp>
-    </p:spTree>
-    <p:extLst>
-      <p:ext uri="{BB962C8B-B14F-4D97-AF65-F5344CB8AC3E}">
-        <p14:creationId xmlns:p14="http://schemas.microsoft.com/office/powerpoint/2010/main" val="1249774231"/>
       </p:ext>
     </p:extLst>
   </p:cSld>
@@ -6605,29 +6295,90 @@
             <a:pPr algn="l"/>
             <a:r>
               <a:rPr lang="en-US" dirty="0" smtClean="0"/>
-              <a:t>Archer v1</a:t>
+              <a:t>Static Analysis</a:t>
             </a:r>
             <a:br>
               <a:rPr lang="en-US" dirty="0" smtClean="0"/>
             </a:br>
             <a:r>
               <a:rPr lang="en-US" sz="2700" dirty="0" smtClean="0"/>
-              <a:t>Combining Static and Dynamic Analysis</a:t>
+              <a:t>Blacklisting Sequential Code</a:t>
             </a:r>
             <a:endParaRPr lang="en-US" sz="2700" dirty="0"/>
+          </a:p>
+        </p:txBody>
+      </p:sp>
+      <p:sp>
+        <p:nvSpPr>
+          <p:cNvPr id="11" name="Content Placeholder 15"/>
+          <p:cNvSpPr>
+            <a:spLocks noGrp="1"/>
+          </p:cNvSpPr>
+          <p:nvPr>
+            <p:ph idx="1"/>
+          </p:nvPr>
+        </p:nvSpPr>
+        <p:spPr>
+          <a:xfrm>
+            <a:off x="457200" y="1608151"/>
+            <a:ext cx="8229600" cy="2579941"/>
+          </a:xfrm>
+        </p:spPr>
+        <p:txBody>
+          <a:bodyPr>
+            <a:noAutofit/>
+          </a:bodyPr>
+          <a:lstStyle/>
+          <a:p>
+            <a:r>
+              <a:rPr lang="en-US" sz="2800" dirty="0" err="1" smtClean="0"/>
+              <a:t>OpenMP’s</a:t>
+            </a:r>
+            <a:r>
+              <a:rPr lang="en-US" sz="2800" dirty="0" smtClean="0"/>
+              <a:t> structured fork-join parallelism</a:t>
+            </a:r>
+          </a:p>
+          <a:p>
+            <a:pPr lvl="1"/>
+            <a:r>
+              <a:rPr lang="en-US" sz="2400" dirty="0" smtClean="0">
+                <a:effectLst/>
+              </a:rPr>
+              <a:t>Guarantee finding sequential instructions</a:t>
+            </a:r>
+          </a:p>
+          <a:p>
+            <a:pPr lvl="1"/>
+            <a:r>
+              <a:rPr lang="en-US" sz="2400" dirty="0" smtClean="0">
+                <a:effectLst/>
+              </a:rPr>
+              <a:t>Every instruction outside a OpenMP construct is executed by the master thread</a:t>
+            </a:r>
+          </a:p>
+          <a:p>
+            <a:pPr lvl="1"/>
+            <a:r>
+              <a:rPr lang="en-US" sz="2400" dirty="0" smtClean="0"/>
+              <a:t>Master thread take part of the parallel team</a:t>
+            </a:r>
+            <a:endParaRPr lang="en-US" sz="2400" dirty="0">
+              <a:effectLst/>
+            </a:endParaRPr>
           </a:p>
         </p:txBody>
       </p:sp>
       <p:pic>
         <p:nvPicPr>
-          <p:cNvPr id="17" name="Picture 16" descr="archerdiagram.pdf"/>
+          <p:cNvPr id="5" name="Picture 4" descr="nested_parallelism.pdf"/>
           <p:cNvPicPr>
             <a:picLocks noChangeAspect="1"/>
           </p:cNvPicPr>
           <p:nvPr/>
         </p:nvPicPr>
         <p:blipFill>
-          <a:blip r:embed="rId3">
+          <a:blip r:embed="rId2">
             <a:extLst>
               <a:ext uri="{28A0092B-C50C-407E-A947-70E740481C1C}">
                 <a14:useLocalDpi xmlns:a14="http://schemas.microsoft.com/office/drawing/2010/main" val="0"/>
@@ -6640,8 +6391,8 @@
         </p:blipFill>
         <p:spPr>
           <a:xfrm>
-            <a:off x="457200" y="1611310"/>
-            <a:ext cx="8229600" cy="2307885"/>
+            <a:off x="457200" y="4145431"/>
+            <a:ext cx="8229600" cy="2233225"/>
           </a:xfrm>
           <a:prstGeom prst="rect">
             <a:avLst/>
@@ -6650,92 +6401,31 @@
       </p:pic>
       <p:sp>
         <p:nvSpPr>
-          <p:cNvPr id="19" name="Content Placeholder 15"/>
-          <p:cNvSpPr>
-            <a:spLocks noGrp="1"/>
-          </p:cNvSpPr>
-          <p:nvPr>
-            <p:ph idx="1"/>
-          </p:nvPr>
-        </p:nvSpPr>
-        <p:spPr>
-          <a:xfrm>
-            <a:off x="457200" y="3919195"/>
-            <a:ext cx="8229600" cy="2579102"/>
-          </a:xfrm>
-        </p:spPr>
-        <p:txBody>
-          <a:bodyPr>
-            <a:noAutofit/>
-          </a:bodyPr>
-          <a:lstStyle/>
-          <a:p>
-            <a:r>
-              <a:rPr lang="en-US" sz="2400" dirty="0"/>
-              <a:t>LLVM/Clang based </a:t>
-            </a:r>
-            <a:r>
-              <a:rPr lang="en-US" sz="2400" dirty="0" smtClean="0"/>
-              <a:t>tool</a:t>
-            </a:r>
-            <a:endParaRPr lang="en-US" sz="2400" dirty="0" smtClean="0">
-              <a:effectLst/>
-            </a:endParaRPr>
-          </a:p>
-          <a:p>
-            <a:r>
-              <a:rPr lang="en-US" sz="2400" dirty="0" smtClean="0">
-                <a:effectLst/>
-              </a:rPr>
-              <a:t>LLVM Passes </a:t>
-            </a:r>
-            <a:endParaRPr lang="en-US" sz="2400" dirty="0" smtClean="0">
-              <a:effectLst/>
-            </a:endParaRPr>
-          </a:p>
-          <a:p>
-            <a:pPr lvl="1"/>
-            <a:r>
-              <a:rPr lang="en-US" sz="2000" dirty="0" smtClean="0"/>
-              <a:t>Sequential blacklisting</a:t>
-            </a:r>
-          </a:p>
-          <a:p>
-            <a:pPr lvl="1"/>
-            <a:r>
-              <a:rPr lang="en-US" sz="2000" dirty="0" smtClean="0"/>
-              <a:t>Polly + custom pass to identify OpenMP for-loops</a:t>
-            </a:r>
-            <a:endParaRPr lang="en-US" sz="2000" dirty="0" smtClean="0"/>
-          </a:p>
-          <a:p>
-            <a:r>
-              <a:rPr lang="en-US" sz="2400" dirty="0" smtClean="0"/>
-              <a:t>Custom </a:t>
-            </a:r>
-            <a:r>
-              <a:rPr lang="en-US" sz="2400" dirty="0" err="1" smtClean="0"/>
-              <a:t>TSan</a:t>
-            </a:r>
-            <a:r>
-              <a:rPr lang="en-US" sz="2400" dirty="0" smtClean="0"/>
-              <a:t> instrumentation process</a:t>
-            </a:r>
-          </a:p>
-          <a:p>
-            <a:pPr lvl="1"/>
-            <a:r>
-              <a:rPr lang="en-US" sz="2000" dirty="0" smtClean="0"/>
-              <a:t>Exploit static analysis result to exclude race free code from runtime analysis</a:t>
-            </a:r>
-            <a:endParaRPr lang="en-US" sz="2000" dirty="0" smtClean="0"/>
+          <p:cNvPr id="3" name="Slide Number Placeholder 2"/>
+          <p:cNvSpPr>
+            <a:spLocks noGrp="1"/>
+          </p:cNvSpPr>
+          <p:nvPr>
+            <p:ph type="sldNum" sz="quarter" idx="12"/>
+          </p:nvPr>
+        </p:nvSpPr>
+        <p:spPr/>
+        <p:txBody>
+          <a:bodyPr/>
+          <a:lstStyle/>
+          <a:p>
+            <a:fld id="{EA878592-B26F-C546-A6EA-1068590DD14F}" type="slidenum">
+              <a:rPr lang="en-US" smtClean="0"/>
+              <a:t>15</a:t>
+            </a:fld>
+            <a:endParaRPr lang="en-US"/>
           </a:p>
         </p:txBody>
       </p:sp>
     </p:spTree>
     <p:extLst>
       <p:ext uri="{BB962C8B-B14F-4D97-AF65-F5344CB8AC3E}">
-        <p14:creationId xmlns:p14="http://schemas.microsoft.com/office/powerpoint/2010/main" val="1252320385"/>
+        <p14:creationId xmlns:p14="http://schemas.microsoft.com/office/powerpoint/2010/main" val="3550153920"/>
       </p:ext>
     </p:extLst>
   </p:cSld>
@@ -6771,6 +6461,449 @@
       </p:grpSpPr>
       <p:sp>
         <p:nvSpPr>
+          <p:cNvPr id="10" name="Rectangle 9"/>
+          <p:cNvSpPr/>
+          <p:nvPr/>
+        </p:nvSpPr>
+        <p:spPr>
+          <a:xfrm>
+            <a:off x="457200" y="3419669"/>
+            <a:ext cx="4022467" cy="1200329"/>
+          </a:xfrm>
+          <a:prstGeom prst="rect">
+            <a:avLst/>
+          </a:prstGeom>
+          <a:solidFill>
+            <a:srgbClr val="00FF00">
+              <a:alpha val="40000"/>
+            </a:srgbClr>
+          </a:solidFill>
+          <a:ln>
+            <a:noFill/>
+          </a:ln>
+          <a:effectLst/>
+        </p:spPr>
+        <p:style>
+          <a:lnRef idx="1">
+            <a:schemeClr val="accent1"/>
+          </a:lnRef>
+          <a:fillRef idx="3">
+            <a:schemeClr val="accent1"/>
+          </a:fillRef>
+          <a:effectRef idx="2">
+            <a:schemeClr val="accent1"/>
+          </a:effectRef>
+          <a:fontRef idx="minor">
+            <a:schemeClr val="lt1"/>
+          </a:fontRef>
+        </p:style>
+        <p:txBody>
+          <a:bodyPr rtlCol="0" anchor="ctr"/>
+          <a:lstStyle/>
+          <a:p>
+            <a:pPr algn="ctr"/>
+            <a:endParaRPr lang="en-US"/>
+          </a:p>
+        </p:txBody>
+      </p:sp>
+      <p:sp>
+        <p:nvSpPr>
+          <p:cNvPr id="4" name="TextBox 3"/>
+          <p:cNvSpPr txBox="1"/>
+          <p:nvPr/>
+        </p:nvSpPr>
+        <p:spPr>
+          <a:xfrm>
+            <a:off x="457200" y="3419669"/>
+            <a:ext cx="4063282" cy="1200329"/>
+          </a:xfrm>
+          <a:prstGeom prst="rect">
+            <a:avLst/>
+          </a:prstGeom>
+          <a:noFill/>
+          <a:ln>
+            <a:noFill/>
+          </a:ln>
+        </p:spPr>
+        <p:txBody>
+          <a:bodyPr wrap="none" rtlCol="0">
+            <a:spAutoFit/>
+          </a:bodyPr>
+          <a:lstStyle/>
+          <a:p>
+            <a:r>
+              <a:rPr lang="en-US" b="1" dirty="0" smtClean="0">
+                <a:solidFill>
+                  <a:srgbClr val="0000FF"/>
+                </a:solidFill>
+                <a:latin typeface="Andale Mono"/>
+                <a:cs typeface="Andale Mono"/>
+              </a:rPr>
+              <a:t>#pragma </a:t>
+            </a:r>
+            <a:r>
+              <a:rPr lang="en-US" b="1" dirty="0" err="1" smtClean="0">
+                <a:solidFill>
+                  <a:srgbClr val="0000FF"/>
+                </a:solidFill>
+                <a:latin typeface="Andale Mono"/>
+                <a:cs typeface="Andale Mono"/>
+              </a:rPr>
+              <a:t>omp</a:t>
+            </a:r>
+            <a:r>
+              <a:rPr lang="en-US" b="1" dirty="0" smtClean="0">
+                <a:solidFill>
+                  <a:srgbClr val="0000FF"/>
+                </a:solidFill>
+                <a:latin typeface="Andale Mono"/>
+                <a:cs typeface="Andale Mono"/>
+              </a:rPr>
+              <a:t> parallel for</a:t>
+            </a:r>
+          </a:p>
+          <a:p>
+            <a:r>
+              <a:rPr lang="en-US" dirty="0" smtClean="0">
+                <a:latin typeface="Andale Mono"/>
+                <a:cs typeface="Andale Mono"/>
+              </a:rPr>
+              <a:t>for(</a:t>
+            </a:r>
+            <a:r>
+              <a:rPr lang="en-US" dirty="0" err="1" smtClean="0">
+                <a:latin typeface="Andale Mono"/>
+                <a:cs typeface="Andale Mono"/>
+              </a:rPr>
+              <a:t>int</a:t>
+            </a:r>
+            <a:r>
+              <a:rPr lang="en-US" dirty="0" smtClean="0">
+                <a:latin typeface="Andale Mono"/>
+                <a:cs typeface="Andale Mono"/>
+              </a:rPr>
+              <a:t> </a:t>
+            </a:r>
+            <a:r>
+              <a:rPr lang="en-US" dirty="0" err="1" smtClean="0">
+                <a:latin typeface="Andale Mono"/>
+                <a:cs typeface="Andale Mono"/>
+              </a:rPr>
+              <a:t>i</a:t>
+            </a:r>
+            <a:r>
+              <a:rPr lang="en-US" dirty="0" smtClean="0">
+                <a:latin typeface="Andale Mono"/>
+                <a:cs typeface="Andale Mono"/>
+              </a:rPr>
+              <a:t> = 0; </a:t>
+            </a:r>
+            <a:r>
+              <a:rPr lang="en-US" dirty="0" err="1" smtClean="0">
+                <a:latin typeface="Andale Mono"/>
+                <a:cs typeface="Andale Mono"/>
+              </a:rPr>
+              <a:t>i</a:t>
+            </a:r>
+            <a:r>
+              <a:rPr lang="en-US" dirty="0" smtClean="0">
+                <a:latin typeface="Andale Mono"/>
+                <a:cs typeface="Andale Mono"/>
+              </a:rPr>
+              <a:t> &lt; N; </a:t>
+            </a:r>
+            <a:r>
+              <a:rPr lang="en-US" dirty="0" err="1" smtClean="0">
+                <a:latin typeface="Andale Mono"/>
+                <a:cs typeface="Andale Mono"/>
+              </a:rPr>
+              <a:t>i</a:t>
+            </a:r>
+            <a:r>
+              <a:rPr lang="en-US" dirty="0" smtClean="0">
+                <a:latin typeface="Andale Mono"/>
+                <a:cs typeface="Andale Mono"/>
+              </a:rPr>
+              <a:t>++) {</a:t>
+            </a:r>
+          </a:p>
+          <a:p>
+            <a:r>
+              <a:rPr lang="en-US" dirty="0">
+                <a:latin typeface="Andale Mono"/>
+                <a:cs typeface="Andale Mono"/>
+              </a:rPr>
+              <a:t> </a:t>
+            </a:r>
+            <a:r>
+              <a:rPr lang="en-US" dirty="0" smtClean="0">
+                <a:latin typeface="Andale Mono"/>
+                <a:cs typeface="Andale Mono"/>
+              </a:rPr>
+              <a:t>  a[</a:t>
+            </a:r>
+            <a:r>
+              <a:rPr lang="en-US" dirty="0" err="1" smtClean="0">
+                <a:latin typeface="Andale Mono"/>
+                <a:cs typeface="Andale Mono"/>
+              </a:rPr>
+              <a:t>i</a:t>
+            </a:r>
+            <a:r>
+              <a:rPr lang="en-US" dirty="0" smtClean="0">
+                <a:latin typeface="Andale Mono"/>
+                <a:cs typeface="Andale Mono"/>
+              </a:rPr>
+              <a:t>] = a[</a:t>
+            </a:r>
+            <a:r>
+              <a:rPr lang="en-US" dirty="0" err="1" smtClean="0">
+                <a:latin typeface="Andale Mono"/>
+                <a:cs typeface="Andale Mono"/>
+              </a:rPr>
+              <a:t>i</a:t>
+            </a:r>
+            <a:r>
+              <a:rPr lang="en-US" dirty="0" smtClean="0">
+                <a:latin typeface="Andale Mono"/>
+                <a:cs typeface="Andale Mono"/>
+              </a:rPr>
+              <a:t>] + 1;</a:t>
+            </a:r>
+          </a:p>
+          <a:p>
+            <a:r>
+              <a:rPr lang="en-US" dirty="0">
+                <a:latin typeface="Andale Mono"/>
+                <a:cs typeface="Andale Mono"/>
+              </a:rPr>
+              <a:t>}</a:t>
+            </a:r>
+          </a:p>
+        </p:txBody>
+      </p:sp>
+      <p:sp>
+        <p:nvSpPr>
+          <p:cNvPr id="13" name="Rectangle 12"/>
+          <p:cNvSpPr/>
+          <p:nvPr/>
+        </p:nvSpPr>
+        <p:spPr>
+          <a:xfrm>
+            <a:off x="457200" y="4936660"/>
+            <a:ext cx="4022467" cy="1200329"/>
+          </a:xfrm>
+          <a:prstGeom prst="rect">
+            <a:avLst/>
+          </a:prstGeom>
+          <a:solidFill>
+            <a:srgbClr val="FF0000">
+              <a:alpha val="40000"/>
+            </a:srgbClr>
+          </a:solidFill>
+          <a:ln>
+            <a:noFill/>
+          </a:ln>
+          <a:effectLst/>
+        </p:spPr>
+        <p:style>
+          <a:lnRef idx="1">
+            <a:schemeClr val="accent1"/>
+          </a:lnRef>
+          <a:fillRef idx="3">
+            <a:schemeClr val="accent1"/>
+          </a:fillRef>
+          <a:effectRef idx="2">
+            <a:schemeClr val="accent1"/>
+          </a:effectRef>
+          <a:fontRef idx="minor">
+            <a:schemeClr val="lt1"/>
+          </a:fontRef>
+        </p:style>
+        <p:txBody>
+          <a:bodyPr rtlCol="0" anchor="ctr"/>
+          <a:lstStyle/>
+          <a:p>
+            <a:pPr algn="ctr"/>
+            <a:endParaRPr lang="en-US"/>
+          </a:p>
+        </p:txBody>
+      </p:sp>
+      <p:sp>
+        <p:nvSpPr>
+          <p:cNvPr id="7" name="TextBox 6"/>
+          <p:cNvSpPr txBox="1"/>
+          <p:nvPr/>
+        </p:nvSpPr>
+        <p:spPr>
+          <a:xfrm>
+            <a:off x="457200" y="4936660"/>
+            <a:ext cx="4022467" cy="1200329"/>
+          </a:xfrm>
+          <a:prstGeom prst="rect">
+            <a:avLst/>
+          </a:prstGeom>
+          <a:noFill/>
+        </p:spPr>
+        <p:txBody>
+          <a:bodyPr wrap="square" rtlCol="0">
+            <a:spAutoFit/>
+          </a:bodyPr>
+          <a:lstStyle/>
+          <a:p>
+            <a:r>
+              <a:rPr lang="en-US" b="1" dirty="0" smtClean="0">
+                <a:solidFill>
+                  <a:srgbClr val="0000FF"/>
+                </a:solidFill>
+                <a:latin typeface="Andale Mono"/>
+                <a:cs typeface="Andale Mono"/>
+              </a:rPr>
+              <a:t>#pragma </a:t>
+            </a:r>
+            <a:r>
+              <a:rPr lang="en-US" b="1" dirty="0" err="1" smtClean="0">
+                <a:solidFill>
+                  <a:srgbClr val="0000FF"/>
+                </a:solidFill>
+                <a:latin typeface="Andale Mono"/>
+                <a:cs typeface="Andale Mono"/>
+              </a:rPr>
+              <a:t>omp</a:t>
+            </a:r>
+            <a:r>
+              <a:rPr lang="en-US" b="1" dirty="0" smtClean="0">
+                <a:solidFill>
+                  <a:srgbClr val="0000FF"/>
+                </a:solidFill>
+                <a:latin typeface="Andale Mono"/>
+                <a:cs typeface="Andale Mono"/>
+              </a:rPr>
+              <a:t> parallel for</a:t>
+            </a:r>
+          </a:p>
+          <a:p>
+            <a:r>
+              <a:rPr lang="en-US" dirty="0" smtClean="0">
+                <a:latin typeface="Andale Mono"/>
+                <a:cs typeface="Andale Mono"/>
+              </a:rPr>
+              <a:t>for(</a:t>
+            </a:r>
+            <a:r>
+              <a:rPr lang="en-US" dirty="0" err="1" smtClean="0">
+                <a:latin typeface="Andale Mono"/>
+                <a:cs typeface="Andale Mono"/>
+              </a:rPr>
+              <a:t>int</a:t>
+            </a:r>
+            <a:r>
+              <a:rPr lang="en-US" dirty="0" smtClean="0">
+                <a:latin typeface="Andale Mono"/>
+                <a:cs typeface="Andale Mono"/>
+              </a:rPr>
+              <a:t> </a:t>
+            </a:r>
+            <a:r>
+              <a:rPr lang="en-US" dirty="0" err="1" smtClean="0">
+                <a:latin typeface="Andale Mono"/>
+                <a:cs typeface="Andale Mono"/>
+              </a:rPr>
+              <a:t>i</a:t>
+            </a:r>
+            <a:r>
+              <a:rPr lang="en-US" dirty="0" smtClean="0">
+                <a:latin typeface="Andale Mono"/>
+                <a:cs typeface="Andale Mono"/>
+              </a:rPr>
+              <a:t> = 1; </a:t>
+            </a:r>
+            <a:r>
+              <a:rPr lang="en-US" dirty="0" err="1" smtClean="0">
+                <a:latin typeface="Andale Mono"/>
+                <a:cs typeface="Andale Mono"/>
+              </a:rPr>
+              <a:t>i</a:t>
+            </a:r>
+            <a:r>
+              <a:rPr lang="en-US" dirty="0" smtClean="0">
+                <a:latin typeface="Andale Mono"/>
+                <a:cs typeface="Andale Mono"/>
+              </a:rPr>
+              <a:t> &lt; N; </a:t>
+            </a:r>
+            <a:r>
+              <a:rPr lang="en-US" dirty="0" err="1" smtClean="0">
+                <a:latin typeface="Andale Mono"/>
+                <a:cs typeface="Andale Mono"/>
+              </a:rPr>
+              <a:t>i</a:t>
+            </a:r>
+            <a:r>
+              <a:rPr lang="en-US" dirty="0" smtClean="0">
+                <a:latin typeface="Andale Mono"/>
+                <a:cs typeface="Andale Mono"/>
+              </a:rPr>
+              <a:t>++) {</a:t>
+            </a:r>
+          </a:p>
+          <a:p>
+            <a:r>
+              <a:rPr lang="en-US" dirty="0">
+                <a:latin typeface="Andale Mono"/>
+                <a:cs typeface="Andale Mono"/>
+              </a:rPr>
+              <a:t> </a:t>
+            </a:r>
+            <a:r>
+              <a:rPr lang="en-US" dirty="0" smtClean="0">
+                <a:latin typeface="Andale Mono"/>
+                <a:cs typeface="Andale Mono"/>
+              </a:rPr>
+              <a:t>  a[</a:t>
+            </a:r>
+            <a:r>
+              <a:rPr lang="en-US" dirty="0" err="1" smtClean="0">
+                <a:latin typeface="Andale Mono"/>
+                <a:cs typeface="Andale Mono"/>
+              </a:rPr>
+              <a:t>i</a:t>
+            </a:r>
+            <a:r>
+              <a:rPr lang="en-US" dirty="0" smtClean="0">
+                <a:latin typeface="Andale Mono"/>
+                <a:cs typeface="Andale Mono"/>
+              </a:rPr>
+              <a:t>] = a[</a:t>
+            </a:r>
+            <a:r>
+              <a:rPr lang="en-US" dirty="0" err="1" smtClean="0">
+                <a:latin typeface="Andale Mono"/>
+                <a:cs typeface="Andale Mono"/>
+              </a:rPr>
+              <a:t>i</a:t>
+            </a:r>
+            <a:r>
+              <a:rPr lang="en-US" dirty="0" smtClean="0">
+                <a:latin typeface="Andale Mono"/>
+                <a:cs typeface="Andale Mono"/>
+              </a:rPr>
+              <a:t> - 1];</a:t>
+            </a:r>
+          </a:p>
+          <a:p>
+            <a:r>
+              <a:rPr lang="en-US" dirty="0">
+                <a:latin typeface="Andale Mono"/>
+                <a:cs typeface="Andale Mono"/>
+              </a:rPr>
+              <a:t>}</a:t>
+            </a:r>
+          </a:p>
+        </p:txBody>
+      </p:sp>
+      <p:sp>
+        <p:nvSpPr>
           <p:cNvPr id="2" name="Title 1"/>
           <p:cNvSpPr>
             <a:spLocks noGrp="1"/>
@@ -6789,143 +6922,281 @@
             <a:pPr algn="l"/>
             <a:r>
               <a:rPr lang="en-US" dirty="0" smtClean="0"/>
-              <a:t>Archer v1</a:t>
+              <a:t>Static Analysis</a:t>
             </a:r>
             <a:br>
               <a:rPr lang="en-US" dirty="0" smtClean="0"/>
             </a:br>
             <a:r>
               <a:rPr lang="en-US" sz="2700" dirty="0" smtClean="0"/>
-              <a:t>Combining Static and Dynamic Analysis</a:t>
+              <a:t>Data Dependency Analysis</a:t>
             </a:r>
             <a:endParaRPr lang="en-US" sz="2700" dirty="0"/>
           </a:p>
         </p:txBody>
       </p:sp>
-      <p:pic>
-        <p:nvPicPr>
-          <p:cNvPr id="17" name="Picture 16" descr="archerdiagram.pdf"/>
-          <p:cNvPicPr>
-            <a:picLocks noChangeAspect="1"/>
-          </p:cNvPicPr>
-          <p:nvPr/>
-        </p:nvPicPr>
-        <p:blipFill>
-          <a:blip r:embed="rId3">
-            <a:extLst>
-              <a:ext uri="{28A0092B-C50C-407E-A947-70E740481C1C}">
-                <a14:useLocalDpi xmlns:a14="http://schemas.microsoft.com/office/drawing/2010/main" val="0"/>
-              </a:ext>
-            </a:extLst>
-          </a:blip>
-          <a:stretch>
-            <a:fillRect/>
-          </a:stretch>
-        </p:blipFill>
+      <p:sp>
+        <p:nvSpPr>
+          <p:cNvPr id="11" name="Content Placeholder 15"/>
+          <p:cNvSpPr>
+            <a:spLocks noGrp="1"/>
+          </p:cNvSpPr>
+          <p:nvPr>
+            <p:ph idx="1"/>
+          </p:nvPr>
+        </p:nvSpPr>
         <p:spPr>
           <a:xfrm>
-            <a:off x="457200" y="1611310"/>
-            <a:ext cx="8229600" cy="2307885"/>
+            <a:off x="457200" y="1608151"/>
+            <a:ext cx="8229600" cy="1539673"/>
+          </a:xfrm>
+        </p:spPr>
+        <p:txBody>
+          <a:bodyPr>
+            <a:noAutofit/>
+          </a:bodyPr>
+          <a:lstStyle/>
+          <a:p>
+            <a:r>
+              <a:rPr lang="en-US" sz="2800" dirty="0"/>
+              <a:t>Loop-carried data dependency </a:t>
+            </a:r>
+            <a:r>
+              <a:rPr lang="en-US" sz="2800" dirty="0" smtClean="0"/>
+              <a:t>analysis:</a:t>
+            </a:r>
+          </a:p>
+          <a:p>
+            <a:pPr lvl="1"/>
+            <a:r>
+              <a:rPr lang="en-US" sz="2400" dirty="0" smtClean="0"/>
+              <a:t>Parallel </a:t>
+            </a:r>
+            <a:r>
+              <a:rPr lang="en-US" sz="2400" dirty="0"/>
+              <a:t>for-loops with no dependencies are race </a:t>
+            </a:r>
+            <a:r>
+              <a:rPr lang="en-US" sz="2400" dirty="0" smtClean="0"/>
+              <a:t>free</a:t>
+            </a:r>
+          </a:p>
+          <a:p>
+            <a:pPr lvl="1"/>
+            <a:r>
+              <a:rPr lang="en-US" sz="2400" dirty="0" smtClean="0"/>
+              <a:t>Blacklisting these regions from runtime analysis</a:t>
+            </a:r>
+            <a:endParaRPr lang="en-US" sz="2400" dirty="0">
+              <a:effectLst/>
+            </a:endParaRPr>
+          </a:p>
+        </p:txBody>
+      </p:sp>
+      <p:sp>
+        <p:nvSpPr>
+          <p:cNvPr id="3" name="Rectangle 2"/>
+          <p:cNvSpPr/>
+          <p:nvPr/>
+        </p:nvSpPr>
+        <p:spPr>
+          <a:xfrm>
+            <a:off x="4479667" y="3290501"/>
+            <a:ext cx="184666" cy="276999"/>
           </a:xfrm>
           <a:prstGeom prst="rect">
             <a:avLst/>
           </a:prstGeom>
         </p:spPr>
-      </p:pic>
-      <p:sp>
-        <p:nvSpPr>
-          <p:cNvPr id="19" name="Content Placeholder 15"/>
-          <p:cNvSpPr>
-            <a:spLocks noGrp="1"/>
-          </p:cNvSpPr>
-          <p:nvPr>
-            <p:ph idx="1"/>
-          </p:nvPr>
+        <p:txBody>
+          <a:bodyPr wrap="none">
+            <a:spAutoFit/>
+          </a:bodyPr>
+          <a:lstStyle/>
+          <a:p>
+            <a:r>
+              <a:rPr lang="en-US" baseline="30000" dirty="0"/>
+              <a:t> </a:t>
+            </a:r>
+            <a:endParaRPr lang="en-US" dirty="0"/>
+          </a:p>
+        </p:txBody>
+      </p:sp>
+      <p:sp>
+        <p:nvSpPr>
+          <p:cNvPr id="6" name="Right Brace 5"/>
+          <p:cNvSpPr/>
+          <p:nvPr/>
         </p:nvSpPr>
         <p:spPr>
           <a:xfrm>
-            <a:off x="457200" y="3919195"/>
-            <a:ext cx="8229600" cy="2579102"/>
+            <a:off x="4563835" y="3419669"/>
+            <a:ext cx="256721" cy="1200329"/>
           </a:xfrm>
+          <a:prstGeom prst="rightBrace">
+            <a:avLst/>
+          </a:prstGeom>
+          <a:ln>
+            <a:solidFill>
+              <a:schemeClr val="tx1"/>
+            </a:solidFill>
+          </a:ln>
+          <a:effectLst/>
         </p:spPr>
-        <p:txBody>
-          <a:bodyPr>
-            <a:noAutofit/>
+        <p:style>
+          <a:lnRef idx="2">
+            <a:schemeClr val="accent1"/>
+          </a:lnRef>
+          <a:fillRef idx="0">
+            <a:schemeClr val="accent1"/>
+          </a:fillRef>
+          <a:effectRef idx="1">
+            <a:schemeClr val="accent1"/>
+          </a:effectRef>
+          <a:fontRef idx="minor">
+            <a:schemeClr val="tx1"/>
+          </a:fontRef>
+        </p:style>
+        <p:txBody>
+          <a:bodyPr rtlCol="0" anchor="ctr"/>
+          <a:lstStyle/>
+          <a:p>
+            <a:pPr algn="ctr"/>
+            <a:endParaRPr lang="en-US"/>
+          </a:p>
+        </p:txBody>
+      </p:sp>
+      <p:sp>
+        <p:nvSpPr>
+          <p:cNvPr id="9" name="Right Brace 8"/>
+          <p:cNvSpPr/>
+          <p:nvPr/>
+        </p:nvSpPr>
+        <p:spPr>
+          <a:xfrm>
+            <a:off x="4563835" y="4936660"/>
+            <a:ext cx="256721" cy="1200329"/>
+          </a:xfrm>
+          <a:prstGeom prst="rightBrace">
+            <a:avLst/>
+          </a:prstGeom>
+          <a:ln>
+            <a:solidFill>
+              <a:schemeClr val="tx1"/>
+            </a:solidFill>
+          </a:ln>
+          <a:effectLst/>
+        </p:spPr>
+        <p:style>
+          <a:lnRef idx="2">
+            <a:schemeClr val="accent1"/>
+          </a:lnRef>
+          <a:fillRef idx="0">
+            <a:schemeClr val="accent1"/>
+          </a:fillRef>
+          <a:effectRef idx="1">
+            <a:schemeClr val="accent1"/>
+          </a:effectRef>
+          <a:fontRef idx="minor">
+            <a:schemeClr val="tx1"/>
+          </a:fontRef>
+        </p:style>
+        <p:txBody>
+          <a:bodyPr rtlCol="0" anchor="ctr"/>
+          <a:lstStyle/>
+          <a:p>
+            <a:pPr algn="ctr"/>
+            <a:endParaRPr lang="en-US"/>
+          </a:p>
+        </p:txBody>
+      </p:sp>
+      <p:sp>
+        <p:nvSpPr>
+          <p:cNvPr id="8" name="TextBox 7"/>
+          <p:cNvSpPr txBox="1"/>
+          <p:nvPr/>
+        </p:nvSpPr>
+        <p:spPr>
+          <a:xfrm>
+            <a:off x="5201980" y="3689089"/>
+            <a:ext cx="3484820" cy="646331"/>
+          </a:xfrm>
+          <a:prstGeom prst="rect">
+            <a:avLst/>
+          </a:prstGeom>
+          <a:noFill/>
+        </p:spPr>
+        <p:txBody>
+          <a:bodyPr wrap="square" rtlCol="0">
+            <a:spAutoFit/>
           </a:bodyPr>
           <a:lstStyle/>
           <a:p>
             <a:r>
-              <a:rPr lang="en-US" sz="2400" dirty="0" err="1" smtClean="0"/>
-              <a:t>TSan</a:t>
-            </a:r>
-            <a:r>
-              <a:rPr lang="en-US" sz="2400" dirty="0" smtClean="0"/>
-              <a:t> </a:t>
-            </a:r>
-            <a:r>
-              <a:rPr lang="en-US" sz="2400" dirty="0" smtClean="0"/>
-              <a:t>data race runtime analysis</a:t>
-            </a:r>
-          </a:p>
-          <a:p>
-            <a:r>
-              <a:rPr lang="en-US" sz="2400" dirty="0" smtClean="0"/>
-              <a:t>Instrumented OpenMP runtime</a:t>
-            </a:r>
-          </a:p>
-          <a:p>
-            <a:pPr lvl="1"/>
-            <a:r>
-              <a:rPr lang="en-US" sz="2000" dirty="0" smtClean="0">
-                <a:effectLst/>
-              </a:rPr>
-              <a:t>Annotations mechanism to communicate </a:t>
-            </a:r>
-            <a:r>
-              <a:rPr lang="en-US" sz="2000" dirty="0" err="1" smtClean="0">
-                <a:effectLst/>
-              </a:rPr>
-              <a:t>TSan</a:t>
-            </a:r>
-            <a:r>
-              <a:rPr lang="en-US" sz="2000" dirty="0" smtClean="0">
-                <a:effectLst/>
-              </a:rPr>
-              <a:t> runtime about happens-before relations between threads</a:t>
-            </a:r>
-          </a:p>
-          <a:p>
-            <a:pPr lvl="1"/>
-            <a:r>
-              <a:rPr lang="en-US" sz="2000" dirty="0" smtClean="0"/>
-              <a:t>Unknown synchronization mechanism (i.e. barriers, </a:t>
-            </a:r>
-            <a:r>
-              <a:rPr lang="en-US" sz="2000" dirty="0" err="1" smtClean="0"/>
-              <a:t>criticals</a:t>
-            </a:r>
-            <a:r>
-              <a:rPr lang="en-US" sz="2000" dirty="0" smtClean="0"/>
-              <a:t>, etc</a:t>
-            </a:r>
-            <a:r>
-              <a:rPr lang="en-US" sz="2000" dirty="0"/>
-              <a:t>.</a:t>
-            </a:r>
-            <a:r>
-              <a:rPr lang="en-US" sz="2000" dirty="0" smtClean="0"/>
-              <a:t>)</a:t>
-            </a:r>
-            <a:endParaRPr lang="en-US" sz="2000" dirty="0">
-              <a:effectLst/>
-            </a:endParaRPr>
+              <a:rPr lang="en-US" dirty="0" smtClean="0"/>
+              <a:t>No data dependency, code can be excluded from runtime analysis</a:t>
+            </a:r>
+            <a:endParaRPr lang="en-US" dirty="0"/>
+          </a:p>
+        </p:txBody>
+      </p:sp>
+      <p:sp>
+        <p:nvSpPr>
+          <p:cNvPr id="12" name="TextBox 11"/>
+          <p:cNvSpPr txBox="1"/>
+          <p:nvPr/>
+        </p:nvSpPr>
+        <p:spPr>
+          <a:xfrm>
+            <a:off x="5201980" y="5070897"/>
+            <a:ext cx="3484820" cy="923330"/>
+          </a:xfrm>
+          <a:prstGeom prst="rect">
+            <a:avLst/>
+          </a:prstGeom>
+          <a:noFill/>
+        </p:spPr>
+        <p:txBody>
+          <a:bodyPr wrap="square" rtlCol="0">
+            <a:spAutoFit/>
+          </a:bodyPr>
+          <a:lstStyle/>
+          <a:p>
+            <a:r>
+              <a:rPr lang="en-US" dirty="0" smtClean="0"/>
+              <a:t>Data dependency on array access, potentially race therefore checked at runtime</a:t>
+            </a:r>
+            <a:endParaRPr lang="en-US" dirty="0"/>
+          </a:p>
+        </p:txBody>
+      </p:sp>
+      <p:sp>
+        <p:nvSpPr>
+          <p:cNvPr id="5" name="Slide Number Placeholder 4"/>
+          <p:cNvSpPr>
+            <a:spLocks noGrp="1"/>
+          </p:cNvSpPr>
+          <p:nvPr>
+            <p:ph type="sldNum" sz="quarter" idx="12"/>
+          </p:nvPr>
+        </p:nvSpPr>
+        <p:spPr/>
+        <p:txBody>
+          <a:bodyPr/>
+          <a:lstStyle/>
+          <a:p>
+            <a:fld id="{EA878592-B26F-C546-A6EA-1068590DD14F}" type="slidenum">
+              <a:rPr lang="en-US" smtClean="0"/>
+              <a:t>16</a:t>
+            </a:fld>
+            <a:endParaRPr lang="en-US"/>
           </a:p>
         </p:txBody>
       </p:sp>
     </p:spTree>
     <p:extLst>
       <p:ext uri="{BB962C8B-B14F-4D97-AF65-F5344CB8AC3E}">
-        <p14:creationId xmlns:p14="http://schemas.microsoft.com/office/powerpoint/2010/main" val="3598220810"/>
+        <p14:creationId xmlns:p14="http://schemas.microsoft.com/office/powerpoint/2010/main" val="1249774231"/>
       </p:ext>
     </p:extLst>
   </p:cSld>
@@ -6979,18 +7250,14 @@
             <a:pPr algn="l"/>
             <a:r>
               <a:rPr lang="en-US" dirty="0" smtClean="0"/>
-              <a:t>Example</a:t>
-            </a:r>
-            <a:r>
-              <a:rPr lang="en-US" dirty="0" smtClean="0"/>
-              <a:t/>
+              <a:t>Archer v1</a:t>
             </a:r>
             <a:br>
               <a:rPr lang="en-US" dirty="0" smtClean="0"/>
             </a:br>
             <a:r>
               <a:rPr lang="en-US" sz="2700" dirty="0" smtClean="0"/>
-              <a:t>Archer Static Analysis at Work</a:t>
+              <a:t>Combining Static and Dynamic Analysis</a:t>
             </a:r>
             <a:endParaRPr lang="en-US" sz="2700" dirty="0"/>
           </a:p>
@@ -6998,7 +7265,7 @@
       </p:sp>
       <p:pic>
         <p:nvPicPr>
-          <p:cNvPr id="5" name="Picture 4" descr="archer_code_example.pdf"/>
+          <p:cNvPr id="17" name="Picture 16" descr="archerdiagram.pdf"/>
           <p:cNvPicPr>
             <a:picLocks noChangeAspect="1"/>
           </p:cNvPicPr>
@@ -7018,18 +7285,120 @@
         </p:blipFill>
         <p:spPr>
           <a:xfrm>
-            <a:off x="545710" y="1600200"/>
-            <a:ext cx="5339059" cy="4962311"/>
+            <a:off x="457200" y="1611310"/>
+            <a:ext cx="8229600" cy="2307885"/>
           </a:xfrm>
           <a:prstGeom prst="rect">
             <a:avLst/>
           </a:prstGeom>
         </p:spPr>
       </p:pic>
+      <p:sp>
+        <p:nvSpPr>
+          <p:cNvPr id="19" name="Content Placeholder 15"/>
+          <p:cNvSpPr>
+            <a:spLocks noGrp="1"/>
+          </p:cNvSpPr>
+          <p:nvPr>
+            <p:ph idx="1"/>
+          </p:nvPr>
+        </p:nvSpPr>
+        <p:spPr>
+          <a:xfrm>
+            <a:off x="457200" y="3919195"/>
+            <a:ext cx="8229600" cy="2579102"/>
+          </a:xfrm>
+        </p:spPr>
+        <p:txBody>
+          <a:bodyPr>
+            <a:noAutofit/>
+          </a:bodyPr>
+          <a:lstStyle/>
+          <a:p>
+            <a:r>
+              <a:rPr lang="en-US" sz="2400" dirty="0"/>
+              <a:t>LLVM/Clang based </a:t>
+            </a:r>
+            <a:r>
+              <a:rPr lang="en-US" sz="2400" dirty="0" smtClean="0"/>
+              <a:t>tool</a:t>
+            </a:r>
+            <a:endParaRPr lang="en-US" sz="2400" dirty="0" smtClean="0">
+              <a:effectLst/>
+            </a:endParaRPr>
+          </a:p>
+          <a:p>
+            <a:r>
+              <a:rPr lang="en-US" sz="2400" dirty="0" smtClean="0">
+                <a:effectLst/>
+              </a:rPr>
+              <a:t>LLVM Passes </a:t>
+            </a:r>
+          </a:p>
+          <a:p>
+            <a:pPr lvl="1"/>
+            <a:r>
+              <a:rPr lang="en-US" sz="2000" dirty="0" smtClean="0"/>
+              <a:t>Sequential blacklisting</a:t>
+            </a:r>
+          </a:p>
+          <a:p>
+            <a:pPr lvl="1"/>
+            <a:r>
+              <a:rPr lang="en-US" sz="2000" dirty="0" smtClean="0"/>
+              <a:t>Polly + custom pass to identify OpenMP for-loops</a:t>
+            </a:r>
+          </a:p>
+          <a:p>
+            <a:r>
+              <a:rPr lang="en-US" sz="2400" dirty="0" smtClean="0"/>
+              <a:t>Custom </a:t>
+            </a:r>
+            <a:r>
+              <a:rPr lang="en-US" sz="2400" dirty="0" err="1" smtClean="0"/>
+              <a:t>TSan</a:t>
+            </a:r>
+            <a:r>
+              <a:rPr lang="en-US" sz="2400" dirty="0" smtClean="0"/>
+              <a:t> instrumentation process</a:t>
+            </a:r>
+          </a:p>
+          <a:p>
+            <a:pPr lvl="1"/>
+            <a:r>
+              <a:rPr lang="en-US" sz="2000" dirty="0" smtClean="0"/>
+              <a:t>Exploit static analysis result to exclude race free code from runtime analysis</a:t>
+            </a:r>
+          </a:p>
+        </p:txBody>
+      </p:sp>
+      <p:sp>
+        <p:nvSpPr>
+          <p:cNvPr id="3" name="Slide Number Placeholder 2"/>
+          <p:cNvSpPr>
+            <a:spLocks noGrp="1"/>
+          </p:cNvSpPr>
+          <p:nvPr>
+            <p:ph type="sldNum" sz="quarter" idx="12"/>
+          </p:nvPr>
+        </p:nvSpPr>
+        <p:spPr/>
+        <p:txBody>
+          <a:bodyPr/>
+          <a:lstStyle/>
+          <a:p>
+            <a:fld id="{EA878592-B26F-C546-A6EA-1068590DD14F}" type="slidenum">
+              <a:rPr lang="en-US" smtClean="0"/>
+              <a:t>17</a:t>
+            </a:fld>
+            <a:endParaRPr lang="en-US"/>
+          </a:p>
+        </p:txBody>
+      </p:sp>
     </p:spTree>
     <p:extLst>
       <p:ext uri="{BB962C8B-B14F-4D97-AF65-F5344CB8AC3E}">
-        <p14:creationId xmlns:p14="http://schemas.microsoft.com/office/powerpoint/2010/main" val="2920074292"/>
+        <p14:creationId xmlns:p14="http://schemas.microsoft.com/office/powerpoint/2010/main" val="1252320385"/>
       </p:ext>
     </p:extLst>
   </p:cSld>
@@ -7083,11 +7452,548 @@
             <a:pPr algn="l"/>
             <a:r>
               <a:rPr lang="en-US" dirty="0" smtClean="0"/>
+              <a:t>Archer v1</a:t>
+            </a:r>
+            <a:br>
+              <a:rPr lang="en-US" dirty="0" smtClean="0"/>
+            </a:br>
+            <a:r>
+              <a:rPr lang="en-US" sz="2700" dirty="0" smtClean="0"/>
+              <a:t>Combining Static and Dynamic Analysis</a:t>
+            </a:r>
+            <a:endParaRPr lang="en-US" sz="2700" dirty="0"/>
+          </a:p>
+        </p:txBody>
+      </p:sp>
+      <p:pic>
+        <p:nvPicPr>
+          <p:cNvPr id="17" name="Picture 16" descr="archerdiagram.pdf"/>
+          <p:cNvPicPr>
+            <a:picLocks noChangeAspect="1"/>
+          </p:cNvPicPr>
+          <p:nvPr/>
+        </p:nvPicPr>
+        <p:blipFill>
+          <a:blip r:embed="rId3">
+            <a:extLst>
+              <a:ext uri="{28A0092B-C50C-407E-A947-70E740481C1C}">
+                <a14:useLocalDpi xmlns:a14="http://schemas.microsoft.com/office/drawing/2010/main" val="0"/>
+              </a:ext>
+            </a:extLst>
+          </a:blip>
+          <a:stretch>
+            <a:fillRect/>
+          </a:stretch>
+        </p:blipFill>
+        <p:spPr>
+          <a:xfrm>
+            <a:off x="457200" y="1611310"/>
+            <a:ext cx="8229600" cy="2307885"/>
+          </a:xfrm>
+          <a:prstGeom prst="rect">
+            <a:avLst/>
+          </a:prstGeom>
+        </p:spPr>
+      </p:pic>
+      <p:sp>
+        <p:nvSpPr>
+          <p:cNvPr id="19" name="Content Placeholder 15"/>
+          <p:cNvSpPr>
+            <a:spLocks noGrp="1"/>
+          </p:cNvSpPr>
+          <p:nvPr>
+            <p:ph idx="1"/>
+          </p:nvPr>
+        </p:nvSpPr>
+        <p:spPr>
+          <a:xfrm>
+            <a:off x="457200" y="3919195"/>
+            <a:ext cx="8229600" cy="2579102"/>
+          </a:xfrm>
+        </p:spPr>
+        <p:txBody>
+          <a:bodyPr>
+            <a:noAutofit/>
+          </a:bodyPr>
+          <a:lstStyle/>
+          <a:p>
+            <a:r>
+              <a:rPr lang="en-US" sz="2800" dirty="0" err="1" smtClean="0"/>
+              <a:t>TSan</a:t>
+            </a:r>
+            <a:r>
+              <a:rPr lang="en-US" sz="2800" dirty="0" smtClean="0"/>
+              <a:t> data race runtime analysis</a:t>
+            </a:r>
+          </a:p>
+          <a:p>
+            <a:r>
+              <a:rPr lang="en-US" sz="2800" dirty="0" smtClean="0"/>
+              <a:t>Instrumented OpenMP runtime</a:t>
+            </a:r>
+          </a:p>
+          <a:p>
+            <a:pPr lvl="1"/>
+            <a:r>
+              <a:rPr lang="en-US" sz="2400" dirty="0" smtClean="0">
+                <a:effectLst/>
+              </a:rPr>
+              <a:t>Annotations mechanism to communicate </a:t>
+            </a:r>
+            <a:r>
+              <a:rPr lang="en-US" sz="2400" dirty="0" err="1" smtClean="0">
+                <a:effectLst/>
+              </a:rPr>
+              <a:t>TSan</a:t>
+            </a:r>
+            <a:r>
+              <a:rPr lang="en-US" sz="2400" dirty="0" smtClean="0">
+                <a:effectLst/>
+              </a:rPr>
+              <a:t> runtime about happens-before relations between threads</a:t>
+            </a:r>
+          </a:p>
+          <a:p>
+            <a:pPr lvl="1"/>
+            <a:r>
+              <a:rPr lang="en-US" sz="2400" dirty="0" smtClean="0"/>
+              <a:t>Unknown synchronization mechanism (i.e. barriers, </a:t>
+            </a:r>
+            <a:r>
+              <a:rPr lang="en-US" sz="2400" dirty="0" err="1" smtClean="0"/>
+              <a:t>criticals</a:t>
+            </a:r>
+            <a:r>
+              <a:rPr lang="en-US" sz="2400" dirty="0" smtClean="0"/>
+              <a:t>, etc</a:t>
+            </a:r>
+            <a:r>
+              <a:rPr lang="en-US" sz="2400" dirty="0"/>
+              <a:t>.</a:t>
+            </a:r>
+            <a:r>
+              <a:rPr lang="en-US" sz="2400" dirty="0" smtClean="0"/>
+              <a:t>)</a:t>
+            </a:r>
+            <a:endParaRPr lang="en-US" sz="2400" dirty="0">
+              <a:effectLst/>
+            </a:endParaRPr>
+          </a:p>
+        </p:txBody>
+      </p:sp>
+      <p:sp>
+        <p:nvSpPr>
+          <p:cNvPr id="3" name="Slide Number Placeholder 2"/>
+          <p:cNvSpPr>
+            <a:spLocks noGrp="1"/>
+          </p:cNvSpPr>
+          <p:nvPr>
+            <p:ph type="sldNum" sz="quarter" idx="12"/>
+          </p:nvPr>
+        </p:nvSpPr>
+        <p:spPr/>
+        <p:txBody>
+          <a:bodyPr/>
+          <a:lstStyle/>
+          <a:p>
+            <a:fld id="{EA878592-B26F-C546-A6EA-1068590DD14F}" type="slidenum">
+              <a:rPr lang="en-US" smtClean="0"/>
+              <a:t>18</a:t>
+            </a:fld>
+            <a:endParaRPr lang="en-US"/>
+          </a:p>
+        </p:txBody>
+      </p:sp>
+    </p:spTree>
+    <p:extLst>
+      <p:ext uri="{BB962C8B-B14F-4D97-AF65-F5344CB8AC3E}">
+        <p14:creationId xmlns:p14="http://schemas.microsoft.com/office/powerpoint/2010/main" val="3598220810"/>
+      </p:ext>
+    </p:extLst>
+  </p:cSld>
+  <p:clrMapOvr>
+    <a:masterClrMapping/>
+  </p:clrMapOvr>
+  <p:timing>
+    <p:tnLst>
+      <p:par>
+        <p:cTn xmlns:p14="http://schemas.microsoft.com/office/powerpoint/2010/main" id="1" dur="indefinite" restart="never" nodeType="tmRoot"/>
+      </p:par>
+    </p:tnLst>
+  </p:timing>
+</p:sld>
+</file>
+
+<file path=ppt/slides/slide19.xml><?xml version="1.0" encoding="utf-8"?>
+<p:sld xmlns:a="http://schemas.openxmlformats.org/drawingml/2006/main" xmlns:r="http://schemas.openxmlformats.org/officeDocument/2006/relationships" xmlns:p="http://schemas.openxmlformats.org/presentationml/2006/main">
+  <p:cSld>
+    <p:spTree>
+      <p:nvGrpSpPr>
+        <p:cNvPr id="1" name=""/>
+        <p:cNvGrpSpPr/>
+        <p:nvPr/>
+      </p:nvGrpSpPr>
+      <p:grpSpPr>
+        <a:xfrm>
+          <a:off x="0" y="0"/>
+          <a:ext cx="0" cy="0"/>
+          <a:chOff x="0" y="0"/>
+          <a:chExt cx="0" cy="0"/>
+        </a:xfrm>
+      </p:grpSpPr>
+      <p:sp>
+        <p:nvSpPr>
+          <p:cNvPr id="2" name="Title 1"/>
+          <p:cNvSpPr>
+            <a:spLocks noGrp="1"/>
+          </p:cNvSpPr>
+          <p:nvPr>
+            <p:ph type="title"/>
+          </p:nvPr>
+        </p:nvSpPr>
+        <p:spPr/>
+        <p:txBody>
+          <a:bodyPr>
+            <a:normAutofit fontScale="90000"/>
+          </a:bodyPr>
+          <a:lstStyle/>
+          <a:p>
+            <a:pPr algn="l"/>
+            <a:r>
+              <a:rPr lang="en-US" dirty="0" smtClean="0"/>
               <a:t>Example</a:t>
             </a:r>
-            <a:r>
+            <a:br>
               <a:rPr lang="en-US" dirty="0" smtClean="0"/>
+            </a:br>
+            <a:r>
+              <a:rPr lang="en-US" sz="2700" dirty="0" smtClean="0"/>
+              <a:t>Archer Static Analysis at Work</a:t>
+            </a:r>
+            <a:endParaRPr lang="en-US" sz="2700" dirty="0"/>
+          </a:p>
+        </p:txBody>
+      </p:sp>
+      <p:pic>
+        <p:nvPicPr>
+          <p:cNvPr id="5" name="Picture 4" descr="archer_code_example.pdf"/>
+          <p:cNvPicPr>
+            <a:picLocks noChangeAspect="1"/>
+          </p:cNvPicPr>
+          <p:nvPr/>
+        </p:nvPicPr>
+        <p:blipFill>
+          <a:blip r:embed="rId3">
+            <a:extLst>
+              <a:ext uri="{28A0092B-C50C-407E-A947-70E740481C1C}">
+                <a14:useLocalDpi xmlns:a14="http://schemas.microsoft.com/office/drawing/2010/main" val="0"/>
+              </a:ext>
+            </a:extLst>
+          </a:blip>
+          <a:stretch>
+            <a:fillRect/>
+          </a:stretch>
+        </p:blipFill>
+        <p:spPr>
+          <a:xfrm>
+            <a:off x="545710" y="1600200"/>
+            <a:ext cx="5339059" cy="4962311"/>
+          </a:xfrm>
+          <a:prstGeom prst="rect">
+            <a:avLst/>
+          </a:prstGeom>
+        </p:spPr>
+      </p:pic>
+      <p:sp>
+        <p:nvSpPr>
+          <p:cNvPr id="3" name="Slide Number Placeholder 2"/>
+          <p:cNvSpPr>
+            <a:spLocks noGrp="1"/>
+          </p:cNvSpPr>
+          <p:nvPr>
+            <p:ph type="sldNum" sz="quarter" idx="12"/>
+          </p:nvPr>
+        </p:nvSpPr>
+        <p:spPr/>
+        <p:txBody>
+          <a:bodyPr/>
+          <a:lstStyle/>
+          <a:p>
+            <a:fld id="{EA878592-B26F-C546-A6EA-1068590DD14F}" type="slidenum">
+              <a:rPr lang="en-US" smtClean="0"/>
+              <a:t>19</a:t>
+            </a:fld>
+            <a:endParaRPr lang="en-US"/>
+          </a:p>
+        </p:txBody>
+      </p:sp>
+    </p:spTree>
+    <p:extLst>
+      <p:ext uri="{BB962C8B-B14F-4D97-AF65-F5344CB8AC3E}">
+        <p14:creationId xmlns:p14="http://schemas.microsoft.com/office/powerpoint/2010/main" val="2920074292"/>
+      </p:ext>
+    </p:extLst>
+  </p:cSld>
+  <p:clrMapOvr>
+    <a:masterClrMapping/>
+  </p:clrMapOvr>
+  <p:timing>
+    <p:tnLst>
+      <p:par>
+        <p:cTn xmlns:p14="http://schemas.microsoft.com/office/powerpoint/2010/main" id="1" dur="indefinite" restart="never" nodeType="tmRoot"/>
+      </p:par>
+    </p:tnLst>
+  </p:timing>
+</p:sld>
+</file>
+
+<file path=ppt/slides/slide2.xml><?xml version="1.0" encoding="utf-8"?>
+<p:sld xmlns:a="http://schemas.openxmlformats.org/drawingml/2006/main" xmlns:r="http://schemas.openxmlformats.org/officeDocument/2006/relationships" xmlns:p="http://schemas.openxmlformats.org/presentationml/2006/main">
+  <p:cSld>
+    <p:spTree>
+      <p:nvGrpSpPr>
+        <p:cNvPr id="1" name=""/>
+        <p:cNvGrpSpPr/>
+        <p:nvPr/>
+      </p:nvGrpSpPr>
+      <p:grpSpPr>
+        <a:xfrm>
+          <a:off x="0" y="0"/>
+          <a:ext cx="0" cy="0"/>
+          <a:chOff x="0" y="0"/>
+          <a:chExt cx="0" cy="0"/>
+        </a:xfrm>
+      </p:grpSpPr>
+      <p:sp>
+        <p:nvSpPr>
+          <p:cNvPr id="2" name="Title 1"/>
+          <p:cNvSpPr>
+            <a:spLocks noGrp="1"/>
+          </p:cNvSpPr>
+          <p:nvPr>
+            <p:ph type="title"/>
+          </p:nvPr>
+        </p:nvSpPr>
+        <p:spPr/>
+        <p:txBody>
+          <a:bodyPr>
+            <a:normAutofit/>
+          </a:bodyPr>
+          <a:lstStyle/>
+          <a:p>
+            <a:pPr algn="l"/>
+            <a:r>
+              <a:rPr lang="en-US" dirty="0" smtClean="0">
+                <a:solidFill>
+                  <a:prstClr val="black"/>
+                </a:solidFill>
+              </a:rPr>
+              <a:t>Thesis Statement</a:t>
+            </a:r>
+            <a:r>
+              <a:rPr lang="en-US" dirty="0">
+                <a:solidFill>
+                  <a:prstClr val="black"/>
+                </a:solidFill>
+              </a:rPr>
               <a:t/>
+            </a:r>
+            <a:br>
+              <a:rPr lang="en-US" dirty="0">
+                <a:solidFill>
+                  <a:prstClr val="black"/>
+                </a:solidFill>
+              </a:rPr>
+            </a:br>
+            <a:r>
+              <a:rPr lang="en-US" sz="2400" dirty="0" smtClean="0">
+                <a:solidFill>
+                  <a:prstClr val="black"/>
+                </a:solidFill>
+                <a:latin typeface="Corbel"/>
+                <a:cs typeface="Corbel"/>
+              </a:rPr>
+              <a:t>Make race checking of large HPC application practical</a:t>
+            </a:r>
+            <a:endParaRPr lang="en-US" dirty="0"/>
+          </a:p>
+        </p:txBody>
+      </p:sp>
+      <p:sp>
+        <p:nvSpPr>
+          <p:cNvPr id="3" name="Content Placeholder 2"/>
+          <p:cNvSpPr>
+            <a:spLocks noGrp="1"/>
+          </p:cNvSpPr>
+          <p:nvPr>
+            <p:ph idx="1"/>
+          </p:nvPr>
+        </p:nvSpPr>
+        <p:spPr>
+          <a:xfrm>
+            <a:off x="457200" y="1600200"/>
+            <a:ext cx="8229600" cy="4756150"/>
+          </a:xfrm>
+        </p:spPr>
+        <p:txBody>
+          <a:bodyPr anchor="ctr">
+            <a:normAutofit/>
+          </a:bodyPr>
+          <a:lstStyle/>
+          <a:p>
+            <a:pPr marL="0" indent="0" algn="ctr">
+              <a:buNone/>
+            </a:pPr>
+            <a:r>
+              <a:rPr lang="en-US" dirty="0" smtClean="0"/>
+              <a:t>Combining the best of </a:t>
+            </a:r>
+            <a:r>
+              <a:rPr lang="en-US" b="1" dirty="0" smtClean="0"/>
+              <a:t>static</a:t>
+            </a:r>
+            <a:r>
+              <a:rPr lang="en-US" dirty="0" smtClean="0"/>
+              <a:t> and </a:t>
+            </a:r>
+            <a:r>
+              <a:rPr lang="en-US" b="1" dirty="0" smtClean="0"/>
+              <a:t>dynamic</a:t>
+            </a:r>
+            <a:r>
+              <a:rPr lang="en-US" dirty="0" smtClean="0"/>
+              <a:t> analysis techniques for </a:t>
+            </a:r>
+            <a:r>
+              <a:rPr lang="en-US" b="1" dirty="0" smtClean="0"/>
+              <a:t>data race detection </a:t>
+            </a:r>
+            <a:r>
+              <a:rPr lang="en-US" dirty="0" smtClean="0"/>
+              <a:t>and </a:t>
+            </a:r>
+            <a:r>
+              <a:rPr lang="en-US" i="1" dirty="0" smtClean="0"/>
+              <a:t>tailoring </a:t>
+            </a:r>
+            <a:r>
+              <a:rPr lang="en-US" i="1" dirty="0"/>
+              <a:t>the implementation to the actual concurrency structure of structured parallel languages such as </a:t>
+            </a:r>
+            <a:r>
+              <a:rPr lang="en-US" b="1" i="1" dirty="0"/>
+              <a:t>OpenMP</a:t>
+            </a:r>
+            <a:r>
+              <a:rPr lang="en-US" i="1" dirty="0"/>
+              <a:t>, we can </a:t>
+            </a:r>
+            <a:r>
+              <a:rPr lang="en-US" b="1" i="1" dirty="0"/>
+              <a:t>make data race checking</a:t>
+            </a:r>
+            <a:r>
+              <a:rPr lang="en-US" i="1" dirty="0"/>
+              <a:t> of </a:t>
+            </a:r>
+            <a:r>
+              <a:rPr lang="en-US" b="1" i="1" dirty="0"/>
+              <a:t>HPC</a:t>
+            </a:r>
+            <a:r>
+              <a:rPr lang="en-US" i="1" dirty="0"/>
+              <a:t> applications </a:t>
+            </a:r>
+            <a:r>
+              <a:rPr lang="en-US" b="1" i="1" dirty="0"/>
+              <a:t>practical</a:t>
+            </a:r>
+            <a:r>
+              <a:rPr lang="en-US" i="1" dirty="0"/>
+              <a:t>. </a:t>
+            </a:r>
+            <a:endParaRPr lang="en-US" dirty="0"/>
+          </a:p>
+          <a:p>
+            <a:pPr algn="ctr"/>
+            <a:endParaRPr lang="en-US" dirty="0"/>
+          </a:p>
+        </p:txBody>
+      </p:sp>
+      <p:sp>
+        <p:nvSpPr>
+          <p:cNvPr id="4" name="Slide Number Placeholder 3"/>
+          <p:cNvSpPr>
+            <a:spLocks noGrp="1"/>
+          </p:cNvSpPr>
+          <p:nvPr>
+            <p:ph type="sldNum" sz="quarter" idx="12"/>
+          </p:nvPr>
+        </p:nvSpPr>
+        <p:spPr/>
+        <p:txBody>
+          <a:bodyPr/>
+          <a:lstStyle/>
+          <a:p>
+            <a:fld id="{EA878592-B26F-C546-A6EA-1068590DD14F}" type="slidenum">
+              <a:rPr lang="en-US" smtClean="0"/>
+              <a:t>2</a:t>
+            </a:fld>
+            <a:endParaRPr lang="en-US"/>
+          </a:p>
+        </p:txBody>
+      </p:sp>
+    </p:spTree>
+    <p:extLst>
+      <p:ext uri="{BB962C8B-B14F-4D97-AF65-F5344CB8AC3E}">
+        <p14:creationId xmlns:p14="http://schemas.microsoft.com/office/powerpoint/2010/main" val="504257583"/>
+      </p:ext>
+    </p:extLst>
+  </p:cSld>
+  <p:clrMapOvr>
+    <a:masterClrMapping/>
+  </p:clrMapOvr>
+</p:sld>
+</file>
+
+<file path=ppt/slides/slide20.xml><?xml version="1.0" encoding="utf-8"?>
+<p:sld xmlns:a="http://schemas.openxmlformats.org/drawingml/2006/main" xmlns:r="http://schemas.openxmlformats.org/officeDocument/2006/relationships" xmlns:p="http://schemas.openxmlformats.org/presentationml/2006/main">
+  <p:cSld>
+    <p:spTree>
+      <p:nvGrpSpPr>
+        <p:cNvPr id="1" name=""/>
+        <p:cNvGrpSpPr/>
+        <p:nvPr/>
+      </p:nvGrpSpPr>
+      <p:grpSpPr>
+        <a:xfrm>
+          <a:off x="0" y="0"/>
+          <a:ext cx="0" cy="0"/>
+          <a:chOff x="0" y="0"/>
+          <a:chExt cx="0" cy="0"/>
+        </a:xfrm>
+      </p:grpSpPr>
+      <p:sp>
+        <p:nvSpPr>
+          <p:cNvPr id="2" name="Title 1"/>
+          <p:cNvSpPr>
+            <a:spLocks noGrp="1"/>
+          </p:cNvSpPr>
+          <p:nvPr>
+            <p:ph type="title"/>
+          </p:nvPr>
+        </p:nvSpPr>
+        <p:spPr/>
+        <p:txBody>
+          <a:bodyPr>
+            <a:normAutofit fontScale="90000"/>
+          </a:bodyPr>
+          <a:lstStyle/>
+          <a:p>
+            <a:pPr algn="l"/>
+            <a:r>
+              <a:rPr lang="en-US" dirty="0" smtClean="0"/>
+              <a:t>Example</a:t>
             </a:r>
             <a:br>
               <a:rPr lang="en-US" dirty="0" smtClean="0"/>
@@ -8480,6 +9386,29 @@
           </a:fontRef>
         </p:style>
       </p:cxnSp>
+      <p:sp>
+        <p:nvSpPr>
+          <p:cNvPr id="3" name="Slide Number Placeholder 2"/>
+          <p:cNvSpPr>
+            <a:spLocks noGrp="1"/>
+          </p:cNvSpPr>
+          <p:nvPr>
+            <p:ph type="sldNum" sz="quarter" idx="12"/>
+          </p:nvPr>
+        </p:nvSpPr>
+        <p:spPr/>
+        <p:txBody>
+          <a:bodyPr/>
+          <a:lstStyle/>
+          <a:p>
+            <a:fld id="{EA878592-B26F-C546-A6EA-1068590DD14F}" type="slidenum">
+              <a:rPr lang="en-US" smtClean="0"/>
+              <a:t>20</a:t>
+            </a:fld>
+            <a:endParaRPr lang="en-US"/>
+          </a:p>
+        </p:txBody>
+      </p:sp>
     </p:spTree>
     <p:extLst>
       <p:ext uri="{BB962C8B-B14F-4D97-AF65-F5344CB8AC3E}">
@@ -8500,7 +9429,7 @@
 </p:sld>
 </file>
 
-<file path=ppt/slides/slide19.xml><?xml version="1.0" encoding="utf-8"?>
+<file path=ppt/slides/slide21.xml><?xml version="1.0" encoding="utf-8"?>
 <p:sld xmlns:a="http://schemas.openxmlformats.org/drawingml/2006/main" xmlns:r="http://schemas.openxmlformats.org/officeDocument/2006/relationships" xmlns:p="http://schemas.openxmlformats.org/presentationml/2006/main">
   <p:cSld>
     <p:spTree>
@@ -8611,18 +9540,24 @@
           </a:p>
           <a:p>
             <a:r>
+              <a:rPr lang="en-US" sz="2400" dirty="0"/>
+              <a:t>25% speedup while maintaining same or better precision and accuracy than other tools (</a:t>
+            </a:r>
+            <a:r>
+              <a:rPr lang="en-US" sz="2400" dirty="0" err="1"/>
+              <a:t>OmpSCR</a:t>
+            </a:r>
+            <a:r>
+              <a:rPr lang="en-US" sz="2400" dirty="0"/>
+              <a:t> and AMG benchmarks)</a:t>
+            </a:r>
+          </a:p>
+          <a:p>
+            <a:r>
               <a:rPr lang="en-US" sz="2400" dirty="0" smtClean="0">
                 <a:effectLst/>
               </a:rPr>
-              <a:t>Experimental results show on average 25% reduction of runtime overhead</a:t>
-            </a:r>
-          </a:p>
-          <a:p>
-            <a:r>
-              <a:rPr lang="en-US" sz="2400" dirty="0" smtClean="0">
-                <a:effectLst/>
-              </a:rPr>
-              <a:t>First usage by HPC community</a:t>
+              <a:t>Used by HPC community</a:t>
             </a:r>
           </a:p>
           <a:p>
@@ -8660,14 +9595,37 @@
         </p:blipFill>
         <p:spPr>
           <a:xfrm>
-            <a:off x="5582953" y="4957166"/>
-            <a:ext cx="3103848" cy="1541132"/>
+            <a:off x="5847546" y="5327630"/>
+            <a:ext cx="2357730" cy="1170667"/>
           </a:xfrm>
           <a:prstGeom prst="rect">
             <a:avLst/>
           </a:prstGeom>
         </p:spPr>
       </p:pic>
+      <p:sp>
+        <p:nvSpPr>
+          <p:cNvPr id="4" name="Slide Number Placeholder 3"/>
+          <p:cNvSpPr>
+            <a:spLocks noGrp="1"/>
+          </p:cNvSpPr>
+          <p:nvPr>
+            <p:ph type="sldNum" sz="quarter" idx="12"/>
+          </p:nvPr>
+        </p:nvSpPr>
+        <p:spPr/>
+        <p:txBody>
+          <a:bodyPr/>
+          <a:lstStyle/>
+          <a:p>
+            <a:fld id="{EA878592-B26F-C546-A6EA-1068590DD14F}" type="slidenum">
+              <a:rPr lang="en-US" smtClean="0"/>
+              <a:t>21</a:t>
+            </a:fld>
+            <a:endParaRPr lang="en-US"/>
+          </a:p>
+        </p:txBody>
+      </p:sp>
     </p:spTree>
     <p:extLst>
       <p:ext uri="{BB962C8B-B14F-4D97-AF65-F5344CB8AC3E}">
@@ -8688,7 +9646,7 @@
 </p:sld>
 </file>
 
-<file path=ppt/slides/slide2.xml><?xml version="1.0" encoding="utf-8"?>
+<file path=ppt/slides/slide22.xml><?xml version="1.0" encoding="utf-8"?>
 <p:sld xmlns:a="http://schemas.openxmlformats.org/drawingml/2006/main" xmlns:r="http://schemas.openxmlformats.org/officeDocument/2006/relationships" xmlns:p="http://schemas.openxmlformats.org/presentationml/2006/main">
   <p:cSld>
     <p:spTree>
@@ -8705,6 +9663,36 @@
           <a:chExt cx="0" cy="0"/>
         </a:xfrm>
       </p:grpSpPr>
+      <p:pic>
+        <p:nvPicPr>
+          <p:cNvPr id="6" name="Picture 5" descr="example01.pdf"/>
+          <p:cNvPicPr>
+            <a:picLocks noChangeAspect="1"/>
+          </p:cNvPicPr>
+          <p:nvPr/>
+        </p:nvPicPr>
+        <p:blipFill>
+          <a:blip r:embed="rId3">
+            <a:extLst>
+              <a:ext uri="{28A0092B-C50C-407E-A947-70E740481C1C}">
+                <a14:useLocalDpi xmlns:a14="http://schemas.microsoft.com/office/drawing/2010/main" val="0"/>
+              </a:ext>
+            </a:extLst>
+          </a:blip>
+          <a:stretch>
+            <a:fillRect/>
+          </a:stretch>
+        </p:blipFill>
+        <p:spPr>
+          <a:xfrm>
+            <a:off x="5619218" y="1417638"/>
+            <a:ext cx="3524782" cy="5257800"/>
+          </a:xfrm>
+          <a:prstGeom prst="rect">
+            <a:avLst/>
+          </a:prstGeom>
+        </p:spPr>
+      </p:pic>
       <p:sp>
         <p:nvSpPr>
           <p:cNvPr id="2" name="Title 1"/>
@@ -8713,6 +9701,195 @@
           </p:cNvSpPr>
           <p:nvPr>
             <p:ph type="title"/>
+          </p:nvPr>
+        </p:nvSpPr>
+        <p:spPr/>
+        <p:txBody>
+          <a:bodyPr>
+            <a:normAutofit fontScale="90000"/>
+          </a:bodyPr>
+          <a:lstStyle/>
+          <a:p>
+            <a:pPr algn="l"/>
+            <a:r>
+              <a:rPr lang="en-US" dirty="0" smtClean="0"/>
+              <a:t>Clock-less runtime algorithm</a:t>
+            </a:r>
+            <a:br>
+              <a:rPr lang="en-US" dirty="0" smtClean="0"/>
+            </a:br>
+            <a:r>
+              <a:rPr lang="en-US" sz="2700" dirty="0" smtClean="0"/>
+              <a:t>Exploit structured OpenMP parallelism</a:t>
+            </a:r>
+            <a:endParaRPr lang="en-US" sz="2700" dirty="0"/>
+          </a:p>
+        </p:txBody>
+      </p:sp>
+      <p:sp>
+        <p:nvSpPr>
+          <p:cNvPr id="4" name="Content Placeholder 3"/>
+          <p:cNvSpPr>
+            <a:spLocks noGrp="1"/>
+          </p:cNvSpPr>
+          <p:nvPr>
+            <p:ph idx="1"/>
+          </p:nvPr>
+        </p:nvSpPr>
+        <p:spPr>
+          <a:xfrm>
+            <a:off x="457201" y="1600200"/>
+            <a:ext cx="5363914" cy="4525963"/>
+          </a:xfrm>
+        </p:spPr>
+        <p:txBody>
+          <a:bodyPr>
+            <a:normAutofit fontScale="92500" lnSpcReduction="20000"/>
+          </a:bodyPr>
+          <a:lstStyle/>
+          <a:p>
+            <a:r>
+              <a:rPr lang="en-US" dirty="0" smtClean="0"/>
+              <a:t>OpenMP concurrency model</a:t>
+            </a:r>
+          </a:p>
+          <a:p>
+            <a:pPr lvl="1"/>
+            <a:r>
+              <a:rPr lang="en-US" dirty="0" smtClean="0"/>
+              <a:t>Race within parallel region    (e.g. 3 and 4)</a:t>
+            </a:r>
+          </a:p>
+          <a:p>
+            <a:pPr lvl="1"/>
+            <a:r>
+              <a:rPr lang="en-US" dirty="0" smtClean="0"/>
+              <a:t>Race across parallel regions   (e.g. 8 and 5)</a:t>
+            </a:r>
+          </a:p>
+          <a:p>
+            <a:pPr lvl="1"/>
+            <a:r>
+              <a:rPr lang="en-US" dirty="0" smtClean="0"/>
+              <a:t>No race between threads that belong to consequent parallel regions (e.g. 3 and 9)</a:t>
+            </a:r>
+          </a:p>
+          <a:p>
+            <a:r>
+              <a:rPr lang="en-US" dirty="0" smtClean="0"/>
+              <a:t>Labeling approach</a:t>
+            </a:r>
+          </a:p>
+          <a:p>
+            <a:r>
+              <a:rPr lang="en-US" dirty="0" smtClean="0"/>
+              <a:t>Limit data race checking only to concurrent threads</a:t>
+            </a:r>
+            <a:endParaRPr lang="en-US" dirty="0"/>
+          </a:p>
+        </p:txBody>
+      </p:sp>
+      <p:sp>
+        <p:nvSpPr>
+          <p:cNvPr id="3" name="Slide Number Placeholder 2"/>
+          <p:cNvSpPr>
+            <a:spLocks noGrp="1"/>
+          </p:cNvSpPr>
+          <p:nvPr>
+            <p:ph type="sldNum" sz="quarter" idx="12"/>
+          </p:nvPr>
+        </p:nvSpPr>
+        <p:spPr/>
+        <p:txBody>
+          <a:bodyPr/>
+          <a:lstStyle/>
+          <a:p>
+            <a:fld id="{EA878592-B26F-C546-A6EA-1068590DD14F}" type="slidenum">
+              <a:rPr lang="en-US" smtClean="0"/>
+              <a:t>22</a:t>
+            </a:fld>
+            <a:endParaRPr lang="en-US"/>
+          </a:p>
+        </p:txBody>
+      </p:sp>
+    </p:spTree>
+    <p:extLst>
+      <p:ext uri="{BB962C8B-B14F-4D97-AF65-F5344CB8AC3E}">
+        <p14:creationId xmlns:p14="http://schemas.microsoft.com/office/powerpoint/2010/main" val="2799422406"/>
+      </p:ext>
+    </p:extLst>
+  </p:cSld>
+  <p:clrMapOvr>
+    <a:masterClrMapping/>
+  </p:clrMapOvr>
+  <p:timing>
+    <p:tnLst>
+      <p:par>
+        <p:cTn xmlns:p14="http://schemas.microsoft.com/office/powerpoint/2010/main" id="1" dur="indefinite" restart="never" nodeType="tmRoot"/>
+      </p:par>
+    </p:tnLst>
+  </p:timing>
+</p:sld>
+</file>
+
+<file path=ppt/slides/slide23.xml><?xml version="1.0" encoding="utf-8"?>
+<p:sld xmlns:a="http://schemas.openxmlformats.org/drawingml/2006/main" xmlns:r="http://schemas.openxmlformats.org/officeDocument/2006/relationships" xmlns:p="http://schemas.openxmlformats.org/presentationml/2006/main">
+  <p:cSld>
+    <p:spTree>
+      <p:nvGrpSpPr>
+        <p:cNvPr id="1" name=""/>
+        <p:cNvGrpSpPr/>
+        <p:nvPr/>
+      </p:nvGrpSpPr>
+      <p:grpSpPr>
+        <a:xfrm>
+          <a:off x="0" y="0"/>
+          <a:ext cx="0" cy="0"/>
+          <a:chOff x="0" y="0"/>
+          <a:chExt cx="0" cy="0"/>
+        </a:xfrm>
+      </p:grpSpPr>
+      <p:sp>
+        <p:nvSpPr>
+          <p:cNvPr id="2" name="Title 1"/>
+          <p:cNvSpPr>
+            <a:spLocks noGrp="1"/>
+          </p:cNvSpPr>
+          <p:nvPr>
+            <p:ph type="title"/>
+          </p:nvPr>
+        </p:nvSpPr>
+        <p:spPr/>
+        <p:txBody>
+          <a:bodyPr>
+            <a:normAutofit fontScale="90000"/>
+          </a:bodyPr>
+          <a:lstStyle/>
+          <a:p>
+            <a:pPr algn="l"/>
+            <a:r>
+              <a:rPr lang="en-US" dirty="0" smtClean="0"/>
+              <a:t>Clock-less runtime algorithm</a:t>
+            </a:r>
+            <a:br>
+              <a:rPr lang="en-US" dirty="0" smtClean="0"/>
+            </a:br>
+            <a:r>
+              <a:rPr lang="en-US" sz="2700" dirty="0" smtClean="0"/>
+              <a:t>OpenMP Formal Concurrency Model</a:t>
+            </a:r>
+            <a:endParaRPr lang="en-US" sz="2700" dirty="0"/>
+          </a:p>
+        </p:txBody>
+      </p:sp>
+      <p:sp>
+        <p:nvSpPr>
+          <p:cNvPr id="4" name="Content Placeholder 3"/>
+          <p:cNvSpPr>
+            <a:spLocks noGrp="1"/>
+          </p:cNvSpPr>
+          <p:nvPr>
+            <p:ph idx="1"/>
           </p:nvPr>
         </p:nvSpPr>
         <p:spPr/>
@@ -8722,14 +9899,916 @@
           </a:bodyPr>
           <a:lstStyle/>
           <a:p>
+            <a:r>
+              <a:rPr lang="en-US" sz="3600" dirty="0" smtClean="0"/>
+              <a:t>Definition of OpenMP concurrency structure</a:t>
+            </a:r>
+          </a:p>
+          <a:p>
+            <a:pPr lvl="1"/>
+            <a:r>
+              <a:rPr lang="en-US" sz="3200" dirty="0" smtClean="0"/>
+              <a:t>State machine and a set of transition rules</a:t>
+            </a:r>
+          </a:p>
+          <a:p>
+            <a:pPr lvl="1"/>
+            <a:r>
+              <a:rPr lang="en-US" sz="3200" dirty="0" smtClean="0"/>
+              <a:t>Rules model the behavior of the OpenMP constructs (e.g. parallel begin and end, barriers, critical sections, loads/stores, etc.)</a:t>
+            </a:r>
+          </a:p>
+          <a:p>
+            <a:pPr lvl="1"/>
+            <a:r>
+              <a:rPr lang="en-US" sz="3200" dirty="0" smtClean="0"/>
+              <a:t>“</a:t>
+            </a:r>
+            <a:r>
+              <a:rPr lang="en-US" sz="3200" dirty="0" err="1" smtClean="0"/>
+              <a:t>RaceCheck</a:t>
+            </a:r>
+            <a:r>
+              <a:rPr lang="en-US" sz="3200" dirty="0" smtClean="0"/>
+              <a:t>” rule can fire anytime during the state machine execution</a:t>
+            </a:r>
+            <a:endParaRPr lang="en-US" sz="3600" dirty="0"/>
+          </a:p>
+        </p:txBody>
+      </p:sp>
+      <p:sp>
+        <p:nvSpPr>
+          <p:cNvPr id="3" name="Slide Number Placeholder 2"/>
+          <p:cNvSpPr>
+            <a:spLocks noGrp="1"/>
+          </p:cNvSpPr>
+          <p:nvPr>
+            <p:ph type="sldNum" sz="quarter" idx="12"/>
+          </p:nvPr>
+        </p:nvSpPr>
+        <p:spPr/>
+        <p:txBody>
+          <a:bodyPr/>
+          <a:lstStyle/>
+          <a:p>
+            <a:fld id="{EA878592-B26F-C546-A6EA-1068590DD14F}" type="slidenum">
+              <a:rPr lang="en-US" smtClean="0"/>
+              <a:t>23</a:t>
+            </a:fld>
+            <a:endParaRPr lang="en-US"/>
+          </a:p>
+        </p:txBody>
+      </p:sp>
+    </p:spTree>
+    <p:extLst>
+      <p:ext uri="{BB962C8B-B14F-4D97-AF65-F5344CB8AC3E}">
+        <p14:creationId xmlns:p14="http://schemas.microsoft.com/office/powerpoint/2010/main" val="4066550527"/>
+      </p:ext>
+    </p:extLst>
+  </p:cSld>
+  <p:clrMapOvr>
+    <a:masterClrMapping/>
+  </p:clrMapOvr>
+  <p:timing>
+    <p:tnLst>
+      <p:par>
+        <p:cTn xmlns:p14="http://schemas.microsoft.com/office/powerpoint/2010/main" id="1" dur="indefinite" restart="never" nodeType="tmRoot"/>
+      </p:par>
+    </p:tnLst>
+  </p:timing>
+</p:sld>
+</file>
+
+<file path=ppt/slides/slide24.xml><?xml version="1.0" encoding="utf-8"?>
+<p:sld xmlns:a="http://schemas.openxmlformats.org/drawingml/2006/main" xmlns:r="http://schemas.openxmlformats.org/officeDocument/2006/relationships" xmlns:p="http://schemas.openxmlformats.org/presentationml/2006/main">
+  <p:cSld>
+    <p:spTree>
+      <p:nvGrpSpPr>
+        <p:cNvPr id="1" name=""/>
+        <p:cNvGrpSpPr/>
+        <p:nvPr/>
+      </p:nvGrpSpPr>
+      <p:grpSpPr>
+        <a:xfrm>
+          <a:off x="0" y="0"/>
+          <a:ext cx="0" cy="0"/>
+          <a:chOff x="0" y="0"/>
+          <a:chExt cx="0" cy="0"/>
+        </a:xfrm>
+      </p:grpSpPr>
+      <p:sp>
+        <p:nvSpPr>
+          <p:cNvPr id="2" name="Title 1"/>
+          <p:cNvSpPr>
+            <a:spLocks noGrp="1"/>
+          </p:cNvSpPr>
+          <p:nvPr>
+            <p:ph type="title"/>
+          </p:nvPr>
+        </p:nvSpPr>
+        <p:spPr/>
+        <p:txBody>
+          <a:bodyPr>
+            <a:normAutofit fontScale="90000"/>
+          </a:bodyPr>
+          <a:lstStyle/>
+          <a:p>
+            <a:pPr algn="l"/>
+            <a:r>
+              <a:rPr lang="en-US" dirty="0" smtClean="0"/>
+              <a:t>Clock-less runtime algorithm</a:t>
+            </a:r>
+            <a:br>
+              <a:rPr lang="en-US" dirty="0" smtClean="0"/>
+            </a:br>
+            <a:r>
+              <a:rPr lang="en-US" sz="2700" dirty="0" smtClean="0"/>
+              <a:t>Implementation as Approximation of the State Machine</a:t>
+            </a:r>
+            <a:endParaRPr lang="en-US" sz="2700" dirty="0"/>
+          </a:p>
+        </p:txBody>
+      </p:sp>
+      <p:sp>
+        <p:nvSpPr>
+          <p:cNvPr id="4" name="Content Placeholder 3"/>
+          <p:cNvSpPr>
+            <a:spLocks noGrp="1"/>
+          </p:cNvSpPr>
+          <p:nvPr>
+            <p:ph idx="1"/>
+          </p:nvPr>
+        </p:nvSpPr>
+        <p:spPr/>
+        <p:txBody>
+          <a:bodyPr/>
+          <a:lstStyle/>
+          <a:p>
+            <a:r>
+              <a:rPr lang="en-US" dirty="0" smtClean="0"/>
+              <a:t>Corner cases in OpenMP data race checking</a:t>
+            </a:r>
+          </a:p>
+          <a:p>
+            <a:r>
+              <a:rPr lang="en-US" dirty="0" smtClean="0"/>
+              <a:t>Lock-free data structure to model the concurrency structure of a parallel region</a:t>
+            </a:r>
+          </a:p>
+          <a:p>
+            <a:r>
+              <a:rPr lang="en-US" dirty="0" smtClean="0"/>
+              <a:t>Store a representative set of memory accesses (e.g. sampling, etc.)</a:t>
+            </a:r>
+          </a:p>
+          <a:p>
+            <a:r>
+              <a:rPr lang="en-US" dirty="0" smtClean="0"/>
+              <a:t>Perform race checking at barrier checkpoints</a:t>
+            </a:r>
+          </a:p>
+          <a:p>
+            <a:r>
+              <a:rPr lang="en-US" dirty="0" smtClean="0"/>
+              <a:t>Implementation based on OpenMP Tools API (OMPT)</a:t>
+            </a:r>
+            <a:endParaRPr lang="en-US" dirty="0"/>
+          </a:p>
+        </p:txBody>
+      </p:sp>
+      <p:sp>
+        <p:nvSpPr>
+          <p:cNvPr id="3" name="Slide Number Placeholder 2"/>
+          <p:cNvSpPr>
+            <a:spLocks noGrp="1"/>
+          </p:cNvSpPr>
+          <p:nvPr>
+            <p:ph type="sldNum" sz="quarter" idx="12"/>
+          </p:nvPr>
+        </p:nvSpPr>
+        <p:spPr/>
+        <p:txBody>
+          <a:bodyPr/>
+          <a:lstStyle/>
+          <a:p>
+            <a:fld id="{EA878592-B26F-C546-A6EA-1068590DD14F}" type="slidenum">
+              <a:rPr lang="en-US" smtClean="0"/>
+              <a:t>24</a:t>
+            </a:fld>
+            <a:endParaRPr lang="en-US"/>
+          </a:p>
+        </p:txBody>
+      </p:sp>
+    </p:spTree>
+    <p:extLst>
+      <p:ext uri="{BB962C8B-B14F-4D97-AF65-F5344CB8AC3E}">
+        <p14:creationId xmlns:p14="http://schemas.microsoft.com/office/powerpoint/2010/main" val="4066550527"/>
+      </p:ext>
+    </p:extLst>
+  </p:cSld>
+  <p:clrMapOvr>
+    <a:masterClrMapping/>
+  </p:clrMapOvr>
+  <p:timing>
+    <p:tnLst>
+      <p:par>
+        <p:cTn xmlns:p14="http://schemas.microsoft.com/office/powerpoint/2010/main" id="1" dur="indefinite" restart="never" nodeType="tmRoot"/>
+      </p:par>
+    </p:tnLst>
+  </p:timing>
+</p:sld>
+</file>
+
+<file path=ppt/slides/slide25.xml><?xml version="1.0" encoding="utf-8"?>
+<p:sld xmlns:a="http://schemas.openxmlformats.org/drawingml/2006/main" xmlns:r="http://schemas.openxmlformats.org/officeDocument/2006/relationships" xmlns:p="http://schemas.openxmlformats.org/presentationml/2006/main">
+  <p:cSld>
+    <p:spTree>
+      <p:nvGrpSpPr>
+        <p:cNvPr id="1" name=""/>
+        <p:cNvGrpSpPr/>
+        <p:nvPr/>
+      </p:nvGrpSpPr>
+      <p:grpSpPr>
+        <a:xfrm>
+          <a:off x="0" y="0"/>
+          <a:ext cx="0" cy="0"/>
+          <a:chOff x="0" y="0"/>
+          <a:chExt cx="0" cy="0"/>
+        </a:xfrm>
+      </p:grpSpPr>
+      <p:sp>
+        <p:nvSpPr>
+          <p:cNvPr id="2" name="Title 1"/>
+          <p:cNvSpPr>
+            <a:spLocks noGrp="1"/>
+          </p:cNvSpPr>
+          <p:nvPr>
+            <p:ph type="title"/>
+          </p:nvPr>
+        </p:nvSpPr>
+        <p:spPr/>
+        <p:txBody>
+          <a:bodyPr>
+            <a:normAutofit fontScale="90000"/>
+          </a:bodyPr>
+          <a:lstStyle/>
+          <a:p>
+            <a:pPr algn="l"/>
+            <a:r>
+              <a:rPr lang="en-US" dirty="0" smtClean="0">
+                <a:solidFill>
+                  <a:prstClr val="black"/>
+                </a:solidFill>
+              </a:rPr>
+              <a:t>Timeline</a:t>
+            </a:r>
+            <a:br>
+              <a:rPr lang="en-US" dirty="0" smtClean="0">
+                <a:solidFill>
+                  <a:prstClr val="black"/>
+                </a:solidFill>
+              </a:rPr>
+            </a:br>
+            <a:r>
+              <a:rPr lang="en-US" sz="2700" dirty="0" smtClean="0">
+                <a:solidFill>
+                  <a:prstClr val="black"/>
+                </a:solidFill>
+              </a:rPr>
+              <a:t>Past and future publications</a:t>
+            </a:r>
+            <a:endParaRPr lang="en-US" dirty="0"/>
+          </a:p>
+        </p:txBody>
+      </p:sp>
+      <p:sp>
+        <p:nvSpPr>
+          <p:cNvPr id="3" name="Content Placeholder 2"/>
+          <p:cNvSpPr>
+            <a:spLocks noGrp="1"/>
+          </p:cNvSpPr>
+          <p:nvPr>
+            <p:ph idx="1"/>
+          </p:nvPr>
+        </p:nvSpPr>
+        <p:spPr/>
+        <p:txBody>
+          <a:bodyPr>
+            <a:normAutofit/>
+          </a:bodyPr>
+          <a:lstStyle/>
+          <a:p>
+            <a:r>
+              <a:rPr lang="en-US" sz="3000" dirty="0" smtClean="0"/>
+              <a:t>Feasibility of combining static and dynamic analysis for OpenMP data race detection    [LLVM-HPC WS/SC’14]</a:t>
+            </a:r>
+          </a:p>
+          <a:p>
+            <a:r>
+              <a:rPr lang="en-US" sz="3000" dirty="0" smtClean="0"/>
+              <a:t>Archer v1 – static analysis and </a:t>
+            </a:r>
+            <a:r>
+              <a:rPr lang="en-US" sz="3000" dirty="0" err="1" smtClean="0"/>
+              <a:t>TSan</a:t>
+            </a:r>
+            <a:r>
+              <a:rPr lang="en-US" sz="3000" dirty="0" smtClean="0"/>
+              <a:t> runtime [IPDPS’16]</a:t>
+            </a:r>
+          </a:p>
+          <a:p>
+            <a:r>
+              <a:rPr lang="en-US" sz="3000" dirty="0" smtClean="0"/>
+              <a:t>Clock-less runtime algorithm [POPL’17, PPoPP’17]</a:t>
+            </a:r>
+          </a:p>
+          <a:p>
+            <a:r>
+              <a:rPr lang="en-US" sz="3000" dirty="0" smtClean="0"/>
+              <a:t>Archer v2 – static </a:t>
+            </a:r>
+            <a:r>
+              <a:rPr lang="en-US" sz="3000" dirty="0"/>
+              <a:t>analysis and clock-less runtime algorithm [PLDI’17, IPDPS’17]</a:t>
+            </a:r>
+          </a:p>
+          <a:p>
+            <a:endParaRPr lang="en-US" sz="3000" dirty="0"/>
+          </a:p>
+        </p:txBody>
+      </p:sp>
+      <p:sp>
+        <p:nvSpPr>
+          <p:cNvPr id="4" name="Slide Number Placeholder 3"/>
+          <p:cNvSpPr>
+            <a:spLocks noGrp="1"/>
+          </p:cNvSpPr>
+          <p:nvPr>
+            <p:ph type="sldNum" sz="quarter" idx="12"/>
+          </p:nvPr>
+        </p:nvSpPr>
+        <p:spPr/>
+        <p:txBody>
+          <a:bodyPr/>
+          <a:lstStyle/>
+          <a:p>
+            <a:fld id="{EA878592-B26F-C546-A6EA-1068590DD14F}" type="slidenum">
+              <a:rPr lang="en-US" smtClean="0"/>
+              <a:t>25</a:t>
+            </a:fld>
+            <a:endParaRPr lang="en-US"/>
+          </a:p>
+        </p:txBody>
+      </p:sp>
+    </p:spTree>
+    <p:extLst>
+      <p:ext uri="{BB962C8B-B14F-4D97-AF65-F5344CB8AC3E}">
+        <p14:creationId xmlns:p14="http://schemas.microsoft.com/office/powerpoint/2010/main" val="2982352226"/>
+      </p:ext>
+    </p:extLst>
+  </p:cSld>
+  <p:clrMapOvr>
+    <a:masterClrMapping/>
+  </p:clrMapOvr>
+  <p:timing>
+    <p:tnLst>
+      <p:par>
+        <p:cTn xmlns:p14="http://schemas.microsoft.com/office/powerpoint/2010/main" id="1" dur="indefinite" restart="never" nodeType="tmRoot"/>
+      </p:par>
+    </p:tnLst>
+  </p:timing>
+</p:sld>
+</file>
+
+<file path=ppt/slides/slide26.xml><?xml version="1.0" encoding="utf-8"?>
+<p:sld xmlns:a="http://schemas.openxmlformats.org/drawingml/2006/main" xmlns:r="http://schemas.openxmlformats.org/officeDocument/2006/relationships" xmlns:p="http://schemas.openxmlformats.org/presentationml/2006/main">
+  <p:cSld>
+    <p:spTree>
+      <p:nvGrpSpPr>
+        <p:cNvPr id="1" name=""/>
+        <p:cNvGrpSpPr/>
+        <p:nvPr/>
+      </p:nvGrpSpPr>
+      <p:grpSpPr>
+        <a:xfrm>
+          <a:off x="0" y="0"/>
+          <a:ext cx="0" cy="0"/>
+          <a:chOff x="0" y="0"/>
+          <a:chExt cx="0" cy="0"/>
+        </a:xfrm>
+      </p:grpSpPr>
+      <p:sp>
+        <p:nvSpPr>
+          <p:cNvPr id="2" name="Title 1"/>
+          <p:cNvSpPr>
+            <a:spLocks noGrp="1"/>
+          </p:cNvSpPr>
+          <p:nvPr>
+            <p:ph type="title"/>
+          </p:nvPr>
+        </p:nvSpPr>
+        <p:spPr/>
+        <p:txBody>
+          <a:bodyPr>
+            <a:normAutofit/>
+          </a:bodyPr>
+          <a:lstStyle/>
+          <a:p>
+            <a:pPr algn="l"/>
+            <a:endParaRPr lang="en-US" dirty="0"/>
+          </a:p>
+        </p:txBody>
+      </p:sp>
+      <p:sp>
+        <p:nvSpPr>
+          <p:cNvPr id="3" name="Content Placeholder 2"/>
+          <p:cNvSpPr>
+            <a:spLocks noGrp="1"/>
+          </p:cNvSpPr>
+          <p:nvPr>
+            <p:ph idx="1"/>
+          </p:nvPr>
+        </p:nvSpPr>
+        <p:spPr/>
+        <p:txBody>
+          <a:bodyPr>
+            <a:normAutofit/>
+          </a:bodyPr>
+          <a:lstStyle/>
+          <a:p>
+            <a:pPr marL="0" indent="0" algn="ctr">
+              <a:buNone/>
+            </a:pPr>
+            <a:endParaRPr lang="en-US" sz="4400" dirty="0" smtClean="0">
+              <a:solidFill>
+                <a:prstClr val="black"/>
+              </a:solidFill>
+            </a:endParaRPr>
+          </a:p>
+          <a:p>
+            <a:pPr marL="0" indent="0" algn="ctr">
+              <a:buNone/>
+            </a:pPr>
+            <a:endParaRPr lang="en-US" sz="4400" dirty="0" smtClean="0">
+              <a:solidFill>
+                <a:prstClr val="black"/>
+              </a:solidFill>
+            </a:endParaRPr>
+          </a:p>
+          <a:p>
+            <a:pPr marL="0" indent="0" algn="ctr">
+              <a:buNone/>
+            </a:pPr>
+            <a:r>
+              <a:rPr lang="en-US" sz="4400" dirty="0" smtClean="0">
+                <a:solidFill>
+                  <a:prstClr val="black"/>
+                </a:solidFill>
+              </a:rPr>
+              <a:t>Questions</a:t>
+            </a:r>
+            <a:r>
+              <a:rPr lang="en-US" sz="4400" dirty="0">
+                <a:solidFill>
+                  <a:prstClr val="black"/>
+                </a:solidFill>
+              </a:rPr>
+              <a:t>?</a:t>
+            </a:r>
+            <a:endParaRPr lang="en-US" sz="4400" dirty="0"/>
+          </a:p>
+        </p:txBody>
+      </p:sp>
+      <p:sp>
+        <p:nvSpPr>
+          <p:cNvPr id="4" name="TextBox 3"/>
+          <p:cNvSpPr txBox="1"/>
+          <p:nvPr/>
+        </p:nvSpPr>
+        <p:spPr>
+          <a:xfrm>
+            <a:off x="2837444" y="2593915"/>
+            <a:ext cx="184666" cy="369332"/>
+          </a:xfrm>
+          <a:prstGeom prst="rect">
+            <a:avLst/>
+          </a:prstGeom>
+          <a:noFill/>
+        </p:spPr>
+        <p:txBody>
+          <a:bodyPr wrap="none" rtlCol="0">
+            <a:spAutoFit/>
+          </a:bodyPr>
+          <a:lstStyle/>
+          <a:p>
+            <a:endParaRPr lang="en-US" dirty="0"/>
+          </a:p>
+        </p:txBody>
+      </p:sp>
+      <p:sp>
+        <p:nvSpPr>
+          <p:cNvPr id="5" name="Slide Number Placeholder 4"/>
+          <p:cNvSpPr>
+            <a:spLocks noGrp="1"/>
+          </p:cNvSpPr>
+          <p:nvPr>
+            <p:ph type="sldNum" sz="quarter" idx="12"/>
+          </p:nvPr>
+        </p:nvSpPr>
+        <p:spPr/>
+        <p:txBody>
+          <a:bodyPr/>
+          <a:lstStyle/>
+          <a:p>
+            <a:fld id="{EA878592-B26F-C546-A6EA-1068590DD14F}" type="slidenum">
+              <a:rPr lang="en-US" smtClean="0"/>
+              <a:t>26</a:t>
+            </a:fld>
+            <a:endParaRPr lang="en-US"/>
+          </a:p>
+        </p:txBody>
+      </p:sp>
+    </p:spTree>
+    <p:extLst>
+      <p:ext uri="{BB962C8B-B14F-4D97-AF65-F5344CB8AC3E}">
+        <p14:creationId xmlns:p14="http://schemas.microsoft.com/office/powerpoint/2010/main" val="2048434548"/>
+      </p:ext>
+    </p:extLst>
+  </p:cSld>
+  <p:clrMapOvr>
+    <a:masterClrMapping/>
+  </p:clrMapOvr>
+  <p:timing>
+    <p:tnLst>
+      <p:par>
+        <p:cTn xmlns:p14="http://schemas.microsoft.com/office/powerpoint/2010/main" id="1" dur="indefinite" restart="never" nodeType="tmRoot"/>
+      </p:par>
+    </p:tnLst>
+  </p:timing>
+</p:sld>
+</file>
+
+<file path=ppt/slides/slide3.xml><?xml version="1.0" encoding="utf-8"?>
+<p:sld xmlns:a="http://schemas.openxmlformats.org/drawingml/2006/main" xmlns:r="http://schemas.openxmlformats.org/officeDocument/2006/relationships" xmlns:p="http://schemas.openxmlformats.org/presentationml/2006/main">
+  <p:cSld>
+    <p:spTree>
+      <p:nvGrpSpPr>
+        <p:cNvPr id="1" name=""/>
+        <p:cNvGrpSpPr/>
+        <p:nvPr/>
+      </p:nvGrpSpPr>
+      <p:grpSpPr>
+        <a:xfrm>
+          <a:off x="0" y="0"/>
+          <a:ext cx="0" cy="0"/>
+          <a:chOff x="0" y="0"/>
+          <a:chExt cx="0" cy="0"/>
+        </a:xfrm>
+      </p:grpSpPr>
+      <p:sp>
+        <p:nvSpPr>
+          <p:cNvPr id="2" name="Title 1"/>
+          <p:cNvSpPr>
+            <a:spLocks noGrp="1"/>
+          </p:cNvSpPr>
+          <p:nvPr>
+            <p:ph type="title"/>
+          </p:nvPr>
+        </p:nvSpPr>
+        <p:spPr/>
+        <p:txBody>
+          <a:bodyPr>
+            <a:normAutofit/>
+          </a:bodyPr>
+          <a:lstStyle/>
+          <a:p>
             <a:pPr algn="l"/>
             <a:r>
               <a:rPr lang="en-US" dirty="0" smtClean="0"/>
               <a:t>Motivation</a:t>
             </a:r>
-            <a:r>
+            <a:br>
               <a:rPr lang="en-US" dirty="0" smtClean="0"/>
-              <a:t/>
+            </a:br>
+            <a:r>
+              <a:rPr lang="en-US" sz="2400" dirty="0" smtClean="0">
+                <a:latin typeface="Corbel"/>
+                <a:cs typeface="Corbel"/>
+              </a:rPr>
+              <a:t>Understand </a:t>
+            </a:r>
+            <a:r>
+              <a:rPr lang="en-US" sz="2400" dirty="0" smtClean="0">
+                <a:latin typeface="Corbel"/>
+                <a:cs typeface="Corbel"/>
+              </a:rPr>
+              <a:t>scientific phenomena and model them</a:t>
+            </a:r>
+            <a:endParaRPr lang="en-US" dirty="0"/>
+          </a:p>
+        </p:txBody>
+      </p:sp>
+      <p:sp>
+        <p:nvSpPr>
+          <p:cNvPr id="3" name="Slide Number Placeholder 2"/>
+          <p:cNvSpPr>
+            <a:spLocks noGrp="1"/>
+          </p:cNvSpPr>
+          <p:nvPr>
+            <p:ph type="sldNum" sz="quarter" idx="12"/>
+          </p:nvPr>
+        </p:nvSpPr>
+        <p:spPr/>
+        <p:txBody>
+          <a:bodyPr/>
+          <a:lstStyle/>
+          <a:p>
+            <a:fld id="{EA878592-B26F-C546-A6EA-1068590DD14F}" type="slidenum">
+              <a:rPr lang="en-US" smtClean="0"/>
+              <a:t>3</a:t>
+            </a:fld>
+            <a:endParaRPr lang="en-US"/>
+          </a:p>
+        </p:txBody>
+      </p:sp>
+      <p:grpSp>
+        <p:nvGrpSpPr>
+          <p:cNvPr id="14" name="Group 13"/>
+          <p:cNvGrpSpPr/>
+          <p:nvPr/>
+        </p:nvGrpSpPr>
+        <p:grpSpPr>
+          <a:xfrm>
+            <a:off x="457200" y="3867465"/>
+            <a:ext cx="2471330" cy="2488885"/>
+            <a:chOff x="5291908" y="4052131"/>
+            <a:chExt cx="2471330" cy="2488885"/>
+          </a:xfrm>
+        </p:grpSpPr>
+        <p:pic>
+          <p:nvPicPr>
+            <p:cNvPr id="12" name="Picture 11" descr="science04.jpg"/>
+            <p:cNvPicPr>
+              <a:picLocks noChangeAspect="1"/>
+            </p:cNvPicPr>
+            <p:nvPr/>
+          </p:nvPicPr>
+          <p:blipFill>
+            <a:blip r:embed="rId2">
+              <a:extLst>
+                <a:ext uri="{28A0092B-C50C-407E-A947-70E740481C1C}">
+                  <a14:useLocalDpi xmlns:a14="http://schemas.microsoft.com/office/drawing/2010/main" val="0"/>
+                </a:ext>
+              </a:extLst>
+            </a:blip>
+            <a:stretch>
+              <a:fillRect/>
+            </a:stretch>
+          </p:blipFill>
+          <p:spPr>
+            <a:xfrm>
+              <a:off x="5291908" y="4052131"/>
+              <a:ext cx="2459972" cy="2233655"/>
+            </a:xfrm>
+            <a:prstGeom prst="rect">
+              <a:avLst/>
+            </a:prstGeom>
+          </p:spPr>
+        </p:pic>
+        <p:sp>
+          <p:nvSpPr>
+            <p:cNvPr id="13" name="TextBox 12"/>
+            <p:cNvSpPr txBox="1"/>
+            <p:nvPr/>
+          </p:nvSpPr>
+          <p:spPr>
+            <a:xfrm>
+              <a:off x="5303266" y="6171684"/>
+              <a:ext cx="2459972" cy="369332"/>
+            </a:xfrm>
+            <a:prstGeom prst="rect">
+              <a:avLst/>
+            </a:prstGeom>
+            <a:noFill/>
+          </p:spPr>
+          <p:txBody>
+            <a:bodyPr wrap="square" rtlCol="0">
+              <a:spAutoFit/>
+            </a:bodyPr>
+            <a:lstStyle/>
+            <a:p>
+              <a:pPr algn="ctr"/>
+              <a:r>
+                <a:rPr lang="en-US" dirty="0" smtClean="0"/>
+                <a:t>Climate modeling</a:t>
+              </a:r>
+              <a:endParaRPr lang="en-US" dirty="0"/>
+            </a:p>
+          </p:txBody>
+        </p:sp>
+      </p:grpSp>
+      <p:grpSp>
+        <p:nvGrpSpPr>
+          <p:cNvPr id="16" name="Group 15"/>
+          <p:cNvGrpSpPr/>
+          <p:nvPr/>
+        </p:nvGrpSpPr>
+        <p:grpSpPr>
+          <a:xfrm>
+            <a:off x="6087126" y="3483810"/>
+            <a:ext cx="2687874" cy="2872540"/>
+            <a:chOff x="723229" y="1036814"/>
+            <a:chExt cx="2687874" cy="2872540"/>
+          </a:xfrm>
+        </p:grpSpPr>
+        <p:pic>
+          <p:nvPicPr>
+            <p:cNvPr id="4" name="Picture 3" descr="science01.png"/>
+            <p:cNvPicPr>
+              <a:picLocks noChangeAspect="1"/>
+            </p:cNvPicPr>
+            <p:nvPr/>
+          </p:nvPicPr>
+          <p:blipFill>
+            <a:blip r:embed="rId3">
+              <a:extLst>
+                <a:ext uri="{28A0092B-C50C-407E-A947-70E740481C1C}">
+                  <a14:useLocalDpi xmlns:a14="http://schemas.microsoft.com/office/drawing/2010/main" val="0"/>
+                </a:ext>
+              </a:extLst>
+            </a:blip>
+            <a:stretch>
+              <a:fillRect/>
+            </a:stretch>
+          </p:blipFill>
+          <p:spPr>
+            <a:xfrm>
+              <a:off x="723229" y="1036814"/>
+              <a:ext cx="2687874" cy="2687874"/>
+            </a:xfrm>
+            <a:prstGeom prst="rect">
+              <a:avLst/>
+            </a:prstGeom>
+          </p:spPr>
+        </p:pic>
+        <p:sp>
+          <p:nvSpPr>
+            <p:cNvPr id="15" name="Rectangle 14"/>
+            <p:cNvSpPr/>
+            <p:nvPr/>
+          </p:nvSpPr>
+          <p:spPr>
+            <a:xfrm>
+              <a:off x="723229" y="3540022"/>
+              <a:ext cx="2687874" cy="369332"/>
+            </a:xfrm>
+            <a:prstGeom prst="rect">
+              <a:avLst/>
+            </a:prstGeom>
+          </p:spPr>
+          <p:txBody>
+            <a:bodyPr wrap="square">
+              <a:spAutoFit/>
+            </a:bodyPr>
+            <a:lstStyle/>
+            <a:p>
+              <a:pPr algn="ctr"/>
+              <a:r>
+                <a:rPr lang="en-US" dirty="0" smtClean="0"/>
+                <a:t>Hydrodynamics modeling</a:t>
+              </a:r>
+              <a:endParaRPr lang="en-US" dirty="0"/>
+            </a:p>
+          </p:txBody>
+        </p:sp>
+      </p:grpSp>
+      <p:grpSp>
+        <p:nvGrpSpPr>
+          <p:cNvPr id="18" name="Group 17"/>
+          <p:cNvGrpSpPr/>
+          <p:nvPr/>
+        </p:nvGrpSpPr>
+        <p:grpSpPr>
+          <a:xfrm>
+            <a:off x="2831653" y="1539102"/>
+            <a:ext cx="3474591" cy="2542976"/>
+            <a:chOff x="457200" y="2433110"/>
+            <a:chExt cx="3474591" cy="2542976"/>
+          </a:xfrm>
+        </p:grpSpPr>
+        <p:pic>
+          <p:nvPicPr>
+            <p:cNvPr id="11" name="Picture 10" descr="science03.jpg"/>
+            <p:cNvPicPr>
+              <a:picLocks noChangeAspect="1"/>
+            </p:cNvPicPr>
+            <p:nvPr/>
+          </p:nvPicPr>
+          <p:blipFill>
+            <a:blip r:embed="rId4">
+              <a:extLst>
+                <a:ext uri="{28A0092B-C50C-407E-A947-70E740481C1C}">
+                  <a14:useLocalDpi xmlns:a14="http://schemas.microsoft.com/office/drawing/2010/main" val="0"/>
+                </a:ext>
+              </a:extLst>
+            </a:blip>
+            <a:stretch>
+              <a:fillRect/>
+            </a:stretch>
+          </p:blipFill>
+          <p:spPr>
+            <a:xfrm>
+              <a:off x="457200" y="2433110"/>
+              <a:ext cx="3474591" cy="2173644"/>
+            </a:xfrm>
+            <a:prstGeom prst="rect">
+              <a:avLst/>
+            </a:prstGeom>
+          </p:spPr>
+        </p:pic>
+        <p:sp>
+          <p:nvSpPr>
+            <p:cNvPr id="17" name="TextBox 16"/>
+            <p:cNvSpPr txBox="1"/>
+            <p:nvPr/>
+          </p:nvSpPr>
+          <p:spPr>
+            <a:xfrm>
+              <a:off x="457200" y="4606754"/>
+              <a:ext cx="3474591" cy="369332"/>
+            </a:xfrm>
+            <a:prstGeom prst="rect">
+              <a:avLst/>
+            </a:prstGeom>
+            <a:noFill/>
+          </p:spPr>
+          <p:txBody>
+            <a:bodyPr wrap="none" rtlCol="0">
+              <a:spAutoFit/>
+            </a:bodyPr>
+            <a:lstStyle/>
+            <a:p>
+              <a:r>
+                <a:rPr lang="en-US" dirty="0" smtClean="0"/>
+                <a:t>Fast-ignition-scale laser simulation</a:t>
+              </a:r>
+              <a:endParaRPr lang="en-US" dirty="0"/>
+            </a:p>
+          </p:txBody>
+        </p:sp>
+      </p:grpSp>
+    </p:spTree>
+    <p:extLst>
+      <p:ext uri="{BB962C8B-B14F-4D97-AF65-F5344CB8AC3E}">
+        <p14:creationId xmlns:p14="http://schemas.microsoft.com/office/powerpoint/2010/main" val="3743296242"/>
+      </p:ext>
+    </p:extLst>
+  </p:cSld>
+  <p:clrMapOvr>
+    <a:masterClrMapping/>
+  </p:clrMapOvr>
+</p:sld>
+</file>
+
+<file path=ppt/slides/slide4.xml><?xml version="1.0" encoding="utf-8"?>
+<p:sld xmlns:a="http://schemas.openxmlformats.org/drawingml/2006/main" xmlns:r="http://schemas.openxmlformats.org/officeDocument/2006/relationships" xmlns:p="http://schemas.openxmlformats.org/presentationml/2006/main">
+  <p:cSld>
+    <p:spTree>
+      <p:nvGrpSpPr>
+        <p:cNvPr id="1" name=""/>
+        <p:cNvGrpSpPr/>
+        <p:nvPr/>
+      </p:nvGrpSpPr>
+      <p:grpSpPr>
+        <a:xfrm>
+          <a:off x="0" y="0"/>
+          <a:ext cx="0" cy="0"/>
+          <a:chOff x="0" y="0"/>
+          <a:chExt cx="0" cy="0"/>
+        </a:xfrm>
+      </p:grpSpPr>
+      <p:sp>
+        <p:nvSpPr>
+          <p:cNvPr id="2" name="Title 1"/>
+          <p:cNvSpPr>
+            <a:spLocks noGrp="1"/>
+          </p:cNvSpPr>
+          <p:nvPr>
+            <p:ph type="title"/>
+          </p:nvPr>
+        </p:nvSpPr>
+        <p:spPr/>
+        <p:txBody>
+          <a:bodyPr>
+            <a:normAutofit/>
+          </a:bodyPr>
+          <a:lstStyle/>
+          <a:p>
+            <a:pPr algn="l"/>
+            <a:r>
+              <a:rPr lang="en-US" dirty="0" smtClean="0"/>
+              <a:t>Motivation</a:t>
             </a:r>
             <a:br>
               <a:rPr lang="en-US" dirty="0" smtClean="0"/>
@@ -8916,10 +10995,33 @@
           </a:p>
         </p:txBody>
       </p:sp>
+      <p:sp>
+        <p:nvSpPr>
+          <p:cNvPr id="3" name="Slide Number Placeholder 2"/>
+          <p:cNvSpPr>
+            <a:spLocks noGrp="1"/>
+          </p:cNvSpPr>
+          <p:nvPr>
+            <p:ph type="sldNum" sz="quarter" idx="12"/>
+          </p:nvPr>
+        </p:nvSpPr>
+        <p:spPr/>
+        <p:txBody>
+          <a:bodyPr/>
+          <a:lstStyle/>
+          <a:p>
+            <a:fld id="{EA878592-B26F-C546-A6EA-1068590DD14F}" type="slidenum">
+              <a:rPr lang="en-US" smtClean="0"/>
+              <a:t>4</a:t>
+            </a:fld>
+            <a:endParaRPr lang="en-US"/>
+          </a:p>
+        </p:txBody>
+      </p:sp>
     </p:spTree>
     <p:extLst>
       <p:ext uri="{BB962C8B-B14F-4D97-AF65-F5344CB8AC3E}">
-        <p14:creationId xmlns:p14="http://schemas.microsoft.com/office/powerpoint/2010/main" val="3743296242"/>
+        <p14:creationId xmlns:p14="http://schemas.microsoft.com/office/powerpoint/2010/main" val="4110562278"/>
       </p:ext>
     </p:extLst>
   </p:cSld>
@@ -8929,7 +11031,7 @@
 </p:sld>
 </file>
 
-<file path=ppt/slides/slide20.xml><?xml version="1.0" encoding="utf-8"?>
+<file path=ppt/slides/slide5.xml><?xml version="1.0" encoding="utf-8"?>
 <p:sld xmlns:a="http://schemas.openxmlformats.org/drawingml/2006/main" xmlns:r="http://schemas.openxmlformats.org/officeDocument/2006/relationships" xmlns:p="http://schemas.openxmlformats.org/presentationml/2006/main">
   <p:cSld>
     <p:spTree>
@@ -8946,706 +11048,6 @@
           <a:chExt cx="0" cy="0"/>
         </a:xfrm>
       </p:grpSpPr>
-      <p:pic>
-        <p:nvPicPr>
-          <p:cNvPr id="6" name="Picture 5" descr="example01.pdf"/>
-          <p:cNvPicPr>
-            <a:picLocks noChangeAspect="1"/>
-          </p:cNvPicPr>
-          <p:nvPr/>
-        </p:nvPicPr>
-        <p:blipFill>
-          <a:blip r:embed="rId3">
-            <a:extLst>
-              <a:ext uri="{28A0092B-C50C-407E-A947-70E740481C1C}">
-                <a14:useLocalDpi xmlns:a14="http://schemas.microsoft.com/office/drawing/2010/main" val="0"/>
-              </a:ext>
-            </a:extLst>
-          </a:blip>
-          <a:stretch>
-            <a:fillRect/>
-          </a:stretch>
-        </p:blipFill>
-        <p:spPr>
-          <a:xfrm>
-            <a:off x="5619218" y="1417638"/>
-            <a:ext cx="3524782" cy="5257800"/>
-          </a:xfrm>
-          <a:prstGeom prst="rect">
-            <a:avLst/>
-          </a:prstGeom>
-        </p:spPr>
-      </p:pic>
-      <p:sp>
-        <p:nvSpPr>
-          <p:cNvPr id="2" name="Title 1"/>
-          <p:cNvSpPr>
-            <a:spLocks noGrp="1"/>
-          </p:cNvSpPr>
-          <p:nvPr>
-            <p:ph type="title"/>
-          </p:nvPr>
-        </p:nvSpPr>
-        <p:spPr/>
-        <p:txBody>
-          <a:bodyPr>
-            <a:normAutofit fontScale="90000"/>
-          </a:bodyPr>
-          <a:lstStyle/>
-          <a:p>
-            <a:pPr algn="l"/>
-            <a:r>
-              <a:rPr lang="en-US" dirty="0" smtClean="0"/>
-              <a:t>C</a:t>
-            </a:r>
-            <a:r>
-              <a:rPr lang="en-US" dirty="0" smtClean="0"/>
-              <a:t>lock-less runtime algorithm</a:t>
-            </a:r>
-            <a:br>
-              <a:rPr lang="en-US" dirty="0" smtClean="0"/>
-            </a:br>
-            <a:r>
-              <a:rPr lang="en-US" sz="2700" dirty="0" smtClean="0"/>
-              <a:t>Exploit structured OpenMP parallelism</a:t>
-            </a:r>
-            <a:endParaRPr lang="en-US" sz="2700" dirty="0"/>
-          </a:p>
-        </p:txBody>
-      </p:sp>
-      <p:sp>
-        <p:nvSpPr>
-          <p:cNvPr id="4" name="Content Placeholder 3"/>
-          <p:cNvSpPr>
-            <a:spLocks noGrp="1"/>
-          </p:cNvSpPr>
-          <p:nvPr>
-            <p:ph idx="1"/>
-          </p:nvPr>
-        </p:nvSpPr>
-        <p:spPr>
-          <a:xfrm>
-            <a:off x="457201" y="1600200"/>
-            <a:ext cx="5363914" cy="4525963"/>
-          </a:xfrm>
-        </p:spPr>
-        <p:txBody>
-          <a:bodyPr>
-            <a:normAutofit fontScale="92500" lnSpcReduction="20000"/>
-          </a:bodyPr>
-          <a:lstStyle/>
-          <a:p>
-            <a:r>
-              <a:rPr lang="en-US" dirty="0" smtClean="0"/>
-              <a:t>OpenMP concurrency model</a:t>
-            </a:r>
-          </a:p>
-          <a:p>
-            <a:pPr lvl="1"/>
-            <a:r>
-              <a:rPr lang="en-US" dirty="0" smtClean="0"/>
-              <a:t>Race within parallel region    (e.g. 3 and 4)</a:t>
-            </a:r>
-          </a:p>
-          <a:p>
-            <a:pPr lvl="1"/>
-            <a:r>
-              <a:rPr lang="en-US" dirty="0" smtClean="0"/>
-              <a:t>Race across parallel regions   (e.g. 8 and 5)</a:t>
-            </a:r>
-          </a:p>
-          <a:p>
-            <a:pPr lvl="1"/>
-            <a:r>
-              <a:rPr lang="en-US" dirty="0" smtClean="0"/>
-              <a:t>No race between threads that belong to consequent parallel regions (e.g. 3 and 9)</a:t>
-            </a:r>
-          </a:p>
-          <a:p>
-            <a:r>
-              <a:rPr lang="en-US" dirty="0" smtClean="0"/>
-              <a:t>Labeling approach</a:t>
-            </a:r>
-          </a:p>
-          <a:p>
-            <a:r>
-              <a:rPr lang="en-US" dirty="0" smtClean="0"/>
-              <a:t>Limit data race checking only to concurrent threads</a:t>
-            </a:r>
-            <a:endParaRPr lang="en-US" dirty="0"/>
-          </a:p>
-        </p:txBody>
-      </p:sp>
-    </p:spTree>
-    <p:extLst>
-      <p:ext uri="{BB962C8B-B14F-4D97-AF65-F5344CB8AC3E}">
-        <p14:creationId xmlns:p14="http://schemas.microsoft.com/office/powerpoint/2010/main" val="2799422406"/>
-      </p:ext>
-    </p:extLst>
-  </p:cSld>
-  <p:clrMapOvr>
-    <a:masterClrMapping/>
-  </p:clrMapOvr>
-  <p:timing>
-    <p:tnLst>
-      <p:par>
-        <p:cTn xmlns:p14="http://schemas.microsoft.com/office/powerpoint/2010/main" id="1" dur="indefinite" restart="never" nodeType="tmRoot"/>
-      </p:par>
-    </p:tnLst>
-  </p:timing>
-</p:sld>
-</file>
-
-<file path=ppt/slides/slide21.xml><?xml version="1.0" encoding="utf-8"?>
-<p:sld xmlns:a="http://schemas.openxmlformats.org/drawingml/2006/main" xmlns:r="http://schemas.openxmlformats.org/officeDocument/2006/relationships" xmlns:p="http://schemas.openxmlformats.org/presentationml/2006/main">
-  <p:cSld>
-    <p:spTree>
-      <p:nvGrpSpPr>
-        <p:cNvPr id="1" name=""/>
-        <p:cNvGrpSpPr/>
-        <p:nvPr/>
-      </p:nvGrpSpPr>
-      <p:grpSpPr>
-        <a:xfrm>
-          <a:off x="0" y="0"/>
-          <a:ext cx="0" cy="0"/>
-          <a:chOff x="0" y="0"/>
-          <a:chExt cx="0" cy="0"/>
-        </a:xfrm>
-      </p:grpSpPr>
-      <p:sp>
-        <p:nvSpPr>
-          <p:cNvPr id="2" name="Title 1"/>
-          <p:cNvSpPr>
-            <a:spLocks noGrp="1"/>
-          </p:cNvSpPr>
-          <p:nvPr>
-            <p:ph type="title"/>
-          </p:nvPr>
-        </p:nvSpPr>
-        <p:spPr/>
-        <p:txBody>
-          <a:bodyPr>
-            <a:normAutofit fontScale="90000"/>
-          </a:bodyPr>
-          <a:lstStyle/>
-          <a:p>
-            <a:pPr algn="l"/>
-            <a:r>
-              <a:rPr lang="en-US" dirty="0" smtClean="0"/>
-              <a:t>C</a:t>
-            </a:r>
-            <a:r>
-              <a:rPr lang="en-US" dirty="0" smtClean="0"/>
-              <a:t>lock-less runtime algorithm</a:t>
-            </a:r>
-            <a:br>
-              <a:rPr lang="en-US" dirty="0" smtClean="0"/>
-            </a:br>
-            <a:r>
-              <a:rPr lang="en-US" sz="2700" dirty="0" smtClean="0"/>
-              <a:t>OpenMP Formal Concurrency Model</a:t>
-            </a:r>
-            <a:endParaRPr lang="en-US" sz="2700" dirty="0"/>
-          </a:p>
-        </p:txBody>
-      </p:sp>
-      <p:sp>
-        <p:nvSpPr>
-          <p:cNvPr id="4" name="Content Placeholder 3"/>
-          <p:cNvSpPr>
-            <a:spLocks noGrp="1"/>
-          </p:cNvSpPr>
-          <p:nvPr>
-            <p:ph idx="1"/>
-          </p:nvPr>
-        </p:nvSpPr>
-        <p:spPr/>
-        <p:txBody>
-          <a:bodyPr>
-            <a:normAutofit/>
-          </a:bodyPr>
-          <a:lstStyle/>
-          <a:p>
-            <a:r>
-              <a:rPr lang="en-US" sz="3600" dirty="0" smtClean="0"/>
-              <a:t>Definition of OpenMP concurrency structure</a:t>
-            </a:r>
-          </a:p>
-          <a:p>
-            <a:pPr lvl="1"/>
-            <a:r>
-              <a:rPr lang="en-US" sz="3200" dirty="0" smtClean="0"/>
-              <a:t>State machine and a set of transition rules</a:t>
-            </a:r>
-          </a:p>
-          <a:p>
-            <a:pPr lvl="1"/>
-            <a:r>
-              <a:rPr lang="en-US" sz="3200" dirty="0" smtClean="0"/>
-              <a:t>Rules model the behavior of the OpenMP constructs (e.g. parallel begin and end, barriers, critical sections, loads/stores, etc.)</a:t>
-            </a:r>
-          </a:p>
-          <a:p>
-            <a:pPr lvl="1"/>
-            <a:r>
-              <a:rPr lang="en-US" sz="3200" dirty="0" smtClean="0"/>
-              <a:t>“</a:t>
-            </a:r>
-            <a:r>
-              <a:rPr lang="en-US" sz="3200" dirty="0" err="1" smtClean="0"/>
-              <a:t>RaceCheck</a:t>
-            </a:r>
-            <a:r>
-              <a:rPr lang="en-US" sz="3200" dirty="0" smtClean="0"/>
-              <a:t>” rule can fire anytime during the state machine execution</a:t>
-            </a:r>
-            <a:endParaRPr lang="en-US" sz="3600" dirty="0"/>
-          </a:p>
-        </p:txBody>
-      </p:sp>
-    </p:spTree>
-    <p:extLst>
-      <p:ext uri="{BB962C8B-B14F-4D97-AF65-F5344CB8AC3E}">
-        <p14:creationId xmlns:p14="http://schemas.microsoft.com/office/powerpoint/2010/main" val="4066550527"/>
-      </p:ext>
-    </p:extLst>
-  </p:cSld>
-  <p:clrMapOvr>
-    <a:masterClrMapping/>
-  </p:clrMapOvr>
-  <p:timing>
-    <p:tnLst>
-      <p:par>
-        <p:cTn xmlns:p14="http://schemas.microsoft.com/office/powerpoint/2010/main" id="1" dur="indefinite" restart="never" nodeType="tmRoot"/>
-      </p:par>
-    </p:tnLst>
-  </p:timing>
-</p:sld>
-</file>
-
-<file path=ppt/slides/slide22.xml><?xml version="1.0" encoding="utf-8"?>
-<p:sld xmlns:a="http://schemas.openxmlformats.org/drawingml/2006/main" xmlns:r="http://schemas.openxmlformats.org/officeDocument/2006/relationships" xmlns:p="http://schemas.openxmlformats.org/presentationml/2006/main">
-  <p:cSld>
-    <p:spTree>
-      <p:nvGrpSpPr>
-        <p:cNvPr id="1" name=""/>
-        <p:cNvGrpSpPr/>
-        <p:nvPr/>
-      </p:nvGrpSpPr>
-      <p:grpSpPr>
-        <a:xfrm>
-          <a:off x="0" y="0"/>
-          <a:ext cx="0" cy="0"/>
-          <a:chOff x="0" y="0"/>
-          <a:chExt cx="0" cy="0"/>
-        </a:xfrm>
-      </p:grpSpPr>
-      <p:sp>
-        <p:nvSpPr>
-          <p:cNvPr id="2" name="Title 1"/>
-          <p:cNvSpPr>
-            <a:spLocks noGrp="1"/>
-          </p:cNvSpPr>
-          <p:nvPr>
-            <p:ph type="title"/>
-          </p:nvPr>
-        </p:nvSpPr>
-        <p:spPr/>
-        <p:txBody>
-          <a:bodyPr>
-            <a:normAutofit fontScale="90000"/>
-          </a:bodyPr>
-          <a:lstStyle/>
-          <a:p>
-            <a:pPr algn="l"/>
-            <a:r>
-              <a:rPr lang="en-US" dirty="0" smtClean="0"/>
-              <a:t>C</a:t>
-            </a:r>
-            <a:r>
-              <a:rPr lang="en-US" dirty="0" smtClean="0"/>
-              <a:t>lock-less runtime algorithm</a:t>
-            </a:r>
-            <a:br>
-              <a:rPr lang="en-US" dirty="0" smtClean="0"/>
-            </a:br>
-            <a:r>
-              <a:rPr lang="en-US" sz="2700" dirty="0" smtClean="0"/>
-              <a:t>Implementation as Approximation of the State Machine</a:t>
-            </a:r>
-            <a:endParaRPr lang="en-US" sz="2700" dirty="0"/>
-          </a:p>
-        </p:txBody>
-      </p:sp>
-      <p:sp>
-        <p:nvSpPr>
-          <p:cNvPr id="4" name="Content Placeholder 3"/>
-          <p:cNvSpPr>
-            <a:spLocks noGrp="1"/>
-          </p:cNvSpPr>
-          <p:nvPr>
-            <p:ph idx="1"/>
-          </p:nvPr>
-        </p:nvSpPr>
-        <p:spPr/>
-        <p:txBody>
-          <a:bodyPr/>
-          <a:lstStyle/>
-          <a:p>
-            <a:r>
-              <a:rPr lang="en-US" dirty="0" smtClean="0"/>
-              <a:t>Corner cases in OpenMP data race checking</a:t>
-            </a:r>
-          </a:p>
-          <a:p>
-            <a:r>
-              <a:rPr lang="en-US" dirty="0" smtClean="0"/>
-              <a:t>Lock-free data structure to model the concurrency structure of a parallel region</a:t>
-            </a:r>
-          </a:p>
-          <a:p>
-            <a:r>
-              <a:rPr lang="en-US" dirty="0" smtClean="0"/>
-              <a:t>Store a representative set of memory accesses (e.g. sampling, etc.)</a:t>
-            </a:r>
-          </a:p>
-          <a:p>
-            <a:r>
-              <a:rPr lang="en-US" dirty="0" smtClean="0"/>
-              <a:t>Perform race checking at barrier checkpoints</a:t>
-            </a:r>
-          </a:p>
-          <a:p>
-            <a:r>
-              <a:rPr lang="en-US" dirty="0" smtClean="0"/>
-              <a:t>Implementation based on OpenMP Tools API (OMPT)</a:t>
-            </a:r>
-            <a:endParaRPr lang="en-US" dirty="0"/>
-          </a:p>
-        </p:txBody>
-      </p:sp>
-    </p:spTree>
-    <p:extLst>
-      <p:ext uri="{BB962C8B-B14F-4D97-AF65-F5344CB8AC3E}">
-        <p14:creationId xmlns:p14="http://schemas.microsoft.com/office/powerpoint/2010/main" val="4066550527"/>
-      </p:ext>
-    </p:extLst>
-  </p:cSld>
-  <p:clrMapOvr>
-    <a:masterClrMapping/>
-  </p:clrMapOvr>
-  <p:timing>
-    <p:tnLst>
-      <p:par>
-        <p:cTn xmlns:p14="http://schemas.microsoft.com/office/powerpoint/2010/main" id="1" dur="indefinite" restart="never" nodeType="tmRoot"/>
-      </p:par>
-    </p:tnLst>
-  </p:timing>
-</p:sld>
-</file>
-
-<file path=ppt/slides/slide23.xml><?xml version="1.0" encoding="utf-8"?>
-<p:sld xmlns:a="http://schemas.openxmlformats.org/drawingml/2006/main" xmlns:r="http://schemas.openxmlformats.org/officeDocument/2006/relationships" xmlns:p="http://schemas.openxmlformats.org/presentationml/2006/main">
-  <p:cSld>
-    <p:spTree>
-      <p:nvGrpSpPr>
-        <p:cNvPr id="1" name=""/>
-        <p:cNvGrpSpPr/>
-        <p:nvPr/>
-      </p:nvGrpSpPr>
-      <p:grpSpPr>
-        <a:xfrm>
-          <a:off x="0" y="0"/>
-          <a:ext cx="0" cy="0"/>
-          <a:chOff x="0" y="0"/>
-          <a:chExt cx="0" cy="0"/>
-        </a:xfrm>
-      </p:grpSpPr>
-      <p:sp>
-        <p:nvSpPr>
-          <p:cNvPr id="2" name="Title 1"/>
-          <p:cNvSpPr>
-            <a:spLocks noGrp="1"/>
-          </p:cNvSpPr>
-          <p:nvPr>
-            <p:ph type="title"/>
-          </p:nvPr>
-        </p:nvSpPr>
-        <p:spPr/>
-        <p:txBody>
-          <a:bodyPr>
-            <a:normAutofit fontScale="90000"/>
-          </a:bodyPr>
-          <a:lstStyle/>
-          <a:p>
-            <a:pPr algn="l"/>
-            <a:r>
-              <a:rPr lang="en-US" dirty="0" smtClean="0">
-                <a:solidFill>
-                  <a:prstClr val="black"/>
-                </a:solidFill>
-              </a:rPr>
-              <a:t>Timeline</a:t>
-            </a:r>
-            <a:br>
-              <a:rPr lang="en-US" dirty="0" smtClean="0">
-                <a:solidFill>
-                  <a:prstClr val="black"/>
-                </a:solidFill>
-              </a:rPr>
-            </a:br>
-            <a:r>
-              <a:rPr lang="en-US" sz="2700" dirty="0" smtClean="0">
-                <a:solidFill>
-                  <a:prstClr val="black"/>
-                </a:solidFill>
-              </a:rPr>
-              <a:t>Past and future publications</a:t>
-            </a:r>
-            <a:endParaRPr lang="en-US" dirty="0"/>
-          </a:p>
-        </p:txBody>
-      </p:sp>
-      <p:sp>
-        <p:nvSpPr>
-          <p:cNvPr id="3" name="Content Placeholder 2"/>
-          <p:cNvSpPr>
-            <a:spLocks noGrp="1"/>
-          </p:cNvSpPr>
-          <p:nvPr>
-            <p:ph idx="1"/>
-          </p:nvPr>
-        </p:nvSpPr>
-        <p:spPr/>
-        <p:txBody>
-          <a:bodyPr>
-            <a:normAutofit/>
-          </a:bodyPr>
-          <a:lstStyle/>
-          <a:p>
-            <a:r>
-              <a:rPr lang="en-US" sz="3000" dirty="0" smtClean="0"/>
-              <a:t>Feasibility of combining static and dynamic analysis for OpenMP data race detection    [LLVM-HPC WS/SC’14]</a:t>
-            </a:r>
-          </a:p>
-          <a:p>
-            <a:r>
-              <a:rPr lang="en-US" sz="3000" dirty="0" smtClean="0"/>
-              <a:t>Archer v1 – static analysis and </a:t>
-            </a:r>
-            <a:r>
-              <a:rPr lang="en-US" sz="3000" dirty="0" err="1" smtClean="0"/>
-              <a:t>TSan</a:t>
-            </a:r>
-            <a:r>
-              <a:rPr lang="en-US" sz="3000" dirty="0" smtClean="0"/>
-              <a:t> runtime [IPDPS’16]</a:t>
-            </a:r>
-          </a:p>
-          <a:p>
-            <a:r>
-              <a:rPr lang="en-US" sz="3000" dirty="0" smtClean="0"/>
-              <a:t>Clock-less runtime algorithm [POPL’17, PPoPP’17]</a:t>
-            </a:r>
-          </a:p>
-          <a:p>
-            <a:r>
-              <a:rPr lang="en-US" sz="3000" dirty="0" smtClean="0"/>
-              <a:t>Archer v2 – static </a:t>
-            </a:r>
-            <a:r>
-              <a:rPr lang="en-US" sz="3000" dirty="0"/>
-              <a:t>analysis and clock-less runtime algorithm [PLDI’17, IPDPS’17]</a:t>
-            </a:r>
-          </a:p>
-          <a:p>
-            <a:endParaRPr lang="en-US" sz="3000" dirty="0"/>
-          </a:p>
-        </p:txBody>
-      </p:sp>
-    </p:spTree>
-    <p:extLst>
-      <p:ext uri="{BB962C8B-B14F-4D97-AF65-F5344CB8AC3E}">
-        <p14:creationId xmlns:p14="http://schemas.microsoft.com/office/powerpoint/2010/main" val="2982352226"/>
-      </p:ext>
-    </p:extLst>
-  </p:cSld>
-  <p:clrMapOvr>
-    <a:masterClrMapping/>
-  </p:clrMapOvr>
-  <p:timing>
-    <p:tnLst>
-      <p:par>
-        <p:cTn xmlns:p14="http://schemas.microsoft.com/office/powerpoint/2010/main" id="1" dur="indefinite" restart="never" nodeType="tmRoot"/>
-      </p:par>
-    </p:tnLst>
-  </p:timing>
-</p:sld>
-</file>
-
-<file path=ppt/slides/slide24.xml><?xml version="1.0" encoding="utf-8"?>
-<p:sld xmlns:a="http://schemas.openxmlformats.org/drawingml/2006/main" xmlns:r="http://schemas.openxmlformats.org/officeDocument/2006/relationships" xmlns:p="http://schemas.openxmlformats.org/presentationml/2006/main">
-  <p:cSld>
-    <p:spTree>
-      <p:nvGrpSpPr>
-        <p:cNvPr id="1" name=""/>
-        <p:cNvGrpSpPr/>
-        <p:nvPr/>
-      </p:nvGrpSpPr>
-      <p:grpSpPr>
-        <a:xfrm>
-          <a:off x="0" y="0"/>
-          <a:ext cx="0" cy="0"/>
-          <a:chOff x="0" y="0"/>
-          <a:chExt cx="0" cy="0"/>
-        </a:xfrm>
-      </p:grpSpPr>
-      <p:sp>
-        <p:nvSpPr>
-          <p:cNvPr id="2" name="Title 1"/>
-          <p:cNvSpPr>
-            <a:spLocks noGrp="1"/>
-          </p:cNvSpPr>
-          <p:nvPr>
-            <p:ph type="title"/>
-          </p:nvPr>
-        </p:nvSpPr>
-        <p:spPr/>
-        <p:txBody>
-          <a:bodyPr>
-            <a:normAutofit/>
-          </a:bodyPr>
-          <a:lstStyle/>
-          <a:p>
-            <a:pPr algn="l"/>
-            <a:endParaRPr lang="en-US" dirty="0"/>
-          </a:p>
-        </p:txBody>
-      </p:sp>
-      <p:sp>
-        <p:nvSpPr>
-          <p:cNvPr id="3" name="Content Placeholder 2"/>
-          <p:cNvSpPr>
-            <a:spLocks noGrp="1"/>
-          </p:cNvSpPr>
-          <p:nvPr>
-            <p:ph idx="1"/>
-          </p:nvPr>
-        </p:nvSpPr>
-        <p:spPr/>
-        <p:txBody>
-          <a:bodyPr>
-            <a:normAutofit/>
-          </a:bodyPr>
-          <a:lstStyle/>
-          <a:p>
-            <a:pPr marL="0" indent="0" algn="ctr">
-              <a:buNone/>
-            </a:pPr>
-            <a:endParaRPr lang="en-US" sz="4400" dirty="0" smtClean="0">
-              <a:solidFill>
-                <a:prstClr val="black"/>
-              </a:solidFill>
-            </a:endParaRPr>
-          </a:p>
-          <a:p>
-            <a:pPr marL="0" indent="0" algn="ctr">
-              <a:buNone/>
-            </a:pPr>
-            <a:endParaRPr lang="en-US" sz="4400" dirty="0" smtClean="0">
-              <a:solidFill>
-                <a:prstClr val="black"/>
-              </a:solidFill>
-            </a:endParaRPr>
-          </a:p>
-          <a:p>
-            <a:pPr marL="0" indent="0" algn="ctr">
-              <a:buNone/>
-            </a:pPr>
-            <a:r>
-              <a:rPr lang="en-US" sz="4400" dirty="0" smtClean="0">
-                <a:solidFill>
-                  <a:prstClr val="black"/>
-                </a:solidFill>
-              </a:rPr>
-              <a:t>Questions</a:t>
-            </a:r>
-            <a:r>
-              <a:rPr lang="en-US" sz="4400" dirty="0">
-                <a:solidFill>
-                  <a:prstClr val="black"/>
-                </a:solidFill>
-              </a:rPr>
-              <a:t>?</a:t>
-            </a:r>
-            <a:endParaRPr lang="en-US" sz="4400" dirty="0"/>
-          </a:p>
-        </p:txBody>
-      </p:sp>
-      <p:sp>
-        <p:nvSpPr>
-          <p:cNvPr id="4" name="TextBox 3"/>
-          <p:cNvSpPr txBox="1"/>
-          <p:nvPr/>
-        </p:nvSpPr>
-        <p:spPr>
-          <a:xfrm>
-            <a:off x="2837444" y="2593915"/>
-            <a:ext cx="184666" cy="369332"/>
-          </a:xfrm>
-          <a:prstGeom prst="rect">
-            <a:avLst/>
-          </a:prstGeom>
-          <a:noFill/>
-        </p:spPr>
-        <p:txBody>
-          <a:bodyPr wrap="none" rtlCol="0">
-            <a:spAutoFit/>
-          </a:bodyPr>
-          <a:lstStyle/>
-          <a:p>
-            <a:endParaRPr lang="en-US" dirty="0"/>
-          </a:p>
-        </p:txBody>
-      </p:sp>
-    </p:spTree>
-    <p:extLst>
-      <p:ext uri="{BB962C8B-B14F-4D97-AF65-F5344CB8AC3E}">
-        <p14:creationId xmlns:p14="http://schemas.microsoft.com/office/powerpoint/2010/main" val="2048434548"/>
-      </p:ext>
-    </p:extLst>
-  </p:cSld>
-  <p:clrMapOvr>
-    <a:masterClrMapping/>
-  </p:clrMapOvr>
-  <p:timing>
-    <p:tnLst>
-      <p:par>
-        <p:cTn xmlns:p14="http://schemas.microsoft.com/office/powerpoint/2010/main" id="1" dur="indefinite" restart="never" nodeType="tmRoot"/>
-      </p:par>
-    </p:tnLst>
-  </p:timing>
-</p:sld>
-</file>
-
-<file path=ppt/slides/slide3.xml><?xml version="1.0" encoding="utf-8"?>
-<p:sld xmlns:a="http://schemas.openxmlformats.org/drawingml/2006/main" xmlns:r="http://schemas.openxmlformats.org/officeDocument/2006/relationships" xmlns:p="http://schemas.openxmlformats.org/presentationml/2006/main">
-  <p:cSld>
-    <p:spTree>
-      <p:nvGrpSpPr>
-        <p:cNvPr id="1" name=""/>
-        <p:cNvGrpSpPr/>
-        <p:nvPr/>
-      </p:nvGrpSpPr>
-      <p:grpSpPr>
-        <a:xfrm>
-          <a:off x="0" y="0"/>
-          <a:ext cx="0" cy="0"/>
-          <a:chOff x="0" y="0"/>
-          <a:chExt cx="0" cy="0"/>
-        </a:xfrm>
-      </p:grpSpPr>
       <p:sp>
         <p:nvSpPr>
           <p:cNvPr id="2" name="Title 1"/>
@@ -9800,13 +11202,7 @@
               <a:rPr lang="en-US" sz="2000" dirty="0" smtClean="0">
                 <a:latin typeface="Corbel" panose="020B0503020204020204" pitchFamily="34" charset="0"/>
               </a:rPr>
-              <a:t>i.e.</a:t>
-            </a:r>
-            <a:r>
-              <a:rPr lang="en-US" sz="2000" dirty="0" smtClean="0">
-                <a:latin typeface="Corbel" panose="020B0503020204020204" pitchFamily="34" charset="0"/>
-              </a:rPr>
-              <a:t> </a:t>
+              <a:t>i.e. </a:t>
             </a:r>
             <a:r>
               <a:rPr lang="en-US" sz="2000" dirty="0">
@@ -9877,6 +11273,29 @@
               </a:rPr>
               <a:t>best capabilities and compose them </a:t>
             </a:r>
+          </a:p>
+        </p:txBody>
+      </p:sp>
+      <p:sp>
+        <p:nvSpPr>
+          <p:cNvPr id="3" name="Slide Number Placeholder 2"/>
+          <p:cNvSpPr>
+            <a:spLocks noGrp="1"/>
+          </p:cNvSpPr>
+          <p:nvPr>
+            <p:ph type="sldNum" sz="quarter" idx="12"/>
+          </p:nvPr>
+        </p:nvSpPr>
+        <p:spPr/>
+        <p:txBody>
+          <a:bodyPr/>
+          <a:lstStyle/>
+          <a:p>
+            <a:fld id="{EA878592-B26F-C546-A6EA-1068590DD14F}" type="slidenum">
+              <a:rPr lang="en-US" smtClean="0"/>
+              <a:t>5</a:t>
+            </a:fld>
+            <a:endParaRPr lang="en-US"/>
           </a:p>
         </p:txBody>
       </p:sp>
@@ -9893,7 +11312,7 @@
 </p:sld>
 </file>
 
-<file path=ppt/slides/slide4.xml><?xml version="1.0" encoding="utf-8"?>
+<file path=ppt/slides/slide6.xml><?xml version="1.0" encoding="utf-8"?>
 <p:sld xmlns:a="http://schemas.openxmlformats.org/drawingml/2006/main" xmlns:r="http://schemas.openxmlformats.org/officeDocument/2006/relationships" xmlns:p="http://schemas.openxmlformats.org/presentationml/2006/main">
   <p:cSld>
     <p:spTree>
@@ -10095,282 +11514,33 @@
           </a:prstGeom>
         </p:spPr>
       </p:pic>
+      <p:sp>
+        <p:nvSpPr>
+          <p:cNvPr id="3" name="Slide Number Placeholder 2"/>
+          <p:cNvSpPr>
+            <a:spLocks noGrp="1"/>
+          </p:cNvSpPr>
+          <p:nvPr>
+            <p:ph type="sldNum" sz="quarter" idx="12"/>
+          </p:nvPr>
+        </p:nvSpPr>
+        <p:spPr/>
+        <p:txBody>
+          <a:bodyPr/>
+          <a:lstStyle/>
+          <a:p>
+            <a:fld id="{EA878592-B26F-C546-A6EA-1068590DD14F}" type="slidenum">
+              <a:rPr lang="en-US" smtClean="0"/>
+              <a:t>6</a:t>
+            </a:fld>
+            <a:endParaRPr lang="en-US"/>
+          </a:p>
+        </p:txBody>
+      </p:sp>
     </p:spTree>
     <p:extLst>
       <p:ext uri="{BB962C8B-B14F-4D97-AF65-F5344CB8AC3E}">
         <p14:creationId xmlns:p14="http://schemas.microsoft.com/office/powerpoint/2010/main" val="4074930994"/>
-      </p:ext>
-    </p:extLst>
-  </p:cSld>
-  <p:clrMapOvr>
-    <a:masterClrMapping/>
-  </p:clrMapOvr>
-  <p:timing>
-    <p:tnLst>
-      <p:par>
-        <p:cTn xmlns:p14="http://schemas.microsoft.com/office/powerpoint/2010/main" id="1" dur="indefinite" restart="never" nodeType="tmRoot"/>
-      </p:par>
-    </p:tnLst>
-  </p:timing>
-</p:sld>
-</file>
-
-<file path=ppt/slides/slide5.xml><?xml version="1.0" encoding="utf-8"?>
-<p:sld xmlns:a="http://schemas.openxmlformats.org/drawingml/2006/main" xmlns:r="http://schemas.openxmlformats.org/officeDocument/2006/relationships" xmlns:p="http://schemas.openxmlformats.org/presentationml/2006/main">
-  <p:cSld>
-    <p:spTree>
-      <p:nvGrpSpPr>
-        <p:cNvPr id="1" name=""/>
-        <p:cNvGrpSpPr/>
-        <p:nvPr/>
-      </p:nvGrpSpPr>
-      <p:grpSpPr>
-        <a:xfrm>
-          <a:off x="0" y="0"/>
-          <a:ext cx="0" cy="0"/>
-          <a:chOff x="0" y="0"/>
-          <a:chExt cx="0" cy="0"/>
-        </a:xfrm>
-      </p:grpSpPr>
-      <p:sp>
-        <p:nvSpPr>
-          <p:cNvPr id="2" name="Title 1"/>
-          <p:cNvSpPr>
-            <a:spLocks noGrp="1"/>
-          </p:cNvSpPr>
-          <p:nvPr>
-            <p:ph type="title"/>
-          </p:nvPr>
-        </p:nvSpPr>
-        <p:spPr/>
-        <p:txBody>
-          <a:bodyPr>
-            <a:normAutofit fontScale="90000"/>
-          </a:bodyPr>
-          <a:lstStyle/>
-          <a:p>
-            <a:pPr algn="l"/>
-            <a:r>
-              <a:rPr lang="en-US" sz="4900" dirty="0" smtClean="0"/>
-              <a:t>Motivation</a:t>
-            </a:r>
-            <a:r>
-              <a:rPr lang="en-US" dirty="0" smtClean="0"/>
-              <a:t/>
-            </a:r>
-            <a:br>
-              <a:rPr lang="en-US" dirty="0" smtClean="0"/>
-            </a:br>
-            <a:r>
-              <a:rPr lang="en-US" sz="2700" dirty="0"/>
-              <a:t>Gap in High-End computing environment </a:t>
-            </a:r>
-          </a:p>
-        </p:txBody>
-      </p:sp>
-      <p:sp>
-        <p:nvSpPr>
-          <p:cNvPr id="11" name="Content Placeholder 15"/>
-          <p:cNvSpPr>
-            <a:spLocks noGrp="1"/>
-          </p:cNvSpPr>
-          <p:nvPr>
-            <p:ph idx="1"/>
-          </p:nvPr>
-        </p:nvSpPr>
-        <p:spPr>
-          <a:xfrm>
-            <a:off x="457200" y="2013450"/>
-            <a:ext cx="8229600" cy="1499143"/>
-          </a:xfrm>
-        </p:spPr>
-        <p:txBody>
-          <a:bodyPr>
-            <a:noAutofit/>
-          </a:bodyPr>
-          <a:lstStyle/>
-          <a:p>
-            <a:r>
-              <a:rPr lang="en-US" sz="2600" dirty="0"/>
-              <a:t>Data race bugs in multi-threaded environment</a:t>
-            </a:r>
-            <a:r>
-              <a:rPr lang="en-US" sz="2600" dirty="0" smtClean="0"/>
-              <a:t>:</a:t>
-            </a:r>
-          </a:p>
-          <a:p>
-            <a:pPr lvl="1"/>
-            <a:r>
-              <a:rPr lang="en-US" sz="2200" dirty="0" smtClean="0"/>
-              <a:t>One </a:t>
-            </a:r>
-            <a:r>
-              <a:rPr lang="en-US" sz="2200" dirty="0"/>
-              <a:t>of the most notorious sources of unsafe non-</a:t>
-            </a:r>
-            <a:r>
-              <a:rPr lang="en-US" sz="2200" dirty="0" smtClean="0"/>
-              <a:t>determinism</a:t>
-            </a:r>
-            <a:endParaRPr lang="en-US" sz="2200" dirty="0"/>
-          </a:p>
-          <a:p>
-            <a:pPr lvl="1"/>
-            <a:r>
-              <a:rPr lang="en-US" sz="2200" dirty="0"/>
-              <a:t>Identifying them in large OpenMP applications is highly </a:t>
-            </a:r>
-            <a:r>
-              <a:rPr lang="en-US" sz="2200" dirty="0" smtClean="0"/>
-              <a:t>challenging</a:t>
-            </a:r>
-            <a:endParaRPr lang="en-US" sz="2200" dirty="0">
-              <a:effectLst/>
-            </a:endParaRPr>
-          </a:p>
-        </p:txBody>
-      </p:sp>
-      <p:pic>
-        <p:nvPicPr>
-          <p:cNvPr id="3" name="Picture 2" descr="table.pdf"/>
-          <p:cNvPicPr>
-            <a:picLocks noChangeAspect="1"/>
-          </p:cNvPicPr>
-          <p:nvPr/>
-        </p:nvPicPr>
-        <p:blipFill>
-          <a:blip r:embed="rId2">
-            <a:extLst>
-              <a:ext uri="{28A0092B-C50C-407E-A947-70E740481C1C}">
-                <a14:useLocalDpi xmlns:a14="http://schemas.microsoft.com/office/drawing/2010/main" val="0"/>
-              </a:ext>
-            </a:extLst>
-          </a:blip>
-          <a:stretch>
-            <a:fillRect/>
-          </a:stretch>
-        </p:blipFill>
-        <p:spPr>
-          <a:xfrm>
-            <a:off x="457200" y="4039482"/>
-            <a:ext cx="8229600" cy="1864376"/>
-          </a:xfrm>
-          <a:prstGeom prst="rect">
-            <a:avLst/>
-          </a:prstGeom>
-        </p:spPr>
-      </p:pic>
-    </p:spTree>
-    <p:extLst>
-      <p:ext uri="{BB962C8B-B14F-4D97-AF65-F5344CB8AC3E}">
-        <p14:creationId xmlns:p14="http://schemas.microsoft.com/office/powerpoint/2010/main" val="2678766466"/>
-      </p:ext>
-    </p:extLst>
-  </p:cSld>
-  <p:clrMapOvr>
-    <a:masterClrMapping/>
-  </p:clrMapOvr>
-  <p:timing>
-    <p:tnLst>
-      <p:par>
-        <p:cTn xmlns:p14="http://schemas.microsoft.com/office/powerpoint/2010/main" id="1" dur="indefinite" restart="never" nodeType="tmRoot"/>
-      </p:par>
-    </p:tnLst>
-  </p:timing>
-</p:sld>
-</file>
-
-<file path=ppt/slides/slide6.xml><?xml version="1.0" encoding="utf-8"?>
-<p:sld xmlns:a="http://schemas.openxmlformats.org/drawingml/2006/main" xmlns:r="http://schemas.openxmlformats.org/officeDocument/2006/relationships" xmlns:p="http://schemas.openxmlformats.org/presentationml/2006/main">
-  <p:cSld>
-    <p:spTree>
-      <p:nvGrpSpPr>
-        <p:cNvPr id="1" name=""/>
-        <p:cNvGrpSpPr/>
-        <p:nvPr/>
-      </p:nvGrpSpPr>
-      <p:grpSpPr>
-        <a:xfrm>
-          <a:off x="0" y="0"/>
-          <a:ext cx="0" cy="0"/>
-          <a:chOff x="0" y="0"/>
-          <a:chExt cx="0" cy="0"/>
-        </a:xfrm>
-      </p:grpSpPr>
-      <p:sp>
-        <p:nvSpPr>
-          <p:cNvPr id="2" name="Title 1"/>
-          <p:cNvSpPr>
-            <a:spLocks noGrp="1"/>
-          </p:cNvSpPr>
-          <p:nvPr>
-            <p:ph type="title"/>
-          </p:nvPr>
-        </p:nvSpPr>
-        <p:spPr/>
-        <p:txBody>
-          <a:bodyPr>
-            <a:normAutofit fontScale="90000"/>
-          </a:bodyPr>
-          <a:lstStyle/>
-          <a:p>
-            <a:pPr algn="l"/>
-            <a:r>
-              <a:rPr lang="en-US" sz="4900" dirty="0" smtClean="0"/>
-              <a:t>State of the art</a:t>
-            </a:r>
-            <a:r>
-              <a:rPr lang="en-US" dirty="0" smtClean="0"/>
-              <a:t/>
-            </a:r>
-            <a:br>
-              <a:rPr lang="en-US" dirty="0" smtClean="0"/>
-            </a:br>
-            <a:r>
-              <a:rPr lang="en-US" sz="2700" dirty="0" smtClean="0"/>
-              <a:t>Overview of Data Race Detection Techniques</a:t>
-            </a:r>
-            <a:endParaRPr lang="en-US" sz="2700" dirty="0"/>
-          </a:p>
-        </p:txBody>
-      </p:sp>
-      <p:sp>
-        <p:nvSpPr>
-          <p:cNvPr id="4" name="Content Placeholder 3"/>
-          <p:cNvSpPr>
-            <a:spLocks noGrp="1"/>
-          </p:cNvSpPr>
-          <p:nvPr>
-            <p:ph idx="1"/>
-          </p:nvPr>
-        </p:nvSpPr>
-        <p:spPr/>
-        <p:txBody>
-          <a:bodyPr/>
-          <a:lstStyle/>
-          <a:p>
-            <a:endParaRPr lang="en-US" dirty="0" smtClean="0"/>
-          </a:p>
-          <a:p>
-            <a:r>
-              <a:rPr lang="en-US" dirty="0" smtClean="0"/>
-              <a:t>Static analyses</a:t>
-            </a:r>
-          </a:p>
-          <a:p>
-            <a:r>
-              <a:rPr lang="en-US" dirty="0" smtClean="0"/>
-              <a:t>Dynamic analyses</a:t>
-            </a:r>
-            <a:endParaRPr lang="en-US" dirty="0"/>
-          </a:p>
-        </p:txBody>
-      </p:sp>
-    </p:spTree>
-    <p:extLst>
-      <p:ext uri="{BB962C8B-B14F-4D97-AF65-F5344CB8AC3E}">
-        <p14:creationId xmlns:p14="http://schemas.microsoft.com/office/powerpoint/2010/main" val="2543987610"/>
       </p:ext>
     </p:extLst>
   </p:cSld>
@@ -10424,7 +11594,7 @@
             <a:pPr algn="l"/>
             <a:r>
               <a:rPr lang="en-US" sz="4900" dirty="0" smtClean="0"/>
-              <a:t>State of the art</a:t>
+              <a:t>Motivation</a:t>
             </a:r>
             <a:r>
               <a:rPr lang="en-US" dirty="0" smtClean="0"/>
@@ -10434,20 +11604,15 @@
               <a:rPr lang="en-US" dirty="0" smtClean="0"/>
             </a:br>
             <a:r>
-              <a:rPr lang="en-US" sz="2800" dirty="0"/>
-              <a:t>Static Data Race </a:t>
-            </a:r>
-            <a:r>
-              <a:rPr lang="en-US" sz="2800" dirty="0" smtClean="0"/>
-              <a:t>Detection Techniques</a:t>
-            </a:r>
-            <a:endParaRPr lang="en-US" sz="2700" dirty="0"/>
-          </a:p>
-        </p:txBody>
-      </p:sp>
-      <p:sp>
-        <p:nvSpPr>
-          <p:cNvPr id="4" name="Content Placeholder 3"/>
+              <a:rPr lang="en-US" sz="2700" dirty="0"/>
+              <a:t>Gap in High-End computing environment </a:t>
+            </a:r>
+          </a:p>
+        </p:txBody>
+      </p:sp>
+      <p:sp>
+        <p:nvSpPr>
+          <p:cNvPr id="11" name="Content Placeholder 15"/>
           <p:cNvSpPr>
             <a:spLocks noGrp="1"/>
           </p:cNvSpPr>
@@ -10455,101 +11620,116 @@
             <p:ph idx="1"/>
           </p:nvPr>
         </p:nvSpPr>
+        <p:spPr>
+          <a:xfrm>
+            <a:off x="457200" y="2013450"/>
+            <a:ext cx="8229600" cy="1499143"/>
+          </a:xfrm>
+        </p:spPr>
+        <p:txBody>
+          <a:bodyPr>
+            <a:noAutofit/>
+          </a:bodyPr>
+          <a:lstStyle/>
+          <a:p>
+            <a:r>
+              <a:rPr lang="en-US" sz="2600" dirty="0"/>
+              <a:t>Data race bugs in multi-threaded environment</a:t>
+            </a:r>
+            <a:r>
+              <a:rPr lang="en-US" sz="2600" dirty="0" smtClean="0"/>
+              <a:t>:</a:t>
+            </a:r>
+          </a:p>
+          <a:p>
+            <a:pPr lvl="1"/>
+            <a:r>
+              <a:rPr lang="en-US" sz="2200" dirty="0" smtClean="0"/>
+              <a:t>One </a:t>
+            </a:r>
+            <a:r>
+              <a:rPr lang="en-US" sz="2200" dirty="0"/>
+              <a:t>of the most notorious sources of unsafe non-</a:t>
+            </a:r>
+            <a:r>
+              <a:rPr lang="en-US" sz="2200" dirty="0" smtClean="0"/>
+              <a:t>determinism</a:t>
+            </a:r>
+            <a:endParaRPr lang="en-US" sz="2200" dirty="0"/>
+          </a:p>
+          <a:p>
+            <a:pPr lvl="1"/>
+            <a:r>
+              <a:rPr lang="en-US" sz="2200" dirty="0"/>
+              <a:t>Identifying them in large OpenMP applications is highly </a:t>
+            </a:r>
+            <a:r>
+              <a:rPr lang="en-US" sz="2200" dirty="0" smtClean="0"/>
+              <a:t>challenging</a:t>
+            </a:r>
+            <a:endParaRPr lang="en-US" sz="2200" dirty="0">
+              <a:effectLst/>
+            </a:endParaRPr>
+          </a:p>
+        </p:txBody>
+      </p:sp>
+      <p:pic>
+        <p:nvPicPr>
+          <p:cNvPr id="3" name="Picture 2" descr="table.pdf"/>
+          <p:cNvPicPr>
+            <a:picLocks noChangeAspect="1"/>
+          </p:cNvPicPr>
+          <p:nvPr/>
+        </p:nvPicPr>
+        <p:blipFill>
+          <a:blip r:embed="rId2">
+            <a:extLst>
+              <a:ext uri="{28A0092B-C50C-407E-A947-70E740481C1C}">
+                <a14:useLocalDpi xmlns:a14="http://schemas.microsoft.com/office/drawing/2010/main" val="0"/>
+              </a:ext>
+            </a:extLst>
+          </a:blip>
+          <a:stretch>
+            <a:fillRect/>
+          </a:stretch>
+        </p:blipFill>
+        <p:spPr>
+          <a:xfrm>
+            <a:off x="457200" y="4039482"/>
+            <a:ext cx="8229600" cy="1864376"/>
+          </a:xfrm>
+          <a:prstGeom prst="rect">
+            <a:avLst/>
+          </a:prstGeom>
+        </p:spPr>
+      </p:pic>
+      <p:sp>
+        <p:nvSpPr>
+          <p:cNvPr id="4" name="Slide Number Placeholder 3"/>
+          <p:cNvSpPr>
+            <a:spLocks noGrp="1"/>
+          </p:cNvSpPr>
+          <p:nvPr>
+            <p:ph type="sldNum" sz="quarter" idx="12"/>
+          </p:nvPr>
+        </p:nvSpPr>
         <p:spPr/>
         <p:txBody>
-          <a:bodyPr>
-            <a:normAutofit fontScale="92500" lnSpcReduction="20000"/>
-          </a:bodyPr>
-          <a:lstStyle/>
-          <a:p>
-            <a:pPr>
-              <a:lnSpc>
-                <a:spcPct val="150000"/>
-              </a:lnSpc>
-            </a:pPr>
-            <a:r>
-              <a:rPr lang="en-US" dirty="0"/>
-              <a:t>Static Analysis</a:t>
-            </a:r>
-          </a:p>
-          <a:p>
-            <a:pPr lvl="1">
-              <a:lnSpc>
-                <a:spcPct val="150000"/>
-              </a:lnSpc>
-            </a:pPr>
-            <a:r>
-              <a:rPr lang="en-US" dirty="0"/>
-              <a:t>Reason about all inputs/</a:t>
-            </a:r>
-            <a:r>
-              <a:rPr lang="en-US" dirty="0" err="1"/>
-              <a:t>interleavings</a:t>
-            </a:r>
-            <a:endParaRPr lang="en-US" dirty="0"/>
-          </a:p>
-          <a:p>
-            <a:pPr lvl="1"/>
-            <a:r>
-              <a:rPr lang="en-US" dirty="0"/>
-              <a:t>Very imprecise, many “false positives” and “false negatives” (miss races)</a:t>
-            </a:r>
-          </a:p>
-          <a:p>
-            <a:pPr lvl="1">
-              <a:lnSpc>
-                <a:spcPct val="150000"/>
-              </a:lnSpc>
-            </a:pPr>
-            <a:r>
-              <a:rPr lang="en-US" dirty="0"/>
-              <a:t>Very scalable and fast (i.e. no runtime overhead)</a:t>
-            </a:r>
-          </a:p>
-          <a:p>
-            <a:pPr>
-              <a:lnSpc>
-                <a:spcPct val="150000"/>
-              </a:lnSpc>
-            </a:pPr>
-            <a:r>
-              <a:rPr lang="en-US" dirty="0"/>
-              <a:t>Example Tools:</a:t>
-            </a:r>
-          </a:p>
-          <a:p>
-            <a:pPr lvl="1">
-              <a:lnSpc>
-                <a:spcPct val="150000"/>
-              </a:lnSpc>
-            </a:pPr>
-            <a:r>
-              <a:rPr lang="en-US" dirty="0"/>
-              <a:t>Intel Static Security Analysis</a:t>
-            </a:r>
-          </a:p>
-          <a:p>
-            <a:pPr lvl="2">
-              <a:lnSpc>
-                <a:spcPct val="150000"/>
-              </a:lnSpc>
-            </a:pPr>
-            <a:r>
-              <a:rPr lang="en-US" dirty="0"/>
-              <a:t>Support C/C++ and </a:t>
-            </a:r>
-            <a:r>
-              <a:rPr lang="en-US" dirty="0" smtClean="0"/>
-              <a:t>Fortran</a:t>
-            </a:r>
-            <a:endParaRPr lang="en-US" dirty="0"/>
+          <a:bodyPr/>
+          <a:lstStyle/>
+          <a:p>
+            <a:fld id="{EA878592-B26F-C546-A6EA-1068590DD14F}" type="slidenum">
+              <a:rPr lang="en-US" smtClean="0"/>
+              <a:t>7</a:t>
+            </a:fld>
+            <a:endParaRPr lang="en-US"/>
           </a:p>
         </p:txBody>
       </p:sp>
     </p:spTree>
     <p:extLst>
       <p:ext uri="{BB962C8B-B14F-4D97-AF65-F5344CB8AC3E}">
-        <p14:creationId xmlns:p14="http://schemas.microsoft.com/office/powerpoint/2010/main" val="1398622825"/>
+        <p14:creationId xmlns:p14="http://schemas.microsoft.com/office/powerpoint/2010/main" val="2678766466"/>
       </p:ext>
     </p:extLst>
   </p:cSld>
@@ -10613,16 +11793,8 @@
               <a:rPr lang="en-US" dirty="0" smtClean="0"/>
             </a:br>
             <a:r>
-              <a:rPr lang="en-US" sz="2800" dirty="0" smtClean="0"/>
-              <a:t>Dynamic Data </a:t>
-            </a:r>
-            <a:r>
-              <a:rPr lang="en-US" sz="2800" dirty="0"/>
-              <a:t>Race </a:t>
-            </a:r>
-            <a:r>
-              <a:rPr lang="en-US" sz="2800" dirty="0" smtClean="0"/>
-              <a:t>Detection Techniques</a:t>
+              <a:rPr lang="en-US" sz="2700" dirty="0" smtClean="0"/>
+              <a:t>Overview of Data Race Detection Techniques</a:t>
             </a:r>
             <a:endParaRPr lang="en-US" sz="2700" dirty="0"/>
           </a:p>
@@ -10640,108 +11812,53 @@
         </p:nvSpPr>
         <p:spPr/>
         <p:txBody>
-          <a:bodyPr>
-            <a:normAutofit fontScale="70000" lnSpcReduction="20000"/>
-          </a:bodyPr>
-          <a:lstStyle/>
-          <a:p>
-            <a:pPr>
-              <a:lnSpc>
-                <a:spcPct val="150000"/>
-              </a:lnSpc>
-            </a:pPr>
-            <a:r>
-              <a:rPr lang="en-US" dirty="0"/>
-              <a:t>Dynamic Analysis</a:t>
-            </a:r>
-          </a:p>
-          <a:p>
-            <a:pPr lvl="1">
-              <a:lnSpc>
-                <a:spcPct val="150000"/>
-              </a:lnSpc>
-            </a:pPr>
-            <a:r>
-              <a:rPr lang="en-US" dirty="0"/>
-              <a:t>Very precise, no false positives</a:t>
-            </a:r>
-          </a:p>
-          <a:p>
-            <a:pPr lvl="1"/>
-            <a:r>
-              <a:rPr lang="en-US" dirty="0"/>
-              <a:t>Reports races only in branches of the programs that are actually executed</a:t>
-            </a:r>
-          </a:p>
-          <a:p>
-            <a:pPr lvl="1"/>
-            <a:r>
-              <a:rPr lang="en-US" dirty="0"/>
-              <a:t>Very high runtime and memory overhead (5-20x for best tools)</a:t>
-            </a:r>
-          </a:p>
-          <a:p>
-            <a:pPr>
-              <a:lnSpc>
-                <a:spcPct val="150000"/>
-              </a:lnSpc>
-            </a:pPr>
-            <a:r>
-              <a:rPr lang="en-US" dirty="0"/>
-              <a:t>Example Techniques:</a:t>
-            </a:r>
-          </a:p>
-          <a:p>
-            <a:pPr lvl="1">
-              <a:lnSpc>
-                <a:spcPct val="150000"/>
-              </a:lnSpc>
-            </a:pPr>
-            <a:r>
-              <a:rPr lang="en-US" dirty="0"/>
-              <a:t>Lockset Algorithm</a:t>
-            </a:r>
-          </a:p>
-          <a:p>
-            <a:pPr lvl="1">
-              <a:lnSpc>
-                <a:spcPct val="150000"/>
-              </a:lnSpc>
-            </a:pPr>
-            <a:r>
-              <a:rPr lang="en-US" dirty="0"/>
-              <a:t>Happens-Before Relation</a:t>
-            </a:r>
-          </a:p>
-          <a:p>
-            <a:pPr lvl="1">
-              <a:lnSpc>
-                <a:spcPct val="150000"/>
-              </a:lnSpc>
-            </a:pPr>
-            <a:r>
-              <a:rPr lang="en-US" dirty="0"/>
-              <a:t>Hybrid data race detection </a:t>
-            </a:r>
-          </a:p>
-          <a:p>
-            <a:pPr lvl="2">
-              <a:lnSpc>
-                <a:spcPct val="150000"/>
-              </a:lnSpc>
-            </a:pPr>
-            <a:r>
-              <a:rPr lang="en-US" dirty="0"/>
-              <a:t>combination of lockset and happens-before relation</a:t>
+          <a:bodyPr/>
+          <a:lstStyle/>
+          <a:p>
+            <a:endParaRPr lang="en-US" dirty="0" smtClean="0"/>
+          </a:p>
+          <a:p>
+            <a:r>
+              <a:rPr lang="en-US" dirty="0" smtClean="0"/>
+              <a:t>Static analyses</a:t>
+            </a:r>
+          </a:p>
+          <a:p>
+            <a:r>
+              <a:rPr lang="en-US" dirty="0" smtClean="0"/>
+              <a:t>Dynamic analyses</a:t>
             </a:r>
             <a:endParaRPr lang="en-US" dirty="0"/>
+          </a:p>
+        </p:txBody>
+      </p:sp>
+      <p:sp>
+        <p:nvSpPr>
+          <p:cNvPr id="3" name="Slide Number Placeholder 2"/>
+          <p:cNvSpPr>
+            <a:spLocks noGrp="1"/>
+          </p:cNvSpPr>
+          <p:nvPr>
+            <p:ph type="sldNum" sz="quarter" idx="12"/>
+          </p:nvPr>
+        </p:nvSpPr>
+        <p:spPr/>
+        <p:txBody>
+          <a:bodyPr/>
+          <a:lstStyle/>
+          <a:p>
+            <a:fld id="{EA878592-B26F-C546-A6EA-1068590DD14F}" type="slidenum">
+              <a:rPr lang="en-US" smtClean="0"/>
+              <a:t>8</a:t>
+            </a:fld>
+            <a:endParaRPr lang="en-US"/>
           </a:p>
         </p:txBody>
       </p:sp>
     </p:spTree>
     <p:extLst>
       <p:ext uri="{BB962C8B-B14F-4D97-AF65-F5344CB8AC3E}">
-        <p14:creationId xmlns:p14="http://schemas.microsoft.com/office/powerpoint/2010/main" val="1338262420"/>
+        <p14:creationId xmlns:p14="http://schemas.microsoft.com/office/powerpoint/2010/main" val="2543987610"/>
       </p:ext>
     </p:extLst>
   </p:cSld>
@@ -10805,16 +11922,12 @@
               <a:rPr lang="en-US" dirty="0" smtClean="0"/>
             </a:br>
             <a:r>
+              <a:rPr lang="en-US" sz="2800" dirty="0"/>
+              <a:t>Static Data Race </a:t>
+            </a:r>
+            <a:r>
               <a:rPr lang="en-US" sz="2800" dirty="0" smtClean="0"/>
-              <a:t>Dynamic Data </a:t>
-            </a:r>
-            <a:r>
-              <a:rPr lang="en-US" sz="2800" dirty="0"/>
-              <a:t>Race </a:t>
-            </a:r>
-            <a:r>
-              <a:rPr lang="en-US" sz="2800" dirty="0" smtClean="0"/>
-              <a:t>Detection Tools</a:t>
+              <a:t>Detection Techniques</a:t>
             </a:r>
             <a:endParaRPr lang="en-US" sz="2700" dirty="0"/>
           </a:p>
@@ -10830,15 +11943,10 @@
             <p:ph idx="1"/>
           </p:nvPr>
         </p:nvSpPr>
-        <p:spPr>
-          <a:xfrm>
-            <a:off x="457200" y="1600200"/>
-            <a:ext cx="8229600" cy="4114519"/>
-          </a:xfrm>
-        </p:spPr>
+        <p:spPr/>
         <p:txBody>
           <a:bodyPr>
-            <a:normAutofit/>
+            <a:normAutofit fontScale="92500" lnSpcReduction="20000"/>
           </a:bodyPr>
           <a:lstStyle/>
           <a:p>
@@ -10848,16 +11956,42 @@
               </a:lnSpc>
             </a:pPr>
             <a:r>
-              <a:rPr lang="en-US" sz="2400" dirty="0"/>
-              <a:t>Not </a:t>
-            </a:r>
-            <a:r>
-              <a:rPr lang="en-US" sz="2400" dirty="0" smtClean="0"/>
-              <a:t>many (OpenMP) </a:t>
-            </a:r>
-            <a:r>
-              <a:rPr lang="en-US" sz="2400" dirty="0"/>
-              <a:t>data race detectors out there!</a:t>
+              <a:rPr lang="en-US" dirty="0"/>
+              <a:t>Static Analysis</a:t>
+            </a:r>
+          </a:p>
+          <a:p>
+            <a:pPr lvl="1">
+              <a:lnSpc>
+                <a:spcPct val="150000"/>
+              </a:lnSpc>
+            </a:pPr>
+            <a:r>
+              <a:rPr lang="en-US" dirty="0"/>
+              <a:t>Reason about all inputs/</a:t>
+            </a:r>
+            <a:r>
+              <a:rPr lang="en-US" dirty="0" err="1"/>
+              <a:t>interleavings</a:t>
+            </a:r>
+            <a:endParaRPr lang="en-US" dirty="0"/>
+          </a:p>
+          <a:p>
+            <a:pPr lvl="1"/>
+            <a:r>
+              <a:rPr lang="en-US" dirty="0"/>
+              <a:t>Very imprecise, many “false positives” and “false negatives” (miss races)</a:t>
+            </a:r>
+          </a:p>
+          <a:p>
+            <a:pPr lvl="1">
+              <a:lnSpc>
+                <a:spcPct val="150000"/>
+              </a:lnSpc>
+            </a:pPr>
+            <a:r>
+              <a:rPr lang="en-US" dirty="0"/>
+              <a:t>Very scalable and fast (i.e. no runtime overhead)</a:t>
             </a:r>
           </a:p>
           <a:p>
@@ -10867,8 +12001,8 @@
               </a:lnSpc>
             </a:pPr>
             <a:r>
-              <a:rPr lang="en-US" sz="2400" dirty="0"/>
-              <a:t>Commercial tools:</a:t>
+              <a:rPr lang="en-US" dirty="0"/>
+              <a:t>Example Tools:</a:t>
             </a:r>
           </a:p>
           <a:p>
@@ -10878,165 +12012,55 @@
               </a:lnSpc>
             </a:pPr>
             <a:r>
-              <a:rPr lang="en-US" sz="2000" dirty="0"/>
-              <a:t>Intel Inspector XE: </a:t>
-            </a:r>
-            <a:r>
-              <a:rPr lang="en-US" sz="2000" dirty="0" err="1"/>
-              <a:t>Pthread</a:t>
-            </a:r>
-            <a:r>
-              <a:rPr lang="en-US" sz="2000" dirty="0"/>
-              <a:t> and OpenMP C/C++ and Fortran</a:t>
-            </a:r>
-            <a:endParaRPr lang="en-US" sz="1200" dirty="0"/>
-          </a:p>
-          <a:p>
-            <a:pPr lvl="1">
+              <a:rPr lang="en-US" dirty="0"/>
+              <a:t>Intel Static Security Analysis</a:t>
+            </a:r>
+          </a:p>
+          <a:p>
+            <a:pPr lvl="2">
               <a:lnSpc>
                 <a:spcPct val="150000"/>
               </a:lnSpc>
             </a:pPr>
             <a:r>
-              <a:rPr lang="en-US" sz="2000" dirty="0"/>
-              <a:t>Sun Studio Data-Race Detection Tool: </a:t>
-            </a:r>
-            <a:r>
-              <a:rPr lang="en-US" sz="2000" dirty="0" err="1"/>
-              <a:t>Pthread</a:t>
-            </a:r>
-            <a:r>
-              <a:rPr lang="en-US" sz="2000" dirty="0"/>
-              <a:t> and OpenMP C/C+</a:t>
-            </a:r>
-            <a:r>
-              <a:rPr lang="en-US" sz="2000" dirty="0" smtClean="0"/>
-              <a:t>+</a:t>
-            </a:r>
-            <a:endParaRPr lang="en-US" sz="1600" dirty="0"/>
-          </a:p>
-          <a:p>
-            <a:pPr>
-              <a:lnSpc>
-                <a:spcPct val="150000"/>
-              </a:lnSpc>
-            </a:pPr>
-            <a:r>
-              <a:rPr lang="en-US" sz="2400" dirty="0"/>
-              <a:t>Open-source tools:</a:t>
-            </a:r>
-          </a:p>
-          <a:p>
-            <a:pPr lvl="1">
-              <a:lnSpc>
-                <a:spcPct val="150000"/>
-              </a:lnSpc>
-            </a:pPr>
-            <a:r>
-              <a:rPr lang="en-US" sz="2000" dirty="0" err="1"/>
-              <a:t>Helgrind</a:t>
-            </a:r>
-            <a:r>
-              <a:rPr lang="en-US" sz="2000" dirty="0"/>
-              <a:t> (based on </a:t>
-            </a:r>
-            <a:r>
-              <a:rPr lang="en-US" sz="2000" dirty="0" err="1"/>
-              <a:t>Valgrind</a:t>
-            </a:r>
-            <a:r>
-              <a:rPr lang="en-US" sz="2000" dirty="0"/>
-              <a:t>): </a:t>
-            </a:r>
-            <a:r>
-              <a:rPr lang="en-US" sz="2000" dirty="0" err="1"/>
-              <a:t>Pthread</a:t>
-            </a:r>
-            <a:r>
-              <a:rPr lang="en-US" sz="2000" dirty="0"/>
-              <a:t> C/C++ and Fortran</a:t>
-            </a:r>
-          </a:p>
-          <a:p>
-            <a:pPr lvl="1">
-              <a:lnSpc>
-                <a:spcPct val="150000"/>
-              </a:lnSpc>
-            </a:pPr>
-            <a:r>
-              <a:rPr lang="en-US" sz="2000" dirty="0"/>
-              <a:t>Thread Sanitizer: </a:t>
-            </a:r>
-            <a:r>
-              <a:rPr lang="en-US" sz="2000" dirty="0" err="1"/>
-              <a:t>Pthread</a:t>
-            </a:r>
-            <a:r>
-              <a:rPr lang="en-US" sz="2000" dirty="0"/>
-              <a:t> C/C++ and </a:t>
-            </a:r>
-            <a:r>
-              <a:rPr lang="en-US" sz="2000" dirty="0" smtClean="0"/>
-              <a:t>Go</a:t>
-            </a:r>
-            <a:endParaRPr lang="en-US" sz="2000" dirty="0"/>
-          </a:p>
-        </p:txBody>
-      </p:sp>
-      <p:sp>
-        <p:nvSpPr>
-          <p:cNvPr id="3" name="TextBox 2"/>
-          <p:cNvSpPr txBox="1"/>
-          <p:nvPr/>
-        </p:nvSpPr>
-        <p:spPr>
-          <a:xfrm>
-            <a:off x="457200" y="5591231"/>
-            <a:ext cx="8229599" cy="1077218"/>
-          </a:xfrm>
-          <a:prstGeom prst="rect">
-            <a:avLst/>
-          </a:prstGeom>
-          <a:noFill/>
-        </p:spPr>
-        <p:txBody>
-          <a:bodyPr wrap="square" rtlCol="0">
-            <a:spAutoFit/>
-          </a:bodyPr>
-          <a:lstStyle/>
-          <a:p>
-            <a:pPr algn="ctr"/>
-            <a:r>
-              <a:rPr lang="en-US" sz="3200" b="1" dirty="0" smtClean="0">
-                <a:solidFill>
-                  <a:srgbClr val="FF0000"/>
-                </a:solidFill>
-              </a:rPr>
-              <a:t>High runtime and memory overhead!</a:t>
-            </a:r>
-          </a:p>
-          <a:p>
-            <a:pPr algn="ctr"/>
-            <a:r>
-              <a:rPr lang="en-US" sz="3200" b="1" dirty="0" smtClean="0">
-                <a:solidFill>
-                  <a:srgbClr val="FF0000"/>
-                </a:solidFill>
-              </a:rPr>
-              <a:t>100x slower on HPC application!</a:t>
-            </a:r>
-            <a:endParaRPr lang="en-US" sz="3200" b="1" dirty="0">
-              <a:solidFill>
-                <a:srgbClr val="FF0000"/>
-              </a:solidFill>
-            </a:endParaRPr>
+              <a:rPr lang="en-US" dirty="0"/>
+              <a:t>Support C/C++ and </a:t>
+            </a:r>
+            <a:r>
+              <a:rPr lang="en-US" dirty="0" smtClean="0"/>
+              <a:t>Fortran</a:t>
+            </a:r>
+            <a:endParaRPr lang="en-US" dirty="0"/>
+          </a:p>
+        </p:txBody>
+      </p:sp>
+      <p:sp>
+        <p:nvSpPr>
+          <p:cNvPr id="3" name="Slide Number Placeholder 2"/>
+          <p:cNvSpPr>
+            <a:spLocks noGrp="1"/>
+          </p:cNvSpPr>
+          <p:nvPr>
+            <p:ph type="sldNum" sz="quarter" idx="12"/>
+          </p:nvPr>
+        </p:nvSpPr>
+        <p:spPr/>
+        <p:txBody>
+          <a:bodyPr/>
+          <a:lstStyle/>
+          <a:p>
+            <a:fld id="{EA878592-B26F-C546-A6EA-1068590DD14F}" type="slidenum">
+              <a:rPr lang="en-US" smtClean="0"/>
+              <a:t>9</a:t>
+            </a:fld>
+            <a:endParaRPr lang="en-US"/>
           </a:p>
         </p:txBody>
       </p:sp>
     </p:spTree>
     <p:extLst>
       <p:ext uri="{BB962C8B-B14F-4D97-AF65-F5344CB8AC3E}">
-        <p14:creationId xmlns:p14="http://schemas.microsoft.com/office/powerpoint/2010/main" val="4078461308"/>
+        <p14:creationId xmlns:p14="http://schemas.microsoft.com/office/powerpoint/2010/main" val="1398622825"/>
       </p:ext>
     </p:extLst>
   </p:cSld>

--- a/presentation/presentation.pptx
+++ b/presentation/presentation.pptx
@@ -5178,7 +5178,7 @@
           <a:p>
             <a:pPr>
               <a:lnSpc>
-                <a:spcPct val="150000"/>
+                <a:spcPct val="120000"/>
               </a:lnSpc>
             </a:pPr>
             <a:r>
@@ -5187,7 +5187,11 @@
             </a:r>
             <a:r>
               <a:rPr lang="en-US" sz="2400" dirty="0" smtClean="0"/>
-              <a:t>many (OpenMP) </a:t>
+              <a:t>many </a:t>
+            </a:r>
+            <a:r>
+              <a:rPr lang="en-US" sz="2400" dirty="0" smtClean="0"/>
+              <a:t>OpenMP </a:t>
             </a:r>
             <a:r>
               <a:rPr lang="en-US" sz="2400" dirty="0"/>
@@ -5197,7 +5201,7 @@
           <a:p>
             <a:pPr>
               <a:lnSpc>
-                <a:spcPct val="150000"/>
+                <a:spcPct val="120000"/>
               </a:lnSpc>
             </a:pPr>
             <a:r>
@@ -5208,7 +5212,7 @@
           <a:p>
             <a:pPr lvl="1">
               <a:lnSpc>
-                <a:spcPct val="150000"/>
+                <a:spcPct val="120000"/>
               </a:lnSpc>
             </a:pPr>
             <a:r>
@@ -5228,7 +5232,7 @@
           <a:p>
             <a:pPr lvl="1">
               <a:lnSpc>
-                <a:spcPct val="150000"/>
+                <a:spcPct val="120000"/>
               </a:lnSpc>
             </a:pPr>
             <a:r>
@@ -5252,7 +5256,7 @@
           <a:p>
             <a:pPr>
               <a:lnSpc>
-                <a:spcPct val="150000"/>
+                <a:spcPct val="120000"/>
               </a:lnSpc>
             </a:pPr>
             <a:r>
@@ -5263,7 +5267,7 @@
           <a:p>
             <a:pPr lvl="1">
               <a:lnSpc>
-                <a:spcPct val="150000"/>
+                <a:spcPct val="120000"/>
               </a:lnSpc>
             </a:pPr>
             <a:r>
@@ -5294,7 +5298,7 @@
           <a:p>
             <a:pPr lvl="1">
               <a:lnSpc>
-                <a:spcPct val="150000"/>
+                <a:spcPct val="120000"/>
               </a:lnSpc>
             </a:pPr>
             <a:r>
@@ -5325,8 +5329,8 @@
         </p:nvSpPr>
         <p:spPr>
           <a:xfrm>
-            <a:off x="457200" y="5591231"/>
-            <a:ext cx="8229599" cy="1077218"/>
+            <a:off x="457201" y="4929889"/>
+            <a:ext cx="8229599" cy="1569660"/>
           </a:xfrm>
           <a:prstGeom prst="rect">
             <a:avLst/>
@@ -5357,7 +5361,34 @@
                   <a:srgbClr val="FF0000"/>
                 </a:solidFill>
               </a:rPr>
-              <a:t>100x slower on HPC application!</a:t>
+              <a:t>100x </a:t>
+            </a:r>
+            <a:r>
+              <a:rPr lang="en-US" sz="3200" b="1" dirty="0" smtClean="0">
+                <a:solidFill>
+                  <a:srgbClr val="FF0000"/>
+                </a:solidFill>
+              </a:rPr>
+              <a:t>slower and 50x memory consumption</a:t>
+            </a:r>
+          </a:p>
+          <a:p>
+            <a:pPr algn="ctr"/>
+            <a:r>
+              <a:rPr lang="en-US" sz="3200" b="1" dirty="0" smtClean="0">
+                <a:solidFill>
+                  <a:srgbClr val="FF0000"/>
+                </a:solidFill>
+              </a:rPr>
+              <a:t> </a:t>
+            </a:r>
+            <a:r>
+              <a:rPr lang="en-US" sz="3200" b="1" dirty="0" smtClean="0">
+                <a:solidFill>
+                  <a:srgbClr val="FF0000"/>
+                </a:solidFill>
+              </a:rPr>
+              <a:t>on HPC application!</a:t>
             </a:r>
             <a:endParaRPr lang="en-US" sz="3200" b="1" dirty="0">
               <a:solidFill>
@@ -10496,14 +10527,7 @@
                 <a:latin typeface="Corbel"/>
                 <a:cs typeface="Corbel"/>
               </a:rPr>
-              <a:t>Understand </a:t>
-            </a:r>
-            <a:r>
-              <a:rPr lang="en-US" sz="2400" dirty="0" smtClean="0">
-                <a:latin typeface="Corbel"/>
-                <a:cs typeface="Corbel"/>
-              </a:rPr>
-              <a:t>scientific phenomena and model them</a:t>
+              <a:t>Model and understand scientific phenomena</a:t>
             </a:r>
             <a:endParaRPr lang="en-US" dirty="0"/>
           </a:p>
@@ -11028,6 +11052,13 @@
   <p:clrMapOvr>
     <a:masterClrMapping/>
   </p:clrMapOvr>
+  <p:timing>
+    <p:tnLst>
+      <p:par>
+        <p:cTn xmlns:p14="http://schemas.microsoft.com/office/powerpoint/2010/main" id="1" dur="indefinite" restart="never" nodeType="tmRoot"/>
+      </p:par>
+    </p:tnLst>
+  </p:timing>
 </p:sld>
 </file>
 
@@ -11128,151 +11159,103 @@
           <a:lstStyle/>
           <a:p>
             <a:r>
-              <a:rPr lang="en-US" sz="2800" dirty="0">
+              <a:rPr lang="en-US" dirty="0" smtClean="0">
                 <a:latin typeface="Corbel" panose="020B0503020204020204" pitchFamily="34" charset="0"/>
               </a:rPr>
-              <a:t>Amounts of concurrency grow exponentially</a:t>
-            </a:r>
-          </a:p>
-          <a:p>
-            <a:r>
-              <a:rPr lang="en-US" sz="2800" dirty="0" smtClean="0">
+              <a:t>OpenMP predominant programming paradigm in HPC</a:t>
+            </a:r>
+          </a:p>
+          <a:p>
+            <a:pPr lvl="1"/>
+            <a:r>
+              <a:rPr lang="en-US" dirty="0" smtClean="0">
                 <a:latin typeface="Corbel" panose="020B0503020204020204" pitchFamily="34" charset="0"/>
               </a:rPr>
               <a:t>Explosion </a:t>
             </a:r>
             <a:r>
-              <a:rPr lang="en-US" sz="2800" dirty="0">
+              <a:rPr lang="en-US" dirty="0">
                 <a:latin typeface="Corbel" panose="020B0503020204020204" pitchFamily="34" charset="0"/>
               </a:rPr>
-              <a:t>of on-node parallelism options</a:t>
+              <a:t>of on-node </a:t>
+            </a:r>
+            <a:r>
+              <a:rPr lang="en-US" dirty="0" smtClean="0">
+                <a:latin typeface="Corbel" panose="020B0503020204020204" pitchFamily="34" charset="0"/>
+              </a:rPr>
+              <a:t>parallelism</a:t>
             </a:r>
           </a:p>
           <a:p>
             <a:pPr lvl="1"/>
             <a:r>
-              <a:rPr lang="en-US" sz="2400" dirty="0">
+              <a:rPr lang="en-US" dirty="0" smtClean="0">
                 <a:latin typeface="Corbel" panose="020B0503020204020204" pitchFamily="34" charset="0"/>
               </a:rPr>
-              <a:t>More cores, </a:t>
-            </a:r>
-            <a:r>
-              <a:rPr lang="en-US" sz="2400" dirty="0" smtClean="0">
+              <a:t>More </a:t>
+            </a:r>
+            <a:r>
+              <a:rPr lang="en-US" dirty="0">
                 <a:latin typeface="Corbel" panose="020B0503020204020204" pitchFamily="34" charset="0"/>
               </a:rPr>
-              <a:t>SIMD </a:t>
-            </a:r>
-            <a:r>
-              <a:rPr lang="en-US" sz="2400" dirty="0">
+              <a:t>sources of non-</a:t>
+            </a:r>
+            <a:r>
+              <a:rPr lang="en-US" dirty="0" smtClean="0">
                 <a:latin typeface="Corbel" panose="020B0503020204020204" pitchFamily="34" charset="0"/>
               </a:rPr>
-              <a:t>units, accelerators (GPUs</a:t>
-            </a:r>
-            <a:r>
-              <a:rPr lang="en-US" sz="2400" dirty="0" smtClean="0">
+              <a:t>determinism: </a:t>
+            </a:r>
+            <a:r>
+              <a:rPr lang="en-US" b="1" dirty="0" smtClean="0">
                 <a:latin typeface="Corbel" panose="020B0503020204020204" pitchFamily="34" charset="0"/>
               </a:rPr>
-              <a:t>), etc.</a:t>
-            </a:r>
-            <a:endParaRPr lang="en-US" sz="2400" dirty="0">
+              <a:t>data races</a:t>
+            </a:r>
+          </a:p>
+          <a:p>
+            <a:pPr lvl="2"/>
+            <a:r>
+              <a:rPr lang="en-US" dirty="0" smtClean="0">
+                <a:latin typeface="Corbel" panose="020B0503020204020204" pitchFamily="34" charset="0"/>
+              </a:rPr>
+              <a:t>Very hard and expensive to debug</a:t>
+            </a:r>
+          </a:p>
+          <a:p>
+            <a:pPr marL="914400" lvl="2" indent="0">
+              <a:buNone/>
+            </a:pPr>
+            <a:endParaRPr lang="en-US" dirty="0" smtClean="0">
               <a:latin typeface="Corbel" panose="020B0503020204020204" pitchFamily="34" charset="0"/>
             </a:endParaRPr>
           </a:p>
           <a:p>
-            <a:pPr lvl="1"/>
-            <a:r>
-              <a:rPr lang="en-US" sz="2400" dirty="0">
-                <a:latin typeface="Corbel" panose="020B0503020204020204" pitchFamily="34" charset="0"/>
-              </a:rPr>
-              <a:t>Bring applications to a crossroad for hybrid </a:t>
-            </a:r>
-            <a:r>
-              <a:rPr lang="en-US" sz="2400" dirty="0" smtClean="0">
-                <a:latin typeface="Corbel" panose="020B0503020204020204" pitchFamily="34" charset="0"/>
-              </a:rPr>
-              <a:t>parallelism</a:t>
-            </a:r>
-            <a:endParaRPr lang="en-US" sz="2400" dirty="0">
-              <a:latin typeface="Corbel" panose="020B0503020204020204" pitchFamily="34" charset="0"/>
-            </a:endParaRPr>
-          </a:p>
-          <a:p>
-            <a:pPr lvl="2"/>
-            <a:r>
-              <a:rPr lang="en-US" sz="2000" dirty="0" smtClean="0">
-                <a:latin typeface="Corbel" panose="020B0503020204020204" pitchFamily="34" charset="0"/>
-              </a:rPr>
-              <a:t>i.e. </a:t>
-            </a:r>
-            <a:r>
-              <a:rPr lang="en-US" sz="2000" dirty="0">
-                <a:latin typeface="Corbel" panose="020B0503020204020204" pitchFamily="34" charset="0"/>
-              </a:rPr>
-              <a:t>MPI + </a:t>
-            </a:r>
-            <a:r>
-              <a:rPr lang="en-US" sz="2000" dirty="0" smtClean="0">
-                <a:latin typeface="Corbel" panose="020B0503020204020204" pitchFamily="34" charset="0"/>
-              </a:rPr>
-              <a:t>OpenMP</a:t>
-            </a:r>
-            <a:endParaRPr lang="en-US" sz="2000" dirty="0">
-              <a:latin typeface="Corbel" panose="020B0503020204020204" pitchFamily="34" charset="0"/>
-            </a:endParaRPr>
-          </a:p>
-          <a:p>
-            <a:pPr lvl="1"/>
-            <a:r>
-              <a:rPr lang="en-US" sz="2400" dirty="0">
-                <a:latin typeface="Corbel" panose="020B0503020204020204" pitchFamily="34" charset="0"/>
-              </a:rPr>
-              <a:t>More sources of non-determinism: </a:t>
-            </a:r>
-            <a:r>
-              <a:rPr lang="en-US" sz="2400" dirty="0" smtClean="0">
-                <a:latin typeface="Corbel" panose="020B0503020204020204" pitchFamily="34" charset="0"/>
-              </a:rPr>
-              <a:t>OpenMP </a:t>
-            </a:r>
-            <a:r>
-              <a:rPr lang="en-US" sz="2400" dirty="0">
-                <a:latin typeface="Corbel" panose="020B0503020204020204" pitchFamily="34" charset="0"/>
-              </a:rPr>
-              <a:t>data races</a:t>
-            </a:r>
-          </a:p>
-          <a:p>
-            <a:r>
-              <a:rPr lang="en-US" sz="2800" dirty="0">
+            <a:r>
+              <a:rPr lang="en-US" sz="3600" dirty="0" smtClean="0">
                 <a:latin typeface="Corbel"/>
                 <a:cs typeface="Corbel"/>
               </a:rPr>
-              <a:t>Need more capable and scalable tools</a:t>
-            </a:r>
-          </a:p>
-          <a:p>
-            <a:pPr lvl="1"/>
-            <a:r>
-              <a:rPr lang="en-US" sz="2400" dirty="0">
+              <a:t>Need </a:t>
+            </a:r>
+            <a:r>
+              <a:rPr lang="en-US" sz="3600" dirty="0">
                 <a:latin typeface="Corbel"/>
                 <a:cs typeface="Corbel"/>
               </a:rPr>
-              <a:t>General </a:t>
-            </a:r>
-            <a:r>
-              <a:rPr lang="en-US" sz="2400" dirty="0" smtClean="0">
+              <a:t>more capable and scalable </a:t>
+            </a:r>
+            <a:r>
+              <a:rPr lang="en-US" sz="3600" dirty="0" smtClean="0">
                 <a:latin typeface="Corbel"/>
                 <a:cs typeface="Corbel"/>
               </a:rPr>
-              <a:t>strategy – bring </a:t>
-            </a:r>
-            <a:r>
-              <a:rPr lang="en-US" sz="2400" dirty="0">
-                <a:latin typeface="Corbel"/>
-                <a:cs typeface="Corbel"/>
-              </a:rPr>
-              <a:t>best capabilities and compose them </a:t>
-            </a:r>
+              <a:t>tools!</a:t>
+            </a:r>
+            <a:endParaRPr lang="en-US" sz="3600" dirty="0">
+              <a:latin typeface="Corbel"/>
+              <a:cs typeface="Corbel"/>
+            </a:endParaRPr>
           </a:p>
         </p:txBody>
       </p:sp>
@@ -11309,6 +11292,13 @@
   <p:clrMapOvr>
     <a:masterClrMapping/>
   </p:clrMapOvr>
+  <p:timing>
+    <p:tnLst>
+      <p:par>
+        <p:cTn xmlns:p14="http://schemas.microsoft.com/office/powerpoint/2010/main" id="1" dur="indefinite" restart="never" nodeType="tmRoot"/>
+      </p:par>
+    </p:tnLst>
+  </p:timing>
 </p:sld>
 </file>
 
@@ -11378,8 +11368,8 @@
         </p:nvSpPr>
         <p:spPr>
           <a:xfrm>
-            <a:off x="457200" y="2013450"/>
-            <a:ext cx="4596152" cy="3809348"/>
+            <a:off x="457199" y="2013450"/>
+            <a:ext cx="5041369" cy="3809348"/>
           </a:xfrm>
         </p:spPr>
         <p:txBody>
@@ -11466,8 +11456,35 @@
                 <a:latin typeface="Corbel"/>
                 <a:cs typeface="Corbel"/>
               </a:rPr>
-              <a:t>Suspected data race</a:t>
-            </a:r>
+              <a:t>Suspected data </a:t>
+            </a:r>
+            <a:r>
+              <a:rPr lang="en-US" sz="2200" dirty="0" smtClean="0">
+                <a:latin typeface="Corbel"/>
+                <a:cs typeface="Corbel"/>
+              </a:rPr>
+              <a:t>race</a:t>
+            </a:r>
+          </a:p>
+          <a:p>
+            <a:r>
+              <a:rPr lang="en-US" sz="2200" dirty="0" smtClean="0">
+                <a:latin typeface="Corbel"/>
+                <a:cs typeface="Corbel"/>
+              </a:rPr>
+              <a:t>Disable OpenMP in </a:t>
+            </a:r>
+            <a:r>
+              <a:rPr lang="en-US" sz="2200" dirty="0" err="1" smtClean="0">
+                <a:latin typeface="Corbel"/>
+                <a:cs typeface="Corbel"/>
+              </a:rPr>
+              <a:t>Hypre</a:t>
+            </a:r>
+            <a:endParaRPr lang="en-US" sz="2200" dirty="0" smtClean="0">
+              <a:latin typeface="Corbel"/>
+              <a:cs typeface="Corbel"/>
+            </a:endParaRPr>
           </a:p>
           <a:p>
             <a:r>
@@ -11478,7 +11495,17 @@
                 <a:latin typeface="Corbel"/>
                 <a:cs typeface="Corbel"/>
               </a:rPr>
-              <a:t>Cost scientists months …</a:t>
+              <a:t>Cost scientists </a:t>
+            </a:r>
+            <a:r>
+              <a:rPr lang="en-US" sz="2200" b="1" dirty="0" smtClean="0">
+                <a:solidFill>
+                  <a:srgbClr val="FF0000"/>
+                </a:solidFill>
+                <a:latin typeface="Corbel"/>
+                <a:cs typeface="Corbel"/>
+              </a:rPr>
+              <a:t>months …and performance!</a:t>
             </a:r>
             <a:endParaRPr lang="en-US" sz="2200" b="1" dirty="0">
               <a:solidFill>
@@ -12023,8 +12050,12 @@
               </a:lnSpc>
             </a:pPr>
             <a:r>
+              <a:rPr lang="en-US" dirty="0" smtClean="0"/>
+              <a:t>Support OpenMP on </a:t>
+            </a:r>
+            <a:r>
               <a:rPr lang="en-US" dirty="0"/>
-              <a:t>Support C/C++ and </a:t>
+              <a:t>C/C++ and </a:t>
             </a:r>
             <a:r>
               <a:rPr lang="en-US" dirty="0" smtClean="0"/>

--- a/presentation/presentation.pptx
+++ b/presentation/presentation.pptx
@@ -6385,7 +6385,31 @@
               <a:rPr lang="en-US" sz="2400" dirty="0" smtClean="0">
                 <a:effectLst/>
               </a:rPr>
-              <a:t>Every instruction outside a OpenMP construct is executed by the master thread</a:t>
+              <a:t>Every instruction outside a OpenMP </a:t>
+            </a:r>
+            <a:r>
+              <a:rPr lang="en-US" sz="2400" dirty="0" smtClean="0">
+                <a:effectLst/>
+              </a:rPr>
+              <a:t>parallel construct </a:t>
+            </a:r>
+            <a:r>
+              <a:rPr lang="en-US" sz="2400" dirty="0" smtClean="0">
+                <a:effectLst/>
+              </a:rPr>
+              <a:t>is executed </a:t>
+            </a:r>
+            <a:r>
+              <a:rPr lang="en-US" sz="2400" dirty="0" smtClean="0">
+                <a:effectLst/>
+              </a:rPr>
+              <a:t>only by </a:t>
+            </a:r>
+            <a:r>
+              <a:rPr lang="en-US" sz="2400" dirty="0" smtClean="0">
+                <a:effectLst/>
+              </a:rPr>
+              <a:t>the master thread</a:t>
             </a:r>
           </a:p>
           <a:p>
@@ -6450,6 +6474,95 @@
               <a:t>15</a:t>
             </a:fld>
             <a:endParaRPr lang="en-US"/>
+          </a:p>
+        </p:txBody>
+      </p:sp>
+      <p:sp>
+        <p:nvSpPr>
+          <p:cNvPr id="4" name="TextBox 3"/>
+          <p:cNvSpPr txBox="1"/>
+          <p:nvPr/>
+        </p:nvSpPr>
+        <p:spPr>
+          <a:xfrm>
+            <a:off x="776147" y="4886601"/>
+            <a:ext cx="301660" cy="369332"/>
+          </a:xfrm>
+          <a:prstGeom prst="rect">
+            <a:avLst/>
+          </a:prstGeom>
+          <a:noFill/>
+        </p:spPr>
+        <p:txBody>
+          <a:bodyPr wrap="none" rtlCol="0">
+            <a:spAutoFit/>
+          </a:bodyPr>
+          <a:lstStyle/>
+          <a:p>
+            <a:r>
+              <a:rPr lang="en-US" dirty="0" smtClean="0"/>
+              <a:t>1</a:t>
+            </a:r>
+            <a:endParaRPr lang="en-US" dirty="0"/>
+          </a:p>
+        </p:txBody>
+      </p:sp>
+      <p:sp>
+        <p:nvSpPr>
+          <p:cNvPr id="7" name="TextBox 6"/>
+          <p:cNvSpPr txBox="1"/>
+          <p:nvPr/>
+        </p:nvSpPr>
+        <p:spPr>
+          <a:xfrm>
+            <a:off x="3186433" y="4886601"/>
+            <a:ext cx="301660" cy="369332"/>
+          </a:xfrm>
+          <a:prstGeom prst="rect">
+            <a:avLst/>
+          </a:prstGeom>
+          <a:noFill/>
+        </p:spPr>
+        <p:txBody>
+          <a:bodyPr wrap="none" rtlCol="0">
+            <a:spAutoFit/>
+          </a:bodyPr>
+          <a:lstStyle/>
+          <a:p>
+            <a:r>
+              <a:rPr lang="en-US" dirty="0"/>
+              <a:t>2</a:t>
+            </a:r>
+            <a:endParaRPr lang="en-US" dirty="0"/>
+          </a:p>
+        </p:txBody>
+      </p:sp>
+      <p:sp>
+        <p:nvSpPr>
+          <p:cNvPr id="8" name="TextBox 7"/>
+          <p:cNvSpPr txBox="1"/>
+          <p:nvPr/>
+        </p:nvSpPr>
+        <p:spPr>
+          <a:xfrm>
+            <a:off x="7966803" y="4886601"/>
+            <a:ext cx="301660" cy="369332"/>
+          </a:xfrm>
+          <a:prstGeom prst="rect">
+            <a:avLst/>
+          </a:prstGeom>
+          <a:noFill/>
+        </p:spPr>
+        <p:txBody>
+          <a:bodyPr wrap="none" rtlCol="0">
+            <a:spAutoFit/>
+          </a:bodyPr>
+          <a:lstStyle/>
+          <a:p>
+            <a:r>
+              <a:rPr lang="en-US" dirty="0"/>
+              <a:t>3</a:t>
+            </a:r>
           </a:p>
         </p:txBody>
       </p:sp>

--- a/presentation/presentation.pptx
+++ b/presentation/presentation.pptx
@@ -7308,7 +7308,15 @@
           <a:p>
             <a:r>
               <a:rPr lang="en-US" dirty="0" smtClean="0"/>
-              <a:t>Data dependency on array access, potentially race therefore checked at runtime</a:t>
+              <a:t>Data dependency on array access, </a:t>
+            </a:r>
+            <a:r>
+              <a:rPr lang="en-US" dirty="0" smtClean="0"/>
+              <a:t>potential race </a:t>
+            </a:r>
+            <a:r>
+              <a:rPr lang="en-US" dirty="0" smtClean="0"/>
+              <a:t>therefore checked at runtime</a:t>
             </a:r>
             <a:endParaRPr lang="en-US" dirty="0"/>
           </a:p>
@@ -9679,22 +9687,39 @@
               <a:rPr lang="en-US" sz="2400" dirty="0" smtClean="0">
                 <a:effectLst/>
               </a:rPr>
-              <a:t>First open source OpenMP data race detector tool</a:t>
+              <a:t>First open </a:t>
+            </a:r>
+            <a:r>
+              <a:rPr lang="en-US" sz="2400" dirty="0" smtClean="0">
+                <a:effectLst/>
+              </a:rPr>
+              <a:t>source and usable OpenMP </a:t>
+            </a:r>
+            <a:r>
+              <a:rPr lang="en-US" sz="2400" dirty="0" smtClean="0">
+                <a:effectLst/>
+              </a:rPr>
+              <a:t>data race detector tool</a:t>
             </a:r>
           </a:p>
           <a:p>
             <a:r>
               <a:rPr lang="en-US" sz="2400" dirty="0"/>
-              <a:t>25% speedup while maintaining same or better precision and accuracy than other tools (</a:t>
-            </a:r>
-            <a:r>
-              <a:rPr lang="en-US" sz="2400" dirty="0" err="1"/>
-              <a:t>OmpSCR</a:t>
+              <a:t>25% </a:t>
+            </a:r>
+            <a:r>
+              <a:rPr lang="en-US" sz="2400" dirty="0" smtClean="0"/>
+              <a:t>overhead reduction while </a:t>
             </a:r>
             <a:r>
               <a:rPr lang="en-US" sz="2400" dirty="0"/>
-              <a:t> and AMG benchmarks)</a:t>
-            </a:r>
+              <a:t>maintaining same or better precision and accuracy than other </a:t>
+            </a:r>
+            <a:r>
+              <a:rPr lang="en-US" sz="2400" dirty="0" smtClean="0"/>
+              <a:t>tools</a:t>
+            </a:r>
+            <a:endParaRPr lang="en-US" sz="2400" dirty="0"/>
           </a:p>
           <a:p>
             <a:r>
@@ -9921,13 +9946,25 @@
           <a:p>
             <a:r>
               <a:rPr lang="en-US" dirty="0" smtClean="0"/>
-              <a:t>Labeling approach</a:t>
-            </a:r>
-          </a:p>
-          <a:p>
+              <a:t>Limit </a:t>
+            </a:r>
             <a:r>
               <a:rPr lang="en-US" dirty="0" smtClean="0"/>
-              <a:t>Limit data race checking only to concurrent threads</a:t>
+              <a:t>data race checking only to concurrent </a:t>
+            </a:r>
+            <a:r>
+              <a:rPr lang="en-US" dirty="0" smtClean="0"/>
+              <a:t>threads</a:t>
+            </a:r>
+          </a:p>
+          <a:p>
+            <a:r>
+              <a:rPr lang="en-US" dirty="0"/>
+              <a:t>Labeling </a:t>
+            </a:r>
+            <a:r>
+              <a:rPr lang="en-US" dirty="0" smtClean="0"/>
+              <a:t>approach, etc.</a:t>
             </a:r>
             <a:endParaRPr lang="en-US" dirty="0"/>
           </a:p>
@@ -10364,8 +10401,21 @@
           <a:p>
             <a:r>
               <a:rPr lang="en-US" sz="3000" dirty="0" smtClean="0"/>
-              <a:t>Clock-less runtime algorithm [POPL’17, PPoPP’17]</a:t>
-            </a:r>
+              <a:t>Clock-less runtime algorithm [</a:t>
+            </a:r>
+            <a:r>
+              <a:rPr lang="en-US" sz="3000" dirty="0" smtClean="0"/>
+              <a:t>POPL, </a:t>
+            </a:r>
+            <a:r>
+              <a:rPr lang="en-US" sz="3000" dirty="0" err="1" smtClean="0"/>
+              <a:t>PPoPP</a:t>
+            </a:r>
+            <a:r>
+              <a:rPr lang="en-US" sz="3000" dirty="0" smtClean="0"/>
+              <a:t>]</a:t>
+            </a:r>
+            <a:endParaRPr lang="en-US" sz="3000" dirty="0" smtClean="0"/>
           </a:p>
           <a:p>
             <a:r>
@@ -10374,8 +10424,13 @@
             </a:r>
             <a:r>
               <a:rPr lang="en-US" sz="3000" dirty="0"/>
-              <a:t>analysis and clock-less runtime algorithm [PLDI’17, IPDPS’17]</a:t>
-            </a:r>
+              <a:t>analysis and clock-less runtime algorithm [</a:t>
+            </a:r>
+            <a:r>
+              <a:rPr lang="en-US" sz="3000" dirty="0" smtClean="0"/>
+              <a:t>PLDI, IPDPS, PACT]</a:t>
+            </a:r>
+            <a:endParaRPr lang="en-US" sz="3000" dirty="0"/>
           </a:p>
           <a:p>
             <a:endParaRPr lang="en-US" sz="3000" dirty="0"/>

--- a/presentation/presentation.pptx
+++ b/presentation/presentation.pptx
@@ -16,8 +16,8 @@
     <p:sldId id="270" r:id="rId4"/>
     <p:sldId id="284" r:id="rId5"/>
     <p:sldId id="271" r:id="rId6"/>
-    <p:sldId id="257" r:id="rId7"/>
-    <p:sldId id="259" r:id="rId8"/>
+    <p:sldId id="259" r:id="rId7"/>
+    <p:sldId id="257" r:id="rId8"/>
     <p:sldId id="264" r:id="rId9"/>
     <p:sldId id="265" r:id="rId10"/>
     <p:sldId id="266" r:id="rId11"/>
@@ -220,7 +220,7 @@
           <a:p>
             <a:fld id="{79A57324-CFFD-9E40-8C3B-390D028943AC}" type="datetimeFigureOut">
               <a:rPr lang="en-US" smtClean="0"/>
-              <a:t>4/28/16</a:t>
+              <a:t>5/11/16</a:t>
             </a:fld>
             <a:endParaRPr lang="en-US"/>
           </a:p>
@@ -386,7 +386,7 @@
           <a:p>
             <a:fld id="{C2E09A59-6BEC-5447-ACE7-43110F78B9D5}" type="datetimeFigureOut">
               <a:rPr lang="en-US" smtClean="0"/>
-              <a:t>4/28/16</a:t>
+              <a:t>5/11/16</a:t>
             </a:fld>
             <a:endParaRPr lang="en-US"/>
           </a:p>
@@ -1760,7 +1760,7 @@
           <a:p>
             <a:fld id="{F2039A21-8CCE-2041-94FB-A4A5DAAE1C02}" type="datetime1">
               <a:rPr lang="en-US" smtClean="0"/>
-              <a:t>4/28/16</a:t>
+              <a:t>5/11/16</a:t>
             </a:fld>
             <a:endParaRPr lang="en-US"/>
           </a:p>
@@ -1930,7 +1930,7 @@
           <a:p>
             <a:fld id="{3EBA1980-8BC9-4848-BCC8-D6244E27304C}" type="datetime1">
               <a:rPr lang="en-US" smtClean="0"/>
-              <a:t>4/28/16</a:t>
+              <a:t>5/11/16</a:t>
             </a:fld>
             <a:endParaRPr lang="en-US"/>
           </a:p>
@@ -2110,7 +2110,7 @@
           <a:p>
             <a:fld id="{789CF9B8-6AF1-E54B-BB62-D988A7F881B0}" type="datetime1">
               <a:rPr lang="en-US" smtClean="0"/>
-              <a:t>4/28/16</a:t>
+              <a:t>5/11/16</a:t>
             </a:fld>
             <a:endParaRPr lang="en-US"/>
           </a:p>
@@ -2280,7 +2280,7 @@
           <a:p>
             <a:fld id="{CEA8A449-E4F3-834C-9CEC-F1121A3589F7}" type="datetime1">
               <a:rPr lang="en-US" smtClean="0"/>
-              <a:t>4/28/16</a:t>
+              <a:t>5/11/16</a:t>
             </a:fld>
             <a:endParaRPr lang="en-US"/>
           </a:p>
@@ -2526,7 +2526,7 @@
           <a:p>
             <a:fld id="{00AEAC59-E3B5-3340-9257-32031505A650}" type="datetime1">
               <a:rPr lang="en-US" smtClean="0"/>
-              <a:t>4/28/16</a:t>
+              <a:t>5/11/16</a:t>
             </a:fld>
             <a:endParaRPr lang="en-US"/>
           </a:p>
@@ -2814,7 +2814,7 @@
           <a:p>
             <a:fld id="{248BBD95-59EE-2848-B5DE-F999286BDB38}" type="datetime1">
               <a:rPr lang="en-US" smtClean="0"/>
-              <a:t>4/28/16</a:t>
+              <a:t>5/11/16</a:t>
             </a:fld>
             <a:endParaRPr lang="en-US"/>
           </a:p>
@@ -3236,7 +3236,7 @@
           <a:p>
             <a:fld id="{5E2C2EF4-3CF9-9244-8CEB-F784DB9298F0}" type="datetime1">
               <a:rPr lang="en-US" smtClean="0"/>
-              <a:t>4/28/16</a:t>
+              <a:t>5/11/16</a:t>
             </a:fld>
             <a:endParaRPr lang="en-US"/>
           </a:p>
@@ -3354,7 +3354,7 @@
           <a:p>
             <a:fld id="{0149E1FB-E21C-B64D-A835-03039D6E0D42}" type="datetime1">
               <a:rPr lang="en-US" smtClean="0"/>
-              <a:t>4/28/16</a:t>
+              <a:t>5/11/16</a:t>
             </a:fld>
             <a:endParaRPr lang="en-US"/>
           </a:p>
@@ -3449,7 +3449,7 @@
           <a:p>
             <a:fld id="{2E215A7B-6552-1348-B395-DACD417744DA}" type="datetime1">
               <a:rPr lang="en-US" smtClean="0"/>
-              <a:t>4/28/16</a:t>
+              <a:t>5/11/16</a:t>
             </a:fld>
             <a:endParaRPr lang="en-US"/>
           </a:p>
@@ -3726,7 +3726,7 @@
           <a:p>
             <a:fld id="{1356CE33-B7B9-2945-A6D5-F14B4D0EED2E}" type="datetime1">
               <a:rPr lang="en-US" smtClean="0"/>
-              <a:t>4/28/16</a:t>
+              <a:t>5/11/16</a:t>
             </a:fld>
             <a:endParaRPr lang="en-US"/>
           </a:p>
@@ -3979,7 +3979,7 @@
           <a:p>
             <a:fld id="{91A662B5-3A5A-CA4E-A0EA-D4245F59DFB5}" type="datetime1">
               <a:rPr lang="en-US" smtClean="0"/>
-              <a:t>4/28/16</a:t>
+              <a:t>5/11/16</a:t>
             </a:fld>
             <a:endParaRPr lang="en-US"/>
           </a:p>
@@ -4192,7 +4192,7 @@
           <a:p>
             <a:fld id="{9B6EBE80-A9A9-0A43-B96E-051204920757}" type="datetime1">
               <a:rPr lang="en-US" smtClean="0"/>
-              <a:t>4/28/16</a:t>
+              <a:t>5/11/16</a:t>
             </a:fld>
             <a:endParaRPr lang="en-US"/>
           </a:p>
@@ -5187,11 +5187,7 @@
             </a:r>
             <a:r>
               <a:rPr lang="en-US" sz="2400" dirty="0" smtClean="0"/>
-              <a:t>many </a:t>
-            </a:r>
-            <a:r>
-              <a:rPr lang="en-US" sz="2400" dirty="0" smtClean="0"/>
-              <a:t>OpenMP </a:t>
+              <a:t>many OpenMP </a:t>
             </a:r>
             <a:r>
               <a:rPr lang="en-US" sz="2400" dirty="0"/>
@@ -5361,34 +5357,18 @@
                   <a:srgbClr val="FF0000"/>
                 </a:solidFill>
               </a:rPr>
-              <a:t>100x </a:t>
-            </a:r>
+              <a:t>100x slower and 50x memory consumption</a:t>
+            </a:r>
+          </a:p>
+          <a:p>
+            <a:pPr algn="ctr"/>
             <a:r>
               <a:rPr lang="en-US" sz="3200" b="1" dirty="0" smtClean="0">
                 <a:solidFill>
                   <a:srgbClr val="FF0000"/>
                 </a:solidFill>
               </a:rPr>
-              <a:t>slower and 50x memory consumption</a:t>
-            </a:r>
-          </a:p>
-          <a:p>
-            <a:pPr algn="ctr"/>
-            <a:r>
-              <a:rPr lang="en-US" sz="3200" b="1" dirty="0" smtClean="0">
-                <a:solidFill>
-                  <a:srgbClr val="FF0000"/>
-                </a:solidFill>
-              </a:rPr>
-              <a:t> </a:t>
-            </a:r>
-            <a:r>
-              <a:rPr lang="en-US" sz="3200" b="1" dirty="0" smtClean="0">
-                <a:solidFill>
-                  <a:srgbClr val="FF0000"/>
-                </a:solidFill>
-              </a:rPr>
-              <a:t>on HPC application!</a:t>
+              <a:t> on HPC application!</a:t>
             </a:r>
             <a:endParaRPr lang="en-US" sz="3200" b="1" dirty="0">
               <a:solidFill>
@@ -6385,31 +6365,7 @@
               <a:rPr lang="en-US" sz="2400" dirty="0" smtClean="0">
                 <a:effectLst/>
               </a:rPr>
-              <a:t>Every instruction outside a OpenMP </a:t>
-            </a:r>
-            <a:r>
-              <a:rPr lang="en-US" sz="2400" dirty="0" smtClean="0">
-                <a:effectLst/>
-              </a:rPr>
-              <a:t>parallel construct </a:t>
-            </a:r>
-            <a:r>
-              <a:rPr lang="en-US" sz="2400" dirty="0" smtClean="0">
-                <a:effectLst/>
-              </a:rPr>
-              <a:t>is executed </a:t>
-            </a:r>
-            <a:r>
-              <a:rPr lang="en-US" sz="2400" dirty="0" smtClean="0">
-                <a:effectLst/>
-              </a:rPr>
-              <a:t>only by </a:t>
-            </a:r>
-            <a:r>
-              <a:rPr lang="en-US" sz="2400" dirty="0" smtClean="0">
-                <a:effectLst/>
-              </a:rPr>
-              <a:t>the master thread</a:t>
+              <a:t>Every instruction outside a OpenMP parallel construct is executed only by the master thread</a:t>
             </a:r>
           </a:p>
           <a:p>
@@ -6533,7 +6489,6 @@
               <a:rPr lang="en-US" dirty="0"/>
               <a:t>2</a:t>
             </a:r>
-            <a:endParaRPr lang="en-US" dirty="0"/>
           </a:p>
         </p:txBody>
       </p:sp>
@@ -7308,15 +7263,7 @@
           <a:p>
             <a:r>
               <a:rPr lang="en-US" dirty="0" smtClean="0"/>
-              <a:t>Data dependency on array access, </a:t>
-            </a:r>
-            <a:r>
-              <a:rPr lang="en-US" dirty="0" smtClean="0"/>
-              <a:t>potential race </a:t>
-            </a:r>
-            <a:r>
-              <a:rPr lang="en-US" dirty="0" smtClean="0"/>
-              <a:t>therefore checked at runtime</a:t>
+              <a:t>Data dependency on array access, potential race therefore checked at runtime</a:t>
             </a:r>
             <a:endParaRPr lang="en-US" dirty="0"/>
           </a:p>
@@ -7342,6 +7289,32 @@
               <a:t>16</a:t>
             </a:fld>
             <a:endParaRPr lang="en-US"/>
+          </a:p>
+        </p:txBody>
+      </p:sp>
+      <p:sp>
+        <p:nvSpPr>
+          <p:cNvPr id="14" name="TextBox 13"/>
+          <p:cNvSpPr txBox="1"/>
+          <p:nvPr/>
+        </p:nvSpPr>
+        <p:spPr>
+          <a:xfrm>
+            <a:off x="9613900" y="6210300"/>
+            <a:ext cx="184666" cy="369332"/>
+          </a:xfrm>
+          <a:prstGeom prst="rect">
+            <a:avLst/>
+          </a:prstGeom>
+          <a:noFill/>
+        </p:spPr>
+        <p:txBody>
+          <a:bodyPr wrap="none" rtlCol="0">
+            <a:spAutoFit/>
+          </a:bodyPr>
+          <a:lstStyle/>
+          <a:p>
+            <a:endParaRPr lang="en-US" dirty="0"/>
           </a:p>
         </p:txBody>
       </p:sp>
@@ -7942,16 +7915,8 @@
               </a:rPr>
               <a:t>Thesis Statement</a:t>
             </a:r>
-            <a:r>
-              <a:rPr lang="en-US" dirty="0">
-                <a:solidFill>
-                  <a:prstClr val="black"/>
-                </a:solidFill>
-              </a:rPr>
-              <a:t/>
-            </a:r>
             <a:br>
-              <a:rPr lang="en-US" dirty="0">
+              <a:rPr lang="en-US" dirty="0" smtClean="0">
                 <a:solidFill>
                   <a:prstClr val="black"/>
                 </a:solidFill>
@@ -8105,6 +8070,13 @@
   <p:clrMapOvr>
     <a:masterClrMapping/>
   </p:clrMapOvr>
+  <p:timing>
+    <p:tnLst>
+      <p:par>
+        <p:cTn xmlns:p14="http://schemas.microsoft.com/office/powerpoint/2010/main" id="1" dur="indefinite" restart="never" nodeType="tmRoot"/>
+      </p:par>
+    </p:tnLst>
+  </p:timing>
 </p:sld>
 </file>
 
@@ -8819,7 +8791,27 @@
                 <a:latin typeface="Calibri"/>
                 <a:cs typeface="Calibri"/>
               </a:rPr>
-              <a:t>Excluded from them runtime check because</a:t>
+              <a:t>Excluded </a:t>
+            </a:r>
+            <a:r>
+              <a:rPr lang="en-US" sz="2000" smtClean="0">
+                <a:solidFill>
+                  <a:srgbClr val="000000"/>
+                </a:solidFill>
+                <a:latin typeface="Calibri"/>
+                <a:cs typeface="Calibri"/>
+              </a:rPr>
+              <a:t>from the </a:t>
+            </a:r>
+            <a:r>
+              <a:rPr lang="en-US" sz="2000" dirty="0" smtClean="0">
+                <a:solidFill>
+                  <a:srgbClr val="000000"/>
+                </a:solidFill>
+                <a:latin typeface="Calibri"/>
+                <a:cs typeface="Calibri"/>
+              </a:rPr>
+              <a:t>runtime check because</a:t>
             </a:r>
           </a:p>
           <a:p>
@@ -9687,19 +9679,7 @@
               <a:rPr lang="en-US" sz="2400" dirty="0" smtClean="0">
                 <a:effectLst/>
               </a:rPr>
-              <a:t>First open </a:t>
-            </a:r>
-            <a:r>
-              <a:rPr lang="en-US" sz="2400" dirty="0" smtClean="0">
-                <a:effectLst/>
-              </a:rPr>
-              <a:t>source and usable OpenMP </a:t>
-            </a:r>
-            <a:r>
-              <a:rPr lang="en-US" sz="2400" dirty="0" smtClean="0">
-                <a:effectLst/>
-              </a:rPr>
-              <a:t>data race detector tool</a:t>
+              <a:t>First open source and usable OpenMP data race detector tool</a:t>
             </a:r>
           </a:p>
           <a:p>
@@ -9946,15 +9926,7 @@
           <a:p>
             <a:r>
               <a:rPr lang="en-US" dirty="0" smtClean="0"/>
-              <a:t>Limit </a:t>
-            </a:r>
-            <a:r>
-              <a:rPr lang="en-US" dirty="0" smtClean="0"/>
-              <a:t>data race checking only to concurrent </a:t>
-            </a:r>
-            <a:r>
-              <a:rPr lang="en-US" dirty="0" smtClean="0"/>
-              <a:t>threads</a:t>
+              <a:t>Limit data race checking only to concurrent threads</a:t>
             </a:r>
           </a:p>
           <a:p>
@@ -10401,11 +10373,7 @@
           <a:p>
             <a:r>
               <a:rPr lang="en-US" sz="3000" dirty="0" smtClean="0"/>
-              <a:t>Clock-less runtime algorithm [</a:t>
-            </a:r>
-            <a:r>
-              <a:rPr lang="en-US" sz="3000" dirty="0" smtClean="0"/>
-              <a:t>POPL, </a:t>
+              <a:t>Clock-less runtime algorithm [POPL, </a:t>
             </a:r>
             <a:r>
               <a:rPr lang="en-US" sz="3000" dirty="0" err="1" smtClean="0"/>
@@ -10415,7 +10383,6 @@
               <a:rPr lang="en-US" sz="3000" dirty="0" smtClean="0"/>
               <a:t>]</a:t>
             </a:r>
-            <a:endParaRPr lang="en-US" sz="3000" dirty="0" smtClean="0"/>
           </a:p>
           <a:p>
             <a:r>
@@ -10960,6 +10927,13 @@
   <p:clrMapOvr>
     <a:masterClrMapping/>
   </p:clrMapOvr>
+  <p:timing>
+    <p:tnLst>
+      <p:par>
+        <p:cTn xmlns:p14="http://schemas.microsoft.com/office/powerpoint/2010/main" id="1" dur="indefinite" restart="never" nodeType="tmRoot"/>
+      </p:par>
+    </p:tnLst>
+  </p:timing>
 </p:sld>
 </file>
 
@@ -11517,10 +11491,9 @@
               <a:rPr lang="en-US" dirty="0" smtClean="0"/>
             </a:br>
             <a:r>
-              <a:rPr lang="en-US" sz="2700" dirty="0" smtClean="0"/>
-              <a:t>OpenMP is widely used in HPC applications</a:t>
-            </a:r>
-            <a:endParaRPr lang="en-US" dirty="0"/>
+              <a:rPr lang="en-US" sz="2700" dirty="0"/>
+              <a:t>Gap in High-End computing environment </a:t>
+            </a:r>
           </a:p>
         </p:txBody>
       </p:sp>
@@ -11536,8 +11509,8 @@
         </p:nvSpPr>
         <p:spPr>
           <a:xfrm>
-            <a:off x="457199" y="2013450"/>
-            <a:ext cx="5041369" cy="3809348"/>
+            <a:off x="457200" y="2013450"/>
+            <a:ext cx="8229600" cy="1499143"/>
           </a:xfrm>
         </p:spPr>
         <p:txBody>
@@ -11547,162 +11520,70 @@
           <a:lstStyle/>
           <a:p>
             <a:r>
-              <a:rPr lang="en-US" sz="2200" dirty="0">
-                <a:latin typeface="Corbel"/>
-                <a:cs typeface="Corbel"/>
-              </a:rPr>
-              <a:t>HYDRA </a:t>
-            </a:r>
-            <a:r>
-              <a:rPr lang="en-US" sz="2200" dirty="0" smtClean="0">
-                <a:latin typeface="Corbel"/>
-                <a:cs typeface="Corbel"/>
-              </a:rPr>
-              <a:t>– large </a:t>
-            </a:r>
-            <a:r>
-              <a:rPr lang="en-US" sz="2200" dirty="0" err="1" smtClean="0">
-                <a:latin typeface="Corbel"/>
-                <a:cs typeface="Corbel"/>
-              </a:rPr>
-              <a:t>multiphysics</a:t>
-            </a:r>
-            <a:r>
-              <a:rPr lang="en-US" sz="2200" dirty="0" smtClean="0">
-                <a:latin typeface="Corbel"/>
-                <a:cs typeface="Corbel"/>
-              </a:rPr>
-              <a:t> MPI/OpenMP application</a:t>
-            </a:r>
-          </a:p>
-          <a:p>
-            <a:r>
-              <a:rPr lang="en-US" sz="2200" dirty="0" smtClean="0">
-                <a:latin typeface="Corbel"/>
-                <a:cs typeface="Corbel"/>
-              </a:rPr>
-              <a:t>Non-deterministic crashes on a threaded version of </a:t>
-            </a:r>
-            <a:r>
-              <a:rPr lang="en-US" sz="2200" dirty="0" err="1" smtClean="0">
-                <a:latin typeface="Corbel"/>
-                <a:cs typeface="Corbel"/>
-              </a:rPr>
-              <a:t>Hypre</a:t>
-            </a:r>
-            <a:r>
-              <a:rPr lang="en-US" sz="2200" dirty="0" smtClean="0">
-                <a:latin typeface="Corbel"/>
-                <a:cs typeface="Corbel"/>
-              </a:rPr>
-              <a:t> library</a:t>
+              <a:rPr lang="en-US" sz="2600" dirty="0"/>
+              <a:t>Data race bugs in multi-threaded environment</a:t>
+            </a:r>
+            <a:r>
+              <a:rPr lang="en-US" sz="2600" dirty="0" smtClean="0"/>
+              <a:t>:</a:t>
+            </a:r>
+          </a:p>
+          <a:p>
+            <a:pPr lvl="1"/>
+            <a:r>
+              <a:rPr lang="en-US" sz="2200" dirty="0" smtClean="0"/>
+              <a:t>One </a:t>
+            </a:r>
+            <a:r>
+              <a:rPr lang="en-US" sz="2200" dirty="0"/>
+              <a:t>of the most notorious sources of unsafe non-</a:t>
+            </a:r>
+            <a:r>
+              <a:rPr lang="en-US" sz="2200" dirty="0" smtClean="0"/>
+              <a:t>determinism</a:t>
+            </a:r>
+            <a:endParaRPr lang="en-US" sz="2200" dirty="0"/>
+          </a:p>
+          <a:p>
+            <a:pPr lvl="1"/>
+            <a:r>
+              <a:rPr lang="en-US" sz="2200" dirty="0"/>
+              <a:t>Identifying them in large OpenMP applications is highly </a:t>
+            </a:r>
+            <a:r>
+              <a:rPr lang="en-US" sz="2200" dirty="0" smtClean="0"/>
+              <a:t>challenging</a:t>
             </a:r>
             <a:endParaRPr lang="en-US" sz="2200" dirty="0">
-              <a:latin typeface="Corbel"/>
-              <a:cs typeface="Corbel"/>
-            </a:endParaRPr>
-          </a:p>
-          <a:p>
-            <a:r>
-              <a:rPr lang="en-US" sz="2200" dirty="0">
-                <a:latin typeface="Corbel"/>
-                <a:cs typeface="Corbel"/>
-              </a:rPr>
-              <a:t>Above certain optimization levels and certain scales (8K MPI processes</a:t>
-            </a:r>
-            <a:r>
-              <a:rPr lang="en-US" sz="2200" dirty="0" smtClean="0">
-                <a:latin typeface="Corbel"/>
-                <a:cs typeface="Corbel"/>
-              </a:rPr>
-              <a:t>)</a:t>
-            </a:r>
-          </a:p>
-          <a:p>
-            <a:r>
-              <a:rPr lang="en-US" sz="2200" dirty="0" smtClean="0">
-                <a:latin typeface="Corbel"/>
-                <a:cs typeface="Corbel"/>
-              </a:rPr>
-              <a:t>Suspected data </a:t>
-            </a:r>
-            <a:r>
-              <a:rPr lang="en-US" sz="2200" dirty="0" smtClean="0">
-                <a:latin typeface="Corbel"/>
-                <a:cs typeface="Corbel"/>
-              </a:rPr>
-              <a:t>race</a:t>
-            </a:r>
-          </a:p>
-          <a:p>
-            <a:r>
-              <a:rPr lang="en-US" sz="2200" dirty="0" smtClean="0">
-                <a:latin typeface="Corbel"/>
-                <a:cs typeface="Corbel"/>
-              </a:rPr>
-              <a:t>Disable OpenMP in </a:t>
-            </a:r>
-            <a:r>
-              <a:rPr lang="en-US" sz="2200" dirty="0" err="1" smtClean="0">
-                <a:latin typeface="Corbel"/>
-                <a:cs typeface="Corbel"/>
-              </a:rPr>
-              <a:t>Hypre</a:t>
-            </a:r>
-            <a:endParaRPr lang="en-US" sz="2200" dirty="0" smtClean="0">
-              <a:latin typeface="Corbel"/>
-              <a:cs typeface="Corbel"/>
-            </a:endParaRPr>
-          </a:p>
-          <a:p>
-            <a:r>
-              <a:rPr lang="en-US" sz="2200" b="1" dirty="0" smtClean="0">
-                <a:solidFill>
-                  <a:srgbClr val="FF0000"/>
-                </a:solidFill>
-                <a:latin typeface="Corbel"/>
-                <a:cs typeface="Corbel"/>
-              </a:rPr>
-              <a:t>Cost scientists </a:t>
-            </a:r>
-            <a:r>
-              <a:rPr lang="en-US" sz="2200" b="1" dirty="0" smtClean="0">
-                <a:solidFill>
-                  <a:srgbClr val="FF0000"/>
-                </a:solidFill>
-                <a:latin typeface="Corbel"/>
-                <a:cs typeface="Corbel"/>
-              </a:rPr>
-              <a:t>months …and performance!</a:t>
-            </a:r>
-            <a:endParaRPr lang="en-US" sz="2200" b="1" dirty="0">
-              <a:solidFill>
-                <a:srgbClr val="FF0000"/>
-              </a:solidFill>
-              <a:latin typeface="Corbel"/>
-              <a:cs typeface="Corbel"/>
+              <a:effectLst/>
             </a:endParaRPr>
           </a:p>
         </p:txBody>
       </p:sp>
       <p:pic>
         <p:nvPicPr>
-          <p:cNvPr id="12" name="Picture 11"/>
+          <p:cNvPr id="3" name="Picture 2" descr="table.pdf"/>
           <p:cNvPicPr>
             <a:picLocks noChangeAspect="1"/>
           </p:cNvPicPr>
           <p:nvPr/>
         </p:nvPicPr>
         <p:blipFill>
-          <a:blip r:embed="rId2"/>
+          <a:blip r:embed="rId2">
+            <a:extLst>
+              <a:ext uri="{28A0092B-C50C-407E-A947-70E740481C1C}">
+                <a14:useLocalDpi xmlns:a14="http://schemas.microsoft.com/office/drawing/2010/main" val="0"/>
+              </a:ext>
+            </a:extLst>
+          </a:blip>
           <a:stretch>
             <a:fillRect/>
           </a:stretch>
         </p:blipFill>
         <p:spPr>
           <a:xfrm>
-            <a:off x="5498569" y="2632383"/>
-            <a:ext cx="3188231" cy="2582466"/>
+            <a:off x="457200" y="4039482"/>
+            <a:ext cx="8229600" cy="1864376"/>
           </a:xfrm>
           <a:prstGeom prst="rect">
             <a:avLst/>
@@ -11711,7 +11592,7 @@
       </p:pic>
       <p:sp>
         <p:nvSpPr>
-          <p:cNvPr id="3" name="Slide Number Placeholder 2"/>
+          <p:cNvPr id="4" name="Slide Number Placeholder 3"/>
           <p:cNvSpPr>
             <a:spLocks noGrp="1"/>
           </p:cNvSpPr>
@@ -11735,7 +11616,7 @@
     </p:spTree>
     <p:extLst>
       <p:ext uri="{BB962C8B-B14F-4D97-AF65-F5344CB8AC3E}">
-        <p14:creationId xmlns:p14="http://schemas.microsoft.com/office/powerpoint/2010/main" val="4074930994"/>
+        <p14:creationId xmlns:p14="http://schemas.microsoft.com/office/powerpoint/2010/main" val="2678766466"/>
       </p:ext>
     </p:extLst>
   </p:cSld>
@@ -11799,9 +11680,10 @@
               <a:rPr lang="en-US" dirty="0" smtClean="0"/>
             </a:br>
             <a:r>
-              <a:rPr lang="en-US" sz="2700" dirty="0"/>
-              <a:t>Gap in High-End computing environment </a:t>
-            </a:r>
+              <a:rPr lang="en-US" sz="2700" dirty="0" smtClean="0"/>
+              <a:t>OpenMP is widely used in HPC applications</a:t>
+            </a:r>
+            <a:endParaRPr lang="en-US" dirty="0"/>
           </a:p>
         </p:txBody>
       </p:sp>
@@ -11817,8 +11699,8 @@
         </p:nvSpPr>
         <p:spPr>
           <a:xfrm>
-            <a:off x="457200" y="2013450"/>
-            <a:ext cx="8229600" cy="1499143"/>
+            <a:off x="457199" y="2013450"/>
+            <a:ext cx="5041369" cy="3809348"/>
           </a:xfrm>
         </p:spPr>
         <p:txBody>
@@ -11828,70 +11710,145 @@
           <a:lstStyle/>
           <a:p>
             <a:r>
-              <a:rPr lang="en-US" sz="2600" dirty="0"/>
-              <a:t>Data race bugs in multi-threaded environment</a:t>
-            </a:r>
-            <a:r>
-              <a:rPr lang="en-US" sz="2600" dirty="0" smtClean="0"/>
-              <a:t>:</a:t>
-            </a:r>
-          </a:p>
-          <a:p>
-            <a:pPr lvl="1"/>
-            <a:r>
-              <a:rPr lang="en-US" sz="2200" dirty="0" smtClean="0"/>
-              <a:t>One </a:t>
-            </a:r>
-            <a:r>
-              <a:rPr lang="en-US" sz="2200" dirty="0"/>
-              <a:t>of the most notorious sources of unsafe non-</a:t>
-            </a:r>
-            <a:r>
-              <a:rPr lang="en-US" sz="2200" dirty="0" smtClean="0"/>
-              <a:t>determinism</a:t>
-            </a:r>
-            <a:endParaRPr lang="en-US" sz="2200" dirty="0"/>
-          </a:p>
-          <a:p>
-            <a:pPr lvl="1"/>
-            <a:r>
-              <a:rPr lang="en-US" sz="2200" dirty="0"/>
-              <a:t>Identifying them in large OpenMP applications is highly </a:t>
-            </a:r>
-            <a:r>
-              <a:rPr lang="en-US" sz="2200" dirty="0" smtClean="0"/>
-              <a:t>challenging</a:t>
+              <a:rPr lang="en-US" sz="2200" dirty="0">
+                <a:latin typeface="Corbel"/>
+                <a:cs typeface="Corbel"/>
+              </a:rPr>
+              <a:t>HYDRA </a:t>
+            </a:r>
+            <a:r>
+              <a:rPr lang="en-US" sz="2200" dirty="0" smtClean="0">
+                <a:latin typeface="Corbel"/>
+                <a:cs typeface="Corbel"/>
+              </a:rPr>
+              <a:t>– large </a:t>
+            </a:r>
+            <a:r>
+              <a:rPr lang="en-US" sz="2200" dirty="0" err="1" smtClean="0">
+                <a:latin typeface="Corbel"/>
+                <a:cs typeface="Corbel"/>
+              </a:rPr>
+              <a:t>multiphysics</a:t>
+            </a:r>
+            <a:r>
+              <a:rPr lang="en-US" sz="2200" dirty="0" smtClean="0">
+                <a:latin typeface="Corbel"/>
+                <a:cs typeface="Corbel"/>
+              </a:rPr>
+              <a:t> MPI/OpenMP application</a:t>
+            </a:r>
+          </a:p>
+          <a:p>
+            <a:r>
+              <a:rPr lang="en-US" sz="2200" dirty="0" smtClean="0">
+                <a:latin typeface="Corbel"/>
+                <a:cs typeface="Corbel"/>
+              </a:rPr>
+              <a:t>Non-deterministic crashes on a threaded version of </a:t>
+            </a:r>
+            <a:r>
+              <a:rPr lang="en-US" sz="2200" dirty="0" err="1" smtClean="0">
+                <a:latin typeface="Corbel"/>
+                <a:cs typeface="Corbel"/>
+              </a:rPr>
+              <a:t>Hypre</a:t>
+            </a:r>
+            <a:r>
+              <a:rPr lang="en-US" sz="2200" dirty="0" smtClean="0">
+                <a:latin typeface="Corbel"/>
+                <a:cs typeface="Corbel"/>
+              </a:rPr>
+              <a:t> library</a:t>
             </a:r>
             <a:endParaRPr lang="en-US" sz="2200" dirty="0">
-              <a:effectLst/>
+              <a:latin typeface="Corbel"/>
+              <a:cs typeface="Corbel"/>
+            </a:endParaRPr>
+          </a:p>
+          <a:p>
+            <a:r>
+              <a:rPr lang="en-US" sz="2200" dirty="0">
+                <a:latin typeface="Corbel"/>
+                <a:cs typeface="Corbel"/>
+              </a:rPr>
+              <a:t>Above certain optimization levels and certain scales (8K MPI processes</a:t>
+            </a:r>
+            <a:r>
+              <a:rPr lang="en-US" sz="2200" dirty="0" smtClean="0">
+                <a:latin typeface="Corbel"/>
+                <a:cs typeface="Corbel"/>
+              </a:rPr>
+              <a:t>)</a:t>
+            </a:r>
+          </a:p>
+          <a:p>
+            <a:r>
+              <a:rPr lang="en-US" sz="2200" dirty="0" smtClean="0">
+                <a:latin typeface="Corbel"/>
+                <a:cs typeface="Corbel"/>
+              </a:rPr>
+              <a:t>Suspected data race</a:t>
+            </a:r>
+          </a:p>
+          <a:p>
+            <a:r>
+              <a:rPr lang="en-US" sz="2200" dirty="0" smtClean="0">
+                <a:latin typeface="Corbel"/>
+                <a:cs typeface="Corbel"/>
+              </a:rPr>
+              <a:t>Disable OpenMP in </a:t>
+            </a:r>
+            <a:r>
+              <a:rPr lang="en-US" sz="2200" dirty="0" err="1" smtClean="0">
+                <a:latin typeface="Corbel"/>
+                <a:cs typeface="Corbel"/>
+              </a:rPr>
+              <a:t>Hypre</a:t>
+            </a:r>
+            <a:endParaRPr lang="en-US" sz="2200" dirty="0" smtClean="0">
+              <a:latin typeface="Corbel"/>
+              <a:cs typeface="Corbel"/>
+            </a:endParaRPr>
+          </a:p>
+          <a:p>
+            <a:r>
+              <a:rPr lang="en-US" sz="2200" b="1" dirty="0" smtClean="0">
+                <a:solidFill>
+                  <a:srgbClr val="FF0000"/>
+                </a:solidFill>
+                <a:latin typeface="Corbel"/>
+                <a:cs typeface="Corbel"/>
+              </a:rPr>
+              <a:t>Cost scientists months …and performance!</a:t>
+            </a:r>
+            <a:endParaRPr lang="en-US" sz="2200" b="1" dirty="0">
+              <a:solidFill>
+                <a:srgbClr val="FF0000"/>
+              </a:solidFill>
+              <a:latin typeface="Corbel"/>
+              <a:cs typeface="Corbel"/>
             </a:endParaRPr>
           </a:p>
         </p:txBody>
       </p:sp>
       <p:pic>
         <p:nvPicPr>
-          <p:cNvPr id="3" name="Picture 2" descr="table.pdf"/>
+          <p:cNvPr id="12" name="Picture 11"/>
           <p:cNvPicPr>
             <a:picLocks noChangeAspect="1"/>
           </p:cNvPicPr>
           <p:nvPr/>
         </p:nvPicPr>
         <p:blipFill>
-          <a:blip r:embed="rId2">
-            <a:extLst>
-              <a:ext uri="{28A0092B-C50C-407E-A947-70E740481C1C}">
-                <a14:useLocalDpi xmlns:a14="http://schemas.microsoft.com/office/drawing/2010/main" val="0"/>
-              </a:ext>
-            </a:extLst>
-          </a:blip>
+          <a:blip r:embed="rId2"/>
           <a:stretch>
             <a:fillRect/>
           </a:stretch>
         </p:blipFill>
         <p:spPr>
           <a:xfrm>
-            <a:off x="457200" y="4039482"/>
-            <a:ext cx="8229600" cy="1864376"/>
+            <a:off x="5498569" y="2632383"/>
+            <a:ext cx="3188231" cy="2582466"/>
           </a:xfrm>
           <a:prstGeom prst="rect">
             <a:avLst/>
@@ -11900,7 +11857,7 @@
       </p:pic>
       <p:sp>
         <p:nvSpPr>
-          <p:cNvPr id="4" name="Slide Number Placeholder 3"/>
+          <p:cNvPr id="3" name="Slide Number Placeholder 2"/>
           <p:cNvSpPr>
             <a:spLocks noGrp="1"/>
           </p:cNvSpPr>
@@ -11924,7 +11881,7 @@
     </p:spTree>
     <p:extLst>
       <p:ext uri="{BB962C8B-B14F-4D97-AF65-F5344CB8AC3E}">
-        <p14:creationId xmlns:p14="http://schemas.microsoft.com/office/powerpoint/2010/main" val="2678766466"/>
+        <p14:creationId xmlns:p14="http://schemas.microsoft.com/office/powerpoint/2010/main" val="4074930994"/>
       </p:ext>
     </p:extLst>
   </p:cSld>
